--- a/Pervasive_presentation_Milestone1_group8.pptx
+++ b/Pervasive_presentation_Milestone1_group8.pptx
@@ -13,6 +13,8 @@
     <p:sldId id="261" r:id="rId7"/>
     <p:sldId id="262" r:id="rId8"/>
     <p:sldId id="263" r:id="rId9"/>
+    <p:sldId id="264" r:id="rId10"/>
+    <p:sldId id="265" r:id="rId11"/>
   </p:sldIdLst>
   <p:sldSz cx="12192000" cy="6858000"/>
   <p:notesSz cx="6858000" cy="9144000"/>
@@ -111,11 +113,2785 @@
       </a:defRPr>
     </a:lvl9pPr>
   </p:defaultTextStyle>
+  <p:extLst>
+    <p:ext uri="{EFAFB233-063F-42B5-8137-9DF3F51BA10A}">
+      <p15:sldGuideLst xmlns:p15="http://schemas.microsoft.com/office/powerpoint/2012/main"/>
+    </p:ext>
+  </p:extLst>
 </p:presentation>
 </file>
 
 <file path=ppt/revisionInfo.xml><?xml version="1.0" encoding="utf-8"?>
 <p1510:revInfo xmlns:a="http://schemas.openxmlformats.org/drawingml/2006/main" xmlns:r="http://schemas.openxmlformats.org/officeDocument/2006/relationships" xmlns:p1510="http://schemas.microsoft.com/office/powerpoint/2015/10/main"/>
+</file>
+
+<file path=ppt/diagrams/colors1.xml><?xml version="1.0" encoding="utf-8"?>
+<dgm:colorsDef xmlns:dgm="http://schemas.openxmlformats.org/drawingml/2006/diagram" xmlns:a="http://schemas.openxmlformats.org/drawingml/2006/main" uniqueId="urn:microsoft.com/office/officeart/2005/8/colors/accent1_2">
+  <dgm:title val=""/>
+  <dgm:desc val=""/>
+  <dgm:catLst>
+    <dgm:cat type="accent1" pri="11200"/>
+  </dgm:catLst>
+  <dgm:styleLbl name="node0">
+    <dgm:fillClrLst meth="repeat">
+      <a:schemeClr val="accent1"/>
+    </dgm:fillClrLst>
+    <dgm:linClrLst meth="repeat">
+      <a:schemeClr val="lt1"/>
+    </dgm:linClrLst>
+    <dgm:effectClrLst/>
+    <dgm:txLinClrLst/>
+    <dgm:txFillClrLst/>
+    <dgm:txEffectClrLst/>
+  </dgm:styleLbl>
+  <dgm:styleLbl name="alignNode1">
+    <dgm:fillClrLst meth="repeat">
+      <a:schemeClr val="accent1"/>
+    </dgm:fillClrLst>
+    <dgm:linClrLst meth="repeat">
+      <a:schemeClr val="accent1"/>
+    </dgm:linClrLst>
+    <dgm:effectClrLst/>
+    <dgm:txLinClrLst/>
+    <dgm:txFillClrLst/>
+    <dgm:txEffectClrLst/>
+  </dgm:styleLbl>
+  <dgm:styleLbl name="node1">
+    <dgm:fillClrLst meth="repeat">
+      <a:schemeClr val="accent1"/>
+    </dgm:fillClrLst>
+    <dgm:linClrLst meth="repeat">
+      <a:schemeClr val="lt1"/>
+    </dgm:linClrLst>
+    <dgm:effectClrLst/>
+    <dgm:txLinClrLst/>
+    <dgm:txFillClrLst/>
+    <dgm:txEffectClrLst/>
+  </dgm:styleLbl>
+  <dgm:styleLbl name="lnNode1">
+    <dgm:fillClrLst meth="repeat">
+      <a:schemeClr val="accent1"/>
+    </dgm:fillClrLst>
+    <dgm:linClrLst meth="repeat">
+      <a:schemeClr val="lt1"/>
+    </dgm:linClrLst>
+    <dgm:effectClrLst/>
+    <dgm:txLinClrLst/>
+    <dgm:txFillClrLst/>
+    <dgm:txEffectClrLst/>
+  </dgm:styleLbl>
+  <dgm:styleLbl name="vennNode1">
+    <dgm:fillClrLst meth="repeat">
+      <a:schemeClr val="accent1">
+        <a:alpha val="50000"/>
+      </a:schemeClr>
+    </dgm:fillClrLst>
+    <dgm:linClrLst meth="repeat">
+      <a:schemeClr val="lt1"/>
+    </dgm:linClrLst>
+    <dgm:effectClrLst/>
+    <dgm:txLinClrLst/>
+    <dgm:txFillClrLst/>
+    <dgm:txEffectClrLst/>
+  </dgm:styleLbl>
+  <dgm:styleLbl name="node2">
+    <dgm:fillClrLst meth="repeat">
+      <a:schemeClr val="accent1"/>
+    </dgm:fillClrLst>
+    <dgm:linClrLst meth="repeat">
+      <a:schemeClr val="lt1"/>
+    </dgm:linClrLst>
+    <dgm:effectClrLst/>
+    <dgm:txLinClrLst/>
+    <dgm:txFillClrLst/>
+    <dgm:txEffectClrLst/>
+  </dgm:styleLbl>
+  <dgm:styleLbl name="node3">
+    <dgm:fillClrLst meth="repeat">
+      <a:schemeClr val="accent1"/>
+    </dgm:fillClrLst>
+    <dgm:linClrLst meth="repeat">
+      <a:schemeClr val="lt1"/>
+    </dgm:linClrLst>
+    <dgm:effectClrLst/>
+    <dgm:txLinClrLst/>
+    <dgm:txFillClrLst/>
+    <dgm:txEffectClrLst/>
+  </dgm:styleLbl>
+  <dgm:styleLbl name="node4">
+    <dgm:fillClrLst meth="repeat">
+      <a:schemeClr val="accent1"/>
+    </dgm:fillClrLst>
+    <dgm:linClrLst meth="repeat">
+      <a:schemeClr val="lt1"/>
+    </dgm:linClrLst>
+    <dgm:effectClrLst/>
+    <dgm:txLinClrLst/>
+    <dgm:txFillClrLst/>
+    <dgm:txEffectClrLst/>
+  </dgm:styleLbl>
+  <dgm:styleLbl name="fgImgPlace1">
+    <dgm:fillClrLst meth="repeat">
+      <a:schemeClr val="accent1">
+        <a:tint val="50000"/>
+      </a:schemeClr>
+    </dgm:fillClrLst>
+    <dgm:linClrLst meth="repeat">
+      <a:schemeClr val="lt1"/>
+    </dgm:linClrLst>
+    <dgm:effectClrLst/>
+    <dgm:txLinClrLst/>
+    <dgm:txFillClrLst meth="repeat">
+      <a:schemeClr val="lt1"/>
+    </dgm:txFillClrLst>
+    <dgm:txEffectClrLst/>
+  </dgm:styleLbl>
+  <dgm:styleLbl name="alignImgPlace1">
+    <dgm:fillClrLst meth="repeat">
+      <a:schemeClr val="accent1">
+        <a:tint val="50000"/>
+      </a:schemeClr>
+    </dgm:fillClrLst>
+    <dgm:linClrLst meth="repeat">
+      <a:schemeClr val="lt1"/>
+    </dgm:linClrLst>
+    <dgm:effectClrLst/>
+    <dgm:txLinClrLst/>
+    <dgm:txFillClrLst meth="repeat">
+      <a:schemeClr val="lt1"/>
+    </dgm:txFillClrLst>
+    <dgm:txEffectClrLst/>
+  </dgm:styleLbl>
+  <dgm:styleLbl name="bgImgPlace1">
+    <dgm:fillClrLst meth="repeat">
+      <a:schemeClr val="accent1">
+        <a:tint val="50000"/>
+      </a:schemeClr>
+    </dgm:fillClrLst>
+    <dgm:linClrLst meth="repeat">
+      <a:schemeClr val="lt1"/>
+    </dgm:linClrLst>
+    <dgm:effectClrLst/>
+    <dgm:txLinClrLst/>
+    <dgm:txFillClrLst meth="repeat">
+      <a:schemeClr val="lt1"/>
+    </dgm:txFillClrLst>
+    <dgm:txEffectClrLst/>
+  </dgm:styleLbl>
+  <dgm:styleLbl name="sibTrans2D1">
+    <dgm:fillClrLst meth="repeat">
+      <a:schemeClr val="accent1">
+        <a:tint val="60000"/>
+      </a:schemeClr>
+    </dgm:fillClrLst>
+    <dgm:linClrLst meth="repeat">
+      <a:schemeClr val="accent1">
+        <a:tint val="60000"/>
+      </a:schemeClr>
+    </dgm:linClrLst>
+    <dgm:effectClrLst/>
+    <dgm:txLinClrLst/>
+    <dgm:txFillClrLst/>
+    <dgm:txEffectClrLst/>
+  </dgm:styleLbl>
+  <dgm:styleLbl name="fgSibTrans2D1">
+    <dgm:fillClrLst meth="repeat">
+      <a:schemeClr val="accent1">
+        <a:tint val="60000"/>
+      </a:schemeClr>
+    </dgm:fillClrLst>
+    <dgm:linClrLst meth="repeat">
+      <a:schemeClr val="accent1">
+        <a:tint val="60000"/>
+      </a:schemeClr>
+    </dgm:linClrLst>
+    <dgm:effectClrLst/>
+    <dgm:txLinClrLst/>
+    <dgm:txFillClrLst/>
+    <dgm:txEffectClrLst/>
+  </dgm:styleLbl>
+  <dgm:styleLbl name="bgSibTrans2D1">
+    <dgm:fillClrLst meth="repeat">
+      <a:schemeClr val="accent1">
+        <a:tint val="60000"/>
+      </a:schemeClr>
+    </dgm:fillClrLst>
+    <dgm:linClrLst meth="repeat">
+      <a:schemeClr val="accent1">
+        <a:tint val="60000"/>
+      </a:schemeClr>
+    </dgm:linClrLst>
+    <dgm:effectClrLst/>
+    <dgm:txLinClrLst/>
+    <dgm:txFillClrLst/>
+    <dgm:txEffectClrLst/>
+  </dgm:styleLbl>
+  <dgm:styleLbl name="sibTrans1D1">
+    <dgm:fillClrLst meth="repeat">
+      <a:schemeClr val="accent1"/>
+    </dgm:fillClrLst>
+    <dgm:linClrLst meth="repeat">
+      <a:schemeClr val="accent1"/>
+    </dgm:linClrLst>
+    <dgm:effectClrLst/>
+    <dgm:txLinClrLst/>
+    <dgm:txFillClrLst meth="repeat">
+      <a:schemeClr val="tx1"/>
+    </dgm:txFillClrLst>
+    <dgm:txEffectClrLst/>
+  </dgm:styleLbl>
+  <dgm:styleLbl name="callout">
+    <dgm:fillClrLst meth="repeat">
+      <a:schemeClr val="accent1"/>
+    </dgm:fillClrLst>
+    <dgm:linClrLst meth="repeat">
+      <a:schemeClr val="accent1">
+        <a:tint val="50000"/>
+      </a:schemeClr>
+    </dgm:linClrLst>
+    <dgm:effectClrLst/>
+    <dgm:txLinClrLst/>
+    <dgm:txFillClrLst meth="repeat">
+      <a:schemeClr val="tx1"/>
+    </dgm:txFillClrLst>
+    <dgm:txEffectClrLst/>
+  </dgm:styleLbl>
+  <dgm:styleLbl name="asst0">
+    <dgm:fillClrLst meth="repeat">
+      <a:schemeClr val="accent1"/>
+    </dgm:fillClrLst>
+    <dgm:linClrLst meth="repeat">
+      <a:schemeClr val="lt1"/>
+    </dgm:linClrLst>
+    <dgm:effectClrLst/>
+    <dgm:txLinClrLst/>
+    <dgm:txFillClrLst/>
+    <dgm:txEffectClrLst/>
+  </dgm:styleLbl>
+  <dgm:styleLbl name="asst1">
+    <dgm:fillClrLst meth="repeat">
+      <a:schemeClr val="accent1"/>
+    </dgm:fillClrLst>
+    <dgm:linClrLst meth="repeat">
+      <a:schemeClr val="lt1"/>
+    </dgm:linClrLst>
+    <dgm:effectClrLst/>
+    <dgm:txLinClrLst/>
+    <dgm:txFillClrLst/>
+    <dgm:txEffectClrLst/>
+  </dgm:styleLbl>
+  <dgm:styleLbl name="asst2">
+    <dgm:fillClrLst meth="repeat">
+      <a:schemeClr val="accent1"/>
+    </dgm:fillClrLst>
+    <dgm:linClrLst meth="repeat">
+      <a:schemeClr val="lt1"/>
+    </dgm:linClrLst>
+    <dgm:effectClrLst/>
+    <dgm:txLinClrLst/>
+    <dgm:txFillClrLst/>
+    <dgm:txEffectClrLst/>
+  </dgm:styleLbl>
+  <dgm:styleLbl name="asst3">
+    <dgm:fillClrLst meth="repeat">
+      <a:schemeClr val="accent1"/>
+    </dgm:fillClrLst>
+    <dgm:linClrLst meth="repeat">
+      <a:schemeClr val="lt1"/>
+    </dgm:linClrLst>
+    <dgm:effectClrLst/>
+    <dgm:txLinClrLst/>
+    <dgm:txFillClrLst/>
+    <dgm:txEffectClrLst/>
+  </dgm:styleLbl>
+  <dgm:styleLbl name="asst4">
+    <dgm:fillClrLst meth="repeat">
+      <a:schemeClr val="accent1"/>
+    </dgm:fillClrLst>
+    <dgm:linClrLst meth="repeat">
+      <a:schemeClr val="lt1"/>
+    </dgm:linClrLst>
+    <dgm:effectClrLst/>
+    <dgm:txLinClrLst/>
+    <dgm:txFillClrLst/>
+    <dgm:txEffectClrLst/>
+  </dgm:styleLbl>
+  <dgm:styleLbl name="parChTrans2D1">
+    <dgm:fillClrLst meth="repeat">
+      <a:schemeClr val="accent1">
+        <a:tint val="60000"/>
+      </a:schemeClr>
+    </dgm:fillClrLst>
+    <dgm:linClrLst meth="repeat">
+      <a:schemeClr val="accent1">
+        <a:tint val="60000"/>
+      </a:schemeClr>
+    </dgm:linClrLst>
+    <dgm:effectClrLst/>
+    <dgm:txLinClrLst/>
+    <dgm:txFillClrLst meth="repeat">
+      <a:schemeClr val="lt1"/>
+    </dgm:txFillClrLst>
+    <dgm:txEffectClrLst/>
+  </dgm:styleLbl>
+  <dgm:styleLbl name="parChTrans2D2">
+    <dgm:fillClrLst meth="repeat">
+      <a:schemeClr val="accent1"/>
+    </dgm:fillClrLst>
+    <dgm:linClrLst meth="repeat">
+      <a:schemeClr val="accent1"/>
+    </dgm:linClrLst>
+    <dgm:effectClrLst/>
+    <dgm:txLinClrLst/>
+    <dgm:txFillClrLst meth="repeat">
+      <a:schemeClr val="lt1"/>
+    </dgm:txFillClrLst>
+    <dgm:txEffectClrLst/>
+  </dgm:styleLbl>
+  <dgm:styleLbl name="parChTrans2D3">
+    <dgm:fillClrLst meth="repeat">
+      <a:schemeClr val="accent1"/>
+    </dgm:fillClrLst>
+    <dgm:linClrLst meth="repeat">
+      <a:schemeClr val="accent1"/>
+    </dgm:linClrLst>
+    <dgm:effectClrLst/>
+    <dgm:txLinClrLst/>
+    <dgm:txFillClrLst meth="repeat">
+      <a:schemeClr val="lt1"/>
+    </dgm:txFillClrLst>
+    <dgm:txEffectClrLst/>
+  </dgm:styleLbl>
+  <dgm:styleLbl name="parChTrans2D4">
+    <dgm:fillClrLst meth="repeat">
+      <a:schemeClr val="accent1"/>
+    </dgm:fillClrLst>
+    <dgm:linClrLst meth="repeat">
+      <a:schemeClr val="accent1"/>
+    </dgm:linClrLst>
+    <dgm:effectClrLst/>
+    <dgm:txLinClrLst/>
+    <dgm:txFillClrLst meth="repeat">
+      <a:schemeClr val="lt1"/>
+    </dgm:txFillClrLst>
+    <dgm:txEffectClrLst/>
+  </dgm:styleLbl>
+  <dgm:styleLbl name="parChTrans1D1">
+    <dgm:fillClrLst meth="repeat">
+      <a:schemeClr val="accent1"/>
+    </dgm:fillClrLst>
+    <dgm:linClrLst meth="repeat">
+      <a:schemeClr val="accent1">
+        <a:shade val="60000"/>
+      </a:schemeClr>
+    </dgm:linClrLst>
+    <dgm:effectClrLst/>
+    <dgm:txLinClrLst/>
+    <dgm:txFillClrLst meth="repeat">
+      <a:schemeClr val="tx1"/>
+    </dgm:txFillClrLst>
+    <dgm:txEffectClrLst/>
+  </dgm:styleLbl>
+  <dgm:styleLbl name="parChTrans1D2">
+    <dgm:fillClrLst meth="repeat">
+      <a:schemeClr val="accent1"/>
+    </dgm:fillClrLst>
+    <dgm:linClrLst meth="repeat">
+      <a:schemeClr val="accent1">
+        <a:shade val="60000"/>
+      </a:schemeClr>
+    </dgm:linClrLst>
+    <dgm:effectClrLst/>
+    <dgm:txLinClrLst/>
+    <dgm:txFillClrLst meth="repeat">
+      <a:schemeClr val="tx1"/>
+    </dgm:txFillClrLst>
+    <dgm:txEffectClrLst/>
+  </dgm:styleLbl>
+  <dgm:styleLbl name="parChTrans1D3">
+    <dgm:fillClrLst meth="repeat">
+      <a:schemeClr val="accent1"/>
+    </dgm:fillClrLst>
+    <dgm:linClrLst meth="repeat">
+      <a:schemeClr val="accent1">
+        <a:shade val="80000"/>
+      </a:schemeClr>
+    </dgm:linClrLst>
+    <dgm:effectClrLst/>
+    <dgm:txLinClrLst/>
+    <dgm:txFillClrLst meth="repeat">
+      <a:schemeClr val="tx1"/>
+    </dgm:txFillClrLst>
+    <dgm:txEffectClrLst/>
+  </dgm:styleLbl>
+  <dgm:styleLbl name="parChTrans1D4">
+    <dgm:fillClrLst meth="repeat">
+      <a:schemeClr val="accent1"/>
+    </dgm:fillClrLst>
+    <dgm:linClrLst meth="repeat">
+      <a:schemeClr val="accent1">
+        <a:shade val="80000"/>
+      </a:schemeClr>
+    </dgm:linClrLst>
+    <dgm:effectClrLst/>
+    <dgm:txLinClrLst/>
+    <dgm:txFillClrLst meth="repeat">
+      <a:schemeClr val="tx1"/>
+    </dgm:txFillClrLst>
+    <dgm:txEffectClrLst/>
+  </dgm:styleLbl>
+  <dgm:styleLbl name="fgAcc1">
+    <dgm:fillClrLst meth="repeat">
+      <a:schemeClr val="lt1">
+        <a:alpha val="90000"/>
+      </a:schemeClr>
+    </dgm:fillClrLst>
+    <dgm:linClrLst meth="repeat">
+      <a:schemeClr val="accent1"/>
+    </dgm:linClrLst>
+    <dgm:effectClrLst/>
+    <dgm:txLinClrLst/>
+    <dgm:txFillClrLst meth="repeat">
+      <a:schemeClr val="dk1"/>
+    </dgm:txFillClrLst>
+    <dgm:txEffectClrLst/>
+  </dgm:styleLbl>
+  <dgm:styleLbl name="conFgAcc1">
+    <dgm:fillClrLst meth="repeat">
+      <a:schemeClr val="lt1">
+        <a:alpha val="90000"/>
+      </a:schemeClr>
+    </dgm:fillClrLst>
+    <dgm:linClrLst meth="repeat">
+      <a:schemeClr val="accent1"/>
+    </dgm:linClrLst>
+    <dgm:effectClrLst/>
+    <dgm:txLinClrLst/>
+    <dgm:txFillClrLst meth="repeat">
+      <a:schemeClr val="dk1"/>
+    </dgm:txFillClrLst>
+    <dgm:txEffectClrLst/>
+  </dgm:styleLbl>
+  <dgm:styleLbl name="alignAcc1">
+    <dgm:fillClrLst meth="repeat">
+      <a:schemeClr val="lt1">
+        <a:alpha val="90000"/>
+      </a:schemeClr>
+    </dgm:fillClrLst>
+    <dgm:linClrLst meth="repeat">
+      <a:schemeClr val="accent1"/>
+    </dgm:linClrLst>
+    <dgm:effectClrLst/>
+    <dgm:txLinClrLst/>
+    <dgm:txFillClrLst meth="repeat">
+      <a:schemeClr val="dk1"/>
+    </dgm:txFillClrLst>
+    <dgm:txEffectClrLst/>
+  </dgm:styleLbl>
+  <dgm:styleLbl name="trAlignAcc1">
+    <dgm:fillClrLst meth="repeat">
+      <a:schemeClr val="lt1">
+        <a:alpha val="40000"/>
+      </a:schemeClr>
+    </dgm:fillClrLst>
+    <dgm:linClrLst meth="repeat">
+      <a:schemeClr val="accent1"/>
+    </dgm:linClrLst>
+    <dgm:effectClrLst/>
+    <dgm:txLinClrLst/>
+    <dgm:txFillClrLst meth="repeat">
+      <a:schemeClr val="dk1"/>
+    </dgm:txFillClrLst>
+    <dgm:txEffectClrLst/>
+  </dgm:styleLbl>
+  <dgm:styleLbl name="bgAcc1">
+    <dgm:fillClrLst meth="repeat">
+      <a:schemeClr val="lt1">
+        <a:alpha val="90000"/>
+      </a:schemeClr>
+    </dgm:fillClrLst>
+    <dgm:linClrLst meth="repeat">
+      <a:schemeClr val="accent1"/>
+    </dgm:linClrLst>
+    <dgm:effectClrLst/>
+    <dgm:txLinClrLst/>
+    <dgm:txFillClrLst meth="repeat">
+      <a:schemeClr val="dk1"/>
+    </dgm:txFillClrLst>
+    <dgm:txEffectClrLst/>
+  </dgm:styleLbl>
+  <dgm:styleLbl name="solidFgAcc1">
+    <dgm:fillClrLst meth="repeat">
+      <a:schemeClr val="lt1"/>
+    </dgm:fillClrLst>
+    <dgm:linClrLst meth="repeat">
+      <a:schemeClr val="accent1"/>
+    </dgm:linClrLst>
+    <dgm:effectClrLst/>
+    <dgm:txLinClrLst/>
+    <dgm:txFillClrLst meth="repeat">
+      <a:schemeClr val="dk1"/>
+    </dgm:txFillClrLst>
+    <dgm:txEffectClrLst/>
+  </dgm:styleLbl>
+  <dgm:styleLbl name="solidAlignAcc1">
+    <dgm:fillClrLst meth="repeat">
+      <a:schemeClr val="lt1"/>
+    </dgm:fillClrLst>
+    <dgm:linClrLst meth="repeat">
+      <a:schemeClr val="accent1"/>
+    </dgm:linClrLst>
+    <dgm:effectClrLst/>
+    <dgm:txLinClrLst/>
+    <dgm:txFillClrLst meth="repeat">
+      <a:schemeClr val="dk1"/>
+    </dgm:txFillClrLst>
+    <dgm:txEffectClrLst/>
+  </dgm:styleLbl>
+  <dgm:styleLbl name="solidBgAcc1">
+    <dgm:fillClrLst meth="repeat">
+      <a:schemeClr val="lt1"/>
+    </dgm:fillClrLst>
+    <dgm:linClrLst meth="repeat">
+      <a:schemeClr val="accent1"/>
+    </dgm:linClrLst>
+    <dgm:effectClrLst/>
+    <dgm:txLinClrLst/>
+    <dgm:txFillClrLst meth="repeat">
+      <a:schemeClr val="dk1"/>
+    </dgm:txFillClrLst>
+    <dgm:txEffectClrLst/>
+  </dgm:styleLbl>
+  <dgm:styleLbl name="fgAccFollowNode1">
+    <dgm:fillClrLst meth="repeat">
+      <a:schemeClr val="accent1">
+        <a:alpha val="90000"/>
+        <a:tint val="40000"/>
+      </a:schemeClr>
+    </dgm:fillClrLst>
+    <dgm:linClrLst meth="repeat">
+      <a:schemeClr val="accent1">
+        <a:alpha val="90000"/>
+        <a:tint val="40000"/>
+      </a:schemeClr>
+    </dgm:linClrLst>
+    <dgm:effectClrLst/>
+    <dgm:txLinClrLst/>
+    <dgm:txFillClrLst meth="repeat">
+      <a:schemeClr val="dk1"/>
+    </dgm:txFillClrLst>
+    <dgm:txEffectClrLst/>
+  </dgm:styleLbl>
+  <dgm:styleLbl name="alignAccFollowNode1">
+    <dgm:fillClrLst meth="repeat">
+      <a:schemeClr val="accent1">
+        <a:alpha val="90000"/>
+        <a:tint val="40000"/>
+      </a:schemeClr>
+    </dgm:fillClrLst>
+    <dgm:linClrLst meth="repeat">
+      <a:schemeClr val="accent1">
+        <a:alpha val="90000"/>
+        <a:tint val="40000"/>
+      </a:schemeClr>
+    </dgm:linClrLst>
+    <dgm:effectClrLst/>
+    <dgm:txLinClrLst/>
+    <dgm:txFillClrLst meth="repeat">
+      <a:schemeClr val="dk1"/>
+    </dgm:txFillClrLst>
+    <dgm:txEffectClrLst/>
+  </dgm:styleLbl>
+  <dgm:styleLbl name="bgAccFollowNode1">
+    <dgm:fillClrLst meth="repeat">
+      <a:schemeClr val="accent1">
+        <a:alpha val="90000"/>
+        <a:tint val="40000"/>
+      </a:schemeClr>
+    </dgm:fillClrLst>
+    <dgm:linClrLst meth="repeat">
+      <a:schemeClr val="accent1">
+        <a:alpha val="90000"/>
+        <a:tint val="40000"/>
+      </a:schemeClr>
+    </dgm:linClrLst>
+    <dgm:effectClrLst/>
+    <dgm:txLinClrLst/>
+    <dgm:txFillClrLst meth="repeat">
+      <a:schemeClr val="dk1"/>
+    </dgm:txFillClrLst>
+    <dgm:txEffectClrLst/>
+  </dgm:styleLbl>
+  <dgm:styleLbl name="fgAcc0">
+    <dgm:fillClrLst meth="repeat">
+      <a:schemeClr val="lt1">
+        <a:alpha val="90000"/>
+      </a:schemeClr>
+    </dgm:fillClrLst>
+    <dgm:linClrLst meth="repeat">
+      <a:schemeClr val="accent1"/>
+    </dgm:linClrLst>
+    <dgm:effectClrLst/>
+    <dgm:txLinClrLst/>
+    <dgm:txFillClrLst meth="repeat">
+      <a:schemeClr val="dk1"/>
+    </dgm:txFillClrLst>
+    <dgm:txEffectClrLst/>
+  </dgm:styleLbl>
+  <dgm:styleLbl name="fgAcc2">
+    <dgm:fillClrLst meth="repeat">
+      <a:schemeClr val="lt1">
+        <a:alpha val="90000"/>
+      </a:schemeClr>
+    </dgm:fillClrLst>
+    <dgm:linClrLst meth="repeat">
+      <a:schemeClr val="accent1"/>
+    </dgm:linClrLst>
+    <dgm:effectClrLst/>
+    <dgm:txLinClrLst/>
+    <dgm:txFillClrLst meth="repeat">
+      <a:schemeClr val="dk1"/>
+    </dgm:txFillClrLst>
+    <dgm:txEffectClrLst/>
+  </dgm:styleLbl>
+  <dgm:styleLbl name="fgAcc3">
+    <dgm:fillClrLst meth="repeat">
+      <a:schemeClr val="lt1">
+        <a:alpha val="90000"/>
+      </a:schemeClr>
+    </dgm:fillClrLst>
+    <dgm:linClrLst meth="repeat">
+      <a:schemeClr val="accent1"/>
+    </dgm:linClrLst>
+    <dgm:effectClrLst/>
+    <dgm:txLinClrLst/>
+    <dgm:txFillClrLst meth="repeat">
+      <a:schemeClr val="dk1"/>
+    </dgm:txFillClrLst>
+    <dgm:txEffectClrLst/>
+  </dgm:styleLbl>
+  <dgm:styleLbl name="fgAcc4">
+    <dgm:fillClrLst meth="repeat">
+      <a:schemeClr val="lt1">
+        <a:alpha val="90000"/>
+      </a:schemeClr>
+    </dgm:fillClrLst>
+    <dgm:linClrLst meth="repeat">
+      <a:schemeClr val="accent1"/>
+    </dgm:linClrLst>
+    <dgm:effectClrLst/>
+    <dgm:txLinClrLst/>
+    <dgm:txFillClrLst meth="repeat">
+      <a:schemeClr val="dk1"/>
+    </dgm:txFillClrLst>
+    <dgm:txEffectClrLst/>
+  </dgm:styleLbl>
+  <dgm:styleLbl name="bgShp">
+    <dgm:fillClrLst meth="repeat">
+      <a:schemeClr val="accent1">
+        <a:tint val="40000"/>
+      </a:schemeClr>
+    </dgm:fillClrLst>
+    <dgm:linClrLst meth="repeat">
+      <a:schemeClr val="accent1"/>
+    </dgm:linClrLst>
+    <dgm:effectClrLst/>
+    <dgm:txLinClrLst/>
+    <dgm:txFillClrLst meth="repeat">
+      <a:schemeClr val="dk1"/>
+    </dgm:txFillClrLst>
+    <dgm:txEffectClrLst/>
+  </dgm:styleLbl>
+  <dgm:styleLbl name="dkBgShp">
+    <dgm:fillClrLst meth="repeat">
+      <a:schemeClr val="accent1">
+        <a:shade val="80000"/>
+      </a:schemeClr>
+    </dgm:fillClrLst>
+    <dgm:linClrLst meth="repeat">
+      <a:schemeClr val="accent1"/>
+    </dgm:linClrLst>
+    <dgm:effectClrLst/>
+    <dgm:txLinClrLst/>
+    <dgm:txFillClrLst meth="repeat">
+      <a:schemeClr val="lt1"/>
+    </dgm:txFillClrLst>
+    <dgm:txEffectClrLst/>
+  </dgm:styleLbl>
+  <dgm:styleLbl name="trBgShp">
+    <dgm:fillClrLst meth="repeat">
+      <a:schemeClr val="accent1">
+        <a:tint val="50000"/>
+        <a:alpha val="40000"/>
+      </a:schemeClr>
+    </dgm:fillClrLst>
+    <dgm:linClrLst meth="repeat">
+      <a:schemeClr val="accent1"/>
+    </dgm:linClrLst>
+    <dgm:effectClrLst/>
+    <dgm:txLinClrLst/>
+    <dgm:txFillClrLst meth="repeat">
+      <a:schemeClr val="lt1"/>
+    </dgm:txFillClrLst>
+    <dgm:txEffectClrLst/>
+  </dgm:styleLbl>
+  <dgm:styleLbl name="fgShp">
+    <dgm:fillClrLst meth="repeat">
+      <a:schemeClr val="accent1">
+        <a:tint val="60000"/>
+      </a:schemeClr>
+    </dgm:fillClrLst>
+    <dgm:linClrLst meth="repeat">
+      <a:schemeClr val="lt1"/>
+    </dgm:linClrLst>
+    <dgm:effectClrLst/>
+    <dgm:txLinClrLst/>
+    <dgm:txFillClrLst meth="repeat">
+      <a:schemeClr val="dk1"/>
+    </dgm:txFillClrLst>
+    <dgm:txEffectClrLst/>
+  </dgm:styleLbl>
+  <dgm:styleLbl name="revTx">
+    <dgm:fillClrLst meth="repeat">
+      <a:schemeClr val="lt1">
+        <a:alpha val="0"/>
+      </a:schemeClr>
+    </dgm:fillClrLst>
+    <dgm:linClrLst meth="repeat">
+      <a:schemeClr val="dk1">
+        <a:alpha val="0"/>
+      </a:schemeClr>
+    </dgm:linClrLst>
+    <dgm:effectClrLst/>
+    <dgm:txLinClrLst/>
+    <dgm:txFillClrLst meth="repeat">
+      <a:schemeClr val="tx1"/>
+    </dgm:txFillClrLst>
+    <dgm:txEffectClrLst/>
+  </dgm:styleLbl>
+</dgm:colorsDef>
+</file>
+
+<file path=ppt/diagrams/data1.xml><?xml version="1.0" encoding="utf-8"?>
+<dgm:dataModel xmlns:dgm="http://schemas.openxmlformats.org/drawingml/2006/diagram" xmlns:a="http://schemas.openxmlformats.org/drawingml/2006/main">
+  <dgm:ptLst>
+    <dgm:pt modelId="{BDDFC680-9E75-42F1-BFEC-3BD783C9265B}" type="doc">
+      <dgm:prSet loTypeId="urn:microsoft.com/office/officeart/2005/8/layout/cycle2" loCatId="cycle" qsTypeId="urn:microsoft.com/office/officeart/2005/8/quickstyle/3d4" qsCatId="3D" csTypeId="urn:microsoft.com/office/officeart/2005/8/colors/accent1_2" csCatId="accent1" phldr="1"/>
+      <dgm:spPr/>
+      <dgm:t>
+        <a:bodyPr/>
+        <a:lstStyle/>
+        <a:p>
+          <a:endParaRPr lang="it-IT"/>
+        </a:p>
+      </dgm:t>
+    </dgm:pt>
+    <dgm:pt modelId="{A857E690-4EE0-4074-A5DA-60EAAE56983E}">
+      <dgm:prSet phldrT="[Testo]"/>
+      <dgm:spPr/>
+      <dgm:t>
+        <a:bodyPr/>
+        <a:lstStyle/>
+        <a:p>
+          <a:r>
+            <a:rPr lang="it-IT" dirty="0"/>
+            <a:t>Data </a:t>
+          </a:r>
+          <a:r>
+            <a:rPr lang="it-IT" dirty="0" err="1"/>
+            <a:t>checking</a:t>
+          </a:r>
+          <a:endParaRPr lang="it-IT" dirty="0"/>
+        </a:p>
+      </dgm:t>
+    </dgm:pt>
+    <dgm:pt modelId="{2F4F9D67-5DF6-4326-8198-E3588C3CC3F9}" type="parTrans" cxnId="{3015C273-3BDB-40C2-9946-3CB00AFD0853}">
+      <dgm:prSet/>
+      <dgm:spPr/>
+      <dgm:t>
+        <a:bodyPr/>
+        <a:lstStyle/>
+        <a:p>
+          <a:endParaRPr lang="it-IT"/>
+        </a:p>
+      </dgm:t>
+    </dgm:pt>
+    <dgm:pt modelId="{9B7CEC0D-B506-4F77-8747-4A644FB68B74}" type="sibTrans" cxnId="{3015C273-3BDB-40C2-9946-3CB00AFD0853}">
+      <dgm:prSet/>
+      <dgm:spPr/>
+      <dgm:t>
+        <a:bodyPr/>
+        <a:lstStyle/>
+        <a:p>
+          <a:endParaRPr lang="it-IT"/>
+        </a:p>
+      </dgm:t>
+    </dgm:pt>
+    <dgm:pt modelId="{28B72905-C74A-46F0-9888-451C8413A55D}">
+      <dgm:prSet phldrT="[Testo]"/>
+      <dgm:spPr/>
+      <dgm:t>
+        <a:bodyPr/>
+        <a:lstStyle/>
+        <a:p>
+          <a:r>
+            <a:rPr lang="it-IT" dirty="0"/>
+            <a:t>Positive/Negative Output</a:t>
+          </a:r>
+        </a:p>
+      </dgm:t>
+    </dgm:pt>
+    <dgm:pt modelId="{3FA63995-4292-486A-9D04-1FD65E662CA6}" type="parTrans" cxnId="{1C2BDF20-8943-4D43-9DF4-B2FB9AC3930A}">
+      <dgm:prSet/>
+      <dgm:spPr/>
+      <dgm:t>
+        <a:bodyPr/>
+        <a:lstStyle/>
+        <a:p>
+          <a:endParaRPr lang="it-IT"/>
+        </a:p>
+      </dgm:t>
+    </dgm:pt>
+    <dgm:pt modelId="{123418D1-3EAC-478F-B9CB-CF9213F6BC23}" type="sibTrans" cxnId="{1C2BDF20-8943-4D43-9DF4-B2FB9AC3930A}">
+      <dgm:prSet/>
+      <dgm:spPr/>
+      <dgm:t>
+        <a:bodyPr/>
+        <a:lstStyle/>
+        <a:p>
+          <a:endParaRPr lang="it-IT"/>
+        </a:p>
+      </dgm:t>
+    </dgm:pt>
+    <dgm:pt modelId="{7BE20C44-D282-4482-9657-DAE936D98CE3}">
+      <dgm:prSet phldrT="[Testo]"/>
+      <dgm:spPr/>
+      <dgm:t>
+        <a:bodyPr/>
+        <a:lstStyle/>
+        <a:p>
+          <a:r>
+            <a:rPr lang="it-IT" dirty="0" err="1"/>
+            <a:t>Sensing</a:t>
+          </a:r>
+          <a:endParaRPr lang="it-IT" dirty="0"/>
+        </a:p>
+      </dgm:t>
+    </dgm:pt>
+    <dgm:pt modelId="{704B1490-828C-4580-8C71-5B1EEB026451}" type="parTrans" cxnId="{F57A62E2-ADAA-41B6-BFFF-ED5402B7C2DB}">
+      <dgm:prSet/>
+      <dgm:spPr/>
+      <dgm:t>
+        <a:bodyPr/>
+        <a:lstStyle/>
+        <a:p>
+          <a:endParaRPr lang="it-IT"/>
+        </a:p>
+      </dgm:t>
+    </dgm:pt>
+    <dgm:pt modelId="{19AFDA25-6209-40C8-9FD4-0A72789500D2}" type="sibTrans" cxnId="{F57A62E2-ADAA-41B6-BFFF-ED5402B7C2DB}">
+      <dgm:prSet/>
+      <dgm:spPr/>
+      <dgm:t>
+        <a:bodyPr/>
+        <a:lstStyle/>
+        <a:p>
+          <a:endParaRPr lang="it-IT"/>
+        </a:p>
+      </dgm:t>
+    </dgm:pt>
+    <dgm:pt modelId="{3444288F-6AEF-4080-BA2B-B3DDB499F93A}" type="pres">
+      <dgm:prSet presAssocID="{BDDFC680-9E75-42F1-BFEC-3BD783C9265B}" presName="cycle" presStyleCnt="0">
+        <dgm:presLayoutVars>
+          <dgm:dir/>
+          <dgm:resizeHandles val="exact"/>
+        </dgm:presLayoutVars>
+      </dgm:prSet>
+      <dgm:spPr/>
+    </dgm:pt>
+    <dgm:pt modelId="{A68C81A6-BCFC-4153-B6E3-C613A04AA585}" type="pres">
+      <dgm:prSet presAssocID="{A857E690-4EE0-4074-A5DA-60EAAE56983E}" presName="node" presStyleLbl="node1" presStyleIdx="0" presStyleCnt="3" custRadScaleRad="193400" custRadScaleInc="100558">
+        <dgm:presLayoutVars>
+          <dgm:bulletEnabled val="1"/>
+        </dgm:presLayoutVars>
+      </dgm:prSet>
+      <dgm:spPr/>
+    </dgm:pt>
+    <dgm:pt modelId="{1DC66735-CC2B-414D-AA06-4FC742257EC0}" type="pres">
+      <dgm:prSet presAssocID="{9B7CEC0D-B506-4F77-8747-4A644FB68B74}" presName="sibTrans" presStyleLbl="sibTrans2D1" presStyleIdx="0" presStyleCnt="3"/>
+      <dgm:spPr/>
+    </dgm:pt>
+    <dgm:pt modelId="{6139D208-E1FA-4CDF-9681-89F9B56FE41C}" type="pres">
+      <dgm:prSet presAssocID="{9B7CEC0D-B506-4F77-8747-4A644FB68B74}" presName="connectorText" presStyleLbl="sibTrans2D1" presStyleIdx="0" presStyleCnt="3"/>
+      <dgm:spPr/>
+    </dgm:pt>
+    <dgm:pt modelId="{683565E8-0100-4EA2-82FC-1A7BC8AFE8E1}" type="pres">
+      <dgm:prSet presAssocID="{28B72905-C74A-46F0-9888-451C8413A55D}" presName="node" presStyleLbl="node1" presStyleIdx="1" presStyleCnt="3" custRadScaleRad="186691" custRadScaleInc="-26736">
+        <dgm:presLayoutVars>
+          <dgm:bulletEnabled val="1"/>
+        </dgm:presLayoutVars>
+      </dgm:prSet>
+      <dgm:spPr/>
+    </dgm:pt>
+    <dgm:pt modelId="{FF68F75E-77DD-4A42-9F2A-101CC9A85304}" type="pres">
+      <dgm:prSet presAssocID="{123418D1-3EAC-478F-B9CB-CF9213F6BC23}" presName="sibTrans" presStyleLbl="sibTrans2D1" presStyleIdx="1" presStyleCnt="3"/>
+      <dgm:spPr/>
+    </dgm:pt>
+    <dgm:pt modelId="{67B308E9-FD79-42BB-8317-1CB65FFE3C7F}" type="pres">
+      <dgm:prSet presAssocID="{123418D1-3EAC-478F-B9CB-CF9213F6BC23}" presName="connectorText" presStyleLbl="sibTrans2D1" presStyleIdx="1" presStyleCnt="3"/>
+      <dgm:spPr/>
+    </dgm:pt>
+    <dgm:pt modelId="{3983FD8B-A12B-40A9-8B97-99736CBAD01F}" type="pres">
+      <dgm:prSet presAssocID="{7BE20C44-D282-4482-9657-DAE936D98CE3}" presName="node" presStyleLbl="node1" presStyleIdx="2" presStyleCnt="3" custRadScaleRad="17407" custRadScaleInc="218938">
+        <dgm:presLayoutVars>
+          <dgm:bulletEnabled val="1"/>
+        </dgm:presLayoutVars>
+      </dgm:prSet>
+      <dgm:spPr/>
+    </dgm:pt>
+    <dgm:pt modelId="{1145DD93-D3FA-4FA8-903A-89DF8CDC81A4}" type="pres">
+      <dgm:prSet presAssocID="{19AFDA25-6209-40C8-9FD4-0A72789500D2}" presName="sibTrans" presStyleLbl="sibTrans2D1" presStyleIdx="2" presStyleCnt="3"/>
+      <dgm:spPr/>
+    </dgm:pt>
+    <dgm:pt modelId="{87D49403-9750-465F-B31C-4D142BB22110}" type="pres">
+      <dgm:prSet presAssocID="{19AFDA25-6209-40C8-9FD4-0A72789500D2}" presName="connectorText" presStyleLbl="sibTrans2D1" presStyleIdx="2" presStyleCnt="3"/>
+      <dgm:spPr/>
+    </dgm:pt>
+  </dgm:ptLst>
+  <dgm:cxnLst>
+    <dgm:cxn modelId="{1C2BDF20-8943-4D43-9DF4-B2FB9AC3930A}" srcId="{BDDFC680-9E75-42F1-BFEC-3BD783C9265B}" destId="{28B72905-C74A-46F0-9888-451C8413A55D}" srcOrd="1" destOrd="0" parTransId="{3FA63995-4292-486A-9D04-1FD65E662CA6}" sibTransId="{123418D1-3EAC-478F-B9CB-CF9213F6BC23}"/>
+    <dgm:cxn modelId="{40627D4B-046B-4BFF-A071-79511E00D51C}" type="presOf" srcId="{19AFDA25-6209-40C8-9FD4-0A72789500D2}" destId="{87D49403-9750-465F-B31C-4D142BB22110}" srcOrd="1" destOrd="0" presId="urn:microsoft.com/office/officeart/2005/8/layout/cycle2"/>
+    <dgm:cxn modelId="{97A61D70-126B-4EFB-B9E4-9B96BCF0038D}" type="presOf" srcId="{28B72905-C74A-46F0-9888-451C8413A55D}" destId="{683565E8-0100-4EA2-82FC-1A7BC8AFE8E1}" srcOrd="0" destOrd="0" presId="urn:microsoft.com/office/officeart/2005/8/layout/cycle2"/>
+    <dgm:cxn modelId="{3015C273-3BDB-40C2-9946-3CB00AFD0853}" srcId="{BDDFC680-9E75-42F1-BFEC-3BD783C9265B}" destId="{A857E690-4EE0-4074-A5DA-60EAAE56983E}" srcOrd="0" destOrd="0" parTransId="{2F4F9D67-5DF6-4326-8198-E3588C3CC3F9}" sibTransId="{9B7CEC0D-B506-4F77-8747-4A644FB68B74}"/>
+    <dgm:cxn modelId="{6C018556-9892-41B9-832A-C6ACD78D24A0}" type="presOf" srcId="{9B7CEC0D-B506-4F77-8747-4A644FB68B74}" destId="{6139D208-E1FA-4CDF-9681-89F9B56FE41C}" srcOrd="1" destOrd="0" presId="urn:microsoft.com/office/officeart/2005/8/layout/cycle2"/>
+    <dgm:cxn modelId="{D387E280-68A1-4AB8-8ADB-A3BF09805D51}" type="presOf" srcId="{A857E690-4EE0-4074-A5DA-60EAAE56983E}" destId="{A68C81A6-BCFC-4153-B6E3-C613A04AA585}" srcOrd="0" destOrd="0" presId="urn:microsoft.com/office/officeart/2005/8/layout/cycle2"/>
+    <dgm:cxn modelId="{3C149E88-BE56-4100-AEF1-4865A7342034}" type="presOf" srcId="{BDDFC680-9E75-42F1-BFEC-3BD783C9265B}" destId="{3444288F-6AEF-4080-BA2B-B3DDB499F93A}" srcOrd="0" destOrd="0" presId="urn:microsoft.com/office/officeart/2005/8/layout/cycle2"/>
+    <dgm:cxn modelId="{9E8C7993-1225-429A-9E23-F1AF91F96C53}" type="presOf" srcId="{7BE20C44-D282-4482-9657-DAE936D98CE3}" destId="{3983FD8B-A12B-40A9-8B97-99736CBAD01F}" srcOrd="0" destOrd="0" presId="urn:microsoft.com/office/officeart/2005/8/layout/cycle2"/>
+    <dgm:cxn modelId="{8BF335CE-D69E-4132-9C28-A6DB9C25D43C}" type="presOf" srcId="{19AFDA25-6209-40C8-9FD4-0A72789500D2}" destId="{1145DD93-D3FA-4FA8-903A-89DF8CDC81A4}" srcOrd="0" destOrd="0" presId="urn:microsoft.com/office/officeart/2005/8/layout/cycle2"/>
+    <dgm:cxn modelId="{F57A62E2-ADAA-41B6-BFFF-ED5402B7C2DB}" srcId="{BDDFC680-9E75-42F1-BFEC-3BD783C9265B}" destId="{7BE20C44-D282-4482-9657-DAE936D98CE3}" srcOrd="2" destOrd="0" parTransId="{704B1490-828C-4580-8C71-5B1EEB026451}" sibTransId="{19AFDA25-6209-40C8-9FD4-0A72789500D2}"/>
+    <dgm:cxn modelId="{80661AE8-92E6-4A99-AE0E-7CC6087A8F0E}" type="presOf" srcId="{123418D1-3EAC-478F-B9CB-CF9213F6BC23}" destId="{67B308E9-FD79-42BB-8317-1CB65FFE3C7F}" srcOrd="1" destOrd="0" presId="urn:microsoft.com/office/officeart/2005/8/layout/cycle2"/>
+    <dgm:cxn modelId="{CD95A9F8-D559-41A9-811D-DB8D7F4A0FF3}" type="presOf" srcId="{9B7CEC0D-B506-4F77-8747-4A644FB68B74}" destId="{1DC66735-CC2B-414D-AA06-4FC742257EC0}" srcOrd="0" destOrd="0" presId="urn:microsoft.com/office/officeart/2005/8/layout/cycle2"/>
+    <dgm:cxn modelId="{C6A546FF-A573-46B2-A548-E82B1E63E777}" type="presOf" srcId="{123418D1-3EAC-478F-B9CB-CF9213F6BC23}" destId="{FF68F75E-77DD-4A42-9F2A-101CC9A85304}" srcOrd="0" destOrd="0" presId="urn:microsoft.com/office/officeart/2005/8/layout/cycle2"/>
+    <dgm:cxn modelId="{198E740E-99D2-4ABA-AD5C-D8C4439344DE}" type="presParOf" srcId="{3444288F-6AEF-4080-BA2B-B3DDB499F93A}" destId="{A68C81A6-BCFC-4153-B6E3-C613A04AA585}" srcOrd="0" destOrd="0" presId="urn:microsoft.com/office/officeart/2005/8/layout/cycle2"/>
+    <dgm:cxn modelId="{DC966635-DE4E-42E7-BEDC-FDB93CA44823}" type="presParOf" srcId="{3444288F-6AEF-4080-BA2B-B3DDB499F93A}" destId="{1DC66735-CC2B-414D-AA06-4FC742257EC0}" srcOrd="1" destOrd="0" presId="urn:microsoft.com/office/officeart/2005/8/layout/cycle2"/>
+    <dgm:cxn modelId="{95645E4A-FD21-44C7-B5A1-D38327C6894C}" type="presParOf" srcId="{1DC66735-CC2B-414D-AA06-4FC742257EC0}" destId="{6139D208-E1FA-4CDF-9681-89F9B56FE41C}" srcOrd="0" destOrd="0" presId="urn:microsoft.com/office/officeart/2005/8/layout/cycle2"/>
+    <dgm:cxn modelId="{E7FFF8C3-45D2-42B0-A154-D0DA3684F867}" type="presParOf" srcId="{3444288F-6AEF-4080-BA2B-B3DDB499F93A}" destId="{683565E8-0100-4EA2-82FC-1A7BC8AFE8E1}" srcOrd="2" destOrd="0" presId="urn:microsoft.com/office/officeart/2005/8/layout/cycle2"/>
+    <dgm:cxn modelId="{FF20F580-EF6D-4DDE-939A-DE7057AB56EC}" type="presParOf" srcId="{3444288F-6AEF-4080-BA2B-B3DDB499F93A}" destId="{FF68F75E-77DD-4A42-9F2A-101CC9A85304}" srcOrd="3" destOrd="0" presId="urn:microsoft.com/office/officeart/2005/8/layout/cycle2"/>
+    <dgm:cxn modelId="{3A49C0DF-BC31-4091-A539-986935EB20D1}" type="presParOf" srcId="{FF68F75E-77DD-4A42-9F2A-101CC9A85304}" destId="{67B308E9-FD79-42BB-8317-1CB65FFE3C7F}" srcOrd="0" destOrd="0" presId="urn:microsoft.com/office/officeart/2005/8/layout/cycle2"/>
+    <dgm:cxn modelId="{BFA197E9-D752-4A01-AFF7-C7F5E0ED5726}" type="presParOf" srcId="{3444288F-6AEF-4080-BA2B-B3DDB499F93A}" destId="{3983FD8B-A12B-40A9-8B97-99736CBAD01F}" srcOrd="4" destOrd="0" presId="urn:microsoft.com/office/officeart/2005/8/layout/cycle2"/>
+    <dgm:cxn modelId="{011AEFA7-DA5C-4EB5-953A-3BF1D1B6A8F1}" type="presParOf" srcId="{3444288F-6AEF-4080-BA2B-B3DDB499F93A}" destId="{1145DD93-D3FA-4FA8-903A-89DF8CDC81A4}" srcOrd="5" destOrd="0" presId="urn:microsoft.com/office/officeart/2005/8/layout/cycle2"/>
+    <dgm:cxn modelId="{51C39725-C59B-4A77-818C-6C859825D652}" type="presParOf" srcId="{1145DD93-D3FA-4FA8-903A-89DF8CDC81A4}" destId="{87D49403-9750-465F-B31C-4D142BB22110}" srcOrd="0" destOrd="0" presId="urn:microsoft.com/office/officeart/2005/8/layout/cycle2"/>
+  </dgm:cxnLst>
+  <dgm:bg/>
+  <dgm:whole/>
+  <dgm:extLst>
+    <a:ext uri="http://schemas.microsoft.com/office/drawing/2008/diagram">
+      <dsp:dataModelExt xmlns:dsp="http://schemas.microsoft.com/office/drawing/2008/diagram" relId="rId6" minVer="http://schemas.openxmlformats.org/drawingml/2006/diagram"/>
+    </a:ext>
+  </dgm:extLst>
+</dgm:dataModel>
+</file>
+
+<file path=ppt/diagrams/drawing1.xml><?xml version="1.0" encoding="utf-8"?>
+<dsp:drawing xmlns:dgm="http://schemas.openxmlformats.org/drawingml/2006/diagram" xmlns:dsp="http://schemas.microsoft.com/office/drawing/2008/diagram" xmlns:a="http://schemas.openxmlformats.org/drawingml/2006/main">
+  <dsp:spTree>
+    <dsp:nvGrpSpPr>
+      <dsp:cNvPr id="0" name=""/>
+      <dsp:cNvGrpSpPr/>
+    </dsp:nvGrpSpPr>
+    <dsp:grpSpPr/>
+    <dsp:sp modelId="{A68C81A6-BCFC-4153-B6E3-C613A04AA585}">
+      <dsp:nvSpPr>
+        <dsp:cNvPr id="0" name=""/>
+        <dsp:cNvSpPr/>
+      </dsp:nvSpPr>
+      <dsp:spPr>
+        <a:xfrm>
+          <a:off x="7644418" y="84788"/>
+          <a:ext cx="2269944" cy="2269944"/>
+        </a:xfrm>
+        <a:prstGeom prst="ellipse">
+          <a:avLst/>
+        </a:prstGeom>
+        <a:solidFill>
+          <a:schemeClr val="accent1">
+            <a:hueOff val="0"/>
+            <a:satOff val="0"/>
+            <a:lumOff val="0"/>
+            <a:alphaOff val="0"/>
+          </a:schemeClr>
+        </a:solidFill>
+        <a:ln>
+          <a:noFill/>
+        </a:ln>
+        <a:effectLst/>
+        <a:scene3d>
+          <a:camera prst="orthographicFront"/>
+          <a:lightRig rig="chilly" dir="t"/>
+        </a:scene3d>
+        <a:sp3d prstMaterial="translucentPowder">
+          <a:bevelT w="127000" h="25400" prst="softRound"/>
+        </a:sp3d>
+      </dsp:spPr>
+      <dsp:style>
+        <a:lnRef idx="0">
+          <a:scrgbClr r="0" g="0" b="0"/>
+        </a:lnRef>
+        <a:fillRef idx="1">
+          <a:scrgbClr r="0" g="0" b="0"/>
+        </a:fillRef>
+        <a:effectRef idx="0">
+          <a:scrgbClr r="0" g="0" b="0"/>
+        </a:effectRef>
+        <a:fontRef idx="minor">
+          <a:schemeClr val="lt1"/>
+        </a:fontRef>
+      </dsp:style>
+      <dsp:txBody>
+        <a:bodyPr spcFirstLastPara="0" vert="horz" wrap="square" lIns="21590" tIns="21590" rIns="21590" bIns="21590" numCol="1" spcCol="1270" anchor="ctr" anchorCtr="0">
+          <a:noAutofit/>
+        </a:bodyPr>
+        <a:lstStyle/>
+        <a:p>
+          <a:pPr marL="0" lvl="0" indent="0" algn="ctr" defTabSz="755650">
+            <a:lnSpc>
+              <a:spcPct val="90000"/>
+            </a:lnSpc>
+            <a:spcBef>
+              <a:spcPct val="0"/>
+            </a:spcBef>
+            <a:spcAft>
+              <a:spcPct val="35000"/>
+            </a:spcAft>
+            <a:buNone/>
+          </a:pPr>
+          <a:r>
+            <a:rPr lang="it-IT" sz="1700" kern="1200" dirty="0"/>
+            <a:t>Data </a:t>
+          </a:r>
+          <a:r>
+            <a:rPr lang="it-IT" sz="1700" kern="1200" dirty="0" err="1"/>
+            <a:t>checking</a:t>
+          </a:r>
+          <a:endParaRPr lang="it-IT" sz="1700" kern="1200" dirty="0"/>
+        </a:p>
+      </dsp:txBody>
+      <dsp:txXfrm>
+        <a:off x="7976844" y="417214"/>
+        <a:ext cx="1605092" cy="1605092"/>
+      </dsp:txXfrm>
+    </dsp:sp>
+    <dsp:sp modelId="{1DC66735-CC2B-414D-AA06-4FC742257EC0}">
+      <dsp:nvSpPr>
+        <dsp:cNvPr id="0" name=""/>
+        <dsp:cNvSpPr/>
+      </dsp:nvSpPr>
+      <dsp:spPr>
+        <a:xfrm rot="5080318">
+          <a:off x="8772794" y="2212629"/>
+          <a:ext cx="269831" cy="766106"/>
+        </a:xfrm>
+        <a:prstGeom prst="rightArrow">
+          <a:avLst>
+            <a:gd name="adj1" fmla="val 60000"/>
+            <a:gd name="adj2" fmla="val 50000"/>
+          </a:avLst>
+        </a:prstGeom>
+        <a:solidFill>
+          <a:schemeClr val="accent1">
+            <a:tint val="60000"/>
+            <a:hueOff val="0"/>
+            <a:satOff val="0"/>
+            <a:lumOff val="0"/>
+            <a:alphaOff val="0"/>
+          </a:schemeClr>
+        </a:solidFill>
+        <a:ln>
+          <a:noFill/>
+        </a:ln>
+        <a:effectLst/>
+        <a:scene3d>
+          <a:camera prst="orthographicFront"/>
+          <a:lightRig rig="chilly" dir="t"/>
+        </a:scene3d>
+        <a:sp3d z="-70000" extrusionH="1700" prstMaterial="translucentPowder">
+          <a:bevelT w="25400" h="6350" prst="softRound"/>
+          <a:bevelB w="0" h="0" prst="convex"/>
+        </a:sp3d>
+      </dsp:spPr>
+      <dsp:style>
+        <a:lnRef idx="0">
+          <a:scrgbClr r="0" g="0" b="0"/>
+        </a:lnRef>
+        <a:fillRef idx="1">
+          <a:scrgbClr r="0" g="0" b="0"/>
+        </a:fillRef>
+        <a:effectRef idx="0">
+          <a:scrgbClr r="0" g="0" b="0"/>
+        </a:effectRef>
+        <a:fontRef idx="minor">
+          <a:schemeClr val="lt1"/>
+        </a:fontRef>
+      </dsp:style>
+      <dsp:txBody>
+        <a:bodyPr spcFirstLastPara="0" vert="horz" wrap="square" lIns="0" tIns="0" rIns="0" bIns="0" numCol="1" spcCol="1270" anchor="ctr" anchorCtr="0">
+          <a:noAutofit/>
+        </a:bodyPr>
+        <a:lstStyle/>
+        <a:p>
+          <a:pPr marL="0" lvl="0" indent="0" algn="ctr" defTabSz="622300">
+            <a:lnSpc>
+              <a:spcPct val="90000"/>
+            </a:lnSpc>
+            <a:spcBef>
+              <a:spcPct val="0"/>
+            </a:spcBef>
+            <a:spcAft>
+              <a:spcPct val="35000"/>
+            </a:spcAft>
+            <a:buNone/>
+          </a:pPr>
+          <a:endParaRPr lang="it-IT" sz="1400" kern="1200"/>
+        </a:p>
+      </dsp:txBody>
+      <dsp:txXfrm>
+        <a:off x="8809510" y="2325550"/>
+        <a:ext cx="188882" cy="459664"/>
+      </dsp:txXfrm>
+    </dsp:sp>
+    <dsp:sp modelId="{683565E8-0100-4EA2-82FC-1A7BC8AFE8E1}">
+      <dsp:nvSpPr>
+        <dsp:cNvPr id="0" name=""/>
+        <dsp:cNvSpPr/>
+      </dsp:nvSpPr>
+      <dsp:spPr>
+        <a:xfrm>
+          <a:off x="7902475" y="2851840"/>
+          <a:ext cx="2269944" cy="2269944"/>
+        </a:xfrm>
+        <a:prstGeom prst="ellipse">
+          <a:avLst/>
+        </a:prstGeom>
+        <a:solidFill>
+          <a:schemeClr val="accent1">
+            <a:hueOff val="0"/>
+            <a:satOff val="0"/>
+            <a:lumOff val="0"/>
+            <a:alphaOff val="0"/>
+          </a:schemeClr>
+        </a:solidFill>
+        <a:ln>
+          <a:noFill/>
+        </a:ln>
+        <a:effectLst/>
+        <a:scene3d>
+          <a:camera prst="orthographicFront"/>
+          <a:lightRig rig="chilly" dir="t"/>
+        </a:scene3d>
+        <a:sp3d prstMaterial="translucentPowder">
+          <a:bevelT w="127000" h="25400" prst="softRound"/>
+        </a:sp3d>
+      </dsp:spPr>
+      <dsp:style>
+        <a:lnRef idx="0">
+          <a:scrgbClr r="0" g="0" b="0"/>
+        </a:lnRef>
+        <a:fillRef idx="1">
+          <a:scrgbClr r="0" g="0" b="0"/>
+        </a:fillRef>
+        <a:effectRef idx="0">
+          <a:scrgbClr r="0" g="0" b="0"/>
+        </a:effectRef>
+        <a:fontRef idx="minor">
+          <a:schemeClr val="lt1"/>
+        </a:fontRef>
+      </dsp:style>
+      <dsp:txBody>
+        <a:bodyPr spcFirstLastPara="0" vert="horz" wrap="square" lIns="21590" tIns="21590" rIns="21590" bIns="21590" numCol="1" spcCol="1270" anchor="ctr" anchorCtr="0">
+          <a:noAutofit/>
+        </a:bodyPr>
+        <a:lstStyle/>
+        <a:p>
+          <a:pPr marL="0" lvl="0" indent="0" algn="ctr" defTabSz="755650">
+            <a:lnSpc>
+              <a:spcPct val="90000"/>
+            </a:lnSpc>
+            <a:spcBef>
+              <a:spcPct val="0"/>
+            </a:spcBef>
+            <a:spcAft>
+              <a:spcPct val="35000"/>
+            </a:spcAft>
+            <a:buNone/>
+          </a:pPr>
+          <a:r>
+            <a:rPr lang="it-IT" sz="1700" kern="1200" dirty="0"/>
+            <a:t>Positive/Negative Output</a:t>
+          </a:r>
+        </a:p>
+      </dsp:txBody>
+      <dsp:txXfrm>
+        <a:off x="8234901" y="3184266"/>
+        <a:ext cx="1605092" cy="1605092"/>
+      </dsp:txXfrm>
+    </dsp:sp>
+    <dsp:sp modelId="{FF68F75E-77DD-4A42-9F2A-101CC9A85304}">
+      <dsp:nvSpPr>
+        <dsp:cNvPr id="0" name=""/>
+        <dsp:cNvSpPr/>
+      </dsp:nvSpPr>
+      <dsp:spPr>
+        <a:xfrm rot="11955453">
+          <a:off x="6931188" y="3000441"/>
+          <a:ext cx="758707" cy="766106"/>
+        </a:xfrm>
+        <a:prstGeom prst="rightArrow">
+          <a:avLst>
+            <a:gd name="adj1" fmla="val 60000"/>
+            <a:gd name="adj2" fmla="val 50000"/>
+          </a:avLst>
+        </a:prstGeom>
+        <a:solidFill>
+          <a:schemeClr val="accent1">
+            <a:tint val="60000"/>
+            <a:hueOff val="0"/>
+            <a:satOff val="0"/>
+            <a:lumOff val="0"/>
+            <a:alphaOff val="0"/>
+          </a:schemeClr>
+        </a:solidFill>
+        <a:ln>
+          <a:noFill/>
+        </a:ln>
+        <a:effectLst/>
+        <a:scene3d>
+          <a:camera prst="orthographicFront"/>
+          <a:lightRig rig="chilly" dir="t"/>
+        </a:scene3d>
+        <a:sp3d z="-70000" extrusionH="1700" prstMaterial="translucentPowder">
+          <a:bevelT w="25400" h="6350" prst="softRound"/>
+          <a:bevelB w="0" h="0" prst="convex"/>
+        </a:sp3d>
+      </dsp:spPr>
+      <dsp:style>
+        <a:lnRef idx="0">
+          <a:scrgbClr r="0" g="0" b="0"/>
+        </a:lnRef>
+        <a:fillRef idx="1">
+          <a:scrgbClr r="0" g="0" b="0"/>
+        </a:fillRef>
+        <a:effectRef idx="0">
+          <a:scrgbClr r="0" g="0" b="0"/>
+        </a:effectRef>
+        <a:fontRef idx="minor">
+          <a:schemeClr val="lt1"/>
+        </a:fontRef>
+      </dsp:style>
+      <dsp:txBody>
+        <a:bodyPr spcFirstLastPara="0" vert="horz" wrap="square" lIns="0" tIns="0" rIns="0" bIns="0" numCol="1" spcCol="1270" anchor="ctr" anchorCtr="0">
+          <a:noAutofit/>
+        </a:bodyPr>
+        <a:lstStyle/>
+        <a:p>
+          <a:pPr marL="0" lvl="0" indent="0" algn="ctr" defTabSz="622300">
+            <a:lnSpc>
+              <a:spcPct val="90000"/>
+            </a:lnSpc>
+            <a:spcBef>
+              <a:spcPct val="0"/>
+            </a:spcBef>
+            <a:spcAft>
+              <a:spcPct val="35000"/>
+            </a:spcAft>
+            <a:buNone/>
+          </a:pPr>
+          <a:endParaRPr lang="it-IT" sz="1400" kern="1200"/>
+        </a:p>
+      </dsp:txBody>
+      <dsp:txXfrm rot="10800000">
+        <a:off x="7152432" y="3191197"/>
+        <a:ext cx="531095" cy="459664"/>
+      </dsp:txXfrm>
+    </dsp:sp>
+    <dsp:sp modelId="{3983FD8B-A12B-40A9-8B97-99736CBAD01F}">
+      <dsp:nvSpPr>
+        <dsp:cNvPr id="0" name=""/>
+        <dsp:cNvSpPr/>
+      </dsp:nvSpPr>
+      <dsp:spPr>
+        <a:xfrm>
+          <a:off x="4408121" y="1631040"/>
+          <a:ext cx="2269944" cy="2269944"/>
+        </a:xfrm>
+        <a:prstGeom prst="ellipse">
+          <a:avLst/>
+        </a:prstGeom>
+        <a:solidFill>
+          <a:schemeClr val="accent1">
+            <a:hueOff val="0"/>
+            <a:satOff val="0"/>
+            <a:lumOff val="0"/>
+            <a:alphaOff val="0"/>
+          </a:schemeClr>
+        </a:solidFill>
+        <a:ln>
+          <a:noFill/>
+        </a:ln>
+        <a:effectLst/>
+        <a:scene3d>
+          <a:camera prst="orthographicFront"/>
+          <a:lightRig rig="chilly" dir="t"/>
+        </a:scene3d>
+        <a:sp3d prstMaterial="translucentPowder">
+          <a:bevelT w="127000" h="25400" prst="softRound"/>
+        </a:sp3d>
+      </dsp:spPr>
+      <dsp:style>
+        <a:lnRef idx="0">
+          <a:scrgbClr r="0" g="0" b="0"/>
+        </a:lnRef>
+        <a:fillRef idx="1">
+          <a:scrgbClr r="0" g="0" b="0"/>
+        </a:fillRef>
+        <a:effectRef idx="0">
+          <a:scrgbClr r="0" g="0" b="0"/>
+        </a:effectRef>
+        <a:fontRef idx="minor">
+          <a:schemeClr val="lt1"/>
+        </a:fontRef>
+      </dsp:style>
+      <dsp:txBody>
+        <a:bodyPr spcFirstLastPara="0" vert="horz" wrap="square" lIns="21590" tIns="21590" rIns="21590" bIns="21590" numCol="1" spcCol="1270" anchor="ctr" anchorCtr="0">
+          <a:noAutofit/>
+        </a:bodyPr>
+        <a:lstStyle/>
+        <a:p>
+          <a:pPr marL="0" lvl="0" indent="0" algn="ctr" defTabSz="755650">
+            <a:lnSpc>
+              <a:spcPct val="90000"/>
+            </a:lnSpc>
+            <a:spcBef>
+              <a:spcPct val="0"/>
+            </a:spcBef>
+            <a:spcAft>
+              <a:spcPct val="35000"/>
+            </a:spcAft>
+            <a:buNone/>
+          </a:pPr>
+          <a:r>
+            <a:rPr lang="it-IT" sz="1700" kern="1200" dirty="0" err="1"/>
+            <a:t>Sensing</a:t>
+          </a:r>
+          <a:endParaRPr lang="it-IT" sz="1700" kern="1200" dirty="0"/>
+        </a:p>
+      </dsp:txBody>
+      <dsp:txXfrm>
+        <a:off x="4740547" y="1963466"/>
+        <a:ext cx="1605092" cy="1605092"/>
+      </dsp:txXfrm>
+    </dsp:sp>
+    <dsp:sp modelId="{1145DD93-D3FA-4FA8-903A-89DF8CDC81A4}">
+      <dsp:nvSpPr>
+        <dsp:cNvPr id="0" name=""/>
+        <dsp:cNvSpPr/>
+      </dsp:nvSpPr>
+      <dsp:spPr>
+        <a:xfrm rot="20067735">
+          <a:off x="6794476" y="1618348"/>
+          <a:ext cx="697887" cy="766106"/>
+        </a:xfrm>
+        <a:prstGeom prst="rightArrow">
+          <a:avLst>
+            <a:gd name="adj1" fmla="val 60000"/>
+            <a:gd name="adj2" fmla="val 50000"/>
+          </a:avLst>
+        </a:prstGeom>
+        <a:solidFill>
+          <a:schemeClr val="accent1">
+            <a:tint val="60000"/>
+            <a:hueOff val="0"/>
+            <a:satOff val="0"/>
+            <a:lumOff val="0"/>
+            <a:alphaOff val="0"/>
+          </a:schemeClr>
+        </a:solidFill>
+        <a:ln>
+          <a:noFill/>
+        </a:ln>
+        <a:effectLst/>
+        <a:scene3d>
+          <a:camera prst="orthographicFront"/>
+          <a:lightRig rig="chilly" dir="t"/>
+        </a:scene3d>
+        <a:sp3d z="-70000" extrusionH="1700" prstMaterial="translucentPowder">
+          <a:bevelT w="25400" h="6350" prst="softRound"/>
+          <a:bevelB w="0" h="0" prst="convex"/>
+        </a:sp3d>
+      </dsp:spPr>
+      <dsp:style>
+        <a:lnRef idx="0">
+          <a:scrgbClr r="0" g="0" b="0"/>
+        </a:lnRef>
+        <a:fillRef idx="1">
+          <a:scrgbClr r="0" g="0" b="0"/>
+        </a:fillRef>
+        <a:effectRef idx="0">
+          <a:scrgbClr r="0" g="0" b="0"/>
+        </a:effectRef>
+        <a:fontRef idx="minor">
+          <a:schemeClr val="lt1"/>
+        </a:fontRef>
+      </dsp:style>
+      <dsp:txBody>
+        <a:bodyPr spcFirstLastPara="0" vert="horz" wrap="square" lIns="0" tIns="0" rIns="0" bIns="0" numCol="1" spcCol="1270" anchor="ctr" anchorCtr="0">
+          <a:noAutofit/>
+        </a:bodyPr>
+        <a:lstStyle/>
+        <a:p>
+          <a:pPr marL="0" lvl="0" indent="0" algn="ctr" defTabSz="622300">
+            <a:lnSpc>
+              <a:spcPct val="90000"/>
+            </a:lnSpc>
+            <a:spcBef>
+              <a:spcPct val="0"/>
+            </a:spcBef>
+            <a:spcAft>
+              <a:spcPct val="35000"/>
+            </a:spcAft>
+            <a:buNone/>
+          </a:pPr>
+          <a:endParaRPr lang="it-IT" sz="1400" kern="1200"/>
+        </a:p>
+      </dsp:txBody>
+      <dsp:txXfrm>
+        <a:off x="6804703" y="1816698"/>
+        <a:ext cx="488521" cy="459664"/>
+      </dsp:txXfrm>
+    </dsp:sp>
+  </dsp:spTree>
+</dsp:drawing>
+</file>
+
+<file path=ppt/diagrams/layout1.xml><?xml version="1.0" encoding="utf-8"?>
+<dgm:layoutDef xmlns:dgm="http://schemas.openxmlformats.org/drawingml/2006/diagram" xmlns:a="http://schemas.openxmlformats.org/drawingml/2006/main" uniqueId="urn:microsoft.com/office/officeart/2005/8/layout/cycle2">
+  <dgm:title val=""/>
+  <dgm:desc val=""/>
+  <dgm:catLst>
+    <dgm:cat type="cycle" pri="1000"/>
+    <dgm:cat type="convert" pri="10000"/>
+  </dgm:catLst>
+  <dgm:sampData>
+    <dgm:dataModel>
+      <dgm:ptLst>
+        <dgm:pt modelId="0" type="doc"/>
+        <dgm:pt modelId="1">
+          <dgm:prSet phldr="1"/>
+        </dgm:pt>
+        <dgm:pt modelId="2">
+          <dgm:prSet phldr="1"/>
+        </dgm:pt>
+        <dgm:pt modelId="3">
+          <dgm:prSet phldr="1"/>
+        </dgm:pt>
+        <dgm:pt modelId="4">
+          <dgm:prSet phldr="1"/>
+        </dgm:pt>
+        <dgm:pt modelId="5">
+          <dgm:prSet phldr="1"/>
+        </dgm:pt>
+      </dgm:ptLst>
+      <dgm:cxnLst>
+        <dgm:cxn modelId="6" srcId="0" destId="1" srcOrd="0" destOrd="0"/>
+        <dgm:cxn modelId="7" srcId="0" destId="2" srcOrd="1" destOrd="0"/>
+        <dgm:cxn modelId="8" srcId="0" destId="3" srcOrd="2" destOrd="0"/>
+        <dgm:cxn modelId="9" srcId="0" destId="4" srcOrd="3" destOrd="0"/>
+        <dgm:cxn modelId="10" srcId="0" destId="5" srcOrd="4" destOrd="0"/>
+      </dgm:cxnLst>
+      <dgm:bg/>
+      <dgm:whole/>
+    </dgm:dataModel>
+  </dgm:sampData>
+  <dgm:styleData>
+    <dgm:dataModel>
+      <dgm:ptLst>
+        <dgm:pt modelId="0" type="doc"/>
+        <dgm:pt modelId="1"/>
+        <dgm:pt modelId="2"/>
+        <dgm:pt modelId="3"/>
+      </dgm:ptLst>
+      <dgm:cxnLst>
+        <dgm:cxn modelId="4" srcId="0" destId="1" srcOrd="0" destOrd="0"/>
+        <dgm:cxn modelId="5" srcId="0" destId="2" srcOrd="1" destOrd="0"/>
+        <dgm:cxn modelId="6" srcId="0" destId="3" srcOrd="2" destOrd="0"/>
+      </dgm:cxnLst>
+      <dgm:bg/>
+      <dgm:whole/>
+    </dgm:dataModel>
+  </dgm:styleData>
+  <dgm:clrData>
+    <dgm:dataModel>
+      <dgm:ptLst>
+        <dgm:pt modelId="0" type="doc"/>
+        <dgm:pt modelId="1"/>
+        <dgm:pt modelId="2"/>
+        <dgm:pt modelId="3"/>
+        <dgm:pt modelId="4"/>
+        <dgm:pt modelId="5"/>
+        <dgm:pt modelId="6"/>
+      </dgm:ptLst>
+      <dgm:cxnLst>
+        <dgm:cxn modelId="7" srcId="0" destId="1" srcOrd="0" destOrd="0"/>
+        <dgm:cxn modelId="8" srcId="0" destId="2" srcOrd="1" destOrd="0"/>
+        <dgm:cxn modelId="9" srcId="0" destId="3" srcOrd="2" destOrd="0"/>
+        <dgm:cxn modelId="10" srcId="0" destId="4" srcOrd="3" destOrd="0"/>
+        <dgm:cxn modelId="11" srcId="0" destId="5" srcOrd="4" destOrd="0"/>
+        <dgm:cxn modelId="12" srcId="0" destId="6" srcOrd="5" destOrd="0"/>
+      </dgm:cxnLst>
+      <dgm:bg/>
+      <dgm:whole/>
+    </dgm:dataModel>
+  </dgm:clrData>
+  <dgm:layoutNode name="cycle">
+    <dgm:varLst>
+      <dgm:dir/>
+      <dgm:resizeHandles val="exact"/>
+    </dgm:varLst>
+    <dgm:choose name="Name0">
+      <dgm:if name="Name1" func="var" arg="dir" op="equ" val="norm">
+        <dgm:choose name="Name2">
+          <dgm:if name="Name3" axis="ch" ptType="node" func="cnt" op="gt" val="2">
+            <dgm:alg type="cycle">
+              <dgm:param type="stAng" val="0"/>
+              <dgm:param type="spanAng" val="360"/>
+            </dgm:alg>
+          </dgm:if>
+          <dgm:else name="Name4">
+            <dgm:alg type="cycle">
+              <dgm:param type="stAng" val="-90"/>
+              <dgm:param type="spanAng" val="360"/>
+            </dgm:alg>
+          </dgm:else>
+        </dgm:choose>
+      </dgm:if>
+      <dgm:else name="Name5">
+        <dgm:choose name="Name6">
+          <dgm:if name="Name7" axis="ch" ptType="node" func="cnt" op="gt" val="2">
+            <dgm:alg type="cycle">
+              <dgm:param type="stAng" val="0"/>
+              <dgm:param type="spanAng" val="-360"/>
+            </dgm:alg>
+          </dgm:if>
+          <dgm:else name="Name8">
+            <dgm:alg type="cycle">
+              <dgm:param type="stAng" val="90"/>
+              <dgm:param type="spanAng" val="-360"/>
+            </dgm:alg>
+          </dgm:else>
+        </dgm:choose>
+      </dgm:else>
+    </dgm:choose>
+    <dgm:shape xmlns:r="http://schemas.openxmlformats.org/officeDocument/2006/relationships" r:blip="">
+      <dgm:adjLst/>
+    </dgm:shape>
+    <dgm:presOf/>
+    <dgm:constrLst>
+      <dgm:constr type="w" for="ch" ptType="node" refType="w"/>
+      <dgm:constr type="w" for="ch" ptType="sibTrans" refType="w" refFor="ch" refPtType="node" op="equ" fact="0.25"/>
+      <dgm:constr type="sibSp" refType="w" refFor="ch" refPtType="node" fact="0.5"/>
+      <dgm:constr type="primFontSz" for="ch" ptType="node" op="equ" val="65"/>
+      <dgm:constr type="primFontSz" for="des" forName="connectorText" op="equ" val="55"/>
+      <dgm:constr type="primFontSz" for="des" forName="connectorText" refType="primFontSz" refFor="ch" refPtType="node" op="lte" fact="0.8"/>
+    </dgm:constrLst>
+    <dgm:ruleLst/>
+    <dgm:forEach name="nodesForEach" axis="ch" ptType="node">
+      <dgm:layoutNode name="node">
+        <dgm:varLst>
+          <dgm:bulletEnabled val="1"/>
+        </dgm:varLst>
+        <dgm:alg type="tx">
+          <dgm:param type="txAnchorVertCh" val="mid"/>
+        </dgm:alg>
+        <dgm:shape xmlns:r="http://schemas.openxmlformats.org/officeDocument/2006/relationships" type="ellipse" r:blip="">
+          <dgm:adjLst/>
+        </dgm:shape>
+        <dgm:presOf axis="desOrSelf" ptType="node"/>
+        <dgm:constrLst>
+          <dgm:constr type="h" refType="w"/>
+          <dgm:constr type="lMarg" refType="primFontSz" fact="0.1"/>
+          <dgm:constr type="rMarg" refType="primFontSz" fact="0.1"/>
+          <dgm:constr type="tMarg" refType="primFontSz" fact="0.1"/>
+          <dgm:constr type="bMarg" refType="primFontSz" fact="0.1"/>
+        </dgm:constrLst>
+        <dgm:ruleLst>
+          <dgm:rule type="primFontSz" val="5" fact="NaN" max="NaN"/>
+        </dgm:ruleLst>
+      </dgm:layoutNode>
+      <dgm:choose name="Name9">
+        <dgm:if name="Name10" axis="par ch" ptType="doc node" func="cnt" op="gt" val="1">
+          <dgm:forEach name="sibTransForEach" axis="followSib" ptType="sibTrans" hideLastTrans="0" cnt="1">
+            <dgm:layoutNode name="sibTrans">
+              <dgm:choose name="Name11">
+                <dgm:if name="Name12" axis="par ch" ptType="doc node" func="cnt" op="lt" val="3">
+                  <dgm:alg type="conn">
+                    <dgm:param type="begPts" val="radial"/>
+                    <dgm:param type="endPts" val="radial"/>
+                  </dgm:alg>
+                </dgm:if>
+                <dgm:else name="Name13">
+                  <dgm:alg type="conn">
+                    <dgm:param type="begPts" val="auto"/>
+                    <dgm:param type="endPts" val="auto"/>
+                  </dgm:alg>
+                </dgm:else>
+              </dgm:choose>
+              <dgm:shape xmlns:r="http://schemas.openxmlformats.org/officeDocument/2006/relationships" type="conn" r:blip="">
+                <dgm:adjLst/>
+              </dgm:shape>
+              <dgm:presOf axis="self"/>
+              <dgm:constrLst>
+                <dgm:constr type="h" refType="w" fact="1.35"/>
+                <dgm:constr type="connDist"/>
+                <dgm:constr type="w" for="ch" refType="connDist" fact="0.45"/>
+                <dgm:constr type="h" for="ch" refType="h"/>
+              </dgm:constrLst>
+              <dgm:ruleLst/>
+              <dgm:layoutNode name="connectorText">
+                <dgm:alg type="tx">
+                  <dgm:param type="autoTxRot" val="grav"/>
+                </dgm:alg>
+                <dgm:shape xmlns:r="http://schemas.openxmlformats.org/officeDocument/2006/relationships" type="conn" r:blip="" hideGeom="1">
+                  <dgm:adjLst/>
+                </dgm:shape>
+                <dgm:presOf axis="self"/>
+                <dgm:constrLst>
+                  <dgm:constr type="lMarg"/>
+                  <dgm:constr type="rMarg"/>
+                  <dgm:constr type="tMarg"/>
+                  <dgm:constr type="bMarg"/>
+                </dgm:constrLst>
+                <dgm:ruleLst>
+                  <dgm:rule type="primFontSz" val="5" fact="NaN" max="NaN"/>
+                </dgm:ruleLst>
+              </dgm:layoutNode>
+            </dgm:layoutNode>
+          </dgm:forEach>
+        </dgm:if>
+        <dgm:else name="Name14"/>
+      </dgm:choose>
+    </dgm:forEach>
+  </dgm:layoutNode>
+</dgm:layoutDef>
+</file>
+
+<file path=ppt/diagrams/quickStyle1.xml><?xml version="1.0" encoding="utf-8"?>
+<dgm:styleDef xmlns:dgm="http://schemas.openxmlformats.org/drawingml/2006/diagram" xmlns:a="http://schemas.openxmlformats.org/drawingml/2006/main" uniqueId="urn:microsoft.com/office/officeart/2005/8/quickstyle/3d4">
+  <dgm:title val=""/>
+  <dgm:desc val=""/>
+  <dgm:catLst>
+    <dgm:cat type="3D" pri="11400"/>
+  </dgm:catLst>
+  <dgm:scene3d>
+    <a:camera prst="orthographicFront"/>
+    <a:lightRig rig="threePt" dir="t"/>
+  </dgm:scene3d>
+  <dgm:styleLbl name="node0">
+    <dgm:scene3d>
+      <a:camera prst="orthographicFront"/>
+      <a:lightRig rig="chilly" dir="t"/>
+    </dgm:scene3d>
+    <dgm:sp3d prstMaterial="translucentPowder">
+      <a:bevelT w="127000" h="25400" prst="softRound"/>
+    </dgm:sp3d>
+    <dgm:txPr/>
+    <dgm:style>
+      <a:lnRef idx="0">
+        <a:scrgbClr r="0" g="0" b="0"/>
+      </a:lnRef>
+      <a:fillRef idx="1">
+        <a:scrgbClr r="0" g="0" b="0"/>
+      </a:fillRef>
+      <a:effectRef idx="0">
+        <a:scrgbClr r="0" g="0" b="0"/>
+      </a:effectRef>
+      <a:fontRef idx="minor">
+        <a:schemeClr val="lt1"/>
+      </a:fontRef>
+    </dgm:style>
+  </dgm:styleLbl>
+  <dgm:styleLbl name="lnNode1">
+    <dgm:scene3d>
+      <a:camera prst="orthographicFront"/>
+      <a:lightRig rig="chilly" dir="t"/>
+    </dgm:scene3d>
+    <dgm:sp3d prstMaterial="translucentPowder">
+      <a:bevelT w="127000" h="25400" prst="softRound"/>
+    </dgm:sp3d>
+    <dgm:txPr/>
+    <dgm:style>
+      <a:lnRef idx="0">
+        <a:scrgbClr r="0" g="0" b="0"/>
+      </a:lnRef>
+      <a:fillRef idx="1">
+        <a:scrgbClr r="0" g="0" b="0"/>
+      </a:fillRef>
+      <a:effectRef idx="0">
+        <a:scrgbClr r="0" g="0" b="0"/>
+      </a:effectRef>
+      <a:fontRef idx="minor">
+        <a:schemeClr val="lt1"/>
+      </a:fontRef>
+    </dgm:style>
+  </dgm:styleLbl>
+  <dgm:styleLbl name="vennNode1">
+    <dgm:scene3d>
+      <a:camera prst="orthographicFront"/>
+      <a:lightRig rig="chilly" dir="t"/>
+    </dgm:scene3d>
+    <dgm:sp3d prstMaterial="translucentPowder">
+      <a:bevelT w="127000" h="25400" prst="softRound"/>
+    </dgm:sp3d>
+    <dgm:txPr/>
+    <dgm:style>
+      <a:lnRef idx="0">
+        <a:scrgbClr r="0" g="0" b="0"/>
+      </a:lnRef>
+      <a:fillRef idx="1">
+        <a:scrgbClr r="0" g="0" b="0"/>
+      </a:fillRef>
+      <a:effectRef idx="0">
+        <a:scrgbClr r="0" g="0" b="0"/>
+      </a:effectRef>
+      <a:fontRef idx="minor">
+        <a:schemeClr val="tx1"/>
+      </a:fontRef>
+    </dgm:style>
+  </dgm:styleLbl>
+  <dgm:styleLbl name="alignNode1">
+    <dgm:scene3d>
+      <a:camera prst="orthographicFront"/>
+      <a:lightRig rig="chilly" dir="t"/>
+    </dgm:scene3d>
+    <dgm:sp3d prstMaterial="translucentPowder">
+      <a:bevelT w="127000" h="25400" prst="softRound"/>
+    </dgm:sp3d>
+    <dgm:txPr/>
+    <dgm:style>
+      <a:lnRef idx="1">
+        <a:scrgbClr r="0" g="0" b="0"/>
+      </a:lnRef>
+      <a:fillRef idx="1">
+        <a:scrgbClr r="0" g="0" b="0"/>
+      </a:fillRef>
+      <a:effectRef idx="0">
+        <a:scrgbClr r="0" g="0" b="0"/>
+      </a:effectRef>
+      <a:fontRef idx="minor">
+        <a:schemeClr val="lt1"/>
+      </a:fontRef>
+    </dgm:style>
+  </dgm:styleLbl>
+  <dgm:styleLbl name="node1">
+    <dgm:scene3d>
+      <a:camera prst="orthographicFront"/>
+      <a:lightRig rig="chilly" dir="t"/>
+    </dgm:scene3d>
+    <dgm:sp3d prstMaterial="translucentPowder">
+      <a:bevelT w="127000" h="25400" prst="softRound"/>
+    </dgm:sp3d>
+    <dgm:txPr/>
+    <dgm:style>
+      <a:lnRef idx="0">
+        <a:scrgbClr r="0" g="0" b="0"/>
+      </a:lnRef>
+      <a:fillRef idx="1">
+        <a:scrgbClr r="0" g="0" b="0"/>
+      </a:fillRef>
+      <a:effectRef idx="0">
+        <a:scrgbClr r="0" g="0" b="0"/>
+      </a:effectRef>
+      <a:fontRef idx="minor">
+        <a:schemeClr val="lt1"/>
+      </a:fontRef>
+    </dgm:style>
+  </dgm:styleLbl>
+  <dgm:styleLbl name="node2">
+    <dgm:scene3d>
+      <a:camera prst="orthographicFront"/>
+      <a:lightRig rig="chilly" dir="t"/>
+    </dgm:scene3d>
+    <dgm:sp3d prstMaterial="translucentPowder">
+      <a:bevelT w="127000" h="25400" prst="softRound"/>
+    </dgm:sp3d>
+    <dgm:txPr/>
+    <dgm:style>
+      <a:lnRef idx="0">
+        <a:scrgbClr r="0" g="0" b="0"/>
+      </a:lnRef>
+      <a:fillRef idx="1">
+        <a:scrgbClr r="0" g="0" b="0"/>
+      </a:fillRef>
+      <a:effectRef idx="0">
+        <a:scrgbClr r="0" g="0" b="0"/>
+      </a:effectRef>
+      <a:fontRef idx="minor">
+        <a:schemeClr val="lt1"/>
+      </a:fontRef>
+    </dgm:style>
+  </dgm:styleLbl>
+  <dgm:styleLbl name="node3">
+    <dgm:scene3d>
+      <a:camera prst="orthographicFront"/>
+      <a:lightRig rig="chilly" dir="t"/>
+    </dgm:scene3d>
+    <dgm:sp3d prstMaterial="translucentPowder">
+      <a:bevelT w="127000" h="25400" prst="softRound"/>
+    </dgm:sp3d>
+    <dgm:txPr/>
+    <dgm:style>
+      <a:lnRef idx="0">
+        <a:scrgbClr r="0" g="0" b="0"/>
+      </a:lnRef>
+      <a:fillRef idx="1">
+        <a:scrgbClr r="0" g="0" b="0"/>
+      </a:fillRef>
+      <a:effectRef idx="0">
+        <a:scrgbClr r="0" g="0" b="0"/>
+      </a:effectRef>
+      <a:fontRef idx="minor">
+        <a:schemeClr val="lt1"/>
+      </a:fontRef>
+    </dgm:style>
+  </dgm:styleLbl>
+  <dgm:styleLbl name="node4">
+    <dgm:scene3d>
+      <a:camera prst="orthographicFront"/>
+      <a:lightRig rig="chilly" dir="t"/>
+    </dgm:scene3d>
+    <dgm:sp3d prstMaterial="translucentPowder">
+      <a:bevelT w="127000" h="25400" prst="softRound"/>
+    </dgm:sp3d>
+    <dgm:txPr/>
+    <dgm:style>
+      <a:lnRef idx="0">
+        <a:scrgbClr r="0" g="0" b="0"/>
+      </a:lnRef>
+      <a:fillRef idx="1">
+        <a:scrgbClr r="0" g="0" b="0"/>
+      </a:fillRef>
+      <a:effectRef idx="0">
+        <a:scrgbClr r="0" g="0" b="0"/>
+      </a:effectRef>
+      <a:fontRef idx="minor">
+        <a:schemeClr val="lt1"/>
+      </a:fontRef>
+    </dgm:style>
+  </dgm:styleLbl>
+  <dgm:styleLbl name="fgImgPlace1">
+    <dgm:scene3d>
+      <a:camera prst="orthographicFront"/>
+      <a:lightRig rig="chilly" dir="t"/>
+    </dgm:scene3d>
+    <dgm:sp3d z="12700" extrusionH="12700" prstMaterial="translucentPowder">
+      <a:bevelT w="25400" h="6350" prst="softRound"/>
+      <a:bevelB w="0" h="0" prst="convex"/>
+    </dgm:sp3d>
+    <dgm:txPr/>
+    <dgm:style>
+      <a:lnRef idx="0">
+        <a:scrgbClr r="0" g="0" b="0"/>
+      </a:lnRef>
+      <a:fillRef idx="1">
+        <a:scrgbClr r="0" g="0" b="0"/>
+      </a:fillRef>
+      <a:effectRef idx="0">
+        <a:scrgbClr r="0" g="0" b="0"/>
+      </a:effectRef>
+      <a:fontRef idx="minor"/>
+    </dgm:style>
+  </dgm:styleLbl>
+  <dgm:styleLbl name="alignImgPlace1">
+    <dgm:scene3d>
+      <a:camera prst="orthographicFront"/>
+      <a:lightRig rig="chilly" dir="t"/>
+    </dgm:scene3d>
+    <dgm:sp3d prstMaterial="translucentPowder">
+      <a:bevelT w="127000" h="25400" prst="softRound"/>
+    </dgm:sp3d>
+    <dgm:txPr/>
+    <dgm:style>
+      <a:lnRef idx="0">
+        <a:scrgbClr r="0" g="0" b="0"/>
+      </a:lnRef>
+      <a:fillRef idx="1">
+        <a:scrgbClr r="0" g="0" b="0"/>
+      </a:fillRef>
+      <a:effectRef idx="0">
+        <a:scrgbClr r="0" g="0" b="0"/>
+      </a:effectRef>
+      <a:fontRef idx="minor">
+        <a:schemeClr val="lt1"/>
+      </a:fontRef>
+    </dgm:style>
+  </dgm:styleLbl>
+  <dgm:styleLbl name="bgImgPlace1">
+    <dgm:scene3d>
+      <a:camera prst="orthographicFront"/>
+      <a:lightRig rig="chilly" dir="t"/>
+    </dgm:scene3d>
+    <dgm:sp3d z="-25700" extrusionH="63500" contourW="12700" prstMaterial="matte">
+      <a:contourClr>
+        <a:schemeClr val="lt1"/>
+      </a:contourClr>
+    </dgm:sp3d>
+    <dgm:txPr/>
+    <dgm:style>
+      <a:lnRef idx="0">
+        <a:scrgbClr r="0" g="0" b="0"/>
+      </a:lnRef>
+      <a:fillRef idx="1">
+        <a:scrgbClr r="0" g="0" b="0"/>
+      </a:fillRef>
+      <a:effectRef idx="0">
+        <a:scrgbClr r="0" g="0" b="0"/>
+      </a:effectRef>
+      <a:fontRef idx="minor"/>
+    </dgm:style>
+  </dgm:styleLbl>
+  <dgm:styleLbl name="sibTrans2D1">
+    <dgm:scene3d>
+      <a:camera prst="orthographicFront"/>
+      <a:lightRig rig="chilly" dir="t"/>
+    </dgm:scene3d>
+    <dgm:sp3d z="-70000" extrusionH="1700" prstMaterial="translucentPowder">
+      <a:bevelT w="25400" h="6350" prst="softRound"/>
+      <a:bevelB w="0" h="0" prst="convex"/>
+    </dgm:sp3d>
+    <dgm:txPr/>
+    <dgm:style>
+      <a:lnRef idx="0">
+        <a:scrgbClr r="0" g="0" b="0"/>
+      </a:lnRef>
+      <a:fillRef idx="1">
+        <a:scrgbClr r="0" g="0" b="0"/>
+      </a:fillRef>
+      <a:effectRef idx="0">
+        <a:scrgbClr r="0" g="0" b="0"/>
+      </a:effectRef>
+      <a:fontRef idx="minor">
+        <a:schemeClr val="lt1"/>
+      </a:fontRef>
+    </dgm:style>
+  </dgm:styleLbl>
+  <dgm:styleLbl name="fgSibTrans2D1">
+    <dgm:scene3d>
+      <a:camera prst="orthographicFront"/>
+      <a:lightRig rig="chilly" dir="t"/>
+    </dgm:scene3d>
+    <dgm:sp3d z="12700" extrusionH="1700" prstMaterial="translucentPowder">
+      <a:bevelT w="25400" h="6350" prst="softRound"/>
+      <a:bevelB w="0" h="0" prst="convex"/>
+    </dgm:sp3d>
+    <dgm:txPr/>
+    <dgm:style>
+      <a:lnRef idx="0">
+        <a:scrgbClr r="0" g="0" b="0"/>
+      </a:lnRef>
+      <a:fillRef idx="1">
+        <a:scrgbClr r="0" g="0" b="0"/>
+      </a:fillRef>
+      <a:effectRef idx="0">
+        <a:scrgbClr r="0" g="0" b="0"/>
+      </a:effectRef>
+      <a:fontRef idx="minor"/>
+    </dgm:style>
+  </dgm:styleLbl>
+  <dgm:styleLbl name="bgSibTrans2D1">
+    <dgm:scene3d>
+      <a:camera prst="orthographicFront"/>
+      <a:lightRig rig="chilly" dir="t"/>
+    </dgm:scene3d>
+    <dgm:sp3d z="-25700" extrusionH="1700" prstMaterial="translucentPowder">
+      <a:bevelT w="25400" h="6350" prst="softRound"/>
+      <a:bevelB w="0" h="0" prst="convex"/>
+    </dgm:sp3d>
+    <dgm:txPr/>
+    <dgm:style>
+      <a:lnRef idx="0">
+        <a:scrgbClr r="0" g="0" b="0"/>
+      </a:lnRef>
+      <a:fillRef idx="1">
+        <a:scrgbClr r="0" g="0" b="0"/>
+      </a:fillRef>
+      <a:effectRef idx="0">
+        <a:scrgbClr r="0" g="0" b="0"/>
+      </a:effectRef>
+      <a:fontRef idx="minor"/>
+    </dgm:style>
+  </dgm:styleLbl>
+  <dgm:styleLbl name="sibTrans1D1">
+    <dgm:scene3d>
+      <a:camera prst="orthographicFront"/>
+      <a:lightRig rig="chilly" dir="t"/>
+    </dgm:scene3d>
+    <dgm:sp3d z="-40000" prstMaterial="matte"/>
+    <dgm:txPr/>
+    <dgm:style>
+      <a:lnRef idx="1">
+        <a:scrgbClr r="0" g="0" b="0"/>
+      </a:lnRef>
+      <a:fillRef idx="0">
+        <a:scrgbClr r="0" g="0" b="0"/>
+      </a:fillRef>
+      <a:effectRef idx="0">
+        <a:scrgbClr r="0" g="0" b="0"/>
+      </a:effectRef>
+      <a:fontRef idx="minor"/>
+    </dgm:style>
+  </dgm:styleLbl>
+  <dgm:styleLbl name="callout">
+    <dgm:scene3d>
+      <a:camera prst="orthographicFront"/>
+      <a:lightRig rig="chilly" dir="t"/>
+    </dgm:scene3d>
+    <dgm:sp3d z="127000" prstMaterial="matte"/>
+    <dgm:txPr/>
+    <dgm:style>
+      <a:lnRef idx="2">
+        <a:scrgbClr r="0" g="0" b="0"/>
+      </a:lnRef>
+      <a:fillRef idx="1">
+        <a:scrgbClr r="0" g="0" b="0"/>
+      </a:fillRef>
+      <a:effectRef idx="0">
+        <a:scrgbClr r="0" g="0" b="0"/>
+      </a:effectRef>
+      <a:fontRef idx="minor"/>
+    </dgm:style>
+  </dgm:styleLbl>
+  <dgm:styleLbl name="asst0">
+    <dgm:scene3d>
+      <a:camera prst="orthographicFront"/>
+      <a:lightRig rig="chilly" dir="t"/>
+    </dgm:scene3d>
+    <dgm:sp3d prstMaterial="translucentPowder">
+      <a:bevelT w="127000" h="25400" prst="softRound"/>
+    </dgm:sp3d>
+    <dgm:txPr/>
+    <dgm:style>
+      <a:lnRef idx="0">
+        <a:scrgbClr r="0" g="0" b="0"/>
+      </a:lnRef>
+      <a:fillRef idx="1">
+        <a:scrgbClr r="0" g="0" b="0"/>
+      </a:fillRef>
+      <a:effectRef idx="0">
+        <a:scrgbClr r="0" g="0" b="0"/>
+      </a:effectRef>
+      <a:fontRef idx="minor">
+        <a:schemeClr val="lt1"/>
+      </a:fontRef>
+    </dgm:style>
+  </dgm:styleLbl>
+  <dgm:styleLbl name="asst1">
+    <dgm:scene3d>
+      <a:camera prst="orthographicFront"/>
+      <a:lightRig rig="chilly" dir="t"/>
+    </dgm:scene3d>
+    <dgm:sp3d prstMaterial="translucentPowder">
+      <a:bevelT w="127000" h="25400" prst="softRound"/>
+    </dgm:sp3d>
+    <dgm:txPr/>
+    <dgm:style>
+      <a:lnRef idx="0">
+        <a:scrgbClr r="0" g="0" b="0"/>
+      </a:lnRef>
+      <a:fillRef idx="1">
+        <a:scrgbClr r="0" g="0" b="0"/>
+      </a:fillRef>
+      <a:effectRef idx="0">
+        <a:scrgbClr r="0" g="0" b="0"/>
+      </a:effectRef>
+      <a:fontRef idx="minor">
+        <a:schemeClr val="lt1"/>
+      </a:fontRef>
+    </dgm:style>
+  </dgm:styleLbl>
+  <dgm:styleLbl name="asst2">
+    <dgm:scene3d>
+      <a:camera prst="orthographicFront"/>
+      <a:lightRig rig="chilly" dir="t"/>
+    </dgm:scene3d>
+    <dgm:sp3d prstMaterial="translucentPowder">
+      <a:bevelT w="127000" h="25400" prst="softRound"/>
+    </dgm:sp3d>
+    <dgm:txPr/>
+    <dgm:style>
+      <a:lnRef idx="0">
+        <a:scrgbClr r="0" g="0" b="0"/>
+      </a:lnRef>
+      <a:fillRef idx="1">
+        <a:scrgbClr r="0" g="0" b="0"/>
+      </a:fillRef>
+      <a:effectRef idx="0">
+        <a:scrgbClr r="0" g="0" b="0"/>
+      </a:effectRef>
+      <a:fontRef idx="minor">
+        <a:schemeClr val="lt1"/>
+      </a:fontRef>
+    </dgm:style>
+  </dgm:styleLbl>
+  <dgm:styleLbl name="asst3">
+    <dgm:scene3d>
+      <a:camera prst="orthographicFront"/>
+      <a:lightRig rig="chilly" dir="t"/>
+    </dgm:scene3d>
+    <dgm:sp3d prstMaterial="translucentPowder">
+      <a:bevelT w="127000" h="25400" prst="softRound"/>
+    </dgm:sp3d>
+    <dgm:txPr/>
+    <dgm:style>
+      <a:lnRef idx="0">
+        <a:scrgbClr r="0" g="0" b="0"/>
+      </a:lnRef>
+      <a:fillRef idx="1">
+        <a:scrgbClr r="0" g="0" b="0"/>
+      </a:fillRef>
+      <a:effectRef idx="0">
+        <a:scrgbClr r="0" g="0" b="0"/>
+      </a:effectRef>
+      <a:fontRef idx="minor">
+        <a:schemeClr val="lt1"/>
+      </a:fontRef>
+    </dgm:style>
+  </dgm:styleLbl>
+  <dgm:styleLbl name="parChTrans2D1">
+    <dgm:scene3d>
+      <a:camera prst="orthographicFront"/>
+      <a:lightRig rig="chilly" dir="t"/>
+    </dgm:scene3d>
+    <dgm:sp3d z="1700" extrusionH="1700" prstMaterial="translucentPowder">
+      <a:bevelT w="25400" h="6350" prst="softRound"/>
+      <a:bevelB w="0" h="0" prst="convex"/>
+    </dgm:sp3d>
+    <dgm:txPr/>
+    <dgm:style>
+      <a:lnRef idx="0">
+        <a:scrgbClr r="0" g="0" b="0"/>
+      </a:lnRef>
+      <a:fillRef idx="1">
+        <a:scrgbClr r="0" g="0" b="0"/>
+      </a:fillRef>
+      <a:effectRef idx="0">
+        <a:scrgbClr r="0" g="0" b="0"/>
+      </a:effectRef>
+      <a:fontRef idx="minor"/>
+    </dgm:style>
+  </dgm:styleLbl>
+  <dgm:styleLbl name="parChTrans2D2">
+    <dgm:scene3d>
+      <a:camera prst="orthographicFront"/>
+      <a:lightRig rig="chilly" dir="t"/>
+    </dgm:scene3d>
+    <dgm:sp3d z="1700" extrusionH="1700" prstMaterial="translucentPowder">
+      <a:bevelT w="25400" h="6350" prst="softRound"/>
+      <a:bevelB w="0" h="0" prst="convex"/>
+    </dgm:sp3d>
+    <dgm:txPr/>
+    <dgm:style>
+      <a:lnRef idx="0">
+        <a:scrgbClr r="0" g="0" b="0"/>
+      </a:lnRef>
+      <a:fillRef idx="1">
+        <a:scrgbClr r="0" g="0" b="0"/>
+      </a:fillRef>
+      <a:effectRef idx="0">
+        <a:scrgbClr r="0" g="0" b="0"/>
+      </a:effectRef>
+      <a:fontRef idx="minor"/>
+    </dgm:style>
+  </dgm:styleLbl>
+  <dgm:styleLbl name="parChTrans2D3">
+    <dgm:scene3d>
+      <a:camera prst="orthographicFront"/>
+      <a:lightRig rig="chilly" dir="t"/>
+    </dgm:scene3d>
+    <dgm:sp3d extrusionH="1700" prstMaterial="translucentPowder">
+      <a:bevelT w="25400" h="6350" prst="softRound"/>
+      <a:bevelB w="0" h="0" prst="convex"/>
+    </dgm:sp3d>
+    <dgm:txPr/>
+    <dgm:style>
+      <a:lnRef idx="0">
+        <a:scrgbClr r="0" g="0" b="0"/>
+      </a:lnRef>
+      <a:fillRef idx="1">
+        <a:scrgbClr r="0" g="0" b="0"/>
+      </a:fillRef>
+      <a:effectRef idx="0">
+        <a:scrgbClr r="0" g="0" b="0"/>
+      </a:effectRef>
+      <a:fontRef idx="minor"/>
+    </dgm:style>
+  </dgm:styleLbl>
+  <dgm:styleLbl name="parChTrans2D4">
+    <dgm:scene3d>
+      <a:camera prst="orthographicFront"/>
+      <a:lightRig rig="chilly" dir="t"/>
+    </dgm:scene3d>
+    <dgm:sp3d extrusionH="1700" prstMaterial="translucentPowder">
+      <a:bevelT w="25400" h="6350" prst="softRound"/>
+      <a:bevelB w="0" h="0" prst="convex"/>
+    </dgm:sp3d>
+    <dgm:txPr/>
+    <dgm:style>
+      <a:lnRef idx="0">
+        <a:scrgbClr r="0" g="0" b="0"/>
+      </a:lnRef>
+      <a:fillRef idx="1">
+        <a:scrgbClr r="0" g="0" b="0"/>
+      </a:fillRef>
+      <a:effectRef idx="0">
+        <a:scrgbClr r="0" g="0" b="0"/>
+      </a:effectRef>
+      <a:fontRef idx="minor"/>
+    </dgm:style>
+  </dgm:styleLbl>
+  <dgm:styleLbl name="parChTrans1D1">
+    <dgm:scene3d>
+      <a:camera prst="orthographicFront"/>
+      <a:lightRig rig="chilly" dir="t"/>
+    </dgm:scene3d>
+    <dgm:sp3d z="-40000" prstMaterial="matte"/>
+    <dgm:txPr/>
+    <dgm:style>
+      <a:lnRef idx="2">
+        <a:scrgbClr r="0" g="0" b="0"/>
+      </a:lnRef>
+      <a:fillRef idx="0">
+        <a:scrgbClr r="0" g="0" b="0"/>
+      </a:fillRef>
+      <a:effectRef idx="0">
+        <a:scrgbClr r="0" g="0" b="0"/>
+      </a:effectRef>
+      <a:fontRef idx="minor"/>
+    </dgm:style>
+  </dgm:styleLbl>
+  <dgm:styleLbl name="parChTrans1D2">
+    <dgm:scene3d>
+      <a:camera prst="orthographicFront"/>
+      <a:lightRig rig="threePt" dir="t"/>
+    </dgm:scene3d>
+    <dgm:sp3d z="-40000" prstMaterial="matte"/>
+    <dgm:txPr/>
+    <dgm:style>
+      <a:lnRef idx="2">
+        <a:scrgbClr r="0" g="0" b="0"/>
+      </a:lnRef>
+      <a:fillRef idx="0">
+        <a:scrgbClr r="0" g="0" b="0"/>
+      </a:fillRef>
+      <a:effectRef idx="0">
+        <a:scrgbClr r="0" g="0" b="0"/>
+      </a:effectRef>
+      <a:fontRef idx="minor"/>
+    </dgm:style>
+  </dgm:styleLbl>
+  <dgm:styleLbl name="parChTrans1D3">
+    <dgm:scene3d>
+      <a:camera prst="orthographicFront"/>
+      <a:lightRig rig="chilly" dir="t"/>
+    </dgm:scene3d>
+    <dgm:sp3d z="-40000" prstMaterial="matte"/>
+    <dgm:txPr/>
+    <dgm:style>
+      <a:lnRef idx="2">
+        <a:scrgbClr r="0" g="0" b="0"/>
+      </a:lnRef>
+      <a:fillRef idx="0">
+        <a:scrgbClr r="0" g="0" b="0"/>
+      </a:fillRef>
+      <a:effectRef idx="0">
+        <a:scrgbClr r="0" g="0" b="0"/>
+      </a:effectRef>
+      <a:fontRef idx="minor"/>
+    </dgm:style>
+  </dgm:styleLbl>
+  <dgm:styleLbl name="parChTrans1D4">
+    <dgm:scene3d>
+      <a:camera prst="orthographicFront"/>
+      <a:lightRig rig="chilly" dir="t"/>
+    </dgm:scene3d>
+    <dgm:sp3d z="-40000" prstMaterial="matte"/>
+    <dgm:txPr/>
+    <dgm:style>
+      <a:lnRef idx="2">
+        <a:scrgbClr r="0" g="0" b="0"/>
+      </a:lnRef>
+      <a:fillRef idx="0">
+        <a:scrgbClr r="0" g="0" b="0"/>
+      </a:fillRef>
+      <a:effectRef idx="0">
+        <a:scrgbClr r="0" g="0" b="0"/>
+      </a:effectRef>
+      <a:fontRef idx="minor"/>
+    </dgm:style>
+  </dgm:styleLbl>
+  <dgm:styleLbl name="fgAcc1">
+    <dgm:scene3d>
+      <a:camera prst="orthographicFront"/>
+      <a:lightRig rig="chilly" dir="t"/>
+    </dgm:scene3d>
+    <dgm:sp3d z="12700" extrusionH="1700" prstMaterial="dkEdge">
+      <a:bevelT w="25400" h="6350" prst="softRound"/>
+      <a:bevelB w="0" h="0" prst="convex"/>
+    </dgm:sp3d>
+    <dgm:txPr/>
+    <dgm:style>
+      <a:lnRef idx="1">
+        <a:scrgbClr r="0" g="0" b="0"/>
+      </a:lnRef>
+      <a:fillRef idx="1">
+        <a:scrgbClr r="0" g="0" b="0"/>
+      </a:fillRef>
+      <a:effectRef idx="0">
+        <a:scrgbClr r="0" g="0" b="0"/>
+      </a:effectRef>
+      <a:fontRef idx="minor"/>
+    </dgm:style>
+  </dgm:styleLbl>
+  <dgm:styleLbl name="conFgAcc1">
+    <dgm:scene3d>
+      <a:camera prst="orthographicFront"/>
+      <a:lightRig rig="chilly" dir="t"/>
+    </dgm:scene3d>
+    <dgm:sp3d z="12700" extrusionH="1700" prstMaterial="dkEdge">
+      <a:bevelT w="25400" h="6350" prst="softRound"/>
+      <a:bevelB w="0" h="0" prst="convex"/>
+    </dgm:sp3d>
+    <dgm:txPr/>
+    <dgm:style>
+      <a:lnRef idx="1">
+        <a:scrgbClr r="0" g="0" b="0"/>
+      </a:lnRef>
+      <a:fillRef idx="1">
+        <a:scrgbClr r="0" g="0" b="0"/>
+      </a:fillRef>
+      <a:effectRef idx="0">
+        <a:scrgbClr r="0" g="0" b="0"/>
+      </a:effectRef>
+      <a:fontRef idx="minor"/>
+    </dgm:style>
+  </dgm:styleLbl>
+  <dgm:styleLbl name="alignAcc1">
+    <dgm:scene3d>
+      <a:camera prst="orthographicFront"/>
+      <a:lightRig rig="chilly" dir="t"/>
+    </dgm:scene3d>
+    <dgm:sp3d prstMaterial="dkEdge">
+      <a:bevelT w="25400" h="6350" prst="softRound"/>
+      <a:bevelB w="0" h="0" prst="convex"/>
+    </dgm:sp3d>
+    <dgm:txPr/>
+    <dgm:style>
+      <a:lnRef idx="1">
+        <a:scrgbClr r="0" g="0" b="0"/>
+      </a:lnRef>
+      <a:fillRef idx="1">
+        <a:scrgbClr r="0" g="0" b="0"/>
+      </a:fillRef>
+      <a:effectRef idx="0">
+        <a:scrgbClr r="0" g="0" b="0"/>
+      </a:effectRef>
+      <a:fontRef idx="minor"/>
+    </dgm:style>
+  </dgm:styleLbl>
+  <dgm:styleLbl name="trAlignAcc1">
+    <dgm:scene3d>
+      <a:camera prst="orthographicFront"/>
+      <a:lightRig rig="chilly" dir="t"/>
+    </dgm:scene3d>
+    <dgm:sp3d prstMaterial="dkEdge">
+      <a:bevelT w="127000" h="25400"/>
+    </dgm:sp3d>
+    <dgm:txPr/>
+    <dgm:style>
+      <a:lnRef idx="1">
+        <a:scrgbClr r="0" g="0" b="0"/>
+      </a:lnRef>
+      <a:fillRef idx="1">
+        <a:scrgbClr r="0" g="0" b="0"/>
+      </a:fillRef>
+      <a:effectRef idx="0">
+        <a:scrgbClr r="0" g="0" b="0"/>
+      </a:effectRef>
+      <a:fontRef idx="minor">
+        <a:schemeClr val="lt1"/>
+      </a:fontRef>
+    </dgm:style>
+  </dgm:styleLbl>
+  <dgm:styleLbl name="bgAcc1">
+    <dgm:scene3d>
+      <a:camera prst="orthographicFront"/>
+      <a:lightRig rig="chilly" dir="t"/>
+    </dgm:scene3d>
+    <dgm:sp3d z="-12700" extrusionH="1700" prstMaterial="dkEdge">
+      <a:bevelT w="25400" h="6350" prst="softRound"/>
+      <a:bevelB w="0" h="0" prst="convex"/>
+    </dgm:sp3d>
+    <dgm:txPr/>
+    <dgm:style>
+      <a:lnRef idx="1">
+        <a:scrgbClr r="0" g="0" b="0"/>
+      </a:lnRef>
+      <a:fillRef idx="1">
+        <a:scrgbClr r="0" g="0" b="0"/>
+      </a:fillRef>
+      <a:effectRef idx="0">
+        <a:scrgbClr r="0" g="0" b="0"/>
+      </a:effectRef>
+      <a:fontRef idx="minor"/>
+    </dgm:style>
+  </dgm:styleLbl>
+  <dgm:styleLbl name="solidFgAcc1">
+    <dgm:scene3d>
+      <a:camera prst="orthographicFront"/>
+      <a:lightRig rig="chilly" dir="t"/>
+    </dgm:scene3d>
+    <dgm:sp3d z="12700" extrusionH="1700" prstMaterial="dkEdge">
+      <a:bevelT w="25400" h="6350" prst="softRound"/>
+      <a:bevelB w="0" h="0" prst="convex"/>
+    </dgm:sp3d>
+    <dgm:txPr/>
+    <dgm:style>
+      <a:lnRef idx="1">
+        <a:scrgbClr r="0" g="0" b="0"/>
+      </a:lnRef>
+      <a:fillRef idx="1">
+        <a:scrgbClr r="0" g="0" b="0"/>
+      </a:fillRef>
+      <a:effectRef idx="0">
+        <a:scrgbClr r="0" g="0" b="0"/>
+      </a:effectRef>
+      <a:fontRef idx="minor"/>
+    </dgm:style>
+  </dgm:styleLbl>
+  <dgm:styleLbl name="solidAlignAcc1">
+    <dgm:scene3d>
+      <a:camera prst="orthographicFront"/>
+      <a:lightRig rig="chilly" dir="t"/>
+    </dgm:scene3d>
+    <dgm:sp3d extrusionH="1700" prstMaterial="dkEdge">
+      <a:bevelT w="25400" h="6350" prst="softRound"/>
+      <a:bevelB w="0" h="0" prst="convex"/>
+    </dgm:sp3d>
+    <dgm:txPr/>
+    <dgm:style>
+      <a:lnRef idx="1">
+        <a:scrgbClr r="0" g="0" b="0"/>
+      </a:lnRef>
+      <a:fillRef idx="1">
+        <a:scrgbClr r="0" g="0" b="0"/>
+      </a:fillRef>
+      <a:effectRef idx="0">
+        <a:scrgbClr r="0" g="0" b="0"/>
+      </a:effectRef>
+      <a:fontRef idx="minor"/>
+    </dgm:style>
+  </dgm:styleLbl>
+  <dgm:styleLbl name="solidBgAcc1">
+    <dgm:scene3d>
+      <a:camera prst="orthographicFront"/>
+      <a:lightRig rig="chilly" dir="t"/>
+    </dgm:scene3d>
+    <dgm:sp3d z="-12700" extrusionH="1700" prstMaterial="dkEdge">
+      <a:bevelT w="25400" h="6350" prst="softRound"/>
+      <a:bevelB w="0" h="0" prst="convex"/>
+    </dgm:sp3d>
+    <dgm:txPr/>
+    <dgm:style>
+      <a:lnRef idx="1">
+        <a:scrgbClr r="0" g="0" b="0"/>
+      </a:lnRef>
+      <a:fillRef idx="1">
+        <a:scrgbClr r="0" g="0" b="0"/>
+      </a:fillRef>
+      <a:effectRef idx="0">
+        <a:scrgbClr r="0" g="0" b="0"/>
+      </a:effectRef>
+      <a:fontRef idx="minor"/>
+    </dgm:style>
+  </dgm:styleLbl>
+  <dgm:styleLbl name="fgAccFollowNode1">
+    <dgm:scene3d>
+      <a:camera prst="orthographicFront"/>
+      <a:lightRig rig="chilly" dir="t"/>
+    </dgm:scene3d>
+    <dgm:sp3d z="12700" extrusionH="1700" prstMaterial="dkEdge">
+      <a:bevelT w="25400" h="6350" prst="softRound"/>
+      <a:bevelB w="0" h="0" prst="convex"/>
+    </dgm:sp3d>
+    <dgm:txPr/>
+    <dgm:style>
+      <a:lnRef idx="1">
+        <a:scrgbClr r="0" g="0" b="0"/>
+      </a:lnRef>
+      <a:fillRef idx="1">
+        <a:scrgbClr r="0" g="0" b="0"/>
+      </a:fillRef>
+      <a:effectRef idx="0">
+        <a:scrgbClr r="0" g="0" b="0"/>
+      </a:effectRef>
+      <a:fontRef idx="minor"/>
+    </dgm:style>
+  </dgm:styleLbl>
+  <dgm:styleLbl name="alignAccFollowNode1">
+    <dgm:scene3d>
+      <a:camera prst="orthographicFront"/>
+      <a:lightRig rig="chilly" dir="t"/>
+    </dgm:scene3d>
+    <dgm:sp3d extrusionH="1700" prstMaterial="dkEdge">
+      <a:bevelT w="25400" h="6350" prst="softRound"/>
+      <a:bevelB w="0" h="0" prst="convex"/>
+    </dgm:sp3d>
+    <dgm:txPr/>
+    <dgm:style>
+      <a:lnRef idx="1">
+        <a:scrgbClr r="0" g="0" b="0"/>
+      </a:lnRef>
+      <a:fillRef idx="1">
+        <a:scrgbClr r="0" g="0" b="0"/>
+      </a:fillRef>
+      <a:effectRef idx="0">
+        <a:scrgbClr r="0" g="0" b="0"/>
+      </a:effectRef>
+      <a:fontRef idx="minor"/>
+    </dgm:style>
+  </dgm:styleLbl>
+  <dgm:styleLbl name="bgAccFollowNode1">
+    <dgm:scene3d>
+      <a:camera prst="orthographicFront"/>
+      <a:lightRig rig="chilly" dir="t"/>
+    </dgm:scene3d>
+    <dgm:sp3d z="-12700" extrusionH="1700" prstMaterial="dkEdge">
+      <a:bevelT w="25400" h="6350" prst="softRound"/>
+      <a:bevelB w="0" h="0" prst="convex"/>
+    </dgm:sp3d>
+    <dgm:txPr/>
+    <dgm:style>
+      <a:lnRef idx="1">
+        <a:scrgbClr r="0" g="0" b="0"/>
+      </a:lnRef>
+      <a:fillRef idx="1">
+        <a:scrgbClr r="0" g="0" b="0"/>
+      </a:fillRef>
+      <a:effectRef idx="0">
+        <a:scrgbClr r="0" g="0" b="0"/>
+      </a:effectRef>
+      <a:fontRef idx="minor"/>
+    </dgm:style>
+  </dgm:styleLbl>
+  <dgm:styleLbl name="fgAcc0">
+    <dgm:scene3d>
+      <a:camera prst="orthographicFront"/>
+      <a:lightRig rig="chilly" dir="t"/>
+    </dgm:scene3d>
+    <dgm:sp3d z="12700" extrusionH="1700" prstMaterial="dkEdge">
+      <a:bevelT w="25400" h="6350" prst="softRound"/>
+      <a:bevelB w="0" h="0" prst="convex"/>
+    </dgm:sp3d>
+    <dgm:txPr/>
+    <dgm:style>
+      <a:lnRef idx="1">
+        <a:scrgbClr r="0" g="0" b="0"/>
+      </a:lnRef>
+      <a:fillRef idx="1">
+        <a:scrgbClr r="0" g="0" b="0"/>
+      </a:fillRef>
+      <a:effectRef idx="0">
+        <a:scrgbClr r="0" g="0" b="0"/>
+      </a:effectRef>
+      <a:fontRef idx="minor"/>
+    </dgm:style>
+  </dgm:styleLbl>
+  <dgm:styleLbl name="fgAcc2">
+    <dgm:scene3d>
+      <a:camera prst="orthographicFront"/>
+      <a:lightRig rig="chilly" dir="t"/>
+    </dgm:scene3d>
+    <dgm:sp3d z="12700" extrusionH="1700" prstMaterial="dkEdge">
+      <a:bevelT w="25400" h="6350" prst="softRound"/>
+      <a:bevelB w="0" h="0" prst="convex"/>
+    </dgm:sp3d>
+    <dgm:txPr/>
+    <dgm:style>
+      <a:lnRef idx="1">
+        <a:scrgbClr r="0" g="0" b="0"/>
+      </a:lnRef>
+      <a:fillRef idx="1">
+        <a:scrgbClr r="0" g="0" b="0"/>
+      </a:fillRef>
+      <a:effectRef idx="0">
+        <a:scrgbClr r="0" g="0" b="0"/>
+      </a:effectRef>
+      <a:fontRef idx="minor"/>
+    </dgm:style>
+  </dgm:styleLbl>
+  <dgm:styleLbl name="fgAcc3">
+    <dgm:scene3d>
+      <a:camera prst="orthographicFront"/>
+      <a:lightRig rig="chilly" dir="t"/>
+    </dgm:scene3d>
+    <dgm:sp3d z="12700" extrusionH="1700" prstMaterial="dkEdge">
+      <a:bevelT w="25400" h="6350" prst="softRound"/>
+      <a:bevelB w="0" h="0" prst="convex"/>
+    </dgm:sp3d>
+    <dgm:txPr/>
+    <dgm:style>
+      <a:lnRef idx="1">
+        <a:scrgbClr r="0" g="0" b="0"/>
+      </a:lnRef>
+      <a:fillRef idx="1">
+        <a:scrgbClr r="0" g="0" b="0"/>
+      </a:fillRef>
+      <a:effectRef idx="0">
+        <a:scrgbClr r="0" g="0" b="0"/>
+      </a:effectRef>
+      <a:fontRef idx="minor"/>
+    </dgm:style>
+  </dgm:styleLbl>
+  <dgm:styleLbl name="fgAcc4">
+    <dgm:scene3d>
+      <a:camera prst="orthographicFront"/>
+      <a:lightRig rig="chilly" dir="t"/>
+    </dgm:scene3d>
+    <dgm:sp3d z="12700" extrusionH="1700" prstMaterial="dkEdge">
+      <a:bevelT w="25400" h="6350" prst="softRound"/>
+      <a:bevelB w="0" h="0" prst="convex"/>
+    </dgm:sp3d>
+    <dgm:txPr/>
+    <dgm:style>
+      <a:lnRef idx="1">
+        <a:scrgbClr r="0" g="0" b="0"/>
+      </a:lnRef>
+      <a:fillRef idx="1">
+        <a:scrgbClr r="0" g="0" b="0"/>
+      </a:fillRef>
+      <a:effectRef idx="0">
+        <a:scrgbClr r="0" g="0" b="0"/>
+      </a:effectRef>
+      <a:fontRef idx="minor"/>
+    </dgm:style>
+  </dgm:styleLbl>
+  <dgm:styleLbl name="bgShp">
+    <dgm:scene3d>
+      <a:camera prst="orthographicFront"/>
+      <a:lightRig rig="chilly" dir="t"/>
+    </dgm:scene3d>
+    <dgm:sp3d z="-12700" extrusionH="1700" prstMaterial="translucentPowder">
+      <a:bevelT w="25400" h="6350" prst="softRound"/>
+      <a:bevelB w="0" h="0" prst="convex"/>
+    </dgm:sp3d>
+    <dgm:txPr/>
+    <dgm:style>
+      <a:lnRef idx="0">
+        <a:scrgbClr r="0" g="0" b="0"/>
+      </a:lnRef>
+      <a:fillRef idx="1">
+        <a:scrgbClr r="0" g="0" b="0"/>
+      </a:fillRef>
+      <a:effectRef idx="0">
+        <a:scrgbClr r="0" g="0" b="0"/>
+      </a:effectRef>
+      <a:fontRef idx="minor"/>
+    </dgm:style>
+  </dgm:styleLbl>
+  <dgm:styleLbl name="dkBgShp">
+    <dgm:scene3d>
+      <a:camera prst="orthographicFront"/>
+      <a:lightRig rig="chilly" dir="t"/>
+    </dgm:scene3d>
+    <dgm:sp3d extrusionH="1700" prstMaterial="translucentPowder">
+      <a:bevelT w="25400" h="6350" prst="softRound"/>
+      <a:bevelB w="0" h="0" prst="convex"/>
+    </dgm:sp3d>
+    <dgm:txPr/>
+    <dgm:style>
+      <a:lnRef idx="0">
+        <a:scrgbClr r="0" g="0" b="0"/>
+      </a:lnRef>
+      <a:fillRef idx="1">
+        <a:scrgbClr r="0" g="0" b="0"/>
+      </a:fillRef>
+      <a:effectRef idx="0">
+        <a:scrgbClr r="0" g="0" b="0"/>
+      </a:effectRef>
+      <a:fontRef idx="minor"/>
+    </dgm:style>
+  </dgm:styleLbl>
+  <dgm:styleLbl name="trBgShp">
+    <dgm:scene3d>
+      <a:camera prst="orthographicFront"/>
+      <a:lightRig rig="chilly" dir="t"/>
+    </dgm:scene3d>
+    <dgm:sp3d z="-152400" prstMaterial="matte"/>
+    <dgm:txPr/>
+    <dgm:style>
+      <a:lnRef idx="0">
+        <a:scrgbClr r="0" g="0" b="0"/>
+      </a:lnRef>
+      <a:fillRef idx="1">
+        <a:scrgbClr r="0" g="0" b="0"/>
+      </a:fillRef>
+      <a:effectRef idx="0">
+        <a:scrgbClr r="0" g="0" b="0"/>
+      </a:effectRef>
+      <a:fontRef idx="minor"/>
+    </dgm:style>
+  </dgm:styleLbl>
+  <dgm:styleLbl name="fgShp">
+    <dgm:scene3d>
+      <a:camera prst="orthographicFront"/>
+      <a:lightRig rig="chilly" dir="t"/>
+    </dgm:scene3d>
+    <dgm:sp3d z="12700" extrusionH="1700" prstMaterial="translucentPowder">
+      <a:bevelT w="25400" h="6350" prst="softRound"/>
+      <a:bevelB w="0" h="0" prst="convex"/>
+    </dgm:sp3d>
+    <dgm:txPr/>
+    <dgm:style>
+      <a:lnRef idx="0">
+        <a:scrgbClr r="0" g="0" b="0"/>
+      </a:lnRef>
+      <a:fillRef idx="1">
+        <a:scrgbClr r="0" g="0" b="0"/>
+      </a:fillRef>
+      <a:effectRef idx="0">
+        <a:scrgbClr r="0" g="0" b="0"/>
+      </a:effectRef>
+      <a:fontRef idx="minor"/>
+    </dgm:style>
+  </dgm:styleLbl>
+  <dgm:styleLbl name="revTx">
+    <dgm:scene3d>
+      <a:camera prst="orthographicFront"/>
+      <a:lightRig rig="threePt" dir="t"/>
+    </dgm:scene3d>
+    <dgm:sp3d/>
+    <dgm:txPr/>
+    <dgm:style>
+      <a:lnRef idx="0">
+        <a:scrgbClr r="0" g="0" b="0"/>
+      </a:lnRef>
+      <a:fillRef idx="0">
+        <a:scrgbClr r="0" g="0" b="0"/>
+      </a:fillRef>
+      <a:effectRef idx="0">
+        <a:scrgbClr r="0" g="0" b="0"/>
+      </a:effectRef>
+      <a:fontRef idx="minor"/>
+    </dgm:style>
+  </dgm:styleLbl>
+</dgm:styleDef>
 </file>
 
 <file path=ppt/slideLayouts/slideLayout1.xml><?xml version="1.0" encoding="utf-8"?>
@@ -3395,7 +6171,7 @@
             </a:pPr>
             <a:r>
               <a:rPr lang="it-IT" dirty="0"/>
-              <a:t>Dalla Longa Emanuele Bici</a:t>
+              <a:t>Dalla Longa Emanuele</a:t>
             </a:r>
           </a:p>
           <a:p>
@@ -3428,6 +6204,1103 @@
     <p:extLst>
       <p:ext uri="{BB962C8B-B14F-4D97-AF65-F5344CB8AC3E}">
         <p14:creationId xmlns:p14="http://schemas.microsoft.com/office/powerpoint/2010/main" val="2819318285"/>
+      </p:ext>
+    </p:extLst>
+  </p:cSld>
+  <p:clrMapOvr>
+    <a:masterClrMapping/>
+  </p:clrMapOvr>
+</p:sld>
+</file>
+
+<file path=ppt/slides/slide10.xml><?xml version="1.0" encoding="utf-8"?>
+<p:sld xmlns:a="http://schemas.openxmlformats.org/drawingml/2006/main" xmlns:r="http://schemas.openxmlformats.org/officeDocument/2006/relationships" xmlns:p="http://schemas.openxmlformats.org/presentationml/2006/main">
+  <p:cSld>
+    <p:spTree>
+      <p:nvGrpSpPr>
+        <p:cNvPr id="1" name=""/>
+        <p:cNvGrpSpPr/>
+        <p:nvPr/>
+      </p:nvGrpSpPr>
+      <p:grpSpPr>
+        <a:xfrm>
+          <a:off x="0" y="0"/>
+          <a:ext cx="0" cy="0"/>
+          <a:chOff x="0" y="0"/>
+          <a:chExt cx="0" cy="0"/>
+        </a:xfrm>
+      </p:grpSpPr>
+      <p:sp>
+        <p:nvSpPr>
+          <p:cNvPr id="2" name="Titolo 1">
+            <a:extLst>
+              <a:ext uri="{FF2B5EF4-FFF2-40B4-BE49-F238E27FC236}">
+                <a16:creationId xmlns:a16="http://schemas.microsoft.com/office/drawing/2014/main" id="{45712661-CEEF-4141-B375-C208E5A3AE38}"/>
+              </a:ext>
+            </a:extLst>
+          </p:cNvPr>
+          <p:cNvSpPr>
+            <a:spLocks noGrp="1"/>
+          </p:cNvSpPr>
+          <p:nvPr>
+            <p:ph type="title"/>
+          </p:nvPr>
+        </p:nvSpPr>
+        <p:spPr>
+          <a:xfrm>
+            <a:off x="389137" y="252380"/>
+            <a:ext cx="10515600" cy="1325563"/>
+          </a:xfrm>
+        </p:spPr>
+        <p:txBody>
+          <a:bodyPr/>
+          <a:lstStyle/>
+          <a:p>
+            <a:r>
+              <a:rPr lang="en-US" dirty="0"/>
+              <a:t>System topology</a:t>
+            </a:r>
+          </a:p>
+        </p:txBody>
+      </p:sp>
+      <p:sp>
+        <p:nvSpPr>
+          <p:cNvPr id="4" name="Ovale 3">
+            <a:extLst>
+              <a:ext uri="{FF2B5EF4-FFF2-40B4-BE49-F238E27FC236}">
+                <a16:creationId xmlns:a16="http://schemas.microsoft.com/office/drawing/2014/main" id="{13C276B8-43E8-4340-8744-F95FE45FF93D}"/>
+              </a:ext>
+            </a:extLst>
+          </p:cNvPr>
+          <p:cNvSpPr/>
+          <p:nvPr/>
+        </p:nvSpPr>
+        <p:spPr>
+          <a:xfrm>
+            <a:off x="1663083" y="1577943"/>
+            <a:ext cx="1722268" cy="1402672"/>
+          </a:xfrm>
+          <a:prstGeom prst="ellipse">
+            <a:avLst/>
+          </a:prstGeom>
+        </p:spPr>
+        <p:style>
+          <a:lnRef idx="2">
+            <a:schemeClr val="accent1">
+              <a:shade val="50000"/>
+            </a:schemeClr>
+          </a:lnRef>
+          <a:fillRef idx="1">
+            <a:schemeClr val="accent1"/>
+          </a:fillRef>
+          <a:effectRef idx="0">
+            <a:schemeClr val="accent1"/>
+          </a:effectRef>
+          <a:fontRef idx="minor">
+            <a:schemeClr val="lt1"/>
+          </a:fontRef>
+        </p:style>
+        <p:txBody>
+          <a:bodyPr rtlCol="0" anchor="ctr"/>
+          <a:lstStyle/>
+          <a:p>
+            <a:pPr algn="ctr"/>
+            <a:r>
+              <a:rPr lang="en-US" dirty="0"/>
+              <a:t>Motor 1</a:t>
+            </a:r>
+          </a:p>
+        </p:txBody>
+      </p:sp>
+      <p:sp>
+        <p:nvSpPr>
+          <p:cNvPr id="6" name="Ovale 5">
+            <a:extLst>
+              <a:ext uri="{FF2B5EF4-FFF2-40B4-BE49-F238E27FC236}">
+                <a16:creationId xmlns:a16="http://schemas.microsoft.com/office/drawing/2014/main" id="{E4807840-D773-4EF0-81F6-035CAAF531A6}"/>
+              </a:ext>
+            </a:extLst>
+          </p:cNvPr>
+          <p:cNvSpPr/>
+          <p:nvPr/>
+        </p:nvSpPr>
+        <p:spPr>
+          <a:xfrm>
+            <a:off x="1774055" y="3136099"/>
+            <a:ext cx="1722268" cy="1402672"/>
+          </a:xfrm>
+          <a:prstGeom prst="ellipse">
+            <a:avLst/>
+          </a:prstGeom>
+        </p:spPr>
+        <p:style>
+          <a:lnRef idx="2">
+            <a:schemeClr val="accent1">
+              <a:shade val="50000"/>
+            </a:schemeClr>
+          </a:lnRef>
+          <a:fillRef idx="1">
+            <a:schemeClr val="accent1"/>
+          </a:fillRef>
+          <a:effectRef idx="0">
+            <a:schemeClr val="accent1"/>
+          </a:effectRef>
+          <a:fontRef idx="minor">
+            <a:schemeClr val="lt1"/>
+          </a:fontRef>
+        </p:style>
+        <p:txBody>
+          <a:bodyPr rtlCol="0" anchor="ctr"/>
+          <a:lstStyle/>
+          <a:p>
+            <a:pPr algn="ctr"/>
+            <a:r>
+              <a:rPr lang="en-US" dirty="0"/>
+              <a:t>Motor N</a:t>
+            </a:r>
+          </a:p>
+        </p:txBody>
+      </p:sp>
+      <p:sp>
+        <p:nvSpPr>
+          <p:cNvPr id="7" name="Rettangolo 6">
+            <a:extLst>
+              <a:ext uri="{FF2B5EF4-FFF2-40B4-BE49-F238E27FC236}">
+                <a16:creationId xmlns:a16="http://schemas.microsoft.com/office/drawing/2014/main" id="{6D35485D-A7D8-446F-9516-34B0F2153AAD}"/>
+              </a:ext>
+            </a:extLst>
+          </p:cNvPr>
+          <p:cNvSpPr/>
+          <p:nvPr/>
+        </p:nvSpPr>
+        <p:spPr>
+          <a:xfrm>
+            <a:off x="2914834" y="1684476"/>
+            <a:ext cx="1979721" cy="1120806"/>
+          </a:xfrm>
+          <a:prstGeom prst="rect">
+            <a:avLst/>
+          </a:prstGeom>
+        </p:spPr>
+        <p:style>
+          <a:lnRef idx="2">
+            <a:schemeClr val="accent1">
+              <a:shade val="50000"/>
+            </a:schemeClr>
+          </a:lnRef>
+          <a:fillRef idx="1">
+            <a:schemeClr val="accent1"/>
+          </a:fillRef>
+          <a:effectRef idx="0">
+            <a:schemeClr val="accent1"/>
+          </a:effectRef>
+          <a:fontRef idx="minor">
+            <a:schemeClr val="lt1"/>
+          </a:fontRef>
+        </p:style>
+        <p:txBody>
+          <a:bodyPr rtlCol="0" anchor="ctr"/>
+          <a:lstStyle/>
+          <a:p>
+            <a:pPr algn="ctr"/>
+            <a:r>
+              <a:rPr lang="en-US" dirty="0"/>
+              <a:t>BlueCoin1</a:t>
+            </a:r>
+          </a:p>
+        </p:txBody>
+      </p:sp>
+      <p:sp>
+        <p:nvSpPr>
+          <p:cNvPr id="8" name="Rettangolo 7">
+            <a:extLst>
+              <a:ext uri="{FF2B5EF4-FFF2-40B4-BE49-F238E27FC236}">
+                <a16:creationId xmlns:a16="http://schemas.microsoft.com/office/drawing/2014/main" id="{94D24397-A14D-4CE5-AA12-5DCF9FD69775}"/>
+              </a:ext>
+            </a:extLst>
+          </p:cNvPr>
+          <p:cNvSpPr/>
+          <p:nvPr/>
+        </p:nvSpPr>
+        <p:spPr>
+          <a:xfrm>
+            <a:off x="3025805" y="3219551"/>
+            <a:ext cx="1979721" cy="1235767"/>
+          </a:xfrm>
+          <a:prstGeom prst="rect">
+            <a:avLst/>
+          </a:prstGeom>
+        </p:spPr>
+        <p:style>
+          <a:lnRef idx="2">
+            <a:schemeClr val="accent1">
+              <a:shade val="50000"/>
+            </a:schemeClr>
+          </a:lnRef>
+          <a:fillRef idx="1">
+            <a:schemeClr val="accent1"/>
+          </a:fillRef>
+          <a:effectRef idx="0">
+            <a:schemeClr val="accent1"/>
+          </a:effectRef>
+          <a:fontRef idx="minor">
+            <a:schemeClr val="lt1"/>
+          </a:fontRef>
+        </p:style>
+        <p:txBody>
+          <a:bodyPr rtlCol="0" anchor="ctr"/>
+          <a:lstStyle/>
+          <a:p>
+            <a:pPr algn="ctr"/>
+            <a:r>
+              <a:rPr lang="en-US" dirty="0" err="1"/>
+              <a:t>BlueCoinN</a:t>
+            </a:r>
+            <a:endParaRPr lang="en-US" dirty="0"/>
+          </a:p>
+        </p:txBody>
+      </p:sp>
+      <p:sp>
+        <p:nvSpPr>
+          <p:cNvPr id="9" name="Ovale 8">
+            <a:extLst>
+              <a:ext uri="{FF2B5EF4-FFF2-40B4-BE49-F238E27FC236}">
+                <a16:creationId xmlns:a16="http://schemas.microsoft.com/office/drawing/2014/main" id="{12ACE63D-A386-4EFC-9D85-AA066F3FBDDB}"/>
+              </a:ext>
+            </a:extLst>
+          </p:cNvPr>
+          <p:cNvSpPr/>
+          <p:nvPr/>
+        </p:nvSpPr>
+        <p:spPr>
+          <a:xfrm>
+            <a:off x="5897731" y="2445736"/>
+            <a:ext cx="2246051" cy="1748901"/>
+          </a:xfrm>
+          <a:prstGeom prst="ellipse">
+            <a:avLst/>
+          </a:prstGeom>
+        </p:spPr>
+        <p:style>
+          <a:lnRef idx="2">
+            <a:schemeClr val="accent1">
+              <a:shade val="50000"/>
+            </a:schemeClr>
+          </a:lnRef>
+          <a:fillRef idx="1">
+            <a:schemeClr val="accent1"/>
+          </a:fillRef>
+          <a:effectRef idx="0">
+            <a:schemeClr val="accent1"/>
+          </a:effectRef>
+          <a:fontRef idx="minor">
+            <a:schemeClr val="lt1"/>
+          </a:fontRef>
+        </p:style>
+        <p:txBody>
+          <a:bodyPr rtlCol="0" anchor="ctr"/>
+          <a:lstStyle/>
+          <a:p>
+            <a:pPr algn="ctr"/>
+            <a:r>
+              <a:rPr lang="en-US" dirty="0"/>
+              <a:t>Data Processing Unit</a:t>
+            </a:r>
+          </a:p>
+        </p:txBody>
+      </p:sp>
+      <p:cxnSp>
+        <p:nvCxnSpPr>
+          <p:cNvPr id="11" name="Connettore 2 10">
+            <a:extLst>
+              <a:ext uri="{FF2B5EF4-FFF2-40B4-BE49-F238E27FC236}">
+                <a16:creationId xmlns:a16="http://schemas.microsoft.com/office/drawing/2014/main" id="{440C4455-4284-4D52-8BE3-BC4D1B1848CC}"/>
+              </a:ext>
+            </a:extLst>
+          </p:cNvPr>
+          <p:cNvCxnSpPr/>
+          <p:nvPr/>
+        </p:nvCxnSpPr>
+        <p:spPr>
+          <a:xfrm>
+            <a:off x="5143129" y="2083971"/>
+            <a:ext cx="852257" cy="594804"/>
+          </a:xfrm>
+          <a:prstGeom prst="straightConnector1">
+            <a:avLst/>
+          </a:prstGeom>
+          <a:ln>
+            <a:tailEnd type="triangle"/>
+          </a:ln>
+        </p:spPr>
+        <p:style>
+          <a:lnRef idx="1">
+            <a:schemeClr val="accent1"/>
+          </a:lnRef>
+          <a:fillRef idx="0">
+            <a:schemeClr val="accent1"/>
+          </a:fillRef>
+          <a:effectRef idx="0">
+            <a:schemeClr val="accent1"/>
+          </a:effectRef>
+          <a:fontRef idx="minor">
+            <a:schemeClr val="tx1"/>
+          </a:fontRef>
+        </p:style>
+      </p:cxnSp>
+      <p:cxnSp>
+        <p:nvCxnSpPr>
+          <p:cNvPr id="13" name="Connettore 2 12">
+            <a:extLst>
+              <a:ext uri="{FF2B5EF4-FFF2-40B4-BE49-F238E27FC236}">
+                <a16:creationId xmlns:a16="http://schemas.microsoft.com/office/drawing/2014/main" id="{68074315-0C0E-4469-8B8D-6B7666EF1AC6}"/>
+              </a:ext>
+            </a:extLst>
+          </p:cNvPr>
+          <p:cNvCxnSpPr/>
+          <p:nvPr/>
+        </p:nvCxnSpPr>
+        <p:spPr>
+          <a:xfrm flipV="1">
+            <a:off x="5143129" y="3522154"/>
+            <a:ext cx="639193" cy="294733"/>
+          </a:xfrm>
+          <a:prstGeom prst="straightConnector1">
+            <a:avLst/>
+          </a:prstGeom>
+          <a:ln>
+            <a:tailEnd type="triangle"/>
+          </a:ln>
+        </p:spPr>
+        <p:style>
+          <a:lnRef idx="1">
+            <a:schemeClr val="accent1"/>
+          </a:lnRef>
+          <a:fillRef idx="0">
+            <a:schemeClr val="accent1"/>
+          </a:fillRef>
+          <a:effectRef idx="0">
+            <a:schemeClr val="accent1"/>
+          </a:effectRef>
+          <a:fontRef idx="minor">
+            <a:schemeClr val="tx1"/>
+          </a:fontRef>
+        </p:style>
+      </p:cxnSp>
+      <p:sp>
+        <p:nvSpPr>
+          <p:cNvPr id="14" name="Rettangolo 13">
+            <a:extLst>
+              <a:ext uri="{FF2B5EF4-FFF2-40B4-BE49-F238E27FC236}">
+                <a16:creationId xmlns:a16="http://schemas.microsoft.com/office/drawing/2014/main" id="{1379C35D-B17B-4EE6-9023-ABF63EC2EC44}"/>
+              </a:ext>
+            </a:extLst>
+          </p:cNvPr>
+          <p:cNvSpPr/>
+          <p:nvPr/>
+        </p:nvSpPr>
+        <p:spPr>
+          <a:xfrm>
+            <a:off x="5569257" y="2083971"/>
+            <a:ext cx="923278" cy="230820"/>
+          </a:xfrm>
+          <a:prstGeom prst="rect">
+            <a:avLst/>
+          </a:prstGeom>
+        </p:spPr>
+        <p:style>
+          <a:lnRef idx="2">
+            <a:schemeClr val="accent1">
+              <a:shade val="50000"/>
+            </a:schemeClr>
+          </a:lnRef>
+          <a:fillRef idx="1">
+            <a:schemeClr val="accent1"/>
+          </a:fillRef>
+          <a:effectRef idx="0">
+            <a:schemeClr val="accent1"/>
+          </a:effectRef>
+          <a:fontRef idx="minor">
+            <a:schemeClr val="lt1"/>
+          </a:fontRef>
+        </p:style>
+        <p:txBody>
+          <a:bodyPr rtlCol="0" anchor="ctr"/>
+          <a:lstStyle/>
+          <a:p>
+            <a:pPr algn="ctr"/>
+            <a:r>
+              <a:rPr lang="en-US" dirty="0"/>
+              <a:t>Data1</a:t>
+            </a:r>
+          </a:p>
+        </p:txBody>
+      </p:sp>
+      <p:sp>
+        <p:nvSpPr>
+          <p:cNvPr id="15" name="Rettangolo 14">
+            <a:extLst>
+              <a:ext uri="{FF2B5EF4-FFF2-40B4-BE49-F238E27FC236}">
+                <a16:creationId xmlns:a16="http://schemas.microsoft.com/office/drawing/2014/main" id="{8A16D978-EDCD-49E5-8288-3D3EEFE768F9}"/>
+              </a:ext>
+            </a:extLst>
+          </p:cNvPr>
+          <p:cNvSpPr/>
+          <p:nvPr/>
+        </p:nvSpPr>
+        <p:spPr>
+          <a:xfrm>
+            <a:off x="5373949" y="3895016"/>
+            <a:ext cx="772355" cy="294733"/>
+          </a:xfrm>
+          <a:prstGeom prst="rect">
+            <a:avLst/>
+          </a:prstGeom>
+        </p:spPr>
+        <p:style>
+          <a:lnRef idx="2">
+            <a:schemeClr val="accent1">
+              <a:shade val="50000"/>
+            </a:schemeClr>
+          </a:lnRef>
+          <a:fillRef idx="1">
+            <a:schemeClr val="accent1"/>
+          </a:fillRef>
+          <a:effectRef idx="0">
+            <a:schemeClr val="accent1"/>
+          </a:effectRef>
+          <a:fontRef idx="minor">
+            <a:schemeClr val="lt1"/>
+          </a:fontRef>
+        </p:style>
+        <p:txBody>
+          <a:bodyPr rtlCol="0" anchor="ctr"/>
+          <a:lstStyle/>
+          <a:p>
+            <a:pPr algn="ctr"/>
+            <a:r>
+              <a:rPr lang="en-US" dirty="0" err="1"/>
+              <a:t>DataN</a:t>
+            </a:r>
+            <a:endParaRPr lang="en-US" dirty="0"/>
+          </a:p>
+        </p:txBody>
+      </p:sp>
+      <p:sp>
+        <p:nvSpPr>
+          <p:cNvPr id="16" name="Rettangolo 15">
+            <a:extLst>
+              <a:ext uri="{FF2B5EF4-FFF2-40B4-BE49-F238E27FC236}">
+                <a16:creationId xmlns:a16="http://schemas.microsoft.com/office/drawing/2014/main" id="{B13F8C6A-714D-4C39-945A-7EDD7171A29F}"/>
+              </a:ext>
+            </a:extLst>
+          </p:cNvPr>
+          <p:cNvSpPr/>
+          <p:nvPr/>
+        </p:nvSpPr>
+        <p:spPr>
+          <a:xfrm>
+            <a:off x="8954608" y="1791899"/>
+            <a:ext cx="2139519" cy="1226888"/>
+          </a:xfrm>
+          <a:prstGeom prst="rect">
+            <a:avLst/>
+          </a:prstGeom>
+        </p:spPr>
+        <p:style>
+          <a:lnRef idx="2">
+            <a:schemeClr val="accent1">
+              <a:shade val="50000"/>
+            </a:schemeClr>
+          </a:lnRef>
+          <a:fillRef idx="1">
+            <a:schemeClr val="accent1"/>
+          </a:fillRef>
+          <a:effectRef idx="0">
+            <a:schemeClr val="accent1"/>
+          </a:effectRef>
+          <a:fontRef idx="minor">
+            <a:schemeClr val="lt1"/>
+          </a:fontRef>
+        </p:style>
+        <p:txBody>
+          <a:bodyPr rtlCol="0" anchor="ctr"/>
+          <a:lstStyle/>
+          <a:p>
+            <a:pPr algn="ctr"/>
+            <a:r>
+              <a:rPr lang="en-US" dirty="0" err="1"/>
+              <a:t>WebServer</a:t>
+            </a:r>
+            <a:endParaRPr lang="en-US" dirty="0"/>
+          </a:p>
+        </p:txBody>
+      </p:sp>
+      <p:cxnSp>
+        <p:nvCxnSpPr>
+          <p:cNvPr id="18" name="Connettore 2 17">
+            <a:extLst>
+              <a:ext uri="{FF2B5EF4-FFF2-40B4-BE49-F238E27FC236}">
+                <a16:creationId xmlns:a16="http://schemas.microsoft.com/office/drawing/2014/main" id="{D5F8DBB7-E458-4AAC-84CC-31D0AECFF54B}"/>
+              </a:ext>
+            </a:extLst>
+          </p:cNvPr>
+          <p:cNvCxnSpPr>
+            <a:cxnSpLocks/>
+          </p:cNvCxnSpPr>
+          <p:nvPr/>
+        </p:nvCxnSpPr>
+        <p:spPr>
+          <a:xfrm flipV="1">
+            <a:off x="8211104" y="2381373"/>
+            <a:ext cx="582229" cy="599242"/>
+          </a:xfrm>
+          <a:prstGeom prst="straightConnector1">
+            <a:avLst/>
+          </a:prstGeom>
+          <a:ln>
+            <a:tailEnd type="triangle"/>
+          </a:ln>
+        </p:spPr>
+        <p:style>
+          <a:lnRef idx="1">
+            <a:schemeClr val="accent1"/>
+          </a:lnRef>
+          <a:fillRef idx="0">
+            <a:schemeClr val="accent1"/>
+          </a:fillRef>
+          <a:effectRef idx="0">
+            <a:schemeClr val="accent1"/>
+          </a:effectRef>
+          <a:fontRef idx="minor">
+            <a:schemeClr val="tx1"/>
+          </a:fontRef>
+        </p:style>
+      </p:cxnSp>
+      <p:sp>
+        <p:nvSpPr>
+          <p:cNvPr id="19" name="Rettangolo 18">
+            <a:extLst>
+              <a:ext uri="{FF2B5EF4-FFF2-40B4-BE49-F238E27FC236}">
+                <a16:creationId xmlns:a16="http://schemas.microsoft.com/office/drawing/2014/main" id="{334FE174-982F-4ED4-9D92-C71CA1E4B8B1}"/>
+              </a:ext>
+            </a:extLst>
+          </p:cNvPr>
+          <p:cNvSpPr/>
+          <p:nvPr/>
+        </p:nvSpPr>
+        <p:spPr>
+          <a:xfrm>
+            <a:off x="8498887" y="3697800"/>
+            <a:ext cx="2787588" cy="862917"/>
+          </a:xfrm>
+          <a:prstGeom prst="rect">
+            <a:avLst/>
+          </a:prstGeom>
+        </p:spPr>
+        <p:style>
+          <a:lnRef idx="2">
+            <a:schemeClr val="accent1">
+              <a:shade val="50000"/>
+            </a:schemeClr>
+          </a:lnRef>
+          <a:fillRef idx="1">
+            <a:schemeClr val="accent1"/>
+          </a:fillRef>
+          <a:effectRef idx="0">
+            <a:schemeClr val="accent1"/>
+          </a:effectRef>
+          <a:fontRef idx="minor">
+            <a:schemeClr val="lt1"/>
+          </a:fontRef>
+        </p:style>
+        <p:txBody>
+          <a:bodyPr rtlCol="0" anchor="ctr"/>
+          <a:lstStyle/>
+          <a:p>
+            <a:pPr algn="ctr"/>
+            <a:r>
+              <a:rPr lang="en-US" dirty="0"/>
+              <a:t>Web Page with monitoring results (ok/</a:t>
+            </a:r>
+            <a:r>
+              <a:rPr lang="en-US" dirty="0" err="1"/>
+              <a:t>ko</a:t>
+            </a:r>
+            <a:r>
+              <a:rPr lang="en-US" dirty="0"/>
+              <a:t>)</a:t>
+            </a:r>
+          </a:p>
+        </p:txBody>
+      </p:sp>
+      <p:cxnSp>
+        <p:nvCxnSpPr>
+          <p:cNvPr id="21" name="Connettore 2 20">
+            <a:extLst>
+              <a:ext uri="{FF2B5EF4-FFF2-40B4-BE49-F238E27FC236}">
+                <a16:creationId xmlns:a16="http://schemas.microsoft.com/office/drawing/2014/main" id="{8B75EB12-AC70-40A5-88C9-D50EB9019AB6}"/>
+              </a:ext>
+            </a:extLst>
+          </p:cNvPr>
+          <p:cNvCxnSpPr/>
+          <p:nvPr/>
+        </p:nvCxnSpPr>
+        <p:spPr>
+          <a:xfrm>
+            <a:off x="10159013" y="3198180"/>
+            <a:ext cx="0" cy="461639"/>
+          </a:xfrm>
+          <a:prstGeom prst="straightConnector1">
+            <a:avLst/>
+          </a:prstGeom>
+          <a:ln>
+            <a:tailEnd type="triangle"/>
+          </a:ln>
+        </p:spPr>
+        <p:style>
+          <a:lnRef idx="1">
+            <a:schemeClr val="accent1"/>
+          </a:lnRef>
+          <a:fillRef idx="0">
+            <a:schemeClr val="accent1"/>
+          </a:fillRef>
+          <a:effectRef idx="0">
+            <a:schemeClr val="accent1"/>
+          </a:effectRef>
+          <a:fontRef idx="minor">
+            <a:schemeClr val="tx1"/>
+          </a:fontRef>
+        </p:style>
+      </p:cxnSp>
+      <p:sp>
+        <p:nvSpPr>
+          <p:cNvPr id="22" name="Rettangolo 21">
+            <a:extLst>
+              <a:ext uri="{FF2B5EF4-FFF2-40B4-BE49-F238E27FC236}">
+                <a16:creationId xmlns:a16="http://schemas.microsoft.com/office/drawing/2014/main" id="{9F0F17B7-11AA-4CC4-9D3A-3A5C370AECF8}"/>
+              </a:ext>
+            </a:extLst>
+          </p:cNvPr>
+          <p:cNvSpPr/>
+          <p:nvPr/>
+        </p:nvSpPr>
+        <p:spPr>
+          <a:xfrm>
+            <a:off x="3861786" y="5788241"/>
+            <a:ext cx="3453414" cy="790112"/>
+          </a:xfrm>
+          <a:prstGeom prst="rect">
+            <a:avLst/>
+          </a:prstGeom>
+        </p:spPr>
+        <p:style>
+          <a:lnRef idx="2">
+            <a:schemeClr val="accent1">
+              <a:shade val="50000"/>
+            </a:schemeClr>
+          </a:lnRef>
+          <a:fillRef idx="1">
+            <a:schemeClr val="accent1"/>
+          </a:fillRef>
+          <a:effectRef idx="0">
+            <a:schemeClr val="accent1"/>
+          </a:effectRef>
+          <a:fontRef idx="minor">
+            <a:schemeClr val="lt1"/>
+          </a:fontRef>
+        </p:style>
+        <p:txBody>
+          <a:bodyPr rtlCol="0" anchor="ctr"/>
+          <a:lstStyle/>
+          <a:p>
+            <a:pPr algn="ctr"/>
+            <a:r>
+              <a:rPr lang="en-US" dirty="0"/>
+              <a:t>Motor power supply controller that turn off a motor in case of fault</a:t>
+            </a:r>
+          </a:p>
+        </p:txBody>
+      </p:sp>
+      <p:sp>
+        <p:nvSpPr>
+          <p:cNvPr id="23" name="Rettangolo 22">
+            <a:extLst>
+              <a:ext uri="{FF2B5EF4-FFF2-40B4-BE49-F238E27FC236}">
+                <a16:creationId xmlns:a16="http://schemas.microsoft.com/office/drawing/2014/main" id="{B3B925E8-3744-490D-89D7-4D9EC7439BC3}"/>
+              </a:ext>
+            </a:extLst>
+          </p:cNvPr>
+          <p:cNvSpPr/>
+          <p:nvPr/>
+        </p:nvSpPr>
+        <p:spPr>
+          <a:xfrm>
+            <a:off x="390617" y="5342586"/>
+            <a:ext cx="881849" cy="765251"/>
+          </a:xfrm>
+          <a:prstGeom prst="rect">
+            <a:avLst/>
+          </a:prstGeom>
+        </p:spPr>
+        <p:style>
+          <a:lnRef idx="2">
+            <a:schemeClr val="accent1">
+              <a:shade val="50000"/>
+            </a:schemeClr>
+          </a:lnRef>
+          <a:fillRef idx="1">
+            <a:schemeClr val="accent1"/>
+          </a:fillRef>
+          <a:effectRef idx="0">
+            <a:schemeClr val="accent1"/>
+          </a:effectRef>
+          <a:fontRef idx="minor">
+            <a:schemeClr val="lt1"/>
+          </a:fontRef>
+        </p:style>
+        <p:txBody>
+          <a:bodyPr rtlCol="0" anchor="ctr"/>
+          <a:lstStyle/>
+          <a:p>
+            <a:pPr algn="ctr"/>
+            <a:r>
+              <a:rPr lang="en-US" dirty="0"/>
+              <a:t>Power supply</a:t>
+            </a:r>
+          </a:p>
+        </p:txBody>
+      </p:sp>
+      <p:cxnSp>
+        <p:nvCxnSpPr>
+          <p:cNvPr id="25" name="Connettore 2 24">
+            <a:extLst>
+              <a:ext uri="{FF2B5EF4-FFF2-40B4-BE49-F238E27FC236}">
+                <a16:creationId xmlns:a16="http://schemas.microsoft.com/office/drawing/2014/main" id="{C339E8FC-A4F8-47EF-8AFE-A3176D2E6038}"/>
+              </a:ext>
+            </a:extLst>
+          </p:cNvPr>
+          <p:cNvCxnSpPr>
+            <a:cxnSpLocks/>
+          </p:cNvCxnSpPr>
+          <p:nvPr/>
+        </p:nvCxnSpPr>
+        <p:spPr>
+          <a:xfrm flipV="1">
+            <a:off x="470517" y="2314791"/>
+            <a:ext cx="1019451" cy="3027795"/>
+          </a:xfrm>
+          <a:prstGeom prst="straightConnector1">
+            <a:avLst/>
+          </a:prstGeom>
+          <a:ln>
+            <a:tailEnd type="triangle"/>
+          </a:ln>
+        </p:spPr>
+        <p:style>
+          <a:lnRef idx="1">
+            <a:schemeClr val="accent1"/>
+          </a:lnRef>
+          <a:fillRef idx="0">
+            <a:schemeClr val="accent1"/>
+          </a:fillRef>
+          <a:effectRef idx="0">
+            <a:schemeClr val="accent1"/>
+          </a:effectRef>
+          <a:fontRef idx="minor">
+            <a:schemeClr val="tx1"/>
+          </a:fontRef>
+        </p:style>
+      </p:cxnSp>
+      <p:cxnSp>
+        <p:nvCxnSpPr>
+          <p:cNvPr id="29" name="Connettore 2 28">
+            <a:extLst>
+              <a:ext uri="{FF2B5EF4-FFF2-40B4-BE49-F238E27FC236}">
+                <a16:creationId xmlns:a16="http://schemas.microsoft.com/office/drawing/2014/main" id="{90F0795E-36D3-43A1-B13B-63E5B1D47E95}"/>
+              </a:ext>
+            </a:extLst>
+          </p:cNvPr>
+          <p:cNvCxnSpPr>
+            <a:cxnSpLocks/>
+          </p:cNvCxnSpPr>
+          <p:nvPr/>
+        </p:nvCxnSpPr>
+        <p:spPr>
+          <a:xfrm flipV="1">
+            <a:off x="838200" y="3895016"/>
+            <a:ext cx="731668" cy="1378321"/>
+          </a:xfrm>
+          <a:prstGeom prst="straightConnector1">
+            <a:avLst/>
+          </a:prstGeom>
+          <a:ln>
+            <a:tailEnd type="triangle"/>
+          </a:ln>
+        </p:spPr>
+        <p:style>
+          <a:lnRef idx="1">
+            <a:schemeClr val="accent1"/>
+          </a:lnRef>
+          <a:fillRef idx="0">
+            <a:schemeClr val="accent1"/>
+          </a:fillRef>
+          <a:effectRef idx="0">
+            <a:schemeClr val="accent1"/>
+          </a:effectRef>
+          <a:fontRef idx="minor">
+            <a:schemeClr val="tx1"/>
+          </a:fontRef>
+        </p:style>
+      </p:cxnSp>
+      <p:cxnSp>
+        <p:nvCxnSpPr>
+          <p:cNvPr id="31" name="Connettore 2 30">
+            <a:extLst>
+              <a:ext uri="{FF2B5EF4-FFF2-40B4-BE49-F238E27FC236}">
+                <a16:creationId xmlns:a16="http://schemas.microsoft.com/office/drawing/2014/main" id="{6DA1AE05-AF90-4507-9254-3B71915560ED}"/>
+              </a:ext>
+            </a:extLst>
+          </p:cNvPr>
+          <p:cNvCxnSpPr/>
+          <p:nvPr/>
+        </p:nvCxnSpPr>
+        <p:spPr>
+          <a:xfrm flipH="1" flipV="1">
+            <a:off x="1361983" y="5788241"/>
+            <a:ext cx="2375516" cy="319596"/>
+          </a:xfrm>
+          <a:prstGeom prst="straightConnector1">
+            <a:avLst/>
+          </a:prstGeom>
+          <a:ln>
+            <a:tailEnd type="triangle"/>
+          </a:ln>
+        </p:spPr>
+        <p:style>
+          <a:lnRef idx="1">
+            <a:schemeClr val="accent1"/>
+          </a:lnRef>
+          <a:fillRef idx="0">
+            <a:schemeClr val="accent1"/>
+          </a:fillRef>
+          <a:effectRef idx="0">
+            <a:schemeClr val="accent1"/>
+          </a:effectRef>
+          <a:fontRef idx="minor">
+            <a:schemeClr val="tx1"/>
+          </a:fontRef>
+        </p:style>
+      </p:cxnSp>
+      <p:cxnSp>
+        <p:nvCxnSpPr>
+          <p:cNvPr id="33" name="Connettore 2 32">
+            <a:extLst>
+              <a:ext uri="{FF2B5EF4-FFF2-40B4-BE49-F238E27FC236}">
+                <a16:creationId xmlns:a16="http://schemas.microsoft.com/office/drawing/2014/main" id="{D0B88EAD-3C42-4A64-AC72-2E97760FEB40}"/>
+              </a:ext>
+            </a:extLst>
+          </p:cNvPr>
+          <p:cNvCxnSpPr>
+            <a:cxnSpLocks/>
+          </p:cNvCxnSpPr>
+          <p:nvPr/>
+        </p:nvCxnSpPr>
+        <p:spPr>
+          <a:xfrm flipH="1">
+            <a:off x="6649374" y="4279037"/>
+            <a:ext cx="363985" cy="1377809"/>
+          </a:xfrm>
+          <a:prstGeom prst="straightConnector1">
+            <a:avLst/>
+          </a:prstGeom>
+          <a:ln>
+            <a:tailEnd type="triangle"/>
+          </a:ln>
+        </p:spPr>
+        <p:style>
+          <a:lnRef idx="1">
+            <a:schemeClr val="accent1"/>
+          </a:lnRef>
+          <a:fillRef idx="0">
+            <a:schemeClr val="accent1"/>
+          </a:fillRef>
+          <a:effectRef idx="0">
+            <a:schemeClr val="accent1"/>
+          </a:effectRef>
+          <a:fontRef idx="minor">
+            <a:schemeClr val="tx1"/>
+          </a:fontRef>
+        </p:style>
+      </p:cxnSp>
+      <p:sp>
+        <p:nvSpPr>
+          <p:cNvPr id="37" name="Rettangolo 36">
+            <a:extLst>
+              <a:ext uri="{FF2B5EF4-FFF2-40B4-BE49-F238E27FC236}">
+                <a16:creationId xmlns:a16="http://schemas.microsoft.com/office/drawing/2014/main" id="{83D45CFB-09D1-4F83-BCAE-403F9273047D}"/>
+              </a:ext>
+            </a:extLst>
+          </p:cNvPr>
+          <p:cNvSpPr/>
+          <p:nvPr/>
+        </p:nvSpPr>
+        <p:spPr>
+          <a:xfrm>
+            <a:off x="186431" y="4944862"/>
+            <a:ext cx="7599286" cy="1847004"/>
+          </a:xfrm>
+          <a:prstGeom prst="rect">
+            <a:avLst/>
+          </a:prstGeom>
+          <a:noFill/>
+        </p:spPr>
+        <p:style>
+          <a:lnRef idx="2">
+            <a:schemeClr val="accent1">
+              <a:shade val="50000"/>
+            </a:schemeClr>
+          </a:lnRef>
+          <a:fillRef idx="1">
+            <a:schemeClr val="accent1"/>
+          </a:fillRef>
+          <a:effectRef idx="0">
+            <a:schemeClr val="accent1"/>
+          </a:effectRef>
+          <a:fontRef idx="minor">
+            <a:schemeClr val="lt1"/>
+          </a:fontRef>
+        </p:style>
+        <p:txBody>
+          <a:bodyPr rtlCol="0" anchor="ctr"/>
+          <a:lstStyle/>
+          <a:p>
+            <a:pPr algn="ctr"/>
+            <a:endParaRPr lang="en-US"/>
+          </a:p>
+        </p:txBody>
+      </p:sp>
+      <p:sp>
+        <p:nvSpPr>
+          <p:cNvPr id="38" name="Rettangolo 37">
+            <a:extLst>
+              <a:ext uri="{FF2B5EF4-FFF2-40B4-BE49-F238E27FC236}">
+                <a16:creationId xmlns:a16="http://schemas.microsoft.com/office/drawing/2014/main" id="{6EC113B4-8151-47BB-AC1F-02204162E0B8}"/>
+              </a:ext>
+            </a:extLst>
+          </p:cNvPr>
+          <p:cNvSpPr/>
+          <p:nvPr/>
+        </p:nvSpPr>
+        <p:spPr>
+          <a:xfrm>
+            <a:off x="1038688" y="1429306"/>
+            <a:ext cx="10762695" cy="3384161"/>
+          </a:xfrm>
+          <a:prstGeom prst="rect">
+            <a:avLst/>
+          </a:prstGeom>
+          <a:noFill/>
+        </p:spPr>
+        <p:style>
+          <a:lnRef idx="2">
+            <a:schemeClr val="accent1">
+              <a:shade val="50000"/>
+            </a:schemeClr>
+          </a:lnRef>
+          <a:fillRef idx="1">
+            <a:schemeClr val="accent1"/>
+          </a:fillRef>
+          <a:effectRef idx="0">
+            <a:schemeClr val="accent1"/>
+          </a:effectRef>
+          <a:fontRef idx="minor">
+            <a:schemeClr val="lt1"/>
+          </a:fontRef>
+        </p:style>
+        <p:txBody>
+          <a:bodyPr rtlCol="0" anchor="ctr"/>
+          <a:lstStyle/>
+          <a:p>
+            <a:pPr algn="ctr"/>
+            <a:endParaRPr lang="en-US"/>
+          </a:p>
+        </p:txBody>
+      </p:sp>
+      <p:sp>
+        <p:nvSpPr>
+          <p:cNvPr id="40" name="CasellaDiTesto 39">
+            <a:extLst>
+              <a:ext uri="{FF2B5EF4-FFF2-40B4-BE49-F238E27FC236}">
+                <a16:creationId xmlns:a16="http://schemas.microsoft.com/office/drawing/2014/main" id="{FAF980E9-EC9A-4239-AFE3-9E18CAB8598E}"/>
+              </a:ext>
+            </a:extLst>
+          </p:cNvPr>
+          <p:cNvSpPr txBox="1"/>
+          <p:nvPr/>
+        </p:nvSpPr>
+        <p:spPr>
+          <a:xfrm>
+            <a:off x="6146304" y="1443848"/>
+            <a:ext cx="764697" cy="369332"/>
+          </a:xfrm>
+          <a:prstGeom prst="rect">
+            <a:avLst/>
+          </a:prstGeom>
+          <a:noFill/>
+        </p:spPr>
+        <p:txBody>
+          <a:bodyPr wrap="none" rtlCol="0">
+            <a:spAutoFit/>
+          </a:bodyPr>
+          <a:lstStyle/>
+          <a:p>
+            <a:r>
+              <a:rPr lang="en-US" dirty="0"/>
+              <a:t>Target</a:t>
+            </a:r>
+          </a:p>
+        </p:txBody>
+      </p:sp>
+      <p:sp>
+        <p:nvSpPr>
+          <p:cNvPr id="41" name="CasellaDiTesto 40">
+            <a:extLst>
+              <a:ext uri="{FF2B5EF4-FFF2-40B4-BE49-F238E27FC236}">
+                <a16:creationId xmlns:a16="http://schemas.microsoft.com/office/drawing/2014/main" id="{92880B6D-254B-4532-9AD2-C73C1872D687}"/>
+              </a:ext>
+            </a:extLst>
+          </p:cNvPr>
+          <p:cNvSpPr txBox="1"/>
+          <p:nvPr/>
+        </p:nvSpPr>
+        <p:spPr>
+          <a:xfrm>
+            <a:off x="2399951" y="5011416"/>
+            <a:ext cx="2968057" cy="369332"/>
+          </a:xfrm>
+          <a:prstGeom prst="rect">
+            <a:avLst/>
+          </a:prstGeom>
+          <a:noFill/>
+        </p:spPr>
+        <p:txBody>
+          <a:bodyPr wrap="none" rtlCol="0">
+            <a:spAutoFit/>
+          </a:bodyPr>
+          <a:lstStyle/>
+          <a:p>
+            <a:r>
+              <a:rPr lang="en-US" dirty="0"/>
+              <a:t>Possible system improvement</a:t>
+            </a:r>
+          </a:p>
+        </p:txBody>
+      </p:sp>
+    </p:spTree>
+    <p:extLst>
+      <p:ext uri="{BB962C8B-B14F-4D97-AF65-F5344CB8AC3E}">
+        <p14:creationId xmlns:p14="http://schemas.microsoft.com/office/powerpoint/2010/main" val="1240449289"/>
       </p:ext>
     </p:extLst>
   </p:cSld>
@@ -3470,7 +7343,12 @@
             <p:ph type="title"/>
           </p:nvPr>
         </p:nvSpPr>
-        <p:spPr/>
+        <p:spPr>
+          <a:xfrm>
+            <a:off x="838200" y="365125"/>
+            <a:ext cx="10515600" cy="1325563"/>
+          </a:xfrm>
+        </p:spPr>
         <p:txBody>
           <a:bodyPr/>
           <a:lstStyle/>
@@ -3498,7 +7376,12 @@
             <p:ph idx="1"/>
           </p:nvPr>
         </p:nvSpPr>
-        <p:spPr/>
+        <p:spPr>
+          <a:xfrm>
+            <a:off x="838200" y="1825625"/>
+            <a:ext cx="10515600" cy="4351338"/>
+          </a:xfrm>
+        </p:spPr>
         <p:txBody>
           <a:bodyPr/>
           <a:lstStyle/>
@@ -3513,11 +7396,83 @@
             </a:r>
             <a:r>
               <a:rPr lang="en-US" dirty="0"/>
-              <a:t> micro controller kindly provided by Renegade</a:t>
-            </a:r>
-          </a:p>
-        </p:txBody>
-      </p:sp>
+              <a:t> micro controller by ST Microelectronics</a:t>
+            </a:r>
+          </a:p>
+        </p:txBody>
+      </p:sp>
+      <p:pic>
+        <p:nvPicPr>
+          <p:cNvPr id="5" name="Immagine 4">
+            <a:extLst>
+              <a:ext uri="{FF2B5EF4-FFF2-40B4-BE49-F238E27FC236}">
+                <a16:creationId xmlns:a16="http://schemas.microsoft.com/office/drawing/2014/main" id="{1AB6DA0F-96AE-425A-98C4-52BF326112D1}"/>
+              </a:ext>
+            </a:extLst>
+          </p:cNvPr>
+          <p:cNvPicPr>
+            <a:picLocks noChangeAspect="1"/>
+          </p:cNvPicPr>
+          <p:nvPr/>
+        </p:nvPicPr>
+        <p:blipFill>
+          <a:blip r:embed="rId2">
+            <a:extLst>
+              <a:ext uri="{28A0092B-C50C-407E-A947-70E740481C1C}">
+                <a14:useLocalDpi xmlns:a14="http://schemas.microsoft.com/office/drawing/2010/main" val="0"/>
+              </a:ext>
+            </a:extLst>
+          </a:blip>
+          <a:stretch>
+            <a:fillRect/>
+          </a:stretch>
+        </p:blipFill>
+        <p:spPr>
+          <a:xfrm>
+            <a:off x="1594587" y="2875399"/>
+            <a:ext cx="2725485" cy="2725485"/>
+          </a:xfrm>
+          <a:prstGeom prst="rect">
+            <a:avLst/>
+          </a:prstGeom>
+        </p:spPr>
+      </p:pic>
+      <p:pic>
+        <p:nvPicPr>
+          <p:cNvPr id="7" name="Immagine 6">
+            <a:extLst>
+              <a:ext uri="{FF2B5EF4-FFF2-40B4-BE49-F238E27FC236}">
+                <a16:creationId xmlns:a16="http://schemas.microsoft.com/office/drawing/2014/main" id="{18C5300A-E1F4-4788-8E5E-52907A11B2A7}"/>
+              </a:ext>
+            </a:extLst>
+          </p:cNvPr>
+          <p:cNvPicPr>
+            <a:picLocks noChangeAspect="1"/>
+          </p:cNvPicPr>
+          <p:nvPr/>
+        </p:nvPicPr>
+        <p:blipFill>
+          <a:blip r:embed="rId3">
+            <a:extLst>
+              <a:ext uri="{28A0092B-C50C-407E-A947-70E740481C1C}">
+                <a14:useLocalDpi xmlns:a14="http://schemas.microsoft.com/office/drawing/2010/main" val="0"/>
+              </a:ext>
+            </a:extLst>
+          </a:blip>
+          <a:stretch>
+            <a:fillRect/>
+          </a:stretch>
+        </p:blipFill>
+        <p:spPr>
+          <a:xfrm>
+            <a:off x="6782024" y="3032448"/>
+            <a:ext cx="3667873" cy="2825621"/>
+          </a:xfrm>
+          <a:prstGeom prst="rect">
+            <a:avLst/>
+          </a:prstGeom>
+        </p:spPr>
+      </p:pic>
     </p:spTree>
     <p:extLst>
       <p:ext uri="{BB962C8B-B14F-4D97-AF65-F5344CB8AC3E}">
@@ -3721,7 +7676,7 @@
             </a:pPr>
             <a:r>
               <a:rPr lang="en-US" dirty="0"/>
-              <a:t>Be autonomous</a:t>
+              <a:t>Be adaptable to different motors autonomously</a:t>
             </a:r>
           </a:p>
         </p:txBody>
@@ -3966,21 +7921,6 @@
               <a:t>Launch an alarm if they doesn’t</a:t>
             </a:r>
           </a:p>
-          <a:p>
-            <a:pPr marL="0" indent="0">
-              <a:buNone/>
-            </a:pPr>
-            <a:r>
-              <a:rPr lang="en-US" dirty="0"/>
-              <a:t>Be automatic</a:t>
-            </a:r>
-          </a:p>
-          <a:p>
-            <a:pPr marL="0" indent="0">
-              <a:buNone/>
-            </a:pPr>
-            <a:endParaRPr lang="en-US" dirty="0"/>
-          </a:p>
         </p:txBody>
       </p:sp>
     </p:spTree>
@@ -4080,7 +8020,7 @@
             </a:r>
             <a:r>
               <a:rPr lang="en-US" dirty="0"/>
-              <a:t> activity will follow a duty cycle like this</a:t>
+              <a:t> activity will follow a duty cycle like this </a:t>
             </a:r>
           </a:p>
         </p:txBody>
@@ -4219,6 +8159,289 @@
     <p:extLst>
       <p:ext uri="{BB962C8B-B14F-4D97-AF65-F5344CB8AC3E}">
         <p14:creationId xmlns:p14="http://schemas.microsoft.com/office/powerpoint/2010/main" val="163688200"/>
+      </p:ext>
+    </p:extLst>
+  </p:cSld>
+  <p:clrMapOvr>
+    <a:masterClrMapping/>
+  </p:clrMapOvr>
+</p:sld>
+</file>
+
+<file path=ppt/slides/slide9.xml><?xml version="1.0" encoding="utf-8"?>
+<p:sld xmlns:a="http://schemas.openxmlformats.org/drawingml/2006/main" xmlns:r="http://schemas.openxmlformats.org/officeDocument/2006/relationships" xmlns:p="http://schemas.openxmlformats.org/presentationml/2006/main">
+  <p:cSld>
+    <p:spTree>
+      <p:nvGrpSpPr>
+        <p:cNvPr id="1" name=""/>
+        <p:cNvGrpSpPr/>
+        <p:nvPr/>
+      </p:nvGrpSpPr>
+      <p:grpSpPr>
+        <a:xfrm>
+          <a:off x="0" y="0"/>
+          <a:ext cx="0" cy="0"/>
+          <a:chOff x="0" y="0"/>
+          <a:chExt cx="0" cy="0"/>
+        </a:xfrm>
+      </p:grpSpPr>
+      <p:sp>
+        <p:nvSpPr>
+          <p:cNvPr id="2" name="Titolo 1">
+            <a:extLst>
+              <a:ext uri="{FF2B5EF4-FFF2-40B4-BE49-F238E27FC236}">
+                <a16:creationId xmlns:a16="http://schemas.microsoft.com/office/drawing/2014/main" id="{F909ECA4-8B8D-418A-9CFD-34617E8328BE}"/>
+              </a:ext>
+            </a:extLst>
+          </p:cNvPr>
+          <p:cNvSpPr>
+            <a:spLocks noGrp="1"/>
+          </p:cNvSpPr>
+          <p:nvPr>
+            <p:ph type="title"/>
+          </p:nvPr>
+        </p:nvSpPr>
+        <p:spPr/>
+        <p:txBody>
+          <a:bodyPr/>
+          <a:lstStyle/>
+          <a:p>
+            <a:r>
+              <a:rPr lang="en-US" dirty="0" err="1"/>
+              <a:t>Complessivo</a:t>
+            </a:r>
+            <a:r>
+              <a:rPr lang="en-US" dirty="0"/>
+              <a:t> work cycle cycle</a:t>
+            </a:r>
+          </a:p>
+        </p:txBody>
+      </p:sp>
+      <p:graphicFrame>
+        <p:nvGraphicFramePr>
+          <p:cNvPr id="4" name="Segnaposto contenuto 3">
+            <a:extLst>
+              <a:ext uri="{FF2B5EF4-FFF2-40B4-BE49-F238E27FC236}">
+                <a16:creationId xmlns:a16="http://schemas.microsoft.com/office/drawing/2014/main" id="{910F84E3-0115-4241-A6D0-BEA5F24E14DA}"/>
+              </a:ext>
+            </a:extLst>
+          </p:cNvPr>
+          <p:cNvGraphicFramePr>
+            <a:graphicFrameLocks noGrp="1"/>
+          </p:cNvGraphicFramePr>
+          <p:nvPr>
+            <p:ph idx="1"/>
+            <p:extLst>
+              <p:ext uri="{D42A27DB-BD31-4B8C-83A1-F6EECF244321}">
+                <p14:modId xmlns:p14="http://schemas.microsoft.com/office/powerpoint/2010/main" val="1531005612"/>
+              </p:ext>
+            </p:extLst>
+          </p:nvPr>
+        </p:nvGraphicFramePr>
+        <p:xfrm>
+          <a:off x="838200" y="1447060"/>
+          <a:ext cx="10951346" cy="5220070"/>
+        </p:xfrm>
+        <a:graphic>
+          <a:graphicData uri="http://schemas.openxmlformats.org/drawingml/2006/diagram">
+            <dgm:relIds xmlns:dgm="http://schemas.openxmlformats.org/drawingml/2006/diagram" xmlns:r="http://schemas.openxmlformats.org/officeDocument/2006/relationships" r:dm="rId2" r:lo="rId3" r:qs="rId4" r:cs="rId5"/>
+          </a:graphicData>
+        </a:graphic>
+      </p:graphicFrame>
+      <p:sp>
+        <p:nvSpPr>
+          <p:cNvPr id="6" name="Ovale 5">
+            <a:extLst>
+              <a:ext uri="{FF2B5EF4-FFF2-40B4-BE49-F238E27FC236}">
+                <a16:creationId xmlns:a16="http://schemas.microsoft.com/office/drawing/2014/main" id="{171F6307-4D37-429B-A1E1-FA6F8631803C}"/>
+              </a:ext>
+            </a:extLst>
+          </p:cNvPr>
+          <p:cNvSpPr/>
+          <p:nvPr/>
+        </p:nvSpPr>
+        <p:spPr>
+          <a:xfrm>
+            <a:off x="651769" y="1788596"/>
+            <a:ext cx="2348883" cy="1968053"/>
+          </a:xfrm>
+          <a:prstGeom prst="ellipse">
+            <a:avLst/>
+          </a:prstGeom>
+        </p:spPr>
+        <p:style>
+          <a:lnRef idx="2">
+            <a:schemeClr val="accent1">
+              <a:shade val="50000"/>
+            </a:schemeClr>
+          </a:lnRef>
+          <a:fillRef idx="1">
+            <a:schemeClr val="accent1"/>
+          </a:fillRef>
+          <a:effectRef idx="0">
+            <a:schemeClr val="accent1"/>
+          </a:effectRef>
+          <a:fontRef idx="minor">
+            <a:schemeClr val="lt1"/>
+          </a:fontRef>
+        </p:style>
+        <p:txBody>
+          <a:bodyPr rtlCol="0" anchor="ctr"/>
+          <a:lstStyle/>
+          <a:p>
+            <a:pPr algn="ctr"/>
+            <a:r>
+              <a:rPr lang="en-US" dirty="0"/>
+              <a:t>Blue coin installation and connection with the data processing unit</a:t>
+            </a:r>
+          </a:p>
+        </p:txBody>
+      </p:sp>
+      <p:sp>
+        <p:nvSpPr>
+          <p:cNvPr id="7" name="Ovale 6">
+            <a:extLst>
+              <a:ext uri="{FF2B5EF4-FFF2-40B4-BE49-F238E27FC236}">
+                <a16:creationId xmlns:a16="http://schemas.microsoft.com/office/drawing/2014/main" id="{7D2481BC-556D-4A5B-8ACC-76105A174A3F}"/>
+              </a:ext>
+            </a:extLst>
+          </p:cNvPr>
+          <p:cNvSpPr/>
+          <p:nvPr/>
+        </p:nvSpPr>
+        <p:spPr>
+          <a:xfrm>
+            <a:off x="1136342" y="4643021"/>
+            <a:ext cx="2139518" cy="1849854"/>
+          </a:xfrm>
+          <a:prstGeom prst="ellipse">
+            <a:avLst/>
+          </a:prstGeom>
+        </p:spPr>
+        <p:style>
+          <a:lnRef idx="2">
+            <a:schemeClr val="accent1">
+              <a:shade val="50000"/>
+            </a:schemeClr>
+          </a:lnRef>
+          <a:fillRef idx="1">
+            <a:schemeClr val="accent1"/>
+          </a:fillRef>
+          <a:effectRef idx="0">
+            <a:schemeClr val="accent1"/>
+          </a:effectRef>
+          <a:fontRef idx="minor">
+            <a:schemeClr val="lt1"/>
+          </a:fontRef>
+        </p:style>
+        <p:txBody>
+          <a:bodyPr rtlCol="0" anchor="ctr"/>
+          <a:lstStyle/>
+          <a:p>
+            <a:pPr algn="ctr"/>
+            <a:r>
+              <a:rPr lang="en-US" dirty="0"/>
+              <a:t>Model identification</a:t>
+            </a:r>
+          </a:p>
+        </p:txBody>
+      </p:sp>
+      <p:sp>
+        <p:nvSpPr>
+          <p:cNvPr id="8" name="Freccia a destra 7">
+            <a:extLst>
+              <a:ext uri="{FF2B5EF4-FFF2-40B4-BE49-F238E27FC236}">
+                <a16:creationId xmlns:a16="http://schemas.microsoft.com/office/drawing/2014/main" id="{D19DE539-9226-4A1E-8C13-A31CD290B866}"/>
+              </a:ext>
+            </a:extLst>
+          </p:cNvPr>
+          <p:cNvSpPr/>
+          <p:nvPr/>
+        </p:nvSpPr>
+        <p:spPr>
+          <a:xfrm rot="5619289">
+            <a:off x="1979720" y="3879542"/>
+            <a:ext cx="532661" cy="674703"/>
+          </a:xfrm>
+          <a:prstGeom prst="rightArrow">
+            <a:avLst/>
+          </a:prstGeom>
+        </p:spPr>
+        <p:style>
+          <a:lnRef idx="2">
+            <a:schemeClr val="accent1">
+              <a:shade val="50000"/>
+            </a:schemeClr>
+          </a:lnRef>
+          <a:fillRef idx="1">
+            <a:schemeClr val="accent1"/>
+          </a:fillRef>
+          <a:effectRef idx="0">
+            <a:schemeClr val="accent1"/>
+          </a:effectRef>
+          <a:fontRef idx="minor">
+            <a:schemeClr val="lt1"/>
+          </a:fontRef>
+        </p:style>
+        <p:txBody>
+          <a:bodyPr rtlCol="0" anchor="ctr"/>
+          <a:lstStyle/>
+          <a:p>
+            <a:pPr algn="ctr"/>
+            <a:endParaRPr lang="en-US"/>
+          </a:p>
+        </p:txBody>
+      </p:sp>
+      <p:sp>
+        <p:nvSpPr>
+          <p:cNvPr id="9" name="Freccia a destra 8">
+            <a:extLst>
+              <a:ext uri="{FF2B5EF4-FFF2-40B4-BE49-F238E27FC236}">
+                <a16:creationId xmlns:a16="http://schemas.microsoft.com/office/drawing/2014/main" id="{5F8B9189-57DA-4A67-B0C6-FC9673114617}"/>
+              </a:ext>
+            </a:extLst>
+          </p:cNvPr>
+          <p:cNvSpPr/>
+          <p:nvPr/>
+        </p:nvSpPr>
+        <p:spPr>
+          <a:xfrm rot="20006494">
+            <a:off x="3808520" y="4629805"/>
+            <a:ext cx="1198485" cy="541792"/>
+          </a:xfrm>
+          <a:prstGeom prst="rightArrow">
+            <a:avLst/>
+          </a:prstGeom>
+        </p:spPr>
+        <p:style>
+          <a:lnRef idx="2">
+            <a:schemeClr val="accent1">
+              <a:shade val="50000"/>
+            </a:schemeClr>
+          </a:lnRef>
+          <a:fillRef idx="1">
+            <a:schemeClr val="accent1"/>
+          </a:fillRef>
+          <a:effectRef idx="0">
+            <a:schemeClr val="accent1"/>
+          </a:effectRef>
+          <a:fontRef idx="minor">
+            <a:schemeClr val="lt1"/>
+          </a:fontRef>
+        </p:style>
+        <p:txBody>
+          <a:bodyPr rtlCol="0" anchor="ctr"/>
+          <a:lstStyle/>
+          <a:p>
+            <a:pPr algn="ctr"/>
+            <a:endParaRPr lang="en-US"/>
+          </a:p>
+        </p:txBody>
+      </p:sp>
+    </p:spTree>
+    <p:extLst>
+      <p:ext uri="{BB962C8B-B14F-4D97-AF65-F5344CB8AC3E}">
+        <p14:creationId xmlns:p14="http://schemas.microsoft.com/office/powerpoint/2010/main" val="2659968465"/>
       </p:ext>
     </p:extLst>
   </p:cSld>

--- a/Pervasive_presentation_Milestone1_group8.pptx
+++ b/Pervasive_presentation_Milestone1_group8.pptx
@@ -1008,6 +1008,13 @@
         </dgm:presLayoutVars>
       </dgm:prSet>
       <dgm:spPr/>
+      <dgm:t>
+        <a:bodyPr/>
+        <a:lstStyle/>
+        <a:p>
+          <a:endParaRPr lang="it-IT"/>
+        </a:p>
+      </dgm:t>
     </dgm:pt>
     <dgm:pt modelId="{A68C81A6-BCFC-4153-B6E3-C613A04AA585}" type="pres">
       <dgm:prSet presAssocID="{A857E690-4EE0-4074-A5DA-60EAAE56983E}" presName="node" presStyleLbl="node1" presStyleIdx="0" presStyleCnt="3" custRadScaleRad="193400" custRadScaleInc="100558">
@@ -1016,14 +1023,35 @@
         </dgm:presLayoutVars>
       </dgm:prSet>
       <dgm:spPr/>
+      <dgm:t>
+        <a:bodyPr/>
+        <a:lstStyle/>
+        <a:p>
+          <a:endParaRPr lang="it-IT"/>
+        </a:p>
+      </dgm:t>
     </dgm:pt>
     <dgm:pt modelId="{1DC66735-CC2B-414D-AA06-4FC742257EC0}" type="pres">
       <dgm:prSet presAssocID="{9B7CEC0D-B506-4F77-8747-4A644FB68B74}" presName="sibTrans" presStyleLbl="sibTrans2D1" presStyleIdx="0" presStyleCnt="3"/>
       <dgm:spPr/>
+      <dgm:t>
+        <a:bodyPr/>
+        <a:lstStyle/>
+        <a:p>
+          <a:endParaRPr lang="it-IT"/>
+        </a:p>
+      </dgm:t>
     </dgm:pt>
     <dgm:pt modelId="{6139D208-E1FA-4CDF-9681-89F9B56FE41C}" type="pres">
       <dgm:prSet presAssocID="{9B7CEC0D-B506-4F77-8747-4A644FB68B74}" presName="connectorText" presStyleLbl="sibTrans2D1" presStyleIdx="0" presStyleCnt="3"/>
       <dgm:spPr/>
+      <dgm:t>
+        <a:bodyPr/>
+        <a:lstStyle/>
+        <a:p>
+          <a:endParaRPr lang="it-IT"/>
+        </a:p>
+      </dgm:t>
     </dgm:pt>
     <dgm:pt modelId="{683565E8-0100-4EA2-82FC-1A7BC8AFE8E1}" type="pres">
       <dgm:prSet presAssocID="{28B72905-C74A-46F0-9888-451C8413A55D}" presName="node" presStyleLbl="node1" presStyleIdx="1" presStyleCnt="3" custRadScaleRad="186691" custRadScaleInc="-26736">
@@ -1032,14 +1060,35 @@
         </dgm:presLayoutVars>
       </dgm:prSet>
       <dgm:spPr/>
+      <dgm:t>
+        <a:bodyPr/>
+        <a:lstStyle/>
+        <a:p>
+          <a:endParaRPr lang="it-IT"/>
+        </a:p>
+      </dgm:t>
     </dgm:pt>
     <dgm:pt modelId="{FF68F75E-77DD-4A42-9F2A-101CC9A85304}" type="pres">
       <dgm:prSet presAssocID="{123418D1-3EAC-478F-B9CB-CF9213F6BC23}" presName="sibTrans" presStyleLbl="sibTrans2D1" presStyleIdx="1" presStyleCnt="3"/>
       <dgm:spPr/>
+      <dgm:t>
+        <a:bodyPr/>
+        <a:lstStyle/>
+        <a:p>
+          <a:endParaRPr lang="it-IT"/>
+        </a:p>
+      </dgm:t>
     </dgm:pt>
     <dgm:pt modelId="{67B308E9-FD79-42BB-8317-1CB65FFE3C7F}" type="pres">
       <dgm:prSet presAssocID="{123418D1-3EAC-478F-B9CB-CF9213F6BC23}" presName="connectorText" presStyleLbl="sibTrans2D1" presStyleIdx="1" presStyleCnt="3"/>
       <dgm:spPr/>
+      <dgm:t>
+        <a:bodyPr/>
+        <a:lstStyle/>
+        <a:p>
+          <a:endParaRPr lang="it-IT"/>
+        </a:p>
+      </dgm:t>
     </dgm:pt>
     <dgm:pt modelId="{3983FD8B-A12B-40A9-8B97-99736CBAD01F}" type="pres">
       <dgm:prSet presAssocID="{7BE20C44-D282-4482-9657-DAE936D98CE3}" presName="node" presStyleLbl="node1" presStyleIdx="2" presStyleCnt="3" custRadScaleRad="17407" custRadScaleInc="218938">
@@ -1048,30 +1097,51 @@
         </dgm:presLayoutVars>
       </dgm:prSet>
       <dgm:spPr/>
+      <dgm:t>
+        <a:bodyPr/>
+        <a:lstStyle/>
+        <a:p>
+          <a:endParaRPr lang="it-IT"/>
+        </a:p>
+      </dgm:t>
     </dgm:pt>
     <dgm:pt modelId="{1145DD93-D3FA-4FA8-903A-89DF8CDC81A4}" type="pres">
       <dgm:prSet presAssocID="{19AFDA25-6209-40C8-9FD4-0A72789500D2}" presName="sibTrans" presStyleLbl="sibTrans2D1" presStyleIdx="2" presStyleCnt="3"/>
       <dgm:spPr/>
+      <dgm:t>
+        <a:bodyPr/>
+        <a:lstStyle/>
+        <a:p>
+          <a:endParaRPr lang="it-IT"/>
+        </a:p>
+      </dgm:t>
     </dgm:pt>
     <dgm:pt modelId="{87D49403-9750-465F-B31C-4D142BB22110}" type="pres">
       <dgm:prSet presAssocID="{19AFDA25-6209-40C8-9FD4-0A72789500D2}" presName="connectorText" presStyleLbl="sibTrans2D1" presStyleIdx="2" presStyleCnt="3"/>
       <dgm:spPr/>
+      <dgm:t>
+        <a:bodyPr/>
+        <a:lstStyle/>
+        <a:p>
+          <a:endParaRPr lang="it-IT"/>
+        </a:p>
+      </dgm:t>
     </dgm:pt>
   </dgm:ptLst>
   <dgm:cxnLst>
+    <dgm:cxn modelId="{8BF335CE-D69E-4132-9C28-A6DB9C25D43C}" type="presOf" srcId="{19AFDA25-6209-40C8-9FD4-0A72789500D2}" destId="{1145DD93-D3FA-4FA8-903A-89DF8CDC81A4}" srcOrd="0" destOrd="0" presId="urn:microsoft.com/office/officeart/2005/8/layout/cycle2"/>
+    <dgm:cxn modelId="{40627D4B-046B-4BFF-A071-79511E00D51C}" type="presOf" srcId="{19AFDA25-6209-40C8-9FD4-0A72789500D2}" destId="{87D49403-9750-465F-B31C-4D142BB22110}" srcOrd="1" destOrd="0" presId="urn:microsoft.com/office/officeart/2005/8/layout/cycle2"/>
     <dgm:cxn modelId="{1C2BDF20-8943-4D43-9DF4-B2FB9AC3930A}" srcId="{BDDFC680-9E75-42F1-BFEC-3BD783C9265B}" destId="{28B72905-C74A-46F0-9888-451C8413A55D}" srcOrd="1" destOrd="0" parTransId="{3FA63995-4292-486A-9D04-1FD65E662CA6}" sibTransId="{123418D1-3EAC-478F-B9CB-CF9213F6BC23}"/>
-    <dgm:cxn modelId="{40627D4B-046B-4BFF-A071-79511E00D51C}" type="presOf" srcId="{19AFDA25-6209-40C8-9FD4-0A72789500D2}" destId="{87D49403-9750-465F-B31C-4D142BB22110}" srcOrd="1" destOrd="0" presId="urn:microsoft.com/office/officeart/2005/8/layout/cycle2"/>
+    <dgm:cxn modelId="{C6A546FF-A573-46B2-A548-E82B1E63E777}" type="presOf" srcId="{123418D1-3EAC-478F-B9CB-CF9213F6BC23}" destId="{FF68F75E-77DD-4A42-9F2A-101CC9A85304}" srcOrd="0" destOrd="0" presId="urn:microsoft.com/office/officeart/2005/8/layout/cycle2"/>
+    <dgm:cxn modelId="{9E8C7993-1225-429A-9E23-F1AF91F96C53}" type="presOf" srcId="{7BE20C44-D282-4482-9657-DAE936D98CE3}" destId="{3983FD8B-A12B-40A9-8B97-99736CBAD01F}" srcOrd="0" destOrd="0" presId="urn:microsoft.com/office/officeart/2005/8/layout/cycle2"/>
+    <dgm:cxn modelId="{F57A62E2-ADAA-41B6-BFFF-ED5402B7C2DB}" srcId="{BDDFC680-9E75-42F1-BFEC-3BD783C9265B}" destId="{7BE20C44-D282-4482-9657-DAE936D98CE3}" srcOrd="2" destOrd="0" parTransId="{704B1490-828C-4580-8C71-5B1EEB026451}" sibTransId="{19AFDA25-6209-40C8-9FD4-0A72789500D2}"/>
+    <dgm:cxn modelId="{3C149E88-BE56-4100-AEF1-4865A7342034}" type="presOf" srcId="{BDDFC680-9E75-42F1-BFEC-3BD783C9265B}" destId="{3444288F-6AEF-4080-BA2B-B3DDB499F93A}" srcOrd="0" destOrd="0" presId="urn:microsoft.com/office/officeart/2005/8/layout/cycle2"/>
     <dgm:cxn modelId="{97A61D70-126B-4EFB-B9E4-9B96BCF0038D}" type="presOf" srcId="{28B72905-C74A-46F0-9888-451C8413A55D}" destId="{683565E8-0100-4EA2-82FC-1A7BC8AFE8E1}" srcOrd="0" destOrd="0" presId="urn:microsoft.com/office/officeart/2005/8/layout/cycle2"/>
+    <dgm:cxn modelId="{CD95A9F8-D559-41A9-811D-DB8D7F4A0FF3}" type="presOf" srcId="{9B7CEC0D-B506-4F77-8747-4A644FB68B74}" destId="{1DC66735-CC2B-414D-AA06-4FC742257EC0}" srcOrd="0" destOrd="0" presId="urn:microsoft.com/office/officeart/2005/8/layout/cycle2"/>
     <dgm:cxn modelId="{3015C273-3BDB-40C2-9946-3CB00AFD0853}" srcId="{BDDFC680-9E75-42F1-BFEC-3BD783C9265B}" destId="{A857E690-4EE0-4074-A5DA-60EAAE56983E}" srcOrd="0" destOrd="0" parTransId="{2F4F9D67-5DF6-4326-8198-E3588C3CC3F9}" sibTransId="{9B7CEC0D-B506-4F77-8747-4A644FB68B74}"/>
+    <dgm:cxn modelId="{D387E280-68A1-4AB8-8ADB-A3BF09805D51}" type="presOf" srcId="{A857E690-4EE0-4074-A5DA-60EAAE56983E}" destId="{A68C81A6-BCFC-4153-B6E3-C613A04AA585}" srcOrd="0" destOrd="0" presId="urn:microsoft.com/office/officeart/2005/8/layout/cycle2"/>
     <dgm:cxn modelId="{6C018556-9892-41B9-832A-C6ACD78D24A0}" type="presOf" srcId="{9B7CEC0D-B506-4F77-8747-4A644FB68B74}" destId="{6139D208-E1FA-4CDF-9681-89F9B56FE41C}" srcOrd="1" destOrd="0" presId="urn:microsoft.com/office/officeart/2005/8/layout/cycle2"/>
-    <dgm:cxn modelId="{D387E280-68A1-4AB8-8ADB-A3BF09805D51}" type="presOf" srcId="{A857E690-4EE0-4074-A5DA-60EAAE56983E}" destId="{A68C81A6-BCFC-4153-B6E3-C613A04AA585}" srcOrd="0" destOrd="0" presId="urn:microsoft.com/office/officeart/2005/8/layout/cycle2"/>
-    <dgm:cxn modelId="{3C149E88-BE56-4100-AEF1-4865A7342034}" type="presOf" srcId="{BDDFC680-9E75-42F1-BFEC-3BD783C9265B}" destId="{3444288F-6AEF-4080-BA2B-B3DDB499F93A}" srcOrd="0" destOrd="0" presId="urn:microsoft.com/office/officeart/2005/8/layout/cycle2"/>
-    <dgm:cxn modelId="{9E8C7993-1225-429A-9E23-F1AF91F96C53}" type="presOf" srcId="{7BE20C44-D282-4482-9657-DAE936D98CE3}" destId="{3983FD8B-A12B-40A9-8B97-99736CBAD01F}" srcOrd="0" destOrd="0" presId="urn:microsoft.com/office/officeart/2005/8/layout/cycle2"/>
-    <dgm:cxn modelId="{8BF335CE-D69E-4132-9C28-A6DB9C25D43C}" type="presOf" srcId="{19AFDA25-6209-40C8-9FD4-0A72789500D2}" destId="{1145DD93-D3FA-4FA8-903A-89DF8CDC81A4}" srcOrd="0" destOrd="0" presId="urn:microsoft.com/office/officeart/2005/8/layout/cycle2"/>
-    <dgm:cxn modelId="{F57A62E2-ADAA-41B6-BFFF-ED5402B7C2DB}" srcId="{BDDFC680-9E75-42F1-BFEC-3BD783C9265B}" destId="{7BE20C44-D282-4482-9657-DAE936D98CE3}" srcOrd="2" destOrd="0" parTransId="{704B1490-828C-4580-8C71-5B1EEB026451}" sibTransId="{19AFDA25-6209-40C8-9FD4-0A72789500D2}"/>
     <dgm:cxn modelId="{80661AE8-92E6-4A99-AE0E-7CC6087A8F0E}" type="presOf" srcId="{123418D1-3EAC-478F-B9CB-CF9213F6BC23}" destId="{67B308E9-FD79-42BB-8317-1CB65FFE3C7F}" srcOrd="1" destOrd="0" presId="urn:microsoft.com/office/officeart/2005/8/layout/cycle2"/>
-    <dgm:cxn modelId="{CD95A9F8-D559-41A9-811D-DB8D7F4A0FF3}" type="presOf" srcId="{9B7CEC0D-B506-4F77-8747-4A644FB68B74}" destId="{1DC66735-CC2B-414D-AA06-4FC742257EC0}" srcOrd="0" destOrd="0" presId="urn:microsoft.com/office/officeart/2005/8/layout/cycle2"/>
-    <dgm:cxn modelId="{C6A546FF-A573-46B2-A548-E82B1E63E777}" type="presOf" srcId="{123418D1-3EAC-478F-B9CB-CF9213F6BC23}" destId="{FF68F75E-77DD-4A42-9F2A-101CC9A85304}" srcOrd="0" destOrd="0" presId="urn:microsoft.com/office/officeart/2005/8/layout/cycle2"/>
     <dgm:cxn modelId="{198E740E-99D2-4ABA-AD5C-D8C4439344DE}" type="presParOf" srcId="{3444288F-6AEF-4080-BA2B-B3DDB499F93A}" destId="{A68C81A6-BCFC-4153-B6E3-C613A04AA585}" srcOrd="0" destOrd="0" presId="urn:microsoft.com/office/officeart/2005/8/layout/cycle2"/>
     <dgm:cxn modelId="{DC966635-DE4E-42E7-BEDC-FDB93CA44823}" type="presParOf" srcId="{3444288F-6AEF-4080-BA2B-B3DDB499F93A}" destId="{1DC66735-CC2B-414D-AA06-4FC742257EC0}" srcOrd="1" destOrd="0" presId="urn:microsoft.com/office/officeart/2005/8/layout/cycle2"/>
     <dgm:cxn modelId="{95645E4A-FD21-44C7-B5A1-D38327C6894C}" type="presParOf" srcId="{1DC66735-CC2B-414D-AA06-4FC742257EC0}" destId="{6139D208-E1FA-4CDF-9681-89F9B56FE41C}" srcOrd="0" destOrd="0" presId="urn:microsoft.com/office/officeart/2005/8/layout/cycle2"/>
@@ -1153,7 +1223,7 @@
         </a:bodyPr>
         <a:lstStyle/>
         <a:p>
-          <a:pPr marL="0" lvl="0" indent="0" algn="ctr" defTabSz="755650">
+          <a:pPr lvl="0" algn="ctr" defTabSz="755650">
             <a:lnSpc>
               <a:spcPct val="90000"/>
             </a:lnSpc>
@@ -1163,7 +1233,6 @@
             <a:spcAft>
               <a:spcPct val="35000"/>
             </a:spcAft>
-            <a:buNone/>
           </a:pPr>
           <a:r>
             <a:rPr lang="it-IT" sz="1700" kern="1200" dirty="0"/>
@@ -1239,7 +1308,7 @@
         </a:bodyPr>
         <a:lstStyle/>
         <a:p>
-          <a:pPr marL="0" lvl="0" indent="0" algn="ctr" defTabSz="622300">
+          <a:pPr lvl="0" algn="ctr" defTabSz="622300">
             <a:lnSpc>
               <a:spcPct val="90000"/>
             </a:lnSpc>
@@ -1249,7 +1318,6 @@
             <a:spcAft>
               <a:spcPct val="35000"/>
             </a:spcAft>
-            <a:buNone/>
           </a:pPr>
           <a:endParaRPr lang="it-IT" sz="1400" kern="1200"/>
         </a:p>
@@ -1312,7 +1380,7 @@
         </a:bodyPr>
         <a:lstStyle/>
         <a:p>
-          <a:pPr marL="0" lvl="0" indent="0" algn="ctr" defTabSz="755650">
+          <a:pPr lvl="0" algn="ctr" defTabSz="755650">
             <a:lnSpc>
               <a:spcPct val="90000"/>
             </a:lnSpc>
@@ -1322,7 +1390,6 @@
             <a:spcAft>
               <a:spcPct val="35000"/>
             </a:spcAft>
-            <a:buNone/>
           </a:pPr>
           <a:r>
             <a:rPr lang="it-IT" sz="1700" kern="1200" dirty="0"/>
@@ -1393,7 +1460,7 @@
         </a:bodyPr>
         <a:lstStyle/>
         <a:p>
-          <a:pPr marL="0" lvl="0" indent="0" algn="ctr" defTabSz="622300">
+          <a:pPr lvl="0" algn="ctr" defTabSz="622300">
             <a:lnSpc>
               <a:spcPct val="90000"/>
             </a:lnSpc>
@@ -1403,7 +1470,6 @@
             <a:spcAft>
               <a:spcPct val="35000"/>
             </a:spcAft>
-            <a:buNone/>
           </a:pPr>
           <a:endParaRPr lang="it-IT" sz="1400" kern="1200"/>
         </a:p>
@@ -1466,7 +1532,7 @@
         </a:bodyPr>
         <a:lstStyle/>
         <a:p>
-          <a:pPr marL="0" lvl="0" indent="0" algn="ctr" defTabSz="755650">
+          <a:pPr lvl="0" algn="ctr" defTabSz="755650">
             <a:lnSpc>
               <a:spcPct val="90000"/>
             </a:lnSpc>
@@ -1476,7 +1542,6 @@
             <a:spcAft>
               <a:spcPct val="35000"/>
             </a:spcAft>
-            <a:buNone/>
           </a:pPr>
           <a:r>
             <a:rPr lang="it-IT" sz="1700" kern="1200" dirty="0" err="1"/>
@@ -1548,7 +1613,7 @@
         </a:bodyPr>
         <a:lstStyle/>
         <a:p>
-          <a:pPr marL="0" lvl="0" indent="0" algn="ctr" defTabSz="622300">
+          <a:pPr lvl="0" algn="ctr" defTabSz="622300">
             <a:lnSpc>
               <a:spcPct val="90000"/>
             </a:lnSpc>
@@ -1558,7 +1623,6 @@
             <a:spcAft>
               <a:spcPct val="35000"/>
             </a:spcAft>
-            <a:buNone/>
           </a:pPr>
           <a:endParaRPr lang="it-IT" sz="1400" kern="1200"/>
         </a:p>
@@ -2916,7 +2980,7 @@
           <p:cNvPr id="2" name="Titolo 1">
             <a:extLst>
               <a:ext uri="{FF2B5EF4-FFF2-40B4-BE49-F238E27FC236}">
-                <a16:creationId xmlns:a16="http://schemas.microsoft.com/office/drawing/2014/main" id="{8B435C56-D2B3-43D1-9AF2-962FBC94B904}"/>
+                <a16:creationId xmlns:a16="http://schemas.microsoft.com/office/drawing/2014/main" xmlns="" id="{8B435C56-D2B3-43D1-9AF2-962FBC94B904}"/>
               </a:ext>
             </a:extLst>
           </p:cNvPr>
@@ -2953,7 +3017,7 @@
           <p:cNvPr id="3" name="Sottotitolo 2">
             <a:extLst>
               <a:ext uri="{FF2B5EF4-FFF2-40B4-BE49-F238E27FC236}">
-                <a16:creationId xmlns:a16="http://schemas.microsoft.com/office/drawing/2014/main" id="{49C8F502-7310-4D9F-A9D2-3FF3B9822359}"/>
+                <a16:creationId xmlns:a16="http://schemas.microsoft.com/office/drawing/2014/main" xmlns="" id="{49C8F502-7310-4D9F-A9D2-3FF3B9822359}"/>
               </a:ext>
             </a:extLst>
           </p:cNvPr>
@@ -3023,7 +3087,7 @@
           <p:cNvPr id="4" name="Segnaposto data 3">
             <a:extLst>
               <a:ext uri="{FF2B5EF4-FFF2-40B4-BE49-F238E27FC236}">
-                <a16:creationId xmlns:a16="http://schemas.microsoft.com/office/drawing/2014/main" id="{3404C763-8F21-4C27-9899-6A6D23D0A272}"/>
+                <a16:creationId xmlns:a16="http://schemas.microsoft.com/office/drawing/2014/main" xmlns="" id="{3404C763-8F21-4C27-9899-6A6D23D0A272}"/>
               </a:ext>
             </a:extLst>
           </p:cNvPr>
@@ -3041,7 +3105,7 @@
           <a:p>
             <a:fld id="{BB13FF18-858D-4A6C-8E7A-419597778596}" type="datetimeFigureOut">
               <a:rPr lang="it-IT" smtClean="0"/>
-              <a:t>16/11/2017</a:t>
+              <a:t>20/11/17</a:t>
             </a:fld>
             <a:endParaRPr lang="it-IT"/>
           </a:p>
@@ -3052,7 +3116,7 @@
           <p:cNvPr id="5" name="Segnaposto piè di pagina 4">
             <a:extLst>
               <a:ext uri="{FF2B5EF4-FFF2-40B4-BE49-F238E27FC236}">
-                <a16:creationId xmlns:a16="http://schemas.microsoft.com/office/drawing/2014/main" id="{F87E012D-6B41-469A-981A-F3B5A39431D1}"/>
+                <a16:creationId xmlns:a16="http://schemas.microsoft.com/office/drawing/2014/main" xmlns="" id="{F87E012D-6B41-469A-981A-F3B5A39431D1}"/>
               </a:ext>
             </a:extLst>
           </p:cNvPr>
@@ -3077,7 +3141,7 @@
           <p:cNvPr id="6" name="Segnaposto numero diapositiva 5">
             <a:extLst>
               <a:ext uri="{FF2B5EF4-FFF2-40B4-BE49-F238E27FC236}">
-                <a16:creationId xmlns:a16="http://schemas.microsoft.com/office/drawing/2014/main" id="{D3546998-F469-42DE-843A-515C1DF8ABC9}"/>
+                <a16:creationId xmlns:a16="http://schemas.microsoft.com/office/drawing/2014/main" xmlns="" id="{D3546998-F469-42DE-843A-515C1DF8ABC9}"/>
               </a:ext>
             </a:extLst>
           </p:cNvPr>
@@ -3095,7 +3159,7 @@
           <a:p>
             <a:fld id="{7E1D34C2-AF2B-4EFB-A9DD-5508AE5A310B}" type="slidenum">
               <a:rPr lang="it-IT" smtClean="0"/>
-              <a:t>‹N›</a:t>
+              <a:t>‹n.›</a:t>
             </a:fld>
             <a:endParaRPr lang="it-IT"/>
           </a:p>
@@ -3136,7 +3200,7 @@
           <p:cNvPr id="2" name="Titolo 1">
             <a:extLst>
               <a:ext uri="{FF2B5EF4-FFF2-40B4-BE49-F238E27FC236}">
-                <a16:creationId xmlns:a16="http://schemas.microsoft.com/office/drawing/2014/main" id="{5C8370B4-FCCB-43E6-A083-DFBC2F8DFBBD}"/>
+                <a16:creationId xmlns:a16="http://schemas.microsoft.com/office/drawing/2014/main" xmlns="" id="{5C8370B4-FCCB-43E6-A083-DFBC2F8DFBBD}"/>
               </a:ext>
             </a:extLst>
           </p:cNvPr>
@@ -3164,7 +3228,7 @@
           <p:cNvPr id="3" name="Segnaposto testo verticale 2">
             <a:extLst>
               <a:ext uri="{FF2B5EF4-FFF2-40B4-BE49-F238E27FC236}">
-                <a16:creationId xmlns:a16="http://schemas.microsoft.com/office/drawing/2014/main" id="{8CF29F63-5E4D-4264-A93A-B3B3FDEC093B}"/>
+                <a16:creationId xmlns:a16="http://schemas.microsoft.com/office/drawing/2014/main" xmlns="" id="{8CF29F63-5E4D-4264-A93A-B3B3FDEC093B}"/>
               </a:ext>
             </a:extLst>
           </p:cNvPr>
@@ -3221,7 +3285,7 @@
           <p:cNvPr id="4" name="Segnaposto data 3">
             <a:extLst>
               <a:ext uri="{FF2B5EF4-FFF2-40B4-BE49-F238E27FC236}">
-                <a16:creationId xmlns:a16="http://schemas.microsoft.com/office/drawing/2014/main" id="{95BB3218-6CC5-487A-99E7-6D0F82A87EFA}"/>
+                <a16:creationId xmlns:a16="http://schemas.microsoft.com/office/drawing/2014/main" xmlns="" id="{95BB3218-6CC5-487A-99E7-6D0F82A87EFA}"/>
               </a:ext>
             </a:extLst>
           </p:cNvPr>
@@ -3239,7 +3303,7 @@
           <a:p>
             <a:fld id="{BB13FF18-858D-4A6C-8E7A-419597778596}" type="datetimeFigureOut">
               <a:rPr lang="it-IT" smtClean="0"/>
-              <a:t>16/11/2017</a:t>
+              <a:t>20/11/17</a:t>
             </a:fld>
             <a:endParaRPr lang="it-IT"/>
           </a:p>
@@ -3250,7 +3314,7 @@
           <p:cNvPr id="5" name="Segnaposto piè di pagina 4">
             <a:extLst>
               <a:ext uri="{FF2B5EF4-FFF2-40B4-BE49-F238E27FC236}">
-                <a16:creationId xmlns:a16="http://schemas.microsoft.com/office/drawing/2014/main" id="{54272787-08D0-47A9-B847-779735BE9468}"/>
+                <a16:creationId xmlns:a16="http://schemas.microsoft.com/office/drawing/2014/main" xmlns="" id="{54272787-08D0-47A9-B847-779735BE9468}"/>
               </a:ext>
             </a:extLst>
           </p:cNvPr>
@@ -3275,7 +3339,7 @@
           <p:cNvPr id="6" name="Segnaposto numero diapositiva 5">
             <a:extLst>
               <a:ext uri="{FF2B5EF4-FFF2-40B4-BE49-F238E27FC236}">
-                <a16:creationId xmlns:a16="http://schemas.microsoft.com/office/drawing/2014/main" id="{ADF2D188-8B81-4617-BB6A-8BAEF355F6CA}"/>
+                <a16:creationId xmlns:a16="http://schemas.microsoft.com/office/drawing/2014/main" xmlns="" id="{ADF2D188-8B81-4617-BB6A-8BAEF355F6CA}"/>
               </a:ext>
             </a:extLst>
           </p:cNvPr>
@@ -3293,7 +3357,7 @@
           <a:p>
             <a:fld id="{7E1D34C2-AF2B-4EFB-A9DD-5508AE5A310B}" type="slidenum">
               <a:rPr lang="it-IT" smtClean="0"/>
-              <a:t>‹N›</a:t>
+              <a:t>‹n.›</a:t>
             </a:fld>
             <a:endParaRPr lang="it-IT"/>
           </a:p>
@@ -3334,7 +3398,7 @@
           <p:cNvPr id="2" name="Titolo verticale 1">
             <a:extLst>
               <a:ext uri="{FF2B5EF4-FFF2-40B4-BE49-F238E27FC236}">
-                <a16:creationId xmlns:a16="http://schemas.microsoft.com/office/drawing/2014/main" id="{B6459B64-AC51-40CF-B46B-AED9F5ACE894}"/>
+                <a16:creationId xmlns:a16="http://schemas.microsoft.com/office/drawing/2014/main" xmlns="" id="{B6459B64-AC51-40CF-B46B-AED9F5ACE894}"/>
               </a:ext>
             </a:extLst>
           </p:cNvPr>
@@ -3367,7 +3431,7 @@
           <p:cNvPr id="3" name="Segnaposto testo verticale 2">
             <a:extLst>
               <a:ext uri="{FF2B5EF4-FFF2-40B4-BE49-F238E27FC236}">
-                <a16:creationId xmlns:a16="http://schemas.microsoft.com/office/drawing/2014/main" id="{3C97790B-4C89-426E-9E1E-8C217AAAF927}"/>
+                <a16:creationId xmlns:a16="http://schemas.microsoft.com/office/drawing/2014/main" xmlns="" id="{3C97790B-4C89-426E-9E1E-8C217AAAF927}"/>
               </a:ext>
             </a:extLst>
           </p:cNvPr>
@@ -3429,7 +3493,7 @@
           <p:cNvPr id="4" name="Segnaposto data 3">
             <a:extLst>
               <a:ext uri="{FF2B5EF4-FFF2-40B4-BE49-F238E27FC236}">
-                <a16:creationId xmlns:a16="http://schemas.microsoft.com/office/drawing/2014/main" id="{BE71B7F8-290A-426A-A2A8-55DBCFB86CFC}"/>
+                <a16:creationId xmlns:a16="http://schemas.microsoft.com/office/drawing/2014/main" xmlns="" id="{BE71B7F8-290A-426A-A2A8-55DBCFB86CFC}"/>
               </a:ext>
             </a:extLst>
           </p:cNvPr>
@@ -3447,7 +3511,7 @@
           <a:p>
             <a:fld id="{BB13FF18-858D-4A6C-8E7A-419597778596}" type="datetimeFigureOut">
               <a:rPr lang="it-IT" smtClean="0"/>
-              <a:t>16/11/2017</a:t>
+              <a:t>20/11/17</a:t>
             </a:fld>
             <a:endParaRPr lang="it-IT"/>
           </a:p>
@@ -3458,7 +3522,7 @@
           <p:cNvPr id="5" name="Segnaposto piè di pagina 4">
             <a:extLst>
               <a:ext uri="{FF2B5EF4-FFF2-40B4-BE49-F238E27FC236}">
-                <a16:creationId xmlns:a16="http://schemas.microsoft.com/office/drawing/2014/main" id="{B98F3A75-F68C-4414-B3E9-A0FA903B2B40}"/>
+                <a16:creationId xmlns:a16="http://schemas.microsoft.com/office/drawing/2014/main" xmlns="" id="{B98F3A75-F68C-4414-B3E9-A0FA903B2B40}"/>
               </a:ext>
             </a:extLst>
           </p:cNvPr>
@@ -3483,7 +3547,7 @@
           <p:cNvPr id="6" name="Segnaposto numero diapositiva 5">
             <a:extLst>
               <a:ext uri="{FF2B5EF4-FFF2-40B4-BE49-F238E27FC236}">
-                <a16:creationId xmlns:a16="http://schemas.microsoft.com/office/drawing/2014/main" id="{B51524F2-E926-4B3A-89BC-D62145180A59}"/>
+                <a16:creationId xmlns:a16="http://schemas.microsoft.com/office/drawing/2014/main" xmlns="" id="{B51524F2-E926-4B3A-89BC-D62145180A59}"/>
               </a:ext>
             </a:extLst>
           </p:cNvPr>
@@ -3501,7 +3565,7 @@
           <a:p>
             <a:fld id="{7E1D34C2-AF2B-4EFB-A9DD-5508AE5A310B}" type="slidenum">
               <a:rPr lang="it-IT" smtClean="0"/>
-              <a:t>‹N›</a:t>
+              <a:t>‹n.›</a:t>
             </a:fld>
             <a:endParaRPr lang="it-IT"/>
           </a:p>
@@ -3542,7 +3606,7 @@
           <p:cNvPr id="2" name="Titolo 1">
             <a:extLst>
               <a:ext uri="{FF2B5EF4-FFF2-40B4-BE49-F238E27FC236}">
-                <a16:creationId xmlns:a16="http://schemas.microsoft.com/office/drawing/2014/main" id="{0DEBE818-B46A-4BA8-A19C-6994F97EC1CD}"/>
+                <a16:creationId xmlns:a16="http://schemas.microsoft.com/office/drawing/2014/main" xmlns="" id="{0DEBE818-B46A-4BA8-A19C-6994F97EC1CD}"/>
               </a:ext>
             </a:extLst>
           </p:cNvPr>
@@ -3570,7 +3634,7 @@
           <p:cNvPr id="3" name="Segnaposto contenuto 2">
             <a:extLst>
               <a:ext uri="{FF2B5EF4-FFF2-40B4-BE49-F238E27FC236}">
-                <a16:creationId xmlns:a16="http://schemas.microsoft.com/office/drawing/2014/main" id="{1F80C2CF-27F0-4824-B060-74C1402CF569}"/>
+                <a16:creationId xmlns:a16="http://schemas.microsoft.com/office/drawing/2014/main" xmlns="" id="{1F80C2CF-27F0-4824-B060-74C1402CF569}"/>
               </a:ext>
             </a:extLst>
           </p:cNvPr>
@@ -3627,7 +3691,7 @@
           <p:cNvPr id="4" name="Segnaposto data 3">
             <a:extLst>
               <a:ext uri="{FF2B5EF4-FFF2-40B4-BE49-F238E27FC236}">
-                <a16:creationId xmlns:a16="http://schemas.microsoft.com/office/drawing/2014/main" id="{7E61FE0F-01D5-4FD3-B25F-88B100C673CA}"/>
+                <a16:creationId xmlns:a16="http://schemas.microsoft.com/office/drawing/2014/main" xmlns="" id="{7E61FE0F-01D5-4FD3-B25F-88B100C673CA}"/>
               </a:ext>
             </a:extLst>
           </p:cNvPr>
@@ -3645,7 +3709,7 @@
           <a:p>
             <a:fld id="{BB13FF18-858D-4A6C-8E7A-419597778596}" type="datetimeFigureOut">
               <a:rPr lang="it-IT" smtClean="0"/>
-              <a:t>16/11/2017</a:t>
+              <a:t>20/11/17</a:t>
             </a:fld>
             <a:endParaRPr lang="it-IT"/>
           </a:p>
@@ -3656,7 +3720,7 @@
           <p:cNvPr id="5" name="Segnaposto piè di pagina 4">
             <a:extLst>
               <a:ext uri="{FF2B5EF4-FFF2-40B4-BE49-F238E27FC236}">
-                <a16:creationId xmlns:a16="http://schemas.microsoft.com/office/drawing/2014/main" id="{BB8F91CE-AC61-4D17-BAC0-9B6D7C4CE7C9}"/>
+                <a16:creationId xmlns:a16="http://schemas.microsoft.com/office/drawing/2014/main" xmlns="" id="{BB8F91CE-AC61-4D17-BAC0-9B6D7C4CE7C9}"/>
               </a:ext>
             </a:extLst>
           </p:cNvPr>
@@ -3681,7 +3745,7 @@
           <p:cNvPr id="6" name="Segnaposto numero diapositiva 5">
             <a:extLst>
               <a:ext uri="{FF2B5EF4-FFF2-40B4-BE49-F238E27FC236}">
-                <a16:creationId xmlns:a16="http://schemas.microsoft.com/office/drawing/2014/main" id="{2BE9AEF5-F35C-4215-A379-8DD66ED61086}"/>
+                <a16:creationId xmlns:a16="http://schemas.microsoft.com/office/drawing/2014/main" xmlns="" id="{2BE9AEF5-F35C-4215-A379-8DD66ED61086}"/>
               </a:ext>
             </a:extLst>
           </p:cNvPr>
@@ -3699,7 +3763,7 @@
           <a:p>
             <a:fld id="{7E1D34C2-AF2B-4EFB-A9DD-5508AE5A310B}" type="slidenum">
               <a:rPr lang="it-IT" smtClean="0"/>
-              <a:t>‹N›</a:t>
+              <a:t>‹n.›</a:t>
             </a:fld>
             <a:endParaRPr lang="it-IT"/>
           </a:p>
@@ -3740,7 +3804,7 @@
           <p:cNvPr id="2" name="Titolo 1">
             <a:extLst>
               <a:ext uri="{FF2B5EF4-FFF2-40B4-BE49-F238E27FC236}">
-                <a16:creationId xmlns:a16="http://schemas.microsoft.com/office/drawing/2014/main" id="{28B502DD-55CB-4DD6-91E7-6A4FE183FA21}"/>
+                <a16:creationId xmlns:a16="http://schemas.microsoft.com/office/drawing/2014/main" xmlns="" id="{28B502DD-55CB-4DD6-91E7-6A4FE183FA21}"/>
               </a:ext>
             </a:extLst>
           </p:cNvPr>
@@ -3777,7 +3841,7 @@
           <p:cNvPr id="3" name="Segnaposto testo 2">
             <a:extLst>
               <a:ext uri="{FF2B5EF4-FFF2-40B4-BE49-F238E27FC236}">
-                <a16:creationId xmlns:a16="http://schemas.microsoft.com/office/drawing/2014/main" id="{38472F6B-DE4F-4C4D-83D0-C299486B4DE1}"/>
+                <a16:creationId xmlns:a16="http://schemas.microsoft.com/office/drawing/2014/main" xmlns="" id="{38472F6B-DE4F-4C4D-83D0-C299486B4DE1}"/>
               </a:ext>
             </a:extLst>
           </p:cNvPr>
@@ -3902,7 +3966,7 @@
           <p:cNvPr id="4" name="Segnaposto data 3">
             <a:extLst>
               <a:ext uri="{FF2B5EF4-FFF2-40B4-BE49-F238E27FC236}">
-                <a16:creationId xmlns:a16="http://schemas.microsoft.com/office/drawing/2014/main" id="{C31512A6-70A7-4060-BCF5-5268B382FF1A}"/>
+                <a16:creationId xmlns:a16="http://schemas.microsoft.com/office/drawing/2014/main" xmlns="" id="{C31512A6-70A7-4060-BCF5-5268B382FF1A}"/>
               </a:ext>
             </a:extLst>
           </p:cNvPr>
@@ -3920,7 +3984,7 @@
           <a:p>
             <a:fld id="{BB13FF18-858D-4A6C-8E7A-419597778596}" type="datetimeFigureOut">
               <a:rPr lang="it-IT" smtClean="0"/>
-              <a:t>16/11/2017</a:t>
+              <a:t>20/11/17</a:t>
             </a:fld>
             <a:endParaRPr lang="it-IT"/>
           </a:p>
@@ -3931,7 +3995,7 @@
           <p:cNvPr id="5" name="Segnaposto piè di pagina 4">
             <a:extLst>
               <a:ext uri="{FF2B5EF4-FFF2-40B4-BE49-F238E27FC236}">
-                <a16:creationId xmlns:a16="http://schemas.microsoft.com/office/drawing/2014/main" id="{7ECFF564-B91C-4DDA-8CC6-3E2A9A771327}"/>
+                <a16:creationId xmlns:a16="http://schemas.microsoft.com/office/drawing/2014/main" xmlns="" id="{7ECFF564-B91C-4DDA-8CC6-3E2A9A771327}"/>
               </a:ext>
             </a:extLst>
           </p:cNvPr>
@@ -3956,7 +4020,7 @@
           <p:cNvPr id="6" name="Segnaposto numero diapositiva 5">
             <a:extLst>
               <a:ext uri="{FF2B5EF4-FFF2-40B4-BE49-F238E27FC236}">
-                <a16:creationId xmlns:a16="http://schemas.microsoft.com/office/drawing/2014/main" id="{601B74AB-1A74-4DAC-A959-69E6EF369D54}"/>
+                <a16:creationId xmlns:a16="http://schemas.microsoft.com/office/drawing/2014/main" xmlns="" id="{601B74AB-1A74-4DAC-A959-69E6EF369D54}"/>
               </a:ext>
             </a:extLst>
           </p:cNvPr>
@@ -3974,7 +4038,7 @@
           <a:p>
             <a:fld id="{7E1D34C2-AF2B-4EFB-A9DD-5508AE5A310B}" type="slidenum">
               <a:rPr lang="it-IT" smtClean="0"/>
-              <a:t>‹N›</a:t>
+              <a:t>‹n.›</a:t>
             </a:fld>
             <a:endParaRPr lang="it-IT"/>
           </a:p>
@@ -4015,7 +4079,7 @@
           <p:cNvPr id="2" name="Titolo 1">
             <a:extLst>
               <a:ext uri="{FF2B5EF4-FFF2-40B4-BE49-F238E27FC236}">
-                <a16:creationId xmlns:a16="http://schemas.microsoft.com/office/drawing/2014/main" id="{85F94774-6C29-4DBF-B48E-7E24321B7ADA}"/>
+                <a16:creationId xmlns:a16="http://schemas.microsoft.com/office/drawing/2014/main" xmlns="" id="{85F94774-6C29-4DBF-B48E-7E24321B7ADA}"/>
               </a:ext>
             </a:extLst>
           </p:cNvPr>
@@ -4043,7 +4107,7 @@
           <p:cNvPr id="3" name="Segnaposto contenuto 2">
             <a:extLst>
               <a:ext uri="{FF2B5EF4-FFF2-40B4-BE49-F238E27FC236}">
-                <a16:creationId xmlns:a16="http://schemas.microsoft.com/office/drawing/2014/main" id="{D9051274-FB52-4D84-82A8-F2F9707240BD}"/>
+                <a16:creationId xmlns:a16="http://schemas.microsoft.com/office/drawing/2014/main" xmlns="" id="{D9051274-FB52-4D84-82A8-F2F9707240BD}"/>
               </a:ext>
             </a:extLst>
           </p:cNvPr>
@@ -4105,7 +4169,7 @@
           <p:cNvPr id="4" name="Segnaposto contenuto 3">
             <a:extLst>
               <a:ext uri="{FF2B5EF4-FFF2-40B4-BE49-F238E27FC236}">
-                <a16:creationId xmlns:a16="http://schemas.microsoft.com/office/drawing/2014/main" id="{DF7129BA-76B4-46E1-80C1-87ABF674AF78}"/>
+                <a16:creationId xmlns:a16="http://schemas.microsoft.com/office/drawing/2014/main" xmlns="" id="{DF7129BA-76B4-46E1-80C1-87ABF674AF78}"/>
               </a:ext>
             </a:extLst>
           </p:cNvPr>
@@ -4167,7 +4231,7 @@
           <p:cNvPr id="5" name="Segnaposto data 4">
             <a:extLst>
               <a:ext uri="{FF2B5EF4-FFF2-40B4-BE49-F238E27FC236}">
-                <a16:creationId xmlns:a16="http://schemas.microsoft.com/office/drawing/2014/main" id="{C7BB839A-A883-4C62-AFE0-701A7F4F24D9}"/>
+                <a16:creationId xmlns:a16="http://schemas.microsoft.com/office/drawing/2014/main" xmlns="" id="{C7BB839A-A883-4C62-AFE0-701A7F4F24D9}"/>
               </a:ext>
             </a:extLst>
           </p:cNvPr>
@@ -4185,7 +4249,7 @@
           <a:p>
             <a:fld id="{BB13FF18-858D-4A6C-8E7A-419597778596}" type="datetimeFigureOut">
               <a:rPr lang="it-IT" smtClean="0"/>
-              <a:t>16/11/2017</a:t>
+              <a:t>20/11/17</a:t>
             </a:fld>
             <a:endParaRPr lang="it-IT"/>
           </a:p>
@@ -4196,7 +4260,7 @@
           <p:cNvPr id="6" name="Segnaposto piè di pagina 5">
             <a:extLst>
               <a:ext uri="{FF2B5EF4-FFF2-40B4-BE49-F238E27FC236}">
-                <a16:creationId xmlns:a16="http://schemas.microsoft.com/office/drawing/2014/main" id="{DAC296B5-BA55-4394-B7CB-C6F2F0717E4B}"/>
+                <a16:creationId xmlns:a16="http://schemas.microsoft.com/office/drawing/2014/main" xmlns="" id="{DAC296B5-BA55-4394-B7CB-C6F2F0717E4B}"/>
               </a:ext>
             </a:extLst>
           </p:cNvPr>
@@ -4221,7 +4285,7 @@
           <p:cNvPr id="7" name="Segnaposto numero diapositiva 6">
             <a:extLst>
               <a:ext uri="{FF2B5EF4-FFF2-40B4-BE49-F238E27FC236}">
-                <a16:creationId xmlns:a16="http://schemas.microsoft.com/office/drawing/2014/main" id="{1E97433E-0665-4B4D-AB9A-7D0F514A1334}"/>
+                <a16:creationId xmlns:a16="http://schemas.microsoft.com/office/drawing/2014/main" xmlns="" id="{1E97433E-0665-4B4D-AB9A-7D0F514A1334}"/>
               </a:ext>
             </a:extLst>
           </p:cNvPr>
@@ -4239,7 +4303,7 @@
           <a:p>
             <a:fld id="{7E1D34C2-AF2B-4EFB-A9DD-5508AE5A310B}" type="slidenum">
               <a:rPr lang="it-IT" smtClean="0"/>
-              <a:t>‹N›</a:t>
+              <a:t>‹n.›</a:t>
             </a:fld>
             <a:endParaRPr lang="it-IT"/>
           </a:p>
@@ -4280,7 +4344,7 @@
           <p:cNvPr id="2" name="Titolo 1">
             <a:extLst>
               <a:ext uri="{FF2B5EF4-FFF2-40B4-BE49-F238E27FC236}">
-                <a16:creationId xmlns:a16="http://schemas.microsoft.com/office/drawing/2014/main" id="{8D8C6A3E-5464-492B-AA0E-454BA5AE1083}"/>
+                <a16:creationId xmlns:a16="http://schemas.microsoft.com/office/drawing/2014/main" xmlns="" id="{8D8C6A3E-5464-492B-AA0E-454BA5AE1083}"/>
               </a:ext>
             </a:extLst>
           </p:cNvPr>
@@ -4313,7 +4377,7 @@
           <p:cNvPr id="3" name="Segnaposto testo 2">
             <a:extLst>
               <a:ext uri="{FF2B5EF4-FFF2-40B4-BE49-F238E27FC236}">
-                <a16:creationId xmlns:a16="http://schemas.microsoft.com/office/drawing/2014/main" id="{5E3AD8E7-E164-4BAA-8D36-F646D440427E}"/>
+                <a16:creationId xmlns:a16="http://schemas.microsoft.com/office/drawing/2014/main" xmlns="" id="{5E3AD8E7-E164-4BAA-8D36-F646D440427E}"/>
               </a:ext>
             </a:extLst>
           </p:cNvPr>
@@ -4384,7 +4448,7 @@
           <p:cNvPr id="4" name="Segnaposto contenuto 3">
             <a:extLst>
               <a:ext uri="{FF2B5EF4-FFF2-40B4-BE49-F238E27FC236}">
-                <a16:creationId xmlns:a16="http://schemas.microsoft.com/office/drawing/2014/main" id="{C5932ECD-8586-4974-94A7-E031306D8859}"/>
+                <a16:creationId xmlns:a16="http://schemas.microsoft.com/office/drawing/2014/main" xmlns="" id="{C5932ECD-8586-4974-94A7-E031306D8859}"/>
               </a:ext>
             </a:extLst>
           </p:cNvPr>
@@ -4446,7 +4510,7 @@
           <p:cNvPr id="5" name="Segnaposto testo 4">
             <a:extLst>
               <a:ext uri="{FF2B5EF4-FFF2-40B4-BE49-F238E27FC236}">
-                <a16:creationId xmlns:a16="http://schemas.microsoft.com/office/drawing/2014/main" id="{F58AE84A-F7E6-4DEC-B730-9A8A7CBC5015}"/>
+                <a16:creationId xmlns:a16="http://schemas.microsoft.com/office/drawing/2014/main" xmlns="" id="{F58AE84A-F7E6-4DEC-B730-9A8A7CBC5015}"/>
               </a:ext>
             </a:extLst>
           </p:cNvPr>
@@ -4517,7 +4581,7 @@
           <p:cNvPr id="6" name="Segnaposto contenuto 5">
             <a:extLst>
               <a:ext uri="{FF2B5EF4-FFF2-40B4-BE49-F238E27FC236}">
-                <a16:creationId xmlns:a16="http://schemas.microsoft.com/office/drawing/2014/main" id="{A8459ADC-3CC3-4D85-AF9B-1561ACCF2BF0}"/>
+                <a16:creationId xmlns:a16="http://schemas.microsoft.com/office/drawing/2014/main" xmlns="" id="{A8459ADC-3CC3-4D85-AF9B-1561ACCF2BF0}"/>
               </a:ext>
             </a:extLst>
           </p:cNvPr>
@@ -4579,7 +4643,7 @@
           <p:cNvPr id="7" name="Segnaposto data 6">
             <a:extLst>
               <a:ext uri="{FF2B5EF4-FFF2-40B4-BE49-F238E27FC236}">
-                <a16:creationId xmlns:a16="http://schemas.microsoft.com/office/drawing/2014/main" id="{99054151-A855-4C3C-A23F-0AF47DE53C65}"/>
+                <a16:creationId xmlns:a16="http://schemas.microsoft.com/office/drawing/2014/main" xmlns="" id="{99054151-A855-4C3C-A23F-0AF47DE53C65}"/>
               </a:ext>
             </a:extLst>
           </p:cNvPr>
@@ -4597,7 +4661,7 @@
           <a:p>
             <a:fld id="{BB13FF18-858D-4A6C-8E7A-419597778596}" type="datetimeFigureOut">
               <a:rPr lang="it-IT" smtClean="0"/>
-              <a:t>16/11/2017</a:t>
+              <a:t>20/11/17</a:t>
             </a:fld>
             <a:endParaRPr lang="it-IT"/>
           </a:p>
@@ -4608,7 +4672,7 @@
           <p:cNvPr id="8" name="Segnaposto piè di pagina 7">
             <a:extLst>
               <a:ext uri="{FF2B5EF4-FFF2-40B4-BE49-F238E27FC236}">
-                <a16:creationId xmlns:a16="http://schemas.microsoft.com/office/drawing/2014/main" id="{1D6AE142-110C-4116-AE75-62983927DA03}"/>
+                <a16:creationId xmlns:a16="http://schemas.microsoft.com/office/drawing/2014/main" xmlns="" id="{1D6AE142-110C-4116-AE75-62983927DA03}"/>
               </a:ext>
             </a:extLst>
           </p:cNvPr>
@@ -4633,7 +4697,7 @@
           <p:cNvPr id="9" name="Segnaposto numero diapositiva 8">
             <a:extLst>
               <a:ext uri="{FF2B5EF4-FFF2-40B4-BE49-F238E27FC236}">
-                <a16:creationId xmlns:a16="http://schemas.microsoft.com/office/drawing/2014/main" id="{0E68547C-58D2-40C1-BB47-74C236044EC9}"/>
+                <a16:creationId xmlns:a16="http://schemas.microsoft.com/office/drawing/2014/main" xmlns="" id="{0E68547C-58D2-40C1-BB47-74C236044EC9}"/>
               </a:ext>
             </a:extLst>
           </p:cNvPr>
@@ -4651,7 +4715,7 @@
           <a:p>
             <a:fld id="{7E1D34C2-AF2B-4EFB-A9DD-5508AE5A310B}" type="slidenum">
               <a:rPr lang="it-IT" smtClean="0"/>
-              <a:t>‹N›</a:t>
+              <a:t>‹n.›</a:t>
             </a:fld>
             <a:endParaRPr lang="it-IT"/>
           </a:p>
@@ -4692,7 +4756,7 @@
           <p:cNvPr id="2" name="Titolo 1">
             <a:extLst>
               <a:ext uri="{FF2B5EF4-FFF2-40B4-BE49-F238E27FC236}">
-                <a16:creationId xmlns:a16="http://schemas.microsoft.com/office/drawing/2014/main" id="{8981E045-EE14-4479-82B6-3736A94E3724}"/>
+                <a16:creationId xmlns:a16="http://schemas.microsoft.com/office/drawing/2014/main" xmlns="" id="{8981E045-EE14-4479-82B6-3736A94E3724}"/>
               </a:ext>
             </a:extLst>
           </p:cNvPr>
@@ -4720,7 +4784,7 @@
           <p:cNvPr id="3" name="Segnaposto data 2">
             <a:extLst>
               <a:ext uri="{FF2B5EF4-FFF2-40B4-BE49-F238E27FC236}">
-                <a16:creationId xmlns:a16="http://schemas.microsoft.com/office/drawing/2014/main" id="{D89A5BC3-B2F9-4E15-A3E3-8D7E9D4A88E5}"/>
+                <a16:creationId xmlns:a16="http://schemas.microsoft.com/office/drawing/2014/main" xmlns="" id="{D89A5BC3-B2F9-4E15-A3E3-8D7E9D4A88E5}"/>
               </a:ext>
             </a:extLst>
           </p:cNvPr>
@@ -4738,7 +4802,7 @@
           <a:p>
             <a:fld id="{BB13FF18-858D-4A6C-8E7A-419597778596}" type="datetimeFigureOut">
               <a:rPr lang="it-IT" smtClean="0"/>
-              <a:t>16/11/2017</a:t>
+              <a:t>20/11/17</a:t>
             </a:fld>
             <a:endParaRPr lang="it-IT"/>
           </a:p>
@@ -4749,7 +4813,7 @@
           <p:cNvPr id="4" name="Segnaposto piè di pagina 3">
             <a:extLst>
               <a:ext uri="{FF2B5EF4-FFF2-40B4-BE49-F238E27FC236}">
-                <a16:creationId xmlns:a16="http://schemas.microsoft.com/office/drawing/2014/main" id="{64515A75-8293-4CA8-80BA-03B3F218972D}"/>
+                <a16:creationId xmlns:a16="http://schemas.microsoft.com/office/drawing/2014/main" xmlns="" id="{64515A75-8293-4CA8-80BA-03B3F218972D}"/>
               </a:ext>
             </a:extLst>
           </p:cNvPr>
@@ -4774,7 +4838,7 @@
           <p:cNvPr id="5" name="Segnaposto numero diapositiva 4">
             <a:extLst>
               <a:ext uri="{FF2B5EF4-FFF2-40B4-BE49-F238E27FC236}">
-                <a16:creationId xmlns:a16="http://schemas.microsoft.com/office/drawing/2014/main" id="{F0C17F14-11F1-460E-B8C7-5A31609EB7CD}"/>
+                <a16:creationId xmlns:a16="http://schemas.microsoft.com/office/drawing/2014/main" xmlns="" id="{F0C17F14-11F1-460E-B8C7-5A31609EB7CD}"/>
               </a:ext>
             </a:extLst>
           </p:cNvPr>
@@ -4792,7 +4856,7 @@
           <a:p>
             <a:fld id="{7E1D34C2-AF2B-4EFB-A9DD-5508AE5A310B}" type="slidenum">
               <a:rPr lang="it-IT" smtClean="0"/>
-              <a:t>‹N›</a:t>
+              <a:t>‹n.›</a:t>
             </a:fld>
             <a:endParaRPr lang="it-IT"/>
           </a:p>
@@ -4833,7 +4897,7 @@
           <p:cNvPr id="2" name="Segnaposto data 1">
             <a:extLst>
               <a:ext uri="{FF2B5EF4-FFF2-40B4-BE49-F238E27FC236}">
-                <a16:creationId xmlns:a16="http://schemas.microsoft.com/office/drawing/2014/main" id="{5CCEFFE8-5B59-4E5D-8C07-DB8CA3FD84A8}"/>
+                <a16:creationId xmlns:a16="http://schemas.microsoft.com/office/drawing/2014/main" xmlns="" id="{5CCEFFE8-5B59-4E5D-8C07-DB8CA3FD84A8}"/>
               </a:ext>
             </a:extLst>
           </p:cNvPr>
@@ -4851,7 +4915,7 @@
           <a:p>
             <a:fld id="{BB13FF18-858D-4A6C-8E7A-419597778596}" type="datetimeFigureOut">
               <a:rPr lang="it-IT" smtClean="0"/>
-              <a:t>16/11/2017</a:t>
+              <a:t>20/11/17</a:t>
             </a:fld>
             <a:endParaRPr lang="it-IT"/>
           </a:p>
@@ -4862,7 +4926,7 @@
           <p:cNvPr id="3" name="Segnaposto piè di pagina 2">
             <a:extLst>
               <a:ext uri="{FF2B5EF4-FFF2-40B4-BE49-F238E27FC236}">
-                <a16:creationId xmlns:a16="http://schemas.microsoft.com/office/drawing/2014/main" id="{ABA54CB3-CF9E-4D5F-B03B-C0ADF8B15D7E}"/>
+                <a16:creationId xmlns:a16="http://schemas.microsoft.com/office/drawing/2014/main" xmlns="" id="{ABA54CB3-CF9E-4D5F-B03B-C0ADF8B15D7E}"/>
               </a:ext>
             </a:extLst>
           </p:cNvPr>
@@ -4887,7 +4951,7 @@
           <p:cNvPr id="4" name="Segnaposto numero diapositiva 3">
             <a:extLst>
               <a:ext uri="{FF2B5EF4-FFF2-40B4-BE49-F238E27FC236}">
-                <a16:creationId xmlns:a16="http://schemas.microsoft.com/office/drawing/2014/main" id="{C2CA64F6-A001-442C-86AA-19B62C33103A}"/>
+                <a16:creationId xmlns:a16="http://schemas.microsoft.com/office/drawing/2014/main" xmlns="" id="{C2CA64F6-A001-442C-86AA-19B62C33103A}"/>
               </a:ext>
             </a:extLst>
           </p:cNvPr>
@@ -4905,7 +4969,7 @@
           <a:p>
             <a:fld id="{7E1D34C2-AF2B-4EFB-A9DD-5508AE5A310B}" type="slidenum">
               <a:rPr lang="it-IT" smtClean="0"/>
-              <a:t>‹N›</a:t>
+              <a:t>‹n.›</a:t>
             </a:fld>
             <a:endParaRPr lang="it-IT"/>
           </a:p>
@@ -4946,7 +5010,7 @@
           <p:cNvPr id="2" name="Titolo 1">
             <a:extLst>
               <a:ext uri="{FF2B5EF4-FFF2-40B4-BE49-F238E27FC236}">
-                <a16:creationId xmlns:a16="http://schemas.microsoft.com/office/drawing/2014/main" id="{4EAB73A2-A532-49F6-9A50-253BF8A3A366}"/>
+                <a16:creationId xmlns:a16="http://schemas.microsoft.com/office/drawing/2014/main" xmlns="" id="{4EAB73A2-A532-49F6-9A50-253BF8A3A366}"/>
               </a:ext>
             </a:extLst>
           </p:cNvPr>
@@ -4983,7 +5047,7 @@
           <p:cNvPr id="3" name="Segnaposto contenuto 2">
             <a:extLst>
               <a:ext uri="{FF2B5EF4-FFF2-40B4-BE49-F238E27FC236}">
-                <a16:creationId xmlns:a16="http://schemas.microsoft.com/office/drawing/2014/main" id="{EB941CB2-D3E0-4C8A-B4DF-5D3EA3A449C3}"/>
+                <a16:creationId xmlns:a16="http://schemas.microsoft.com/office/drawing/2014/main" xmlns="" id="{EB941CB2-D3E0-4C8A-B4DF-5D3EA3A449C3}"/>
               </a:ext>
             </a:extLst>
           </p:cNvPr>
@@ -5073,7 +5137,7 @@
           <p:cNvPr id="4" name="Segnaposto testo 3">
             <a:extLst>
               <a:ext uri="{FF2B5EF4-FFF2-40B4-BE49-F238E27FC236}">
-                <a16:creationId xmlns:a16="http://schemas.microsoft.com/office/drawing/2014/main" id="{332D8F10-DEFC-43F8-BE9C-60F2D0895B6E}"/>
+                <a16:creationId xmlns:a16="http://schemas.microsoft.com/office/drawing/2014/main" xmlns="" id="{332D8F10-DEFC-43F8-BE9C-60F2D0895B6E}"/>
               </a:ext>
             </a:extLst>
           </p:cNvPr>
@@ -5144,7 +5208,7 @@
           <p:cNvPr id="5" name="Segnaposto data 4">
             <a:extLst>
               <a:ext uri="{FF2B5EF4-FFF2-40B4-BE49-F238E27FC236}">
-                <a16:creationId xmlns:a16="http://schemas.microsoft.com/office/drawing/2014/main" id="{EE77C715-0FEB-4BBC-B765-8E57465696BC}"/>
+                <a16:creationId xmlns:a16="http://schemas.microsoft.com/office/drawing/2014/main" xmlns="" id="{EE77C715-0FEB-4BBC-B765-8E57465696BC}"/>
               </a:ext>
             </a:extLst>
           </p:cNvPr>
@@ -5162,7 +5226,7 @@
           <a:p>
             <a:fld id="{BB13FF18-858D-4A6C-8E7A-419597778596}" type="datetimeFigureOut">
               <a:rPr lang="it-IT" smtClean="0"/>
-              <a:t>16/11/2017</a:t>
+              <a:t>20/11/17</a:t>
             </a:fld>
             <a:endParaRPr lang="it-IT"/>
           </a:p>
@@ -5173,7 +5237,7 @@
           <p:cNvPr id="6" name="Segnaposto piè di pagina 5">
             <a:extLst>
               <a:ext uri="{FF2B5EF4-FFF2-40B4-BE49-F238E27FC236}">
-                <a16:creationId xmlns:a16="http://schemas.microsoft.com/office/drawing/2014/main" id="{2CAEDFCE-12ED-4E6B-B56C-E1D952398C3E}"/>
+                <a16:creationId xmlns:a16="http://schemas.microsoft.com/office/drawing/2014/main" xmlns="" id="{2CAEDFCE-12ED-4E6B-B56C-E1D952398C3E}"/>
               </a:ext>
             </a:extLst>
           </p:cNvPr>
@@ -5198,7 +5262,7 @@
           <p:cNvPr id="7" name="Segnaposto numero diapositiva 6">
             <a:extLst>
               <a:ext uri="{FF2B5EF4-FFF2-40B4-BE49-F238E27FC236}">
-                <a16:creationId xmlns:a16="http://schemas.microsoft.com/office/drawing/2014/main" id="{CF8FB2D0-5BDD-4B7B-9F11-26DD4A1CB91A}"/>
+                <a16:creationId xmlns:a16="http://schemas.microsoft.com/office/drawing/2014/main" xmlns="" id="{CF8FB2D0-5BDD-4B7B-9F11-26DD4A1CB91A}"/>
               </a:ext>
             </a:extLst>
           </p:cNvPr>
@@ -5216,7 +5280,7 @@
           <a:p>
             <a:fld id="{7E1D34C2-AF2B-4EFB-A9DD-5508AE5A310B}" type="slidenum">
               <a:rPr lang="it-IT" smtClean="0"/>
-              <a:t>‹N›</a:t>
+              <a:t>‹n.›</a:t>
             </a:fld>
             <a:endParaRPr lang="it-IT"/>
           </a:p>
@@ -5257,7 +5321,7 @@
           <p:cNvPr id="2" name="Titolo 1">
             <a:extLst>
               <a:ext uri="{FF2B5EF4-FFF2-40B4-BE49-F238E27FC236}">
-                <a16:creationId xmlns:a16="http://schemas.microsoft.com/office/drawing/2014/main" id="{7FA44E1E-842D-4A49-92A4-51D75DB0AB99}"/>
+                <a16:creationId xmlns:a16="http://schemas.microsoft.com/office/drawing/2014/main" xmlns="" id="{7FA44E1E-842D-4A49-92A4-51D75DB0AB99}"/>
               </a:ext>
             </a:extLst>
           </p:cNvPr>
@@ -5294,7 +5358,7 @@
           <p:cNvPr id="3" name="Segnaposto immagine 2">
             <a:extLst>
               <a:ext uri="{FF2B5EF4-FFF2-40B4-BE49-F238E27FC236}">
-                <a16:creationId xmlns:a16="http://schemas.microsoft.com/office/drawing/2014/main" id="{C0FD0D48-89D0-4EE7-921B-ACFAEBEDFB1F}"/>
+                <a16:creationId xmlns:a16="http://schemas.microsoft.com/office/drawing/2014/main" xmlns="" id="{C0FD0D48-89D0-4EE7-921B-ACFAEBEDFB1F}"/>
               </a:ext>
             </a:extLst>
           </p:cNvPr>
@@ -5361,7 +5425,7 @@
           <p:cNvPr id="4" name="Segnaposto testo 3">
             <a:extLst>
               <a:ext uri="{FF2B5EF4-FFF2-40B4-BE49-F238E27FC236}">
-                <a16:creationId xmlns:a16="http://schemas.microsoft.com/office/drawing/2014/main" id="{93EBAFF9-9521-48A1-9261-DD8188CB4591}"/>
+                <a16:creationId xmlns:a16="http://schemas.microsoft.com/office/drawing/2014/main" xmlns="" id="{93EBAFF9-9521-48A1-9261-DD8188CB4591}"/>
               </a:ext>
             </a:extLst>
           </p:cNvPr>
@@ -5432,7 +5496,7 @@
           <p:cNvPr id="5" name="Segnaposto data 4">
             <a:extLst>
               <a:ext uri="{FF2B5EF4-FFF2-40B4-BE49-F238E27FC236}">
-                <a16:creationId xmlns:a16="http://schemas.microsoft.com/office/drawing/2014/main" id="{34010A57-4D1E-4341-9679-83095A85D9FC}"/>
+                <a16:creationId xmlns:a16="http://schemas.microsoft.com/office/drawing/2014/main" xmlns="" id="{34010A57-4D1E-4341-9679-83095A85D9FC}"/>
               </a:ext>
             </a:extLst>
           </p:cNvPr>
@@ -5450,7 +5514,7 @@
           <a:p>
             <a:fld id="{BB13FF18-858D-4A6C-8E7A-419597778596}" type="datetimeFigureOut">
               <a:rPr lang="it-IT" smtClean="0"/>
-              <a:t>16/11/2017</a:t>
+              <a:t>20/11/17</a:t>
             </a:fld>
             <a:endParaRPr lang="it-IT"/>
           </a:p>
@@ -5461,7 +5525,7 @@
           <p:cNvPr id="6" name="Segnaposto piè di pagina 5">
             <a:extLst>
               <a:ext uri="{FF2B5EF4-FFF2-40B4-BE49-F238E27FC236}">
-                <a16:creationId xmlns:a16="http://schemas.microsoft.com/office/drawing/2014/main" id="{0EF9AA20-C205-4B6A-8D28-5B5105385DC6}"/>
+                <a16:creationId xmlns:a16="http://schemas.microsoft.com/office/drawing/2014/main" xmlns="" id="{0EF9AA20-C205-4B6A-8D28-5B5105385DC6}"/>
               </a:ext>
             </a:extLst>
           </p:cNvPr>
@@ -5486,7 +5550,7 @@
           <p:cNvPr id="7" name="Segnaposto numero diapositiva 6">
             <a:extLst>
               <a:ext uri="{FF2B5EF4-FFF2-40B4-BE49-F238E27FC236}">
-                <a16:creationId xmlns:a16="http://schemas.microsoft.com/office/drawing/2014/main" id="{8F846EFF-FD3A-414C-BA1E-87377E6168BC}"/>
+                <a16:creationId xmlns:a16="http://schemas.microsoft.com/office/drawing/2014/main" xmlns="" id="{8F846EFF-FD3A-414C-BA1E-87377E6168BC}"/>
               </a:ext>
             </a:extLst>
           </p:cNvPr>
@@ -5504,7 +5568,7 @@
           <a:p>
             <a:fld id="{7E1D34C2-AF2B-4EFB-A9DD-5508AE5A310B}" type="slidenum">
               <a:rPr lang="it-IT" smtClean="0"/>
-              <a:t>‹N›</a:t>
+              <a:t>‹n.›</a:t>
             </a:fld>
             <a:endParaRPr lang="it-IT"/>
           </a:p>
@@ -5550,7 +5614,7 @@
           <p:cNvPr id="2" name="Segnaposto titolo 1">
             <a:extLst>
               <a:ext uri="{FF2B5EF4-FFF2-40B4-BE49-F238E27FC236}">
-                <a16:creationId xmlns:a16="http://schemas.microsoft.com/office/drawing/2014/main" id="{2DDF9227-F210-4AA8-9D4B-FED537C19105}"/>
+                <a16:creationId xmlns:a16="http://schemas.microsoft.com/office/drawing/2014/main" xmlns="" id="{2DDF9227-F210-4AA8-9D4B-FED537C19105}"/>
               </a:ext>
             </a:extLst>
           </p:cNvPr>
@@ -5588,7 +5652,7 @@
           <p:cNvPr id="3" name="Segnaposto testo 2">
             <a:extLst>
               <a:ext uri="{FF2B5EF4-FFF2-40B4-BE49-F238E27FC236}">
-                <a16:creationId xmlns:a16="http://schemas.microsoft.com/office/drawing/2014/main" id="{EB36EB2E-3570-421B-93ED-6D701A0B6ECF}"/>
+                <a16:creationId xmlns:a16="http://schemas.microsoft.com/office/drawing/2014/main" xmlns="" id="{EB36EB2E-3570-421B-93ED-6D701A0B6ECF}"/>
               </a:ext>
             </a:extLst>
           </p:cNvPr>
@@ -5655,7 +5719,7 @@
           <p:cNvPr id="4" name="Segnaposto data 3">
             <a:extLst>
               <a:ext uri="{FF2B5EF4-FFF2-40B4-BE49-F238E27FC236}">
-                <a16:creationId xmlns:a16="http://schemas.microsoft.com/office/drawing/2014/main" id="{56F9F816-177B-4B53-982B-ADADF1ACA1D1}"/>
+                <a16:creationId xmlns:a16="http://schemas.microsoft.com/office/drawing/2014/main" xmlns="" id="{56F9F816-177B-4B53-982B-ADADF1ACA1D1}"/>
               </a:ext>
             </a:extLst>
           </p:cNvPr>
@@ -5691,7 +5755,7 @@
           <a:p>
             <a:fld id="{BB13FF18-858D-4A6C-8E7A-419597778596}" type="datetimeFigureOut">
               <a:rPr lang="it-IT" smtClean="0"/>
-              <a:t>16/11/2017</a:t>
+              <a:t>20/11/17</a:t>
             </a:fld>
             <a:endParaRPr lang="it-IT"/>
           </a:p>
@@ -5702,7 +5766,7 @@
           <p:cNvPr id="5" name="Segnaposto piè di pagina 4">
             <a:extLst>
               <a:ext uri="{FF2B5EF4-FFF2-40B4-BE49-F238E27FC236}">
-                <a16:creationId xmlns:a16="http://schemas.microsoft.com/office/drawing/2014/main" id="{03EFD77A-83F3-4FA8-A88C-47530D58E558}"/>
+                <a16:creationId xmlns:a16="http://schemas.microsoft.com/office/drawing/2014/main" xmlns="" id="{03EFD77A-83F3-4FA8-A88C-47530D58E558}"/>
               </a:ext>
             </a:extLst>
           </p:cNvPr>
@@ -5745,7 +5809,7 @@
           <p:cNvPr id="6" name="Segnaposto numero diapositiva 5">
             <a:extLst>
               <a:ext uri="{FF2B5EF4-FFF2-40B4-BE49-F238E27FC236}">
-                <a16:creationId xmlns:a16="http://schemas.microsoft.com/office/drawing/2014/main" id="{D72020BD-3A0D-4F38-8199-D37336C8E0AA}"/>
+                <a16:creationId xmlns:a16="http://schemas.microsoft.com/office/drawing/2014/main" xmlns="" id="{D72020BD-3A0D-4F38-8199-D37336C8E0AA}"/>
               </a:ext>
             </a:extLst>
           </p:cNvPr>
@@ -5781,7 +5845,7 @@
           <a:p>
             <a:fld id="{7E1D34C2-AF2B-4EFB-A9DD-5508AE5A310B}" type="slidenum">
               <a:rPr lang="it-IT" smtClean="0"/>
-              <a:t>‹N›</a:t>
+              <a:t>‹n.›</a:t>
             </a:fld>
             <a:endParaRPr lang="it-IT"/>
           </a:p>
@@ -6113,7 +6177,7 @@
           <p:cNvPr id="2" name="Titolo 1">
             <a:extLst>
               <a:ext uri="{FF2B5EF4-FFF2-40B4-BE49-F238E27FC236}">
-                <a16:creationId xmlns:a16="http://schemas.microsoft.com/office/drawing/2014/main" id="{8B6438EF-7F5F-471D-B664-125D402C66D6}"/>
+                <a16:creationId xmlns:a16="http://schemas.microsoft.com/office/drawing/2014/main" xmlns="" id="{8B6438EF-7F5F-471D-B664-125D402C66D6}"/>
               </a:ext>
             </a:extLst>
           </p:cNvPr>
@@ -6141,7 +6205,7 @@
           <p:cNvPr id="3" name="Sottotitolo 2">
             <a:extLst>
               <a:ext uri="{FF2B5EF4-FFF2-40B4-BE49-F238E27FC236}">
-                <a16:creationId xmlns:a16="http://schemas.microsoft.com/office/drawing/2014/main" id="{301DCC95-D016-4D44-9E9E-E237D32D586B}"/>
+                <a16:creationId xmlns:a16="http://schemas.microsoft.com/office/drawing/2014/main" xmlns="" id="{301DCC95-D016-4D44-9E9E-E237D32D586B}"/>
               </a:ext>
             </a:extLst>
           </p:cNvPr>
@@ -6235,7 +6299,7 @@
           <p:cNvPr id="2" name="Titolo 1">
             <a:extLst>
               <a:ext uri="{FF2B5EF4-FFF2-40B4-BE49-F238E27FC236}">
-                <a16:creationId xmlns:a16="http://schemas.microsoft.com/office/drawing/2014/main" id="{45712661-CEEF-4141-B375-C208E5A3AE38}"/>
+                <a16:creationId xmlns:a16="http://schemas.microsoft.com/office/drawing/2014/main" xmlns="" id="{45712661-CEEF-4141-B375-C208E5A3AE38}"/>
               </a:ext>
             </a:extLst>
           </p:cNvPr>
@@ -6248,7 +6312,7 @@
         </p:nvSpPr>
         <p:spPr>
           <a:xfrm>
-            <a:off x="389137" y="252380"/>
+            <a:off x="1162235" y="43829"/>
             <a:ext cx="10515600" cy="1325563"/>
           </a:xfrm>
         </p:spPr>
@@ -6256,6 +6320,7 @@
           <a:bodyPr/>
           <a:lstStyle/>
           <a:p>
+            <a:pPr algn="ctr"/>
             <a:r>
               <a:rPr lang="en-US" dirty="0"/>
               <a:t>System topology</a:t>
@@ -6268,7 +6333,7 @@
           <p:cNvPr id="4" name="Ovale 3">
             <a:extLst>
               <a:ext uri="{FF2B5EF4-FFF2-40B4-BE49-F238E27FC236}">
-                <a16:creationId xmlns:a16="http://schemas.microsoft.com/office/drawing/2014/main" id="{13C276B8-43E8-4340-8744-F95FE45FF93D}"/>
+                <a16:creationId xmlns:a16="http://schemas.microsoft.com/office/drawing/2014/main" xmlns="" id="{13C276B8-43E8-4340-8744-F95FE45FF93D}"/>
               </a:ext>
             </a:extLst>
           </p:cNvPr>
@@ -6317,7 +6382,7 @@
           <p:cNvPr id="6" name="Ovale 5">
             <a:extLst>
               <a:ext uri="{FF2B5EF4-FFF2-40B4-BE49-F238E27FC236}">
-                <a16:creationId xmlns:a16="http://schemas.microsoft.com/office/drawing/2014/main" id="{E4807840-D773-4EF0-81F6-035CAAF531A6}"/>
+                <a16:creationId xmlns:a16="http://schemas.microsoft.com/office/drawing/2014/main" xmlns="" id="{E4807840-D773-4EF0-81F6-035CAAF531A6}"/>
               </a:ext>
             </a:extLst>
           </p:cNvPr>
@@ -6326,7 +6391,7 @@
         </p:nvSpPr>
         <p:spPr>
           <a:xfrm>
-            <a:off x="1774055" y="3136099"/>
+            <a:off x="2170547" y="3144633"/>
             <a:ext cx="1722268" cy="1402672"/>
           </a:xfrm>
           <a:prstGeom prst="ellipse">
@@ -6366,7 +6431,7 @@
           <p:cNvPr id="7" name="Rettangolo 6">
             <a:extLst>
               <a:ext uri="{FF2B5EF4-FFF2-40B4-BE49-F238E27FC236}">
-                <a16:creationId xmlns:a16="http://schemas.microsoft.com/office/drawing/2014/main" id="{6D35485D-A7D8-446F-9516-34B0F2153AAD}"/>
+                <a16:creationId xmlns:a16="http://schemas.microsoft.com/office/drawing/2014/main" xmlns="" id="{6D35485D-A7D8-446F-9516-34B0F2153AAD}"/>
               </a:ext>
             </a:extLst>
           </p:cNvPr>
@@ -6375,8 +6440,8 @@
         </p:nvSpPr>
         <p:spPr>
           <a:xfrm>
-            <a:off x="2914834" y="1684476"/>
-            <a:ext cx="1979721" cy="1120806"/>
+            <a:off x="3108008" y="1840633"/>
+            <a:ext cx="1327652" cy="767897"/>
           </a:xfrm>
           <a:prstGeom prst="rect">
             <a:avLst/>
@@ -6415,7 +6480,7 @@
           <p:cNvPr id="8" name="Rettangolo 7">
             <a:extLst>
               <a:ext uri="{FF2B5EF4-FFF2-40B4-BE49-F238E27FC236}">
-                <a16:creationId xmlns:a16="http://schemas.microsoft.com/office/drawing/2014/main" id="{94D24397-A14D-4CE5-AA12-5DCF9FD69775}"/>
+                <a16:creationId xmlns:a16="http://schemas.microsoft.com/office/drawing/2014/main" xmlns="" id="{94D24397-A14D-4CE5-AA12-5DCF9FD69775}"/>
               </a:ext>
             </a:extLst>
           </p:cNvPr>
@@ -6424,8 +6489,8 @@
         </p:nvSpPr>
         <p:spPr>
           <a:xfrm>
-            <a:off x="3025805" y="3219551"/>
-            <a:ext cx="1979721" cy="1235767"/>
+            <a:off x="3455092" y="3468970"/>
+            <a:ext cx="1211737" cy="753998"/>
           </a:xfrm>
           <a:prstGeom prst="rect">
             <a:avLst/>
@@ -6453,8 +6518,12 @@
           <a:p>
             <a:pPr algn="ctr"/>
             <a:r>
-              <a:rPr lang="en-US" dirty="0" err="1"/>
-              <a:t>BlueCoinN</a:t>
+              <a:rPr lang="en-US" dirty="0" err="1" smtClean="0"/>
+              <a:t>BlueCoin</a:t>
+            </a:r>
+            <a:r>
+              <a:rPr lang="en-US" dirty="0" smtClean="0"/>
+              <a:t> N</a:t>
             </a:r>
             <a:endParaRPr lang="en-US" dirty="0"/>
           </a:p>
@@ -6465,7 +6534,7 @@
           <p:cNvPr id="9" name="Ovale 8">
             <a:extLst>
               <a:ext uri="{FF2B5EF4-FFF2-40B4-BE49-F238E27FC236}">
-                <a16:creationId xmlns:a16="http://schemas.microsoft.com/office/drawing/2014/main" id="{12ACE63D-A386-4EFC-9D85-AA066F3FBDDB}"/>
+                <a16:creationId xmlns:a16="http://schemas.microsoft.com/office/drawing/2014/main" xmlns="" id="{12ACE63D-A386-4EFC-9D85-AA066F3FBDDB}"/>
               </a:ext>
             </a:extLst>
           </p:cNvPr>
@@ -6514,7 +6583,7 @@
           <p:cNvPr id="11" name="Connettore 2 10">
             <a:extLst>
               <a:ext uri="{FF2B5EF4-FFF2-40B4-BE49-F238E27FC236}">
-                <a16:creationId xmlns:a16="http://schemas.microsoft.com/office/drawing/2014/main" id="{440C4455-4284-4D52-8BE3-BC4D1B1848CC}"/>
+                <a16:creationId xmlns:a16="http://schemas.microsoft.com/office/drawing/2014/main" xmlns="" id="{440C4455-4284-4D52-8BE3-BC4D1B1848CC}"/>
               </a:ext>
             </a:extLst>
           </p:cNvPr>
@@ -6523,8 +6592,8 @@
         </p:nvCxnSpPr>
         <p:spPr>
           <a:xfrm>
-            <a:off x="5143129" y="2083971"/>
-            <a:ext cx="852257" cy="594804"/>
+            <a:off x="4640885" y="2250556"/>
+            <a:ext cx="1354501" cy="428219"/>
           </a:xfrm>
           <a:prstGeom prst="straightConnector1">
             <a:avLst/>
@@ -6553,7 +6622,7 @@
           <p:cNvPr id="13" name="Connettore 2 12">
             <a:extLst>
               <a:ext uri="{FF2B5EF4-FFF2-40B4-BE49-F238E27FC236}">
-                <a16:creationId xmlns:a16="http://schemas.microsoft.com/office/drawing/2014/main" id="{68074315-0C0E-4469-8B8D-6B7666EF1AC6}"/>
+                <a16:creationId xmlns:a16="http://schemas.microsoft.com/office/drawing/2014/main" xmlns="" id="{68074315-0C0E-4469-8B8D-6B7666EF1AC6}"/>
               </a:ext>
             </a:extLst>
           </p:cNvPr>
@@ -6562,8 +6631,8 @@
         </p:nvCxnSpPr>
         <p:spPr>
           <a:xfrm flipV="1">
-            <a:off x="5143129" y="3522154"/>
-            <a:ext cx="639193" cy="294733"/>
+            <a:off x="4711541" y="3556586"/>
+            <a:ext cx="946951" cy="206466"/>
           </a:xfrm>
           <a:prstGeom prst="straightConnector1">
             <a:avLst/>
@@ -6592,7 +6661,7 @@
           <p:cNvPr id="14" name="Rettangolo 13">
             <a:extLst>
               <a:ext uri="{FF2B5EF4-FFF2-40B4-BE49-F238E27FC236}">
-                <a16:creationId xmlns:a16="http://schemas.microsoft.com/office/drawing/2014/main" id="{1379C35D-B17B-4EE6-9023-ABF63EC2EC44}"/>
+                <a16:creationId xmlns:a16="http://schemas.microsoft.com/office/drawing/2014/main" xmlns="" id="{1379C35D-B17B-4EE6-9023-ABF63EC2EC44}"/>
               </a:ext>
             </a:extLst>
           </p:cNvPr>
@@ -6601,7 +6670,7 @@
         </p:nvSpPr>
         <p:spPr>
           <a:xfrm>
-            <a:off x="5569257" y="2083971"/>
+            <a:off x="5123651" y="2095089"/>
             <a:ext cx="923278" cy="230820"/>
           </a:xfrm>
           <a:prstGeom prst="rect">
@@ -6641,7 +6710,7 @@
           <p:cNvPr id="15" name="Rettangolo 14">
             <a:extLst>
               <a:ext uri="{FF2B5EF4-FFF2-40B4-BE49-F238E27FC236}">
-                <a16:creationId xmlns:a16="http://schemas.microsoft.com/office/drawing/2014/main" id="{8A16D978-EDCD-49E5-8288-3D3EEFE768F9}"/>
+                <a16:creationId xmlns:a16="http://schemas.microsoft.com/office/drawing/2014/main" xmlns="" id="{8A16D978-EDCD-49E5-8288-3D3EEFE768F9}"/>
               </a:ext>
             </a:extLst>
           </p:cNvPr>
@@ -6650,8 +6719,8 @@
         </p:nvSpPr>
         <p:spPr>
           <a:xfrm>
-            <a:off x="5373949" y="3895016"/>
-            <a:ext cx="772355" cy="294733"/>
+            <a:off x="5009178" y="3799777"/>
+            <a:ext cx="888553" cy="294733"/>
           </a:xfrm>
           <a:prstGeom prst="rect">
             <a:avLst/>
@@ -6679,8 +6748,8 @@
           <a:p>
             <a:pPr algn="ctr"/>
             <a:r>
-              <a:rPr lang="en-US" dirty="0" err="1"/>
-              <a:t>DataN</a:t>
+              <a:rPr lang="en-US" dirty="0" smtClean="0"/>
+              <a:t>Data N</a:t>
             </a:r>
             <a:endParaRPr lang="en-US" dirty="0"/>
           </a:p>
@@ -6691,7 +6760,7 @@
           <p:cNvPr id="16" name="Rettangolo 15">
             <a:extLst>
               <a:ext uri="{FF2B5EF4-FFF2-40B4-BE49-F238E27FC236}">
-                <a16:creationId xmlns:a16="http://schemas.microsoft.com/office/drawing/2014/main" id="{B13F8C6A-714D-4C39-945A-7EDD7171A29F}"/>
+                <a16:creationId xmlns:a16="http://schemas.microsoft.com/office/drawing/2014/main" xmlns="" id="{B13F8C6A-714D-4C39-945A-7EDD7171A29F}"/>
               </a:ext>
             </a:extLst>
           </p:cNvPr>
@@ -6729,8 +6798,8 @@
           <a:p>
             <a:pPr algn="ctr"/>
             <a:r>
-              <a:rPr lang="en-US" dirty="0" err="1"/>
-              <a:t>WebServer</a:t>
+              <a:rPr lang="en-US" dirty="0" smtClean="0"/>
+              <a:t>Web Server</a:t>
             </a:r>
             <a:endParaRPr lang="en-US" dirty="0"/>
           </a:p>
@@ -6741,7 +6810,7 @@
           <p:cNvPr id="18" name="Connettore 2 17">
             <a:extLst>
               <a:ext uri="{FF2B5EF4-FFF2-40B4-BE49-F238E27FC236}">
-                <a16:creationId xmlns:a16="http://schemas.microsoft.com/office/drawing/2014/main" id="{D5F8DBB7-E458-4AAC-84CC-31D0AECFF54B}"/>
+                <a16:creationId xmlns:a16="http://schemas.microsoft.com/office/drawing/2014/main" xmlns="" id="{D5F8DBB7-E458-4AAC-84CC-31D0AECFF54B}"/>
               </a:ext>
             </a:extLst>
           </p:cNvPr>
@@ -6782,7 +6851,7 @@
           <p:cNvPr id="19" name="Rettangolo 18">
             <a:extLst>
               <a:ext uri="{FF2B5EF4-FFF2-40B4-BE49-F238E27FC236}">
-                <a16:creationId xmlns:a16="http://schemas.microsoft.com/office/drawing/2014/main" id="{334FE174-982F-4ED4-9D92-C71CA1E4B8B1}"/>
+                <a16:creationId xmlns:a16="http://schemas.microsoft.com/office/drawing/2014/main" xmlns="" id="{334FE174-982F-4ED4-9D92-C71CA1E4B8B1}"/>
               </a:ext>
             </a:extLst>
           </p:cNvPr>
@@ -6839,7 +6908,7 @@
           <p:cNvPr id="21" name="Connettore 2 20">
             <a:extLst>
               <a:ext uri="{FF2B5EF4-FFF2-40B4-BE49-F238E27FC236}">
-                <a16:creationId xmlns:a16="http://schemas.microsoft.com/office/drawing/2014/main" id="{8B75EB12-AC70-40A5-88C9-D50EB9019AB6}"/>
+                <a16:creationId xmlns:a16="http://schemas.microsoft.com/office/drawing/2014/main" xmlns="" id="{8B75EB12-AC70-40A5-88C9-D50EB9019AB6}"/>
               </a:ext>
             </a:extLst>
           </p:cNvPr>
@@ -6878,7 +6947,7 @@
           <p:cNvPr id="22" name="Rettangolo 21">
             <a:extLst>
               <a:ext uri="{FF2B5EF4-FFF2-40B4-BE49-F238E27FC236}">
-                <a16:creationId xmlns:a16="http://schemas.microsoft.com/office/drawing/2014/main" id="{9F0F17B7-11AA-4CC4-9D3A-3A5C370AECF8}"/>
+                <a16:creationId xmlns:a16="http://schemas.microsoft.com/office/drawing/2014/main" xmlns="" id="{9F0F17B7-11AA-4CC4-9D3A-3A5C370AECF8}"/>
               </a:ext>
             </a:extLst>
           </p:cNvPr>
@@ -6887,7 +6956,7 @@
         </p:nvSpPr>
         <p:spPr>
           <a:xfrm>
-            <a:off x="3861786" y="5788241"/>
+            <a:off x="6570953" y="5820578"/>
             <a:ext cx="3453414" cy="790112"/>
           </a:xfrm>
           <a:prstGeom prst="rect">
@@ -6917,8 +6986,21 @@
             <a:pPr algn="ctr"/>
             <a:r>
               <a:rPr lang="en-US" dirty="0"/>
-              <a:t>Motor power supply controller that turn off a motor in case of fault</a:t>
-            </a:r>
+              <a:t>Motor power supply controller that </a:t>
+            </a:r>
+            <a:r>
+              <a:rPr lang="en-US" dirty="0" smtClean="0"/>
+              <a:t>turns </a:t>
+            </a:r>
+            <a:r>
+              <a:rPr lang="en-US" dirty="0"/>
+              <a:t>off a motor in case of </a:t>
+            </a:r>
+            <a:r>
+              <a:rPr lang="en-US" dirty="0" smtClean="0"/>
+              <a:t>faults</a:t>
+            </a:r>
+            <a:endParaRPr lang="en-US" dirty="0"/>
           </a:p>
         </p:txBody>
       </p:sp>
@@ -6927,7 +7009,7 @@
           <p:cNvPr id="23" name="Rettangolo 22">
             <a:extLst>
               <a:ext uri="{FF2B5EF4-FFF2-40B4-BE49-F238E27FC236}">
-                <a16:creationId xmlns:a16="http://schemas.microsoft.com/office/drawing/2014/main" id="{B3B925E8-3744-490D-89D7-4D9EC7439BC3}"/>
+                <a16:creationId xmlns:a16="http://schemas.microsoft.com/office/drawing/2014/main" xmlns="" id="{B3B925E8-3744-490D-89D7-4D9EC7439BC3}"/>
               </a:ext>
             </a:extLst>
           </p:cNvPr>
@@ -6936,7 +7018,7 @@
         </p:nvSpPr>
         <p:spPr>
           <a:xfrm>
-            <a:off x="390617" y="5342586"/>
+            <a:off x="1905237" y="5665246"/>
             <a:ext cx="881849" cy="765251"/>
           </a:xfrm>
           <a:prstGeom prst="rect">
@@ -6976,7 +7058,7 @@
           <p:cNvPr id="25" name="Connettore 2 24">
             <a:extLst>
               <a:ext uri="{FF2B5EF4-FFF2-40B4-BE49-F238E27FC236}">
-                <a16:creationId xmlns:a16="http://schemas.microsoft.com/office/drawing/2014/main" id="{C339E8FC-A4F8-47EF-8AFE-A3176D2E6038}"/>
+                <a16:creationId xmlns:a16="http://schemas.microsoft.com/office/drawing/2014/main" xmlns="" id="{C339E8FC-A4F8-47EF-8AFE-A3176D2E6038}"/>
               </a:ext>
             </a:extLst>
           </p:cNvPr>
@@ -6986,9 +7068,9 @@
           <p:nvPr/>
         </p:nvCxnSpPr>
         <p:spPr>
-          <a:xfrm flipV="1">
-            <a:off x="470517" y="2314791"/>
-            <a:ext cx="1019451" cy="3027795"/>
+          <a:xfrm flipH="1" flipV="1">
+            <a:off x="1928345" y="2928226"/>
+            <a:ext cx="70244" cy="2589484"/>
           </a:xfrm>
           <a:prstGeom prst="straightConnector1">
             <a:avLst/>
@@ -7017,7 +7099,7 @@
           <p:cNvPr id="29" name="Connettore 2 28">
             <a:extLst>
               <a:ext uri="{FF2B5EF4-FFF2-40B4-BE49-F238E27FC236}">
-                <a16:creationId xmlns:a16="http://schemas.microsoft.com/office/drawing/2014/main" id="{90F0795E-36D3-43A1-B13B-63E5B1D47E95}"/>
+                <a16:creationId xmlns:a16="http://schemas.microsoft.com/office/drawing/2014/main" xmlns="" id="{90F0795E-36D3-43A1-B13B-63E5B1D47E95}"/>
               </a:ext>
             </a:extLst>
           </p:cNvPr>
@@ -7028,8 +7110,8 @@
         </p:nvCxnSpPr>
         <p:spPr>
           <a:xfrm flipV="1">
-            <a:off x="838200" y="3895016"/>
-            <a:ext cx="731668" cy="1378321"/>
+            <a:off x="2524217" y="4661257"/>
+            <a:ext cx="400695" cy="856453"/>
           </a:xfrm>
           <a:prstGeom prst="straightConnector1">
             <a:avLst/>
@@ -7058,7 +7140,7 @@
           <p:cNvPr id="31" name="Connettore 2 30">
             <a:extLst>
               <a:ext uri="{FF2B5EF4-FFF2-40B4-BE49-F238E27FC236}">
-                <a16:creationId xmlns:a16="http://schemas.microsoft.com/office/drawing/2014/main" id="{6DA1AE05-AF90-4507-9254-3B71915560ED}"/>
+                <a16:creationId xmlns:a16="http://schemas.microsoft.com/office/drawing/2014/main" xmlns="" id="{6DA1AE05-AF90-4507-9254-3B71915560ED}"/>
               </a:ext>
             </a:extLst>
           </p:cNvPr>
@@ -7067,8 +7149,8 @@
         </p:nvCxnSpPr>
         <p:spPr>
           <a:xfrm flipH="1" flipV="1">
-            <a:off x="1361983" y="5788241"/>
-            <a:ext cx="2375516" cy="319596"/>
+            <a:off x="2877187" y="5969111"/>
+            <a:ext cx="3651465" cy="289768"/>
           </a:xfrm>
           <a:prstGeom prst="straightConnector1">
             <a:avLst/>
@@ -7097,7 +7179,7 @@
           <p:cNvPr id="33" name="Connettore 2 32">
             <a:extLst>
               <a:ext uri="{FF2B5EF4-FFF2-40B4-BE49-F238E27FC236}">
-                <a16:creationId xmlns:a16="http://schemas.microsoft.com/office/drawing/2014/main" id="{D0B88EAD-3C42-4A64-AC72-2E97760FEB40}"/>
+                <a16:creationId xmlns:a16="http://schemas.microsoft.com/office/drawing/2014/main" xmlns="" id="{D0B88EAD-3C42-4A64-AC72-2E97760FEB40}"/>
               </a:ext>
             </a:extLst>
           </p:cNvPr>
@@ -7107,9 +7189,9 @@
           <p:nvPr/>
         </p:nvCxnSpPr>
         <p:spPr>
-          <a:xfrm flipH="1">
-            <a:off x="6649374" y="4279037"/>
-            <a:ext cx="363985" cy="1377809"/>
+          <a:xfrm>
+            <a:off x="7013360" y="4279037"/>
+            <a:ext cx="666932" cy="1377809"/>
           </a:xfrm>
           <a:prstGeom prst="straightConnector1">
             <a:avLst/>
@@ -7138,7 +7220,7 @@
           <p:cNvPr id="37" name="Rettangolo 36">
             <a:extLst>
               <a:ext uri="{FF2B5EF4-FFF2-40B4-BE49-F238E27FC236}">
-                <a16:creationId xmlns:a16="http://schemas.microsoft.com/office/drawing/2014/main" id="{83D45CFB-09D1-4F83-BCAE-403F9273047D}"/>
+                <a16:creationId xmlns:a16="http://schemas.microsoft.com/office/drawing/2014/main" xmlns="" id="{83D45CFB-09D1-4F83-BCAE-403F9273047D}"/>
               </a:ext>
             </a:extLst>
           </p:cNvPr>
@@ -7147,8 +7229,8 @@
         </p:nvSpPr>
         <p:spPr>
           <a:xfrm>
-            <a:off x="186431" y="4944862"/>
-            <a:ext cx="7599286" cy="1847004"/>
+            <a:off x="1038688" y="4927418"/>
+            <a:ext cx="10762695" cy="1847004"/>
           </a:xfrm>
           <a:prstGeom prst="rect">
             <a:avLst/>
@@ -7185,7 +7267,7 @@
           <p:cNvPr id="38" name="Rettangolo 37">
             <a:extLst>
               <a:ext uri="{FF2B5EF4-FFF2-40B4-BE49-F238E27FC236}">
-                <a16:creationId xmlns:a16="http://schemas.microsoft.com/office/drawing/2014/main" id="{6EC113B4-8151-47BB-AC1F-02204162E0B8}"/>
+                <a16:creationId xmlns:a16="http://schemas.microsoft.com/office/drawing/2014/main" xmlns="" id="{6EC113B4-8151-47BB-AC1F-02204162E0B8}"/>
               </a:ext>
             </a:extLst>
           </p:cNvPr>
@@ -7232,7 +7314,7 @@
           <p:cNvPr id="40" name="CasellaDiTesto 39">
             <a:extLst>
               <a:ext uri="{FF2B5EF4-FFF2-40B4-BE49-F238E27FC236}">
-                <a16:creationId xmlns:a16="http://schemas.microsoft.com/office/drawing/2014/main" id="{FAF980E9-EC9A-4239-AFE3-9E18CAB8598E}"/>
+                <a16:creationId xmlns:a16="http://schemas.microsoft.com/office/drawing/2014/main" xmlns="" id="{FAF980E9-EC9A-4239-AFE3-9E18CAB8598E}"/>
               </a:ext>
             </a:extLst>
           </p:cNvPr>
@@ -7267,7 +7349,7 @@
           <p:cNvPr id="41" name="CasellaDiTesto 40">
             <a:extLst>
               <a:ext uri="{FF2B5EF4-FFF2-40B4-BE49-F238E27FC236}">
-                <a16:creationId xmlns:a16="http://schemas.microsoft.com/office/drawing/2014/main" id="{92880B6D-254B-4532-9AD2-C73C1872D687}"/>
+                <a16:creationId xmlns:a16="http://schemas.microsoft.com/office/drawing/2014/main" xmlns="" id="{92880B6D-254B-4532-9AD2-C73C1872D687}"/>
               </a:ext>
             </a:extLst>
           </p:cNvPr>
@@ -7276,7 +7358,7 @@
         </p:nvSpPr>
         <p:spPr>
           <a:xfrm>
-            <a:off x="2399951" y="5011416"/>
+            <a:off x="4950803" y="5017400"/>
             <a:ext cx="2968057" cy="369332"/>
           </a:xfrm>
           <a:prstGeom prst="rect">
@@ -7332,7 +7414,7 @@
           <p:cNvPr id="2" name="Titolo 1">
             <a:extLst>
               <a:ext uri="{FF2B5EF4-FFF2-40B4-BE49-F238E27FC236}">
-                <a16:creationId xmlns:a16="http://schemas.microsoft.com/office/drawing/2014/main" id="{D61C8094-B88B-4C50-ACE7-27284EDD555F}"/>
+                <a16:creationId xmlns:a16="http://schemas.microsoft.com/office/drawing/2014/main" xmlns="" id="{D61C8094-B88B-4C50-ACE7-27284EDD555F}"/>
               </a:ext>
             </a:extLst>
           </p:cNvPr>
@@ -7353,6 +7435,7 @@
           <a:bodyPr/>
           <a:lstStyle/>
           <a:p>
+            <a:pPr algn="ctr"/>
             <a:r>
               <a:rPr lang="it-IT" dirty="0"/>
               <a:t>Project target</a:t>
@@ -7365,7 +7448,7 @@
           <p:cNvPr id="3" name="Segnaposto contenuto 2">
             <a:extLst>
               <a:ext uri="{FF2B5EF4-FFF2-40B4-BE49-F238E27FC236}">
-                <a16:creationId xmlns:a16="http://schemas.microsoft.com/office/drawing/2014/main" id="{AC0233A3-0F40-471F-B7AF-7E65F1732F84}"/>
+                <a16:creationId xmlns:a16="http://schemas.microsoft.com/office/drawing/2014/main" xmlns="" id="{AC0233A3-0F40-471F-B7AF-7E65F1732F84}"/>
               </a:ext>
             </a:extLst>
           </p:cNvPr>
@@ -7387,17 +7470,18 @@
           <a:lstStyle/>
           <a:p>
             <a:r>
-              <a:rPr lang="en-US" dirty="0"/>
+              <a:rPr lang="en-US" dirty="0" smtClean="0"/>
               <a:t>We want to obtain a system able to detect fault on a motor using the </a:t>
             </a:r>
             <a:r>
-              <a:rPr lang="en-US" dirty="0" err="1"/>
+              <a:rPr lang="en-US" dirty="0" err="1" smtClean="0"/>
               <a:t>BlueCoin</a:t>
             </a:r>
             <a:r>
-              <a:rPr lang="en-US" dirty="0"/>
-              <a:t> micro controller by ST Microelectronics</a:t>
-            </a:r>
+              <a:rPr lang="en-US" dirty="0" smtClean="0"/>
+              <a:t> hearing and motion sensing platform by ST Microelectronics</a:t>
+            </a:r>
+            <a:endParaRPr lang="en-US" dirty="0"/>
           </a:p>
         </p:txBody>
       </p:sp>
@@ -7406,7 +7490,7 @@
           <p:cNvPr id="5" name="Immagine 4">
             <a:extLst>
               <a:ext uri="{FF2B5EF4-FFF2-40B4-BE49-F238E27FC236}">
-                <a16:creationId xmlns:a16="http://schemas.microsoft.com/office/drawing/2014/main" id="{1AB6DA0F-96AE-425A-98C4-52BF326112D1}"/>
+                <a16:creationId xmlns:a16="http://schemas.microsoft.com/office/drawing/2014/main" xmlns="" id="{1AB6DA0F-96AE-425A-98C4-52BF326112D1}"/>
               </a:ext>
             </a:extLst>
           </p:cNvPr>
@@ -7442,7 +7526,7 @@
           <p:cNvPr id="7" name="Immagine 6">
             <a:extLst>
               <a:ext uri="{FF2B5EF4-FFF2-40B4-BE49-F238E27FC236}">
-                <a16:creationId xmlns:a16="http://schemas.microsoft.com/office/drawing/2014/main" id="{18C5300A-E1F4-4788-8E5E-52907A11B2A7}"/>
+                <a16:creationId xmlns:a16="http://schemas.microsoft.com/office/drawing/2014/main" xmlns="" id="{18C5300A-E1F4-4788-8E5E-52907A11B2A7}"/>
               </a:ext>
             </a:extLst>
           </p:cNvPr>
@@ -7451,7 +7535,7 @@
           </p:cNvPicPr>
           <p:nvPr/>
         </p:nvPicPr>
-        <p:blipFill>
+        <p:blipFill rotWithShape="1">
           <a:blip r:embed="rId3">
             <a:extLst>
               <a:ext uri="{28A0092B-C50C-407E-A947-70E740481C1C}">
@@ -7459,14 +7543,13 @@
               </a:ext>
             </a:extLst>
           </a:blip>
-          <a:stretch>
-            <a:fillRect/>
-          </a:stretch>
+          <a:srcRect b="9102"/>
+          <a:stretch/>
         </p:blipFill>
         <p:spPr>
           <a:xfrm>
-            <a:off x="6782024" y="3032448"/>
-            <a:ext cx="3667873" cy="2825621"/>
+            <a:off x="6782024" y="3032449"/>
+            <a:ext cx="3667873" cy="2568436"/>
           </a:xfrm>
           <a:prstGeom prst="rect">
             <a:avLst/>
@@ -7508,7 +7591,7 @@
           <p:cNvPr id="2" name="Titolo 1">
             <a:extLst>
               <a:ext uri="{FF2B5EF4-FFF2-40B4-BE49-F238E27FC236}">
-                <a16:creationId xmlns:a16="http://schemas.microsoft.com/office/drawing/2014/main" id="{B99125FD-4CDD-4D2C-805E-13F02D9A18D8}"/>
+                <a16:creationId xmlns:a16="http://schemas.microsoft.com/office/drawing/2014/main" xmlns="" id="{B99125FD-4CDD-4D2C-805E-13F02D9A18D8}"/>
               </a:ext>
             </a:extLst>
           </p:cNvPr>
@@ -7524,6 +7607,7 @@
           <a:bodyPr/>
           <a:lstStyle/>
           <a:p>
+            <a:pPr algn="ctr"/>
             <a:r>
               <a:rPr lang="it-IT" dirty="0"/>
               <a:t>The system must</a:t>
@@ -7536,7 +7620,7 @@
           <p:cNvPr id="3" name="Segnaposto contenuto 2">
             <a:extLst>
               <a:ext uri="{FF2B5EF4-FFF2-40B4-BE49-F238E27FC236}">
-                <a16:creationId xmlns:a16="http://schemas.microsoft.com/office/drawing/2014/main" id="{48A612DB-47B0-487B-BDA4-B7E23C6AAA8B}"/>
+                <a16:creationId xmlns:a16="http://schemas.microsoft.com/office/drawing/2014/main" xmlns="" id="{48A612DB-47B0-487B-BDA4-B7E23C6AAA8B}"/>
               </a:ext>
             </a:extLst>
           </p:cNvPr>
@@ -7608,7 +7692,7 @@
           <p:cNvPr id="2" name="Titolo 1">
             <a:extLst>
               <a:ext uri="{FF2B5EF4-FFF2-40B4-BE49-F238E27FC236}">
-                <a16:creationId xmlns:a16="http://schemas.microsoft.com/office/drawing/2014/main" id="{2C288C2F-F582-4AA0-BB9A-D52FBA984678}"/>
+                <a16:creationId xmlns:a16="http://schemas.microsoft.com/office/drawing/2014/main" xmlns="" id="{2C288C2F-F582-4AA0-BB9A-D52FBA984678}"/>
               </a:ext>
             </a:extLst>
           </p:cNvPr>
@@ -7624,6 +7708,7 @@
           <a:bodyPr/>
           <a:lstStyle/>
           <a:p>
+            <a:pPr algn="ctr"/>
             <a:r>
               <a:rPr lang="en-US" dirty="0"/>
               <a:t>The system should</a:t>
@@ -7636,7 +7721,7 @@
           <p:cNvPr id="3" name="Segnaposto contenuto 2">
             <a:extLst>
               <a:ext uri="{FF2B5EF4-FFF2-40B4-BE49-F238E27FC236}">
-                <a16:creationId xmlns:a16="http://schemas.microsoft.com/office/drawing/2014/main" id="{2B56AFB8-070C-4FB2-B4E6-E3A982A5D42C}"/>
+                <a16:creationId xmlns:a16="http://schemas.microsoft.com/office/drawing/2014/main" xmlns="" id="{2B56AFB8-070C-4FB2-B4E6-E3A982A5D42C}"/>
               </a:ext>
             </a:extLst>
           </p:cNvPr>
@@ -7666,7 +7751,15 @@
             </a:r>
             <a:r>
               <a:rPr lang="en-US" dirty="0"/>
-              <a:t>, in order to enhance its battery duration</a:t>
+              <a:t>, in order </a:t>
+            </a:r>
+            <a:r>
+              <a:rPr lang="en-US" dirty="0" smtClean="0"/>
+              <a:t>to increase its </a:t>
+            </a:r>
+            <a:r>
+              <a:rPr lang="en-US" dirty="0"/>
+              <a:t>battery duration</a:t>
             </a:r>
           </a:p>
           <a:p>
@@ -7716,7 +7809,7 @@
           <p:cNvPr id="2" name="Titolo 1">
             <a:extLst>
               <a:ext uri="{FF2B5EF4-FFF2-40B4-BE49-F238E27FC236}">
-                <a16:creationId xmlns:a16="http://schemas.microsoft.com/office/drawing/2014/main" id="{2676B041-2A6A-4F74-A4D6-BC4E3AFAA838}"/>
+                <a16:creationId xmlns:a16="http://schemas.microsoft.com/office/drawing/2014/main" xmlns="" id="{2676B041-2A6A-4F74-A4D6-BC4E3AFAA838}"/>
               </a:ext>
             </a:extLst>
           </p:cNvPr>
@@ -7732,6 +7825,7 @@
           <a:bodyPr/>
           <a:lstStyle/>
           <a:p>
+            <a:pPr algn="ctr"/>
             <a:r>
               <a:rPr lang="en-US" dirty="0"/>
               <a:t>1) How to capture the motor properties</a:t>
@@ -7744,7 +7838,7 @@
           <p:cNvPr id="3" name="Segnaposto contenuto 2">
             <a:extLst>
               <a:ext uri="{FF2B5EF4-FFF2-40B4-BE49-F238E27FC236}">
-                <a16:creationId xmlns:a16="http://schemas.microsoft.com/office/drawing/2014/main" id="{F695A7F4-0B3B-4849-8BFB-3B238FC36196}"/>
+                <a16:creationId xmlns:a16="http://schemas.microsoft.com/office/drawing/2014/main" xmlns="" id="{F695A7F4-0B3B-4849-8BFB-3B238FC36196}"/>
               </a:ext>
             </a:extLst>
           </p:cNvPr>
@@ -7765,7 +7859,15 @@
             </a:pPr>
             <a:r>
               <a:rPr lang="en-US" dirty="0"/>
-              <a:t>In order to accomplish this task it will be split into two subtasks</a:t>
+              <a:t>In order to accomplish </a:t>
+            </a:r>
+            <a:r>
+              <a:rPr lang="en-US" dirty="0" smtClean="0"/>
+              <a:t>this, the task </a:t>
+            </a:r>
+            <a:r>
+              <a:rPr lang="en-US" dirty="0"/>
+              <a:t>will be split into two subtasks</a:t>
             </a:r>
           </a:p>
           <a:p>
@@ -7775,7 +7877,15 @@
             </a:pPr>
             <a:r>
               <a:rPr lang="en-US" dirty="0"/>
-              <a:t>Data acquisition : the </a:t>
+              <a:t>Data </a:t>
+            </a:r>
+            <a:r>
+              <a:rPr lang="en-US" dirty="0" smtClean="0"/>
+              <a:t>acquisition: </a:t>
+            </a:r>
+            <a:r>
+              <a:rPr lang="en-US" dirty="0"/>
+              <a:t>the </a:t>
             </a:r>
             <a:r>
               <a:rPr lang="en-US" dirty="0" err="1"/>
@@ -7783,7 +7893,23 @@
             </a:r>
             <a:r>
               <a:rPr lang="en-US" dirty="0"/>
-              <a:t> will be used to sense as much as possible data from the motor in order to catch as much as possible of its dynamics</a:t>
+              <a:t> will be used to sense as </a:t>
+            </a:r>
+            <a:r>
+              <a:rPr lang="en-US" dirty="0"/>
+              <a:t>much data </a:t>
+            </a:r>
+            <a:r>
+              <a:rPr lang="en-US" dirty="0"/>
+              <a:t>as </a:t>
+            </a:r>
+            <a:r>
+              <a:rPr lang="en-US" dirty="0" smtClean="0"/>
+              <a:t>possible from </a:t>
+            </a:r>
+            <a:r>
+              <a:rPr lang="en-US" dirty="0"/>
+              <a:t>the motor in order to catch as much as possible of its dynamics</a:t>
             </a:r>
           </a:p>
           <a:p>
@@ -7793,23 +7919,23 @@
             </a:pPr>
             <a:r>
               <a:rPr lang="en-US" dirty="0"/>
-              <a:t>Model identification: the data collected will be fed to a model identification algorithm (</a:t>
-            </a:r>
-            <a:r>
-              <a:rPr lang="en-US" dirty="0" err="1"/>
-              <a:t>tbd</a:t>
+              <a:t>Model identification: the data collected will be fed to a model identification algorithm </a:t>
+            </a:r>
+            <a:r>
+              <a:rPr lang="en-US" dirty="0" smtClean="0"/>
+              <a:t>that </a:t>
             </a:r>
             <a:r>
               <a:rPr lang="en-US" dirty="0"/>
-              <a:t> with god </a:t>
-            </a:r>
-            <a:r>
-              <a:rPr lang="en-US" dirty="0" err="1"/>
-              <a:t>Piroddi</a:t>
+              <a:t>will </a:t>
+            </a:r>
+            <a:r>
+              <a:rPr lang="en-US" dirty="0" smtClean="0"/>
+              <a:t>hopefully </a:t>
             </a:r>
             <a:r>
               <a:rPr lang="en-US" dirty="0"/>
-              <a:t>) that will (hopefully) detect the model that will describe the motor</a:t>
+              <a:t>detect the model that will describe the motor</a:t>
             </a:r>
           </a:p>
         </p:txBody>
@@ -7849,7 +7975,7 @@
           <p:cNvPr id="2" name="Titolo 1">
             <a:extLst>
               <a:ext uri="{FF2B5EF4-FFF2-40B4-BE49-F238E27FC236}">
-                <a16:creationId xmlns:a16="http://schemas.microsoft.com/office/drawing/2014/main" id="{4C596BDE-71A7-4227-91DB-D3FB52EF10BC}"/>
+                <a16:creationId xmlns:a16="http://schemas.microsoft.com/office/drawing/2014/main" xmlns="" id="{4C596BDE-71A7-4227-91DB-D3FB52EF10BC}"/>
               </a:ext>
             </a:extLst>
           </p:cNvPr>
@@ -7865,6 +7991,7 @@
           <a:bodyPr/>
           <a:lstStyle/>
           <a:p>
+            <a:pPr algn="ctr"/>
             <a:r>
               <a:rPr lang="en-US" dirty="0"/>
               <a:t>2) How to detect the motor faults </a:t>
@@ -7877,7 +8004,7 @@
           <p:cNvPr id="3" name="Segnaposto contenuto 2">
             <a:extLst>
               <a:ext uri="{FF2B5EF4-FFF2-40B4-BE49-F238E27FC236}">
-                <a16:creationId xmlns:a16="http://schemas.microsoft.com/office/drawing/2014/main" id="{492A153C-DAEA-47F4-ABFB-2695F16B44D0}"/>
+                <a16:creationId xmlns:a16="http://schemas.microsoft.com/office/drawing/2014/main" xmlns="" id="{492A153C-DAEA-47F4-ABFB-2695F16B44D0}"/>
               </a:ext>
             </a:extLst>
           </p:cNvPr>
@@ -7898,7 +8025,15 @@
             </a:pPr>
             <a:r>
               <a:rPr lang="en-US" dirty="0"/>
-              <a:t>Once the motor model has be detected, the </a:t>
+              <a:t>Once the motor model has </a:t>
+            </a:r>
+            <a:r>
+              <a:rPr lang="en-US" dirty="0" smtClean="0"/>
+              <a:t>been </a:t>
+            </a:r>
+            <a:r>
+              <a:rPr lang="en-US" dirty="0"/>
+              <a:t>detected, the </a:t>
             </a:r>
             <a:r>
               <a:rPr lang="en-US" dirty="0" err="1"/>
@@ -7906,7 +8041,15 @@
             </a:r>
             <a:r>
               <a:rPr lang="en-US" dirty="0"/>
-              <a:t> will keep sensing data from the motor and delivered to an external data processing unit that will:</a:t>
+              <a:t> will keep sensing data from the motor and </a:t>
+            </a:r>
+            <a:r>
+              <a:rPr lang="en-US" dirty="0" smtClean="0"/>
+              <a:t>deliver them </a:t>
+            </a:r>
+            <a:r>
+              <a:rPr lang="en-US" dirty="0"/>
+              <a:t>to an external data processing unit that will:</a:t>
             </a:r>
           </a:p>
           <a:p>
@@ -7918,8 +8061,13 @@
           <a:p>
             <a:r>
               <a:rPr lang="en-US" dirty="0"/>
-              <a:t>Launch an alarm if they doesn’t</a:t>
-            </a:r>
+              <a:t>Launch an alarm if they </a:t>
+            </a:r>
+            <a:r>
+              <a:rPr lang="en-US" dirty="0" smtClean="0"/>
+              <a:t>don’t</a:t>
+            </a:r>
+            <a:endParaRPr lang="en-US" dirty="0"/>
           </a:p>
         </p:txBody>
       </p:sp>
@@ -7958,7 +8106,7 @@
           <p:cNvPr id="2" name="Titolo 1">
             <a:extLst>
               <a:ext uri="{FF2B5EF4-FFF2-40B4-BE49-F238E27FC236}">
-                <a16:creationId xmlns:a16="http://schemas.microsoft.com/office/drawing/2014/main" id="{C23C66B3-735B-4F6B-A2FB-B7092A30F937}"/>
+                <a16:creationId xmlns:a16="http://schemas.microsoft.com/office/drawing/2014/main" xmlns="" id="{C23C66B3-735B-4F6B-A2FB-B7092A30F937}"/>
               </a:ext>
             </a:extLst>
           </p:cNvPr>
@@ -7974,6 +8122,7 @@
           <a:bodyPr/>
           <a:lstStyle/>
           <a:p>
+            <a:pPr algn="ctr"/>
             <a:r>
               <a:rPr lang="en-US" dirty="0"/>
               <a:t>3) Be energy efficient</a:t>
@@ -7986,7 +8135,7 @@
           <p:cNvPr id="3" name="Segnaposto contenuto 2">
             <a:extLst>
               <a:ext uri="{FF2B5EF4-FFF2-40B4-BE49-F238E27FC236}">
-                <a16:creationId xmlns:a16="http://schemas.microsoft.com/office/drawing/2014/main" id="{00D9C055-F674-46CB-9AE1-6439BB0BB0CD}"/>
+                <a16:creationId xmlns:a16="http://schemas.microsoft.com/office/drawing/2014/main" xmlns="" id="{00D9C055-F674-46CB-9AE1-6439BB0BB0CD}"/>
               </a:ext>
             </a:extLst>
           </p:cNvPr>
@@ -8030,7 +8179,7 @@
           <p:cNvPr id="5" name="Immagine 4" descr="Immagine che contiene screenshot&#10;&#10;Descrizione generata con affidabilità molto elevata">
             <a:extLst>
               <a:ext uri="{FF2B5EF4-FFF2-40B4-BE49-F238E27FC236}">
-                <a16:creationId xmlns:a16="http://schemas.microsoft.com/office/drawing/2014/main" id="{6C831FAE-2AEF-459E-9320-D4E8A58355ED}"/>
+                <a16:creationId xmlns:a16="http://schemas.microsoft.com/office/drawing/2014/main" xmlns="" id="{6C831FAE-2AEF-459E-9320-D4E8A58355ED}"/>
               </a:ext>
             </a:extLst>
           </p:cNvPr>
@@ -8053,8 +8202,8 @@
         </p:blipFill>
         <p:spPr>
           <a:xfrm>
-            <a:off x="3045690" y="3438165"/>
-            <a:ext cx="6392167" cy="2181529"/>
+            <a:off x="1169524" y="2939970"/>
+            <a:ext cx="9852951" cy="3362631"/>
           </a:xfrm>
           <a:prstGeom prst="rect">
             <a:avLst/>
@@ -8096,7 +8245,7 @@
           <p:cNvPr id="2" name="Titolo 1">
             <a:extLst>
               <a:ext uri="{FF2B5EF4-FFF2-40B4-BE49-F238E27FC236}">
-                <a16:creationId xmlns:a16="http://schemas.microsoft.com/office/drawing/2014/main" id="{0B22BC0E-73AF-4669-8BBD-9EC67D2695EE}"/>
+                <a16:creationId xmlns:a16="http://schemas.microsoft.com/office/drawing/2014/main" xmlns="" id="{0B22BC0E-73AF-4669-8BBD-9EC67D2695EE}"/>
               </a:ext>
             </a:extLst>
           </p:cNvPr>
@@ -8112,9 +8261,18 @@
           <a:bodyPr/>
           <a:lstStyle/>
           <a:p>
+            <a:pPr algn="ctr"/>
             <a:r>
               <a:rPr lang="en-US" dirty="0"/>
-              <a:t>4) Hot to be autonomous</a:t>
+              <a:t>4) </a:t>
+            </a:r>
+            <a:r>
+              <a:rPr lang="en-US" dirty="0" smtClean="0"/>
+              <a:t>How </a:t>
+            </a:r>
+            <a:r>
+              <a:rPr lang="en-US" dirty="0"/>
+              <a:t>to be autonomous</a:t>
             </a:r>
           </a:p>
         </p:txBody>
@@ -8124,7 +8282,7 @@
           <p:cNvPr id="3" name="Segnaposto contenuto 2">
             <a:extLst>
               <a:ext uri="{FF2B5EF4-FFF2-40B4-BE49-F238E27FC236}">
-                <a16:creationId xmlns:a16="http://schemas.microsoft.com/office/drawing/2014/main" id="{EE9629A9-6146-4F44-9EDF-5D86C3A2C39D}"/>
+                <a16:creationId xmlns:a16="http://schemas.microsoft.com/office/drawing/2014/main" xmlns="" id="{EE9629A9-6146-4F44-9EDF-5D86C3A2C39D}"/>
               </a:ext>
             </a:extLst>
           </p:cNvPr>
@@ -8145,13 +8303,49 @@
             </a:pPr>
             <a:r>
               <a:rPr lang="en-US" dirty="0"/>
-              <a:t>The system should not work only to a single motor since every  one has a different dynamic based on it’s usage, that’s  why the system should, on it’s first usage on a new motor, perform a preliminary calibration phase in order to adapt the model to the singular characteristics of the </a:t>
-            </a:r>
-            <a:r>
-              <a:rPr lang="en-US"/>
-              <a:t>current motor.</a:t>
-            </a:r>
-            <a:endParaRPr lang="en-US" dirty="0"/>
+              <a:t>The system should not work only </a:t>
+            </a:r>
+            <a:r>
+              <a:rPr lang="en-US" dirty="0" smtClean="0"/>
+              <a:t>with</a:t>
+            </a:r>
+            <a:r>
+              <a:rPr lang="en-US" dirty="0" smtClean="0"/>
+              <a:t> </a:t>
+            </a:r>
+            <a:r>
+              <a:rPr lang="en-US" dirty="0"/>
+              <a:t>a single motor since </a:t>
+            </a:r>
+            <a:r>
+              <a:rPr lang="en-US" dirty="0" smtClean="0"/>
+              <a:t>each one </a:t>
+            </a:r>
+            <a:r>
+              <a:rPr lang="en-US" dirty="0"/>
+              <a:t>has a different dynamic based on it’s </a:t>
+            </a:r>
+            <a:r>
+              <a:rPr lang="en-US" dirty="0" smtClean="0"/>
+              <a:t>usage.</a:t>
+            </a:r>
+          </a:p>
+          <a:p>
+            <a:pPr marL="0" indent="0">
+              <a:buNone/>
+            </a:pPr>
+            <a:r>
+              <a:rPr lang="en-US" dirty="0" smtClean="0"/>
+              <a:t>T</a:t>
+            </a:r>
+            <a:r>
+              <a:rPr lang="en-US" dirty="0" smtClean="0"/>
+              <a:t>hat’s </a:t>
+            </a:r>
+            <a:r>
+              <a:rPr lang="en-US" dirty="0"/>
+              <a:t>why the system should, on it’s first usage on a new motor, perform a preliminary calibration phase in order to adapt the model to the singular characteristics of the current motor.</a:t>
+            </a:r>
           </a:p>
         </p:txBody>
       </p:sp>
@@ -8190,7 +8384,7 @@
           <p:cNvPr id="2" name="Titolo 1">
             <a:extLst>
               <a:ext uri="{FF2B5EF4-FFF2-40B4-BE49-F238E27FC236}">
-                <a16:creationId xmlns:a16="http://schemas.microsoft.com/office/drawing/2014/main" id="{F909ECA4-8B8D-418A-9CFD-34617E8328BE}"/>
+                <a16:creationId xmlns:a16="http://schemas.microsoft.com/office/drawing/2014/main" xmlns="" id="{F909ECA4-8B8D-418A-9CFD-34617E8328BE}"/>
               </a:ext>
             </a:extLst>
           </p:cNvPr>
@@ -8201,19 +8395,30 @@
             <p:ph type="title"/>
           </p:nvPr>
         </p:nvSpPr>
-        <p:spPr/>
+        <p:spPr>
+          <a:xfrm>
+            <a:off x="838200" y="392312"/>
+            <a:ext cx="10515600" cy="1325563"/>
+          </a:xfrm>
+        </p:spPr>
         <p:txBody>
           <a:bodyPr/>
           <a:lstStyle/>
           <a:p>
-            <a:r>
-              <a:rPr lang="en-US" dirty="0" err="1"/>
-              <a:t>Complessivo</a:t>
+            <a:pPr algn="ctr"/>
+            <a:r>
+              <a:rPr lang="en-US" dirty="0" smtClean="0"/>
+              <a:t>Overall </a:t>
             </a:r>
             <a:r>
               <a:rPr lang="en-US" dirty="0"/>
-              <a:t> work cycle cycle</a:t>
-            </a:r>
+              <a:t>work </a:t>
+            </a:r>
+            <a:r>
+              <a:rPr lang="en-US" dirty="0" smtClean="0"/>
+              <a:t>cycle</a:t>
+            </a:r>
+            <a:endParaRPr lang="en-US" dirty="0"/>
           </a:p>
         </p:txBody>
       </p:sp>
@@ -8222,7 +8427,7 @@
           <p:cNvPr id="4" name="Segnaposto contenuto 3">
             <a:extLst>
               <a:ext uri="{FF2B5EF4-FFF2-40B4-BE49-F238E27FC236}">
-                <a16:creationId xmlns:a16="http://schemas.microsoft.com/office/drawing/2014/main" id="{910F84E3-0115-4241-A6D0-BEA5F24E14DA}"/>
+                <a16:creationId xmlns:a16="http://schemas.microsoft.com/office/drawing/2014/main" xmlns="" id="{910F84E3-0115-4241-A6D0-BEA5F24E14DA}"/>
               </a:ext>
             </a:extLst>
           </p:cNvPr>
@@ -8253,7 +8458,7 @@
           <p:cNvPr id="6" name="Ovale 5">
             <a:extLst>
               <a:ext uri="{FF2B5EF4-FFF2-40B4-BE49-F238E27FC236}">
-                <a16:creationId xmlns:a16="http://schemas.microsoft.com/office/drawing/2014/main" id="{171F6307-4D37-429B-A1E1-FA6F8631803C}"/>
+                <a16:creationId xmlns:a16="http://schemas.microsoft.com/office/drawing/2014/main" xmlns="" id="{171F6307-4D37-429B-A1E1-FA6F8631803C}"/>
               </a:ext>
             </a:extLst>
           </p:cNvPr>
@@ -8262,7 +8467,7 @@
         </p:nvSpPr>
         <p:spPr>
           <a:xfrm>
-            <a:off x="651769" y="1788596"/>
+            <a:off x="1071608" y="1787292"/>
             <a:ext cx="2348883" cy="1968053"/>
           </a:xfrm>
           <a:prstGeom prst="ellipse">
@@ -8302,7 +8507,7 @@
           <p:cNvPr id="7" name="Ovale 6">
             <a:extLst>
               <a:ext uri="{FF2B5EF4-FFF2-40B4-BE49-F238E27FC236}">
-                <a16:creationId xmlns:a16="http://schemas.microsoft.com/office/drawing/2014/main" id="{7D2481BC-556D-4A5B-8ACC-76105A174A3F}"/>
+                <a16:creationId xmlns:a16="http://schemas.microsoft.com/office/drawing/2014/main" xmlns="" id="{7D2481BC-556D-4A5B-8ACC-76105A174A3F}"/>
               </a:ext>
             </a:extLst>
           </p:cNvPr>
@@ -8351,7 +8556,7 @@
           <p:cNvPr id="8" name="Freccia a destra 7">
             <a:extLst>
               <a:ext uri="{FF2B5EF4-FFF2-40B4-BE49-F238E27FC236}">
-                <a16:creationId xmlns:a16="http://schemas.microsoft.com/office/drawing/2014/main" id="{D19DE539-9226-4A1E-8C13-A31CD290B866}"/>
+                <a16:creationId xmlns:a16="http://schemas.microsoft.com/office/drawing/2014/main" xmlns="" id="{D19DE539-9226-4A1E-8C13-A31CD290B866}"/>
               </a:ext>
             </a:extLst>
           </p:cNvPr>
@@ -8397,7 +8602,7 @@
           <p:cNvPr id="9" name="Freccia a destra 8">
             <a:extLst>
               <a:ext uri="{FF2B5EF4-FFF2-40B4-BE49-F238E27FC236}">
-                <a16:creationId xmlns:a16="http://schemas.microsoft.com/office/drawing/2014/main" id="{5F8B9189-57DA-4A67-B0C6-FC9673114617}"/>
+                <a16:creationId xmlns:a16="http://schemas.microsoft.com/office/drawing/2014/main" xmlns="" id="{5F8B9189-57DA-4A67-B0C6-FC9673114617}"/>
               </a:ext>
             </a:extLst>
           </p:cNvPr>

--- a/Pervasive_presentation_Milestone1_group8.pptx
+++ b/Pervasive_presentation_Milestone1_group8.pptx
@@ -7,14 +7,15 @@
   <p:sldIdLst>
     <p:sldId id="256" r:id="rId2"/>
     <p:sldId id="257" r:id="rId3"/>
-    <p:sldId id="258" r:id="rId4"/>
-    <p:sldId id="259" r:id="rId5"/>
-    <p:sldId id="260" r:id="rId6"/>
-    <p:sldId id="261" r:id="rId7"/>
-    <p:sldId id="262" r:id="rId8"/>
-    <p:sldId id="263" r:id="rId9"/>
-    <p:sldId id="264" r:id="rId10"/>
-    <p:sldId id="265" r:id="rId11"/>
+    <p:sldId id="266" r:id="rId4"/>
+    <p:sldId id="258" r:id="rId5"/>
+    <p:sldId id="259" r:id="rId6"/>
+    <p:sldId id="260" r:id="rId7"/>
+    <p:sldId id="261" r:id="rId8"/>
+    <p:sldId id="262" r:id="rId9"/>
+    <p:sldId id="263" r:id="rId10"/>
+    <p:sldId id="264" r:id="rId11"/>
+    <p:sldId id="267" r:id="rId12"/>
   </p:sldIdLst>
   <p:sldSz cx="12192000" cy="6858000"/>
   <p:notesSz cx="6858000" cy="9144000"/>
@@ -2980,7 +2981,7 @@
           <p:cNvPr id="2" name="Titolo 1">
             <a:extLst>
               <a:ext uri="{FF2B5EF4-FFF2-40B4-BE49-F238E27FC236}">
-                <a16:creationId xmlns:a16="http://schemas.microsoft.com/office/drawing/2014/main" xmlns="" id="{8B435C56-D2B3-43D1-9AF2-962FBC94B904}"/>
+                <a16:creationId xmlns="" xmlns:a16="http://schemas.microsoft.com/office/drawing/2014/main" id="{8B435C56-D2B3-43D1-9AF2-962FBC94B904}"/>
               </a:ext>
             </a:extLst>
           </p:cNvPr>
@@ -3017,7 +3018,7 @@
           <p:cNvPr id="3" name="Sottotitolo 2">
             <a:extLst>
               <a:ext uri="{FF2B5EF4-FFF2-40B4-BE49-F238E27FC236}">
-                <a16:creationId xmlns:a16="http://schemas.microsoft.com/office/drawing/2014/main" xmlns="" id="{49C8F502-7310-4D9F-A9D2-3FF3B9822359}"/>
+                <a16:creationId xmlns="" xmlns:a16="http://schemas.microsoft.com/office/drawing/2014/main" id="{49C8F502-7310-4D9F-A9D2-3FF3B9822359}"/>
               </a:ext>
             </a:extLst>
           </p:cNvPr>
@@ -3087,7 +3088,7 @@
           <p:cNvPr id="4" name="Segnaposto data 3">
             <a:extLst>
               <a:ext uri="{FF2B5EF4-FFF2-40B4-BE49-F238E27FC236}">
-                <a16:creationId xmlns:a16="http://schemas.microsoft.com/office/drawing/2014/main" xmlns="" id="{3404C763-8F21-4C27-9899-6A6D23D0A272}"/>
+                <a16:creationId xmlns="" xmlns:a16="http://schemas.microsoft.com/office/drawing/2014/main" id="{3404C763-8F21-4C27-9899-6A6D23D0A272}"/>
               </a:ext>
             </a:extLst>
           </p:cNvPr>
@@ -3116,7 +3117,7 @@
           <p:cNvPr id="5" name="Segnaposto piè di pagina 4">
             <a:extLst>
               <a:ext uri="{FF2B5EF4-FFF2-40B4-BE49-F238E27FC236}">
-                <a16:creationId xmlns:a16="http://schemas.microsoft.com/office/drawing/2014/main" xmlns="" id="{F87E012D-6B41-469A-981A-F3B5A39431D1}"/>
+                <a16:creationId xmlns="" xmlns:a16="http://schemas.microsoft.com/office/drawing/2014/main" id="{F87E012D-6B41-469A-981A-F3B5A39431D1}"/>
               </a:ext>
             </a:extLst>
           </p:cNvPr>
@@ -3141,7 +3142,7 @@
           <p:cNvPr id="6" name="Segnaposto numero diapositiva 5">
             <a:extLst>
               <a:ext uri="{FF2B5EF4-FFF2-40B4-BE49-F238E27FC236}">
-                <a16:creationId xmlns:a16="http://schemas.microsoft.com/office/drawing/2014/main" xmlns="" id="{D3546998-F469-42DE-843A-515C1DF8ABC9}"/>
+                <a16:creationId xmlns="" xmlns:a16="http://schemas.microsoft.com/office/drawing/2014/main" id="{D3546998-F469-42DE-843A-515C1DF8ABC9}"/>
               </a:ext>
             </a:extLst>
           </p:cNvPr>
@@ -3200,7 +3201,7 @@
           <p:cNvPr id="2" name="Titolo 1">
             <a:extLst>
               <a:ext uri="{FF2B5EF4-FFF2-40B4-BE49-F238E27FC236}">
-                <a16:creationId xmlns:a16="http://schemas.microsoft.com/office/drawing/2014/main" xmlns="" id="{5C8370B4-FCCB-43E6-A083-DFBC2F8DFBBD}"/>
+                <a16:creationId xmlns="" xmlns:a16="http://schemas.microsoft.com/office/drawing/2014/main" id="{5C8370B4-FCCB-43E6-A083-DFBC2F8DFBBD}"/>
               </a:ext>
             </a:extLst>
           </p:cNvPr>
@@ -3228,7 +3229,7 @@
           <p:cNvPr id="3" name="Segnaposto testo verticale 2">
             <a:extLst>
               <a:ext uri="{FF2B5EF4-FFF2-40B4-BE49-F238E27FC236}">
-                <a16:creationId xmlns:a16="http://schemas.microsoft.com/office/drawing/2014/main" xmlns="" id="{8CF29F63-5E4D-4264-A93A-B3B3FDEC093B}"/>
+                <a16:creationId xmlns="" xmlns:a16="http://schemas.microsoft.com/office/drawing/2014/main" id="{8CF29F63-5E4D-4264-A93A-B3B3FDEC093B}"/>
               </a:ext>
             </a:extLst>
           </p:cNvPr>
@@ -3285,7 +3286,7 @@
           <p:cNvPr id="4" name="Segnaposto data 3">
             <a:extLst>
               <a:ext uri="{FF2B5EF4-FFF2-40B4-BE49-F238E27FC236}">
-                <a16:creationId xmlns:a16="http://schemas.microsoft.com/office/drawing/2014/main" xmlns="" id="{95BB3218-6CC5-487A-99E7-6D0F82A87EFA}"/>
+                <a16:creationId xmlns="" xmlns:a16="http://schemas.microsoft.com/office/drawing/2014/main" id="{95BB3218-6CC5-487A-99E7-6D0F82A87EFA}"/>
               </a:ext>
             </a:extLst>
           </p:cNvPr>
@@ -3314,7 +3315,7 @@
           <p:cNvPr id="5" name="Segnaposto piè di pagina 4">
             <a:extLst>
               <a:ext uri="{FF2B5EF4-FFF2-40B4-BE49-F238E27FC236}">
-                <a16:creationId xmlns:a16="http://schemas.microsoft.com/office/drawing/2014/main" xmlns="" id="{54272787-08D0-47A9-B847-779735BE9468}"/>
+                <a16:creationId xmlns="" xmlns:a16="http://schemas.microsoft.com/office/drawing/2014/main" id="{54272787-08D0-47A9-B847-779735BE9468}"/>
               </a:ext>
             </a:extLst>
           </p:cNvPr>
@@ -3339,7 +3340,7 @@
           <p:cNvPr id="6" name="Segnaposto numero diapositiva 5">
             <a:extLst>
               <a:ext uri="{FF2B5EF4-FFF2-40B4-BE49-F238E27FC236}">
-                <a16:creationId xmlns:a16="http://schemas.microsoft.com/office/drawing/2014/main" xmlns="" id="{ADF2D188-8B81-4617-BB6A-8BAEF355F6CA}"/>
+                <a16:creationId xmlns="" xmlns:a16="http://schemas.microsoft.com/office/drawing/2014/main" id="{ADF2D188-8B81-4617-BB6A-8BAEF355F6CA}"/>
               </a:ext>
             </a:extLst>
           </p:cNvPr>
@@ -3398,7 +3399,7 @@
           <p:cNvPr id="2" name="Titolo verticale 1">
             <a:extLst>
               <a:ext uri="{FF2B5EF4-FFF2-40B4-BE49-F238E27FC236}">
-                <a16:creationId xmlns:a16="http://schemas.microsoft.com/office/drawing/2014/main" xmlns="" id="{B6459B64-AC51-40CF-B46B-AED9F5ACE894}"/>
+                <a16:creationId xmlns="" xmlns:a16="http://schemas.microsoft.com/office/drawing/2014/main" id="{B6459B64-AC51-40CF-B46B-AED9F5ACE894}"/>
               </a:ext>
             </a:extLst>
           </p:cNvPr>
@@ -3431,7 +3432,7 @@
           <p:cNvPr id="3" name="Segnaposto testo verticale 2">
             <a:extLst>
               <a:ext uri="{FF2B5EF4-FFF2-40B4-BE49-F238E27FC236}">
-                <a16:creationId xmlns:a16="http://schemas.microsoft.com/office/drawing/2014/main" xmlns="" id="{3C97790B-4C89-426E-9E1E-8C217AAAF927}"/>
+                <a16:creationId xmlns="" xmlns:a16="http://schemas.microsoft.com/office/drawing/2014/main" id="{3C97790B-4C89-426E-9E1E-8C217AAAF927}"/>
               </a:ext>
             </a:extLst>
           </p:cNvPr>
@@ -3493,7 +3494,7 @@
           <p:cNvPr id="4" name="Segnaposto data 3">
             <a:extLst>
               <a:ext uri="{FF2B5EF4-FFF2-40B4-BE49-F238E27FC236}">
-                <a16:creationId xmlns:a16="http://schemas.microsoft.com/office/drawing/2014/main" xmlns="" id="{BE71B7F8-290A-426A-A2A8-55DBCFB86CFC}"/>
+                <a16:creationId xmlns="" xmlns:a16="http://schemas.microsoft.com/office/drawing/2014/main" id="{BE71B7F8-290A-426A-A2A8-55DBCFB86CFC}"/>
               </a:ext>
             </a:extLst>
           </p:cNvPr>
@@ -3522,7 +3523,7 @@
           <p:cNvPr id="5" name="Segnaposto piè di pagina 4">
             <a:extLst>
               <a:ext uri="{FF2B5EF4-FFF2-40B4-BE49-F238E27FC236}">
-                <a16:creationId xmlns:a16="http://schemas.microsoft.com/office/drawing/2014/main" xmlns="" id="{B98F3A75-F68C-4414-B3E9-A0FA903B2B40}"/>
+                <a16:creationId xmlns="" xmlns:a16="http://schemas.microsoft.com/office/drawing/2014/main" id="{B98F3A75-F68C-4414-B3E9-A0FA903B2B40}"/>
               </a:ext>
             </a:extLst>
           </p:cNvPr>
@@ -3547,7 +3548,7 @@
           <p:cNvPr id="6" name="Segnaposto numero diapositiva 5">
             <a:extLst>
               <a:ext uri="{FF2B5EF4-FFF2-40B4-BE49-F238E27FC236}">
-                <a16:creationId xmlns:a16="http://schemas.microsoft.com/office/drawing/2014/main" xmlns="" id="{B51524F2-E926-4B3A-89BC-D62145180A59}"/>
+                <a16:creationId xmlns="" xmlns:a16="http://schemas.microsoft.com/office/drawing/2014/main" id="{B51524F2-E926-4B3A-89BC-D62145180A59}"/>
               </a:ext>
             </a:extLst>
           </p:cNvPr>
@@ -3606,7 +3607,7 @@
           <p:cNvPr id="2" name="Titolo 1">
             <a:extLst>
               <a:ext uri="{FF2B5EF4-FFF2-40B4-BE49-F238E27FC236}">
-                <a16:creationId xmlns:a16="http://schemas.microsoft.com/office/drawing/2014/main" xmlns="" id="{0DEBE818-B46A-4BA8-A19C-6994F97EC1CD}"/>
+                <a16:creationId xmlns="" xmlns:a16="http://schemas.microsoft.com/office/drawing/2014/main" id="{0DEBE818-B46A-4BA8-A19C-6994F97EC1CD}"/>
               </a:ext>
             </a:extLst>
           </p:cNvPr>
@@ -3634,7 +3635,7 @@
           <p:cNvPr id="3" name="Segnaposto contenuto 2">
             <a:extLst>
               <a:ext uri="{FF2B5EF4-FFF2-40B4-BE49-F238E27FC236}">
-                <a16:creationId xmlns:a16="http://schemas.microsoft.com/office/drawing/2014/main" xmlns="" id="{1F80C2CF-27F0-4824-B060-74C1402CF569}"/>
+                <a16:creationId xmlns="" xmlns:a16="http://schemas.microsoft.com/office/drawing/2014/main" id="{1F80C2CF-27F0-4824-B060-74C1402CF569}"/>
               </a:ext>
             </a:extLst>
           </p:cNvPr>
@@ -3691,7 +3692,7 @@
           <p:cNvPr id="4" name="Segnaposto data 3">
             <a:extLst>
               <a:ext uri="{FF2B5EF4-FFF2-40B4-BE49-F238E27FC236}">
-                <a16:creationId xmlns:a16="http://schemas.microsoft.com/office/drawing/2014/main" xmlns="" id="{7E61FE0F-01D5-4FD3-B25F-88B100C673CA}"/>
+                <a16:creationId xmlns="" xmlns:a16="http://schemas.microsoft.com/office/drawing/2014/main" id="{7E61FE0F-01D5-4FD3-B25F-88B100C673CA}"/>
               </a:ext>
             </a:extLst>
           </p:cNvPr>
@@ -3720,7 +3721,7 @@
           <p:cNvPr id="5" name="Segnaposto piè di pagina 4">
             <a:extLst>
               <a:ext uri="{FF2B5EF4-FFF2-40B4-BE49-F238E27FC236}">
-                <a16:creationId xmlns:a16="http://schemas.microsoft.com/office/drawing/2014/main" xmlns="" id="{BB8F91CE-AC61-4D17-BAC0-9B6D7C4CE7C9}"/>
+                <a16:creationId xmlns="" xmlns:a16="http://schemas.microsoft.com/office/drawing/2014/main" id="{BB8F91CE-AC61-4D17-BAC0-9B6D7C4CE7C9}"/>
               </a:ext>
             </a:extLst>
           </p:cNvPr>
@@ -3745,7 +3746,7 @@
           <p:cNvPr id="6" name="Segnaposto numero diapositiva 5">
             <a:extLst>
               <a:ext uri="{FF2B5EF4-FFF2-40B4-BE49-F238E27FC236}">
-                <a16:creationId xmlns:a16="http://schemas.microsoft.com/office/drawing/2014/main" xmlns="" id="{2BE9AEF5-F35C-4215-A379-8DD66ED61086}"/>
+                <a16:creationId xmlns="" xmlns:a16="http://schemas.microsoft.com/office/drawing/2014/main" id="{2BE9AEF5-F35C-4215-A379-8DD66ED61086}"/>
               </a:ext>
             </a:extLst>
           </p:cNvPr>
@@ -3804,7 +3805,7 @@
           <p:cNvPr id="2" name="Titolo 1">
             <a:extLst>
               <a:ext uri="{FF2B5EF4-FFF2-40B4-BE49-F238E27FC236}">
-                <a16:creationId xmlns:a16="http://schemas.microsoft.com/office/drawing/2014/main" xmlns="" id="{28B502DD-55CB-4DD6-91E7-6A4FE183FA21}"/>
+                <a16:creationId xmlns="" xmlns:a16="http://schemas.microsoft.com/office/drawing/2014/main" id="{28B502DD-55CB-4DD6-91E7-6A4FE183FA21}"/>
               </a:ext>
             </a:extLst>
           </p:cNvPr>
@@ -3841,7 +3842,7 @@
           <p:cNvPr id="3" name="Segnaposto testo 2">
             <a:extLst>
               <a:ext uri="{FF2B5EF4-FFF2-40B4-BE49-F238E27FC236}">
-                <a16:creationId xmlns:a16="http://schemas.microsoft.com/office/drawing/2014/main" xmlns="" id="{38472F6B-DE4F-4C4D-83D0-C299486B4DE1}"/>
+                <a16:creationId xmlns="" xmlns:a16="http://schemas.microsoft.com/office/drawing/2014/main" id="{38472F6B-DE4F-4C4D-83D0-C299486B4DE1}"/>
               </a:ext>
             </a:extLst>
           </p:cNvPr>
@@ -3966,7 +3967,7 @@
           <p:cNvPr id="4" name="Segnaposto data 3">
             <a:extLst>
               <a:ext uri="{FF2B5EF4-FFF2-40B4-BE49-F238E27FC236}">
-                <a16:creationId xmlns:a16="http://schemas.microsoft.com/office/drawing/2014/main" xmlns="" id="{C31512A6-70A7-4060-BCF5-5268B382FF1A}"/>
+                <a16:creationId xmlns="" xmlns:a16="http://schemas.microsoft.com/office/drawing/2014/main" id="{C31512A6-70A7-4060-BCF5-5268B382FF1A}"/>
               </a:ext>
             </a:extLst>
           </p:cNvPr>
@@ -3995,7 +3996,7 @@
           <p:cNvPr id="5" name="Segnaposto piè di pagina 4">
             <a:extLst>
               <a:ext uri="{FF2B5EF4-FFF2-40B4-BE49-F238E27FC236}">
-                <a16:creationId xmlns:a16="http://schemas.microsoft.com/office/drawing/2014/main" xmlns="" id="{7ECFF564-B91C-4DDA-8CC6-3E2A9A771327}"/>
+                <a16:creationId xmlns="" xmlns:a16="http://schemas.microsoft.com/office/drawing/2014/main" id="{7ECFF564-B91C-4DDA-8CC6-3E2A9A771327}"/>
               </a:ext>
             </a:extLst>
           </p:cNvPr>
@@ -4020,7 +4021,7 @@
           <p:cNvPr id="6" name="Segnaposto numero diapositiva 5">
             <a:extLst>
               <a:ext uri="{FF2B5EF4-FFF2-40B4-BE49-F238E27FC236}">
-                <a16:creationId xmlns:a16="http://schemas.microsoft.com/office/drawing/2014/main" xmlns="" id="{601B74AB-1A74-4DAC-A959-69E6EF369D54}"/>
+                <a16:creationId xmlns="" xmlns:a16="http://schemas.microsoft.com/office/drawing/2014/main" id="{601B74AB-1A74-4DAC-A959-69E6EF369D54}"/>
               </a:ext>
             </a:extLst>
           </p:cNvPr>
@@ -4079,7 +4080,7 @@
           <p:cNvPr id="2" name="Titolo 1">
             <a:extLst>
               <a:ext uri="{FF2B5EF4-FFF2-40B4-BE49-F238E27FC236}">
-                <a16:creationId xmlns:a16="http://schemas.microsoft.com/office/drawing/2014/main" xmlns="" id="{85F94774-6C29-4DBF-B48E-7E24321B7ADA}"/>
+                <a16:creationId xmlns="" xmlns:a16="http://schemas.microsoft.com/office/drawing/2014/main" id="{85F94774-6C29-4DBF-B48E-7E24321B7ADA}"/>
               </a:ext>
             </a:extLst>
           </p:cNvPr>
@@ -4107,7 +4108,7 @@
           <p:cNvPr id="3" name="Segnaposto contenuto 2">
             <a:extLst>
               <a:ext uri="{FF2B5EF4-FFF2-40B4-BE49-F238E27FC236}">
-                <a16:creationId xmlns:a16="http://schemas.microsoft.com/office/drawing/2014/main" xmlns="" id="{D9051274-FB52-4D84-82A8-F2F9707240BD}"/>
+                <a16:creationId xmlns="" xmlns:a16="http://schemas.microsoft.com/office/drawing/2014/main" id="{D9051274-FB52-4D84-82A8-F2F9707240BD}"/>
               </a:ext>
             </a:extLst>
           </p:cNvPr>
@@ -4169,7 +4170,7 @@
           <p:cNvPr id="4" name="Segnaposto contenuto 3">
             <a:extLst>
               <a:ext uri="{FF2B5EF4-FFF2-40B4-BE49-F238E27FC236}">
-                <a16:creationId xmlns:a16="http://schemas.microsoft.com/office/drawing/2014/main" xmlns="" id="{DF7129BA-76B4-46E1-80C1-87ABF674AF78}"/>
+                <a16:creationId xmlns="" xmlns:a16="http://schemas.microsoft.com/office/drawing/2014/main" id="{DF7129BA-76B4-46E1-80C1-87ABF674AF78}"/>
               </a:ext>
             </a:extLst>
           </p:cNvPr>
@@ -4231,7 +4232,7 @@
           <p:cNvPr id="5" name="Segnaposto data 4">
             <a:extLst>
               <a:ext uri="{FF2B5EF4-FFF2-40B4-BE49-F238E27FC236}">
-                <a16:creationId xmlns:a16="http://schemas.microsoft.com/office/drawing/2014/main" xmlns="" id="{C7BB839A-A883-4C62-AFE0-701A7F4F24D9}"/>
+                <a16:creationId xmlns="" xmlns:a16="http://schemas.microsoft.com/office/drawing/2014/main" id="{C7BB839A-A883-4C62-AFE0-701A7F4F24D9}"/>
               </a:ext>
             </a:extLst>
           </p:cNvPr>
@@ -4260,7 +4261,7 @@
           <p:cNvPr id="6" name="Segnaposto piè di pagina 5">
             <a:extLst>
               <a:ext uri="{FF2B5EF4-FFF2-40B4-BE49-F238E27FC236}">
-                <a16:creationId xmlns:a16="http://schemas.microsoft.com/office/drawing/2014/main" xmlns="" id="{DAC296B5-BA55-4394-B7CB-C6F2F0717E4B}"/>
+                <a16:creationId xmlns="" xmlns:a16="http://schemas.microsoft.com/office/drawing/2014/main" id="{DAC296B5-BA55-4394-B7CB-C6F2F0717E4B}"/>
               </a:ext>
             </a:extLst>
           </p:cNvPr>
@@ -4285,7 +4286,7 @@
           <p:cNvPr id="7" name="Segnaposto numero diapositiva 6">
             <a:extLst>
               <a:ext uri="{FF2B5EF4-FFF2-40B4-BE49-F238E27FC236}">
-                <a16:creationId xmlns:a16="http://schemas.microsoft.com/office/drawing/2014/main" xmlns="" id="{1E97433E-0665-4B4D-AB9A-7D0F514A1334}"/>
+                <a16:creationId xmlns="" xmlns:a16="http://schemas.microsoft.com/office/drawing/2014/main" id="{1E97433E-0665-4B4D-AB9A-7D0F514A1334}"/>
               </a:ext>
             </a:extLst>
           </p:cNvPr>
@@ -4344,7 +4345,7 @@
           <p:cNvPr id="2" name="Titolo 1">
             <a:extLst>
               <a:ext uri="{FF2B5EF4-FFF2-40B4-BE49-F238E27FC236}">
-                <a16:creationId xmlns:a16="http://schemas.microsoft.com/office/drawing/2014/main" xmlns="" id="{8D8C6A3E-5464-492B-AA0E-454BA5AE1083}"/>
+                <a16:creationId xmlns="" xmlns:a16="http://schemas.microsoft.com/office/drawing/2014/main" id="{8D8C6A3E-5464-492B-AA0E-454BA5AE1083}"/>
               </a:ext>
             </a:extLst>
           </p:cNvPr>
@@ -4377,7 +4378,7 @@
           <p:cNvPr id="3" name="Segnaposto testo 2">
             <a:extLst>
               <a:ext uri="{FF2B5EF4-FFF2-40B4-BE49-F238E27FC236}">
-                <a16:creationId xmlns:a16="http://schemas.microsoft.com/office/drawing/2014/main" xmlns="" id="{5E3AD8E7-E164-4BAA-8D36-F646D440427E}"/>
+                <a16:creationId xmlns="" xmlns:a16="http://schemas.microsoft.com/office/drawing/2014/main" id="{5E3AD8E7-E164-4BAA-8D36-F646D440427E}"/>
               </a:ext>
             </a:extLst>
           </p:cNvPr>
@@ -4448,7 +4449,7 @@
           <p:cNvPr id="4" name="Segnaposto contenuto 3">
             <a:extLst>
               <a:ext uri="{FF2B5EF4-FFF2-40B4-BE49-F238E27FC236}">
-                <a16:creationId xmlns:a16="http://schemas.microsoft.com/office/drawing/2014/main" xmlns="" id="{C5932ECD-8586-4974-94A7-E031306D8859}"/>
+                <a16:creationId xmlns="" xmlns:a16="http://schemas.microsoft.com/office/drawing/2014/main" id="{C5932ECD-8586-4974-94A7-E031306D8859}"/>
               </a:ext>
             </a:extLst>
           </p:cNvPr>
@@ -4510,7 +4511,7 @@
           <p:cNvPr id="5" name="Segnaposto testo 4">
             <a:extLst>
               <a:ext uri="{FF2B5EF4-FFF2-40B4-BE49-F238E27FC236}">
-                <a16:creationId xmlns:a16="http://schemas.microsoft.com/office/drawing/2014/main" xmlns="" id="{F58AE84A-F7E6-4DEC-B730-9A8A7CBC5015}"/>
+                <a16:creationId xmlns="" xmlns:a16="http://schemas.microsoft.com/office/drawing/2014/main" id="{F58AE84A-F7E6-4DEC-B730-9A8A7CBC5015}"/>
               </a:ext>
             </a:extLst>
           </p:cNvPr>
@@ -4581,7 +4582,7 @@
           <p:cNvPr id="6" name="Segnaposto contenuto 5">
             <a:extLst>
               <a:ext uri="{FF2B5EF4-FFF2-40B4-BE49-F238E27FC236}">
-                <a16:creationId xmlns:a16="http://schemas.microsoft.com/office/drawing/2014/main" xmlns="" id="{A8459ADC-3CC3-4D85-AF9B-1561ACCF2BF0}"/>
+                <a16:creationId xmlns="" xmlns:a16="http://schemas.microsoft.com/office/drawing/2014/main" id="{A8459ADC-3CC3-4D85-AF9B-1561ACCF2BF0}"/>
               </a:ext>
             </a:extLst>
           </p:cNvPr>
@@ -4643,7 +4644,7 @@
           <p:cNvPr id="7" name="Segnaposto data 6">
             <a:extLst>
               <a:ext uri="{FF2B5EF4-FFF2-40B4-BE49-F238E27FC236}">
-                <a16:creationId xmlns:a16="http://schemas.microsoft.com/office/drawing/2014/main" xmlns="" id="{99054151-A855-4C3C-A23F-0AF47DE53C65}"/>
+                <a16:creationId xmlns="" xmlns:a16="http://schemas.microsoft.com/office/drawing/2014/main" id="{99054151-A855-4C3C-A23F-0AF47DE53C65}"/>
               </a:ext>
             </a:extLst>
           </p:cNvPr>
@@ -4672,7 +4673,7 @@
           <p:cNvPr id="8" name="Segnaposto piè di pagina 7">
             <a:extLst>
               <a:ext uri="{FF2B5EF4-FFF2-40B4-BE49-F238E27FC236}">
-                <a16:creationId xmlns:a16="http://schemas.microsoft.com/office/drawing/2014/main" xmlns="" id="{1D6AE142-110C-4116-AE75-62983927DA03}"/>
+                <a16:creationId xmlns="" xmlns:a16="http://schemas.microsoft.com/office/drawing/2014/main" id="{1D6AE142-110C-4116-AE75-62983927DA03}"/>
               </a:ext>
             </a:extLst>
           </p:cNvPr>
@@ -4697,7 +4698,7 @@
           <p:cNvPr id="9" name="Segnaposto numero diapositiva 8">
             <a:extLst>
               <a:ext uri="{FF2B5EF4-FFF2-40B4-BE49-F238E27FC236}">
-                <a16:creationId xmlns:a16="http://schemas.microsoft.com/office/drawing/2014/main" xmlns="" id="{0E68547C-58D2-40C1-BB47-74C236044EC9}"/>
+                <a16:creationId xmlns="" xmlns:a16="http://schemas.microsoft.com/office/drawing/2014/main" id="{0E68547C-58D2-40C1-BB47-74C236044EC9}"/>
               </a:ext>
             </a:extLst>
           </p:cNvPr>
@@ -4756,7 +4757,7 @@
           <p:cNvPr id="2" name="Titolo 1">
             <a:extLst>
               <a:ext uri="{FF2B5EF4-FFF2-40B4-BE49-F238E27FC236}">
-                <a16:creationId xmlns:a16="http://schemas.microsoft.com/office/drawing/2014/main" xmlns="" id="{8981E045-EE14-4479-82B6-3736A94E3724}"/>
+                <a16:creationId xmlns="" xmlns:a16="http://schemas.microsoft.com/office/drawing/2014/main" id="{8981E045-EE14-4479-82B6-3736A94E3724}"/>
               </a:ext>
             </a:extLst>
           </p:cNvPr>
@@ -4784,7 +4785,7 @@
           <p:cNvPr id="3" name="Segnaposto data 2">
             <a:extLst>
               <a:ext uri="{FF2B5EF4-FFF2-40B4-BE49-F238E27FC236}">
-                <a16:creationId xmlns:a16="http://schemas.microsoft.com/office/drawing/2014/main" xmlns="" id="{D89A5BC3-B2F9-4E15-A3E3-8D7E9D4A88E5}"/>
+                <a16:creationId xmlns="" xmlns:a16="http://schemas.microsoft.com/office/drawing/2014/main" id="{D89A5BC3-B2F9-4E15-A3E3-8D7E9D4A88E5}"/>
               </a:ext>
             </a:extLst>
           </p:cNvPr>
@@ -4813,7 +4814,7 @@
           <p:cNvPr id="4" name="Segnaposto piè di pagina 3">
             <a:extLst>
               <a:ext uri="{FF2B5EF4-FFF2-40B4-BE49-F238E27FC236}">
-                <a16:creationId xmlns:a16="http://schemas.microsoft.com/office/drawing/2014/main" xmlns="" id="{64515A75-8293-4CA8-80BA-03B3F218972D}"/>
+                <a16:creationId xmlns="" xmlns:a16="http://schemas.microsoft.com/office/drawing/2014/main" id="{64515A75-8293-4CA8-80BA-03B3F218972D}"/>
               </a:ext>
             </a:extLst>
           </p:cNvPr>
@@ -4838,7 +4839,7 @@
           <p:cNvPr id="5" name="Segnaposto numero diapositiva 4">
             <a:extLst>
               <a:ext uri="{FF2B5EF4-FFF2-40B4-BE49-F238E27FC236}">
-                <a16:creationId xmlns:a16="http://schemas.microsoft.com/office/drawing/2014/main" xmlns="" id="{F0C17F14-11F1-460E-B8C7-5A31609EB7CD}"/>
+                <a16:creationId xmlns="" xmlns:a16="http://schemas.microsoft.com/office/drawing/2014/main" id="{F0C17F14-11F1-460E-B8C7-5A31609EB7CD}"/>
               </a:ext>
             </a:extLst>
           </p:cNvPr>
@@ -4897,7 +4898,7 @@
           <p:cNvPr id="2" name="Segnaposto data 1">
             <a:extLst>
               <a:ext uri="{FF2B5EF4-FFF2-40B4-BE49-F238E27FC236}">
-                <a16:creationId xmlns:a16="http://schemas.microsoft.com/office/drawing/2014/main" xmlns="" id="{5CCEFFE8-5B59-4E5D-8C07-DB8CA3FD84A8}"/>
+                <a16:creationId xmlns="" xmlns:a16="http://schemas.microsoft.com/office/drawing/2014/main" id="{5CCEFFE8-5B59-4E5D-8C07-DB8CA3FD84A8}"/>
               </a:ext>
             </a:extLst>
           </p:cNvPr>
@@ -4926,7 +4927,7 @@
           <p:cNvPr id="3" name="Segnaposto piè di pagina 2">
             <a:extLst>
               <a:ext uri="{FF2B5EF4-FFF2-40B4-BE49-F238E27FC236}">
-                <a16:creationId xmlns:a16="http://schemas.microsoft.com/office/drawing/2014/main" xmlns="" id="{ABA54CB3-CF9E-4D5F-B03B-C0ADF8B15D7E}"/>
+                <a16:creationId xmlns="" xmlns:a16="http://schemas.microsoft.com/office/drawing/2014/main" id="{ABA54CB3-CF9E-4D5F-B03B-C0ADF8B15D7E}"/>
               </a:ext>
             </a:extLst>
           </p:cNvPr>
@@ -4951,7 +4952,7 @@
           <p:cNvPr id="4" name="Segnaposto numero diapositiva 3">
             <a:extLst>
               <a:ext uri="{FF2B5EF4-FFF2-40B4-BE49-F238E27FC236}">
-                <a16:creationId xmlns:a16="http://schemas.microsoft.com/office/drawing/2014/main" xmlns="" id="{C2CA64F6-A001-442C-86AA-19B62C33103A}"/>
+                <a16:creationId xmlns="" xmlns:a16="http://schemas.microsoft.com/office/drawing/2014/main" id="{C2CA64F6-A001-442C-86AA-19B62C33103A}"/>
               </a:ext>
             </a:extLst>
           </p:cNvPr>
@@ -5010,7 +5011,7 @@
           <p:cNvPr id="2" name="Titolo 1">
             <a:extLst>
               <a:ext uri="{FF2B5EF4-FFF2-40B4-BE49-F238E27FC236}">
-                <a16:creationId xmlns:a16="http://schemas.microsoft.com/office/drawing/2014/main" xmlns="" id="{4EAB73A2-A532-49F6-9A50-253BF8A3A366}"/>
+                <a16:creationId xmlns="" xmlns:a16="http://schemas.microsoft.com/office/drawing/2014/main" id="{4EAB73A2-A532-49F6-9A50-253BF8A3A366}"/>
               </a:ext>
             </a:extLst>
           </p:cNvPr>
@@ -5047,7 +5048,7 @@
           <p:cNvPr id="3" name="Segnaposto contenuto 2">
             <a:extLst>
               <a:ext uri="{FF2B5EF4-FFF2-40B4-BE49-F238E27FC236}">
-                <a16:creationId xmlns:a16="http://schemas.microsoft.com/office/drawing/2014/main" xmlns="" id="{EB941CB2-D3E0-4C8A-B4DF-5D3EA3A449C3}"/>
+                <a16:creationId xmlns="" xmlns:a16="http://schemas.microsoft.com/office/drawing/2014/main" id="{EB941CB2-D3E0-4C8A-B4DF-5D3EA3A449C3}"/>
               </a:ext>
             </a:extLst>
           </p:cNvPr>
@@ -5137,7 +5138,7 @@
           <p:cNvPr id="4" name="Segnaposto testo 3">
             <a:extLst>
               <a:ext uri="{FF2B5EF4-FFF2-40B4-BE49-F238E27FC236}">
-                <a16:creationId xmlns:a16="http://schemas.microsoft.com/office/drawing/2014/main" xmlns="" id="{332D8F10-DEFC-43F8-BE9C-60F2D0895B6E}"/>
+                <a16:creationId xmlns="" xmlns:a16="http://schemas.microsoft.com/office/drawing/2014/main" id="{332D8F10-DEFC-43F8-BE9C-60F2D0895B6E}"/>
               </a:ext>
             </a:extLst>
           </p:cNvPr>
@@ -5208,7 +5209,7 @@
           <p:cNvPr id="5" name="Segnaposto data 4">
             <a:extLst>
               <a:ext uri="{FF2B5EF4-FFF2-40B4-BE49-F238E27FC236}">
-                <a16:creationId xmlns:a16="http://schemas.microsoft.com/office/drawing/2014/main" xmlns="" id="{EE77C715-0FEB-4BBC-B765-8E57465696BC}"/>
+                <a16:creationId xmlns="" xmlns:a16="http://schemas.microsoft.com/office/drawing/2014/main" id="{EE77C715-0FEB-4BBC-B765-8E57465696BC}"/>
               </a:ext>
             </a:extLst>
           </p:cNvPr>
@@ -5237,7 +5238,7 @@
           <p:cNvPr id="6" name="Segnaposto piè di pagina 5">
             <a:extLst>
               <a:ext uri="{FF2B5EF4-FFF2-40B4-BE49-F238E27FC236}">
-                <a16:creationId xmlns:a16="http://schemas.microsoft.com/office/drawing/2014/main" xmlns="" id="{2CAEDFCE-12ED-4E6B-B56C-E1D952398C3E}"/>
+                <a16:creationId xmlns="" xmlns:a16="http://schemas.microsoft.com/office/drawing/2014/main" id="{2CAEDFCE-12ED-4E6B-B56C-E1D952398C3E}"/>
               </a:ext>
             </a:extLst>
           </p:cNvPr>
@@ -5262,7 +5263,7 @@
           <p:cNvPr id="7" name="Segnaposto numero diapositiva 6">
             <a:extLst>
               <a:ext uri="{FF2B5EF4-FFF2-40B4-BE49-F238E27FC236}">
-                <a16:creationId xmlns:a16="http://schemas.microsoft.com/office/drawing/2014/main" xmlns="" id="{CF8FB2D0-5BDD-4B7B-9F11-26DD4A1CB91A}"/>
+                <a16:creationId xmlns="" xmlns:a16="http://schemas.microsoft.com/office/drawing/2014/main" id="{CF8FB2D0-5BDD-4B7B-9F11-26DD4A1CB91A}"/>
               </a:ext>
             </a:extLst>
           </p:cNvPr>
@@ -5321,7 +5322,7 @@
           <p:cNvPr id="2" name="Titolo 1">
             <a:extLst>
               <a:ext uri="{FF2B5EF4-FFF2-40B4-BE49-F238E27FC236}">
-                <a16:creationId xmlns:a16="http://schemas.microsoft.com/office/drawing/2014/main" xmlns="" id="{7FA44E1E-842D-4A49-92A4-51D75DB0AB99}"/>
+                <a16:creationId xmlns="" xmlns:a16="http://schemas.microsoft.com/office/drawing/2014/main" id="{7FA44E1E-842D-4A49-92A4-51D75DB0AB99}"/>
               </a:ext>
             </a:extLst>
           </p:cNvPr>
@@ -5358,7 +5359,7 @@
           <p:cNvPr id="3" name="Segnaposto immagine 2">
             <a:extLst>
               <a:ext uri="{FF2B5EF4-FFF2-40B4-BE49-F238E27FC236}">
-                <a16:creationId xmlns:a16="http://schemas.microsoft.com/office/drawing/2014/main" xmlns="" id="{C0FD0D48-89D0-4EE7-921B-ACFAEBEDFB1F}"/>
+                <a16:creationId xmlns="" xmlns:a16="http://schemas.microsoft.com/office/drawing/2014/main" id="{C0FD0D48-89D0-4EE7-921B-ACFAEBEDFB1F}"/>
               </a:ext>
             </a:extLst>
           </p:cNvPr>
@@ -5425,7 +5426,7 @@
           <p:cNvPr id="4" name="Segnaposto testo 3">
             <a:extLst>
               <a:ext uri="{FF2B5EF4-FFF2-40B4-BE49-F238E27FC236}">
-                <a16:creationId xmlns:a16="http://schemas.microsoft.com/office/drawing/2014/main" xmlns="" id="{93EBAFF9-9521-48A1-9261-DD8188CB4591}"/>
+                <a16:creationId xmlns="" xmlns:a16="http://schemas.microsoft.com/office/drawing/2014/main" id="{93EBAFF9-9521-48A1-9261-DD8188CB4591}"/>
               </a:ext>
             </a:extLst>
           </p:cNvPr>
@@ -5496,7 +5497,7 @@
           <p:cNvPr id="5" name="Segnaposto data 4">
             <a:extLst>
               <a:ext uri="{FF2B5EF4-FFF2-40B4-BE49-F238E27FC236}">
-                <a16:creationId xmlns:a16="http://schemas.microsoft.com/office/drawing/2014/main" xmlns="" id="{34010A57-4D1E-4341-9679-83095A85D9FC}"/>
+                <a16:creationId xmlns="" xmlns:a16="http://schemas.microsoft.com/office/drawing/2014/main" id="{34010A57-4D1E-4341-9679-83095A85D9FC}"/>
               </a:ext>
             </a:extLst>
           </p:cNvPr>
@@ -5525,7 +5526,7 @@
           <p:cNvPr id="6" name="Segnaposto piè di pagina 5">
             <a:extLst>
               <a:ext uri="{FF2B5EF4-FFF2-40B4-BE49-F238E27FC236}">
-                <a16:creationId xmlns:a16="http://schemas.microsoft.com/office/drawing/2014/main" xmlns="" id="{0EF9AA20-C205-4B6A-8D28-5B5105385DC6}"/>
+                <a16:creationId xmlns="" xmlns:a16="http://schemas.microsoft.com/office/drawing/2014/main" id="{0EF9AA20-C205-4B6A-8D28-5B5105385DC6}"/>
               </a:ext>
             </a:extLst>
           </p:cNvPr>
@@ -5550,7 +5551,7 @@
           <p:cNvPr id="7" name="Segnaposto numero diapositiva 6">
             <a:extLst>
               <a:ext uri="{FF2B5EF4-FFF2-40B4-BE49-F238E27FC236}">
-                <a16:creationId xmlns:a16="http://schemas.microsoft.com/office/drawing/2014/main" xmlns="" id="{8F846EFF-FD3A-414C-BA1E-87377E6168BC}"/>
+                <a16:creationId xmlns="" xmlns:a16="http://schemas.microsoft.com/office/drawing/2014/main" id="{8F846EFF-FD3A-414C-BA1E-87377E6168BC}"/>
               </a:ext>
             </a:extLst>
           </p:cNvPr>
@@ -5614,7 +5615,7 @@
           <p:cNvPr id="2" name="Segnaposto titolo 1">
             <a:extLst>
               <a:ext uri="{FF2B5EF4-FFF2-40B4-BE49-F238E27FC236}">
-                <a16:creationId xmlns:a16="http://schemas.microsoft.com/office/drawing/2014/main" xmlns="" id="{2DDF9227-F210-4AA8-9D4B-FED537C19105}"/>
+                <a16:creationId xmlns="" xmlns:a16="http://schemas.microsoft.com/office/drawing/2014/main" id="{2DDF9227-F210-4AA8-9D4B-FED537C19105}"/>
               </a:ext>
             </a:extLst>
           </p:cNvPr>
@@ -5652,7 +5653,7 @@
           <p:cNvPr id="3" name="Segnaposto testo 2">
             <a:extLst>
               <a:ext uri="{FF2B5EF4-FFF2-40B4-BE49-F238E27FC236}">
-                <a16:creationId xmlns:a16="http://schemas.microsoft.com/office/drawing/2014/main" xmlns="" id="{EB36EB2E-3570-421B-93ED-6D701A0B6ECF}"/>
+                <a16:creationId xmlns="" xmlns:a16="http://schemas.microsoft.com/office/drawing/2014/main" id="{EB36EB2E-3570-421B-93ED-6D701A0B6ECF}"/>
               </a:ext>
             </a:extLst>
           </p:cNvPr>
@@ -5719,7 +5720,7 @@
           <p:cNvPr id="4" name="Segnaposto data 3">
             <a:extLst>
               <a:ext uri="{FF2B5EF4-FFF2-40B4-BE49-F238E27FC236}">
-                <a16:creationId xmlns:a16="http://schemas.microsoft.com/office/drawing/2014/main" xmlns="" id="{56F9F816-177B-4B53-982B-ADADF1ACA1D1}"/>
+                <a16:creationId xmlns="" xmlns:a16="http://schemas.microsoft.com/office/drawing/2014/main" id="{56F9F816-177B-4B53-982B-ADADF1ACA1D1}"/>
               </a:ext>
             </a:extLst>
           </p:cNvPr>
@@ -5766,7 +5767,7 @@
           <p:cNvPr id="5" name="Segnaposto piè di pagina 4">
             <a:extLst>
               <a:ext uri="{FF2B5EF4-FFF2-40B4-BE49-F238E27FC236}">
-                <a16:creationId xmlns:a16="http://schemas.microsoft.com/office/drawing/2014/main" xmlns="" id="{03EFD77A-83F3-4FA8-A88C-47530D58E558}"/>
+                <a16:creationId xmlns="" xmlns:a16="http://schemas.microsoft.com/office/drawing/2014/main" id="{03EFD77A-83F3-4FA8-A88C-47530D58E558}"/>
               </a:ext>
             </a:extLst>
           </p:cNvPr>
@@ -5809,7 +5810,7 @@
           <p:cNvPr id="6" name="Segnaposto numero diapositiva 5">
             <a:extLst>
               <a:ext uri="{FF2B5EF4-FFF2-40B4-BE49-F238E27FC236}">
-                <a16:creationId xmlns:a16="http://schemas.microsoft.com/office/drawing/2014/main" xmlns="" id="{D72020BD-3A0D-4F38-8199-D37336C8E0AA}"/>
+                <a16:creationId xmlns="" xmlns:a16="http://schemas.microsoft.com/office/drawing/2014/main" id="{D72020BD-3A0D-4F38-8199-D37336C8E0AA}"/>
               </a:ext>
             </a:extLst>
           </p:cNvPr>
@@ -6177,7 +6178,7 @@
           <p:cNvPr id="2" name="Titolo 1">
             <a:extLst>
               <a:ext uri="{FF2B5EF4-FFF2-40B4-BE49-F238E27FC236}">
-                <a16:creationId xmlns:a16="http://schemas.microsoft.com/office/drawing/2014/main" xmlns="" id="{8B6438EF-7F5F-471D-B664-125D402C66D6}"/>
+                <a16:creationId xmlns="" xmlns:a16="http://schemas.microsoft.com/office/drawing/2014/main" id="{8B6438EF-7F5F-471D-B664-125D402C66D6}"/>
               </a:ext>
             </a:extLst>
           </p:cNvPr>
@@ -6188,15 +6189,23 @@
             <p:ph type="ctrTitle"/>
           </p:nvPr>
         </p:nvSpPr>
-        <p:spPr/>
-        <p:txBody>
-          <a:bodyPr/>
+        <p:spPr>
+          <a:xfrm>
+            <a:off x="1524000" y="1817225"/>
+            <a:ext cx="9144000" cy="1692737"/>
+          </a:xfrm>
+        </p:spPr>
+        <p:txBody>
+          <a:bodyPr>
+            <a:normAutofit/>
+          </a:bodyPr>
           <a:lstStyle/>
           <a:p>
             <a:r>
-              <a:rPr lang="it-IT" dirty="0"/>
-              <a:t>Title</a:t>
-            </a:r>
+              <a:rPr lang="en-US" dirty="0"/>
+              <a:t>Wearing Predictive System</a:t>
+            </a:r>
+            <a:endParaRPr lang="it-IT" dirty="0"/>
           </a:p>
         </p:txBody>
       </p:sp>
@@ -6205,7 +6214,7 @@
           <p:cNvPr id="3" name="Sottotitolo 2">
             <a:extLst>
               <a:ext uri="{FF2B5EF4-FFF2-40B4-BE49-F238E27FC236}">
-                <a16:creationId xmlns:a16="http://schemas.microsoft.com/office/drawing/2014/main" xmlns="" id="{301DCC95-D016-4D44-9E9E-E237D32D586B}"/>
+                <a16:creationId xmlns="" xmlns:a16="http://schemas.microsoft.com/office/drawing/2014/main" id="{301DCC95-D016-4D44-9E9E-E237D32D586B}"/>
               </a:ext>
             </a:extLst>
           </p:cNvPr>
@@ -6216,51 +6225,250 @@
             <p:ph type="subTitle" idx="1"/>
           </p:nvPr>
         </p:nvSpPr>
-        <p:spPr/>
+        <p:spPr>
+          <a:xfrm>
+            <a:off x="1524000" y="4298457"/>
+            <a:ext cx="9144000" cy="1398225"/>
+          </a:xfrm>
+        </p:spPr>
         <p:txBody>
           <a:bodyPr>
-            <a:normAutofit lnSpcReduction="10000"/>
+            <a:normAutofit/>
           </a:bodyPr>
           <a:lstStyle/>
           <a:p>
             <a:r>
+              <a:rPr lang="it-IT" dirty="0" smtClean="0"/>
+              <a:t>Dalla </a:t>
+            </a:r>
+            <a:r>
               <a:rPr lang="it-IT" dirty="0"/>
+              <a:t>Longa </a:t>
+            </a:r>
+            <a:r>
+              <a:rPr lang="it-IT" dirty="0" smtClean="0"/>
+              <a:t>Emanuele</a:t>
+            </a:r>
+          </a:p>
+          <a:p>
+            <a:r>
+              <a:rPr lang="it-IT" dirty="0" smtClean="0"/>
+              <a:t>Milani Federico</a:t>
+            </a:r>
+          </a:p>
+          <a:p>
+            <a:r>
+              <a:rPr lang="en-GB" dirty="0" err="1" smtClean="0"/>
+              <a:t>Urzino</a:t>
+            </a:r>
+            <a:r>
+              <a:rPr lang="it-IT" dirty="0" smtClean="0"/>
+              <a:t> </a:t>
+            </a:r>
+            <a:r>
+              <a:rPr lang="it-IT" dirty="0"/>
+              <a:t>Davide</a:t>
+            </a:r>
+          </a:p>
+        </p:txBody>
+      </p:sp>
+      <p:sp>
+        <p:nvSpPr>
+          <p:cNvPr id="4" name="Sottotitolo 2">
+            <a:extLst>
+              <a:ext uri="{FF2B5EF4-FFF2-40B4-BE49-F238E27FC236}">
+                <a16:creationId xmlns="" xmlns:a16="http://schemas.microsoft.com/office/drawing/2014/main" id="{301DCC95-D016-4D44-9E9E-E237D32D586B}"/>
+              </a:ext>
+            </a:extLst>
+          </p:cNvPr>
+          <p:cNvSpPr txBox="1">
+            <a:spLocks/>
+          </p:cNvSpPr>
+          <p:nvPr/>
+        </p:nvSpPr>
+        <p:spPr>
+          <a:xfrm>
+            <a:off x="1524000" y="3509962"/>
+            <a:ext cx="9144000" cy="493983"/>
+          </a:xfrm>
+          <a:prstGeom prst="rect">
+            <a:avLst/>
+          </a:prstGeom>
+        </p:spPr>
+        <p:txBody>
+          <a:bodyPr vert="horz" lIns="91440" tIns="45720" rIns="91440" bIns="45720" rtlCol="0">
+            <a:normAutofit/>
+          </a:bodyPr>
+          <a:lstStyle>
+            <a:lvl1pPr marL="0" indent="0" algn="ctr" defTabSz="914400" rtl="0" eaLnBrk="1" latinLnBrk="0" hangingPunct="1">
+              <a:lnSpc>
+                <a:spcPct val="90000"/>
+              </a:lnSpc>
+              <a:spcBef>
+                <a:spcPts val="1000"/>
+              </a:spcBef>
+              <a:buFont typeface="Arial" panose="020B0604020202020204" pitchFamily="34" charset="0"/>
+              <a:buNone/>
+              <a:defRPr sz="2400" kern="1200">
+                <a:solidFill>
+                  <a:schemeClr val="tx1"/>
+                </a:solidFill>
+                <a:latin typeface="+mn-lt"/>
+                <a:ea typeface="+mn-ea"/>
+                <a:cs typeface="+mn-cs"/>
+              </a:defRPr>
+            </a:lvl1pPr>
+            <a:lvl2pPr marL="457200" indent="0" algn="ctr" defTabSz="914400" rtl="0" eaLnBrk="1" latinLnBrk="0" hangingPunct="1">
+              <a:lnSpc>
+                <a:spcPct val="90000"/>
+              </a:lnSpc>
+              <a:spcBef>
+                <a:spcPts val="500"/>
+              </a:spcBef>
+              <a:buFont typeface="Arial" panose="020B0604020202020204" pitchFamily="34" charset="0"/>
+              <a:buNone/>
+              <a:defRPr sz="2000" kern="1200">
+                <a:solidFill>
+                  <a:schemeClr val="tx1"/>
+                </a:solidFill>
+                <a:latin typeface="+mn-lt"/>
+                <a:ea typeface="+mn-ea"/>
+                <a:cs typeface="+mn-cs"/>
+              </a:defRPr>
+            </a:lvl2pPr>
+            <a:lvl3pPr marL="914400" indent="0" algn="ctr" defTabSz="914400" rtl="0" eaLnBrk="1" latinLnBrk="0" hangingPunct="1">
+              <a:lnSpc>
+                <a:spcPct val="90000"/>
+              </a:lnSpc>
+              <a:spcBef>
+                <a:spcPts val="500"/>
+              </a:spcBef>
+              <a:buFont typeface="Arial" panose="020B0604020202020204" pitchFamily="34" charset="0"/>
+              <a:buNone/>
+              <a:defRPr sz="1800" kern="1200">
+                <a:solidFill>
+                  <a:schemeClr val="tx1"/>
+                </a:solidFill>
+                <a:latin typeface="+mn-lt"/>
+                <a:ea typeface="+mn-ea"/>
+                <a:cs typeface="+mn-cs"/>
+              </a:defRPr>
+            </a:lvl3pPr>
+            <a:lvl4pPr marL="1371600" indent="0" algn="ctr" defTabSz="914400" rtl="0" eaLnBrk="1" latinLnBrk="0" hangingPunct="1">
+              <a:lnSpc>
+                <a:spcPct val="90000"/>
+              </a:lnSpc>
+              <a:spcBef>
+                <a:spcPts val="500"/>
+              </a:spcBef>
+              <a:buFont typeface="Arial" panose="020B0604020202020204" pitchFamily="34" charset="0"/>
+              <a:buNone/>
+              <a:defRPr sz="1600" kern="1200">
+                <a:solidFill>
+                  <a:schemeClr val="tx1"/>
+                </a:solidFill>
+                <a:latin typeface="+mn-lt"/>
+                <a:ea typeface="+mn-ea"/>
+                <a:cs typeface="+mn-cs"/>
+              </a:defRPr>
+            </a:lvl4pPr>
+            <a:lvl5pPr marL="1828800" indent="0" algn="ctr" defTabSz="914400" rtl="0" eaLnBrk="1" latinLnBrk="0" hangingPunct="1">
+              <a:lnSpc>
+                <a:spcPct val="90000"/>
+              </a:lnSpc>
+              <a:spcBef>
+                <a:spcPts val="500"/>
+              </a:spcBef>
+              <a:buFont typeface="Arial" panose="020B0604020202020204" pitchFamily="34" charset="0"/>
+              <a:buNone/>
+              <a:defRPr sz="1600" kern="1200">
+                <a:solidFill>
+                  <a:schemeClr val="tx1"/>
+                </a:solidFill>
+                <a:latin typeface="+mn-lt"/>
+                <a:ea typeface="+mn-ea"/>
+                <a:cs typeface="+mn-cs"/>
+              </a:defRPr>
+            </a:lvl5pPr>
+            <a:lvl6pPr marL="2286000" indent="0" algn="ctr" defTabSz="914400" rtl="0" eaLnBrk="1" latinLnBrk="0" hangingPunct="1">
+              <a:lnSpc>
+                <a:spcPct val="90000"/>
+              </a:lnSpc>
+              <a:spcBef>
+                <a:spcPts val="500"/>
+              </a:spcBef>
+              <a:buFont typeface="Arial" panose="020B0604020202020204" pitchFamily="34" charset="0"/>
+              <a:buNone/>
+              <a:defRPr sz="1600" kern="1200">
+                <a:solidFill>
+                  <a:schemeClr val="tx1"/>
+                </a:solidFill>
+                <a:latin typeface="+mn-lt"/>
+                <a:ea typeface="+mn-ea"/>
+                <a:cs typeface="+mn-cs"/>
+              </a:defRPr>
+            </a:lvl6pPr>
+            <a:lvl7pPr marL="2743200" indent="0" algn="ctr" defTabSz="914400" rtl="0" eaLnBrk="1" latinLnBrk="0" hangingPunct="1">
+              <a:lnSpc>
+                <a:spcPct val="90000"/>
+              </a:lnSpc>
+              <a:spcBef>
+                <a:spcPts val="500"/>
+              </a:spcBef>
+              <a:buFont typeface="Arial" panose="020B0604020202020204" pitchFamily="34" charset="0"/>
+              <a:buNone/>
+              <a:defRPr sz="1600" kern="1200">
+                <a:solidFill>
+                  <a:schemeClr val="tx1"/>
+                </a:solidFill>
+                <a:latin typeface="+mn-lt"/>
+                <a:ea typeface="+mn-ea"/>
+                <a:cs typeface="+mn-cs"/>
+              </a:defRPr>
+            </a:lvl7pPr>
+            <a:lvl8pPr marL="3200400" indent="0" algn="ctr" defTabSz="914400" rtl="0" eaLnBrk="1" latinLnBrk="0" hangingPunct="1">
+              <a:lnSpc>
+                <a:spcPct val="90000"/>
+              </a:lnSpc>
+              <a:spcBef>
+                <a:spcPts val="500"/>
+              </a:spcBef>
+              <a:buFont typeface="Arial" panose="020B0604020202020204" pitchFamily="34" charset="0"/>
+              <a:buNone/>
+              <a:defRPr sz="1600" kern="1200">
+                <a:solidFill>
+                  <a:schemeClr val="tx1"/>
+                </a:solidFill>
+                <a:latin typeface="+mn-lt"/>
+                <a:ea typeface="+mn-ea"/>
+                <a:cs typeface="+mn-cs"/>
+              </a:defRPr>
+            </a:lvl8pPr>
+            <a:lvl9pPr marL="3657600" indent="0" algn="ctr" defTabSz="914400" rtl="0" eaLnBrk="1" latinLnBrk="0" hangingPunct="1">
+              <a:lnSpc>
+                <a:spcPct val="90000"/>
+              </a:lnSpc>
+              <a:spcBef>
+                <a:spcPts val="500"/>
+              </a:spcBef>
+              <a:buFont typeface="Arial" panose="020B0604020202020204" pitchFamily="34" charset="0"/>
+              <a:buNone/>
+              <a:defRPr sz="1600" kern="1200">
+                <a:solidFill>
+                  <a:schemeClr val="tx1"/>
+                </a:solidFill>
+                <a:latin typeface="+mn-lt"/>
+                <a:ea typeface="+mn-ea"/>
+                <a:cs typeface="+mn-cs"/>
+              </a:defRPr>
+            </a:lvl9pPr>
+          </a:lstStyle>
+          <a:p>
+            <a:r>
+              <a:rPr lang="it-IT" dirty="0" smtClean="0"/>
               <a:t>Project 8</a:t>
             </a:r>
-          </a:p>
-          <a:p>
-            <a:pPr marL="342900" indent="-342900">
-              <a:buFont typeface="Arial" panose="020B0604020202020204" pitchFamily="34" charset="0"/>
-              <a:buChar char="•"/>
-            </a:pPr>
-            <a:r>
-              <a:rPr lang="it-IT" dirty="0"/>
-              <a:t>Dalla Longa Emanuele</a:t>
-            </a:r>
-          </a:p>
-          <a:p>
-            <a:pPr marL="342900" indent="-342900">
-              <a:buFont typeface="Arial" panose="020B0604020202020204" pitchFamily="34" charset="0"/>
-              <a:buChar char="•"/>
-            </a:pPr>
-            <a:r>
-              <a:rPr lang="it-IT" dirty="0"/>
-              <a:t>Milani Federico</a:t>
-            </a:r>
-          </a:p>
-          <a:p>
-            <a:pPr marL="342900" indent="-342900">
-              <a:buFont typeface="Arial" panose="020B0604020202020204" pitchFamily="34" charset="0"/>
-              <a:buChar char="•"/>
-            </a:pPr>
-            <a:r>
-              <a:rPr lang="en-GB" dirty="0"/>
-              <a:t>Urzino</a:t>
-            </a:r>
-            <a:r>
-              <a:rPr lang="it-IT" dirty="0"/>
-              <a:t> Davide</a:t>
-            </a:r>
+            <a:endParaRPr lang="it-IT" dirty="0"/>
           </a:p>
         </p:txBody>
       </p:sp>
@@ -6299,7 +6507,7 @@
           <p:cNvPr id="2" name="Titolo 1">
             <a:extLst>
               <a:ext uri="{FF2B5EF4-FFF2-40B4-BE49-F238E27FC236}">
-                <a16:creationId xmlns:a16="http://schemas.microsoft.com/office/drawing/2014/main" xmlns="" id="{45712661-CEEF-4141-B375-C208E5A3AE38}"/>
+                <a16:creationId xmlns="" xmlns:a16="http://schemas.microsoft.com/office/drawing/2014/main" id="{F909ECA4-8B8D-418A-9CFD-34617E8328BE}"/>
               </a:ext>
             </a:extLst>
           </p:cNvPr>
@@ -6312,6 +6520,300 @@
         </p:nvSpPr>
         <p:spPr>
           <a:xfrm>
+            <a:off x="838200" y="392312"/>
+            <a:ext cx="10515600" cy="1325563"/>
+          </a:xfrm>
+        </p:spPr>
+        <p:txBody>
+          <a:bodyPr/>
+          <a:lstStyle/>
+          <a:p>
+            <a:pPr algn="ctr"/>
+            <a:r>
+              <a:rPr lang="en-US" dirty="0" smtClean="0"/>
+              <a:t>Overall </a:t>
+            </a:r>
+            <a:r>
+              <a:rPr lang="en-US" dirty="0"/>
+              <a:t>work </a:t>
+            </a:r>
+            <a:r>
+              <a:rPr lang="en-US" dirty="0" smtClean="0"/>
+              <a:t>cycle</a:t>
+            </a:r>
+            <a:endParaRPr lang="en-US" dirty="0"/>
+          </a:p>
+        </p:txBody>
+      </p:sp>
+      <p:graphicFrame>
+        <p:nvGraphicFramePr>
+          <p:cNvPr id="4" name="Segnaposto contenuto 3">
+            <a:extLst>
+              <a:ext uri="{FF2B5EF4-FFF2-40B4-BE49-F238E27FC236}">
+                <a16:creationId xmlns="" xmlns:a16="http://schemas.microsoft.com/office/drawing/2014/main" id="{910F84E3-0115-4241-A6D0-BEA5F24E14DA}"/>
+              </a:ext>
+            </a:extLst>
+          </p:cNvPr>
+          <p:cNvGraphicFramePr>
+            <a:graphicFrameLocks noGrp="1"/>
+          </p:cNvGraphicFramePr>
+          <p:nvPr>
+            <p:ph idx="1"/>
+            <p:extLst>
+              <p:ext uri="{D42A27DB-BD31-4B8C-83A1-F6EECF244321}">
+                <p14:modId xmlns:p14="http://schemas.microsoft.com/office/powerpoint/2010/main" val="1531005612"/>
+              </p:ext>
+            </p:extLst>
+          </p:nvPr>
+        </p:nvGraphicFramePr>
+        <p:xfrm>
+          <a:off x="838200" y="1447060"/>
+          <a:ext cx="10951346" cy="5220070"/>
+        </p:xfrm>
+        <a:graphic>
+          <a:graphicData uri="http://schemas.openxmlformats.org/drawingml/2006/diagram">
+            <dgm:relIds xmlns:dgm="http://schemas.openxmlformats.org/drawingml/2006/diagram" xmlns:r="http://schemas.openxmlformats.org/officeDocument/2006/relationships" r:dm="rId2" r:lo="rId3" r:qs="rId4" r:cs="rId5"/>
+          </a:graphicData>
+        </a:graphic>
+      </p:graphicFrame>
+      <p:sp>
+        <p:nvSpPr>
+          <p:cNvPr id="6" name="Ovale 5">
+            <a:extLst>
+              <a:ext uri="{FF2B5EF4-FFF2-40B4-BE49-F238E27FC236}">
+                <a16:creationId xmlns="" xmlns:a16="http://schemas.microsoft.com/office/drawing/2014/main" id="{171F6307-4D37-429B-A1E1-FA6F8631803C}"/>
+              </a:ext>
+            </a:extLst>
+          </p:cNvPr>
+          <p:cNvSpPr/>
+          <p:nvPr/>
+        </p:nvSpPr>
+        <p:spPr>
+          <a:xfrm>
+            <a:off x="1071608" y="1787292"/>
+            <a:ext cx="2348883" cy="1968053"/>
+          </a:xfrm>
+          <a:prstGeom prst="ellipse">
+            <a:avLst/>
+          </a:prstGeom>
+        </p:spPr>
+        <p:style>
+          <a:lnRef idx="2">
+            <a:schemeClr val="accent1">
+              <a:shade val="50000"/>
+            </a:schemeClr>
+          </a:lnRef>
+          <a:fillRef idx="1">
+            <a:schemeClr val="accent1"/>
+          </a:fillRef>
+          <a:effectRef idx="0">
+            <a:schemeClr val="accent1"/>
+          </a:effectRef>
+          <a:fontRef idx="minor">
+            <a:schemeClr val="lt1"/>
+          </a:fontRef>
+        </p:style>
+        <p:txBody>
+          <a:bodyPr rtlCol="0" anchor="ctr"/>
+          <a:lstStyle/>
+          <a:p>
+            <a:pPr algn="ctr"/>
+            <a:r>
+              <a:rPr lang="en-US" dirty="0"/>
+              <a:t>Blue coin installation and connection with the data processing unit</a:t>
+            </a:r>
+          </a:p>
+        </p:txBody>
+      </p:sp>
+      <p:sp>
+        <p:nvSpPr>
+          <p:cNvPr id="7" name="Ovale 6">
+            <a:extLst>
+              <a:ext uri="{FF2B5EF4-FFF2-40B4-BE49-F238E27FC236}">
+                <a16:creationId xmlns="" xmlns:a16="http://schemas.microsoft.com/office/drawing/2014/main" id="{7D2481BC-556D-4A5B-8ACC-76105A174A3F}"/>
+              </a:ext>
+            </a:extLst>
+          </p:cNvPr>
+          <p:cNvSpPr/>
+          <p:nvPr/>
+        </p:nvSpPr>
+        <p:spPr>
+          <a:xfrm>
+            <a:off x="1136342" y="4643021"/>
+            <a:ext cx="2139518" cy="1849854"/>
+          </a:xfrm>
+          <a:prstGeom prst="ellipse">
+            <a:avLst/>
+          </a:prstGeom>
+        </p:spPr>
+        <p:style>
+          <a:lnRef idx="2">
+            <a:schemeClr val="accent1">
+              <a:shade val="50000"/>
+            </a:schemeClr>
+          </a:lnRef>
+          <a:fillRef idx="1">
+            <a:schemeClr val="accent1"/>
+          </a:fillRef>
+          <a:effectRef idx="0">
+            <a:schemeClr val="accent1"/>
+          </a:effectRef>
+          <a:fontRef idx="minor">
+            <a:schemeClr val="lt1"/>
+          </a:fontRef>
+        </p:style>
+        <p:txBody>
+          <a:bodyPr rtlCol="0" anchor="ctr"/>
+          <a:lstStyle/>
+          <a:p>
+            <a:pPr algn="ctr"/>
+            <a:r>
+              <a:rPr lang="en-US" dirty="0"/>
+              <a:t>Model identification</a:t>
+            </a:r>
+          </a:p>
+        </p:txBody>
+      </p:sp>
+      <p:sp>
+        <p:nvSpPr>
+          <p:cNvPr id="8" name="Freccia a destra 7">
+            <a:extLst>
+              <a:ext uri="{FF2B5EF4-FFF2-40B4-BE49-F238E27FC236}">
+                <a16:creationId xmlns="" xmlns:a16="http://schemas.microsoft.com/office/drawing/2014/main" id="{D19DE539-9226-4A1E-8C13-A31CD290B866}"/>
+              </a:ext>
+            </a:extLst>
+          </p:cNvPr>
+          <p:cNvSpPr/>
+          <p:nvPr/>
+        </p:nvSpPr>
+        <p:spPr>
+          <a:xfrm rot="5619289">
+            <a:off x="1979720" y="3879542"/>
+            <a:ext cx="532661" cy="674703"/>
+          </a:xfrm>
+          <a:prstGeom prst="rightArrow">
+            <a:avLst/>
+          </a:prstGeom>
+        </p:spPr>
+        <p:style>
+          <a:lnRef idx="2">
+            <a:schemeClr val="accent1">
+              <a:shade val="50000"/>
+            </a:schemeClr>
+          </a:lnRef>
+          <a:fillRef idx="1">
+            <a:schemeClr val="accent1"/>
+          </a:fillRef>
+          <a:effectRef idx="0">
+            <a:schemeClr val="accent1"/>
+          </a:effectRef>
+          <a:fontRef idx="minor">
+            <a:schemeClr val="lt1"/>
+          </a:fontRef>
+        </p:style>
+        <p:txBody>
+          <a:bodyPr rtlCol="0" anchor="ctr"/>
+          <a:lstStyle/>
+          <a:p>
+            <a:pPr algn="ctr"/>
+            <a:endParaRPr lang="en-US"/>
+          </a:p>
+        </p:txBody>
+      </p:sp>
+      <p:sp>
+        <p:nvSpPr>
+          <p:cNvPr id="9" name="Freccia a destra 8">
+            <a:extLst>
+              <a:ext uri="{FF2B5EF4-FFF2-40B4-BE49-F238E27FC236}">
+                <a16:creationId xmlns="" xmlns:a16="http://schemas.microsoft.com/office/drawing/2014/main" id="{5F8B9189-57DA-4A67-B0C6-FC9673114617}"/>
+              </a:ext>
+            </a:extLst>
+          </p:cNvPr>
+          <p:cNvSpPr/>
+          <p:nvPr/>
+        </p:nvSpPr>
+        <p:spPr>
+          <a:xfrm rot="20006494">
+            <a:off x="3808520" y="4629805"/>
+            <a:ext cx="1198485" cy="541792"/>
+          </a:xfrm>
+          <a:prstGeom prst="rightArrow">
+            <a:avLst/>
+          </a:prstGeom>
+        </p:spPr>
+        <p:style>
+          <a:lnRef idx="2">
+            <a:schemeClr val="accent1">
+              <a:shade val="50000"/>
+            </a:schemeClr>
+          </a:lnRef>
+          <a:fillRef idx="1">
+            <a:schemeClr val="accent1"/>
+          </a:fillRef>
+          <a:effectRef idx="0">
+            <a:schemeClr val="accent1"/>
+          </a:effectRef>
+          <a:fontRef idx="minor">
+            <a:schemeClr val="lt1"/>
+          </a:fontRef>
+        </p:style>
+        <p:txBody>
+          <a:bodyPr rtlCol="0" anchor="ctr"/>
+          <a:lstStyle/>
+          <a:p>
+            <a:pPr algn="ctr"/>
+            <a:endParaRPr lang="en-US"/>
+          </a:p>
+        </p:txBody>
+      </p:sp>
+    </p:spTree>
+    <p:extLst>
+      <p:ext uri="{BB962C8B-B14F-4D97-AF65-F5344CB8AC3E}">
+        <p14:creationId xmlns:p14="http://schemas.microsoft.com/office/powerpoint/2010/main" val="2659968465"/>
+      </p:ext>
+    </p:extLst>
+  </p:cSld>
+  <p:clrMapOvr>
+    <a:masterClrMapping/>
+  </p:clrMapOvr>
+</p:sld>
+</file>
+
+<file path=ppt/slides/slide11.xml><?xml version="1.0" encoding="utf-8"?>
+<p:sld xmlns:a="http://schemas.openxmlformats.org/drawingml/2006/main" xmlns:r="http://schemas.openxmlformats.org/officeDocument/2006/relationships" xmlns:p="http://schemas.openxmlformats.org/presentationml/2006/main">
+  <p:cSld>
+    <p:spTree>
+      <p:nvGrpSpPr>
+        <p:cNvPr id="1" name=""/>
+        <p:cNvGrpSpPr/>
+        <p:nvPr/>
+      </p:nvGrpSpPr>
+      <p:grpSpPr>
+        <a:xfrm>
+          <a:off x="0" y="0"/>
+          <a:ext cx="0" cy="0"/>
+          <a:chOff x="0" y="0"/>
+          <a:chExt cx="0" cy="0"/>
+        </a:xfrm>
+      </p:grpSpPr>
+      <p:sp>
+        <p:nvSpPr>
+          <p:cNvPr id="2" name="Titolo 1">
+            <a:extLst>
+              <a:ext uri="{FF2B5EF4-FFF2-40B4-BE49-F238E27FC236}">
+                <a16:creationId xmlns="" xmlns:a16="http://schemas.microsoft.com/office/drawing/2014/main" id="{45712661-CEEF-4141-B375-C208E5A3AE38}"/>
+              </a:ext>
+            </a:extLst>
+          </p:cNvPr>
+          <p:cNvSpPr>
+            <a:spLocks noGrp="1"/>
+          </p:cNvSpPr>
+          <p:nvPr>
+            <p:ph type="title"/>
+          </p:nvPr>
+        </p:nvSpPr>
+        <p:spPr>
+          <a:xfrm>
             <a:off x="1162235" y="43829"/>
             <a:ext cx="10515600" cy="1325563"/>
           </a:xfrm>
@@ -6333,7 +6835,7 @@
           <p:cNvPr id="4" name="Ovale 3">
             <a:extLst>
               <a:ext uri="{FF2B5EF4-FFF2-40B4-BE49-F238E27FC236}">
-                <a16:creationId xmlns:a16="http://schemas.microsoft.com/office/drawing/2014/main" xmlns="" id="{13C276B8-43E8-4340-8744-F95FE45FF93D}"/>
+                <a16:creationId xmlns="" xmlns:a16="http://schemas.microsoft.com/office/drawing/2014/main" id="{13C276B8-43E8-4340-8744-F95FE45FF93D}"/>
               </a:ext>
             </a:extLst>
           </p:cNvPr>
@@ -6382,7 +6884,7 @@
           <p:cNvPr id="6" name="Ovale 5">
             <a:extLst>
               <a:ext uri="{FF2B5EF4-FFF2-40B4-BE49-F238E27FC236}">
-                <a16:creationId xmlns:a16="http://schemas.microsoft.com/office/drawing/2014/main" xmlns="" id="{E4807840-D773-4EF0-81F6-035CAAF531A6}"/>
+                <a16:creationId xmlns="" xmlns:a16="http://schemas.microsoft.com/office/drawing/2014/main" id="{E4807840-D773-4EF0-81F6-035CAAF531A6}"/>
               </a:ext>
             </a:extLst>
           </p:cNvPr>
@@ -6431,7 +6933,7 @@
           <p:cNvPr id="7" name="Rettangolo 6">
             <a:extLst>
               <a:ext uri="{FF2B5EF4-FFF2-40B4-BE49-F238E27FC236}">
-                <a16:creationId xmlns:a16="http://schemas.microsoft.com/office/drawing/2014/main" xmlns="" id="{6D35485D-A7D8-446F-9516-34B0F2153AAD}"/>
+                <a16:creationId xmlns="" xmlns:a16="http://schemas.microsoft.com/office/drawing/2014/main" id="{6D35485D-A7D8-446F-9516-34B0F2153AAD}"/>
               </a:ext>
             </a:extLst>
           </p:cNvPr>
@@ -6480,7 +6982,7 @@
           <p:cNvPr id="8" name="Rettangolo 7">
             <a:extLst>
               <a:ext uri="{FF2B5EF4-FFF2-40B4-BE49-F238E27FC236}">
-                <a16:creationId xmlns:a16="http://schemas.microsoft.com/office/drawing/2014/main" xmlns="" id="{94D24397-A14D-4CE5-AA12-5DCF9FD69775}"/>
+                <a16:creationId xmlns="" xmlns:a16="http://schemas.microsoft.com/office/drawing/2014/main" id="{94D24397-A14D-4CE5-AA12-5DCF9FD69775}"/>
               </a:ext>
             </a:extLst>
           </p:cNvPr>
@@ -6534,7 +7036,7 @@
           <p:cNvPr id="9" name="Ovale 8">
             <a:extLst>
               <a:ext uri="{FF2B5EF4-FFF2-40B4-BE49-F238E27FC236}">
-                <a16:creationId xmlns:a16="http://schemas.microsoft.com/office/drawing/2014/main" xmlns="" id="{12ACE63D-A386-4EFC-9D85-AA066F3FBDDB}"/>
+                <a16:creationId xmlns="" xmlns:a16="http://schemas.microsoft.com/office/drawing/2014/main" id="{12ACE63D-A386-4EFC-9D85-AA066F3FBDDB}"/>
               </a:ext>
             </a:extLst>
           </p:cNvPr>
@@ -6583,7 +7085,7 @@
           <p:cNvPr id="11" name="Connettore 2 10">
             <a:extLst>
               <a:ext uri="{FF2B5EF4-FFF2-40B4-BE49-F238E27FC236}">
-                <a16:creationId xmlns:a16="http://schemas.microsoft.com/office/drawing/2014/main" xmlns="" id="{440C4455-4284-4D52-8BE3-BC4D1B1848CC}"/>
+                <a16:creationId xmlns="" xmlns:a16="http://schemas.microsoft.com/office/drawing/2014/main" id="{440C4455-4284-4D52-8BE3-BC4D1B1848CC}"/>
               </a:ext>
             </a:extLst>
           </p:cNvPr>
@@ -6622,7 +7124,7 @@
           <p:cNvPr id="13" name="Connettore 2 12">
             <a:extLst>
               <a:ext uri="{FF2B5EF4-FFF2-40B4-BE49-F238E27FC236}">
-                <a16:creationId xmlns:a16="http://schemas.microsoft.com/office/drawing/2014/main" xmlns="" id="{68074315-0C0E-4469-8B8D-6B7666EF1AC6}"/>
+                <a16:creationId xmlns="" xmlns:a16="http://schemas.microsoft.com/office/drawing/2014/main" id="{68074315-0C0E-4469-8B8D-6B7666EF1AC6}"/>
               </a:ext>
             </a:extLst>
           </p:cNvPr>
@@ -6661,7 +7163,7 @@
           <p:cNvPr id="14" name="Rettangolo 13">
             <a:extLst>
               <a:ext uri="{FF2B5EF4-FFF2-40B4-BE49-F238E27FC236}">
-                <a16:creationId xmlns:a16="http://schemas.microsoft.com/office/drawing/2014/main" xmlns="" id="{1379C35D-B17B-4EE6-9023-ABF63EC2EC44}"/>
+                <a16:creationId xmlns="" xmlns:a16="http://schemas.microsoft.com/office/drawing/2014/main" id="{1379C35D-B17B-4EE6-9023-ABF63EC2EC44}"/>
               </a:ext>
             </a:extLst>
           </p:cNvPr>
@@ -6710,7 +7212,7 @@
           <p:cNvPr id="15" name="Rettangolo 14">
             <a:extLst>
               <a:ext uri="{FF2B5EF4-FFF2-40B4-BE49-F238E27FC236}">
-                <a16:creationId xmlns:a16="http://schemas.microsoft.com/office/drawing/2014/main" xmlns="" id="{8A16D978-EDCD-49E5-8288-3D3EEFE768F9}"/>
+                <a16:creationId xmlns="" xmlns:a16="http://schemas.microsoft.com/office/drawing/2014/main" id="{8A16D978-EDCD-49E5-8288-3D3EEFE768F9}"/>
               </a:ext>
             </a:extLst>
           </p:cNvPr>
@@ -6760,7 +7262,7 @@
           <p:cNvPr id="16" name="Rettangolo 15">
             <a:extLst>
               <a:ext uri="{FF2B5EF4-FFF2-40B4-BE49-F238E27FC236}">
-                <a16:creationId xmlns:a16="http://schemas.microsoft.com/office/drawing/2014/main" xmlns="" id="{B13F8C6A-714D-4C39-945A-7EDD7171A29F}"/>
+                <a16:creationId xmlns="" xmlns:a16="http://schemas.microsoft.com/office/drawing/2014/main" id="{B13F8C6A-714D-4C39-945A-7EDD7171A29F}"/>
               </a:ext>
             </a:extLst>
           </p:cNvPr>
@@ -6810,7 +7312,7 @@
           <p:cNvPr id="18" name="Connettore 2 17">
             <a:extLst>
               <a:ext uri="{FF2B5EF4-FFF2-40B4-BE49-F238E27FC236}">
-                <a16:creationId xmlns:a16="http://schemas.microsoft.com/office/drawing/2014/main" xmlns="" id="{D5F8DBB7-E458-4AAC-84CC-31D0AECFF54B}"/>
+                <a16:creationId xmlns="" xmlns:a16="http://schemas.microsoft.com/office/drawing/2014/main" id="{D5F8DBB7-E458-4AAC-84CC-31D0AECFF54B}"/>
               </a:ext>
             </a:extLst>
           </p:cNvPr>
@@ -6851,7 +7353,7 @@
           <p:cNvPr id="19" name="Rettangolo 18">
             <a:extLst>
               <a:ext uri="{FF2B5EF4-FFF2-40B4-BE49-F238E27FC236}">
-                <a16:creationId xmlns:a16="http://schemas.microsoft.com/office/drawing/2014/main" xmlns="" id="{334FE174-982F-4ED4-9D92-C71CA1E4B8B1}"/>
+                <a16:creationId xmlns="" xmlns:a16="http://schemas.microsoft.com/office/drawing/2014/main" id="{334FE174-982F-4ED4-9D92-C71CA1E4B8B1}"/>
               </a:ext>
             </a:extLst>
           </p:cNvPr>
@@ -6908,7 +7410,7 @@
           <p:cNvPr id="21" name="Connettore 2 20">
             <a:extLst>
               <a:ext uri="{FF2B5EF4-FFF2-40B4-BE49-F238E27FC236}">
-                <a16:creationId xmlns:a16="http://schemas.microsoft.com/office/drawing/2014/main" xmlns="" id="{8B75EB12-AC70-40A5-88C9-D50EB9019AB6}"/>
+                <a16:creationId xmlns="" xmlns:a16="http://schemas.microsoft.com/office/drawing/2014/main" id="{8B75EB12-AC70-40A5-88C9-D50EB9019AB6}"/>
               </a:ext>
             </a:extLst>
           </p:cNvPr>
@@ -6947,7 +7449,7 @@
           <p:cNvPr id="22" name="Rettangolo 21">
             <a:extLst>
               <a:ext uri="{FF2B5EF4-FFF2-40B4-BE49-F238E27FC236}">
-                <a16:creationId xmlns:a16="http://schemas.microsoft.com/office/drawing/2014/main" xmlns="" id="{9F0F17B7-11AA-4CC4-9D3A-3A5C370AECF8}"/>
+                <a16:creationId xmlns="" xmlns:a16="http://schemas.microsoft.com/office/drawing/2014/main" id="{9F0F17B7-11AA-4CC4-9D3A-3A5C370AECF8}"/>
               </a:ext>
             </a:extLst>
           </p:cNvPr>
@@ -7009,7 +7511,7 @@
           <p:cNvPr id="23" name="Rettangolo 22">
             <a:extLst>
               <a:ext uri="{FF2B5EF4-FFF2-40B4-BE49-F238E27FC236}">
-                <a16:creationId xmlns:a16="http://schemas.microsoft.com/office/drawing/2014/main" xmlns="" id="{B3B925E8-3744-490D-89D7-4D9EC7439BC3}"/>
+                <a16:creationId xmlns="" xmlns:a16="http://schemas.microsoft.com/office/drawing/2014/main" id="{B3B925E8-3744-490D-89D7-4D9EC7439BC3}"/>
               </a:ext>
             </a:extLst>
           </p:cNvPr>
@@ -7058,7 +7560,7 @@
           <p:cNvPr id="25" name="Connettore 2 24">
             <a:extLst>
               <a:ext uri="{FF2B5EF4-FFF2-40B4-BE49-F238E27FC236}">
-                <a16:creationId xmlns:a16="http://schemas.microsoft.com/office/drawing/2014/main" xmlns="" id="{C339E8FC-A4F8-47EF-8AFE-A3176D2E6038}"/>
+                <a16:creationId xmlns="" xmlns:a16="http://schemas.microsoft.com/office/drawing/2014/main" id="{C339E8FC-A4F8-47EF-8AFE-A3176D2E6038}"/>
               </a:ext>
             </a:extLst>
           </p:cNvPr>
@@ -7099,7 +7601,7 @@
           <p:cNvPr id="29" name="Connettore 2 28">
             <a:extLst>
               <a:ext uri="{FF2B5EF4-FFF2-40B4-BE49-F238E27FC236}">
-                <a16:creationId xmlns:a16="http://schemas.microsoft.com/office/drawing/2014/main" xmlns="" id="{90F0795E-36D3-43A1-B13B-63E5B1D47E95}"/>
+                <a16:creationId xmlns="" xmlns:a16="http://schemas.microsoft.com/office/drawing/2014/main" id="{90F0795E-36D3-43A1-B13B-63E5B1D47E95}"/>
               </a:ext>
             </a:extLst>
           </p:cNvPr>
@@ -7140,7 +7642,7 @@
           <p:cNvPr id="31" name="Connettore 2 30">
             <a:extLst>
               <a:ext uri="{FF2B5EF4-FFF2-40B4-BE49-F238E27FC236}">
-                <a16:creationId xmlns:a16="http://schemas.microsoft.com/office/drawing/2014/main" xmlns="" id="{6DA1AE05-AF90-4507-9254-3B71915560ED}"/>
+                <a16:creationId xmlns="" xmlns:a16="http://schemas.microsoft.com/office/drawing/2014/main" id="{6DA1AE05-AF90-4507-9254-3B71915560ED}"/>
               </a:ext>
             </a:extLst>
           </p:cNvPr>
@@ -7179,7 +7681,7 @@
           <p:cNvPr id="33" name="Connettore 2 32">
             <a:extLst>
               <a:ext uri="{FF2B5EF4-FFF2-40B4-BE49-F238E27FC236}">
-                <a16:creationId xmlns:a16="http://schemas.microsoft.com/office/drawing/2014/main" xmlns="" id="{D0B88EAD-3C42-4A64-AC72-2E97760FEB40}"/>
+                <a16:creationId xmlns="" xmlns:a16="http://schemas.microsoft.com/office/drawing/2014/main" id="{D0B88EAD-3C42-4A64-AC72-2E97760FEB40}"/>
               </a:ext>
             </a:extLst>
           </p:cNvPr>
@@ -7220,7 +7722,7 @@
           <p:cNvPr id="37" name="Rettangolo 36">
             <a:extLst>
               <a:ext uri="{FF2B5EF4-FFF2-40B4-BE49-F238E27FC236}">
-                <a16:creationId xmlns:a16="http://schemas.microsoft.com/office/drawing/2014/main" xmlns="" id="{83D45CFB-09D1-4F83-BCAE-403F9273047D}"/>
+                <a16:creationId xmlns="" xmlns:a16="http://schemas.microsoft.com/office/drawing/2014/main" id="{83D45CFB-09D1-4F83-BCAE-403F9273047D}"/>
               </a:ext>
             </a:extLst>
           </p:cNvPr>
@@ -7267,7 +7769,7 @@
           <p:cNvPr id="38" name="Rettangolo 37">
             <a:extLst>
               <a:ext uri="{FF2B5EF4-FFF2-40B4-BE49-F238E27FC236}">
-                <a16:creationId xmlns:a16="http://schemas.microsoft.com/office/drawing/2014/main" xmlns="" id="{6EC113B4-8151-47BB-AC1F-02204162E0B8}"/>
+                <a16:creationId xmlns="" xmlns:a16="http://schemas.microsoft.com/office/drawing/2014/main" id="{6EC113B4-8151-47BB-AC1F-02204162E0B8}"/>
               </a:ext>
             </a:extLst>
           </p:cNvPr>
@@ -7314,7 +7816,7 @@
           <p:cNvPr id="40" name="CasellaDiTesto 39">
             <a:extLst>
               <a:ext uri="{FF2B5EF4-FFF2-40B4-BE49-F238E27FC236}">
-                <a16:creationId xmlns:a16="http://schemas.microsoft.com/office/drawing/2014/main" xmlns="" id="{FAF980E9-EC9A-4239-AFE3-9E18CAB8598E}"/>
+                <a16:creationId xmlns="" xmlns:a16="http://schemas.microsoft.com/office/drawing/2014/main" id="{FAF980E9-EC9A-4239-AFE3-9E18CAB8598E}"/>
               </a:ext>
             </a:extLst>
           </p:cNvPr>
@@ -7349,7 +7851,7 @@
           <p:cNvPr id="41" name="CasellaDiTesto 40">
             <a:extLst>
               <a:ext uri="{FF2B5EF4-FFF2-40B4-BE49-F238E27FC236}">
-                <a16:creationId xmlns:a16="http://schemas.microsoft.com/office/drawing/2014/main" xmlns="" id="{92880B6D-254B-4532-9AD2-C73C1872D687}"/>
+                <a16:creationId xmlns="" xmlns:a16="http://schemas.microsoft.com/office/drawing/2014/main" id="{92880B6D-254B-4532-9AD2-C73C1872D687}"/>
               </a:ext>
             </a:extLst>
           </p:cNvPr>
@@ -7382,7 +7884,7 @@
     </p:spTree>
     <p:extLst>
       <p:ext uri="{BB962C8B-B14F-4D97-AF65-F5344CB8AC3E}">
-        <p14:creationId xmlns:p14="http://schemas.microsoft.com/office/powerpoint/2010/main" val="1240449289"/>
+        <p14:creationId xmlns:p14="http://schemas.microsoft.com/office/powerpoint/2010/main" val="1323182798"/>
       </p:ext>
     </p:extLst>
   </p:cSld>
@@ -7414,7 +7916,7 @@
           <p:cNvPr id="2" name="Titolo 1">
             <a:extLst>
               <a:ext uri="{FF2B5EF4-FFF2-40B4-BE49-F238E27FC236}">
-                <a16:creationId xmlns:a16="http://schemas.microsoft.com/office/drawing/2014/main" xmlns="" id="{D61C8094-B88B-4C50-ACE7-27284EDD555F}"/>
+                <a16:creationId xmlns="" xmlns:a16="http://schemas.microsoft.com/office/drawing/2014/main" id="{D61C8094-B88B-4C50-ACE7-27284EDD555F}"/>
               </a:ext>
             </a:extLst>
           </p:cNvPr>
@@ -7448,7 +7950,7 @@
           <p:cNvPr id="3" name="Segnaposto contenuto 2">
             <a:extLst>
               <a:ext uri="{FF2B5EF4-FFF2-40B4-BE49-F238E27FC236}">
-                <a16:creationId xmlns:a16="http://schemas.microsoft.com/office/drawing/2014/main" xmlns="" id="{AC0233A3-0F40-471F-B7AF-7E65F1732F84}"/>
+                <a16:creationId xmlns="" xmlns:a16="http://schemas.microsoft.com/office/drawing/2014/main" id="{AC0233A3-0F40-471F-B7AF-7E65F1732F84}"/>
               </a:ext>
             </a:extLst>
           </p:cNvPr>
@@ -7469,9 +7971,18 @@
           <a:bodyPr/>
           <a:lstStyle/>
           <a:p>
+            <a:pPr algn="just"/>
             <a:r>
               <a:rPr lang="en-US" dirty="0" smtClean="0"/>
-              <a:t>We want to obtain a system able to detect fault on a motor using the </a:t>
+              <a:t>We want to obtain a system able to detect fault on </a:t>
+            </a:r>
+            <a:r>
+              <a:rPr lang="en-US" dirty="0" smtClean="0"/>
+              <a:t>an industrial motor </a:t>
+            </a:r>
+            <a:r>
+              <a:rPr lang="en-US" dirty="0" smtClean="0"/>
+              <a:t>using the </a:t>
             </a:r>
             <a:r>
               <a:rPr lang="en-US" dirty="0" err="1" smtClean="0"/>
@@ -7490,7 +8001,7 @@
           <p:cNvPr id="5" name="Immagine 4">
             <a:extLst>
               <a:ext uri="{FF2B5EF4-FFF2-40B4-BE49-F238E27FC236}">
-                <a16:creationId xmlns:a16="http://schemas.microsoft.com/office/drawing/2014/main" xmlns="" id="{1AB6DA0F-96AE-425A-98C4-52BF326112D1}"/>
+                <a16:creationId xmlns="" xmlns:a16="http://schemas.microsoft.com/office/drawing/2014/main" id="{1AB6DA0F-96AE-425A-98C4-52BF326112D1}"/>
               </a:ext>
             </a:extLst>
           </p:cNvPr>
@@ -7513,7 +8024,7 @@
         </p:blipFill>
         <p:spPr>
           <a:xfrm>
-            <a:off x="1594587" y="2875399"/>
+            <a:off x="2277493" y="3032449"/>
             <a:ext cx="2725485" cy="2725485"/>
           </a:xfrm>
           <a:prstGeom prst="rect">
@@ -7526,7 +8037,7 @@
           <p:cNvPr id="7" name="Immagine 6">
             <a:extLst>
               <a:ext uri="{FF2B5EF4-FFF2-40B4-BE49-F238E27FC236}">
-                <a16:creationId xmlns:a16="http://schemas.microsoft.com/office/drawing/2014/main" xmlns="" id="{18C5300A-E1F4-4788-8E5E-52907A11B2A7}"/>
+                <a16:creationId xmlns="" xmlns:a16="http://schemas.microsoft.com/office/drawing/2014/main" id="{18C5300A-E1F4-4788-8E5E-52907A11B2A7}"/>
               </a:ext>
             </a:extLst>
           </p:cNvPr>
@@ -7543,19 +8054,88 @@
               </a:ext>
             </a:extLst>
           </a:blip>
-          <a:srcRect b="9102"/>
+          <a:srcRect t="10654" b="9102"/>
           <a:stretch/>
         </p:blipFill>
         <p:spPr>
           <a:xfrm>
-            <a:off x="6782024" y="3032449"/>
-            <a:ext cx="3667873" cy="2568436"/>
+            <a:off x="6596829" y="3333509"/>
+            <a:ext cx="3667873" cy="2267376"/>
           </a:xfrm>
           <a:prstGeom prst="rect">
             <a:avLst/>
           </a:prstGeom>
         </p:spPr>
       </p:pic>
+      <p:sp>
+        <p:nvSpPr>
+          <p:cNvPr id="4" name="CasellaDiTesto 3"/>
+          <p:cNvSpPr txBox="1"/>
+          <p:nvPr/>
+        </p:nvSpPr>
+        <p:spPr>
+          <a:xfrm>
+            <a:off x="2277493" y="5573268"/>
+            <a:ext cx="2599193" cy="369332"/>
+          </a:xfrm>
+          <a:prstGeom prst="rect">
+            <a:avLst/>
+          </a:prstGeom>
+          <a:noFill/>
+        </p:spPr>
+        <p:txBody>
+          <a:bodyPr wrap="square" rtlCol="0">
+            <a:spAutoFit/>
+          </a:bodyPr>
+          <a:lstStyle/>
+          <a:p>
+            <a:pPr algn="ctr"/>
+            <a:r>
+              <a:rPr lang="it-IT" dirty="0" smtClean="0"/>
+              <a:t>Industrial </a:t>
+            </a:r>
+            <a:r>
+              <a:rPr lang="it-IT" dirty="0" err="1" smtClean="0"/>
+              <a:t>motor</a:t>
+            </a:r>
+            <a:endParaRPr lang="it-IT" dirty="0"/>
+          </a:p>
+        </p:txBody>
+      </p:sp>
+      <p:sp>
+        <p:nvSpPr>
+          <p:cNvPr id="8" name="CasellaDiTesto 7"/>
+          <p:cNvSpPr txBox="1"/>
+          <p:nvPr/>
+        </p:nvSpPr>
+        <p:spPr>
+          <a:xfrm>
+            <a:off x="7131168" y="5704258"/>
+            <a:ext cx="2599193" cy="369332"/>
+          </a:xfrm>
+          <a:prstGeom prst="rect">
+            <a:avLst/>
+          </a:prstGeom>
+          <a:noFill/>
+        </p:spPr>
+        <p:txBody>
+          <a:bodyPr wrap="square" rtlCol="0">
+            <a:spAutoFit/>
+          </a:bodyPr>
+          <a:lstStyle/>
+          <a:p>
+            <a:pPr algn="ctr"/>
+            <a:r>
+              <a:rPr lang="it-IT" dirty="0" err="1" smtClean="0"/>
+              <a:t>BlueCoin</a:t>
+            </a:r>
+            <a:r>
+              <a:rPr lang="it-IT" dirty="0" smtClean="0"/>
+              <a:t> from ST</a:t>
+            </a:r>
+          </a:p>
+        </p:txBody>
+      </p:sp>
     </p:spTree>
     <p:extLst>
       <p:ext uri="{BB962C8B-B14F-4D97-AF65-F5344CB8AC3E}">
@@ -7588,13 +8168,7 @@
       </p:grpSpPr>
       <p:sp>
         <p:nvSpPr>
-          <p:cNvPr id="2" name="Titolo 1">
-            <a:extLst>
-              <a:ext uri="{FF2B5EF4-FFF2-40B4-BE49-F238E27FC236}">
-                <a16:creationId xmlns:a16="http://schemas.microsoft.com/office/drawing/2014/main" xmlns="" id="{B99125FD-4CDD-4D2C-805E-13F02D9A18D8}"/>
-              </a:ext>
-            </a:extLst>
-          </p:cNvPr>
+          <p:cNvPr id="2" name="Titolo 1"/>
           <p:cNvSpPr>
             <a:spLocks noGrp="1"/>
           </p:cNvSpPr>
@@ -7609,21 +8183,24 @@
           <a:p>
             <a:pPr algn="ctr"/>
             <a:r>
-              <a:rPr lang="it-IT" dirty="0"/>
-              <a:t>The system must</a:t>
-            </a:r>
-          </a:p>
-        </p:txBody>
-      </p:sp>
-      <p:sp>
-        <p:nvSpPr>
-          <p:cNvPr id="3" name="Segnaposto contenuto 2">
-            <a:extLst>
-              <a:ext uri="{FF2B5EF4-FFF2-40B4-BE49-F238E27FC236}">
-                <a16:creationId xmlns:a16="http://schemas.microsoft.com/office/drawing/2014/main" xmlns="" id="{48A612DB-47B0-487B-BDA4-B7E23C6AAA8B}"/>
-              </a:ext>
-            </a:extLst>
-          </p:cNvPr>
+              <a:rPr lang="it-IT" dirty="0" err="1" smtClean="0"/>
+              <a:t>Why</a:t>
+            </a:r>
+            <a:r>
+              <a:rPr lang="it-IT" dirty="0" smtClean="0"/>
+              <a:t> </a:t>
+            </a:r>
+            <a:r>
+              <a:rPr lang="it-IT" dirty="0" err="1" smtClean="0"/>
+              <a:t>BlueCoin</a:t>
+            </a:r>
+            <a:endParaRPr lang="it-IT" dirty="0"/>
+          </a:p>
+        </p:txBody>
+      </p:sp>
+      <p:sp>
+        <p:nvSpPr>
+          <p:cNvPr id="3" name="Segnaposto contenuto 2"/>
           <p:cNvSpPr>
             <a:spLocks noGrp="1"/>
           </p:cNvSpPr>
@@ -7636,23 +8213,38 @@
           <a:bodyPr/>
           <a:lstStyle/>
           <a:p>
-            <a:pPr marL="514350" indent="-514350">
-              <a:buFont typeface="+mj-lt"/>
-              <a:buAutoNum type="arabicPeriod"/>
-            </a:pPr>
-            <a:r>
-              <a:rPr lang="en-US" dirty="0"/>
-              <a:t>The system must capture the properties of a correctly working motor</a:t>
-            </a:r>
-          </a:p>
-          <a:p>
-            <a:pPr marL="514350" indent="-514350">
-              <a:buFont typeface="+mj-lt"/>
-              <a:buAutoNum type="arabicPeriod"/>
-            </a:pPr>
-            <a:r>
-              <a:rPr lang="en-US" dirty="0"/>
-              <a:t>Once these properties are caught it has to monitor the motor in order to figure out if one or more of these properties are not respected, producing an alarm</a:t>
+            <a:pPr algn="just"/>
+            <a:r>
+              <a:rPr lang="en-US" dirty="0" smtClean="0"/>
+              <a:t>Little platform with the advantage to be easily located directly on the motor</a:t>
+            </a:r>
+          </a:p>
+          <a:p>
+            <a:pPr algn="just"/>
+            <a:r>
+              <a:rPr lang="en-US" dirty="0" smtClean="0"/>
+              <a:t>It includes some useful sensors (magnetometer, mems microphones array, pressure sensor, gyroscope) and Bluetooth communication</a:t>
+            </a:r>
+          </a:p>
+          <a:p>
+            <a:pPr algn="just"/>
+            <a:r>
+              <a:rPr lang="en-US" dirty="0" smtClean="0"/>
+              <a:t>Powerful enough to execute the tasks to identify  a faulty motor</a:t>
+            </a:r>
+          </a:p>
+          <a:p>
+            <a:pPr algn="just"/>
+            <a:r>
+              <a:rPr lang="en-US" dirty="0" smtClean="0"/>
+              <a:t>Completely programmable to use only the needed sensors in order to increase energy efficiency</a:t>
+            </a:r>
+          </a:p>
+          <a:p>
+            <a:pPr algn="just"/>
+            <a:r>
+              <a:rPr lang="en-US" dirty="0" smtClean="0"/>
+              <a:t>Lots of compatibility with other ST Microelectronics boards and expansion devices</a:t>
             </a:r>
           </a:p>
         </p:txBody>
@@ -7660,7 +8252,7 @@
     </p:spTree>
     <p:extLst>
       <p:ext uri="{BB962C8B-B14F-4D97-AF65-F5344CB8AC3E}">
-        <p14:creationId xmlns:p14="http://schemas.microsoft.com/office/powerpoint/2010/main" val="2497888049"/>
+        <p14:creationId xmlns:p14="http://schemas.microsoft.com/office/powerpoint/2010/main" val="258966366"/>
       </p:ext>
     </p:extLst>
   </p:cSld>
@@ -7692,7 +8284,7 @@
           <p:cNvPr id="2" name="Titolo 1">
             <a:extLst>
               <a:ext uri="{FF2B5EF4-FFF2-40B4-BE49-F238E27FC236}">
-                <a16:creationId xmlns:a16="http://schemas.microsoft.com/office/drawing/2014/main" xmlns="" id="{2C288C2F-F582-4AA0-BB9A-D52FBA984678}"/>
+                <a16:creationId xmlns="" xmlns:a16="http://schemas.microsoft.com/office/drawing/2014/main" id="{B99125FD-4CDD-4D2C-805E-13F02D9A18D8}"/>
               </a:ext>
             </a:extLst>
           </p:cNvPr>
@@ -7710,8 +8302,8 @@
           <a:p>
             <a:pPr algn="ctr"/>
             <a:r>
-              <a:rPr lang="en-US" dirty="0"/>
-              <a:t>The system should</a:t>
+              <a:rPr lang="it-IT" dirty="0"/>
+              <a:t>The system must</a:t>
             </a:r>
           </a:p>
         </p:txBody>
@@ -7721,7 +8313,7 @@
           <p:cNvPr id="3" name="Segnaposto contenuto 2">
             <a:extLst>
               <a:ext uri="{FF2B5EF4-FFF2-40B4-BE49-F238E27FC236}">
-                <a16:creationId xmlns:a16="http://schemas.microsoft.com/office/drawing/2014/main" xmlns="" id="{2B56AFB8-070C-4FB2-B4E6-E3A982A5D42C}"/>
+                <a16:creationId xmlns="" xmlns:a16="http://schemas.microsoft.com/office/drawing/2014/main" id="{48A612DB-47B0-487B-BDA4-B7E23C6AAA8B}"/>
               </a:ext>
             </a:extLst>
           </p:cNvPr>
@@ -7737,47 +8329,52 @@
           <a:bodyPr/>
           <a:lstStyle/>
           <a:p>
-            <a:pPr marL="514350" indent="-514350">
+            <a:pPr marL="514350" indent="-514350" algn="just">
               <a:buFont typeface="+mj-lt"/>
-              <a:buAutoNum type="arabicPeriod" startAt="3"/>
+              <a:buAutoNum type="arabicPeriod"/>
             </a:pPr>
             <a:r>
+              <a:rPr lang="en-US" dirty="0" smtClean="0"/>
+              <a:t>capture </a:t>
+            </a:r>
+            <a:r>
               <a:rPr lang="en-US" dirty="0"/>
-              <a:t>Reduce as much as possible the amount of work on the </a:t>
-            </a:r>
-            <a:r>
-              <a:rPr lang="en-US" dirty="0" err="1"/>
-              <a:t>BlueCoin</a:t>
+              <a:t>the properties of a correctly working motor</a:t>
+            </a:r>
+          </a:p>
+          <a:p>
+            <a:pPr marL="514350" indent="-514350" algn="just">
+              <a:buFont typeface="+mj-lt"/>
+              <a:buAutoNum type="arabicPeriod"/>
+            </a:pPr>
+            <a:r>
+              <a:rPr lang="en-US" dirty="0" smtClean="0"/>
+              <a:t>monitor </a:t>
             </a:r>
             <a:r>
               <a:rPr lang="en-US" dirty="0"/>
-              <a:t>, in order </a:t>
+              <a:t>the motor in order to figure out if one or more of </a:t>
             </a:r>
             <a:r>
               <a:rPr lang="en-US" dirty="0" smtClean="0"/>
-              <a:t>to increase its </a:t>
+              <a:t>these properties are faulty, </a:t>
             </a:r>
             <a:r>
               <a:rPr lang="en-US" dirty="0"/>
-              <a:t>battery duration</a:t>
-            </a:r>
-          </a:p>
-          <a:p>
-            <a:pPr marL="514350" indent="-514350">
-              <a:buFont typeface="+mj-lt"/>
-              <a:buAutoNum type="arabicPeriod" startAt="3"/>
-            </a:pPr>
-            <a:r>
-              <a:rPr lang="en-US" dirty="0"/>
-              <a:t>Be adaptable to different motors autonomously</a:t>
-            </a:r>
+              <a:t>producing an </a:t>
+            </a:r>
+            <a:r>
+              <a:rPr lang="en-US" dirty="0" smtClean="0"/>
+              <a:t>alarm when something is detected</a:t>
+            </a:r>
+            <a:endParaRPr lang="en-US" dirty="0"/>
           </a:p>
         </p:txBody>
       </p:sp>
     </p:spTree>
     <p:extLst>
       <p:ext uri="{BB962C8B-B14F-4D97-AF65-F5344CB8AC3E}">
-        <p14:creationId xmlns:p14="http://schemas.microsoft.com/office/powerpoint/2010/main" val="1296755567"/>
+        <p14:creationId xmlns:p14="http://schemas.microsoft.com/office/powerpoint/2010/main" val="2497888049"/>
       </p:ext>
     </p:extLst>
   </p:cSld>
@@ -7809,7 +8406,7 @@
           <p:cNvPr id="2" name="Titolo 1">
             <a:extLst>
               <a:ext uri="{FF2B5EF4-FFF2-40B4-BE49-F238E27FC236}">
-                <a16:creationId xmlns:a16="http://schemas.microsoft.com/office/drawing/2014/main" xmlns="" id="{2676B041-2A6A-4F74-A4D6-BC4E3AFAA838}"/>
+                <a16:creationId xmlns="" xmlns:a16="http://schemas.microsoft.com/office/drawing/2014/main" id="{2C288C2F-F582-4AA0-BB9A-D52FBA984678}"/>
               </a:ext>
             </a:extLst>
           </p:cNvPr>
@@ -7828,7 +8425,7 @@
             <a:pPr algn="ctr"/>
             <a:r>
               <a:rPr lang="en-US" dirty="0"/>
-              <a:t>1) How to capture the motor properties</a:t>
+              <a:t>The system should</a:t>
             </a:r>
           </a:p>
         </p:txBody>
@@ -7838,7 +8435,7 @@
           <p:cNvPr id="3" name="Segnaposto contenuto 2">
             <a:extLst>
               <a:ext uri="{FF2B5EF4-FFF2-40B4-BE49-F238E27FC236}">
-                <a16:creationId xmlns:a16="http://schemas.microsoft.com/office/drawing/2014/main" xmlns="" id="{F695A7F4-0B3B-4849-8BFB-3B238FC36196}"/>
+                <a16:creationId xmlns="" xmlns:a16="http://schemas.microsoft.com/office/drawing/2014/main" id="{2B56AFB8-070C-4FB2-B4E6-E3A982A5D42C}"/>
               </a:ext>
             </a:extLst>
           </p:cNvPr>
@@ -7854,38 +8451,21 @@
           <a:bodyPr/>
           <a:lstStyle/>
           <a:p>
-            <a:pPr marL="0" indent="0">
-              <a:buNone/>
+            <a:pPr marL="514350" indent="-514350" algn="just">
+              <a:buFont typeface="+mj-lt"/>
+              <a:buAutoNum type="arabicPeriod" startAt="3"/>
             </a:pPr>
             <a:r>
               <a:rPr lang="en-US" dirty="0"/>
-              <a:t>In order to accomplish </a:t>
+              <a:t>r</a:t>
             </a:r>
             <a:r>
               <a:rPr lang="en-US" dirty="0" smtClean="0"/>
-              <a:t>this, the task </a:t>
+              <a:t>educe </a:t>
             </a:r>
             <a:r>
               <a:rPr lang="en-US" dirty="0"/>
-              <a:t>will be split into two subtasks</a:t>
-            </a:r>
-          </a:p>
-          <a:p>
-            <a:pPr marL="514350" indent="-514350">
-              <a:buFont typeface="+mj-lt"/>
-              <a:buAutoNum type="arabicPeriod"/>
-            </a:pPr>
-            <a:r>
-              <a:rPr lang="en-US" dirty="0"/>
-              <a:t>Data </a:t>
-            </a:r>
-            <a:r>
-              <a:rPr lang="en-US" dirty="0" smtClean="0"/>
-              <a:t>acquisition: </a:t>
-            </a:r>
-            <a:r>
-              <a:rPr lang="en-US" dirty="0"/>
-              <a:t>the </a:t>
+              <a:t>as much as possible the amount of work on the </a:t>
             </a:r>
             <a:r>
               <a:rPr lang="en-US" dirty="0" err="1"/>
@@ -7893,49 +8473,37 @@
             </a:r>
             <a:r>
               <a:rPr lang="en-US" dirty="0"/>
-              <a:t> will be used to sense as </a:t>
+              <a:t>, in order </a:t>
+            </a:r>
+            <a:r>
+              <a:rPr lang="en-US" dirty="0" smtClean="0"/>
+              <a:t>to increase its </a:t>
             </a:r>
             <a:r>
               <a:rPr lang="en-US" dirty="0"/>
-              <a:t>much data </a:t>
-            </a:r>
+              <a:t>battery </a:t>
+            </a:r>
+            <a:r>
+              <a:rPr lang="en-US" dirty="0" smtClean="0"/>
+              <a:t>duration</a:t>
+            </a:r>
+          </a:p>
+          <a:p>
+            <a:pPr marL="514350" indent="-514350" algn="just">
+              <a:buFont typeface="+mj-lt"/>
+              <a:buAutoNum type="arabicPeriod" startAt="3"/>
+            </a:pPr>
             <a:r>
               <a:rPr lang="en-US" dirty="0"/>
-              <a:t>as </a:t>
+              <a:t>b</a:t>
             </a:r>
             <a:r>
               <a:rPr lang="en-US" dirty="0" smtClean="0"/>
-              <a:t>possible from </a:t>
+              <a:t>e </a:t>
             </a:r>
             <a:r>
               <a:rPr lang="en-US" dirty="0"/>
-              <a:t>the motor in order to catch as much as possible of its dynamics</a:t>
-            </a:r>
-          </a:p>
-          <a:p>
-            <a:pPr marL="514350" indent="-514350">
-              <a:buFont typeface="+mj-lt"/>
-              <a:buAutoNum type="arabicPeriod"/>
-            </a:pPr>
-            <a:r>
-              <a:rPr lang="en-US" dirty="0"/>
-              <a:t>Model identification: the data collected will be fed to a model identification algorithm </a:t>
-            </a:r>
-            <a:r>
-              <a:rPr lang="en-US" dirty="0" smtClean="0"/>
-              <a:t>that </a:t>
-            </a:r>
-            <a:r>
-              <a:rPr lang="en-US" dirty="0"/>
-              <a:t>will </a:t>
-            </a:r>
-            <a:r>
-              <a:rPr lang="en-US" dirty="0" smtClean="0"/>
-              <a:t>hopefully </a:t>
-            </a:r>
-            <a:r>
-              <a:rPr lang="en-US" dirty="0"/>
-              <a:t>detect the model that will describe the motor</a:t>
+              <a:t>adaptable to different motors autonomously</a:t>
             </a:r>
           </a:p>
         </p:txBody>
@@ -7943,7 +8511,7 @@
     </p:spTree>
     <p:extLst>
       <p:ext uri="{BB962C8B-B14F-4D97-AF65-F5344CB8AC3E}">
-        <p14:creationId xmlns:p14="http://schemas.microsoft.com/office/powerpoint/2010/main" val="1525512371"/>
+        <p14:creationId xmlns:p14="http://schemas.microsoft.com/office/powerpoint/2010/main" val="1296755567"/>
       </p:ext>
     </p:extLst>
   </p:cSld>
@@ -7975,7 +8543,7 @@
           <p:cNvPr id="2" name="Titolo 1">
             <a:extLst>
               <a:ext uri="{FF2B5EF4-FFF2-40B4-BE49-F238E27FC236}">
-                <a16:creationId xmlns:a16="http://schemas.microsoft.com/office/drawing/2014/main" xmlns="" id="{4C596BDE-71A7-4227-91DB-D3FB52EF10BC}"/>
+                <a16:creationId xmlns="" xmlns:a16="http://schemas.microsoft.com/office/drawing/2014/main" id="{2676B041-2A6A-4F74-A4D6-BC4E3AFAA838}"/>
               </a:ext>
             </a:extLst>
           </p:cNvPr>
@@ -7993,8 +8561,12 @@
           <a:p>
             <a:pPr algn="ctr"/>
             <a:r>
+              <a:rPr lang="en-US" dirty="0" smtClean="0"/>
+              <a:t>Capturing the </a:t>
+            </a:r>
+            <a:r>
               <a:rPr lang="en-US" dirty="0"/>
-              <a:t>2) How to detect the motor faults </a:t>
+              <a:t>motor properties</a:t>
             </a:r>
           </a:p>
         </p:txBody>
@@ -8004,7 +8576,7 @@
           <p:cNvPr id="3" name="Segnaposto contenuto 2">
             <a:extLst>
               <a:ext uri="{FF2B5EF4-FFF2-40B4-BE49-F238E27FC236}">
-                <a16:creationId xmlns:a16="http://schemas.microsoft.com/office/drawing/2014/main" xmlns="" id="{492A153C-DAEA-47F4-ABFB-2695F16B44D0}"/>
+                <a16:creationId xmlns="" xmlns:a16="http://schemas.microsoft.com/office/drawing/2014/main" id="{F695A7F4-0B3B-4849-8BFB-3B238FC36196}"/>
               </a:ext>
             </a:extLst>
           </p:cNvPr>
@@ -8020,52 +8592,65 @@
           <a:bodyPr/>
           <a:lstStyle/>
           <a:p>
-            <a:pPr marL="0" indent="0">
+            <a:pPr marL="0" indent="0" algn="just">
               <a:buNone/>
             </a:pPr>
             <a:r>
               <a:rPr lang="en-US" dirty="0"/>
-              <a:t>Once the motor model has </a:t>
+              <a:t>In order to accomplish </a:t>
             </a:r>
             <a:r>
               <a:rPr lang="en-US" dirty="0" smtClean="0"/>
-              <a:t>been </a:t>
+              <a:t>this, the task </a:t>
             </a:r>
             <a:r>
               <a:rPr lang="en-US" dirty="0"/>
-              <a:t>detected, the </a:t>
-            </a:r>
-            <a:r>
-              <a:rPr lang="en-US" dirty="0" err="1"/>
+              <a:t>will be split into two </a:t>
+            </a:r>
+            <a:r>
+              <a:rPr lang="en-US" dirty="0" smtClean="0"/>
+              <a:t>subtasks:</a:t>
+            </a:r>
+            <a:endParaRPr lang="en-US" dirty="0"/>
+          </a:p>
+          <a:p>
+            <a:pPr marL="514350" indent="-514350" algn="just">
+              <a:buFont typeface="+mj-lt"/>
+              <a:buAutoNum type="arabicPeriod"/>
+            </a:pPr>
+            <a:r>
+              <a:rPr lang="en-US" dirty="0" smtClean="0"/>
+              <a:t>Data acquisition: the </a:t>
+            </a:r>
+            <a:r>
+              <a:rPr lang="en-US" dirty="0" err="1" smtClean="0"/>
               <a:t>BlueCoin</a:t>
             </a:r>
             <a:r>
+              <a:rPr lang="en-US" dirty="0" smtClean="0"/>
+              <a:t> will be used to sense data from the motor in order to catch as </a:t>
+            </a:r>
+            <a:r>
               <a:rPr lang="en-US" dirty="0"/>
-              <a:t> will keep sensing data from the motor and </a:t>
+              <a:t>much of its </a:t>
             </a:r>
             <a:r>
               <a:rPr lang="en-US" dirty="0" smtClean="0"/>
-              <a:t>deliver them </a:t>
-            </a:r>
-            <a:r>
-              <a:rPr lang="en-US" dirty="0"/>
-              <a:t>to an external data processing unit that will:</a:t>
-            </a:r>
-          </a:p>
-          <a:p>
-            <a:r>
-              <a:rPr lang="en-US" dirty="0"/>
-              <a:t>Check if the received data fits the model</a:t>
-            </a:r>
-          </a:p>
-          <a:p>
-            <a:r>
-              <a:rPr lang="en-US" dirty="0"/>
-              <a:t>Launch an alarm if they </a:t>
+              <a:t>dynamics </a:t>
             </a:r>
             <a:r>
               <a:rPr lang="en-US" dirty="0" smtClean="0"/>
-              <a:t>don’t</a:t>
+              <a:t>as possible </a:t>
+            </a:r>
+          </a:p>
+          <a:p>
+            <a:pPr marL="514350" indent="-514350" algn="just">
+              <a:buFont typeface="+mj-lt"/>
+              <a:buAutoNum type="arabicPeriod"/>
+            </a:pPr>
+            <a:r>
+              <a:rPr lang="en-US" dirty="0" smtClean="0"/>
+              <a:t>Model identification: the data collected will be fed to a model identification algorithm that will try to detect the model describing the motor</a:t>
             </a:r>
             <a:endParaRPr lang="en-US" dirty="0"/>
           </a:p>
@@ -8074,7 +8659,7 @@
     </p:spTree>
     <p:extLst>
       <p:ext uri="{BB962C8B-B14F-4D97-AF65-F5344CB8AC3E}">
-        <p14:creationId xmlns:p14="http://schemas.microsoft.com/office/powerpoint/2010/main" val="2493662402"/>
+        <p14:creationId xmlns:p14="http://schemas.microsoft.com/office/powerpoint/2010/main" val="1525512371"/>
       </p:ext>
     </p:extLst>
   </p:cSld>
@@ -8106,7 +8691,7 @@
           <p:cNvPr id="2" name="Titolo 1">
             <a:extLst>
               <a:ext uri="{FF2B5EF4-FFF2-40B4-BE49-F238E27FC236}">
-                <a16:creationId xmlns:a16="http://schemas.microsoft.com/office/drawing/2014/main" xmlns="" id="{C23C66B3-735B-4F6B-A2FB-B7092A30F937}"/>
+                <a16:creationId xmlns="" xmlns:a16="http://schemas.microsoft.com/office/drawing/2014/main" id="{4C596BDE-71A7-4227-91DB-D3FB52EF10BC}"/>
               </a:ext>
             </a:extLst>
           </p:cNvPr>
@@ -8124,8 +8709,12 @@
           <a:p>
             <a:pPr algn="ctr"/>
             <a:r>
+              <a:rPr lang="en-US" dirty="0" smtClean="0"/>
+              <a:t>Detecting the </a:t>
+            </a:r>
+            <a:r>
               <a:rPr lang="en-US" dirty="0"/>
-              <a:t>3) Be energy efficient</a:t>
+              <a:t>motor faults </a:t>
             </a:r>
           </a:p>
         </p:txBody>
@@ -8135,7 +8724,7 @@
           <p:cNvPr id="3" name="Segnaposto contenuto 2">
             <a:extLst>
               <a:ext uri="{FF2B5EF4-FFF2-40B4-BE49-F238E27FC236}">
-                <a16:creationId xmlns:a16="http://schemas.microsoft.com/office/drawing/2014/main" xmlns="" id="{00D9C055-F674-46CB-9AE1-6439BB0BB0CD}"/>
+                <a16:creationId xmlns="" xmlns:a16="http://schemas.microsoft.com/office/drawing/2014/main" id="{492A153C-DAEA-47F4-ABFB-2695F16B44D0}"/>
               </a:ext>
             </a:extLst>
           </p:cNvPr>
@@ -8146,6 +8735,143 @@
             <p:ph idx="1"/>
           </p:nvPr>
         </p:nvSpPr>
+        <p:spPr/>
+        <p:txBody>
+          <a:bodyPr/>
+          <a:lstStyle/>
+          <a:p>
+            <a:pPr marL="0" indent="0" algn="just">
+              <a:buNone/>
+            </a:pPr>
+            <a:r>
+              <a:rPr lang="en-US" dirty="0"/>
+              <a:t>Once the motor model has </a:t>
+            </a:r>
+            <a:r>
+              <a:rPr lang="en-US" dirty="0" smtClean="0"/>
+              <a:t>been </a:t>
+            </a:r>
+            <a:r>
+              <a:rPr lang="en-US" dirty="0"/>
+              <a:t>detected, the </a:t>
+            </a:r>
+            <a:r>
+              <a:rPr lang="en-US" dirty="0" err="1"/>
+              <a:t>BlueCoin</a:t>
+            </a:r>
+            <a:r>
+              <a:rPr lang="en-US" dirty="0"/>
+              <a:t> will keep sensing data from the motor and </a:t>
+            </a:r>
+            <a:r>
+              <a:rPr lang="en-US" dirty="0" smtClean="0"/>
+              <a:t>deliver them </a:t>
+            </a:r>
+            <a:r>
+              <a:rPr lang="en-US" dirty="0"/>
+              <a:t>to an external data processing unit that will:</a:t>
+            </a:r>
+          </a:p>
+          <a:p>
+            <a:pPr algn="just"/>
+            <a:r>
+              <a:rPr lang="en-US" dirty="0"/>
+              <a:t>Check if the received data fits the model</a:t>
+            </a:r>
+          </a:p>
+          <a:p>
+            <a:pPr algn="just"/>
+            <a:r>
+              <a:rPr lang="en-US" dirty="0"/>
+              <a:t>Launch an alarm if they </a:t>
+            </a:r>
+            <a:r>
+              <a:rPr lang="en-US" dirty="0" smtClean="0"/>
+              <a:t>don’t</a:t>
+            </a:r>
+            <a:endParaRPr lang="en-US" dirty="0"/>
+          </a:p>
+        </p:txBody>
+      </p:sp>
+    </p:spTree>
+    <p:extLst>
+      <p:ext uri="{BB962C8B-B14F-4D97-AF65-F5344CB8AC3E}">
+        <p14:creationId xmlns:p14="http://schemas.microsoft.com/office/powerpoint/2010/main" val="2493662402"/>
+      </p:ext>
+    </p:extLst>
+  </p:cSld>
+  <p:clrMapOvr>
+    <a:masterClrMapping/>
+  </p:clrMapOvr>
+</p:sld>
+</file>
+
+<file path=ppt/slides/slide8.xml><?xml version="1.0" encoding="utf-8"?>
+<p:sld xmlns:a="http://schemas.openxmlformats.org/drawingml/2006/main" xmlns:r="http://schemas.openxmlformats.org/officeDocument/2006/relationships" xmlns:p="http://schemas.openxmlformats.org/presentationml/2006/main">
+  <p:cSld>
+    <p:spTree>
+      <p:nvGrpSpPr>
+        <p:cNvPr id="1" name=""/>
+        <p:cNvGrpSpPr/>
+        <p:nvPr/>
+      </p:nvGrpSpPr>
+      <p:grpSpPr>
+        <a:xfrm>
+          <a:off x="0" y="0"/>
+          <a:ext cx="0" cy="0"/>
+          <a:chOff x="0" y="0"/>
+          <a:chExt cx="0" cy="0"/>
+        </a:xfrm>
+      </p:grpSpPr>
+      <p:sp>
+        <p:nvSpPr>
+          <p:cNvPr id="2" name="Titolo 1">
+            <a:extLst>
+              <a:ext uri="{FF2B5EF4-FFF2-40B4-BE49-F238E27FC236}">
+                <a16:creationId xmlns="" xmlns:a16="http://schemas.microsoft.com/office/drawing/2014/main" id="{C23C66B3-735B-4F6B-A2FB-B7092A30F937}"/>
+              </a:ext>
+            </a:extLst>
+          </p:cNvPr>
+          <p:cNvSpPr>
+            <a:spLocks noGrp="1"/>
+          </p:cNvSpPr>
+          <p:nvPr>
+            <p:ph type="title"/>
+          </p:nvPr>
+        </p:nvSpPr>
+        <p:spPr/>
+        <p:txBody>
+          <a:bodyPr/>
+          <a:lstStyle/>
+          <a:p>
+            <a:pPr algn="ctr"/>
+            <a:r>
+              <a:rPr lang="en-US" dirty="0" smtClean="0"/>
+              <a:t>Being </a:t>
+            </a:r>
+            <a:r>
+              <a:rPr lang="en-US" dirty="0"/>
+              <a:t>energy efficient</a:t>
+            </a:r>
+          </a:p>
+        </p:txBody>
+      </p:sp>
+      <p:sp>
+        <p:nvSpPr>
+          <p:cNvPr id="3" name="Segnaposto contenuto 2">
+            <a:extLst>
+              <a:ext uri="{FF2B5EF4-FFF2-40B4-BE49-F238E27FC236}">
+                <a16:creationId xmlns="" xmlns:a16="http://schemas.microsoft.com/office/drawing/2014/main" id="{00D9C055-F674-46CB-9AE1-6439BB0BB0CD}"/>
+              </a:ext>
+            </a:extLst>
+          </p:cNvPr>
+          <p:cNvSpPr>
+            <a:spLocks noGrp="1"/>
+          </p:cNvSpPr>
+          <p:nvPr>
+            <p:ph idx="1"/>
+          </p:nvPr>
+        </p:nvSpPr>
         <p:spPr>
           <a:xfrm>
             <a:off x="838200" y="1825625"/>
@@ -8156,7 +8882,7 @@
           <a:bodyPr/>
           <a:lstStyle/>
           <a:p>
-            <a:pPr marL="0" indent="0">
+            <a:pPr marL="0" indent="0" algn="just">
               <a:buNone/>
             </a:pPr>
             <a:r>
@@ -8179,7 +8905,7 @@
           <p:cNvPr id="5" name="Immagine 4" descr="Immagine che contiene screenshot&#10;&#10;Descrizione generata con affidabilità molto elevata">
             <a:extLst>
               <a:ext uri="{FF2B5EF4-FFF2-40B4-BE49-F238E27FC236}">
-                <a16:creationId xmlns:a16="http://schemas.microsoft.com/office/drawing/2014/main" xmlns="" id="{6C831FAE-2AEF-459E-9320-D4E8A58355ED}"/>
+                <a16:creationId xmlns="" xmlns:a16="http://schemas.microsoft.com/office/drawing/2014/main" id="{6C831FAE-2AEF-459E-9320-D4E8A58355ED}"/>
               </a:ext>
             </a:extLst>
           </p:cNvPr>
@@ -8223,145 +8949,6 @@
 </p:sld>
 </file>
 
-<file path=ppt/slides/slide8.xml><?xml version="1.0" encoding="utf-8"?>
-<p:sld xmlns:a="http://schemas.openxmlformats.org/drawingml/2006/main" xmlns:r="http://schemas.openxmlformats.org/officeDocument/2006/relationships" xmlns:p="http://schemas.openxmlformats.org/presentationml/2006/main">
-  <p:cSld>
-    <p:spTree>
-      <p:nvGrpSpPr>
-        <p:cNvPr id="1" name=""/>
-        <p:cNvGrpSpPr/>
-        <p:nvPr/>
-      </p:nvGrpSpPr>
-      <p:grpSpPr>
-        <a:xfrm>
-          <a:off x="0" y="0"/>
-          <a:ext cx="0" cy="0"/>
-          <a:chOff x="0" y="0"/>
-          <a:chExt cx="0" cy="0"/>
-        </a:xfrm>
-      </p:grpSpPr>
-      <p:sp>
-        <p:nvSpPr>
-          <p:cNvPr id="2" name="Titolo 1">
-            <a:extLst>
-              <a:ext uri="{FF2B5EF4-FFF2-40B4-BE49-F238E27FC236}">
-                <a16:creationId xmlns:a16="http://schemas.microsoft.com/office/drawing/2014/main" xmlns="" id="{0B22BC0E-73AF-4669-8BBD-9EC67D2695EE}"/>
-              </a:ext>
-            </a:extLst>
-          </p:cNvPr>
-          <p:cNvSpPr>
-            <a:spLocks noGrp="1"/>
-          </p:cNvSpPr>
-          <p:nvPr>
-            <p:ph type="title"/>
-          </p:nvPr>
-        </p:nvSpPr>
-        <p:spPr/>
-        <p:txBody>
-          <a:bodyPr/>
-          <a:lstStyle/>
-          <a:p>
-            <a:pPr algn="ctr"/>
-            <a:r>
-              <a:rPr lang="en-US" dirty="0"/>
-              <a:t>4) </a:t>
-            </a:r>
-            <a:r>
-              <a:rPr lang="en-US" dirty="0" smtClean="0"/>
-              <a:t>How </a:t>
-            </a:r>
-            <a:r>
-              <a:rPr lang="en-US" dirty="0"/>
-              <a:t>to be autonomous</a:t>
-            </a:r>
-          </a:p>
-        </p:txBody>
-      </p:sp>
-      <p:sp>
-        <p:nvSpPr>
-          <p:cNvPr id="3" name="Segnaposto contenuto 2">
-            <a:extLst>
-              <a:ext uri="{FF2B5EF4-FFF2-40B4-BE49-F238E27FC236}">
-                <a16:creationId xmlns:a16="http://schemas.microsoft.com/office/drawing/2014/main" xmlns="" id="{EE9629A9-6146-4F44-9EDF-5D86C3A2C39D}"/>
-              </a:ext>
-            </a:extLst>
-          </p:cNvPr>
-          <p:cNvSpPr>
-            <a:spLocks noGrp="1"/>
-          </p:cNvSpPr>
-          <p:nvPr>
-            <p:ph idx="1"/>
-          </p:nvPr>
-        </p:nvSpPr>
-        <p:spPr/>
-        <p:txBody>
-          <a:bodyPr/>
-          <a:lstStyle/>
-          <a:p>
-            <a:pPr marL="0" indent="0">
-              <a:buNone/>
-            </a:pPr>
-            <a:r>
-              <a:rPr lang="en-US" dirty="0"/>
-              <a:t>The system should not work only </a:t>
-            </a:r>
-            <a:r>
-              <a:rPr lang="en-US" dirty="0" smtClean="0"/>
-              <a:t>with</a:t>
-            </a:r>
-            <a:r>
-              <a:rPr lang="en-US" dirty="0" smtClean="0"/>
-              <a:t> </a:t>
-            </a:r>
-            <a:r>
-              <a:rPr lang="en-US" dirty="0"/>
-              <a:t>a single motor since </a:t>
-            </a:r>
-            <a:r>
-              <a:rPr lang="en-US" dirty="0" smtClean="0"/>
-              <a:t>each one </a:t>
-            </a:r>
-            <a:r>
-              <a:rPr lang="en-US" dirty="0"/>
-              <a:t>has a different dynamic based on it’s </a:t>
-            </a:r>
-            <a:r>
-              <a:rPr lang="en-US" dirty="0" smtClean="0"/>
-              <a:t>usage.</a:t>
-            </a:r>
-          </a:p>
-          <a:p>
-            <a:pPr marL="0" indent="0">
-              <a:buNone/>
-            </a:pPr>
-            <a:r>
-              <a:rPr lang="en-US" dirty="0" smtClean="0"/>
-              <a:t>T</a:t>
-            </a:r>
-            <a:r>
-              <a:rPr lang="en-US" dirty="0" smtClean="0"/>
-              <a:t>hat’s </a:t>
-            </a:r>
-            <a:r>
-              <a:rPr lang="en-US" dirty="0"/>
-              <a:t>why the system should, on it’s first usage on a new motor, perform a preliminary calibration phase in order to adapt the model to the singular characteristics of the current motor.</a:t>
-            </a:r>
-          </a:p>
-        </p:txBody>
-      </p:sp>
-    </p:spTree>
-    <p:extLst>
-      <p:ext uri="{BB962C8B-B14F-4D97-AF65-F5344CB8AC3E}">
-        <p14:creationId xmlns:p14="http://schemas.microsoft.com/office/powerpoint/2010/main" val="163688200"/>
-      </p:ext>
-    </p:extLst>
-  </p:cSld>
-  <p:clrMapOvr>
-    <a:masterClrMapping/>
-  </p:clrMapOvr>
-</p:sld>
-</file>
-
 <file path=ppt/slides/slide9.xml><?xml version="1.0" encoding="utf-8"?>
 <p:sld xmlns:a="http://schemas.openxmlformats.org/drawingml/2006/main" xmlns:r="http://schemas.openxmlformats.org/officeDocument/2006/relationships" xmlns:p="http://schemas.openxmlformats.org/presentationml/2006/main">
   <p:cSld>
@@ -8384,7 +8971,7 @@
           <p:cNvPr id="2" name="Titolo 1">
             <a:extLst>
               <a:ext uri="{FF2B5EF4-FFF2-40B4-BE49-F238E27FC236}">
-                <a16:creationId xmlns:a16="http://schemas.microsoft.com/office/drawing/2014/main" xmlns="" id="{F909ECA4-8B8D-418A-9CFD-34617E8328BE}"/>
+                <a16:creationId xmlns="" xmlns:a16="http://schemas.microsoft.com/office/drawing/2014/main" id="{0B22BC0E-73AF-4669-8BBD-9EC67D2695EE}"/>
               </a:ext>
             </a:extLst>
           </p:cNvPr>
@@ -8395,12 +8982,7 @@
             <p:ph type="title"/>
           </p:nvPr>
         </p:nvSpPr>
-        <p:spPr>
-          <a:xfrm>
-            <a:off x="838200" y="392312"/>
-            <a:ext cx="10515600" cy="1325563"/>
-          </a:xfrm>
-        </p:spPr>
+        <p:spPr/>
         <p:txBody>
           <a:bodyPr/>
           <a:lstStyle/>
@@ -8408,245 +8990,84 @@
             <a:pPr algn="ctr"/>
             <a:r>
               <a:rPr lang="en-US" dirty="0" smtClean="0"/>
-              <a:t>Overall </a:t>
-            </a:r>
-            <a:r>
-              <a:rPr lang="en-US" dirty="0"/>
-              <a:t>work </a:t>
-            </a:r>
-            <a:r>
-              <a:rPr lang="en-US" dirty="0" smtClean="0"/>
-              <a:t>cycle</a:t>
+              <a:t>Being autonomous</a:t>
             </a:r>
             <a:endParaRPr lang="en-US" dirty="0"/>
           </a:p>
         </p:txBody>
       </p:sp>
-      <p:graphicFrame>
-        <p:nvGraphicFramePr>
-          <p:cNvPr id="4" name="Segnaposto contenuto 3">
-            <a:extLst>
-              <a:ext uri="{FF2B5EF4-FFF2-40B4-BE49-F238E27FC236}">
-                <a16:creationId xmlns:a16="http://schemas.microsoft.com/office/drawing/2014/main" xmlns="" id="{910F84E3-0115-4241-A6D0-BEA5F24E14DA}"/>
-              </a:ext>
-            </a:extLst>
-          </p:cNvPr>
-          <p:cNvGraphicFramePr>
-            <a:graphicFrameLocks noGrp="1"/>
-          </p:cNvGraphicFramePr>
+      <p:sp>
+        <p:nvSpPr>
+          <p:cNvPr id="3" name="Segnaposto contenuto 2">
+            <a:extLst>
+              <a:ext uri="{FF2B5EF4-FFF2-40B4-BE49-F238E27FC236}">
+                <a16:creationId xmlns="" xmlns:a16="http://schemas.microsoft.com/office/drawing/2014/main" id="{EE9629A9-6146-4F44-9EDF-5D86C3A2C39D}"/>
+              </a:ext>
+            </a:extLst>
+          </p:cNvPr>
+          <p:cNvSpPr>
+            <a:spLocks noGrp="1"/>
+          </p:cNvSpPr>
           <p:nvPr>
             <p:ph idx="1"/>
-            <p:extLst>
-              <p:ext uri="{D42A27DB-BD31-4B8C-83A1-F6EECF244321}">
-                <p14:modId xmlns:p14="http://schemas.microsoft.com/office/powerpoint/2010/main" val="1531005612"/>
-              </p:ext>
-            </p:extLst>
           </p:nvPr>
-        </p:nvGraphicFramePr>
-        <p:xfrm>
-          <a:off x="838200" y="1447060"/>
-          <a:ext cx="10951346" cy="5220070"/>
-        </p:xfrm>
-        <a:graphic>
-          <a:graphicData uri="http://schemas.openxmlformats.org/drawingml/2006/diagram">
-            <dgm:relIds xmlns:dgm="http://schemas.openxmlformats.org/drawingml/2006/diagram" xmlns:r="http://schemas.openxmlformats.org/officeDocument/2006/relationships" r:dm="rId2" r:lo="rId3" r:qs="rId4" r:cs="rId5"/>
-          </a:graphicData>
-        </a:graphic>
-      </p:graphicFrame>
-      <p:sp>
-        <p:nvSpPr>
-          <p:cNvPr id="6" name="Ovale 5">
-            <a:extLst>
-              <a:ext uri="{FF2B5EF4-FFF2-40B4-BE49-F238E27FC236}">
-                <a16:creationId xmlns:a16="http://schemas.microsoft.com/office/drawing/2014/main" xmlns="" id="{171F6307-4D37-429B-A1E1-FA6F8631803C}"/>
-              </a:ext>
-            </a:extLst>
-          </p:cNvPr>
-          <p:cNvSpPr/>
-          <p:nvPr/>
-        </p:nvSpPr>
-        <p:spPr>
-          <a:xfrm>
-            <a:off x="1071608" y="1787292"/>
-            <a:ext cx="2348883" cy="1968053"/>
-          </a:xfrm>
-          <a:prstGeom prst="ellipse">
-            <a:avLst/>
-          </a:prstGeom>
-        </p:spPr>
-        <p:style>
-          <a:lnRef idx="2">
-            <a:schemeClr val="accent1">
-              <a:shade val="50000"/>
-            </a:schemeClr>
-          </a:lnRef>
-          <a:fillRef idx="1">
-            <a:schemeClr val="accent1"/>
-          </a:fillRef>
-          <a:effectRef idx="0">
-            <a:schemeClr val="accent1"/>
-          </a:effectRef>
-          <a:fontRef idx="minor">
-            <a:schemeClr val="lt1"/>
-          </a:fontRef>
-        </p:style>
-        <p:txBody>
-          <a:bodyPr rtlCol="0" anchor="ctr"/>
+        </p:nvSpPr>
+        <p:spPr/>
+        <p:txBody>
+          <a:bodyPr/>
           <a:lstStyle/>
           <a:p>
-            <a:pPr algn="ctr"/>
+            <a:pPr marL="0" indent="0" algn="just">
+              <a:buNone/>
+            </a:pPr>
             <a:r>
               <a:rPr lang="en-US" dirty="0"/>
-              <a:t>Blue coin installation and connection with the data processing unit</a:t>
-            </a:r>
-          </a:p>
-        </p:txBody>
-      </p:sp>
-      <p:sp>
-        <p:nvSpPr>
-          <p:cNvPr id="7" name="Ovale 6">
-            <a:extLst>
-              <a:ext uri="{FF2B5EF4-FFF2-40B4-BE49-F238E27FC236}">
-                <a16:creationId xmlns:a16="http://schemas.microsoft.com/office/drawing/2014/main" xmlns="" id="{7D2481BC-556D-4A5B-8ACC-76105A174A3F}"/>
-              </a:ext>
-            </a:extLst>
-          </p:cNvPr>
-          <p:cNvSpPr/>
-          <p:nvPr/>
-        </p:nvSpPr>
-        <p:spPr>
-          <a:xfrm>
-            <a:off x="1136342" y="4643021"/>
-            <a:ext cx="2139518" cy="1849854"/>
-          </a:xfrm>
-          <a:prstGeom prst="ellipse">
-            <a:avLst/>
-          </a:prstGeom>
-        </p:spPr>
-        <p:style>
-          <a:lnRef idx="2">
-            <a:schemeClr val="accent1">
-              <a:shade val="50000"/>
-            </a:schemeClr>
-          </a:lnRef>
-          <a:fillRef idx="1">
-            <a:schemeClr val="accent1"/>
-          </a:fillRef>
-          <a:effectRef idx="0">
-            <a:schemeClr val="accent1"/>
-          </a:effectRef>
-          <a:fontRef idx="minor">
-            <a:schemeClr val="lt1"/>
-          </a:fontRef>
-        </p:style>
-        <p:txBody>
-          <a:bodyPr rtlCol="0" anchor="ctr"/>
-          <a:lstStyle/>
-          <a:p>
-            <a:pPr algn="ctr"/>
+              <a:t>The system should </a:t>
+            </a:r>
+            <a:r>
+              <a:rPr lang="en-US" dirty="0" smtClean="0"/>
+              <a:t>not work only </a:t>
+            </a:r>
+            <a:r>
+              <a:rPr lang="en-US" dirty="0" smtClean="0"/>
+              <a:t>with </a:t>
+            </a:r>
             <a:r>
               <a:rPr lang="en-US" dirty="0"/>
-              <a:t>Model identification</a:t>
-            </a:r>
-          </a:p>
-        </p:txBody>
-      </p:sp>
-      <p:sp>
-        <p:nvSpPr>
-          <p:cNvPr id="8" name="Freccia a destra 7">
-            <a:extLst>
-              <a:ext uri="{FF2B5EF4-FFF2-40B4-BE49-F238E27FC236}">
-                <a16:creationId xmlns:a16="http://schemas.microsoft.com/office/drawing/2014/main" xmlns="" id="{D19DE539-9226-4A1E-8C13-A31CD290B866}"/>
-              </a:ext>
-            </a:extLst>
-          </p:cNvPr>
-          <p:cNvSpPr/>
-          <p:nvPr/>
-        </p:nvSpPr>
-        <p:spPr>
-          <a:xfrm rot="5619289">
-            <a:off x="1979720" y="3879542"/>
-            <a:ext cx="532661" cy="674703"/>
-          </a:xfrm>
-          <a:prstGeom prst="rightArrow">
-            <a:avLst/>
-          </a:prstGeom>
-        </p:spPr>
-        <p:style>
-          <a:lnRef idx="2">
-            <a:schemeClr val="accent1">
-              <a:shade val="50000"/>
-            </a:schemeClr>
-          </a:lnRef>
-          <a:fillRef idx="1">
-            <a:schemeClr val="accent1"/>
-          </a:fillRef>
-          <a:effectRef idx="0">
-            <a:schemeClr val="accent1"/>
-          </a:effectRef>
-          <a:fontRef idx="minor">
-            <a:schemeClr val="lt1"/>
-          </a:fontRef>
-        </p:style>
-        <p:txBody>
-          <a:bodyPr rtlCol="0" anchor="ctr"/>
-          <a:lstStyle/>
-          <a:p>
-            <a:pPr algn="ctr"/>
-            <a:endParaRPr lang="en-US"/>
-          </a:p>
-        </p:txBody>
-      </p:sp>
-      <p:sp>
-        <p:nvSpPr>
-          <p:cNvPr id="9" name="Freccia a destra 8">
-            <a:extLst>
-              <a:ext uri="{FF2B5EF4-FFF2-40B4-BE49-F238E27FC236}">
-                <a16:creationId xmlns:a16="http://schemas.microsoft.com/office/drawing/2014/main" xmlns="" id="{5F8B9189-57DA-4A67-B0C6-FC9673114617}"/>
-              </a:ext>
-            </a:extLst>
-          </p:cNvPr>
-          <p:cNvSpPr/>
-          <p:nvPr/>
-        </p:nvSpPr>
-        <p:spPr>
-          <a:xfrm rot="20006494">
-            <a:off x="3808520" y="4629805"/>
-            <a:ext cx="1198485" cy="541792"/>
-          </a:xfrm>
-          <a:prstGeom prst="rightArrow">
-            <a:avLst/>
-          </a:prstGeom>
-        </p:spPr>
-        <p:style>
-          <a:lnRef idx="2">
-            <a:schemeClr val="accent1">
-              <a:shade val="50000"/>
-            </a:schemeClr>
-          </a:lnRef>
-          <a:fillRef idx="1">
-            <a:schemeClr val="accent1"/>
-          </a:fillRef>
-          <a:effectRef idx="0">
-            <a:schemeClr val="accent1"/>
-          </a:effectRef>
-          <a:fontRef idx="minor">
-            <a:schemeClr val="lt1"/>
-          </a:fontRef>
-        </p:style>
-        <p:txBody>
-          <a:bodyPr rtlCol="0" anchor="ctr"/>
-          <a:lstStyle/>
-          <a:p>
-            <a:pPr algn="ctr"/>
-            <a:endParaRPr lang="en-US"/>
+              <a:t>a single motor since </a:t>
+            </a:r>
+            <a:r>
+              <a:rPr lang="en-US" dirty="0" smtClean="0"/>
+              <a:t>each one </a:t>
+            </a:r>
+            <a:r>
+              <a:rPr lang="en-US" dirty="0"/>
+              <a:t>has a different dynamic based on it’s </a:t>
+            </a:r>
+            <a:r>
+              <a:rPr lang="en-US" dirty="0" smtClean="0"/>
+              <a:t>usage.</a:t>
+            </a:r>
+          </a:p>
+          <a:p>
+            <a:pPr marL="0" indent="0" algn="just">
+              <a:buNone/>
+            </a:pPr>
+            <a:r>
+              <a:rPr lang="en-US" dirty="0" smtClean="0"/>
+              <a:t>That’s </a:t>
+            </a:r>
+            <a:r>
+              <a:rPr lang="en-US" dirty="0"/>
+              <a:t>why the system should, on it’s first usage on a new motor, perform a preliminary calibration phase in order to adapt the model to the singular characteristics of the current motor.</a:t>
+            </a:r>
           </a:p>
         </p:txBody>
       </p:sp>
     </p:spTree>
     <p:extLst>
       <p:ext uri="{BB962C8B-B14F-4D97-AF65-F5344CB8AC3E}">
-        <p14:creationId xmlns:p14="http://schemas.microsoft.com/office/powerpoint/2010/main" val="2659968465"/>
+        <p14:creationId xmlns:p14="http://schemas.microsoft.com/office/powerpoint/2010/main" val="163688200"/>
       </p:ext>
     </p:extLst>
   </p:cSld>

--- a/Pervasive_presentation_Milestone1_group8.pptx
+++ b/Pervasive_presentation_Milestone1_group8.pptx
@@ -972,8 +972,12 @@
         <a:lstStyle/>
         <a:p>
           <a:r>
-            <a:rPr lang="it-IT" dirty="0" err="1"/>
-            <a:t>Sensing</a:t>
+            <a:rPr lang="it-IT" dirty="0" smtClean="0"/>
+            <a:t>Data </a:t>
+          </a:r>
+          <a:r>
+            <a:rPr lang="it-IT" dirty="0" err="1" smtClean="0"/>
+            <a:t>sensing</a:t>
           </a:r>
           <a:endParaRPr lang="it-IT" dirty="0"/>
         </a:p>
@@ -1018,7 +1022,7 @@
       </dgm:t>
     </dgm:pt>
     <dgm:pt modelId="{A68C81A6-BCFC-4153-B6E3-C613A04AA585}" type="pres">
-      <dgm:prSet presAssocID="{A857E690-4EE0-4074-A5DA-60EAAE56983E}" presName="node" presStyleLbl="node1" presStyleIdx="0" presStyleCnt="3" custRadScaleRad="193400" custRadScaleInc="100558">
+      <dgm:prSet presAssocID="{A857E690-4EE0-4074-A5DA-60EAAE56983E}" presName="node" presStyleLbl="node1" presStyleIdx="0" presStyleCnt="3" custRadScaleRad="221727" custRadScaleInc="106030">
         <dgm:presLayoutVars>
           <dgm:bulletEnabled val="1"/>
         </dgm:presLayoutVars>
@@ -1055,7 +1059,7 @@
       </dgm:t>
     </dgm:pt>
     <dgm:pt modelId="{683565E8-0100-4EA2-82FC-1A7BC8AFE8E1}" type="pres">
-      <dgm:prSet presAssocID="{28B72905-C74A-46F0-9888-451C8413A55D}" presName="node" presStyleLbl="node1" presStyleIdx="1" presStyleCnt="3" custRadScaleRad="186691" custRadScaleInc="-26736">
+      <dgm:prSet presAssocID="{28B72905-C74A-46F0-9888-451C8413A55D}" presName="node" presStyleLbl="node1" presStyleIdx="1" presStyleCnt="3" custRadScaleRad="215137" custRadScaleInc="-30391">
         <dgm:presLayoutVars>
           <dgm:bulletEnabled val="1"/>
         </dgm:presLayoutVars>
@@ -1092,7 +1096,7 @@
       </dgm:t>
     </dgm:pt>
     <dgm:pt modelId="{3983FD8B-A12B-40A9-8B97-99736CBAD01F}" type="pres">
-      <dgm:prSet presAssocID="{7BE20C44-D282-4482-9657-DAE936D98CE3}" presName="node" presStyleLbl="node1" presStyleIdx="2" presStyleCnt="3" custRadScaleRad="17407" custRadScaleInc="218938">
+      <dgm:prSet presAssocID="{7BE20C44-D282-4482-9657-DAE936D98CE3}" presName="node" presStyleLbl="node1" presStyleIdx="2" presStyleCnt="3" custRadScaleRad="54639" custRadScaleInc="-274502">
         <dgm:presLayoutVars>
           <dgm:bulletEnabled val="1"/>
         </dgm:presLayoutVars>
@@ -1178,7 +1182,7 @@
       </dsp:nvSpPr>
       <dsp:spPr>
         <a:xfrm>
-          <a:off x="7644418" y="84788"/>
+          <a:off x="8245646" y="29633"/>
           <a:ext cx="2269944" cy="2269944"/>
         </a:xfrm>
         <a:prstGeom prst="ellipse">
@@ -1247,7 +1251,7 @@
         </a:p>
       </dsp:txBody>
       <dsp:txXfrm>
-        <a:off x="7976844" y="417214"/>
+        <a:off x="8578072" y="362059"/>
         <a:ext cx="1605092" cy="1605092"/>
       </dsp:txXfrm>
     </dsp:sp>
@@ -1257,9 +1261,9 @@
         <dsp:cNvSpPr/>
       </dsp:nvSpPr>
       <dsp:spPr>
-        <a:xfrm rot="5080318">
-          <a:off x="8772794" y="2212629"/>
-          <a:ext cx="269831" cy="766106"/>
+        <a:xfrm rot="5111386">
+          <a:off x="9354825" y="2173138"/>
+          <a:ext cx="285798" cy="766106"/>
         </a:xfrm>
         <a:prstGeom prst="rightArrow">
           <a:avLst>
@@ -1324,8 +1328,8 @@
         </a:p>
       </dsp:txBody>
       <dsp:txXfrm>
-        <a:off x="8809510" y="2325550"/>
-        <a:ext cx="188882" cy="459664"/>
+        <a:off x="9394100" y="2283640"/>
+        <a:ext cx="200059" cy="459664"/>
       </dsp:txXfrm>
     </dsp:sp>
     <dsp:sp modelId="{683565E8-0100-4EA2-82FC-1A7BC8AFE8E1}">
@@ -1335,7 +1339,7 @@
       </dsp:nvSpPr>
       <dsp:spPr>
         <a:xfrm>
-          <a:off x="7902475" y="2851840"/>
+          <a:off x="8481213" y="2828925"/>
           <a:ext cx="2269944" cy="2269944"/>
         </a:xfrm>
         <a:prstGeom prst="ellipse">
@@ -1399,7 +1403,7 @@
         </a:p>
       </dsp:txBody>
       <dsp:txXfrm>
-        <a:off x="8234901" y="3184266"/>
+        <a:off x="8813639" y="3161351"/>
         <a:ext cx="1605092" cy="1605092"/>
       </dsp:txXfrm>
     </dsp:sp>
@@ -1409,9 +1413,9 @@
         <dsp:cNvSpPr/>
       </dsp:nvSpPr>
       <dsp:spPr>
-        <a:xfrm rot="11955453">
-          <a:off x="6931188" y="3000441"/>
-          <a:ext cx="758707" cy="766106"/>
+        <a:xfrm rot="12005985">
+          <a:off x="7806292" y="3018676"/>
+          <a:ext cx="547349" cy="766106"/>
         </a:xfrm>
         <a:prstGeom prst="rightArrow">
           <a:avLst>
@@ -1476,8 +1480,8 @@
         </a:p>
       </dsp:txBody>
       <dsp:txXfrm rot="10800000">
-        <a:off x="7152432" y="3191197"/>
-        <a:ext cx="531095" cy="459664"/>
+        <a:off x="7965497" y="3200112"/>
+        <a:ext cx="383144" cy="459664"/>
       </dsp:txXfrm>
     </dsp:sp>
     <dsp:sp modelId="{3983FD8B-A12B-40A9-8B97-99736CBAD01F}">
@@ -1487,7 +1491,7 @@
       </dsp:nvSpPr>
       <dsp:spPr>
         <a:xfrm>
-          <a:off x="4408121" y="1631040"/>
+          <a:off x="5379681" y="1693941"/>
           <a:ext cx="2269944" cy="2269944"/>
         </a:xfrm>
         <a:prstGeom prst="ellipse">
@@ -1545,14 +1549,18 @@
             </a:spcAft>
           </a:pPr>
           <a:r>
-            <a:rPr lang="it-IT" sz="1700" kern="1200" dirty="0" err="1"/>
-            <a:t>Sensing</a:t>
+            <a:rPr lang="it-IT" sz="1700" kern="1200" dirty="0" smtClean="0"/>
+            <a:t>Data </a:t>
+          </a:r>
+          <a:r>
+            <a:rPr lang="it-IT" sz="1700" kern="1200" dirty="0" err="1" smtClean="0"/>
+            <a:t>sensing</a:t>
           </a:r>
           <a:endParaRPr lang="it-IT" sz="1700" kern="1200" dirty="0"/>
         </a:p>
       </dsp:txBody>
       <dsp:txXfrm>
-        <a:off x="4740547" y="1963466"/>
+        <a:off x="5712107" y="2026367"/>
         <a:ext cx="1605092" cy="1605092"/>
       </dsp:txXfrm>
     </dsp:sp>
@@ -1562,9 +1570,9 @@
         <dsp:cNvSpPr/>
       </dsp:nvSpPr>
       <dsp:spPr>
-        <a:xfrm rot="20067735">
-          <a:off x="6794476" y="1618348"/>
-          <a:ext cx="697887" cy="766106"/>
+        <a:xfrm rot="19791338">
+          <a:off x="7657373" y="1621572"/>
+          <a:ext cx="553435" cy="766106"/>
         </a:xfrm>
         <a:prstGeom prst="rightArrow">
           <a:avLst>
@@ -1629,8 +1637,8 @@
         </a:p>
       </dsp:txBody>
       <dsp:txXfrm>
-        <a:off x="6804703" y="1816698"/>
-        <a:ext cx="488521" cy="459664"/>
+        <a:off x="7668600" y="1816482"/>
+        <a:ext cx="387405" cy="459664"/>
       </dsp:txXfrm>
     </dsp:sp>
   </dsp:spTree>
@@ -6561,7 +6569,7 @@
             <p:ph idx="1"/>
             <p:extLst>
               <p:ext uri="{D42A27DB-BD31-4B8C-83A1-F6EECF244321}">
-                <p14:modId xmlns:p14="http://schemas.microsoft.com/office/powerpoint/2010/main" val="1531005612"/>
+                <p14:modId xmlns:p14="http://schemas.microsoft.com/office/powerpoint/2010/main" val="1595838581"/>
               </p:ext>
             </p:extLst>
           </p:nvPr>
@@ -6590,7 +6598,7 @@
         </p:nvSpPr>
         <p:spPr>
           <a:xfrm>
-            <a:off x="1071608" y="1787292"/>
+            <a:off x="402454" y="1627647"/>
             <a:ext cx="2348883" cy="1968053"/>
           </a:xfrm>
           <a:prstGeom prst="ellipse">
@@ -6639,7 +6647,7 @@
         </p:nvSpPr>
         <p:spPr>
           <a:xfrm>
-            <a:off x="1136342" y="4643021"/>
+            <a:off x="1970395" y="4451302"/>
             <a:ext cx="2139518" cy="1849854"/>
           </a:xfrm>
           <a:prstGeom prst="ellipse">
@@ -6687,9 +6695,9 @@
           <p:nvPr/>
         </p:nvSpPr>
         <p:spPr>
-          <a:xfrm rot="5619289">
-            <a:off x="1979720" y="3879542"/>
-            <a:ext cx="532661" cy="674703"/>
+          <a:xfrm>
+            <a:off x="2850143" y="2398047"/>
+            <a:ext cx="667748" cy="496528"/>
           </a:xfrm>
           <a:prstGeom prst="rightArrow">
             <a:avLst/>
@@ -6733,9 +6741,105 @@
           <p:nvPr/>
         </p:nvSpPr>
         <p:spPr>
-          <a:xfrm rot="20006494">
-            <a:off x="3808520" y="4629805"/>
-            <a:ext cx="1198485" cy="541792"/>
+          <a:xfrm rot="20176692">
+            <a:off x="4374412" y="4595095"/>
+            <a:ext cx="1599004" cy="541792"/>
+          </a:xfrm>
+          <a:prstGeom prst="rightArrow">
+            <a:avLst/>
+          </a:prstGeom>
+        </p:spPr>
+        <p:style>
+          <a:lnRef idx="2">
+            <a:schemeClr val="accent1">
+              <a:shade val="50000"/>
+            </a:schemeClr>
+          </a:lnRef>
+          <a:fillRef idx="1">
+            <a:schemeClr val="accent1"/>
+          </a:fillRef>
+          <a:effectRef idx="0">
+            <a:schemeClr val="accent1"/>
+          </a:effectRef>
+          <a:fontRef idx="minor">
+            <a:schemeClr val="lt1"/>
+          </a:fontRef>
+        </p:style>
+        <p:txBody>
+          <a:bodyPr rtlCol="0" anchor="ctr"/>
+          <a:lstStyle/>
+          <a:p>
+            <a:pPr algn="ctr"/>
+            <a:endParaRPr lang="en-US"/>
+          </a:p>
+        </p:txBody>
+      </p:sp>
+      <p:sp>
+        <p:nvSpPr>
+          <p:cNvPr id="10" name="Ovale 9">
+            <a:extLst>
+              <a:ext uri="{FF2B5EF4-FFF2-40B4-BE49-F238E27FC236}">
+                <a16:creationId xmlns="" xmlns:a16="http://schemas.microsoft.com/office/drawing/2014/main" id="{7D2481BC-556D-4A5B-8ACC-76105A174A3F}"/>
+              </a:ext>
+            </a:extLst>
+          </p:cNvPr>
+          <p:cNvSpPr/>
+          <p:nvPr/>
+        </p:nvSpPr>
+        <p:spPr>
+          <a:xfrm>
+            <a:off x="3548570" y="1745846"/>
+            <a:ext cx="2139518" cy="1849854"/>
+          </a:xfrm>
+          <a:prstGeom prst="ellipse">
+            <a:avLst/>
+          </a:prstGeom>
+        </p:spPr>
+        <p:style>
+          <a:lnRef idx="2">
+            <a:schemeClr val="accent1">
+              <a:shade val="50000"/>
+            </a:schemeClr>
+          </a:lnRef>
+          <a:fillRef idx="1">
+            <a:schemeClr val="accent1"/>
+          </a:fillRef>
+          <a:effectRef idx="0">
+            <a:schemeClr val="accent1"/>
+          </a:effectRef>
+          <a:fontRef idx="minor">
+            <a:schemeClr val="lt1"/>
+          </a:fontRef>
+        </p:style>
+        <p:txBody>
+          <a:bodyPr rtlCol="0" anchor="ctr"/>
+          <a:lstStyle/>
+          <a:p>
+            <a:pPr algn="ctr"/>
+            <a:r>
+              <a:rPr lang="en-US" dirty="0" smtClean="0"/>
+              <a:t>Data sensing</a:t>
+            </a:r>
+            <a:endParaRPr lang="en-US" dirty="0"/>
+          </a:p>
+        </p:txBody>
+      </p:sp>
+      <p:sp>
+        <p:nvSpPr>
+          <p:cNvPr id="11" name="Freccia a destra 8">
+            <a:extLst>
+              <a:ext uri="{FF2B5EF4-FFF2-40B4-BE49-F238E27FC236}">
+                <a16:creationId xmlns="" xmlns:a16="http://schemas.microsoft.com/office/drawing/2014/main" id="{5F8B9189-57DA-4A67-B0C6-FC9673114617}"/>
+              </a:ext>
+            </a:extLst>
+          </p:cNvPr>
+          <p:cNvSpPr/>
+          <p:nvPr/>
+        </p:nvSpPr>
+        <p:spPr>
+          <a:xfrm rot="7761103">
+            <a:off x="3432827" y="3786198"/>
+            <a:ext cx="901410" cy="541792"/>
           </a:xfrm>
           <a:prstGeom prst="rightArrow">
             <a:avLst/>
@@ -7971,14 +8075,16 @@
           <a:bodyPr/>
           <a:lstStyle/>
           <a:p>
-            <a:pPr algn="just"/>
+            <a:pPr marL="0" indent="0" algn="just">
+              <a:buNone/>
+            </a:pPr>
             <a:r>
               <a:rPr lang="en-US" dirty="0" smtClean="0"/>
-              <a:t>We want to obtain a system able to detect fault on </a:t>
+              <a:t>We want to obtain a system able to detect </a:t>
             </a:r>
             <a:r>
               <a:rPr lang="en-US" dirty="0" smtClean="0"/>
-              <a:t>an industrial motor </a:t>
+              <a:t>faults on an industrial motor </a:t>
             </a:r>
             <a:r>
               <a:rPr lang="en-US" dirty="0" smtClean="0"/>
@@ -8902,19 +9008,13 @@
       </p:sp>
       <p:pic>
         <p:nvPicPr>
-          <p:cNvPr id="5" name="Immagine 4" descr="Immagine che contiene screenshot&#10;&#10;Descrizione generata con affidabilità molto elevata">
-            <a:extLst>
-              <a:ext uri="{FF2B5EF4-FFF2-40B4-BE49-F238E27FC236}">
-                <a16:creationId xmlns="" xmlns:a16="http://schemas.microsoft.com/office/drawing/2014/main" id="{6C831FAE-2AEF-459E-9320-D4E8A58355ED}"/>
-              </a:ext>
-            </a:extLst>
-          </p:cNvPr>
+          <p:cNvPr id="4" name="Immagine 3"/>
           <p:cNvPicPr>
             <a:picLocks noChangeAspect="1"/>
           </p:cNvPicPr>
           <p:nvPr/>
         </p:nvPicPr>
-        <p:blipFill>
+        <p:blipFill rotWithShape="1">
           <a:blip r:embed="rId2">
             <a:extLst>
               <a:ext uri="{28A0092B-C50C-407E-A947-70E740481C1C}">
@@ -8922,14 +9022,13 @@
               </a:ext>
             </a:extLst>
           </a:blip>
-          <a:stretch>
-            <a:fillRect/>
-          </a:stretch>
+          <a:srcRect l="1868" t="14206" r="3638" b="5068"/>
+          <a:stretch/>
         </p:blipFill>
         <p:spPr>
           <a:xfrm>
-            <a:off x="1169524" y="2939970"/>
-            <a:ext cx="9852951" cy="3362631"/>
+            <a:off x="838200" y="2520328"/>
+            <a:ext cx="10718919" cy="3615467"/>
           </a:xfrm>
           <a:prstGeom prst="rect">
             <a:avLst/>

--- a/Pervasive_presentation_Milestone1_group8.pptx
+++ b/Pervasive_presentation_Milestone1_group8.pptx
@@ -2,7 +2,7 @@
 <file path=ppt/presentation.xml><?xml version="1.0" encoding="utf-8"?>
 <p:presentation xmlns:a="http://schemas.openxmlformats.org/drawingml/2006/main" xmlns:r="http://schemas.openxmlformats.org/officeDocument/2006/relationships" xmlns:p="http://schemas.openxmlformats.org/presentationml/2006/main" saveSubsetFonts="1">
   <p:sldMasterIdLst>
-    <p:sldMasterId id="2147483648" r:id="rId1"/>
+    <p:sldMasterId id="2147483678" r:id="rId1"/>
   </p:sldMasterIdLst>
   <p:sldIdLst>
     <p:sldId id="256" r:id="rId2"/>
@@ -21,9 +21,9 @@
   <p:notesSz cx="6858000" cy="9144000"/>
   <p:defaultTextStyle>
     <a:defPPr>
-      <a:defRPr lang="it-IT"/>
+      <a:defRPr lang="en-US"/>
     </a:defPPr>
-    <a:lvl1pPr marL="0" algn="l" defTabSz="914400" rtl="0" eaLnBrk="1" latinLnBrk="0" hangingPunct="1">
+    <a:lvl1pPr marL="0" algn="l" defTabSz="457200" rtl="0" eaLnBrk="1" latinLnBrk="0" hangingPunct="1">
       <a:defRPr sz="1800" kern="1200">
         <a:solidFill>
           <a:schemeClr val="tx1"/>
@@ -33,7 +33,7 @@
         <a:cs typeface="+mn-cs"/>
       </a:defRPr>
     </a:lvl1pPr>
-    <a:lvl2pPr marL="457200" algn="l" defTabSz="914400" rtl="0" eaLnBrk="1" latinLnBrk="0" hangingPunct="1">
+    <a:lvl2pPr marL="457200" algn="l" defTabSz="457200" rtl="0" eaLnBrk="1" latinLnBrk="0" hangingPunct="1">
       <a:defRPr sz="1800" kern="1200">
         <a:solidFill>
           <a:schemeClr val="tx1"/>
@@ -43,7 +43,7 @@
         <a:cs typeface="+mn-cs"/>
       </a:defRPr>
     </a:lvl2pPr>
-    <a:lvl3pPr marL="914400" algn="l" defTabSz="914400" rtl="0" eaLnBrk="1" latinLnBrk="0" hangingPunct="1">
+    <a:lvl3pPr marL="914400" algn="l" defTabSz="457200" rtl="0" eaLnBrk="1" latinLnBrk="0" hangingPunct="1">
       <a:defRPr sz="1800" kern="1200">
         <a:solidFill>
           <a:schemeClr val="tx1"/>
@@ -53,7 +53,7 @@
         <a:cs typeface="+mn-cs"/>
       </a:defRPr>
     </a:lvl3pPr>
-    <a:lvl4pPr marL="1371600" algn="l" defTabSz="914400" rtl="0" eaLnBrk="1" latinLnBrk="0" hangingPunct="1">
+    <a:lvl4pPr marL="1371600" algn="l" defTabSz="457200" rtl="0" eaLnBrk="1" latinLnBrk="0" hangingPunct="1">
       <a:defRPr sz="1800" kern="1200">
         <a:solidFill>
           <a:schemeClr val="tx1"/>
@@ -63,7 +63,7 @@
         <a:cs typeface="+mn-cs"/>
       </a:defRPr>
     </a:lvl4pPr>
-    <a:lvl5pPr marL="1828800" algn="l" defTabSz="914400" rtl="0" eaLnBrk="1" latinLnBrk="0" hangingPunct="1">
+    <a:lvl5pPr marL="1828800" algn="l" defTabSz="457200" rtl="0" eaLnBrk="1" latinLnBrk="0" hangingPunct="1">
       <a:defRPr sz="1800" kern="1200">
         <a:solidFill>
           <a:schemeClr val="tx1"/>
@@ -73,7 +73,7 @@
         <a:cs typeface="+mn-cs"/>
       </a:defRPr>
     </a:lvl5pPr>
-    <a:lvl6pPr marL="2286000" algn="l" defTabSz="914400" rtl="0" eaLnBrk="1" latinLnBrk="0" hangingPunct="1">
+    <a:lvl6pPr marL="2286000" algn="l" defTabSz="457200" rtl="0" eaLnBrk="1" latinLnBrk="0" hangingPunct="1">
       <a:defRPr sz="1800" kern="1200">
         <a:solidFill>
           <a:schemeClr val="tx1"/>
@@ -83,7 +83,7 @@
         <a:cs typeface="+mn-cs"/>
       </a:defRPr>
     </a:lvl6pPr>
-    <a:lvl7pPr marL="2743200" algn="l" defTabSz="914400" rtl="0" eaLnBrk="1" latinLnBrk="0" hangingPunct="1">
+    <a:lvl7pPr marL="2743200" algn="l" defTabSz="457200" rtl="0" eaLnBrk="1" latinLnBrk="0" hangingPunct="1">
       <a:defRPr sz="1800" kern="1200">
         <a:solidFill>
           <a:schemeClr val="tx1"/>
@@ -93,7 +93,7 @@
         <a:cs typeface="+mn-cs"/>
       </a:defRPr>
     </a:lvl7pPr>
-    <a:lvl8pPr marL="3200400" algn="l" defTabSz="914400" rtl="0" eaLnBrk="1" latinLnBrk="0" hangingPunct="1">
+    <a:lvl8pPr marL="3200400" algn="l" defTabSz="457200" rtl="0" eaLnBrk="1" latinLnBrk="0" hangingPunct="1">
       <a:defRPr sz="1800" kern="1200">
         <a:solidFill>
           <a:schemeClr val="tx1"/>
@@ -103,7 +103,7 @@
         <a:cs typeface="+mn-cs"/>
       </a:defRPr>
     </a:lvl8pPr>
-    <a:lvl9pPr marL="3657600" algn="l" defTabSz="914400" rtl="0" eaLnBrk="1" latinLnBrk="0" hangingPunct="1">
+    <a:lvl9pPr marL="3657600" algn="l" defTabSz="457200" rtl="0" eaLnBrk="1" latinLnBrk="0" hangingPunct="1">
       <a:defRPr sz="1800" kern="1200">
         <a:solidFill>
           <a:schemeClr val="tx1"/>
@@ -887,124 +887,6 @@
         </a:p>
       </dgm:t>
     </dgm:pt>
-    <dgm:pt modelId="{A857E690-4EE0-4074-A5DA-60EAAE56983E}">
-      <dgm:prSet phldrT="[Testo]"/>
-      <dgm:spPr/>
-      <dgm:t>
-        <a:bodyPr/>
-        <a:lstStyle/>
-        <a:p>
-          <a:r>
-            <a:rPr lang="it-IT" dirty="0"/>
-            <a:t>Data </a:t>
-          </a:r>
-          <a:r>
-            <a:rPr lang="it-IT" dirty="0" err="1"/>
-            <a:t>checking</a:t>
-          </a:r>
-          <a:endParaRPr lang="it-IT" dirty="0"/>
-        </a:p>
-      </dgm:t>
-    </dgm:pt>
-    <dgm:pt modelId="{2F4F9D67-5DF6-4326-8198-E3588C3CC3F9}" type="parTrans" cxnId="{3015C273-3BDB-40C2-9946-3CB00AFD0853}">
-      <dgm:prSet/>
-      <dgm:spPr/>
-      <dgm:t>
-        <a:bodyPr/>
-        <a:lstStyle/>
-        <a:p>
-          <a:endParaRPr lang="it-IT"/>
-        </a:p>
-      </dgm:t>
-    </dgm:pt>
-    <dgm:pt modelId="{9B7CEC0D-B506-4F77-8747-4A644FB68B74}" type="sibTrans" cxnId="{3015C273-3BDB-40C2-9946-3CB00AFD0853}">
-      <dgm:prSet/>
-      <dgm:spPr/>
-      <dgm:t>
-        <a:bodyPr/>
-        <a:lstStyle/>
-        <a:p>
-          <a:endParaRPr lang="it-IT"/>
-        </a:p>
-      </dgm:t>
-    </dgm:pt>
-    <dgm:pt modelId="{28B72905-C74A-46F0-9888-451C8413A55D}">
-      <dgm:prSet phldrT="[Testo]"/>
-      <dgm:spPr/>
-      <dgm:t>
-        <a:bodyPr/>
-        <a:lstStyle/>
-        <a:p>
-          <a:r>
-            <a:rPr lang="it-IT" dirty="0"/>
-            <a:t>Positive/Negative Output</a:t>
-          </a:r>
-        </a:p>
-      </dgm:t>
-    </dgm:pt>
-    <dgm:pt modelId="{3FA63995-4292-486A-9D04-1FD65E662CA6}" type="parTrans" cxnId="{1C2BDF20-8943-4D43-9DF4-B2FB9AC3930A}">
-      <dgm:prSet/>
-      <dgm:spPr/>
-      <dgm:t>
-        <a:bodyPr/>
-        <a:lstStyle/>
-        <a:p>
-          <a:endParaRPr lang="it-IT"/>
-        </a:p>
-      </dgm:t>
-    </dgm:pt>
-    <dgm:pt modelId="{123418D1-3EAC-478F-B9CB-CF9213F6BC23}" type="sibTrans" cxnId="{1C2BDF20-8943-4D43-9DF4-B2FB9AC3930A}">
-      <dgm:prSet/>
-      <dgm:spPr/>
-      <dgm:t>
-        <a:bodyPr/>
-        <a:lstStyle/>
-        <a:p>
-          <a:endParaRPr lang="it-IT"/>
-        </a:p>
-      </dgm:t>
-    </dgm:pt>
-    <dgm:pt modelId="{7BE20C44-D282-4482-9657-DAE936D98CE3}">
-      <dgm:prSet phldrT="[Testo]"/>
-      <dgm:spPr/>
-      <dgm:t>
-        <a:bodyPr/>
-        <a:lstStyle/>
-        <a:p>
-          <a:r>
-            <a:rPr lang="it-IT" dirty="0" smtClean="0"/>
-            <a:t>Data </a:t>
-          </a:r>
-          <a:r>
-            <a:rPr lang="it-IT" dirty="0" err="1" smtClean="0"/>
-            <a:t>sensing</a:t>
-          </a:r>
-          <a:endParaRPr lang="it-IT" dirty="0"/>
-        </a:p>
-      </dgm:t>
-    </dgm:pt>
-    <dgm:pt modelId="{704B1490-828C-4580-8C71-5B1EEB026451}" type="parTrans" cxnId="{F57A62E2-ADAA-41B6-BFFF-ED5402B7C2DB}">
-      <dgm:prSet/>
-      <dgm:spPr/>
-      <dgm:t>
-        <a:bodyPr/>
-        <a:lstStyle/>
-        <a:p>
-          <a:endParaRPr lang="it-IT"/>
-        </a:p>
-      </dgm:t>
-    </dgm:pt>
-    <dgm:pt modelId="{19AFDA25-6209-40C8-9FD4-0A72789500D2}" type="sibTrans" cxnId="{F57A62E2-ADAA-41B6-BFFF-ED5402B7C2DB}">
-      <dgm:prSet/>
-      <dgm:spPr/>
-      <dgm:t>
-        <a:bodyPr/>
-        <a:lstStyle/>
-        <a:p>
-          <a:endParaRPr lang="it-IT"/>
-        </a:p>
-      </dgm:t>
-    </dgm:pt>
     <dgm:pt modelId="{3444288F-6AEF-4080-BA2B-B3DDB499F93A}" type="pres">
       <dgm:prSet presAssocID="{BDDFC680-9E75-42F1-BFEC-3BD783C9265B}" presName="cycle" presStyleCnt="0">
         <dgm:presLayoutVars>
@@ -1013,149 +895,10 @@
         </dgm:presLayoutVars>
       </dgm:prSet>
       <dgm:spPr/>
-      <dgm:t>
-        <a:bodyPr/>
-        <a:lstStyle/>
-        <a:p>
-          <a:endParaRPr lang="it-IT"/>
-        </a:p>
-      </dgm:t>
-    </dgm:pt>
-    <dgm:pt modelId="{A68C81A6-BCFC-4153-B6E3-C613A04AA585}" type="pres">
-      <dgm:prSet presAssocID="{A857E690-4EE0-4074-A5DA-60EAAE56983E}" presName="node" presStyleLbl="node1" presStyleIdx="0" presStyleCnt="3" custRadScaleRad="221727" custRadScaleInc="106030">
-        <dgm:presLayoutVars>
-          <dgm:bulletEnabled val="1"/>
-        </dgm:presLayoutVars>
-      </dgm:prSet>
-      <dgm:spPr/>
-      <dgm:t>
-        <a:bodyPr/>
-        <a:lstStyle/>
-        <a:p>
-          <a:endParaRPr lang="it-IT"/>
-        </a:p>
-      </dgm:t>
-    </dgm:pt>
-    <dgm:pt modelId="{1DC66735-CC2B-414D-AA06-4FC742257EC0}" type="pres">
-      <dgm:prSet presAssocID="{9B7CEC0D-B506-4F77-8747-4A644FB68B74}" presName="sibTrans" presStyleLbl="sibTrans2D1" presStyleIdx="0" presStyleCnt="3"/>
-      <dgm:spPr/>
-      <dgm:t>
-        <a:bodyPr/>
-        <a:lstStyle/>
-        <a:p>
-          <a:endParaRPr lang="it-IT"/>
-        </a:p>
-      </dgm:t>
-    </dgm:pt>
-    <dgm:pt modelId="{6139D208-E1FA-4CDF-9681-89F9B56FE41C}" type="pres">
-      <dgm:prSet presAssocID="{9B7CEC0D-B506-4F77-8747-4A644FB68B74}" presName="connectorText" presStyleLbl="sibTrans2D1" presStyleIdx="0" presStyleCnt="3"/>
-      <dgm:spPr/>
-      <dgm:t>
-        <a:bodyPr/>
-        <a:lstStyle/>
-        <a:p>
-          <a:endParaRPr lang="it-IT"/>
-        </a:p>
-      </dgm:t>
-    </dgm:pt>
-    <dgm:pt modelId="{683565E8-0100-4EA2-82FC-1A7BC8AFE8E1}" type="pres">
-      <dgm:prSet presAssocID="{28B72905-C74A-46F0-9888-451C8413A55D}" presName="node" presStyleLbl="node1" presStyleIdx="1" presStyleCnt="3" custRadScaleRad="215137" custRadScaleInc="-30391">
-        <dgm:presLayoutVars>
-          <dgm:bulletEnabled val="1"/>
-        </dgm:presLayoutVars>
-      </dgm:prSet>
-      <dgm:spPr/>
-      <dgm:t>
-        <a:bodyPr/>
-        <a:lstStyle/>
-        <a:p>
-          <a:endParaRPr lang="it-IT"/>
-        </a:p>
-      </dgm:t>
-    </dgm:pt>
-    <dgm:pt modelId="{FF68F75E-77DD-4A42-9F2A-101CC9A85304}" type="pres">
-      <dgm:prSet presAssocID="{123418D1-3EAC-478F-B9CB-CF9213F6BC23}" presName="sibTrans" presStyleLbl="sibTrans2D1" presStyleIdx="1" presStyleCnt="3"/>
-      <dgm:spPr/>
-      <dgm:t>
-        <a:bodyPr/>
-        <a:lstStyle/>
-        <a:p>
-          <a:endParaRPr lang="it-IT"/>
-        </a:p>
-      </dgm:t>
-    </dgm:pt>
-    <dgm:pt modelId="{67B308E9-FD79-42BB-8317-1CB65FFE3C7F}" type="pres">
-      <dgm:prSet presAssocID="{123418D1-3EAC-478F-B9CB-CF9213F6BC23}" presName="connectorText" presStyleLbl="sibTrans2D1" presStyleIdx="1" presStyleCnt="3"/>
-      <dgm:spPr/>
-      <dgm:t>
-        <a:bodyPr/>
-        <a:lstStyle/>
-        <a:p>
-          <a:endParaRPr lang="it-IT"/>
-        </a:p>
-      </dgm:t>
-    </dgm:pt>
-    <dgm:pt modelId="{3983FD8B-A12B-40A9-8B97-99736CBAD01F}" type="pres">
-      <dgm:prSet presAssocID="{7BE20C44-D282-4482-9657-DAE936D98CE3}" presName="node" presStyleLbl="node1" presStyleIdx="2" presStyleCnt="3" custRadScaleRad="54639" custRadScaleInc="-274502">
-        <dgm:presLayoutVars>
-          <dgm:bulletEnabled val="1"/>
-        </dgm:presLayoutVars>
-      </dgm:prSet>
-      <dgm:spPr/>
-      <dgm:t>
-        <a:bodyPr/>
-        <a:lstStyle/>
-        <a:p>
-          <a:endParaRPr lang="it-IT"/>
-        </a:p>
-      </dgm:t>
-    </dgm:pt>
-    <dgm:pt modelId="{1145DD93-D3FA-4FA8-903A-89DF8CDC81A4}" type="pres">
-      <dgm:prSet presAssocID="{19AFDA25-6209-40C8-9FD4-0A72789500D2}" presName="sibTrans" presStyleLbl="sibTrans2D1" presStyleIdx="2" presStyleCnt="3"/>
-      <dgm:spPr/>
-      <dgm:t>
-        <a:bodyPr/>
-        <a:lstStyle/>
-        <a:p>
-          <a:endParaRPr lang="it-IT"/>
-        </a:p>
-      </dgm:t>
-    </dgm:pt>
-    <dgm:pt modelId="{87D49403-9750-465F-B31C-4D142BB22110}" type="pres">
-      <dgm:prSet presAssocID="{19AFDA25-6209-40C8-9FD4-0A72789500D2}" presName="connectorText" presStyleLbl="sibTrans2D1" presStyleIdx="2" presStyleCnt="3"/>
-      <dgm:spPr/>
-      <dgm:t>
-        <a:bodyPr/>
-        <a:lstStyle/>
-        <a:p>
-          <a:endParaRPr lang="it-IT"/>
-        </a:p>
-      </dgm:t>
     </dgm:pt>
   </dgm:ptLst>
   <dgm:cxnLst>
-    <dgm:cxn modelId="{8BF335CE-D69E-4132-9C28-A6DB9C25D43C}" type="presOf" srcId="{19AFDA25-6209-40C8-9FD4-0A72789500D2}" destId="{1145DD93-D3FA-4FA8-903A-89DF8CDC81A4}" srcOrd="0" destOrd="0" presId="urn:microsoft.com/office/officeart/2005/8/layout/cycle2"/>
-    <dgm:cxn modelId="{40627D4B-046B-4BFF-A071-79511E00D51C}" type="presOf" srcId="{19AFDA25-6209-40C8-9FD4-0A72789500D2}" destId="{87D49403-9750-465F-B31C-4D142BB22110}" srcOrd="1" destOrd="0" presId="urn:microsoft.com/office/officeart/2005/8/layout/cycle2"/>
-    <dgm:cxn modelId="{1C2BDF20-8943-4D43-9DF4-B2FB9AC3930A}" srcId="{BDDFC680-9E75-42F1-BFEC-3BD783C9265B}" destId="{28B72905-C74A-46F0-9888-451C8413A55D}" srcOrd="1" destOrd="0" parTransId="{3FA63995-4292-486A-9D04-1FD65E662CA6}" sibTransId="{123418D1-3EAC-478F-B9CB-CF9213F6BC23}"/>
-    <dgm:cxn modelId="{C6A546FF-A573-46B2-A548-E82B1E63E777}" type="presOf" srcId="{123418D1-3EAC-478F-B9CB-CF9213F6BC23}" destId="{FF68F75E-77DD-4A42-9F2A-101CC9A85304}" srcOrd="0" destOrd="0" presId="urn:microsoft.com/office/officeart/2005/8/layout/cycle2"/>
-    <dgm:cxn modelId="{9E8C7993-1225-429A-9E23-F1AF91F96C53}" type="presOf" srcId="{7BE20C44-D282-4482-9657-DAE936D98CE3}" destId="{3983FD8B-A12B-40A9-8B97-99736CBAD01F}" srcOrd="0" destOrd="0" presId="urn:microsoft.com/office/officeart/2005/8/layout/cycle2"/>
-    <dgm:cxn modelId="{F57A62E2-ADAA-41B6-BFFF-ED5402B7C2DB}" srcId="{BDDFC680-9E75-42F1-BFEC-3BD783C9265B}" destId="{7BE20C44-D282-4482-9657-DAE936D98CE3}" srcOrd="2" destOrd="0" parTransId="{704B1490-828C-4580-8C71-5B1EEB026451}" sibTransId="{19AFDA25-6209-40C8-9FD4-0A72789500D2}"/>
     <dgm:cxn modelId="{3C149E88-BE56-4100-AEF1-4865A7342034}" type="presOf" srcId="{BDDFC680-9E75-42F1-BFEC-3BD783C9265B}" destId="{3444288F-6AEF-4080-BA2B-B3DDB499F93A}" srcOrd="0" destOrd="0" presId="urn:microsoft.com/office/officeart/2005/8/layout/cycle2"/>
-    <dgm:cxn modelId="{97A61D70-126B-4EFB-B9E4-9B96BCF0038D}" type="presOf" srcId="{28B72905-C74A-46F0-9888-451C8413A55D}" destId="{683565E8-0100-4EA2-82FC-1A7BC8AFE8E1}" srcOrd="0" destOrd="0" presId="urn:microsoft.com/office/officeart/2005/8/layout/cycle2"/>
-    <dgm:cxn modelId="{CD95A9F8-D559-41A9-811D-DB8D7F4A0FF3}" type="presOf" srcId="{9B7CEC0D-B506-4F77-8747-4A644FB68B74}" destId="{1DC66735-CC2B-414D-AA06-4FC742257EC0}" srcOrd="0" destOrd="0" presId="urn:microsoft.com/office/officeart/2005/8/layout/cycle2"/>
-    <dgm:cxn modelId="{3015C273-3BDB-40C2-9946-3CB00AFD0853}" srcId="{BDDFC680-9E75-42F1-BFEC-3BD783C9265B}" destId="{A857E690-4EE0-4074-A5DA-60EAAE56983E}" srcOrd="0" destOrd="0" parTransId="{2F4F9D67-5DF6-4326-8198-E3588C3CC3F9}" sibTransId="{9B7CEC0D-B506-4F77-8747-4A644FB68B74}"/>
-    <dgm:cxn modelId="{D387E280-68A1-4AB8-8ADB-A3BF09805D51}" type="presOf" srcId="{A857E690-4EE0-4074-A5DA-60EAAE56983E}" destId="{A68C81A6-BCFC-4153-B6E3-C613A04AA585}" srcOrd="0" destOrd="0" presId="urn:microsoft.com/office/officeart/2005/8/layout/cycle2"/>
-    <dgm:cxn modelId="{6C018556-9892-41B9-832A-C6ACD78D24A0}" type="presOf" srcId="{9B7CEC0D-B506-4F77-8747-4A644FB68B74}" destId="{6139D208-E1FA-4CDF-9681-89F9B56FE41C}" srcOrd="1" destOrd="0" presId="urn:microsoft.com/office/officeart/2005/8/layout/cycle2"/>
-    <dgm:cxn modelId="{80661AE8-92E6-4A99-AE0E-7CC6087A8F0E}" type="presOf" srcId="{123418D1-3EAC-478F-B9CB-CF9213F6BC23}" destId="{67B308E9-FD79-42BB-8317-1CB65FFE3C7F}" srcOrd="1" destOrd="0" presId="urn:microsoft.com/office/officeart/2005/8/layout/cycle2"/>
-    <dgm:cxn modelId="{198E740E-99D2-4ABA-AD5C-D8C4439344DE}" type="presParOf" srcId="{3444288F-6AEF-4080-BA2B-B3DDB499F93A}" destId="{A68C81A6-BCFC-4153-B6E3-C613A04AA585}" srcOrd="0" destOrd="0" presId="urn:microsoft.com/office/officeart/2005/8/layout/cycle2"/>
-    <dgm:cxn modelId="{DC966635-DE4E-42E7-BEDC-FDB93CA44823}" type="presParOf" srcId="{3444288F-6AEF-4080-BA2B-B3DDB499F93A}" destId="{1DC66735-CC2B-414D-AA06-4FC742257EC0}" srcOrd="1" destOrd="0" presId="urn:microsoft.com/office/officeart/2005/8/layout/cycle2"/>
-    <dgm:cxn modelId="{95645E4A-FD21-44C7-B5A1-D38327C6894C}" type="presParOf" srcId="{1DC66735-CC2B-414D-AA06-4FC742257EC0}" destId="{6139D208-E1FA-4CDF-9681-89F9B56FE41C}" srcOrd="0" destOrd="0" presId="urn:microsoft.com/office/officeart/2005/8/layout/cycle2"/>
-    <dgm:cxn modelId="{E7FFF8C3-45D2-42B0-A154-D0DA3684F867}" type="presParOf" srcId="{3444288F-6AEF-4080-BA2B-B3DDB499F93A}" destId="{683565E8-0100-4EA2-82FC-1A7BC8AFE8E1}" srcOrd="2" destOrd="0" presId="urn:microsoft.com/office/officeart/2005/8/layout/cycle2"/>
-    <dgm:cxn modelId="{FF20F580-EF6D-4DDE-939A-DE7057AB56EC}" type="presParOf" srcId="{3444288F-6AEF-4080-BA2B-B3DDB499F93A}" destId="{FF68F75E-77DD-4A42-9F2A-101CC9A85304}" srcOrd="3" destOrd="0" presId="urn:microsoft.com/office/officeart/2005/8/layout/cycle2"/>
-    <dgm:cxn modelId="{3A49C0DF-BC31-4091-A539-986935EB20D1}" type="presParOf" srcId="{FF68F75E-77DD-4A42-9F2A-101CC9A85304}" destId="{67B308E9-FD79-42BB-8317-1CB65FFE3C7F}" srcOrd="0" destOrd="0" presId="urn:microsoft.com/office/officeart/2005/8/layout/cycle2"/>
-    <dgm:cxn modelId="{BFA197E9-D752-4A01-AFF7-C7F5E0ED5726}" type="presParOf" srcId="{3444288F-6AEF-4080-BA2B-B3DDB499F93A}" destId="{3983FD8B-A12B-40A9-8B97-99736CBAD01F}" srcOrd="4" destOrd="0" presId="urn:microsoft.com/office/officeart/2005/8/layout/cycle2"/>
-    <dgm:cxn modelId="{011AEFA7-DA5C-4EB5-953A-3BF1D1B6A8F1}" type="presParOf" srcId="{3444288F-6AEF-4080-BA2B-B3DDB499F93A}" destId="{1145DD93-D3FA-4FA8-903A-89DF8CDC81A4}" srcOrd="5" destOrd="0" presId="urn:microsoft.com/office/officeart/2005/8/layout/cycle2"/>
-    <dgm:cxn modelId="{51C39725-C59B-4A77-818C-6C859825D652}" type="presParOf" srcId="{1145DD93-D3FA-4FA8-903A-89DF8CDC81A4}" destId="{87D49403-9750-465F-B31C-4D142BB22110}" srcOrd="0" destOrd="0" presId="urn:microsoft.com/office/officeart/2005/8/layout/cycle2"/>
   </dgm:cxnLst>
   <dgm:bg/>
   <dgm:whole/>
@@ -1175,472 +918,6 @@
       <dsp:cNvGrpSpPr/>
     </dsp:nvGrpSpPr>
     <dsp:grpSpPr/>
-    <dsp:sp modelId="{A68C81A6-BCFC-4153-B6E3-C613A04AA585}">
-      <dsp:nvSpPr>
-        <dsp:cNvPr id="0" name=""/>
-        <dsp:cNvSpPr/>
-      </dsp:nvSpPr>
-      <dsp:spPr>
-        <a:xfrm>
-          <a:off x="8245646" y="29633"/>
-          <a:ext cx="2269944" cy="2269944"/>
-        </a:xfrm>
-        <a:prstGeom prst="ellipse">
-          <a:avLst/>
-        </a:prstGeom>
-        <a:solidFill>
-          <a:schemeClr val="accent1">
-            <a:hueOff val="0"/>
-            <a:satOff val="0"/>
-            <a:lumOff val="0"/>
-            <a:alphaOff val="0"/>
-          </a:schemeClr>
-        </a:solidFill>
-        <a:ln>
-          <a:noFill/>
-        </a:ln>
-        <a:effectLst/>
-        <a:scene3d>
-          <a:camera prst="orthographicFront"/>
-          <a:lightRig rig="chilly" dir="t"/>
-        </a:scene3d>
-        <a:sp3d prstMaterial="translucentPowder">
-          <a:bevelT w="127000" h="25400" prst="softRound"/>
-        </a:sp3d>
-      </dsp:spPr>
-      <dsp:style>
-        <a:lnRef idx="0">
-          <a:scrgbClr r="0" g="0" b="0"/>
-        </a:lnRef>
-        <a:fillRef idx="1">
-          <a:scrgbClr r="0" g="0" b="0"/>
-        </a:fillRef>
-        <a:effectRef idx="0">
-          <a:scrgbClr r="0" g="0" b="0"/>
-        </a:effectRef>
-        <a:fontRef idx="minor">
-          <a:schemeClr val="lt1"/>
-        </a:fontRef>
-      </dsp:style>
-      <dsp:txBody>
-        <a:bodyPr spcFirstLastPara="0" vert="horz" wrap="square" lIns="21590" tIns="21590" rIns="21590" bIns="21590" numCol="1" spcCol="1270" anchor="ctr" anchorCtr="0">
-          <a:noAutofit/>
-        </a:bodyPr>
-        <a:lstStyle/>
-        <a:p>
-          <a:pPr lvl="0" algn="ctr" defTabSz="755650">
-            <a:lnSpc>
-              <a:spcPct val="90000"/>
-            </a:lnSpc>
-            <a:spcBef>
-              <a:spcPct val="0"/>
-            </a:spcBef>
-            <a:spcAft>
-              <a:spcPct val="35000"/>
-            </a:spcAft>
-          </a:pPr>
-          <a:r>
-            <a:rPr lang="it-IT" sz="1700" kern="1200" dirty="0"/>
-            <a:t>Data </a:t>
-          </a:r>
-          <a:r>
-            <a:rPr lang="it-IT" sz="1700" kern="1200" dirty="0" err="1"/>
-            <a:t>checking</a:t>
-          </a:r>
-          <a:endParaRPr lang="it-IT" sz="1700" kern="1200" dirty="0"/>
-        </a:p>
-      </dsp:txBody>
-      <dsp:txXfrm>
-        <a:off x="8578072" y="362059"/>
-        <a:ext cx="1605092" cy="1605092"/>
-      </dsp:txXfrm>
-    </dsp:sp>
-    <dsp:sp modelId="{1DC66735-CC2B-414D-AA06-4FC742257EC0}">
-      <dsp:nvSpPr>
-        <dsp:cNvPr id="0" name=""/>
-        <dsp:cNvSpPr/>
-      </dsp:nvSpPr>
-      <dsp:spPr>
-        <a:xfrm rot="5111386">
-          <a:off x="9354825" y="2173138"/>
-          <a:ext cx="285798" cy="766106"/>
-        </a:xfrm>
-        <a:prstGeom prst="rightArrow">
-          <a:avLst>
-            <a:gd name="adj1" fmla="val 60000"/>
-            <a:gd name="adj2" fmla="val 50000"/>
-          </a:avLst>
-        </a:prstGeom>
-        <a:solidFill>
-          <a:schemeClr val="accent1">
-            <a:tint val="60000"/>
-            <a:hueOff val="0"/>
-            <a:satOff val="0"/>
-            <a:lumOff val="0"/>
-            <a:alphaOff val="0"/>
-          </a:schemeClr>
-        </a:solidFill>
-        <a:ln>
-          <a:noFill/>
-        </a:ln>
-        <a:effectLst/>
-        <a:scene3d>
-          <a:camera prst="orthographicFront"/>
-          <a:lightRig rig="chilly" dir="t"/>
-        </a:scene3d>
-        <a:sp3d z="-70000" extrusionH="1700" prstMaterial="translucentPowder">
-          <a:bevelT w="25400" h="6350" prst="softRound"/>
-          <a:bevelB w="0" h="0" prst="convex"/>
-        </a:sp3d>
-      </dsp:spPr>
-      <dsp:style>
-        <a:lnRef idx="0">
-          <a:scrgbClr r="0" g="0" b="0"/>
-        </a:lnRef>
-        <a:fillRef idx="1">
-          <a:scrgbClr r="0" g="0" b="0"/>
-        </a:fillRef>
-        <a:effectRef idx="0">
-          <a:scrgbClr r="0" g="0" b="0"/>
-        </a:effectRef>
-        <a:fontRef idx="minor">
-          <a:schemeClr val="lt1"/>
-        </a:fontRef>
-      </dsp:style>
-      <dsp:txBody>
-        <a:bodyPr spcFirstLastPara="0" vert="horz" wrap="square" lIns="0" tIns="0" rIns="0" bIns="0" numCol="1" spcCol="1270" anchor="ctr" anchorCtr="0">
-          <a:noAutofit/>
-        </a:bodyPr>
-        <a:lstStyle/>
-        <a:p>
-          <a:pPr lvl="0" algn="ctr" defTabSz="622300">
-            <a:lnSpc>
-              <a:spcPct val="90000"/>
-            </a:lnSpc>
-            <a:spcBef>
-              <a:spcPct val="0"/>
-            </a:spcBef>
-            <a:spcAft>
-              <a:spcPct val="35000"/>
-            </a:spcAft>
-          </a:pPr>
-          <a:endParaRPr lang="it-IT" sz="1400" kern="1200"/>
-        </a:p>
-      </dsp:txBody>
-      <dsp:txXfrm>
-        <a:off x="9394100" y="2283640"/>
-        <a:ext cx="200059" cy="459664"/>
-      </dsp:txXfrm>
-    </dsp:sp>
-    <dsp:sp modelId="{683565E8-0100-4EA2-82FC-1A7BC8AFE8E1}">
-      <dsp:nvSpPr>
-        <dsp:cNvPr id="0" name=""/>
-        <dsp:cNvSpPr/>
-      </dsp:nvSpPr>
-      <dsp:spPr>
-        <a:xfrm>
-          <a:off x="8481213" y="2828925"/>
-          <a:ext cx="2269944" cy="2269944"/>
-        </a:xfrm>
-        <a:prstGeom prst="ellipse">
-          <a:avLst/>
-        </a:prstGeom>
-        <a:solidFill>
-          <a:schemeClr val="accent1">
-            <a:hueOff val="0"/>
-            <a:satOff val="0"/>
-            <a:lumOff val="0"/>
-            <a:alphaOff val="0"/>
-          </a:schemeClr>
-        </a:solidFill>
-        <a:ln>
-          <a:noFill/>
-        </a:ln>
-        <a:effectLst/>
-        <a:scene3d>
-          <a:camera prst="orthographicFront"/>
-          <a:lightRig rig="chilly" dir="t"/>
-        </a:scene3d>
-        <a:sp3d prstMaterial="translucentPowder">
-          <a:bevelT w="127000" h="25400" prst="softRound"/>
-        </a:sp3d>
-      </dsp:spPr>
-      <dsp:style>
-        <a:lnRef idx="0">
-          <a:scrgbClr r="0" g="0" b="0"/>
-        </a:lnRef>
-        <a:fillRef idx="1">
-          <a:scrgbClr r="0" g="0" b="0"/>
-        </a:fillRef>
-        <a:effectRef idx="0">
-          <a:scrgbClr r="0" g="0" b="0"/>
-        </a:effectRef>
-        <a:fontRef idx="minor">
-          <a:schemeClr val="lt1"/>
-        </a:fontRef>
-      </dsp:style>
-      <dsp:txBody>
-        <a:bodyPr spcFirstLastPara="0" vert="horz" wrap="square" lIns="21590" tIns="21590" rIns="21590" bIns="21590" numCol="1" spcCol="1270" anchor="ctr" anchorCtr="0">
-          <a:noAutofit/>
-        </a:bodyPr>
-        <a:lstStyle/>
-        <a:p>
-          <a:pPr lvl="0" algn="ctr" defTabSz="755650">
-            <a:lnSpc>
-              <a:spcPct val="90000"/>
-            </a:lnSpc>
-            <a:spcBef>
-              <a:spcPct val="0"/>
-            </a:spcBef>
-            <a:spcAft>
-              <a:spcPct val="35000"/>
-            </a:spcAft>
-          </a:pPr>
-          <a:r>
-            <a:rPr lang="it-IT" sz="1700" kern="1200" dirty="0"/>
-            <a:t>Positive/Negative Output</a:t>
-          </a:r>
-        </a:p>
-      </dsp:txBody>
-      <dsp:txXfrm>
-        <a:off x="8813639" y="3161351"/>
-        <a:ext cx="1605092" cy="1605092"/>
-      </dsp:txXfrm>
-    </dsp:sp>
-    <dsp:sp modelId="{FF68F75E-77DD-4A42-9F2A-101CC9A85304}">
-      <dsp:nvSpPr>
-        <dsp:cNvPr id="0" name=""/>
-        <dsp:cNvSpPr/>
-      </dsp:nvSpPr>
-      <dsp:spPr>
-        <a:xfrm rot="12005985">
-          <a:off x="7806292" y="3018676"/>
-          <a:ext cx="547349" cy="766106"/>
-        </a:xfrm>
-        <a:prstGeom prst="rightArrow">
-          <a:avLst>
-            <a:gd name="adj1" fmla="val 60000"/>
-            <a:gd name="adj2" fmla="val 50000"/>
-          </a:avLst>
-        </a:prstGeom>
-        <a:solidFill>
-          <a:schemeClr val="accent1">
-            <a:tint val="60000"/>
-            <a:hueOff val="0"/>
-            <a:satOff val="0"/>
-            <a:lumOff val="0"/>
-            <a:alphaOff val="0"/>
-          </a:schemeClr>
-        </a:solidFill>
-        <a:ln>
-          <a:noFill/>
-        </a:ln>
-        <a:effectLst/>
-        <a:scene3d>
-          <a:camera prst="orthographicFront"/>
-          <a:lightRig rig="chilly" dir="t"/>
-        </a:scene3d>
-        <a:sp3d z="-70000" extrusionH="1700" prstMaterial="translucentPowder">
-          <a:bevelT w="25400" h="6350" prst="softRound"/>
-          <a:bevelB w="0" h="0" prst="convex"/>
-        </a:sp3d>
-      </dsp:spPr>
-      <dsp:style>
-        <a:lnRef idx="0">
-          <a:scrgbClr r="0" g="0" b="0"/>
-        </a:lnRef>
-        <a:fillRef idx="1">
-          <a:scrgbClr r="0" g="0" b="0"/>
-        </a:fillRef>
-        <a:effectRef idx="0">
-          <a:scrgbClr r="0" g="0" b="0"/>
-        </a:effectRef>
-        <a:fontRef idx="minor">
-          <a:schemeClr val="lt1"/>
-        </a:fontRef>
-      </dsp:style>
-      <dsp:txBody>
-        <a:bodyPr spcFirstLastPara="0" vert="horz" wrap="square" lIns="0" tIns="0" rIns="0" bIns="0" numCol="1" spcCol="1270" anchor="ctr" anchorCtr="0">
-          <a:noAutofit/>
-        </a:bodyPr>
-        <a:lstStyle/>
-        <a:p>
-          <a:pPr lvl="0" algn="ctr" defTabSz="622300">
-            <a:lnSpc>
-              <a:spcPct val="90000"/>
-            </a:lnSpc>
-            <a:spcBef>
-              <a:spcPct val="0"/>
-            </a:spcBef>
-            <a:spcAft>
-              <a:spcPct val="35000"/>
-            </a:spcAft>
-          </a:pPr>
-          <a:endParaRPr lang="it-IT" sz="1400" kern="1200"/>
-        </a:p>
-      </dsp:txBody>
-      <dsp:txXfrm rot="10800000">
-        <a:off x="7965497" y="3200112"/>
-        <a:ext cx="383144" cy="459664"/>
-      </dsp:txXfrm>
-    </dsp:sp>
-    <dsp:sp modelId="{3983FD8B-A12B-40A9-8B97-99736CBAD01F}">
-      <dsp:nvSpPr>
-        <dsp:cNvPr id="0" name=""/>
-        <dsp:cNvSpPr/>
-      </dsp:nvSpPr>
-      <dsp:spPr>
-        <a:xfrm>
-          <a:off x="5379681" y="1693941"/>
-          <a:ext cx="2269944" cy="2269944"/>
-        </a:xfrm>
-        <a:prstGeom prst="ellipse">
-          <a:avLst/>
-        </a:prstGeom>
-        <a:solidFill>
-          <a:schemeClr val="accent1">
-            <a:hueOff val="0"/>
-            <a:satOff val="0"/>
-            <a:lumOff val="0"/>
-            <a:alphaOff val="0"/>
-          </a:schemeClr>
-        </a:solidFill>
-        <a:ln>
-          <a:noFill/>
-        </a:ln>
-        <a:effectLst/>
-        <a:scene3d>
-          <a:camera prst="orthographicFront"/>
-          <a:lightRig rig="chilly" dir="t"/>
-        </a:scene3d>
-        <a:sp3d prstMaterial="translucentPowder">
-          <a:bevelT w="127000" h="25400" prst="softRound"/>
-        </a:sp3d>
-      </dsp:spPr>
-      <dsp:style>
-        <a:lnRef idx="0">
-          <a:scrgbClr r="0" g="0" b="0"/>
-        </a:lnRef>
-        <a:fillRef idx="1">
-          <a:scrgbClr r="0" g="0" b="0"/>
-        </a:fillRef>
-        <a:effectRef idx="0">
-          <a:scrgbClr r="0" g="0" b="0"/>
-        </a:effectRef>
-        <a:fontRef idx="minor">
-          <a:schemeClr val="lt1"/>
-        </a:fontRef>
-      </dsp:style>
-      <dsp:txBody>
-        <a:bodyPr spcFirstLastPara="0" vert="horz" wrap="square" lIns="21590" tIns="21590" rIns="21590" bIns="21590" numCol="1" spcCol="1270" anchor="ctr" anchorCtr="0">
-          <a:noAutofit/>
-        </a:bodyPr>
-        <a:lstStyle/>
-        <a:p>
-          <a:pPr lvl="0" algn="ctr" defTabSz="755650">
-            <a:lnSpc>
-              <a:spcPct val="90000"/>
-            </a:lnSpc>
-            <a:spcBef>
-              <a:spcPct val="0"/>
-            </a:spcBef>
-            <a:spcAft>
-              <a:spcPct val="35000"/>
-            </a:spcAft>
-          </a:pPr>
-          <a:r>
-            <a:rPr lang="it-IT" sz="1700" kern="1200" dirty="0" smtClean="0"/>
-            <a:t>Data </a:t>
-          </a:r>
-          <a:r>
-            <a:rPr lang="it-IT" sz="1700" kern="1200" dirty="0" err="1" smtClean="0"/>
-            <a:t>sensing</a:t>
-          </a:r>
-          <a:endParaRPr lang="it-IT" sz="1700" kern="1200" dirty="0"/>
-        </a:p>
-      </dsp:txBody>
-      <dsp:txXfrm>
-        <a:off x="5712107" y="2026367"/>
-        <a:ext cx="1605092" cy="1605092"/>
-      </dsp:txXfrm>
-    </dsp:sp>
-    <dsp:sp modelId="{1145DD93-D3FA-4FA8-903A-89DF8CDC81A4}">
-      <dsp:nvSpPr>
-        <dsp:cNvPr id="0" name=""/>
-        <dsp:cNvSpPr/>
-      </dsp:nvSpPr>
-      <dsp:spPr>
-        <a:xfrm rot="19791338">
-          <a:off x="7657373" y="1621572"/>
-          <a:ext cx="553435" cy="766106"/>
-        </a:xfrm>
-        <a:prstGeom prst="rightArrow">
-          <a:avLst>
-            <a:gd name="adj1" fmla="val 60000"/>
-            <a:gd name="adj2" fmla="val 50000"/>
-          </a:avLst>
-        </a:prstGeom>
-        <a:solidFill>
-          <a:schemeClr val="accent1">
-            <a:tint val="60000"/>
-            <a:hueOff val="0"/>
-            <a:satOff val="0"/>
-            <a:lumOff val="0"/>
-            <a:alphaOff val="0"/>
-          </a:schemeClr>
-        </a:solidFill>
-        <a:ln>
-          <a:noFill/>
-        </a:ln>
-        <a:effectLst/>
-        <a:scene3d>
-          <a:camera prst="orthographicFront"/>
-          <a:lightRig rig="chilly" dir="t"/>
-        </a:scene3d>
-        <a:sp3d z="-70000" extrusionH="1700" prstMaterial="translucentPowder">
-          <a:bevelT w="25400" h="6350" prst="softRound"/>
-          <a:bevelB w="0" h="0" prst="convex"/>
-        </a:sp3d>
-      </dsp:spPr>
-      <dsp:style>
-        <a:lnRef idx="0">
-          <a:scrgbClr r="0" g="0" b="0"/>
-        </a:lnRef>
-        <a:fillRef idx="1">
-          <a:scrgbClr r="0" g="0" b="0"/>
-        </a:fillRef>
-        <a:effectRef idx="0">
-          <a:scrgbClr r="0" g="0" b="0"/>
-        </a:effectRef>
-        <a:fontRef idx="minor">
-          <a:schemeClr val="lt1"/>
-        </a:fontRef>
-      </dsp:style>
-      <dsp:txBody>
-        <a:bodyPr spcFirstLastPara="0" vert="horz" wrap="square" lIns="0" tIns="0" rIns="0" bIns="0" numCol="1" spcCol="1270" anchor="ctr" anchorCtr="0">
-          <a:noAutofit/>
-        </a:bodyPr>
-        <a:lstStyle/>
-        <a:p>
-          <a:pPr lvl="0" algn="ctr" defTabSz="622300">
-            <a:lnSpc>
-              <a:spcPct val="90000"/>
-            </a:lnSpc>
-            <a:spcBef>
-              <a:spcPct val="0"/>
-            </a:spcBef>
-            <a:spcAft>
-              <a:spcPct val="35000"/>
-            </a:spcAft>
-          </a:pPr>
-          <a:endParaRPr lang="it-IT" sz="1400" kern="1200"/>
-        </a:p>
-      </dsp:txBody>
-      <dsp:txXfrm>
-        <a:off x="7668600" y="1816482"/>
-        <a:ext cx="387405" cy="459664"/>
-      </dsp:txXfrm>
-    </dsp:sp>
   </dsp:spTree>
 </dsp:drawing>
 </file>
@@ -2968,8 +2245,16 @@
 </file>
 
 <file path=ppt/slideLayouts/slideLayout1.xml><?xml version="1.0" encoding="utf-8"?>
-<p:sldLayout xmlns:a="http://schemas.openxmlformats.org/drawingml/2006/main" xmlns:r="http://schemas.openxmlformats.org/officeDocument/2006/relationships" xmlns:p="http://schemas.openxmlformats.org/presentationml/2006/main" type="title" preserve="1">
+<p:sldLayout xmlns:a="http://schemas.openxmlformats.org/drawingml/2006/main" xmlns:r="http://schemas.openxmlformats.org/officeDocument/2006/relationships" xmlns:p="http://schemas.openxmlformats.org/presentationml/2006/main" showMasterSp="0" type="title" preserve="1">
   <p:cSld name="Diapositiva titolo">
+    <p:bg>
+      <p:bgPr>
+        <a:solidFill>
+          <a:schemeClr val="bg2"/>
+        </a:solidFill>
+        <a:effectLst/>
+      </p:bgPr>
+    </p:bg>
     <p:spTree>
       <p:nvGrpSpPr>
         <p:cNvPr id="1" name=""/>
@@ -2986,13 +2271,7 @@
       </p:grpSpPr>
       <p:sp>
         <p:nvSpPr>
-          <p:cNvPr id="2" name="Titolo 1">
-            <a:extLst>
-              <a:ext uri="{FF2B5EF4-FFF2-40B4-BE49-F238E27FC236}">
-                <a16:creationId xmlns="" xmlns:a16="http://schemas.microsoft.com/office/drawing/2014/main" id="{8B435C56-D2B3-43D1-9AF2-962FBC94B904}"/>
-              </a:ext>
-            </a:extLst>
-          </p:cNvPr>
+          <p:cNvPr id="2" name="Title 1"/>
           <p:cNvSpPr>
             <a:spLocks noGrp="1"/>
           </p:cNvSpPr>
@@ -3002,15 +2281,21 @@
         </p:nvSpPr>
         <p:spPr>
           <a:xfrm>
-            <a:off x="1524000" y="1122363"/>
-            <a:ext cx="9144000" cy="2387600"/>
+            <a:off x="1915128" y="1788454"/>
+            <a:ext cx="8361229" cy="2098226"/>
           </a:xfrm>
         </p:spPr>
         <p:txBody>
-          <a:bodyPr anchor="b"/>
+          <a:bodyPr anchor="b">
+            <a:noAutofit/>
+          </a:bodyPr>
           <a:lstStyle>
             <a:lvl1pPr algn="ctr">
-              <a:defRPr sz="6000"/>
+              <a:defRPr sz="7200" cap="all" baseline="0">
+                <a:solidFill>
+                  <a:schemeClr val="tx2"/>
+                </a:solidFill>
+              </a:defRPr>
             </a:lvl1pPr>
           </a:lstStyle>
           <a:p>
@@ -3018,18 +2303,13 @@
               <a:rPr lang="it-IT"/>
               <a:t>Fare clic per modificare lo stile del titolo dello schema</a:t>
             </a:r>
-          </a:p>
-        </p:txBody>
-      </p:sp>
-      <p:sp>
-        <p:nvSpPr>
-          <p:cNvPr id="3" name="Sottotitolo 2">
-            <a:extLst>
-              <a:ext uri="{FF2B5EF4-FFF2-40B4-BE49-F238E27FC236}">
-                <a16:creationId xmlns="" xmlns:a16="http://schemas.microsoft.com/office/drawing/2014/main" id="{49C8F502-7310-4D9F-A9D2-3FF3B9822359}"/>
-              </a:ext>
-            </a:extLst>
-          </p:cNvPr>
+            <a:endParaRPr lang="en-US" dirty="0"/>
+          </a:p>
+        </p:txBody>
+      </p:sp>
+      <p:sp>
+        <p:nvSpPr>
+          <p:cNvPr id="3" name="Subtitle 2"/>
           <p:cNvSpPr>
             <a:spLocks noGrp="1"/>
           </p:cNvSpPr>
@@ -3039,16 +2319,27 @@
         </p:nvSpPr>
         <p:spPr>
           <a:xfrm>
-            <a:off x="1524000" y="3602038"/>
-            <a:ext cx="9144000" cy="1655762"/>
+            <a:off x="2679906" y="3956279"/>
+            <a:ext cx="6831673" cy="1086237"/>
           </a:xfrm>
         </p:spPr>
         <p:txBody>
-          <a:bodyPr/>
+          <a:bodyPr>
+            <a:normAutofit/>
+          </a:bodyPr>
           <a:lstStyle>
             <a:lvl1pPr marL="0" indent="0" algn="ctr">
+              <a:lnSpc>
+                <a:spcPct val="112000"/>
+              </a:lnSpc>
+              <a:spcBef>
+                <a:spcPts val="0"/>
+              </a:spcBef>
+              <a:spcAft>
+                <a:spcPts val="0"/>
+              </a:spcAft>
               <a:buNone/>
-              <a:defRPr sz="2400"/>
+              <a:defRPr sz="2300"/>
             </a:lvl1pPr>
             <a:lvl2pPr marL="457200" indent="0" algn="ctr">
               <a:buNone/>
@@ -3088,18 +2379,13 @@
               <a:rPr lang="it-IT"/>
               <a:t>Fare clic per modificare lo stile del sottotitolo dello schema</a:t>
             </a:r>
-          </a:p>
-        </p:txBody>
-      </p:sp>
-      <p:sp>
-        <p:nvSpPr>
-          <p:cNvPr id="4" name="Segnaposto data 3">
-            <a:extLst>
-              <a:ext uri="{FF2B5EF4-FFF2-40B4-BE49-F238E27FC236}">
-                <a16:creationId xmlns="" xmlns:a16="http://schemas.microsoft.com/office/drawing/2014/main" id="{3404C763-8F21-4C27-9899-6A6D23D0A272}"/>
-              </a:ext>
-            </a:extLst>
-          </p:cNvPr>
+            <a:endParaRPr lang="en-US" dirty="0"/>
+          </a:p>
+        </p:txBody>
+      </p:sp>
+      <p:sp>
+        <p:nvSpPr>
+          <p:cNvPr id="4" name="Date Placeholder 3"/>
           <p:cNvSpPr>
             <a:spLocks noGrp="1"/>
           </p:cNvSpPr>
@@ -3107,14 +2393,27 @@
             <p:ph type="dt" sz="half" idx="10"/>
           </p:nvPr>
         </p:nvSpPr>
-        <p:spPr/>
+        <p:spPr>
+          <a:xfrm>
+            <a:off x="752858" y="6453386"/>
+            <a:ext cx="1607944" cy="404614"/>
+          </a:xfrm>
+        </p:spPr>
         <p:txBody>
           <a:bodyPr/>
-          <a:lstStyle/>
+          <a:lstStyle>
+            <a:lvl1pPr>
+              <a:defRPr baseline="0">
+                <a:solidFill>
+                  <a:schemeClr val="tx2"/>
+                </a:solidFill>
+              </a:defRPr>
+            </a:lvl1pPr>
+          </a:lstStyle>
           <a:p>
             <a:fld id="{BB13FF18-858D-4A6C-8E7A-419597778596}" type="datetimeFigureOut">
               <a:rPr lang="it-IT" smtClean="0"/>
-              <a:t>20/11/17</a:t>
+              <a:t>21/11/2017</a:t>
             </a:fld>
             <a:endParaRPr lang="it-IT"/>
           </a:p>
@@ -3122,13 +2421,7 @@
       </p:sp>
       <p:sp>
         <p:nvSpPr>
-          <p:cNvPr id="5" name="Segnaposto piè di pagina 4">
-            <a:extLst>
-              <a:ext uri="{FF2B5EF4-FFF2-40B4-BE49-F238E27FC236}">
-                <a16:creationId xmlns="" xmlns:a16="http://schemas.microsoft.com/office/drawing/2014/main" id="{F87E012D-6B41-469A-981A-F3B5A39431D1}"/>
-              </a:ext>
-            </a:extLst>
-          </p:cNvPr>
+          <p:cNvPr id="5" name="Footer Placeholder 4"/>
           <p:cNvSpPr>
             <a:spLocks noGrp="1"/>
           </p:cNvSpPr>
@@ -3136,10 +2429,23 @@
             <p:ph type="ftr" sz="quarter" idx="11"/>
           </p:nvPr>
         </p:nvSpPr>
-        <p:spPr/>
+        <p:spPr>
+          <a:xfrm>
+            <a:off x="2584054" y="6453386"/>
+            <a:ext cx="7023377" cy="404614"/>
+          </a:xfrm>
+        </p:spPr>
         <p:txBody>
           <a:bodyPr/>
-          <a:lstStyle/>
+          <a:lstStyle>
+            <a:lvl1pPr algn="ctr">
+              <a:defRPr baseline="0">
+                <a:solidFill>
+                  <a:schemeClr val="tx2"/>
+                </a:solidFill>
+              </a:defRPr>
+            </a:lvl1pPr>
+          </a:lstStyle>
           <a:p>
             <a:endParaRPr lang="it-IT"/>
           </a:p>
@@ -3147,13 +2453,7 @@
       </p:sp>
       <p:sp>
         <p:nvSpPr>
-          <p:cNvPr id="6" name="Segnaposto numero diapositiva 5">
-            <a:extLst>
-              <a:ext uri="{FF2B5EF4-FFF2-40B4-BE49-F238E27FC236}">
-                <a16:creationId xmlns="" xmlns:a16="http://schemas.microsoft.com/office/drawing/2014/main" id="{D3546998-F469-42DE-843A-515C1DF8ABC9}"/>
-              </a:ext>
-            </a:extLst>
-          </p:cNvPr>
+          <p:cNvPr id="6" name="Slide Number Placeholder 5"/>
           <p:cNvSpPr>
             <a:spLocks noGrp="1"/>
           </p:cNvSpPr>
@@ -3161,28 +2461,170 @@
             <p:ph type="sldNum" sz="quarter" idx="12"/>
           </p:nvPr>
         </p:nvSpPr>
-        <p:spPr/>
+        <p:spPr>
+          <a:xfrm>
+            <a:off x="9830683" y="6453386"/>
+            <a:ext cx="1596292" cy="404614"/>
+          </a:xfrm>
+        </p:spPr>
         <p:txBody>
           <a:bodyPr/>
-          <a:lstStyle/>
+          <a:lstStyle>
+            <a:lvl1pPr>
+              <a:defRPr baseline="0">
+                <a:solidFill>
+                  <a:schemeClr val="tx2"/>
+                </a:solidFill>
+              </a:defRPr>
+            </a:lvl1pPr>
+          </a:lstStyle>
           <a:p>
             <a:fld id="{7E1D34C2-AF2B-4EFB-A9DD-5508AE5A310B}" type="slidenum">
               <a:rPr lang="it-IT" smtClean="0"/>
-              <a:t>‹n.›</a:t>
+              <a:t>‹N›</a:t>
             </a:fld>
             <a:endParaRPr lang="it-IT"/>
           </a:p>
         </p:txBody>
       </p:sp>
+      <p:grpSp>
+        <p:nvGrpSpPr>
+          <p:cNvPr id="7" name="Group 6"/>
+          <p:cNvGrpSpPr/>
+          <p:nvPr/>
+        </p:nvGrpSpPr>
+        <p:grpSpPr>
+          <a:xfrm>
+            <a:off x="752858" y="744469"/>
+            <a:ext cx="10674117" cy="5349671"/>
+            <a:chOff x="752858" y="744469"/>
+            <a:chExt cx="10674117" cy="5349671"/>
+          </a:xfrm>
+        </p:grpSpPr>
+        <p:sp>
+          <p:nvSpPr>
+            <p:cNvPr id="11" name="Freeform 6"/>
+            <p:cNvSpPr/>
+            <p:nvPr/>
+          </p:nvSpPr>
+          <p:spPr bwMode="auto">
+            <a:xfrm>
+              <a:off x="8151962" y="1685652"/>
+              <a:ext cx="3275013" cy="4408488"/>
+            </a:xfrm>
+            <a:custGeom>
+              <a:avLst/>
+              <a:gdLst/>
+              <a:ahLst/>
+              <a:cxnLst/>
+              <a:rect l="l" t="t" r="r" b="b"/>
+              <a:pathLst>
+                <a:path w="10000" h="10000">
+                  <a:moveTo>
+                    <a:pt x="8761" y="0"/>
+                  </a:moveTo>
+                  <a:lnTo>
+                    <a:pt x="10000" y="0"/>
+                  </a:lnTo>
+                  <a:lnTo>
+                    <a:pt x="10000" y="10000"/>
+                  </a:lnTo>
+                  <a:lnTo>
+                    <a:pt x="0" y="10000"/>
+                  </a:lnTo>
+                  <a:lnTo>
+                    <a:pt x="0" y="9126"/>
+                  </a:lnTo>
+                  <a:lnTo>
+                    <a:pt x="8761" y="9127"/>
+                  </a:lnTo>
+                  <a:lnTo>
+                    <a:pt x="8761" y="0"/>
+                  </a:lnTo>
+                  <a:close/>
+                </a:path>
+              </a:pathLst>
+            </a:custGeom>
+            <a:solidFill>
+              <a:schemeClr val="tx2"/>
+            </a:solidFill>
+            <a:ln w="0">
+              <a:noFill/>
+              <a:prstDash val="solid"/>
+              <a:round/>
+              <a:headEnd/>
+              <a:tailEnd/>
+            </a:ln>
+          </p:spPr>
+        </p:sp>
+        <p:sp>
+          <p:nvSpPr>
+            <p:cNvPr id="14" name="Freeform 6"/>
+            <p:cNvSpPr/>
+            <p:nvPr/>
+          </p:nvSpPr>
+          <p:spPr bwMode="auto">
+            <a:xfrm flipH="1" flipV="1">
+              <a:off x="752858" y="744469"/>
+              <a:ext cx="3275668" cy="4408488"/>
+            </a:xfrm>
+            <a:custGeom>
+              <a:avLst/>
+              <a:gdLst/>
+              <a:ahLst/>
+              <a:cxnLst/>
+              <a:rect l="l" t="t" r="r" b="b"/>
+              <a:pathLst>
+                <a:path w="10002" h="10000">
+                  <a:moveTo>
+                    <a:pt x="8763" y="0"/>
+                  </a:moveTo>
+                  <a:lnTo>
+                    <a:pt x="10002" y="0"/>
+                  </a:lnTo>
+                  <a:lnTo>
+                    <a:pt x="10002" y="10000"/>
+                  </a:lnTo>
+                  <a:lnTo>
+                    <a:pt x="2" y="10000"/>
+                  </a:lnTo>
+                  <a:cubicBezTo>
+                    <a:pt x="-2" y="9698"/>
+                    <a:pt x="4" y="9427"/>
+                    <a:pt x="0" y="9125"/>
+                  </a:cubicBezTo>
+                  <a:lnTo>
+                    <a:pt x="8763" y="9128"/>
+                  </a:lnTo>
+                  <a:lnTo>
+                    <a:pt x="8763" y="0"/>
+                  </a:lnTo>
+                  <a:close/>
+                </a:path>
+              </a:pathLst>
+            </a:custGeom>
+            <a:solidFill>
+              <a:schemeClr val="tx2"/>
+            </a:solidFill>
+            <a:ln w="0">
+              <a:noFill/>
+              <a:prstDash val="solid"/>
+              <a:round/>
+              <a:headEnd/>
+              <a:tailEnd/>
+            </a:ln>
+          </p:spPr>
+        </p:sp>
+      </p:grpSp>
     </p:spTree>
     <p:extLst>
       <p:ext uri="{BB962C8B-B14F-4D97-AF65-F5344CB8AC3E}">
-        <p14:creationId xmlns:p14="http://schemas.microsoft.com/office/powerpoint/2010/main" val="1646489333"/>
+        <p14:creationId xmlns:p14="http://schemas.microsoft.com/office/powerpoint/2010/main" val="2814629508"/>
       </p:ext>
     </p:extLst>
   </p:cSld>
   <p:clrMapOvr>
-    <a:masterClrMapping/>
+    <a:overrideClrMapping bg1="lt1" tx1="dk1" bg2="lt2" tx2="dk2" accent1="accent1" accent2="accent2" accent3="accent3" accent4="accent4" accent5="accent5" accent6="accent6" hlink="hlink" folHlink="folHlink"/>
   </p:clrMapOvr>
 </p:sldLayout>
 </file>
@@ -3206,13 +2648,7 @@
       </p:grpSpPr>
       <p:sp>
         <p:nvSpPr>
-          <p:cNvPr id="2" name="Titolo 1">
-            <a:extLst>
-              <a:ext uri="{FF2B5EF4-FFF2-40B4-BE49-F238E27FC236}">
-                <a16:creationId xmlns="" xmlns:a16="http://schemas.microsoft.com/office/drawing/2014/main" id="{5C8370B4-FCCB-43E6-A083-DFBC2F8DFBBD}"/>
-              </a:ext>
-            </a:extLst>
-          </p:cNvPr>
+          <p:cNvPr id="2" name="Title 1"/>
           <p:cNvSpPr>
             <a:spLocks noGrp="1"/>
           </p:cNvSpPr>
@@ -3229,18 +2665,13 @@
               <a:rPr lang="it-IT"/>
               <a:t>Fare clic per modificare lo stile del titolo dello schema</a:t>
             </a:r>
-          </a:p>
-        </p:txBody>
-      </p:sp>
-      <p:sp>
-        <p:nvSpPr>
-          <p:cNvPr id="3" name="Segnaposto testo verticale 2">
-            <a:extLst>
-              <a:ext uri="{FF2B5EF4-FFF2-40B4-BE49-F238E27FC236}">
-                <a16:creationId xmlns="" xmlns:a16="http://schemas.microsoft.com/office/drawing/2014/main" id="{8CF29F63-5E4D-4264-A93A-B3B3FDEC093B}"/>
-              </a:ext>
-            </a:extLst>
-          </p:cNvPr>
+            <a:endParaRPr lang="en-US" dirty="0"/>
+          </a:p>
+        </p:txBody>
+      </p:sp>
+      <p:sp>
+        <p:nvSpPr>
+          <p:cNvPr id="3" name="Vertical Text Placeholder 2"/>
           <p:cNvSpPr>
             <a:spLocks noGrp="1"/>
           </p:cNvSpPr>
@@ -3248,7 +2679,12 @@
             <p:ph type="body" orient="vert" idx="1"/>
           </p:nvPr>
         </p:nvSpPr>
-        <p:spPr/>
+        <p:spPr>
+          <a:xfrm>
+            <a:off x="1371600" y="2295525"/>
+            <a:ext cx="9601200" cy="3571875"/>
+          </a:xfrm>
+        </p:spPr>
         <p:txBody>
           <a:bodyPr vert="eaVert"/>
           <a:lstStyle/>
@@ -3286,18 +2722,13 @@
               <a:rPr lang="it-IT"/>
               <a:t>Quinto livello</a:t>
             </a:r>
-          </a:p>
-        </p:txBody>
-      </p:sp>
-      <p:sp>
-        <p:nvSpPr>
-          <p:cNvPr id="4" name="Segnaposto data 3">
-            <a:extLst>
-              <a:ext uri="{FF2B5EF4-FFF2-40B4-BE49-F238E27FC236}">
-                <a16:creationId xmlns="" xmlns:a16="http://schemas.microsoft.com/office/drawing/2014/main" id="{95BB3218-6CC5-487A-99E7-6D0F82A87EFA}"/>
-              </a:ext>
-            </a:extLst>
-          </p:cNvPr>
+            <a:endParaRPr lang="en-US" dirty="0"/>
+          </a:p>
+        </p:txBody>
+      </p:sp>
+      <p:sp>
+        <p:nvSpPr>
+          <p:cNvPr id="4" name="Date Placeholder 3"/>
           <p:cNvSpPr>
             <a:spLocks noGrp="1"/>
           </p:cNvSpPr>
@@ -3312,7 +2743,7 @@
           <a:p>
             <a:fld id="{BB13FF18-858D-4A6C-8E7A-419597778596}" type="datetimeFigureOut">
               <a:rPr lang="it-IT" smtClean="0"/>
-              <a:t>20/11/17</a:t>
+              <a:t>21/11/2017</a:t>
             </a:fld>
             <a:endParaRPr lang="it-IT"/>
           </a:p>
@@ -3320,13 +2751,7 @@
       </p:sp>
       <p:sp>
         <p:nvSpPr>
-          <p:cNvPr id="5" name="Segnaposto piè di pagina 4">
-            <a:extLst>
-              <a:ext uri="{FF2B5EF4-FFF2-40B4-BE49-F238E27FC236}">
-                <a16:creationId xmlns="" xmlns:a16="http://schemas.microsoft.com/office/drawing/2014/main" id="{54272787-08D0-47A9-B847-779735BE9468}"/>
-              </a:ext>
-            </a:extLst>
-          </p:cNvPr>
+          <p:cNvPr id="5" name="Footer Placeholder 4"/>
           <p:cNvSpPr>
             <a:spLocks noGrp="1"/>
           </p:cNvSpPr>
@@ -3345,13 +2770,7 @@
       </p:sp>
       <p:sp>
         <p:nvSpPr>
-          <p:cNvPr id="6" name="Segnaposto numero diapositiva 5">
-            <a:extLst>
-              <a:ext uri="{FF2B5EF4-FFF2-40B4-BE49-F238E27FC236}">
-                <a16:creationId xmlns="" xmlns:a16="http://schemas.microsoft.com/office/drawing/2014/main" id="{ADF2D188-8B81-4617-BB6A-8BAEF355F6CA}"/>
-              </a:ext>
-            </a:extLst>
-          </p:cNvPr>
+          <p:cNvPr id="6" name="Slide Number Placeholder 5"/>
           <p:cNvSpPr>
             <a:spLocks noGrp="1"/>
           </p:cNvSpPr>
@@ -3366,7 +2785,7 @@
           <a:p>
             <a:fld id="{7E1D34C2-AF2B-4EFB-A9DD-5508AE5A310B}" type="slidenum">
               <a:rPr lang="it-IT" smtClean="0"/>
-              <a:t>‹n.›</a:t>
+              <a:t>‹N›</a:t>
             </a:fld>
             <a:endParaRPr lang="it-IT"/>
           </a:p>
@@ -3375,7 +2794,7 @@
     </p:spTree>
     <p:extLst>
       <p:ext uri="{BB962C8B-B14F-4D97-AF65-F5344CB8AC3E}">
-        <p14:creationId xmlns:p14="http://schemas.microsoft.com/office/powerpoint/2010/main" val="92803615"/>
+        <p14:creationId xmlns:p14="http://schemas.microsoft.com/office/powerpoint/2010/main" val="1571655844"/>
       </p:ext>
     </p:extLst>
   </p:cSld>
@@ -3404,13 +2823,7 @@
       </p:grpSpPr>
       <p:sp>
         <p:nvSpPr>
-          <p:cNvPr id="2" name="Titolo verticale 1">
-            <a:extLst>
-              <a:ext uri="{FF2B5EF4-FFF2-40B4-BE49-F238E27FC236}">
-                <a16:creationId xmlns="" xmlns:a16="http://schemas.microsoft.com/office/drawing/2014/main" id="{B6459B64-AC51-40CF-B46B-AED9F5ACE894}"/>
-              </a:ext>
-            </a:extLst>
-          </p:cNvPr>
+          <p:cNvPr id="2" name="Vertical Title 1"/>
           <p:cNvSpPr>
             <a:spLocks noGrp="1"/>
           </p:cNvSpPr>
@@ -3420,8 +2833,8 @@
         </p:nvSpPr>
         <p:spPr>
           <a:xfrm>
-            <a:off x="8724900" y="365125"/>
-            <a:ext cx="2628900" cy="5811838"/>
+            <a:off x="9596561" y="624156"/>
+            <a:ext cx="1565766" cy="5243244"/>
           </a:xfrm>
         </p:spPr>
         <p:txBody>
@@ -3432,18 +2845,13 @@
               <a:rPr lang="it-IT"/>
               <a:t>Fare clic per modificare lo stile del titolo dello schema</a:t>
             </a:r>
-          </a:p>
-        </p:txBody>
-      </p:sp>
-      <p:sp>
-        <p:nvSpPr>
-          <p:cNvPr id="3" name="Segnaposto testo verticale 2">
-            <a:extLst>
-              <a:ext uri="{FF2B5EF4-FFF2-40B4-BE49-F238E27FC236}">
-                <a16:creationId xmlns="" xmlns:a16="http://schemas.microsoft.com/office/drawing/2014/main" id="{3C97790B-4C89-426E-9E1E-8C217AAAF927}"/>
-              </a:ext>
-            </a:extLst>
-          </p:cNvPr>
+            <a:endParaRPr lang="en-US" dirty="0"/>
+          </a:p>
+        </p:txBody>
+      </p:sp>
+      <p:sp>
+        <p:nvSpPr>
+          <p:cNvPr id="3" name="Vertical Text Placeholder 2"/>
           <p:cNvSpPr>
             <a:spLocks noGrp="1"/>
           </p:cNvSpPr>
@@ -3453,8 +2861,8 @@
         </p:nvSpPr>
         <p:spPr>
           <a:xfrm>
-            <a:off x="838200" y="365125"/>
-            <a:ext cx="7734300" cy="5811838"/>
+            <a:off x="1371600" y="624156"/>
+            <a:ext cx="8179641" cy="5243244"/>
           </a:xfrm>
         </p:spPr>
         <p:txBody>
@@ -3494,18 +2902,13 @@
               <a:rPr lang="it-IT"/>
               <a:t>Quinto livello</a:t>
             </a:r>
-          </a:p>
-        </p:txBody>
-      </p:sp>
-      <p:sp>
-        <p:nvSpPr>
-          <p:cNvPr id="4" name="Segnaposto data 3">
-            <a:extLst>
-              <a:ext uri="{FF2B5EF4-FFF2-40B4-BE49-F238E27FC236}">
-                <a16:creationId xmlns="" xmlns:a16="http://schemas.microsoft.com/office/drawing/2014/main" id="{BE71B7F8-290A-426A-A2A8-55DBCFB86CFC}"/>
-              </a:ext>
-            </a:extLst>
-          </p:cNvPr>
+            <a:endParaRPr lang="en-US" dirty="0"/>
+          </a:p>
+        </p:txBody>
+      </p:sp>
+      <p:sp>
+        <p:nvSpPr>
+          <p:cNvPr id="4" name="Date Placeholder 3"/>
           <p:cNvSpPr>
             <a:spLocks noGrp="1"/>
           </p:cNvSpPr>
@@ -3520,7 +2923,7 @@
           <a:p>
             <a:fld id="{BB13FF18-858D-4A6C-8E7A-419597778596}" type="datetimeFigureOut">
               <a:rPr lang="it-IT" smtClean="0"/>
-              <a:t>20/11/17</a:t>
+              <a:t>21/11/2017</a:t>
             </a:fld>
             <a:endParaRPr lang="it-IT"/>
           </a:p>
@@ -3528,13 +2931,7 @@
       </p:sp>
       <p:sp>
         <p:nvSpPr>
-          <p:cNvPr id="5" name="Segnaposto piè di pagina 4">
-            <a:extLst>
-              <a:ext uri="{FF2B5EF4-FFF2-40B4-BE49-F238E27FC236}">
-                <a16:creationId xmlns="" xmlns:a16="http://schemas.microsoft.com/office/drawing/2014/main" id="{B98F3A75-F68C-4414-B3E9-A0FA903B2B40}"/>
-              </a:ext>
-            </a:extLst>
-          </p:cNvPr>
+          <p:cNvPr id="5" name="Footer Placeholder 4"/>
           <p:cNvSpPr>
             <a:spLocks noGrp="1"/>
           </p:cNvSpPr>
@@ -3553,13 +2950,7 @@
       </p:sp>
       <p:sp>
         <p:nvSpPr>
-          <p:cNvPr id="6" name="Segnaposto numero diapositiva 5">
-            <a:extLst>
-              <a:ext uri="{FF2B5EF4-FFF2-40B4-BE49-F238E27FC236}">
-                <a16:creationId xmlns="" xmlns:a16="http://schemas.microsoft.com/office/drawing/2014/main" id="{B51524F2-E926-4B3A-89BC-D62145180A59}"/>
-              </a:ext>
-            </a:extLst>
-          </p:cNvPr>
+          <p:cNvPr id="6" name="Slide Number Placeholder 5"/>
           <p:cNvSpPr>
             <a:spLocks noGrp="1"/>
           </p:cNvSpPr>
@@ -3574,7 +2965,7 @@
           <a:p>
             <a:fld id="{7E1D34C2-AF2B-4EFB-A9DD-5508AE5A310B}" type="slidenum">
               <a:rPr lang="it-IT" smtClean="0"/>
-              <a:t>‹n.›</a:t>
+              <a:t>‹N›</a:t>
             </a:fld>
             <a:endParaRPr lang="it-IT"/>
           </a:p>
@@ -3583,7 +2974,7 @@
     </p:spTree>
     <p:extLst>
       <p:ext uri="{BB962C8B-B14F-4D97-AF65-F5344CB8AC3E}">
-        <p14:creationId xmlns:p14="http://schemas.microsoft.com/office/powerpoint/2010/main" val="2397647032"/>
+        <p14:creationId xmlns:p14="http://schemas.microsoft.com/office/powerpoint/2010/main" val="2362454912"/>
       </p:ext>
     </p:extLst>
   </p:cSld>
@@ -3612,13 +3003,7 @@
       </p:grpSpPr>
       <p:sp>
         <p:nvSpPr>
-          <p:cNvPr id="2" name="Titolo 1">
-            <a:extLst>
-              <a:ext uri="{FF2B5EF4-FFF2-40B4-BE49-F238E27FC236}">
-                <a16:creationId xmlns="" xmlns:a16="http://schemas.microsoft.com/office/drawing/2014/main" id="{0DEBE818-B46A-4BA8-A19C-6994F97EC1CD}"/>
-              </a:ext>
-            </a:extLst>
-          </p:cNvPr>
+          <p:cNvPr id="2" name="Title 1"/>
           <p:cNvSpPr>
             <a:spLocks noGrp="1"/>
           </p:cNvSpPr>
@@ -3635,18 +3020,13 @@
               <a:rPr lang="it-IT"/>
               <a:t>Fare clic per modificare lo stile del titolo dello schema</a:t>
             </a:r>
-          </a:p>
-        </p:txBody>
-      </p:sp>
-      <p:sp>
-        <p:nvSpPr>
-          <p:cNvPr id="3" name="Segnaposto contenuto 2">
-            <a:extLst>
-              <a:ext uri="{FF2B5EF4-FFF2-40B4-BE49-F238E27FC236}">
-                <a16:creationId xmlns="" xmlns:a16="http://schemas.microsoft.com/office/drawing/2014/main" id="{1F80C2CF-27F0-4824-B060-74C1402CF569}"/>
-              </a:ext>
-            </a:extLst>
-          </p:cNvPr>
+            <a:endParaRPr lang="en-US" dirty="0"/>
+          </a:p>
+        </p:txBody>
+      </p:sp>
+      <p:sp>
+        <p:nvSpPr>
+          <p:cNvPr id="3" name="Content Placeholder 2"/>
           <p:cNvSpPr>
             <a:spLocks noGrp="1"/>
           </p:cNvSpPr>
@@ -3692,18 +3072,13 @@
               <a:rPr lang="it-IT"/>
               <a:t>Quinto livello</a:t>
             </a:r>
-          </a:p>
-        </p:txBody>
-      </p:sp>
-      <p:sp>
-        <p:nvSpPr>
-          <p:cNvPr id="4" name="Segnaposto data 3">
-            <a:extLst>
-              <a:ext uri="{FF2B5EF4-FFF2-40B4-BE49-F238E27FC236}">
-                <a16:creationId xmlns="" xmlns:a16="http://schemas.microsoft.com/office/drawing/2014/main" id="{7E61FE0F-01D5-4FD3-B25F-88B100C673CA}"/>
-              </a:ext>
-            </a:extLst>
-          </p:cNvPr>
+            <a:endParaRPr lang="en-US" dirty="0"/>
+          </a:p>
+        </p:txBody>
+      </p:sp>
+      <p:sp>
+        <p:nvSpPr>
+          <p:cNvPr id="4" name="Date Placeholder 3"/>
           <p:cNvSpPr>
             <a:spLocks noGrp="1"/>
           </p:cNvSpPr>
@@ -3718,7 +3093,7 @@
           <a:p>
             <a:fld id="{BB13FF18-858D-4A6C-8E7A-419597778596}" type="datetimeFigureOut">
               <a:rPr lang="it-IT" smtClean="0"/>
-              <a:t>20/11/17</a:t>
+              <a:t>21/11/2017</a:t>
             </a:fld>
             <a:endParaRPr lang="it-IT"/>
           </a:p>
@@ -3726,13 +3101,7 @@
       </p:sp>
       <p:sp>
         <p:nvSpPr>
-          <p:cNvPr id="5" name="Segnaposto piè di pagina 4">
-            <a:extLst>
-              <a:ext uri="{FF2B5EF4-FFF2-40B4-BE49-F238E27FC236}">
-                <a16:creationId xmlns="" xmlns:a16="http://schemas.microsoft.com/office/drawing/2014/main" id="{BB8F91CE-AC61-4D17-BAC0-9B6D7C4CE7C9}"/>
-              </a:ext>
-            </a:extLst>
-          </p:cNvPr>
+          <p:cNvPr id="5" name="Footer Placeholder 4"/>
           <p:cNvSpPr>
             <a:spLocks noGrp="1"/>
           </p:cNvSpPr>
@@ -3751,13 +3120,7 @@
       </p:sp>
       <p:sp>
         <p:nvSpPr>
-          <p:cNvPr id="6" name="Segnaposto numero diapositiva 5">
-            <a:extLst>
-              <a:ext uri="{FF2B5EF4-FFF2-40B4-BE49-F238E27FC236}">
-                <a16:creationId xmlns="" xmlns:a16="http://schemas.microsoft.com/office/drawing/2014/main" id="{2BE9AEF5-F35C-4215-A379-8DD66ED61086}"/>
-              </a:ext>
-            </a:extLst>
-          </p:cNvPr>
+          <p:cNvPr id="6" name="Slide Number Placeholder 5"/>
           <p:cNvSpPr>
             <a:spLocks noGrp="1"/>
           </p:cNvSpPr>
@@ -3772,7 +3135,7 @@
           <a:p>
             <a:fld id="{7E1D34C2-AF2B-4EFB-A9DD-5508AE5A310B}" type="slidenum">
               <a:rPr lang="it-IT" smtClean="0"/>
-              <a:t>‹n.›</a:t>
+              <a:t>‹N›</a:t>
             </a:fld>
             <a:endParaRPr lang="it-IT"/>
           </a:p>
@@ -3781,7 +3144,7 @@
     </p:spTree>
     <p:extLst>
       <p:ext uri="{BB962C8B-B14F-4D97-AF65-F5344CB8AC3E}">
-        <p14:creationId xmlns:p14="http://schemas.microsoft.com/office/powerpoint/2010/main" val="2655779270"/>
+        <p14:creationId xmlns:p14="http://schemas.microsoft.com/office/powerpoint/2010/main" val="4289202776"/>
       </p:ext>
     </p:extLst>
   </p:cSld>
@@ -3792,8 +3155,13 @@
 </file>
 
 <file path=ppt/slideLayouts/slideLayout3.xml><?xml version="1.0" encoding="utf-8"?>
-<p:sldLayout xmlns:a="http://schemas.openxmlformats.org/drawingml/2006/main" xmlns:r="http://schemas.openxmlformats.org/officeDocument/2006/relationships" xmlns:p="http://schemas.openxmlformats.org/presentationml/2006/main" type="secHead" preserve="1">
+<p:sldLayout xmlns:a="http://schemas.openxmlformats.org/drawingml/2006/main" xmlns:r="http://schemas.openxmlformats.org/officeDocument/2006/relationships" xmlns:p="http://schemas.openxmlformats.org/presentationml/2006/main" showMasterSp="0" type="secHead" preserve="1">
   <p:cSld name="Intestazione sezione">
+    <p:bg>
+      <p:bgRef idx="1001">
+        <a:schemeClr val="bg2"/>
+      </p:bgRef>
+    </p:bg>
     <p:spTree>
       <p:nvGrpSpPr>
         <p:cNvPr id="1" name=""/>
@@ -3810,13 +3178,7 @@
       </p:grpSpPr>
       <p:sp>
         <p:nvSpPr>
-          <p:cNvPr id="2" name="Titolo 1">
-            <a:extLst>
-              <a:ext uri="{FF2B5EF4-FFF2-40B4-BE49-F238E27FC236}">
-                <a16:creationId xmlns="" xmlns:a16="http://schemas.microsoft.com/office/drawing/2014/main" id="{28B502DD-55CB-4DD6-91E7-6A4FE183FA21}"/>
-              </a:ext>
-            </a:extLst>
-          </p:cNvPr>
+          <p:cNvPr id="2" name="Title 1"/>
           <p:cNvSpPr>
             <a:spLocks noGrp="1"/>
           </p:cNvSpPr>
@@ -3826,15 +3188,21 @@
         </p:nvSpPr>
         <p:spPr>
           <a:xfrm>
-            <a:off x="831850" y="1709738"/>
-            <a:ext cx="10515600" cy="2852737"/>
+            <a:off x="765025" y="1301360"/>
+            <a:ext cx="9612971" cy="2852737"/>
           </a:xfrm>
         </p:spPr>
         <p:txBody>
-          <a:bodyPr anchor="b"/>
+          <a:bodyPr anchor="b">
+            <a:normAutofit/>
+          </a:bodyPr>
           <a:lstStyle>
-            <a:lvl1pPr>
-              <a:defRPr sz="6000"/>
+            <a:lvl1pPr algn="r">
+              <a:defRPr sz="7200" cap="all" baseline="0">
+                <a:solidFill>
+                  <a:schemeClr val="tx2"/>
+                </a:solidFill>
+              </a:defRPr>
             </a:lvl1pPr>
           </a:lstStyle>
           <a:p>
@@ -3842,18 +3210,13 @@
               <a:rPr lang="it-IT"/>
               <a:t>Fare clic per modificare lo stile del titolo dello schema</a:t>
             </a:r>
-          </a:p>
-        </p:txBody>
-      </p:sp>
-      <p:sp>
-        <p:nvSpPr>
-          <p:cNvPr id="3" name="Segnaposto testo 2">
-            <a:extLst>
-              <a:ext uri="{FF2B5EF4-FFF2-40B4-BE49-F238E27FC236}">
-                <a16:creationId xmlns="" xmlns:a16="http://schemas.microsoft.com/office/drawing/2014/main" id="{38472F6B-DE4F-4C4D-83D0-C299486B4DE1}"/>
-              </a:ext>
-            </a:extLst>
-          </p:cNvPr>
+            <a:endParaRPr lang="en-US" dirty="0"/>
+          </a:p>
+        </p:txBody>
+      </p:sp>
+      <p:sp>
+        <p:nvSpPr>
+          <p:cNvPr id="3" name="Text Placeholder 2"/>
           <p:cNvSpPr>
             <a:spLocks noGrp="1"/>
           </p:cNvSpPr>
@@ -3863,20 +3226,27 @@
         </p:nvSpPr>
         <p:spPr>
           <a:xfrm>
-            <a:off x="831850" y="4589463"/>
-            <a:ext cx="10515600" cy="1500187"/>
+            <a:off x="765025" y="4216328"/>
+            <a:ext cx="9612971" cy="1143324"/>
           </a:xfrm>
         </p:spPr>
         <p:txBody>
           <a:bodyPr/>
           <a:lstStyle>
-            <a:lvl1pPr marL="0" indent="0">
+            <a:lvl1pPr marL="0" indent="0" algn="r">
+              <a:lnSpc>
+                <a:spcPct val="112000"/>
+              </a:lnSpc>
+              <a:spcBef>
+                <a:spcPts val="0"/>
+              </a:spcBef>
+              <a:spcAft>
+                <a:spcPts val="0"/>
+              </a:spcAft>
               <a:buNone/>
               <a:defRPr sz="2400">
                 <a:solidFill>
-                  <a:schemeClr val="tx1">
-                    <a:tint val="75000"/>
-                  </a:schemeClr>
+                  <a:schemeClr val="tx2"/>
                 </a:solidFill>
               </a:defRPr>
             </a:lvl1pPr>
@@ -3972,13 +3342,7 @@
       </p:sp>
       <p:sp>
         <p:nvSpPr>
-          <p:cNvPr id="4" name="Segnaposto data 3">
-            <a:extLst>
-              <a:ext uri="{FF2B5EF4-FFF2-40B4-BE49-F238E27FC236}">
-                <a16:creationId xmlns="" xmlns:a16="http://schemas.microsoft.com/office/drawing/2014/main" id="{C31512A6-70A7-4060-BCF5-5268B382FF1A}"/>
-              </a:ext>
-            </a:extLst>
-          </p:cNvPr>
+          <p:cNvPr id="4" name="Date Placeholder 3"/>
           <p:cNvSpPr>
             <a:spLocks noGrp="1"/>
           </p:cNvSpPr>
@@ -3986,14 +3350,27 @@
             <p:ph type="dt" sz="half" idx="10"/>
           </p:nvPr>
         </p:nvSpPr>
-        <p:spPr/>
+        <p:spPr>
+          <a:xfrm>
+            <a:off x="738908" y="6453386"/>
+            <a:ext cx="1622409" cy="404614"/>
+          </a:xfrm>
+        </p:spPr>
         <p:txBody>
           <a:bodyPr/>
-          <a:lstStyle/>
+          <a:lstStyle>
+            <a:lvl1pPr>
+              <a:defRPr>
+                <a:solidFill>
+                  <a:schemeClr val="tx2"/>
+                </a:solidFill>
+              </a:defRPr>
+            </a:lvl1pPr>
+          </a:lstStyle>
           <a:p>
             <a:fld id="{BB13FF18-858D-4A6C-8E7A-419597778596}" type="datetimeFigureOut">
               <a:rPr lang="it-IT" smtClean="0"/>
-              <a:t>20/11/17</a:t>
+              <a:t>21/11/2017</a:t>
             </a:fld>
             <a:endParaRPr lang="it-IT"/>
           </a:p>
@@ -4001,13 +3378,7 @@
       </p:sp>
       <p:sp>
         <p:nvSpPr>
-          <p:cNvPr id="5" name="Segnaposto piè di pagina 4">
-            <a:extLst>
-              <a:ext uri="{FF2B5EF4-FFF2-40B4-BE49-F238E27FC236}">
-                <a16:creationId xmlns="" xmlns:a16="http://schemas.microsoft.com/office/drawing/2014/main" id="{7ECFF564-B91C-4DDA-8CC6-3E2A9A771327}"/>
-              </a:ext>
-            </a:extLst>
-          </p:cNvPr>
+          <p:cNvPr id="5" name="Footer Placeholder 4"/>
           <p:cNvSpPr>
             <a:spLocks noGrp="1"/>
           </p:cNvSpPr>
@@ -4015,10 +3386,23 @@
             <p:ph type="ftr" sz="quarter" idx="11"/>
           </p:nvPr>
         </p:nvSpPr>
-        <p:spPr/>
+        <p:spPr>
+          <a:xfrm>
+            <a:off x="2584312" y="6453386"/>
+            <a:ext cx="7023377" cy="404614"/>
+          </a:xfrm>
+        </p:spPr>
         <p:txBody>
           <a:bodyPr/>
-          <a:lstStyle/>
+          <a:lstStyle>
+            <a:lvl1pPr algn="ctr">
+              <a:defRPr>
+                <a:solidFill>
+                  <a:schemeClr val="tx2"/>
+                </a:solidFill>
+              </a:defRPr>
+            </a:lvl1pPr>
+          </a:lstStyle>
           <a:p>
             <a:endParaRPr lang="it-IT"/>
           </a:p>
@@ -4026,13 +3410,7 @@
       </p:sp>
       <p:sp>
         <p:nvSpPr>
-          <p:cNvPr id="6" name="Segnaposto numero diapositiva 5">
-            <a:extLst>
-              <a:ext uri="{FF2B5EF4-FFF2-40B4-BE49-F238E27FC236}">
-                <a16:creationId xmlns="" xmlns:a16="http://schemas.microsoft.com/office/drawing/2014/main" id="{601B74AB-1A74-4DAC-A959-69E6EF369D54}"/>
-              </a:ext>
-            </a:extLst>
-          </p:cNvPr>
+          <p:cNvPr id="6" name="Slide Number Placeholder 5"/>
           <p:cNvSpPr>
             <a:spLocks noGrp="1"/>
           </p:cNvSpPr>
@@ -4040,28 +3418,97 @@
             <p:ph type="sldNum" sz="quarter" idx="12"/>
           </p:nvPr>
         </p:nvSpPr>
-        <p:spPr/>
+        <p:spPr>
+          <a:xfrm>
+            <a:off x="9830683" y="6453386"/>
+            <a:ext cx="1596292" cy="404614"/>
+          </a:xfrm>
+        </p:spPr>
         <p:txBody>
           <a:bodyPr/>
-          <a:lstStyle/>
+          <a:lstStyle>
+            <a:lvl1pPr>
+              <a:defRPr>
+                <a:solidFill>
+                  <a:schemeClr val="tx2"/>
+                </a:solidFill>
+              </a:defRPr>
+            </a:lvl1pPr>
+          </a:lstStyle>
           <a:p>
             <a:fld id="{7E1D34C2-AF2B-4EFB-A9DD-5508AE5A310B}" type="slidenum">
               <a:rPr lang="it-IT" smtClean="0"/>
-              <a:t>‹n.›</a:t>
+              <a:t>‹N›</a:t>
             </a:fld>
             <a:endParaRPr lang="it-IT"/>
           </a:p>
         </p:txBody>
+      </p:sp>
+      <p:sp>
+        <p:nvSpPr>
+          <p:cNvPr id="7" name="Freeform 6" title="Crop Mark"/>
+          <p:cNvSpPr/>
+          <p:nvPr/>
+        </p:nvSpPr>
+        <p:spPr bwMode="auto">
+          <a:xfrm>
+            <a:off x="8151962" y="1685652"/>
+            <a:ext cx="3275013" cy="4408488"/>
+          </a:xfrm>
+          <a:custGeom>
+            <a:avLst/>
+            <a:gdLst/>
+            <a:ahLst/>
+            <a:cxnLst/>
+            <a:rect l="0" t="0" r="r" b="b"/>
+            <a:pathLst>
+              <a:path w="4125" h="5554">
+                <a:moveTo>
+                  <a:pt x="3614" y="0"/>
+                </a:moveTo>
+                <a:lnTo>
+                  <a:pt x="4125" y="0"/>
+                </a:lnTo>
+                <a:lnTo>
+                  <a:pt x="4125" y="5554"/>
+                </a:lnTo>
+                <a:lnTo>
+                  <a:pt x="0" y="5554"/>
+                </a:lnTo>
+                <a:lnTo>
+                  <a:pt x="0" y="5074"/>
+                </a:lnTo>
+                <a:lnTo>
+                  <a:pt x="3614" y="5074"/>
+                </a:lnTo>
+                <a:lnTo>
+                  <a:pt x="3614" y="0"/>
+                </a:lnTo>
+                <a:close/>
+              </a:path>
+            </a:pathLst>
+          </a:custGeom>
+          <a:solidFill>
+            <a:schemeClr val="tx2"/>
+          </a:solidFill>
+          <a:ln w="0">
+            <a:noFill/>
+            <a:prstDash val="solid"/>
+            <a:round/>
+            <a:headEnd/>
+            <a:tailEnd/>
+          </a:ln>
+        </p:spPr>
       </p:sp>
     </p:spTree>
     <p:extLst>
       <p:ext uri="{BB962C8B-B14F-4D97-AF65-F5344CB8AC3E}">
-        <p14:creationId xmlns:p14="http://schemas.microsoft.com/office/powerpoint/2010/main" val="1306651546"/>
+        <p14:creationId xmlns:p14="http://schemas.microsoft.com/office/powerpoint/2010/main" val="826620192"/>
       </p:ext>
     </p:extLst>
   </p:cSld>
   <p:clrMapOvr>
-    <a:masterClrMapping/>
+    <a:overrideClrMapping bg1="dk1" tx1="lt1" bg2="dk2" tx2="lt2" accent1="accent1" accent2="accent2" accent3="accent3" accent4="accent4" accent5="accent5" accent6="accent6" hlink="hlink" folHlink="folHlink"/>
   </p:clrMapOvr>
 </p:sldLayout>
 </file>
@@ -4085,13 +3532,7 @@
       </p:grpSpPr>
       <p:sp>
         <p:nvSpPr>
-          <p:cNvPr id="2" name="Titolo 1">
-            <a:extLst>
-              <a:ext uri="{FF2B5EF4-FFF2-40B4-BE49-F238E27FC236}">
-                <a16:creationId xmlns="" xmlns:a16="http://schemas.microsoft.com/office/drawing/2014/main" id="{85F94774-6C29-4DBF-B48E-7E24321B7ADA}"/>
-              </a:ext>
-            </a:extLst>
-          </p:cNvPr>
+          <p:cNvPr id="2" name="Title 1"/>
           <p:cNvSpPr>
             <a:spLocks noGrp="1"/>
           </p:cNvSpPr>
@@ -4102,24 +3543,27 @@
         <p:spPr/>
         <p:txBody>
           <a:bodyPr/>
-          <a:lstStyle/>
+          <a:lstStyle>
+            <a:lvl1pPr>
+              <a:defRPr>
+                <a:solidFill>
+                  <a:schemeClr val="tx2"/>
+                </a:solidFill>
+              </a:defRPr>
+            </a:lvl1pPr>
+          </a:lstStyle>
           <a:p>
             <a:r>
               <a:rPr lang="it-IT"/>
               <a:t>Fare clic per modificare lo stile del titolo dello schema</a:t>
             </a:r>
-          </a:p>
-        </p:txBody>
-      </p:sp>
-      <p:sp>
-        <p:nvSpPr>
-          <p:cNvPr id="3" name="Segnaposto contenuto 2">
-            <a:extLst>
-              <a:ext uri="{FF2B5EF4-FFF2-40B4-BE49-F238E27FC236}">
-                <a16:creationId xmlns="" xmlns:a16="http://schemas.microsoft.com/office/drawing/2014/main" id="{D9051274-FB52-4D84-82A8-F2F9707240BD}"/>
-              </a:ext>
-            </a:extLst>
-          </p:cNvPr>
+            <a:endParaRPr lang="en-US" dirty="0"/>
+          </a:p>
+        </p:txBody>
+      </p:sp>
+      <p:sp>
+        <p:nvSpPr>
+          <p:cNvPr id="3" name="Content Placeholder 2"/>
           <p:cNvSpPr>
             <a:spLocks noGrp="1"/>
           </p:cNvSpPr>
@@ -4129,13 +3573,49 @@
         </p:nvSpPr>
         <p:spPr>
           <a:xfrm>
-            <a:off x="838200" y="1825625"/>
-            <a:ext cx="5181600" cy="4351338"/>
+            <a:off x="1371600" y="2285999"/>
+            <a:ext cx="4447786" cy="3581401"/>
           </a:xfrm>
         </p:spPr>
         <p:txBody>
           <a:bodyPr/>
-          <a:lstStyle/>
+          <a:lstStyle>
+            <a:lvl1pPr>
+              <a:defRPr baseline="0">
+                <a:solidFill>
+                  <a:schemeClr val="tx2"/>
+                </a:solidFill>
+              </a:defRPr>
+            </a:lvl1pPr>
+            <a:lvl2pPr>
+              <a:defRPr baseline="0">
+                <a:solidFill>
+                  <a:schemeClr val="tx2"/>
+                </a:solidFill>
+              </a:defRPr>
+            </a:lvl2pPr>
+            <a:lvl3pPr>
+              <a:defRPr baseline="0">
+                <a:solidFill>
+                  <a:schemeClr val="tx2"/>
+                </a:solidFill>
+              </a:defRPr>
+            </a:lvl3pPr>
+            <a:lvl4pPr>
+              <a:defRPr baseline="0">
+                <a:solidFill>
+                  <a:schemeClr val="tx2"/>
+                </a:solidFill>
+              </a:defRPr>
+            </a:lvl4pPr>
+            <a:lvl5pPr>
+              <a:defRPr baseline="0">
+                <a:solidFill>
+                  <a:schemeClr val="tx2"/>
+                </a:solidFill>
+              </a:defRPr>
+            </a:lvl5pPr>
+          </a:lstStyle>
           <a:p>
             <a:pPr lvl="0"/>
             <a:r>
@@ -4170,18 +3650,13 @@
               <a:rPr lang="it-IT"/>
               <a:t>Quinto livello</a:t>
             </a:r>
-          </a:p>
-        </p:txBody>
-      </p:sp>
-      <p:sp>
-        <p:nvSpPr>
-          <p:cNvPr id="4" name="Segnaposto contenuto 3">
-            <a:extLst>
-              <a:ext uri="{FF2B5EF4-FFF2-40B4-BE49-F238E27FC236}">
-                <a16:creationId xmlns="" xmlns:a16="http://schemas.microsoft.com/office/drawing/2014/main" id="{DF7129BA-76B4-46E1-80C1-87ABF674AF78}"/>
-              </a:ext>
-            </a:extLst>
-          </p:cNvPr>
+            <a:endParaRPr lang="en-US" dirty="0"/>
+          </a:p>
+        </p:txBody>
+      </p:sp>
+      <p:sp>
+        <p:nvSpPr>
+          <p:cNvPr id="4" name="Content Placeholder 3"/>
           <p:cNvSpPr>
             <a:spLocks noGrp="1"/>
           </p:cNvSpPr>
@@ -4191,13 +3666,49 @@
         </p:nvSpPr>
         <p:spPr>
           <a:xfrm>
-            <a:off x="6172200" y="1825625"/>
-            <a:ext cx="5181600" cy="4351338"/>
+            <a:off x="6525403" y="2285999"/>
+            <a:ext cx="4447786" cy="3581401"/>
           </a:xfrm>
         </p:spPr>
         <p:txBody>
           <a:bodyPr/>
-          <a:lstStyle/>
+          <a:lstStyle>
+            <a:lvl1pPr>
+              <a:defRPr>
+                <a:solidFill>
+                  <a:schemeClr val="tx2"/>
+                </a:solidFill>
+              </a:defRPr>
+            </a:lvl1pPr>
+            <a:lvl2pPr>
+              <a:defRPr>
+                <a:solidFill>
+                  <a:schemeClr val="tx2"/>
+                </a:solidFill>
+              </a:defRPr>
+            </a:lvl2pPr>
+            <a:lvl3pPr>
+              <a:defRPr>
+                <a:solidFill>
+                  <a:schemeClr val="tx2"/>
+                </a:solidFill>
+              </a:defRPr>
+            </a:lvl3pPr>
+            <a:lvl4pPr>
+              <a:defRPr>
+                <a:solidFill>
+                  <a:schemeClr val="tx2"/>
+                </a:solidFill>
+              </a:defRPr>
+            </a:lvl4pPr>
+            <a:lvl5pPr>
+              <a:defRPr>
+                <a:solidFill>
+                  <a:schemeClr val="tx2"/>
+                </a:solidFill>
+              </a:defRPr>
+            </a:lvl5pPr>
+          </a:lstStyle>
           <a:p>
             <a:pPr lvl="0"/>
             <a:r>
@@ -4232,18 +3743,13 @@
               <a:rPr lang="it-IT"/>
               <a:t>Quinto livello</a:t>
             </a:r>
-          </a:p>
-        </p:txBody>
-      </p:sp>
-      <p:sp>
-        <p:nvSpPr>
-          <p:cNvPr id="5" name="Segnaposto data 4">
-            <a:extLst>
-              <a:ext uri="{FF2B5EF4-FFF2-40B4-BE49-F238E27FC236}">
-                <a16:creationId xmlns="" xmlns:a16="http://schemas.microsoft.com/office/drawing/2014/main" id="{C7BB839A-A883-4C62-AFE0-701A7F4F24D9}"/>
-              </a:ext>
-            </a:extLst>
-          </p:cNvPr>
+            <a:endParaRPr lang="en-US" dirty="0"/>
+          </a:p>
+        </p:txBody>
+      </p:sp>
+      <p:sp>
+        <p:nvSpPr>
+          <p:cNvPr id="5" name="Date Placeholder 4"/>
           <p:cNvSpPr>
             <a:spLocks noGrp="1"/>
           </p:cNvSpPr>
@@ -4258,7 +3764,7 @@
           <a:p>
             <a:fld id="{BB13FF18-858D-4A6C-8E7A-419597778596}" type="datetimeFigureOut">
               <a:rPr lang="it-IT" smtClean="0"/>
-              <a:t>20/11/17</a:t>
+              <a:t>21/11/2017</a:t>
             </a:fld>
             <a:endParaRPr lang="it-IT"/>
           </a:p>
@@ -4266,13 +3772,7 @@
       </p:sp>
       <p:sp>
         <p:nvSpPr>
-          <p:cNvPr id="6" name="Segnaposto piè di pagina 5">
-            <a:extLst>
-              <a:ext uri="{FF2B5EF4-FFF2-40B4-BE49-F238E27FC236}">
-                <a16:creationId xmlns="" xmlns:a16="http://schemas.microsoft.com/office/drawing/2014/main" id="{DAC296B5-BA55-4394-B7CB-C6F2F0717E4B}"/>
-              </a:ext>
-            </a:extLst>
-          </p:cNvPr>
+          <p:cNvPr id="6" name="Footer Placeholder 5"/>
           <p:cNvSpPr>
             <a:spLocks noGrp="1"/>
           </p:cNvSpPr>
@@ -4291,13 +3791,7 @@
       </p:sp>
       <p:sp>
         <p:nvSpPr>
-          <p:cNvPr id="7" name="Segnaposto numero diapositiva 6">
-            <a:extLst>
-              <a:ext uri="{FF2B5EF4-FFF2-40B4-BE49-F238E27FC236}">
-                <a16:creationId xmlns="" xmlns:a16="http://schemas.microsoft.com/office/drawing/2014/main" id="{1E97433E-0665-4B4D-AB9A-7D0F514A1334}"/>
-              </a:ext>
-            </a:extLst>
-          </p:cNvPr>
+          <p:cNvPr id="7" name="Slide Number Placeholder 6"/>
           <p:cNvSpPr>
             <a:spLocks noGrp="1"/>
           </p:cNvSpPr>
@@ -4312,7 +3806,7 @@
           <a:p>
             <a:fld id="{7E1D34C2-AF2B-4EFB-A9DD-5508AE5A310B}" type="slidenum">
               <a:rPr lang="it-IT" smtClean="0"/>
-              <a:t>‹n.›</a:t>
+              <a:t>‹N›</a:t>
             </a:fld>
             <a:endParaRPr lang="it-IT"/>
           </a:p>
@@ -4321,7 +3815,7 @@
     </p:spTree>
     <p:extLst>
       <p:ext uri="{BB962C8B-B14F-4D97-AF65-F5344CB8AC3E}">
-        <p14:creationId xmlns:p14="http://schemas.microsoft.com/office/powerpoint/2010/main" val="1482051583"/>
+        <p14:creationId xmlns:p14="http://schemas.microsoft.com/office/powerpoint/2010/main" val="528769580"/>
       </p:ext>
     </p:extLst>
   </p:cSld>
@@ -4350,13 +3844,7 @@
       </p:grpSpPr>
       <p:sp>
         <p:nvSpPr>
-          <p:cNvPr id="2" name="Titolo 1">
-            <a:extLst>
-              <a:ext uri="{FF2B5EF4-FFF2-40B4-BE49-F238E27FC236}">
-                <a16:creationId xmlns="" xmlns:a16="http://schemas.microsoft.com/office/drawing/2014/main" id="{8D8C6A3E-5464-492B-AA0E-454BA5AE1083}"/>
-              </a:ext>
-            </a:extLst>
-          </p:cNvPr>
+          <p:cNvPr id="2" name="Title 1"/>
           <p:cNvSpPr>
             <a:spLocks noGrp="1"/>
           </p:cNvSpPr>
@@ -4366,30 +3854,33 @@
         </p:nvSpPr>
         <p:spPr>
           <a:xfrm>
-            <a:off x="839788" y="365125"/>
-            <a:ext cx="10515600" cy="1325563"/>
+            <a:off x="1371600" y="685800"/>
+            <a:ext cx="9601200" cy="1485900"/>
           </a:xfrm>
         </p:spPr>
         <p:txBody>
           <a:bodyPr/>
-          <a:lstStyle/>
+          <a:lstStyle>
+            <a:lvl1pPr>
+              <a:defRPr>
+                <a:solidFill>
+                  <a:schemeClr val="tx2"/>
+                </a:solidFill>
+              </a:defRPr>
+            </a:lvl1pPr>
+          </a:lstStyle>
           <a:p>
             <a:r>
               <a:rPr lang="it-IT"/>
               <a:t>Fare clic per modificare lo stile del titolo dello schema</a:t>
             </a:r>
-          </a:p>
-        </p:txBody>
-      </p:sp>
-      <p:sp>
-        <p:nvSpPr>
-          <p:cNvPr id="3" name="Segnaposto testo 2">
-            <a:extLst>
-              <a:ext uri="{FF2B5EF4-FFF2-40B4-BE49-F238E27FC236}">
-                <a16:creationId xmlns="" xmlns:a16="http://schemas.microsoft.com/office/drawing/2014/main" id="{5E3AD8E7-E164-4BAA-8D36-F646D440427E}"/>
-              </a:ext>
-            </a:extLst>
-          </p:cNvPr>
+            <a:endParaRPr lang="en-US" dirty="0"/>
+          </a:p>
+        </p:txBody>
+      </p:sp>
+      <p:sp>
+        <p:nvSpPr>
+          <p:cNvPr id="3" name="Text Placeholder 2"/>
           <p:cNvSpPr>
             <a:spLocks noGrp="1"/>
           </p:cNvSpPr>
@@ -4399,16 +3890,31 @@
         </p:nvSpPr>
         <p:spPr>
           <a:xfrm>
-            <a:off x="839788" y="1681163"/>
-            <a:ext cx="5157787" cy="823912"/>
+            <a:off x="1371600" y="2340864"/>
+            <a:ext cx="4443984" cy="823912"/>
           </a:xfrm>
         </p:spPr>
         <p:txBody>
-          <a:bodyPr anchor="b"/>
+          <a:bodyPr anchor="b">
+            <a:noAutofit/>
+          </a:bodyPr>
           <a:lstStyle>
             <a:lvl1pPr marL="0" indent="0">
+              <a:lnSpc>
+                <a:spcPct val="84000"/>
+              </a:lnSpc>
+              <a:spcBef>
+                <a:spcPts val="0"/>
+              </a:spcBef>
+              <a:spcAft>
+                <a:spcPts val="0"/>
+              </a:spcAft>
               <a:buNone/>
-              <a:defRPr sz="2400" b="1"/>
+              <a:defRPr sz="3000" b="0" baseline="0">
+                <a:solidFill>
+                  <a:schemeClr val="tx2"/>
+                </a:solidFill>
+              </a:defRPr>
             </a:lvl1pPr>
             <a:lvl2pPr marL="457200" indent="0">
               <a:buNone/>
@@ -4454,13 +3960,7 @@
       </p:sp>
       <p:sp>
         <p:nvSpPr>
-          <p:cNvPr id="4" name="Segnaposto contenuto 3">
-            <a:extLst>
-              <a:ext uri="{FF2B5EF4-FFF2-40B4-BE49-F238E27FC236}">
-                <a16:creationId xmlns="" xmlns:a16="http://schemas.microsoft.com/office/drawing/2014/main" id="{C5932ECD-8586-4974-94A7-E031306D8859}"/>
-              </a:ext>
-            </a:extLst>
-          </p:cNvPr>
+          <p:cNvPr id="4" name="Content Placeholder 3"/>
           <p:cNvSpPr>
             <a:spLocks noGrp="1"/>
           </p:cNvSpPr>
@@ -4470,13 +3970,49 @@
         </p:nvSpPr>
         <p:spPr>
           <a:xfrm>
-            <a:off x="839788" y="2505075"/>
-            <a:ext cx="5157787" cy="3684588"/>
+            <a:off x="1371600" y="3305207"/>
+            <a:ext cx="4443984" cy="2562193"/>
           </a:xfrm>
         </p:spPr>
         <p:txBody>
           <a:bodyPr/>
-          <a:lstStyle/>
+          <a:lstStyle>
+            <a:lvl1pPr>
+              <a:defRPr baseline="0">
+                <a:solidFill>
+                  <a:schemeClr val="tx2"/>
+                </a:solidFill>
+              </a:defRPr>
+            </a:lvl1pPr>
+            <a:lvl2pPr>
+              <a:defRPr baseline="0">
+                <a:solidFill>
+                  <a:schemeClr val="tx2"/>
+                </a:solidFill>
+              </a:defRPr>
+            </a:lvl2pPr>
+            <a:lvl3pPr>
+              <a:defRPr baseline="0">
+                <a:solidFill>
+                  <a:schemeClr val="tx2"/>
+                </a:solidFill>
+              </a:defRPr>
+            </a:lvl3pPr>
+            <a:lvl4pPr>
+              <a:defRPr baseline="0">
+                <a:solidFill>
+                  <a:schemeClr val="tx2"/>
+                </a:solidFill>
+              </a:defRPr>
+            </a:lvl4pPr>
+            <a:lvl5pPr>
+              <a:defRPr baseline="0">
+                <a:solidFill>
+                  <a:schemeClr val="tx2"/>
+                </a:solidFill>
+              </a:defRPr>
+            </a:lvl5pPr>
+          </a:lstStyle>
           <a:p>
             <a:pPr lvl="0"/>
             <a:r>
@@ -4511,18 +4047,13 @@
               <a:rPr lang="it-IT"/>
               <a:t>Quinto livello</a:t>
             </a:r>
-          </a:p>
-        </p:txBody>
-      </p:sp>
-      <p:sp>
-        <p:nvSpPr>
-          <p:cNvPr id="5" name="Segnaposto testo 4">
-            <a:extLst>
-              <a:ext uri="{FF2B5EF4-FFF2-40B4-BE49-F238E27FC236}">
-                <a16:creationId xmlns="" xmlns:a16="http://schemas.microsoft.com/office/drawing/2014/main" id="{F58AE84A-F7E6-4DEC-B730-9A8A7CBC5015}"/>
-              </a:ext>
-            </a:extLst>
-          </p:cNvPr>
+            <a:endParaRPr lang="en-US" dirty="0"/>
+          </a:p>
+        </p:txBody>
+      </p:sp>
+      <p:sp>
+        <p:nvSpPr>
+          <p:cNvPr id="5" name="Text Placeholder 4"/>
           <p:cNvSpPr>
             <a:spLocks noGrp="1"/>
           </p:cNvSpPr>
@@ -4532,16 +4063,31 @@
         </p:nvSpPr>
         <p:spPr>
           <a:xfrm>
-            <a:off x="6172200" y="1681163"/>
-            <a:ext cx="5183188" cy="823912"/>
+            <a:off x="6525014" y="2340864"/>
+            <a:ext cx="4443984" cy="823912"/>
           </a:xfrm>
         </p:spPr>
         <p:txBody>
-          <a:bodyPr anchor="b"/>
+          <a:bodyPr anchor="b">
+            <a:noAutofit/>
+          </a:bodyPr>
           <a:lstStyle>
             <a:lvl1pPr marL="0" indent="0">
+              <a:lnSpc>
+                <a:spcPct val="84000"/>
+              </a:lnSpc>
+              <a:spcBef>
+                <a:spcPts val="0"/>
+              </a:spcBef>
+              <a:spcAft>
+                <a:spcPts val="0"/>
+              </a:spcAft>
               <a:buNone/>
-              <a:defRPr sz="2400" b="1"/>
+              <a:defRPr sz="3000" b="0" baseline="0">
+                <a:solidFill>
+                  <a:schemeClr val="tx2"/>
+                </a:solidFill>
+              </a:defRPr>
             </a:lvl1pPr>
             <a:lvl2pPr marL="457200" indent="0">
               <a:buNone/>
@@ -4587,13 +4133,7 @@
       </p:sp>
       <p:sp>
         <p:nvSpPr>
-          <p:cNvPr id="6" name="Segnaposto contenuto 5">
-            <a:extLst>
-              <a:ext uri="{FF2B5EF4-FFF2-40B4-BE49-F238E27FC236}">
-                <a16:creationId xmlns="" xmlns:a16="http://schemas.microsoft.com/office/drawing/2014/main" id="{A8459ADC-3CC3-4D85-AF9B-1561ACCF2BF0}"/>
-              </a:ext>
-            </a:extLst>
-          </p:cNvPr>
+          <p:cNvPr id="6" name="Content Placeholder 5"/>
           <p:cNvSpPr>
             <a:spLocks noGrp="1"/>
           </p:cNvSpPr>
@@ -4603,13 +4143,49 @@
         </p:nvSpPr>
         <p:spPr>
           <a:xfrm>
-            <a:off x="6172200" y="2505075"/>
-            <a:ext cx="5183188" cy="3684588"/>
+            <a:off x="6525014" y="3305207"/>
+            <a:ext cx="4443984" cy="2562193"/>
           </a:xfrm>
         </p:spPr>
         <p:txBody>
           <a:bodyPr/>
-          <a:lstStyle/>
+          <a:lstStyle>
+            <a:lvl1pPr>
+              <a:defRPr baseline="0">
+                <a:solidFill>
+                  <a:schemeClr val="tx2"/>
+                </a:solidFill>
+              </a:defRPr>
+            </a:lvl1pPr>
+            <a:lvl2pPr>
+              <a:defRPr baseline="0">
+                <a:solidFill>
+                  <a:schemeClr val="tx2"/>
+                </a:solidFill>
+              </a:defRPr>
+            </a:lvl2pPr>
+            <a:lvl3pPr>
+              <a:defRPr baseline="0">
+                <a:solidFill>
+                  <a:schemeClr val="tx2"/>
+                </a:solidFill>
+              </a:defRPr>
+            </a:lvl3pPr>
+            <a:lvl4pPr>
+              <a:defRPr baseline="0">
+                <a:solidFill>
+                  <a:schemeClr val="tx2"/>
+                </a:solidFill>
+              </a:defRPr>
+            </a:lvl4pPr>
+            <a:lvl5pPr>
+              <a:defRPr baseline="0">
+                <a:solidFill>
+                  <a:schemeClr val="tx2"/>
+                </a:solidFill>
+              </a:defRPr>
+            </a:lvl5pPr>
+          </a:lstStyle>
           <a:p>
             <a:pPr lvl="0"/>
             <a:r>
@@ -4644,18 +4220,13 @@
               <a:rPr lang="it-IT"/>
               <a:t>Quinto livello</a:t>
             </a:r>
-          </a:p>
-        </p:txBody>
-      </p:sp>
-      <p:sp>
-        <p:nvSpPr>
-          <p:cNvPr id="7" name="Segnaposto data 6">
-            <a:extLst>
-              <a:ext uri="{FF2B5EF4-FFF2-40B4-BE49-F238E27FC236}">
-                <a16:creationId xmlns="" xmlns:a16="http://schemas.microsoft.com/office/drawing/2014/main" id="{99054151-A855-4C3C-A23F-0AF47DE53C65}"/>
-              </a:ext>
-            </a:extLst>
-          </p:cNvPr>
+            <a:endParaRPr lang="en-US" dirty="0"/>
+          </a:p>
+        </p:txBody>
+      </p:sp>
+      <p:sp>
+        <p:nvSpPr>
+          <p:cNvPr id="7" name="Date Placeholder 6"/>
           <p:cNvSpPr>
             <a:spLocks noGrp="1"/>
           </p:cNvSpPr>
@@ -4670,7 +4241,7 @@
           <a:p>
             <a:fld id="{BB13FF18-858D-4A6C-8E7A-419597778596}" type="datetimeFigureOut">
               <a:rPr lang="it-IT" smtClean="0"/>
-              <a:t>20/11/17</a:t>
+              <a:t>21/11/2017</a:t>
             </a:fld>
             <a:endParaRPr lang="it-IT"/>
           </a:p>
@@ -4678,13 +4249,7 @@
       </p:sp>
       <p:sp>
         <p:nvSpPr>
-          <p:cNvPr id="8" name="Segnaposto piè di pagina 7">
-            <a:extLst>
-              <a:ext uri="{FF2B5EF4-FFF2-40B4-BE49-F238E27FC236}">
-                <a16:creationId xmlns="" xmlns:a16="http://schemas.microsoft.com/office/drawing/2014/main" id="{1D6AE142-110C-4116-AE75-62983927DA03}"/>
-              </a:ext>
-            </a:extLst>
-          </p:cNvPr>
+          <p:cNvPr id="8" name="Footer Placeholder 7"/>
           <p:cNvSpPr>
             <a:spLocks noGrp="1"/>
           </p:cNvSpPr>
@@ -4703,13 +4268,7 @@
       </p:sp>
       <p:sp>
         <p:nvSpPr>
-          <p:cNvPr id="9" name="Segnaposto numero diapositiva 8">
-            <a:extLst>
-              <a:ext uri="{FF2B5EF4-FFF2-40B4-BE49-F238E27FC236}">
-                <a16:creationId xmlns="" xmlns:a16="http://schemas.microsoft.com/office/drawing/2014/main" id="{0E68547C-58D2-40C1-BB47-74C236044EC9}"/>
-              </a:ext>
-            </a:extLst>
-          </p:cNvPr>
+          <p:cNvPr id="9" name="Slide Number Placeholder 8"/>
           <p:cNvSpPr>
             <a:spLocks noGrp="1"/>
           </p:cNvSpPr>
@@ -4724,7 +4283,7 @@
           <a:p>
             <a:fld id="{7E1D34C2-AF2B-4EFB-A9DD-5508AE5A310B}" type="slidenum">
               <a:rPr lang="it-IT" smtClean="0"/>
-              <a:t>‹n.›</a:t>
+              <a:t>‹N›</a:t>
             </a:fld>
             <a:endParaRPr lang="it-IT"/>
           </a:p>
@@ -4733,7 +4292,7 @@
     </p:spTree>
     <p:extLst>
       <p:ext uri="{BB962C8B-B14F-4D97-AF65-F5344CB8AC3E}">
-        <p14:creationId xmlns:p14="http://schemas.microsoft.com/office/powerpoint/2010/main" val="2380560610"/>
+        <p14:creationId xmlns:p14="http://schemas.microsoft.com/office/powerpoint/2010/main" val="1902068467"/>
       </p:ext>
     </p:extLst>
   </p:cSld>
@@ -4762,13 +4321,7 @@
       </p:grpSpPr>
       <p:sp>
         <p:nvSpPr>
-          <p:cNvPr id="2" name="Titolo 1">
-            <a:extLst>
-              <a:ext uri="{FF2B5EF4-FFF2-40B4-BE49-F238E27FC236}">
-                <a16:creationId xmlns="" xmlns:a16="http://schemas.microsoft.com/office/drawing/2014/main" id="{8981E045-EE14-4479-82B6-3736A94E3724}"/>
-              </a:ext>
-            </a:extLst>
-          </p:cNvPr>
+          <p:cNvPr id="2" name="Title 1"/>
           <p:cNvSpPr>
             <a:spLocks noGrp="1"/>
           </p:cNvSpPr>
@@ -4785,18 +4338,13 @@
               <a:rPr lang="it-IT"/>
               <a:t>Fare clic per modificare lo stile del titolo dello schema</a:t>
             </a:r>
-          </a:p>
-        </p:txBody>
-      </p:sp>
-      <p:sp>
-        <p:nvSpPr>
-          <p:cNvPr id="3" name="Segnaposto data 2">
-            <a:extLst>
-              <a:ext uri="{FF2B5EF4-FFF2-40B4-BE49-F238E27FC236}">
-                <a16:creationId xmlns="" xmlns:a16="http://schemas.microsoft.com/office/drawing/2014/main" id="{D89A5BC3-B2F9-4E15-A3E3-8D7E9D4A88E5}"/>
-              </a:ext>
-            </a:extLst>
-          </p:cNvPr>
+            <a:endParaRPr lang="en-US" dirty="0"/>
+          </a:p>
+        </p:txBody>
+      </p:sp>
+      <p:sp>
+        <p:nvSpPr>
+          <p:cNvPr id="3" name="Date Placeholder 2"/>
           <p:cNvSpPr>
             <a:spLocks noGrp="1"/>
           </p:cNvSpPr>
@@ -4811,7 +4359,7 @@
           <a:p>
             <a:fld id="{BB13FF18-858D-4A6C-8E7A-419597778596}" type="datetimeFigureOut">
               <a:rPr lang="it-IT" smtClean="0"/>
-              <a:t>20/11/17</a:t>
+              <a:t>21/11/2017</a:t>
             </a:fld>
             <a:endParaRPr lang="it-IT"/>
           </a:p>
@@ -4819,13 +4367,7 @@
       </p:sp>
       <p:sp>
         <p:nvSpPr>
-          <p:cNvPr id="4" name="Segnaposto piè di pagina 3">
-            <a:extLst>
-              <a:ext uri="{FF2B5EF4-FFF2-40B4-BE49-F238E27FC236}">
-                <a16:creationId xmlns="" xmlns:a16="http://schemas.microsoft.com/office/drawing/2014/main" id="{64515A75-8293-4CA8-80BA-03B3F218972D}"/>
-              </a:ext>
-            </a:extLst>
-          </p:cNvPr>
+          <p:cNvPr id="4" name="Footer Placeholder 3"/>
           <p:cNvSpPr>
             <a:spLocks noGrp="1"/>
           </p:cNvSpPr>
@@ -4844,13 +4386,7 @@
       </p:sp>
       <p:sp>
         <p:nvSpPr>
-          <p:cNvPr id="5" name="Segnaposto numero diapositiva 4">
-            <a:extLst>
-              <a:ext uri="{FF2B5EF4-FFF2-40B4-BE49-F238E27FC236}">
-                <a16:creationId xmlns="" xmlns:a16="http://schemas.microsoft.com/office/drawing/2014/main" id="{F0C17F14-11F1-460E-B8C7-5A31609EB7CD}"/>
-              </a:ext>
-            </a:extLst>
-          </p:cNvPr>
+          <p:cNvPr id="5" name="Slide Number Placeholder 4"/>
           <p:cNvSpPr>
             <a:spLocks noGrp="1"/>
           </p:cNvSpPr>
@@ -4865,7 +4401,7 @@
           <a:p>
             <a:fld id="{7E1D34C2-AF2B-4EFB-A9DD-5508AE5A310B}" type="slidenum">
               <a:rPr lang="it-IT" smtClean="0"/>
-              <a:t>‹n.›</a:t>
+              <a:t>‹N›</a:t>
             </a:fld>
             <a:endParaRPr lang="it-IT"/>
           </a:p>
@@ -4874,7 +4410,7 @@
     </p:spTree>
     <p:extLst>
       <p:ext uri="{BB962C8B-B14F-4D97-AF65-F5344CB8AC3E}">
-        <p14:creationId xmlns:p14="http://schemas.microsoft.com/office/powerpoint/2010/main" val="1969407629"/>
+        <p14:creationId xmlns:p14="http://schemas.microsoft.com/office/powerpoint/2010/main" val="2043383916"/>
       </p:ext>
     </p:extLst>
   </p:cSld>
@@ -4903,13 +4439,7 @@
       </p:grpSpPr>
       <p:sp>
         <p:nvSpPr>
-          <p:cNvPr id="2" name="Segnaposto data 1">
-            <a:extLst>
-              <a:ext uri="{FF2B5EF4-FFF2-40B4-BE49-F238E27FC236}">
-                <a16:creationId xmlns="" xmlns:a16="http://schemas.microsoft.com/office/drawing/2014/main" id="{5CCEFFE8-5B59-4E5D-8C07-DB8CA3FD84A8}"/>
-              </a:ext>
-            </a:extLst>
-          </p:cNvPr>
+          <p:cNvPr id="2" name="Date Placeholder 1"/>
           <p:cNvSpPr>
             <a:spLocks noGrp="1"/>
           </p:cNvSpPr>
@@ -4924,7 +4454,7 @@
           <a:p>
             <a:fld id="{BB13FF18-858D-4A6C-8E7A-419597778596}" type="datetimeFigureOut">
               <a:rPr lang="it-IT" smtClean="0"/>
-              <a:t>20/11/17</a:t>
+              <a:t>21/11/2017</a:t>
             </a:fld>
             <a:endParaRPr lang="it-IT"/>
           </a:p>
@@ -4932,13 +4462,7 @@
       </p:sp>
       <p:sp>
         <p:nvSpPr>
-          <p:cNvPr id="3" name="Segnaposto piè di pagina 2">
-            <a:extLst>
-              <a:ext uri="{FF2B5EF4-FFF2-40B4-BE49-F238E27FC236}">
-                <a16:creationId xmlns="" xmlns:a16="http://schemas.microsoft.com/office/drawing/2014/main" id="{ABA54CB3-CF9E-4D5F-B03B-C0ADF8B15D7E}"/>
-              </a:ext>
-            </a:extLst>
-          </p:cNvPr>
+          <p:cNvPr id="3" name="Footer Placeholder 2"/>
           <p:cNvSpPr>
             <a:spLocks noGrp="1"/>
           </p:cNvSpPr>
@@ -4957,13 +4481,7 @@
       </p:sp>
       <p:sp>
         <p:nvSpPr>
-          <p:cNvPr id="4" name="Segnaposto numero diapositiva 3">
-            <a:extLst>
-              <a:ext uri="{FF2B5EF4-FFF2-40B4-BE49-F238E27FC236}">
-                <a16:creationId xmlns="" xmlns:a16="http://schemas.microsoft.com/office/drawing/2014/main" id="{C2CA64F6-A001-442C-86AA-19B62C33103A}"/>
-              </a:ext>
-            </a:extLst>
-          </p:cNvPr>
+          <p:cNvPr id="4" name="Slide Number Placeholder 3"/>
           <p:cNvSpPr>
             <a:spLocks noGrp="1"/>
           </p:cNvSpPr>
@@ -4978,7 +4496,7 @@
           <a:p>
             <a:fld id="{7E1D34C2-AF2B-4EFB-A9DD-5508AE5A310B}" type="slidenum">
               <a:rPr lang="it-IT" smtClean="0"/>
-              <a:t>‹n.›</a:t>
+              <a:t>‹N›</a:t>
             </a:fld>
             <a:endParaRPr lang="it-IT"/>
           </a:p>
@@ -4987,7 +4505,7 @@
     </p:spTree>
     <p:extLst>
       <p:ext uri="{BB962C8B-B14F-4D97-AF65-F5344CB8AC3E}">
-        <p14:creationId xmlns:p14="http://schemas.microsoft.com/office/powerpoint/2010/main" val="1467821355"/>
+        <p14:creationId xmlns:p14="http://schemas.microsoft.com/office/powerpoint/2010/main" val="2923305780"/>
       </p:ext>
     </p:extLst>
   </p:cSld>
@@ -4998,7 +4516,7 @@
 </file>
 
 <file path=ppt/slideLayouts/slideLayout8.xml><?xml version="1.0" encoding="utf-8"?>
-<p:sldLayout xmlns:a="http://schemas.openxmlformats.org/drawingml/2006/main" xmlns:r="http://schemas.openxmlformats.org/officeDocument/2006/relationships" xmlns:p="http://schemas.openxmlformats.org/presentationml/2006/main" type="objTx" preserve="1">
+<p:sldLayout xmlns:a="http://schemas.openxmlformats.org/drawingml/2006/main" xmlns:r="http://schemas.openxmlformats.org/officeDocument/2006/relationships" xmlns:p="http://schemas.openxmlformats.org/presentationml/2006/main" showMasterSp="0" type="objTx" preserve="1">
   <p:cSld name="Contenuto con didascalia">
     <p:spTree>
       <p:nvGrpSpPr>
@@ -5016,13 +4534,45 @@
       </p:grpSpPr>
       <p:sp>
         <p:nvSpPr>
-          <p:cNvPr id="2" name="Titolo 1">
-            <a:extLst>
-              <a:ext uri="{FF2B5EF4-FFF2-40B4-BE49-F238E27FC236}">
-                <a16:creationId xmlns="" xmlns:a16="http://schemas.microsoft.com/office/drawing/2014/main" id="{4EAB73A2-A532-49F6-9A50-253BF8A3A366}"/>
-              </a:ext>
-            </a:extLst>
-          </p:cNvPr>
+          <p:cNvPr id="8" name="Rectangle 7" title="Background Shape"/>
+          <p:cNvSpPr/>
+          <p:nvPr/>
+        </p:nvSpPr>
+        <p:spPr>
+          <a:xfrm>
+            <a:off x="0" y="376"/>
+            <a:ext cx="5303520" cy="6857624"/>
+          </a:xfrm>
+          <a:prstGeom prst="rect">
+            <a:avLst/>
+          </a:prstGeom>
+          <a:solidFill>
+            <a:schemeClr val="accent1"/>
+          </a:solidFill>
+          <a:ln>
+            <a:noFill/>
+          </a:ln>
+        </p:spPr>
+        <p:style>
+          <a:lnRef idx="2">
+            <a:schemeClr val="accent1">
+              <a:shade val="50000"/>
+            </a:schemeClr>
+          </a:lnRef>
+          <a:fillRef idx="1">
+            <a:schemeClr val="accent1"/>
+          </a:fillRef>
+          <a:effectRef idx="0">
+            <a:schemeClr val="accent1"/>
+          </a:effectRef>
+          <a:fontRef idx="minor">
+            <a:schemeClr val="lt1"/>
+          </a:fontRef>
+        </p:style>
+      </p:sp>
+      <p:sp>
+        <p:nvSpPr>
+          <p:cNvPr id="2" name="Title 1"/>
           <p:cNvSpPr>
             <a:spLocks noGrp="1"/>
           </p:cNvSpPr>
@@ -5032,15 +4582,24 @@
         </p:nvSpPr>
         <p:spPr>
           <a:xfrm>
-            <a:off x="839788" y="457200"/>
-            <a:ext cx="3932237" cy="1600200"/>
+            <a:off x="723900" y="685800"/>
+            <a:ext cx="3855720" cy="2157884"/>
           </a:xfrm>
         </p:spPr>
         <p:txBody>
-          <a:bodyPr anchor="b"/>
+          <a:bodyPr anchor="t">
+            <a:noAutofit/>
+          </a:bodyPr>
           <a:lstStyle>
             <a:lvl1pPr>
-              <a:defRPr sz="3200"/>
+              <a:lnSpc>
+                <a:spcPct val="84000"/>
+              </a:lnSpc>
+              <a:defRPr sz="4800" baseline="0">
+                <a:solidFill>
+                  <a:schemeClr val="tx2"/>
+                </a:solidFill>
+              </a:defRPr>
             </a:lvl1pPr>
           </a:lstStyle>
           <a:p>
@@ -5048,18 +4607,13 @@
               <a:rPr lang="it-IT"/>
               <a:t>Fare clic per modificare lo stile del titolo dello schema</a:t>
             </a:r>
-          </a:p>
-        </p:txBody>
-      </p:sp>
-      <p:sp>
-        <p:nvSpPr>
-          <p:cNvPr id="3" name="Segnaposto contenuto 2">
-            <a:extLst>
-              <a:ext uri="{FF2B5EF4-FFF2-40B4-BE49-F238E27FC236}">
-                <a16:creationId xmlns="" xmlns:a16="http://schemas.microsoft.com/office/drawing/2014/main" id="{EB941CB2-D3E0-4C8A-B4DF-5D3EA3A449C3}"/>
-              </a:ext>
-            </a:extLst>
-          </p:cNvPr>
+            <a:endParaRPr lang="en-US" dirty="0"/>
+          </a:p>
+        </p:txBody>
+      </p:sp>
+      <p:sp>
+        <p:nvSpPr>
+          <p:cNvPr id="3" name="Content Placeholder 2"/>
           <p:cNvSpPr>
             <a:spLocks noGrp="1"/>
           </p:cNvSpPr>
@@ -5069,39 +4623,39 @@
         </p:nvSpPr>
         <p:spPr>
           <a:xfrm>
-            <a:off x="5183188" y="987425"/>
-            <a:ext cx="6172200" cy="4873625"/>
+            <a:off x="6256020" y="685801"/>
+            <a:ext cx="5212080" cy="5175250"/>
           </a:xfrm>
         </p:spPr>
         <p:txBody>
           <a:bodyPr/>
           <a:lstStyle>
             <a:lvl1pPr>
-              <a:defRPr sz="3200"/>
+              <a:defRPr sz="2000"/>
             </a:lvl1pPr>
             <a:lvl2pPr>
-              <a:defRPr sz="2800"/>
+              <a:defRPr sz="2000"/>
             </a:lvl2pPr>
             <a:lvl3pPr>
-              <a:defRPr sz="2400"/>
+              <a:defRPr sz="1800"/>
             </a:lvl3pPr>
             <a:lvl4pPr>
-              <a:defRPr sz="2000"/>
+              <a:defRPr sz="1800"/>
             </a:lvl4pPr>
             <a:lvl5pPr>
-              <a:defRPr sz="2000"/>
+              <a:defRPr sz="1600"/>
             </a:lvl5pPr>
             <a:lvl6pPr>
-              <a:defRPr sz="2000"/>
+              <a:defRPr sz="1600"/>
             </a:lvl6pPr>
             <a:lvl7pPr>
-              <a:defRPr sz="2000"/>
+              <a:defRPr sz="1600"/>
             </a:lvl7pPr>
             <a:lvl8pPr>
-              <a:defRPr sz="2000"/>
+              <a:defRPr sz="1600"/>
             </a:lvl8pPr>
             <a:lvl9pPr>
-              <a:defRPr sz="2000"/>
+              <a:defRPr sz="1600"/>
             </a:lvl9pPr>
           </a:lstStyle>
           <a:p>
@@ -5138,18 +4692,13 @@
               <a:rPr lang="it-IT"/>
               <a:t>Quinto livello</a:t>
             </a:r>
-          </a:p>
-        </p:txBody>
-      </p:sp>
-      <p:sp>
-        <p:nvSpPr>
-          <p:cNvPr id="4" name="Segnaposto testo 3">
-            <a:extLst>
-              <a:ext uri="{FF2B5EF4-FFF2-40B4-BE49-F238E27FC236}">
-                <a16:creationId xmlns="" xmlns:a16="http://schemas.microsoft.com/office/drawing/2014/main" id="{332D8F10-DEFC-43F8-BE9C-60F2D0895B6E}"/>
-              </a:ext>
-            </a:extLst>
-          </p:cNvPr>
+            <a:endParaRPr lang="en-US" dirty="0"/>
+          </a:p>
+        </p:txBody>
+      </p:sp>
+      <p:sp>
+        <p:nvSpPr>
+          <p:cNvPr id="4" name="Text Placeholder 3"/>
           <p:cNvSpPr>
             <a:spLocks noGrp="1"/>
           </p:cNvSpPr>
@@ -5159,14 +4708,23 @@
         </p:nvSpPr>
         <p:spPr>
           <a:xfrm>
-            <a:off x="839788" y="2057400"/>
-            <a:ext cx="3932237" cy="3811588"/>
+            <a:off x="723900" y="2856344"/>
+            <a:ext cx="3855720" cy="3011056"/>
           </a:xfrm>
         </p:spPr>
         <p:txBody>
           <a:bodyPr/>
           <a:lstStyle>
             <a:lvl1pPr marL="0" indent="0">
+              <a:lnSpc>
+                <a:spcPct val="113000"/>
+              </a:lnSpc>
+              <a:spcBef>
+                <a:spcPts val="0"/>
+              </a:spcBef>
+              <a:spcAft>
+                <a:spcPts val="1500"/>
+              </a:spcAft>
               <a:buNone/>
               <a:defRPr sz="1600"/>
             </a:lvl1pPr>
@@ -5214,13 +4772,7 @@
       </p:sp>
       <p:sp>
         <p:nvSpPr>
-          <p:cNvPr id="5" name="Segnaposto data 4">
-            <a:extLst>
-              <a:ext uri="{FF2B5EF4-FFF2-40B4-BE49-F238E27FC236}">
-                <a16:creationId xmlns="" xmlns:a16="http://schemas.microsoft.com/office/drawing/2014/main" id="{EE77C715-0FEB-4BBC-B765-8E57465696BC}"/>
-              </a:ext>
-            </a:extLst>
-          </p:cNvPr>
+          <p:cNvPr id="5" name="Date Placeholder 4"/>
           <p:cNvSpPr>
             <a:spLocks noGrp="1"/>
           </p:cNvSpPr>
@@ -5228,14 +4780,27 @@
             <p:ph type="dt" sz="half" idx="10"/>
           </p:nvPr>
         </p:nvSpPr>
-        <p:spPr/>
+        <p:spPr>
+          <a:xfrm>
+            <a:off x="723900" y="6453386"/>
+            <a:ext cx="1204572" cy="404614"/>
+          </a:xfrm>
+        </p:spPr>
         <p:txBody>
           <a:bodyPr/>
-          <a:lstStyle/>
+          <a:lstStyle>
+            <a:lvl1pPr>
+              <a:defRPr>
+                <a:solidFill>
+                  <a:schemeClr val="tx2"/>
+                </a:solidFill>
+              </a:defRPr>
+            </a:lvl1pPr>
+          </a:lstStyle>
           <a:p>
             <a:fld id="{BB13FF18-858D-4A6C-8E7A-419597778596}" type="datetimeFigureOut">
               <a:rPr lang="it-IT" smtClean="0"/>
-              <a:t>20/11/17</a:t>
+              <a:t>21/11/2017</a:t>
             </a:fld>
             <a:endParaRPr lang="it-IT"/>
           </a:p>
@@ -5243,13 +4808,7 @@
       </p:sp>
       <p:sp>
         <p:nvSpPr>
-          <p:cNvPr id="6" name="Segnaposto piè di pagina 5">
-            <a:extLst>
-              <a:ext uri="{FF2B5EF4-FFF2-40B4-BE49-F238E27FC236}">
-                <a16:creationId xmlns="" xmlns:a16="http://schemas.microsoft.com/office/drawing/2014/main" id="{2CAEDFCE-12ED-4E6B-B56C-E1D952398C3E}"/>
-              </a:ext>
-            </a:extLst>
-          </p:cNvPr>
+          <p:cNvPr id="6" name="Footer Placeholder 5"/>
           <p:cNvSpPr>
             <a:spLocks noGrp="1"/>
           </p:cNvSpPr>
@@ -5257,10 +4816,23 @@
             <p:ph type="ftr" sz="quarter" idx="11"/>
           </p:nvPr>
         </p:nvSpPr>
-        <p:spPr/>
+        <p:spPr>
+          <a:xfrm>
+            <a:off x="2205945" y="6453386"/>
+            <a:ext cx="2373675" cy="404614"/>
+          </a:xfrm>
+        </p:spPr>
         <p:txBody>
           <a:bodyPr/>
-          <a:lstStyle/>
+          <a:lstStyle>
+            <a:lvl1pPr>
+              <a:defRPr>
+                <a:solidFill>
+                  <a:schemeClr val="tx2"/>
+                </a:solidFill>
+              </a:defRPr>
+            </a:lvl1pPr>
+          </a:lstStyle>
           <a:p>
             <a:endParaRPr lang="it-IT"/>
           </a:p>
@@ -5268,13 +4840,7 @@
       </p:sp>
       <p:sp>
         <p:nvSpPr>
-          <p:cNvPr id="7" name="Segnaposto numero diapositiva 6">
-            <a:extLst>
-              <a:ext uri="{FF2B5EF4-FFF2-40B4-BE49-F238E27FC236}">
-                <a16:creationId xmlns="" xmlns:a16="http://schemas.microsoft.com/office/drawing/2014/main" id="{CF8FB2D0-5BDD-4B7B-9F11-26DD4A1CB91A}"/>
-              </a:ext>
-            </a:extLst>
-          </p:cNvPr>
+          <p:cNvPr id="7" name="Slide Number Placeholder 6"/>
           <p:cNvSpPr>
             <a:spLocks noGrp="1"/>
           </p:cNvSpPr>
@@ -5282,23 +4848,74 @@
             <p:ph type="sldNum" sz="quarter" idx="12"/>
           </p:nvPr>
         </p:nvSpPr>
-        <p:spPr/>
+        <p:spPr>
+          <a:xfrm>
+            <a:off x="9883140" y="6453386"/>
+            <a:ext cx="1596292" cy="404614"/>
+          </a:xfrm>
+        </p:spPr>
         <p:txBody>
           <a:bodyPr/>
-          <a:lstStyle/>
+          <a:lstStyle>
+            <a:lvl1pPr>
+              <a:defRPr>
+                <a:solidFill>
+                  <a:schemeClr val="tx2"/>
+                </a:solidFill>
+              </a:defRPr>
+            </a:lvl1pPr>
+          </a:lstStyle>
           <a:p>
             <a:fld id="{7E1D34C2-AF2B-4EFB-A9DD-5508AE5A310B}" type="slidenum">
               <a:rPr lang="it-IT" smtClean="0"/>
-              <a:t>‹n.›</a:t>
+              <a:t>‹N›</a:t>
             </a:fld>
             <a:endParaRPr lang="it-IT"/>
           </a:p>
         </p:txBody>
+      </p:sp>
+      <p:sp>
+        <p:nvSpPr>
+          <p:cNvPr id="9" name="Rectangle 8" title="Divider Bar"/>
+          <p:cNvSpPr/>
+          <p:nvPr/>
+        </p:nvSpPr>
+        <p:spPr>
+          <a:xfrm>
+            <a:off x="5303520" y="376"/>
+            <a:ext cx="228600" cy="6858000"/>
+          </a:xfrm>
+          <a:prstGeom prst="rect">
+            <a:avLst/>
+          </a:prstGeom>
+          <a:solidFill>
+            <a:schemeClr val="tx2"/>
+          </a:solidFill>
+          <a:ln>
+            <a:noFill/>
+          </a:ln>
+        </p:spPr>
+        <p:style>
+          <a:lnRef idx="2">
+            <a:schemeClr val="accent1">
+              <a:shade val="50000"/>
+            </a:schemeClr>
+          </a:lnRef>
+          <a:fillRef idx="1">
+            <a:schemeClr val="accent1"/>
+          </a:fillRef>
+          <a:effectRef idx="0">
+            <a:schemeClr val="accent1"/>
+          </a:effectRef>
+          <a:fontRef idx="minor">
+            <a:schemeClr val="lt1"/>
+          </a:fontRef>
+        </p:style>
       </p:sp>
     </p:spTree>
     <p:extLst>
       <p:ext uri="{BB962C8B-B14F-4D97-AF65-F5344CB8AC3E}">
-        <p14:creationId xmlns:p14="http://schemas.microsoft.com/office/powerpoint/2010/main" val="838347972"/>
+        <p14:creationId xmlns:p14="http://schemas.microsoft.com/office/powerpoint/2010/main" val="251093486"/>
       </p:ext>
     </p:extLst>
   </p:cSld>
@@ -5309,7 +4926,7 @@
 </file>
 
 <file path=ppt/slideLayouts/slideLayout9.xml><?xml version="1.0" encoding="utf-8"?>
-<p:sldLayout xmlns:a="http://schemas.openxmlformats.org/drawingml/2006/main" xmlns:r="http://schemas.openxmlformats.org/officeDocument/2006/relationships" xmlns:p="http://schemas.openxmlformats.org/presentationml/2006/main" type="picTx" preserve="1">
+<p:sldLayout xmlns:a="http://schemas.openxmlformats.org/drawingml/2006/main" xmlns:r="http://schemas.openxmlformats.org/officeDocument/2006/relationships" xmlns:p="http://schemas.openxmlformats.org/presentationml/2006/main" showMasterSp="0" type="picTx" preserve="1">
   <p:cSld name="Immagine con didascalia">
     <p:spTree>
       <p:nvGrpSpPr>
@@ -5327,13 +4944,45 @@
       </p:grpSpPr>
       <p:sp>
         <p:nvSpPr>
-          <p:cNvPr id="2" name="Titolo 1">
-            <a:extLst>
-              <a:ext uri="{FF2B5EF4-FFF2-40B4-BE49-F238E27FC236}">
-                <a16:creationId xmlns="" xmlns:a16="http://schemas.microsoft.com/office/drawing/2014/main" id="{7FA44E1E-842D-4A49-92A4-51D75DB0AB99}"/>
-              </a:ext>
-            </a:extLst>
-          </p:cNvPr>
+          <p:cNvPr id="8" name="Rectangle 7" title="Background Shape"/>
+          <p:cNvSpPr/>
+          <p:nvPr/>
+        </p:nvSpPr>
+        <p:spPr>
+          <a:xfrm>
+            <a:off x="0" y="376"/>
+            <a:ext cx="5303520" cy="6857624"/>
+          </a:xfrm>
+          <a:prstGeom prst="rect">
+            <a:avLst/>
+          </a:prstGeom>
+          <a:solidFill>
+            <a:schemeClr val="accent1"/>
+          </a:solidFill>
+          <a:ln>
+            <a:noFill/>
+          </a:ln>
+        </p:spPr>
+        <p:style>
+          <a:lnRef idx="2">
+            <a:schemeClr val="accent1">
+              <a:shade val="50000"/>
+            </a:schemeClr>
+          </a:lnRef>
+          <a:fillRef idx="1">
+            <a:schemeClr val="accent1"/>
+          </a:fillRef>
+          <a:effectRef idx="0">
+            <a:schemeClr val="accent1"/>
+          </a:effectRef>
+          <a:fontRef idx="minor">
+            <a:schemeClr val="lt1"/>
+          </a:fontRef>
+        </p:style>
+      </p:sp>
+      <p:sp>
+        <p:nvSpPr>
+          <p:cNvPr id="2" name="Title 1"/>
           <p:cNvSpPr>
             <a:spLocks noGrp="1"/>
           </p:cNvSpPr>
@@ -5343,15 +4992,20 @@
         </p:nvSpPr>
         <p:spPr>
           <a:xfrm>
-            <a:off x="839788" y="457200"/>
-            <a:ext cx="3932237" cy="1600200"/>
+            <a:off x="723900" y="685800"/>
+            <a:ext cx="3855720" cy="2157884"/>
           </a:xfrm>
         </p:spPr>
         <p:txBody>
-          <a:bodyPr anchor="b"/>
+          <a:bodyPr anchor="t">
+            <a:normAutofit/>
+          </a:bodyPr>
           <a:lstStyle>
             <a:lvl1pPr>
-              <a:defRPr sz="3200"/>
+              <a:lnSpc>
+                <a:spcPct val="84000"/>
+              </a:lnSpc>
+              <a:defRPr sz="4800" baseline="0"/>
             </a:lvl1pPr>
           </a:lstStyle>
           <a:p>
@@ -5359,20 +5013,15 @@
               <a:rPr lang="it-IT"/>
               <a:t>Fare clic per modificare lo stile del titolo dello schema</a:t>
             </a:r>
-          </a:p>
-        </p:txBody>
-      </p:sp>
-      <p:sp>
-        <p:nvSpPr>
-          <p:cNvPr id="3" name="Segnaposto immagine 2">
-            <a:extLst>
-              <a:ext uri="{FF2B5EF4-FFF2-40B4-BE49-F238E27FC236}">
-                <a16:creationId xmlns="" xmlns:a16="http://schemas.microsoft.com/office/drawing/2014/main" id="{C0FD0D48-89D0-4EE7-921B-ACFAEBEDFB1F}"/>
-              </a:ext>
-            </a:extLst>
-          </p:cNvPr>
+            <a:endParaRPr lang="en-US" dirty="0"/>
+          </a:p>
+        </p:txBody>
+      </p:sp>
+      <p:sp>
+        <p:nvSpPr>
+          <p:cNvPr id="3" name="Picture Placeholder 2"/>
           <p:cNvSpPr>
-            <a:spLocks noGrp="1"/>
+            <a:spLocks noGrp="1" noChangeAspect="1"/>
           </p:cNvSpPr>
           <p:nvPr>
             <p:ph type="pic" idx="1"/>
@@ -5380,24 +5029,26 @@
         </p:nvSpPr>
         <p:spPr>
           <a:xfrm>
-            <a:off x="5183188" y="987425"/>
-            <a:ext cx="6172200" cy="4873625"/>
+            <a:off x="5532120" y="0"/>
+            <a:ext cx="6659880" cy="6857999"/>
           </a:xfrm>
         </p:spPr>
         <p:txBody>
-          <a:bodyPr/>
+          <a:bodyPr anchor="t">
+            <a:normAutofit/>
+          </a:bodyPr>
           <a:lstStyle>
             <a:lvl1pPr marL="0" indent="0">
               <a:buNone/>
-              <a:defRPr sz="3200"/>
+              <a:defRPr sz="2000"/>
             </a:lvl1pPr>
             <a:lvl2pPr marL="457200" indent="0">
               <a:buNone/>
-              <a:defRPr sz="2800"/>
+              <a:defRPr sz="2000"/>
             </a:lvl2pPr>
             <a:lvl3pPr marL="914400" indent="0">
               <a:buNone/>
-              <a:defRPr sz="2400"/>
+              <a:defRPr sz="2000"/>
             </a:lvl3pPr>
             <a:lvl4pPr marL="1371600" indent="0">
               <a:buNone/>
@@ -5425,19 +5076,17 @@
             </a:lvl9pPr>
           </a:lstStyle>
           <a:p>
-            <a:endParaRPr lang="it-IT"/>
-          </a:p>
-        </p:txBody>
-      </p:sp>
-      <p:sp>
-        <p:nvSpPr>
-          <p:cNvPr id="4" name="Segnaposto testo 3">
-            <a:extLst>
-              <a:ext uri="{FF2B5EF4-FFF2-40B4-BE49-F238E27FC236}">
-                <a16:creationId xmlns="" xmlns:a16="http://schemas.microsoft.com/office/drawing/2014/main" id="{93EBAFF9-9521-48A1-9261-DD8188CB4591}"/>
-              </a:ext>
-            </a:extLst>
-          </p:cNvPr>
+            <a:r>
+              <a:rPr lang="it-IT"/>
+              <a:t>Fare clic sull'icona per inserire un'immagine</a:t>
+            </a:r>
+            <a:endParaRPr lang="en-US" dirty="0"/>
+          </a:p>
+        </p:txBody>
+      </p:sp>
+      <p:sp>
+        <p:nvSpPr>
+          <p:cNvPr id="4" name="Text Placeholder 3"/>
           <p:cNvSpPr>
             <a:spLocks noGrp="1"/>
           </p:cNvSpPr>
@@ -5447,14 +5096,23 @@
         </p:nvSpPr>
         <p:spPr>
           <a:xfrm>
-            <a:off x="839788" y="2057400"/>
-            <a:ext cx="3932237" cy="3811588"/>
+            <a:off x="723900" y="2855968"/>
+            <a:ext cx="3855720" cy="3011432"/>
           </a:xfrm>
         </p:spPr>
         <p:txBody>
           <a:bodyPr/>
           <a:lstStyle>
             <a:lvl1pPr marL="0" indent="0">
+              <a:lnSpc>
+                <a:spcPct val="113000"/>
+              </a:lnSpc>
+              <a:spcBef>
+                <a:spcPts val="0"/>
+              </a:spcBef>
+              <a:spcAft>
+                <a:spcPts val="1500"/>
+              </a:spcAft>
               <a:buNone/>
               <a:defRPr sz="1600"/>
             </a:lvl1pPr>
@@ -5502,13 +5160,7 @@
       </p:sp>
       <p:sp>
         <p:nvSpPr>
-          <p:cNvPr id="5" name="Segnaposto data 4">
-            <a:extLst>
-              <a:ext uri="{FF2B5EF4-FFF2-40B4-BE49-F238E27FC236}">
-                <a16:creationId xmlns="" xmlns:a16="http://schemas.microsoft.com/office/drawing/2014/main" id="{34010A57-4D1E-4341-9679-83095A85D9FC}"/>
-              </a:ext>
-            </a:extLst>
-          </p:cNvPr>
+          <p:cNvPr id="5" name="Date Placeholder 4"/>
           <p:cNvSpPr>
             <a:spLocks noGrp="1"/>
           </p:cNvSpPr>
@@ -5516,14 +5168,27 @@
             <p:ph type="dt" sz="half" idx="10"/>
           </p:nvPr>
         </p:nvSpPr>
-        <p:spPr/>
+        <p:spPr>
+          <a:xfrm>
+            <a:off x="723900" y="6453386"/>
+            <a:ext cx="1204572" cy="404614"/>
+          </a:xfrm>
+        </p:spPr>
         <p:txBody>
           <a:bodyPr/>
-          <a:lstStyle/>
+          <a:lstStyle>
+            <a:lvl1pPr>
+              <a:defRPr>
+                <a:solidFill>
+                  <a:schemeClr val="tx2"/>
+                </a:solidFill>
+              </a:defRPr>
+            </a:lvl1pPr>
+          </a:lstStyle>
           <a:p>
             <a:fld id="{BB13FF18-858D-4A6C-8E7A-419597778596}" type="datetimeFigureOut">
               <a:rPr lang="it-IT" smtClean="0"/>
-              <a:t>20/11/17</a:t>
+              <a:t>21/11/2017</a:t>
             </a:fld>
             <a:endParaRPr lang="it-IT"/>
           </a:p>
@@ -5531,13 +5196,7 @@
       </p:sp>
       <p:sp>
         <p:nvSpPr>
-          <p:cNvPr id="6" name="Segnaposto piè di pagina 5">
-            <a:extLst>
-              <a:ext uri="{FF2B5EF4-FFF2-40B4-BE49-F238E27FC236}">
-                <a16:creationId xmlns="" xmlns:a16="http://schemas.microsoft.com/office/drawing/2014/main" id="{0EF9AA20-C205-4B6A-8D28-5B5105385DC6}"/>
-              </a:ext>
-            </a:extLst>
-          </p:cNvPr>
+          <p:cNvPr id="6" name="Footer Placeholder 5"/>
           <p:cNvSpPr>
             <a:spLocks noGrp="1"/>
           </p:cNvSpPr>
@@ -5545,10 +5204,23 @@
             <p:ph type="ftr" sz="quarter" idx="11"/>
           </p:nvPr>
         </p:nvSpPr>
-        <p:spPr/>
+        <p:spPr>
+          <a:xfrm>
+            <a:off x="2205945" y="6453386"/>
+            <a:ext cx="2373675" cy="404614"/>
+          </a:xfrm>
+        </p:spPr>
         <p:txBody>
           <a:bodyPr/>
-          <a:lstStyle/>
+          <a:lstStyle>
+            <a:lvl1pPr>
+              <a:defRPr>
+                <a:solidFill>
+                  <a:schemeClr val="tx2"/>
+                </a:solidFill>
+              </a:defRPr>
+            </a:lvl1pPr>
+          </a:lstStyle>
           <a:p>
             <a:endParaRPr lang="it-IT"/>
           </a:p>
@@ -5556,13 +5228,7 @@
       </p:sp>
       <p:sp>
         <p:nvSpPr>
-          <p:cNvPr id="7" name="Segnaposto numero diapositiva 6">
-            <a:extLst>
-              <a:ext uri="{FF2B5EF4-FFF2-40B4-BE49-F238E27FC236}">
-                <a16:creationId xmlns="" xmlns:a16="http://schemas.microsoft.com/office/drawing/2014/main" id="{8F846EFF-FD3A-414C-BA1E-87377E6168BC}"/>
-              </a:ext>
-            </a:extLst>
-          </p:cNvPr>
+          <p:cNvPr id="7" name="Slide Number Placeholder 6"/>
           <p:cNvSpPr>
             <a:spLocks noGrp="1"/>
           </p:cNvSpPr>
@@ -5570,23 +5236,74 @@
             <p:ph type="sldNum" sz="quarter" idx="12"/>
           </p:nvPr>
         </p:nvSpPr>
-        <p:spPr/>
+        <p:spPr>
+          <a:xfrm>
+            <a:off x="9883140" y="6453386"/>
+            <a:ext cx="1596292" cy="404614"/>
+          </a:xfrm>
+        </p:spPr>
         <p:txBody>
           <a:bodyPr/>
-          <a:lstStyle/>
+          <a:lstStyle>
+            <a:lvl1pPr>
+              <a:defRPr>
+                <a:solidFill>
+                  <a:schemeClr val="tx2"/>
+                </a:solidFill>
+              </a:defRPr>
+            </a:lvl1pPr>
+          </a:lstStyle>
           <a:p>
             <a:fld id="{7E1D34C2-AF2B-4EFB-A9DD-5508AE5A310B}" type="slidenum">
               <a:rPr lang="it-IT" smtClean="0"/>
-              <a:t>‹n.›</a:t>
+              <a:t>‹N›</a:t>
             </a:fld>
             <a:endParaRPr lang="it-IT"/>
           </a:p>
         </p:txBody>
+      </p:sp>
+      <p:sp>
+        <p:nvSpPr>
+          <p:cNvPr id="9" name="Rectangle 8" title="Divider Bar"/>
+          <p:cNvSpPr/>
+          <p:nvPr/>
+        </p:nvSpPr>
+        <p:spPr>
+          <a:xfrm>
+            <a:off x="5303520" y="376"/>
+            <a:ext cx="228600" cy="6858000"/>
+          </a:xfrm>
+          <a:prstGeom prst="rect">
+            <a:avLst/>
+          </a:prstGeom>
+          <a:solidFill>
+            <a:schemeClr val="tx2"/>
+          </a:solidFill>
+          <a:ln>
+            <a:noFill/>
+          </a:ln>
+        </p:spPr>
+        <p:style>
+          <a:lnRef idx="2">
+            <a:schemeClr val="accent1">
+              <a:shade val="50000"/>
+            </a:schemeClr>
+          </a:lnRef>
+          <a:fillRef idx="1">
+            <a:schemeClr val="accent1"/>
+          </a:fillRef>
+          <a:effectRef idx="0">
+            <a:schemeClr val="accent1"/>
+          </a:effectRef>
+          <a:fontRef idx="minor">
+            <a:schemeClr val="lt1"/>
+          </a:fontRef>
+        </p:style>
       </p:sp>
     </p:spTree>
     <p:extLst>
       <p:ext uri="{BB962C8B-B14F-4D97-AF65-F5344CB8AC3E}">
-        <p14:creationId xmlns:p14="http://schemas.microsoft.com/office/powerpoint/2010/main" val="1992179250"/>
+        <p14:creationId xmlns:p14="http://schemas.microsoft.com/office/powerpoint/2010/main" val="2905064789"/>
       </p:ext>
     </p:extLst>
   </p:cSld>
@@ -5600,9 +5317,12 @@
 <p:sldMaster xmlns:a="http://schemas.openxmlformats.org/drawingml/2006/main" xmlns:r="http://schemas.openxmlformats.org/officeDocument/2006/relationships" xmlns:p="http://schemas.openxmlformats.org/presentationml/2006/main">
   <p:cSld>
     <p:bg>
-      <p:bgRef idx="1001">
-        <a:schemeClr val="bg1"/>
-      </p:bgRef>
+      <p:bgPr>
+        <a:solidFill>
+          <a:schemeClr val="bg2"/>
+        </a:solidFill>
+        <a:effectLst/>
+      </p:bgPr>
     </p:bg>
     <p:spTree>
       <p:nvGrpSpPr>
@@ -5620,13 +5340,7 @@
       </p:grpSpPr>
       <p:sp>
         <p:nvSpPr>
-          <p:cNvPr id="2" name="Segnaposto titolo 1">
-            <a:extLst>
-              <a:ext uri="{FF2B5EF4-FFF2-40B4-BE49-F238E27FC236}">
-                <a16:creationId xmlns="" xmlns:a16="http://schemas.microsoft.com/office/drawing/2014/main" id="{2DDF9227-F210-4AA8-9D4B-FED537C19105}"/>
-              </a:ext>
-            </a:extLst>
-          </p:cNvPr>
+          <p:cNvPr id="2" name="Title Placeholder 1"/>
           <p:cNvSpPr>
             <a:spLocks noGrp="1"/>
           </p:cNvSpPr>
@@ -5636,15 +5350,15 @@
         </p:nvSpPr>
         <p:spPr>
           <a:xfrm>
-            <a:off x="838200" y="365125"/>
-            <a:ext cx="10515600" cy="1325563"/>
+            <a:off x="1371600" y="685800"/>
+            <a:ext cx="9601200" cy="1485900"/>
           </a:xfrm>
           <a:prstGeom prst="rect">
             <a:avLst/>
           </a:prstGeom>
         </p:spPr>
         <p:txBody>
-          <a:bodyPr vert="horz" lIns="91440" tIns="45720" rIns="91440" bIns="45720" rtlCol="0" anchor="ctr">
+          <a:bodyPr vert="horz" lIns="91440" tIns="45720" rIns="91440" bIns="45720" rtlCol="0" anchor="t">
             <a:normAutofit/>
           </a:bodyPr>
           <a:lstStyle/>
@@ -5653,18 +5367,13 @@
               <a:rPr lang="it-IT"/>
               <a:t>Fare clic per modificare lo stile del titolo dello schema</a:t>
             </a:r>
-          </a:p>
-        </p:txBody>
-      </p:sp>
-      <p:sp>
-        <p:nvSpPr>
-          <p:cNvPr id="3" name="Segnaposto testo 2">
-            <a:extLst>
-              <a:ext uri="{FF2B5EF4-FFF2-40B4-BE49-F238E27FC236}">
-                <a16:creationId xmlns="" xmlns:a16="http://schemas.microsoft.com/office/drawing/2014/main" id="{EB36EB2E-3570-421B-93ED-6D701A0B6ECF}"/>
-              </a:ext>
-            </a:extLst>
-          </p:cNvPr>
+            <a:endParaRPr lang="en-US" dirty="0"/>
+          </a:p>
+        </p:txBody>
+      </p:sp>
+      <p:sp>
+        <p:nvSpPr>
+          <p:cNvPr id="3" name="Text Placeholder 2"/>
           <p:cNvSpPr>
             <a:spLocks noGrp="1"/>
           </p:cNvSpPr>
@@ -5674,8 +5383,8 @@
         </p:nvSpPr>
         <p:spPr>
           <a:xfrm>
-            <a:off x="838200" y="1825625"/>
-            <a:ext cx="10515600" cy="4351338"/>
+            <a:off x="1371600" y="2286000"/>
+            <a:ext cx="9601200" cy="3581400"/>
           </a:xfrm>
           <a:prstGeom prst="rect">
             <a:avLst/>
@@ -5720,18 +5429,13 @@
               <a:rPr lang="it-IT"/>
               <a:t>Quinto livello</a:t>
             </a:r>
-          </a:p>
-        </p:txBody>
-      </p:sp>
-      <p:sp>
-        <p:nvSpPr>
-          <p:cNvPr id="4" name="Segnaposto data 3">
-            <a:extLst>
-              <a:ext uri="{FF2B5EF4-FFF2-40B4-BE49-F238E27FC236}">
-                <a16:creationId xmlns="" xmlns:a16="http://schemas.microsoft.com/office/drawing/2014/main" id="{56F9F816-177B-4B53-982B-ADADF1ACA1D1}"/>
-              </a:ext>
-            </a:extLst>
-          </p:cNvPr>
+            <a:endParaRPr lang="en-US" dirty="0"/>
+          </a:p>
+        </p:txBody>
+      </p:sp>
+      <p:sp>
+        <p:nvSpPr>
+          <p:cNvPr id="4" name="Date Placeholder 3"/>
           <p:cNvSpPr>
             <a:spLocks noGrp="1"/>
           </p:cNvSpPr>
@@ -5741,8 +5445,8 @@
         </p:nvSpPr>
         <p:spPr>
           <a:xfrm>
-            <a:off x="838200" y="6356350"/>
-            <a:ext cx="2743200" cy="365125"/>
+            <a:off x="1390650" y="6453386"/>
+            <a:ext cx="1204572" cy="404614"/>
           </a:xfrm>
           <a:prstGeom prst="rect">
             <a:avLst/>
@@ -5752,11 +5456,9 @@
           <a:bodyPr vert="horz" lIns="91440" tIns="45720" rIns="91440" bIns="45720" rtlCol="0" anchor="ctr"/>
           <a:lstStyle>
             <a:lvl1pPr algn="l">
-              <a:defRPr sz="1200">
+              <a:defRPr sz="1200" baseline="0">
                 <a:solidFill>
-                  <a:schemeClr val="tx1">
-                    <a:tint val="75000"/>
-                  </a:schemeClr>
+                  <a:schemeClr val="tx2"/>
                 </a:solidFill>
               </a:defRPr>
             </a:lvl1pPr>
@@ -5764,7 +5466,7 @@
           <a:p>
             <a:fld id="{BB13FF18-858D-4A6C-8E7A-419597778596}" type="datetimeFigureOut">
               <a:rPr lang="it-IT" smtClean="0"/>
-              <a:t>20/11/17</a:t>
+              <a:t>21/11/2017</a:t>
             </a:fld>
             <a:endParaRPr lang="it-IT"/>
           </a:p>
@@ -5772,13 +5474,7 @@
       </p:sp>
       <p:sp>
         <p:nvSpPr>
-          <p:cNvPr id="5" name="Segnaposto piè di pagina 4">
-            <a:extLst>
-              <a:ext uri="{FF2B5EF4-FFF2-40B4-BE49-F238E27FC236}">
-                <a16:creationId xmlns="" xmlns:a16="http://schemas.microsoft.com/office/drawing/2014/main" id="{03EFD77A-83F3-4FA8-A88C-47530D58E558}"/>
-              </a:ext>
-            </a:extLst>
-          </p:cNvPr>
+          <p:cNvPr id="5" name="Footer Placeholder 4"/>
           <p:cNvSpPr>
             <a:spLocks noGrp="1"/>
           </p:cNvSpPr>
@@ -5788,8 +5484,8 @@
         </p:nvSpPr>
         <p:spPr>
           <a:xfrm>
-            <a:off x="4038600" y="6356350"/>
-            <a:ext cx="4114800" cy="365125"/>
+            <a:off x="2893564" y="6453386"/>
+            <a:ext cx="6280830" cy="404614"/>
           </a:xfrm>
           <a:prstGeom prst="rect">
             <a:avLst/>
@@ -5798,12 +5494,10 @@
         <p:txBody>
           <a:bodyPr vert="horz" lIns="91440" tIns="45720" rIns="91440" bIns="45720" rtlCol="0" anchor="ctr"/>
           <a:lstStyle>
-            <a:lvl1pPr algn="ctr">
-              <a:defRPr sz="1200">
+            <a:lvl1pPr algn="l">
+              <a:defRPr sz="1200" baseline="0">
                 <a:solidFill>
-                  <a:schemeClr val="tx1">
-                    <a:tint val="75000"/>
-                  </a:schemeClr>
+                  <a:schemeClr val="tx2"/>
                 </a:solidFill>
               </a:defRPr>
             </a:lvl1pPr>
@@ -5815,13 +5509,7 @@
       </p:sp>
       <p:sp>
         <p:nvSpPr>
-          <p:cNvPr id="6" name="Segnaposto numero diapositiva 5">
-            <a:extLst>
-              <a:ext uri="{FF2B5EF4-FFF2-40B4-BE49-F238E27FC236}">
-                <a16:creationId xmlns="" xmlns:a16="http://schemas.microsoft.com/office/drawing/2014/main" id="{D72020BD-3A0D-4F38-8199-D37336C8E0AA}"/>
-              </a:ext>
-            </a:extLst>
-          </p:cNvPr>
+          <p:cNvPr id="6" name="Slide Number Placeholder 5"/>
           <p:cNvSpPr>
             <a:spLocks noGrp="1"/>
           </p:cNvSpPr>
@@ -5831,8 +5519,8 @@
         </p:nvSpPr>
         <p:spPr>
           <a:xfrm>
-            <a:off x="8610600" y="6356350"/>
-            <a:ext cx="2743200" cy="365125"/>
+            <a:off x="9472736" y="6453386"/>
+            <a:ext cx="1596292" cy="404614"/>
           </a:xfrm>
           <a:prstGeom prst="rect">
             <a:avLst/>
@@ -5842,11 +5530,9 @@
           <a:bodyPr vert="horz" lIns="91440" tIns="45720" rIns="91440" bIns="45720" rtlCol="0" anchor="ctr"/>
           <a:lstStyle>
             <a:lvl1pPr algn="r">
-              <a:defRPr sz="1200">
+              <a:defRPr sz="1200" baseline="0">
                 <a:solidFill>
-                  <a:schemeClr val="tx1">
-                    <a:tint val="75000"/>
-                  </a:schemeClr>
+                  <a:schemeClr val="tx2"/>
                 </a:solidFill>
               </a:defRPr>
             </a:lvl1pPr>
@@ -5854,46 +5540,84 @@
           <a:p>
             <a:fld id="{7E1D34C2-AF2B-4EFB-A9DD-5508AE5A310B}" type="slidenum">
               <a:rPr lang="it-IT" smtClean="0"/>
-              <a:t>‹n.›</a:t>
+              <a:t>‹N›</a:t>
             </a:fld>
             <a:endParaRPr lang="it-IT"/>
           </a:p>
         </p:txBody>
+      </p:sp>
+      <p:sp>
+        <p:nvSpPr>
+          <p:cNvPr id="9" name="Rectangle 8" title="Side bar"/>
+          <p:cNvSpPr/>
+          <p:nvPr/>
+        </p:nvSpPr>
+        <p:spPr>
+          <a:xfrm>
+            <a:off x="478095" y="376"/>
+            <a:ext cx="228600" cy="6858000"/>
+          </a:xfrm>
+          <a:prstGeom prst="rect">
+            <a:avLst/>
+          </a:prstGeom>
+          <a:solidFill>
+            <a:schemeClr val="tx2"/>
+          </a:solidFill>
+          <a:ln>
+            <a:noFill/>
+          </a:ln>
+        </p:spPr>
+        <p:style>
+          <a:lnRef idx="2">
+            <a:schemeClr val="accent1">
+              <a:shade val="50000"/>
+            </a:schemeClr>
+          </a:lnRef>
+          <a:fillRef idx="1">
+            <a:schemeClr val="accent1"/>
+          </a:fillRef>
+          <a:effectRef idx="0">
+            <a:schemeClr val="accent1"/>
+          </a:effectRef>
+          <a:fontRef idx="minor">
+            <a:schemeClr val="lt1"/>
+          </a:fontRef>
+        </p:style>
       </p:sp>
     </p:spTree>
     <p:extLst>
       <p:ext uri="{BB962C8B-B14F-4D97-AF65-F5344CB8AC3E}">
-        <p14:creationId xmlns:p14="http://schemas.microsoft.com/office/powerpoint/2010/main" val="409831280"/>
+        <p14:creationId xmlns:p14="http://schemas.microsoft.com/office/powerpoint/2010/main" val="1910429231"/>
       </p:ext>
     </p:extLst>
   </p:cSld>
   <p:clrMap bg1="lt1" tx1="dk1" bg2="lt2" tx2="dk2" accent1="accent1" accent2="accent2" accent3="accent3" accent4="accent4" accent5="accent5" accent6="accent6" hlink="hlink" folHlink="folHlink"/>
   <p:sldLayoutIdLst>
-    <p:sldLayoutId id="2147483649" r:id="rId1"/>
-    <p:sldLayoutId id="2147483650" r:id="rId2"/>
-    <p:sldLayoutId id="2147483651" r:id="rId3"/>
-    <p:sldLayoutId id="2147483652" r:id="rId4"/>
-    <p:sldLayoutId id="2147483653" r:id="rId5"/>
-    <p:sldLayoutId id="2147483654" r:id="rId6"/>
-    <p:sldLayoutId id="2147483655" r:id="rId7"/>
-    <p:sldLayoutId id="2147483656" r:id="rId8"/>
-    <p:sldLayoutId id="2147483657" r:id="rId9"/>
-    <p:sldLayoutId id="2147483658" r:id="rId10"/>
-    <p:sldLayoutId id="2147483659" r:id="rId11"/>
+    <p:sldLayoutId id="2147483679" r:id="rId1"/>
+    <p:sldLayoutId id="2147483680" r:id="rId2"/>
+    <p:sldLayoutId id="2147483681" r:id="rId3"/>
+    <p:sldLayoutId id="2147483682" r:id="rId4"/>
+    <p:sldLayoutId id="2147483683" r:id="rId5"/>
+    <p:sldLayoutId id="2147483684" r:id="rId6"/>
+    <p:sldLayoutId id="2147483685" r:id="rId7"/>
+    <p:sldLayoutId id="2147483686" r:id="rId8"/>
+    <p:sldLayoutId id="2147483687" r:id="rId9"/>
+    <p:sldLayoutId id="2147483688" r:id="rId10"/>
+    <p:sldLayoutId id="2147483689" r:id="rId11"/>
   </p:sldLayoutIdLst>
   <p:txStyles>
     <p:titleStyle>
       <a:lvl1pPr algn="l" defTabSz="914400" rtl="0" eaLnBrk="1" latinLnBrk="0" hangingPunct="1">
         <a:lnSpc>
-          <a:spcPct val="90000"/>
+          <a:spcPct val="89000"/>
         </a:lnSpc>
         <a:spcBef>
           <a:spcPct val="0"/>
         </a:spcBef>
         <a:buNone/>
-        <a:defRPr sz="4400" kern="1200">
+        <a:defRPr sz="4400" kern="1200" baseline="0">
           <a:solidFill>
-            <a:schemeClr val="tx1"/>
+            <a:schemeClr val="tx2"/>
           </a:solidFill>
           <a:latin typeface="+mj-lt"/>
           <a:ea typeface="+mj-ea"/>
@@ -5902,162 +5626,189 @@
       </a:lvl1pPr>
     </p:titleStyle>
     <p:bodyStyle>
-      <a:lvl1pPr marL="228600" indent="-228600" algn="l" defTabSz="914400" rtl="0" eaLnBrk="1" latinLnBrk="0" hangingPunct="1">
+      <a:lvl1pPr marL="384048" indent="-384048" algn="l" defTabSz="914400" rtl="0" eaLnBrk="1" latinLnBrk="0" hangingPunct="1">
         <a:lnSpc>
-          <a:spcPct val="90000"/>
+          <a:spcPct val="94000"/>
         </a:lnSpc>
         <a:spcBef>
           <a:spcPts val="1000"/>
         </a:spcBef>
-        <a:buFont typeface="Arial" panose="020B0604020202020204" pitchFamily="34" charset="0"/>
-        <a:buChar char="•"/>
-        <a:defRPr sz="2800" kern="1200">
+        <a:spcAft>
+          <a:spcPts val="200"/>
+        </a:spcAft>
+        <a:buFont typeface="Franklin Gothic Book" panose="020B0503020102020204" pitchFamily="34" charset="0"/>
+        <a:buChar char="■"/>
+        <a:defRPr sz="2000" kern="1200" baseline="0">
           <a:solidFill>
-            <a:schemeClr val="tx1"/>
+            <a:schemeClr val="tx2"/>
           </a:solidFill>
           <a:latin typeface="+mn-lt"/>
           <a:ea typeface="+mn-ea"/>
           <a:cs typeface="+mn-cs"/>
         </a:defRPr>
       </a:lvl1pPr>
-      <a:lvl2pPr marL="685800" indent="-228600" algn="l" defTabSz="914400" rtl="0" eaLnBrk="1" latinLnBrk="0" hangingPunct="1">
+      <a:lvl2pPr marL="914400" indent="-384048" algn="l" defTabSz="914400" rtl="0" eaLnBrk="1" latinLnBrk="0" hangingPunct="1">
         <a:lnSpc>
-          <a:spcPct val="90000"/>
+          <a:spcPct val="94000"/>
         </a:lnSpc>
         <a:spcBef>
           <a:spcPts val="500"/>
         </a:spcBef>
-        <a:buFont typeface="Arial" panose="020B0604020202020204" pitchFamily="34" charset="0"/>
-        <a:buChar char="•"/>
-        <a:defRPr sz="2400" kern="1200">
+        <a:spcAft>
+          <a:spcPts val="200"/>
+        </a:spcAft>
+        <a:buFont typeface="Franklin Gothic Book" panose="020B0503020102020204" pitchFamily="34" charset="0"/>
+        <a:buChar char="–"/>
+        <a:defRPr sz="2000" i="1" kern="1200" baseline="0">
           <a:solidFill>
-            <a:schemeClr val="tx1"/>
+            <a:schemeClr val="tx2"/>
           </a:solidFill>
           <a:latin typeface="+mn-lt"/>
           <a:ea typeface="+mn-ea"/>
           <a:cs typeface="+mn-cs"/>
         </a:defRPr>
       </a:lvl2pPr>
-      <a:lvl3pPr marL="1143000" indent="-228600" algn="l" defTabSz="914400" rtl="0" eaLnBrk="1" latinLnBrk="0" hangingPunct="1">
+      <a:lvl3pPr marL="1371600" indent="-384048" algn="l" defTabSz="914400" rtl="0" eaLnBrk="1" latinLnBrk="0" hangingPunct="1">
         <a:lnSpc>
-          <a:spcPct val="90000"/>
+          <a:spcPct val="94000"/>
         </a:lnSpc>
         <a:spcBef>
           <a:spcPts val="500"/>
         </a:spcBef>
-        <a:buFont typeface="Arial" panose="020B0604020202020204" pitchFamily="34" charset="0"/>
-        <a:buChar char="•"/>
-        <a:defRPr sz="2000" kern="1200">
+        <a:spcAft>
+          <a:spcPts val="200"/>
+        </a:spcAft>
+        <a:buFont typeface="Franklin Gothic Book" panose="020B0503020102020204" pitchFamily="34" charset="0"/>
+        <a:buChar char="■"/>
+        <a:defRPr sz="1800" kern="1200" baseline="0">
           <a:solidFill>
-            <a:schemeClr val="tx1"/>
+            <a:schemeClr val="tx2"/>
           </a:solidFill>
           <a:latin typeface="+mn-lt"/>
           <a:ea typeface="+mn-ea"/>
           <a:cs typeface="+mn-cs"/>
         </a:defRPr>
       </a:lvl3pPr>
-      <a:lvl4pPr marL="1600200" indent="-228600" algn="l" defTabSz="914400" rtl="0" eaLnBrk="1" latinLnBrk="0" hangingPunct="1">
+      <a:lvl4pPr marL="1828800" indent="-384048" algn="l" defTabSz="914400" rtl="0" eaLnBrk="1" latinLnBrk="0" hangingPunct="1">
         <a:lnSpc>
-          <a:spcPct val="90000"/>
+          <a:spcPct val="94000"/>
         </a:lnSpc>
         <a:spcBef>
           <a:spcPts val="500"/>
         </a:spcBef>
-        <a:buFont typeface="Arial" panose="020B0604020202020204" pitchFamily="34" charset="0"/>
-        <a:buChar char="•"/>
-        <a:defRPr sz="1800" kern="1200">
+        <a:spcAft>
+          <a:spcPts val="200"/>
+        </a:spcAft>
+        <a:buFont typeface="Franklin Gothic Book" panose="020B0503020102020204" pitchFamily="34" charset="0"/>
+        <a:buChar char="–"/>
+        <a:defRPr sz="1800" i="1" kern="1200" baseline="0">
           <a:solidFill>
-            <a:schemeClr val="tx1"/>
+            <a:schemeClr val="tx2"/>
           </a:solidFill>
           <a:latin typeface="+mn-lt"/>
           <a:ea typeface="+mn-ea"/>
           <a:cs typeface="+mn-cs"/>
         </a:defRPr>
       </a:lvl4pPr>
-      <a:lvl5pPr marL="2057400" indent="-228600" algn="l" defTabSz="914400" rtl="0" eaLnBrk="1" latinLnBrk="0" hangingPunct="1">
+      <a:lvl5pPr marL="2286000" indent="-384048" algn="l" defTabSz="914400" rtl="0" eaLnBrk="1" latinLnBrk="0" hangingPunct="1">
         <a:lnSpc>
-          <a:spcPct val="90000"/>
+          <a:spcPct val="94000"/>
         </a:lnSpc>
         <a:spcBef>
           <a:spcPts val="500"/>
         </a:spcBef>
-        <a:buFont typeface="Arial" panose="020B0604020202020204" pitchFamily="34" charset="0"/>
-        <a:buChar char="•"/>
-        <a:defRPr sz="1800" kern="1200">
+        <a:spcAft>
+          <a:spcPts val="200"/>
+        </a:spcAft>
+        <a:buFont typeface="Franklin Gothic Book" panose="020B0503020102020204" pitchFamily="34" charset="0"/>
+        <a:buChar char="■"/>
+        <a:defRPr sz="1600" kern="1200" baseline="0">
           <a:solidFill>
-            <a:schemeClr val="tx1"/>
+            <a:schemeClr val="tx2"/>
           </a:solidFill>
           <a:latin typeface="+mn-lt"/>
           <a:ea typeface="+mn-ea"/>
           <a:cs typeface="+mn-cs"/>
         </a:defRPr>
       </a:lvl5pPr>
-      <a:lvl6pPr marL="2514600" indent="-228600" algn="l" defTabSz="914400" rtl="0" eaLnBrk="1" latinLnBrk="0" hangingPunct="1">
+      <a:lvl6pPr marL="2743200" indent="-384048" algn="l" defTabSz="914400" rtl="0" eaLnBrk="1" latinLnBrk="0" hangingPunct="1">
         <a:lnSpc>
-          <a:spcPct val="90000"/>
+          <a:spcPct val="94000"/>
         </a:lnSpc>
         <a:spcBef>
           <a:spcPts val="500"/>
         </a:spcBef>
-        <a:buFont typeface="Arial" panose="020B0604020202020204" pitchFamily="34" charset="0"/>
-        <a:buChar char="•"/>
-        <a:defRPr sz="1800" kern="1200">
+        <a:spcAft>
+          <a:spcPts val="200"/>
+        </a:spcAft>
+        <a:buFont typeface="Franklin Gothic Book" panose="020B0503020102020204" pitchFamily="34" charset="0"/>
+        <a:buChar char="–"/>
+        <a:defRPr sz="1600" i="1" kern="1200" baseline="0">
           <a:solidFill>
-            <a:schemeClr val="tx1"/>
+            <a:schemeClr val="tx2"/>
           </a:solidFill>
           <a:latin typeface="+mn-lt"/>
           <a:ea typeface="+mn-ea"/>
           <a:cs typeface="+mn-cs"/>
         </a:defRPr>
       </a:lvl6pPr>
-      <a:lvl7pPr marL="2971800" indent="-228600" algn="l" defTabSz="914400" rtl="0" eaLnBrk="1" latinLnBrk="0" hangingPunct="1">
+      <a:lvl7pPr marL="3200400" indent="-384048" algn="l" defTabSz="914400" rtl="0" eaLnBrk="1" latinLnBrk="0" hangingPunct="1">
         <a:lnSpc>
-          <a:spcPct val="90000"/>
+          <a:spcPct val="94000"/>
         </a:lnSpc>
         <a:spcBef>
           <a:spcPts val="500"/>
         </a:spcBef>
-        <a:buFont typeface="Arial" panose="020B0604020202020204" pitchFamily="34" charset="0"/>
-        <a:buChar char="•"/>
-        <a:defRPr sz="1800" kern="1200">
+        <a:spcAft>
+          <a:spcPts val="200"/>
+        </a:spcAft>
+        <a:buFont typeface="Franklin Gothic Book" panose="020B0503020102020204" pitchFamily="34" charset="0"/>
+        <a:buChar char="■"/>
+        <a:defRPr sz="1400" kern="1200" baseline="0">
           <a:solidFill>
-            <a:schemeClr val="tx1"/>
+            <a:schemeClr val="tx2"/>
           </a:solidFill>
           <a:latin typeface="+mn-lt"/>
           <a:ea typeface="+mn-ea"/>
           <a:cs typeface="+mn-cs"/>
         </a:defRPr>
       </a:lvl7pPr>
-      <a:lvl8pPr marL="3429000" indent="-228600" algn="l" defTabSz="914400" rtl="0" eaLnBrk="1" latinLnBrk="0" hangingPunct="1">
+      <a:lvl8pPr marL="3657600" indent="-384048" algn="l" defTabSz="914400" rtl="0" eaLnBrk="1" latinLnBrk="0" hangingPunct="1">
         <a:lnSpc>
-          <a:spcPct val="90000"/>
+          <a:spcPct val="94000"/>
         </a:lnSpc>
         <a:spcBef>
           <a:spcPts val="500"/>
         </a:spcBef>
-        <a:buFont typeface="Arial" panose="020B0604020202020204" pitchFamily="34" charset="0"/>
-        <a:buChar char="•"/>
-        <a:defRPr sz="1800" kern="1200">
+        <a:spcAft>
+          <a:spcPts val="200"/>
+        </a:spcAft>
+        <a:buFont typeface="Franklin Gothic Book" panose="020B0503020102020204" pitchFamily="34" charset="0"/>
+        <a:buChar char="–"/>
+        <a:defRPr sz="1400" i="1" kern="1200" baseline="0">
           <a:solidFill>
-            <a:schemeClr val="tx1"/>
+            <a:schemeClr val="tx2"/>
           </a:solidFill>
           <a:latin typeface="+mn-lt"/>
           <a:ea typeface="+mn-ea"/>
           <a:cs typeface="+mn-cs"/>
         </a:defRPr>
       </a:lvl8pPr>
-      <a:lvl9pPr marL="3886200" indent="-228600" algn="l" defTabSz="914400" rtl="0" eaLnBrk="1" latinLnBrk="0" hangingPunct="1">
+      <a:lvl9pPr marL="4114800" indent="-384048" algn="l" defTabSz="914400" rtl="0" eaLnBrk="1" latinLnBrk="0" hangingPunct="1">
         <a:lnSpc>
-          <a:spcPct val="90000"/>
+          <a:spcPct val="94000"/>
         </a:lnSpc>
         <a:spcBef>
           <a:spcPts val="500"/>
         </a:spcBef>
-        <a:buFont typeface="Arial" panose="020B0604020202020204" pitchFamily="34" charset="0"/>
-        <a:buChar char="•"/>
-        <a:defRPr sz="1800" kern="1200">
+        <a:spcAft>
+          <a:spcPts val="200"/>
+        </a:spcAft>
+        <a:buFont typeface="Franklin Gothic Book" panose="020B0503020102020204" pitchFamily="34" charset="0"/>
+        <a:buChar char="■"/>
+        <a:defRPr sz="1400" kern="1200" baseline="0">
           <a:solidFill>
-            <a:schemeClr val="tx1"/>
+            <a:schemeClr val="tx2"/>
           </a:solidFill>
           <a:latin typeface="+mn-lt"/>
           <a:ea typeface="+mn-ea"/>
@@ -6067,7 +5818,7 @@
     </p:bodyStyle>
     <p:otherStyle>
       <a:defPPr>
-        <a:defRPr lang="it-IT"/>
+        <a:defRPr lang="en-US"/>
       </a:defPPr>
       <a:lvl1pPr marL="0" algn="l" defTabSz="914400" rtl="0" eaLnBrk="1" latinLnBrk="0" hangingPunct="1">
         <a:defRPr sz="1800" kern="1200">
@@ -6161,6 +5912,52 @@
       </a:lvl9pPr>
     </p:otherStyle>
   </p:txStyles>
+  <p:extLst mod="1">
+    <p:ext uri="{27BBF7A9-308A-43DC-89C8-2F10F3537804}">
+      <p15:sldGuideLst xmlns:p15="http://schemas.microsoft.com/office/powerpoint/2012/main">
+        <p15:guide id="3" orient="horz" pos="1368">
+          <p15:clr>
+            <a:srgbClr val="F26B43"/>
+          </p15:clr>
+        </p15:guide>
+        <p15:guide id="4" orient="horz" pos="1440">
+          <p15:clr>
+            <a:srgbClr val="F26B43"/>
+          </p15:clr>
+        </p15:guide>
+        <p15:guide id="6" orient="horz" pos="3696">
+          <p15:clr>
+            <a:srgbClr val="F26B43"/>
+          </p15:clr>
+        </p15:guide>
+        <p15:guide id="7" orient="horz" pos="432">
+          <p15:clr>
+            <a:srgbClr val="F26B43"/>
+          </p15:clr>
+        </p15:guide>
+        <p15:guide id="8" orient="horz" pos="1512">
+          <p15:clr>
+            <a:srgbClr val="F26B43"/>
+          </p15:clr>
+        </p15:guide>
+        <p15:guide id="9" pos="6912">
+          <p15:clr>
+            <a:srgbClr val="F26B43"/>
+          </p15:clr>
+        </p15:guide>
+        <p15:guide id="10" pos="936">
+          <p15:clr>
+            <a:srgbClr val="F26B43"/>
+          </p15:clr>
+        </p15:guide>
+        <p15:guide id="11" pos="864">
+          <p15:clr>
+            <a:srgbClr val="F26B43"/>
+          </p15:clr>
+        </p15:guide>
+      </p15:sldGuideLst>
+    </p:ext>
+  </p:extLst>
 </p:sldMaster>
 </file>
 
@@ -6186,7 +5983,7 @@
           <p:cNvPr id="2" name="Titolo 1">
             <a:extLst>
               <a:ext uri="{FF2B5EF4-FFF2-40B4-BE49-F238E27FC236}">
-                <a16:creationId xmlns="" xmlns:a16="http://schemas.microsoft.com/office/drawing/2014/main" id="{8B6438EF-7F5F-471D-B664-125D402C66D6}"/>
+                <a16:creationId xmlns:a16="http://schemas.microsoft.com/office/drawing/2014/main" id="{8B6438EF-7F5F-471D-B664-125D402C66D6}"/>
               </a:ext>
             </a:extLst>
           </p:cNvPr>
@@ -6205,7 +6002,7 @@
         </p:spPr>
         <p:txBody>
           <a:bodyPr>
-            <a:normAutofit/>
+            <a:normAutofit fontScale="90000"/>
           </a:bodyPr>
           <a:lstStyle/>
           <a:p>
@@ -6222,7 +6019,7 @@
           <p:cNvPr id="3" name="Sottotitolo 2">
             <a:extLst>
               <a:ext uri="{FF2B5EF4-FFF2-40B4-BE49-F238E27FC236}">
-                <a16:creationId xmlns="" xmlns:a16="http://schemas.microsoft.com/office/drawing/2014/main" id="{301DCC95-D016-4D44-9E9E-E237D32D586B}"/>
+                <a16:creationId xmlns:a16="http://schemas.microsoft.com/office/drawing/2014/main" id="{301DCC95-D016-4D44-9E9E-E237D32D586B}"/>
               </a:ext>
             </a:extLst>
           </p:cNvPr>
@@ -6246,36 +6043,24 @@
           <a:lstStyle/>
           <a:p>
             <a:r>
-              <a:rPr lang="it-IT" dirty="0" smtClean="0"/>
-              <a:t>Dalla </a:t>
-            </a:r>
-            <a:r>
               <a:rPr lang="it-IT" dirty="0"/>
-              <a:t>Longa </a:t>
-            </a:r>
-            <a:r>
-              <a:rPr lang="it-IT" dirty="0" smtClean="0"/>
-              <a:t>Emanuele</a:t>
-            </a:r>
-          </a:p>
-          <a:p>
-            <a:r>
-              <a:rPr lang="it-IT" dirty="0" smtClean="0"/>
+              <a:t>Dalla Longa Emanuele</a:t>
+            </a:r>
+          </a:p>
+          <a:p>
+            <a:r>
+              <a:rPr lang="it-IT" dirty="0"/>
               <a:t>Milani Federico</a:t>
             </a:r>
           </a:p>
           <a:p>
             <a:r>
-              <a:rPr lang="en-GB" dirty="0" err="1" smtClean="0"/>
+              <a:rPr lang="en-GB" dirty="0" err="1"/>
               <a:t>Urzino</a:t>
             </a:r>
             <a:r>
-              <a:rPr lang="it-IT" dirty="0" smtClean="0"/>
-              <a:t> </a:t>
-            </a:r>
-            <a:r>
               <a:rPr lang="it-IT" dirty="0"/>
-              <a:t>Davide</a:t>
+              <a:t> Davide</a:t>
             </a:r>
           </a:p>
         </p:txBody>
@@ -6285,7 +6070,7 @@
           <p:cNvPr id="4" name="Sottotitolo 2">
             <a:extLst>
               <a:ext uri="{FF2B5EF4-FFF2-40B4-BE49-F238E27FC236}">
-                <a16:creationId xmlns="" xmlns:a16="http://schemas.microsoft.com/office/drawing/2014/main" id="{301DCC95-D016-4D44-9E9E-E237D32D586B}"/>
+                <a16:creationId xmlns:a16="http://schemas.microsoft.com/office/drawing/2014/main" id="{301DCC95-D016-4D44-9E9E-E237D32D586B}"/>
               </a:ext>
             </a:extLst>
           </p:cNvPr>
@@ -6473,10 +6258,9 @@
           </a:lstStyle>
           <a:p>
             <a:r>
-              <a:rPr lang="it-IT" dirty="0" smtClean="0"/>
+              <a:rPr lang="it-IT" dirty="0"/>
               <a:t>Project 8</a:t>
             </a:r>
-            <a:endParaRPr lang="it-IT" dirty="0"/>
           </a:p>
         </p:txBody>
       </p:sp>
@@ -6515,7 +6299,7 @@
           <p:cNvPr id="2" name="Titolo 1">
             <a:extLst>
               <a:ext uri="{FF2B5EF4-FFF2-40B4-BE49-F238E27FC236}">
-                <a16:creationId xmlns="" xmlns:a16="http://schemas.microsoft.com/office/drawing/2014/main" id="{F909ECA4-8B8D-418A-9CFD-34617E8328BE}"/>
+                <a16:creationId xmlns:a16="http://schemas.microsoft.com/office/drawing/2014/main" id="{F909ECA4-8B8D-418A-9CFD-34617E8328BE}"/>
               </a:ext>
             </a:extLst>
           </p:cNvPr>
@@ -6538,18 +6322,9 @@
           <a:p>
             <a:pPr algn="ctr"/>
             <a:r>
-              <a:rPr lang="en-US" dirty="0" smtClean="0"/>
-              <a:t>Overall </a:t>
-            </a:r>
-            <a:r>
               <a:rPr lang="en-US" dirty="0"/>
-              <a:t>work </a:t>
-            </a:r>
-            <a:r>
-              <a:rPr lang="en-US" dirty="0" smtClean="0"/>
-              <a:t>cycle</a:t>
-            </a:r>
-            <a:endParaRPr lang="en-US" dirty="0"/>
+              <a:t>Overall work cycle</a:t>
+            </a:r>
           </a:p>
         </p:txBody>
       </p:sp>
@@ -6558,7 +6333,7 @@
           <p:cNvPr id="4" name="Segnaposto contenuto 3">
             <a:extLst>
               <a:ext uri="{FF2B5EF4-FFF2-40B4-BE49-F238E27FC236}">
-                <a16:creationId xmlns="" xmlns:a16="http://schemas.microsoft.com/office/drawing/2014/main" id="{910F84E3-0115-4241-A6D0-BEA5F24E14DA}"/>
+                <a16:creationId xmlns:a16="http://schemas.microsoft.com/office/drawing/2014/main" id="{910F84E3-0115-4241-A6D0-BEA5F24E14DA}"/>
               </a:ext>
             </a:extLst>
           </p:cNvPr>
@@ -6569,7 +6344,7 @@
             <p:ph idx="1"/>
             <p:extLst>
               <p:ext uri="{D42A27DB-BD31-4B8C-83A1-F6EECF244321}">
-                <p14:modId xmlns:p14="http://schemas.microsoft.com/office/powerpoint/2010/main" val="1595838581"/>
+                <p14:modId xmlns:p14="http://schemas.microsoft.com/office/powerpoint/2010/main" val="445740152"/>
               </p:ext>
             </p:extLst>
           </p:nvPr>
@@ -6589,7 +6364,7 @@
           <p:cNvPr id="6" name="Ovale 5">
             <a:extLst>
               <a:ext uri="{FF2B5EF4-FFF2-40B4-BE49-F238E27FC236}">
-                <a16:creationId xmlns="" xmlns:a16="http://schemas.microsoft.com/office/drawing/2014/main" id="{171F6307-4D37-429B-A1E1-FA6F8631803C}"/>
+                <a16:creationId xmlns:a16="http://schemas.microsoft.com/office/drawing/2014/main" id="{171F6307-4D37-429B-A1E1-FA6F8631803C}"/>
               </a:ext>
             </a:extLst>
           </p:cNvPr>
@@ -6598,8 +6373,8 @@
         </p:nvSpPr>
         <p:spPr>
           <a:xfrm>
-            <a:off x="402454" y="1627647"/>
-            <a:ext cx="2348883" cy="1968053"/>
+            <a:off x="877027" y="1460947"/>
+            <a:ext cx="2427543" cy="2075861"/>
           </a:xfrm>
           <a:prstGeom prst="ellipse">
             <a:avLst/>
@@ -6638,7 +6413,7 @@
           <p:cNvPr id="7" name="Ovale 6">
             <a:extLst>
               <a:ext uri="{FF2B5EF4-FFF2-40B4-BE49-F238E27FC236}">
-                <a16:creationId xmlns="" xmlns:a16="http://schemas.microsoft.com/office/drawing/2014/main" id="{7D2481BC-556D-4A5B-8ACC-76105A174A3F}"/>
+                <a16:creationId xmlns:a16="http://schemas.microsoft.com/office/drawing/2014/main" id="{7D2481BC-556D-4A5B-8ACC-76105A174A3F}"/>
               </a:ext>
             </a:extLst>
           </p:cNvPr>
@@ -6687,7 +6462,7 @@
           <p:cNvPr id="8" name="Freccia a destra 7">
             <a:extLst>
               <a:ext uri="{FF2B5EF4-FFF2-40B4-BE49-F238E27FC236}">
-                <a16:creationId xmlns="" xmlns:a16="http://schemas.microsoft.com/office/drawing/2014/main" id="{D19DE539-9226-4A1E-8C13-A31CD290B866}"/>
+                <a16:creationId xmlns:a16="http://schemas.microsoft.com/office/drawing/2014/main" id="{D19DE539-9226-4A1E-8C13-A31CD290B866}"/>
               </a:ext>
             </a:extLst>
           </p:cNvPr>
@@ -6696,7 +6471,7 @@
         </p:nvSpPr>
         <p:spPr>
           <a:xfrm>
-            <a:off x="2850143" y="2398047"/>
+            <a:off x="3399184" y="2286611"/>
             <a:ext cx="667748" cy="496528"/>
           </a:xfrm>
           <a:prstGeom prst="rightArrow">
@@ -6733,7 +6508,7 @@
           <p:cNvPr id="9" name="Freccia a destra 8">
             <a:extLst>
               <a:ext uri="{FF2B5EF4-FFF2-40B4-BE49-F238E27FC236}">
-                <a16:creationId xmlns="" xmlns:a16="http://schemas.microsoft.com/office/drawing/2014/main" id="{5F8B9189-57DA-4A67-B0C6-FC9673114617}"/>
+                <a16:creationId xmlns:a16="http://schemas.microsoft.com/office/drawing/2014/main" id="{5F8B9189-57DA-4A67-B0C6-FC9673114617}"/>
               </a:ext>
             </a:extLst>
           </p:cNvPr>
@@ -6741,7 +6516,7 @@
           <p:nvPr/>
         </p:nvSpPr>
         <p:spPr>
-          <a:xfrm rot="20176692">
+          <a:xfrm rot="20244994">
             <a:off x="4374412" y="4595095"/>
             <a:ext cx="1599004" cy="541792"/>
           </a:xfrm>
@@ -6779,7 +6554,7 @@
           <p:cNvPr id="10" name="Ovale 9">
             <a:extLst>
               <a:ext uri="{FF2B5EF4-FFF2-40B4-BE49-F238E27FC236}">
-                <a16:creationId xmlns="" xmlns:a16="http://schemas.microsoft.com/office/drawing/2014/main" id="{7D2481BC-556D-4A5B-8ACC-76105A174A3F}"/>
+                <a16:creationId xmlns:a16="http://schemas.microsoft.com/office/drawing/2014/main" id="{7D2481BC-556D-4A5B-8ACC-76105A174A3F}"/>
               </a:ext>
             </a:extLst>
           </p:cNvPr>
@@ -6788,7 +6563,7 @@
         </p:nvSpPr>
         <p:spPr>
           <a:xfrm>
-            <a:off x="3548570" y="1745846"/>
+            <a:off x="4201198" y="1609948"/>
             <a:ext cx="2139518" cy="1849854"/>
           </a:xfrm>
           <a:prstGeom prst="ellipse">
@@ -6817,10 +6592,9 @@
           <a:p>
             <a:pPr algn="ctr"/>
             <a:r>
-              <a:rPr lang="en-US" dirty="0" smtClean="0"/>
+              <a:rPr lang="en-US" dirty="0"/>
               <a:t>Data sensing</a:t>
             </a:r>
-            <a:endParaRPr lang="en-US" dirty="0"/>
           </a:p>
         </p:txBody>
       </p:sp>
@@ -6829,7 +6603,7 @@
           <p:cNvPr id="11" name="Freccia a destra 8">
             <a:extLst>
               <a:ext uri="{FF2B5EF4-FFF2-40B4-BE49-F238E27FC236}">
-                <a16:creationId xmlns="" xmlns:a16="http://schemas.microsoft.com/office/drawing/2014/main" id="{5F8B9189-57DA-4A67-B0C6-FC9673114617}"/>
+                <a16:creationId xmlns:a16="http://schemas.microsoft.com/office/drawing/2014/main" id="{5F8B9189-57DA-4A67-B0C6-FC9673114617}"/>
               </a:ext>
             </a:extLst>
           </p:cNvPr>
@@ -6838,8 +6612,293 @@
         </p:nvSpPr>
         <p:spPr>
           <a:xfrm rot="7761103">
-            <a:off x="3432827" y="3786198"/>
-            <a:ext cx="901410" cy="541792"/>
+            <a:off x="3556702" y="3620424"/>
+            <a:ext cx="978991" cy="541792"/>
+          </a:xfrm>
+          <a:prstGeom prst="rightArrow">
+            <a:avLst/>
+          </a:prstGeom>
+        </p:spPr>
+        <p:style>
+          <a:lnRef idx="2">
+            <a:schemeClr val="accent1">
+              <a:shade val="50000"/>
+            </a:schemeClr>
+          </a:lnRef>
+          <a:fillRef idx="1">
+            <a:schemeClr val="accent1"/>
+          </a:fillRef>
+          <a:effectRef idx="0">
+            <a:schemeClr val="accent1"/>
+          </a:effectRef>
+          <a:fontRef idx="minor">
+            <a:schemeClr val="lt1"/>
+          </a:fontRef>
+        </p:style>
+        <p:txBody>
+          <a:bodyPr rtlCol="0" anchor="ctr"/>
+          <a:lstStyle/>
+          <a:p>
+            <a:pPr algn="ctr"/>
+            <a:endParaRPr lang="en-US"/>
+          </a:p>
+        </p:txBody>
+      </p:sp>
+      <p:sp>
+        <p:nvSpPr>
+          <p:cNvPr id="12" name="Ovale 11">
+            <a:extLst>
+              <a:ext uri="{FF2B5EF4-FFF2-40B4-BE49-F238E27FC236}">
+                <a16:creationId xmlns:a16="http://schemas.microsoft.com/office/drawing/2014/main" id="{97F98DAA-EA42-4761-A9AF-A45201F7F4B0}"/>
+              </a:ext>
+            </a:extLst>
+          </p:cNvPr>
+          <p:cNvSpPr/>
+          <p:nvPr/>
+        </p:nvSpPr>
+        <p:spPr>
+          <a:xfrm>
+            <a:off x="9222790" y="1573730"/>
+            <a:ext cx="2348883" cy="1968053"/>
+          </a:xfrm>
+          <a:prstGeom prst="ellipse">
+            <a:avLst/>
+          </a:prstGeom>
+        </p:spPr>
+        <p:style>
+          <a:lnRef idx="2">
+            <a:schemeClr val="accent1">
+              <a:shade val="50000"/>
+            </a:schemeClr>
+          </a:lnRef>
+          <a:fillRef idx="1">
+            <a:schemeClr val="accent1"/>
+          </a:fillRef>
+          <a:effectRef idx="0">
+            <a:schemeClr val="accent1"/>
+          </a:effectRef>
+          <a:fontRef idx="minor">
+            <a:schemeClr val="lt1"/>
+          </a:fontRef>
+        </p:style>
+        <p:txBody>
+          <a:bodyPr rtlCol="0" anchor="ctr"/>
+          <a:lstStyle/>
+          <a:p>
+            <a:pPr algn="ctr"/>
+            <a:r>
+              <a:rPr lang="en-US" dirty="0"/>
+              <a:t>Data checking</a:t>
+            </a:r>
+          </a:p>
+        </p:txBody>
+      </p:sp>
+      <p:sp>
+        <p:nvSpPr>
+          <p:cNvPr id="13" name="Ovale 12">
+            <a:extLst>
+              <a:ext uri="{FF2B5EF4-FFF2-40B4-BE49-F238E27FC236}">
+                <a16:creationId xmlns:a16="http://schemas.microsoft.com/office/drawing/2014/main" id="{8DF7BDAB-26EF-415F-9DF6-96C1D46D94FE}"/>
+              </a:ext>
+            </a:extLst>
+          </p:cNvPr>
+          <p:cNvSpPr/>
+          <p:nvPr/>
+        </p:nvSpPr>
+        <p:spPr>
+          <a:xfrm>
+            <a:off x="9222790" y="4570339"/>
+            <a:ext cx="2348883" cy="1968053"/>
+          </a:xfrm>
+          <a:prstGeom prst="ellipse">
+            <a:avLst/>
+          </a:prstGeom>
+        </p:spPr>
+        <p:style>
+          <a:lnRef idx="2">
+            <a:schemeClr val="accent1">
+              <a:shade val="50000"/>
+            </a:schemeClr>
+          </a:lnRef>
+          <a:fillRef idx="1">
+            <a:schemeClr val="accent1"/>
+          </a:fillRef>
+          <a:effectRef idx="0">
+            <a:schemeClr val="accent1"/>
+          </a:effectRef>
+          <a:fontRef idx="minor">
+            <a:schemeClr val="lt1"/>
+          </a:fontRef>
+        </p:style>
+        <p:txBody>
+          <a:bodyPr rtlCol="0" anchor="ctr"/>
+          <a:lstStyle/>
+          <a:p>
+            <a:pPr algn="ctr"/>
+            <a:r>
+              <a:rPr lang="en-US" dirty="0"/>
+              <a:t>Positive/Negative Output</a:t>
+            </a:r>
+          </a:p>
+        </p:txBody>
+      </p:sp>
+      <p:sp>
+        <p:nvSpPr>
+          <p:cNvPr id="14" name="Ovale 13">
+            <a:extLst>
+              <a:ext uri="{FF2B5EF4-FFF2-40B4-BE49-F238E27FC236}">
+                <a16:creationId xmlns:a16="http://schemas.microsoft.com/office/drawing/2014/main" id="{2A1199B0-C766-4FBD-90BD-F288E4A34CA2}"/>
+              </a:ext>
+            </a:extLst>
+          </p:cNvPr>
+          <p:cNvSpPr/>
+          <p:nvPr/>
+        </p:nvSpPr>
+        <p:spPr>
+          <a:xfrm>
+            <a:off x="6105972" y="3251439"/>
+            <a:ext cx="2348883" cy="1968053"/>
+          </a:xfrm>
+          <a:prstGeom prst="ellipse">
+            <a:avLst/>
+          </a:prstGeom>
+        </p:spPr>
+        <p:style>
+          <a:lnRef idx="2">
+            <a:schemeClr val="accent1">
+              <a:shade val="50000"/>
+            </a:schemeClr>
+          </a:lnRef>
+          <a:fillRef idx="1">
+            <a:schemeClr val="accent1"/>
+          </a:fillRef>
+          <a:effectRef idx="0">
+            <a:schemeClr val="accent1"/>
+          </a:effectRef>
+          <a:fontRef idx="minor">
+            <a:schemeClr val="lt1"/>
+          </a:fontRef>
+        </p:style>
+        <p:txBody>
+          <a:bodyPr rtlCol="0" anchor="ctr"/>
+          <a:lstStyle/>
+          <a:p>
+            <a:pPr algn="ctr"/>
+            <a:r>
+              <a:rPr lang="en-US" dirty="0"/>
+              <a:t>Data Sensing</a:t>
+            </a:r>
+          </a:p>
+        </p:txBody>
+      </p:sp>
+      <p:sp>
+        <p:nvSpPr>
+          <p:cNvPr id="15" name="Freccia a destra 14">
+            <a:extLst>
+              <a:ext uri="{FF2B5EF4-FFF2-40B4-BE49-F238E27FC236}">
+                <a16:creationId xmlns:a16="http://schemas.microsoft.com/office/drawing/2014/main" id="{7BE2A9EA-56FF-41CA-AE39-456EE8441BB2}"/>
+              </a:ext>
+            </a:extLst>
+          </p:cNvPr>
+          <p:cNvSpPr/>
+          <p:nvPr/>
+        </p:nvSpPr>
+        <p:spPr>
+          <a:xfrm rot="12732757">
+            <a:off x="8286473" y="4811172"/>
+            <a:ext cx="748575" cy="496528"/>
+          </a:xfrm>
+          <a:prstGeom prst="rightArrow">
+            <a:avLst/>
+          </a:prstGeom>
+        </p:spPr>
+        <p:style>
+          <a:lnRef idx="2">
+            <a:schemeClr val="accent1">
+              <a:shade val="50000"/>
+            </a:schemeClr>
+          </a:lnRef>
+          <a:fillRef idx="1">
+            <a:schemeClr val="accent1"/>
+          </a:fillRef>
+          <a:effectRef idx="0">
+            <a:schemeClr val="accent1"/>
+          </a:effectRef>
+          <a:fontRef idx="minor">
+            <a:schemeClr val="lt1"/>
+          </a:fontRef>
+        </p:style>
+        <p:txBody>
+          <a:bodyPr rtlCol="0" anchor="ctr"/>
+          <a:lstStyle/>
+          <a:p>
+            <a:pPr algn="ctr"/>
+            <a:endParaRPr lang="en-US"/>
+          </a:p>
+        </p:txBody>
+      </p:sp>
+      <p:sp>
+        <p:nvSpPr>
+          <p:cNvPr id="16" name="Freccia a destra 15">
+            <a:extLst>
+              <a:ext uri="{FF2B5EF4-FFF2-40B4-BE49-F238E27FC236}">
+                <a16:creationId xmlns:a16="http://schemas.microsoft.com/office/drawing/2014/main" id="{ECAB3A44-0FC5-4B16-A0E4-0A3A42450DC4}"/>
+              </a:ext>
+            </a:extLst>
+          </p:cNvPr>
+          <p:cNvSpPr/>
+          <p:nvPr/>
+        </p:nvSpPr>
+        <p:spPr>
+          <a:xfrm rot="5400000">
+            <a:off x="10063357" y="3859463"/>
+            <a:ext cx="667748" cy="496528"/>
+          </a:xfrm>
+          <a:prstGeom prst="rightArrow">
+            <a:avLst/>
+          </a:prstGeom>
+        </p:spPr>
+        <p:style>
+          <a:lnRef idx="2">
+            <a:schemeClr val="accent1">
+              <a:shade val="50000"/>
+            </a:schemeClr>
+          </a:lnRef>
+          <a:fillRef idx="1">
+            <a:schemeClr val="accent1"/>
+          </a:fillRef>
+          <a:effectRef idx="0">
+            <a:schemeClr val="accent1"/>
+          </a:effectRef>
+          <a:fontRef idx="minor">
+            <a:schemeClr val="lt1"/>
+          </a:fontRef>
+        </p:style>
+        <p:txBody>
+          <a:bodyPr rtlCol="0" anchor="ctr"/>
+          <a:lstStyle/>
+          <a:p>
+            <a:pPr algn="ctr"/>
+            <a:endParaRPr lang="en-US"/>
+          </a:p>
+        </p:txBody>
+      </p:sp>
+      <p:sp>
+        <p:nvSpPr>
+          <p:cNvPr id="17" name="Freccia a destra 16">
+            <a:extLst>
+              <a:ext uri="{FF2B5EF4-FFF2-40B4-BE49-F238E27FC236}">
+                <a16:creationId xmlns:a16="http://schemas.microsoft.com/office/drawing/2014/main" id="{96A675D2-8B42-40A2-B78A-F098FCF6136D}"/>
+              </a:ext>
+            </a:extLst>
+          </p:cNvPr>
+          <p:cNvSpPr/>
+          <p:nvPr/>
+        </p:nvSpPr>
+        <p:spPr>
+          <a:xfrm rot="19713660">
+            <a:off x="8335137" y="2917757"/>
+            <a:ext cx="696254" cy="496528"/>
           </a:xfrm>
           <a:prstGeom prst="rightArrow">
             <a:avLst/>
@@ -6905,7 +6964,7 @@
           <p:cNvPr id="2" name="Titolo 1">
             <a:extLst>
               <a:ext uri="{FF2B5EF4-FFF2-40B4-BE49-F238E27FC236}">
-                <a16:creationId xmlns="" xmlns:a16="http://schemas.microsoft.com/office/drawing/2014/main" id="{45712661-CEEF-4141-B375-C208E5A3AE38}"/>
+                <a16:creationId xmlns:a16="http://schemas.microsoft.com/office/drawing/2014/main" id="{45712661-CEEF-4141-B375-C208E5A3AE38}"/>
               </a:ext>
             </a:extLst>
           </p:cNvPr>
@@ -6939,7 +6998,7 @@
           <p:cNvPr id="4" name="Ovale 3">
             <a:extLst>
               <a:ext uri="{FF2B5EF4-FFF2-40B4-BE49-F238E27FC236}">
-                <a16:creationId xmlns="" xmlns:a16="http://schemas.microsoft.com/office/drawing/2014/main" id="{13C276B8-43E8-4340-8744-F95FE45FF93D}"/>
+                <a16:creationId xmlns:a16="http://schemas.microsoft.com/office/drawing/2014/main" id="{13C276B8-43E8-4340-8744-F95FE45FF93D}"/>
               </a:ext>
             </a:extLst>
           </p:cNvPr>
@@ -6988,7 +7047,7 @@
           <p:cNvPr id="6" name="Ovale 5">
             <a:extLst>
               <a:ext uri="{FF2B5EF4-FFF2-40B4-BE49-F238E27FC236}">
-                <a16:creationId xmlns="" xmlns:a16="http://schemas.microsoft.com/office/drawing/2014/main" id="{E4807840-D773-4EF0-81F6-035CAAF531A6}"/>
+                <a16:creationId xmlns:a16="http://schemas.microsoft.com/office/drawing/2014/main" id="{E4807840-D773-4EF0-81F6-035CAAF531A6}"/>
               </a:ext>
             </a:extLst>
           </p:cNvPr>
@@ -7037,7 +7096,7 @@
           <p:cNvPr id="7" name="Rettangolo 6">
             <a:extLst>
               <a:ext uri="{FF2B5EF4-FFF2-40B4-BE49-F238E27FC236}">
-                <a16:creationId xmlns="" xmlns:a16="http://schemas.microsoft.com/office/drawing/2014/main" id="{6D35485D-A7D8-446F-9516-34B0F2153AAD}"/>
+                <a16:creationId xmlns:a16="http://schemas.microsoft.com/office/drawing/2014/main" id="{6D35485D-A7D8-446F-9516-34B0F2153AAD}"/>
               </a:ext>
             </a:extLst>
           </p:cNvPr>
@@ -7046,7 +7105,7 @@
         </p:nvSpPr>
         <p:spPr>
           <a:xfrm>
-            <a:off x="3108008" y="1840633"/>
+            <a:off x="2990849" y="1893471"/>
             <a:ext cx="1327652" cy="767897"/>
           </a:xfrm>
           <a:prstGeom prst="rect">
@@ -7075,8 +7134,16 @@
           <a:p>
             <a:pPr algn="ctr"/>
             <a:r>
+              <a:rPr lang="en-US" dirty="0" err="1"/>
+              <a:t>BlueCoin</a:t>
+            </a:r>
+            <a:endParaRPr lang="en-US" dirty="0"/>
+          </a:p>
+          <a:p>
+            <a:pPr algn="ctr"/>
+            <a:r>
               <a:rPr lang="en-US" dirty="0"/>
-              <a:t>BlueCoin1</a:t>
+              <a:t>1</a:t>
             </a:r>
           </a:p>
         </p:txBody>
@@ -7086,7 +7153,7 @@
           <p:cNvPr id="8" name="Rettangolo 7">
             <a:extLst>
               <a:ext uri="{FF2B5EF4-FFF2-40B4-BE49-F238E27FC236}">
-                <a16:creationId xmlns="" xmlns:a16="http://schemas.microsoft.com/office/drawing/2014/main" id="{94D24397-A14D-4CE5-AA12-5DCF9FD69775}"/>
+                <a16:creationId xmlns:a16="http://schemas.microsoft.com/office/drawing/2014/main" id="{94D24397-A14D-4CE5-AA12-5DCF9FD69775}"/>
               </a:ext>
             </a:extLst>
           </p:cNvPr>
@@ -7124,14 +7191,13 @@
           <a:p>
             <a:pPr algn="ctr"/>
             <a:r>
-              <a:rPr lang="en-US" dirty="0" err="1" smtClean="0"/>
+              <a:rPr lang="en-US" dirty="0" err="1"/>
               <a:t>BlueCoin</a:t>
             </a:r>
             <a:r>
-              <a:rPr lang="en-US" dirty="0" smtClean="0"/>
+              <a:rPr lang="en-US" dirty="0"/>
               <a:t> N</a:t>
             </a:r>
-            <a:endParaRPr lang="en-US" dirty="0"/>
           </a:p>
         </p:txBody>
       </p:sp>
@@ -7140,7 +7206,7 @@
           <p:cNvPr id="9" name="Ovale 8">
             <a:extLst>
               <a:ext uri="{FF2B5EF4-FFF2-40B4-BE49-F238E27FC236}">
-                <a16:creationId xmlns="" xmlns:a16="http://schemas.microsoft.com/office/drawing/2014/main" id="{12ACE63D-A386-4EFC-9D85-AA066F3FBDDB}"/>
+                <a16:creationId xmlns:a16="http://schemas.microsoft.com/office/drawing/2014/main" id="{12ACE63D-A386-4EFC-9D85-AA066F3FBDDB}"/>
               </a:ext>
             </a:extLst>
           </p:cNvPr>
@@ -7149,8 +7215,8 @@
         </p:nvSpPr>
         <p:spPr>
           <a:xfrm>
-            <a:off x="5897731" y="2445736"/>
-            <a:ext cx="2246051" cy="1748901"/>
+            <a:off x="6086705" y="2551454"/>
+            <a:ext cx="2084776" cy="1636320"/>
           </a:xfrm>
           <a:prstGeom prst="ellipse">
             <a:avLst/>
@@ -7189,7 +7255,7 @@
           <p:cNvPr id="11" name="Connettore 2 10">
             <a:extLst>
               <a:ext uri="{FF2B5EF4-FFF2-40B4-BE49-F238E27FC236}">
-                <a16:creationId xmlns="" xmlns:a16="http://schemas.microsoft.com/office/drawing/2014/main" id="{440C4455-4284-4D52-8BE3-BC4D1B1848CC}"/>
+                <a16:creationId xmlns:a16="http://schemas.microsoft.com/office/drawing/2014/main" id="{440C4455-4284-4D52-8BE3-BC4D1B1848CC}"/>
               </a:ext>
             </a:extLst>
           </p:cNvPr>
@@ -7198,7 +7264,7 @@
         </p:nvCxnSpPr>
         <p:spPr>
           <a:xfrm>
-            <a:off x="4640885" y="2250556"/>
+            <a:off x="4570929" y="2325909"/>
             <a:ext cx="1354501" cy="428219"/>
           </a:xfrm>
           <a:prstGeom prst="straightConnector1">
@@ -7228,17 +7294,19 @@
           <p:cNvPr id="13" name="Connettore 2 12">
             <a:extLst>
               <a:ext uri="{FF2B5EF4-FFF2-40B4-BE49-F238E27FC236}">
-                <a16:creationId xmlns="" xmlns:a16="http://schemas.microsoft.com/office/drawing/2014/main" id="{68074315-0C0E-4469-8B8D-6B7666EF1AC6}"/>
+                <a16:creationId xmlns:a16="http://schemas.microsoft.com/office/drawing/2014/main" id="{68074315-0C0E-4469-8B8D-6B7666EF1AC6}"/>
               </a:ext>
             </a:extLst>
           </p:cNvPr>
-          <p:cNvCxnSpPr/>
+          <p:cNvCxnSpPr>
+            <a:cxnSpLocks/>
+          </p:cNvCxnSpPr>
           <p:nvPr/>
         </p:nvCxnSpPr>
         <p:spPr>
           <a:xfrm flipV="1">
-            <a:off x="4711541" y="3556586"/>
-            <a:ext cx="946951" cy="206466"/>
+            <a:off x="4711541" y="3468319"/>
+            <a:ext cx="1186190" cy="294733"/>
           </a:xfrm>
           <a:prstGeom prst="straightConnector1">
             <a:avLst/>
@@ -7267,7 +7335,7 @@
           <p:cNvPr id="14" name="Rettangolo 13">
             <a:extLst>
               <a:ext uri="{FF2B5EF4-FFF2-40B4-BE49-F238E27FC236}">
-                <a16:creationId xmlns="" xmlns:a16="http://schemas.microsoft.com/office/drawing/2014/main" id="{1379C35D-B17B-4EE6-9023-ABF63EC2EC44}"/>
+                <a16:creationId xmlns:a16="http://schemas.microsoft.com/office/drawing/2014/main" id="{1379C35D-B17B-4EE6-9023-ABF63EC2EC44}"/>
               </a:ext>
             </a:extLst>
           </p:cNvPr>
@@ -7276,8 +7344,8 @@
         </p:nvSpPr>
         <p:spPr>
           <a:xfrm>
-            <a:off x="5123651" y="2095089"/>
-            <a:ext cx="923278" cy="230820"/>
+            <a:off x="5013118" y="2095089"/>
+            <a:ext cx="923278" cy="286284"/>
           </a:xfrm>
           <a:prstGeom prst="rect">
             <a:avLst/>
@@ -7316,7 +7384,7 @@
           <p:cNvPr id="15" name="Rettangolo 14">
             <a:extLst>
               <a:ext uri="{FF2B5EF4-FFF2-40B4-BE49-F238E27FC236}">
-                <a16:creationId xmlns="" xmlns:a16="http://schemas.microsoft.com/office/drawing/2014/main" id="{8A16D978-EDCD-49E5-8288-3D3EEFE768F9}"/>
+                <a16:creationId xmlns:a16="http://schemas.microsoft.com/office/drawing/2014/main" id="{8A16D978-EDCD-49E5-8288-3D3EEFE768F9}"/>
               </a:ext>
             </a:extLst>
           </p:cNvPr>
@@ -7354,10 +7422,9 @@
           <a:p>
             <a:pPr algn="ctr"/>
             <a:r>
-              <a:rPr lang="en-US" dirty="0" smtClean="0"/>
+              <a:rPr lang="en-US" dirty="0"/>
               <a:t>Data N</a:t>
             </a:r>
-            <a:endParaRPr lang="en-US" dirty="0"/>
           </a:p>
         </p:txBody>
       </p:sp>
@@ -7366,7 +7433,7 @@
           <p:cNvPr id="16" name="Rettangolo 15">
             <a:extLst>
               <a:ext uri="{FF2B5EF4-FFF2-40B4-BE49-F238E27FC236}">
-                <a16:creationId xmlns="" xmlns:a16="http://schemas.microsoft.com/office/drawing/2014/main" id="{B13F8C6A-714D-4C39-945A-7EDD7171A29F}"/>
+                <a16:creationId xmlns:a16="http://schemas.microsoft.com/office/drawing/2014/main" id="{B13F8C6A-714D-4C39-945A-7EDD7171A29F}"/>
               </a:ext>
             </a:extLst>
           </p:cNvPr>
@@ -7404,10 +7471,9 @@
           <a:p>
             <a:pPr algn="ctr"/>
             <a:r>
-              <a:rPr lang="en-US" dirty="0" smtClean="0"/>
+              <a:rPr lang="en-US" dirty="0"/>
               <a:t>Web Server</a:t>
             </a:r>
-            <a:endParaRPr lang="en-US" dirty="0"/>
           </a:p>
         </p:txBody>
       </p:sp>
@@ -7416,7 +7482,7 @@
           <p:cNvPr id="18" name="Connettore 2 17">
             <a:extLst>
               <a:ext uri="{FF2B5EF4-FFF2-40B4-BE49-F238E27FC236}">
-                <a16:creationId xmlns="" xmlns:a16="http://schemas.microsoft.com/office/drawing/2014/main" id="{D5F8DBB7-E458-4AAC-84CC-31D0AECFF54B}"/>
+                <a16:creationId xmlns:a16="http://schemas.microsoft.com/office/drawing/2014/main" id="{D5F8DBB7-E458-4AAC-84CC-31D0AECFF54B}"/>
               </a:ext>
             </a:extLst>
           </p:cNvPr>
@@ -7427,8 +7493,8 @@
         </p:nvCxnSpPr>
         <p:spPr>
           <a:xfrm flipV="1">
-            <a:off x="8211104" y="2381373"/>
-            <a:ext cx="582229" cy="599242"/>
+            <a:off x="8063762" y="2381373"/>
+            <a:ext cx="729571" cy="361827"/>
           </a:xfrm>
           <a:prstGeom prst="straightConnector1">
             <a:avLst/>
@@ -7457,7 +7523,7 @@
           <p:cNvPr id="19" name="Rettangolo 18">
             <a:extLst>
               <a:ext uri="{FF2B5EF4-FFF2-40B4-BE49-F238E27FC236}">
-                <a16:creationId xmlns="" xmlns:a16="http://schemas.microsoft.com/office/drawing/2014/main" id="{334FE174-982F-4ED4-9D92-C71CA1E4B8B1}"/>
+                <a16:creationId xmlns:a16="http://schemas.microsoft.com/office/drawing/2014/main" id="{334FE174-982F-4ED4-9D92-C71CA1E4B8B1}"/>
               </a:ext>
             </a:extLst>
           </p:cNvPr>
@@ -7466,7 +7532,7 @@
         </p:nvSpPr>
         <p:spPr>
           <a:xfrm>
-            <a:off x="8498887" y="3697800"/>
+            <a:off x="8565971" y="3719733"/>
             <a:ext cx="2787588" cy="862917"/>
           </a:xfrm>
           <a:prstGeom prst="rect">
@@ -7514,7 +7580,7 @@
           <p:cNvPr id="21" name="Connettore 2 20">
             <a:extLst>
               <a:ext uri="{FF2B5EF4-FFF2-40B4-BE49-F238E27FC236}">
-                <a16:creationId xmlns="" xmlns:a16="http://schemas.microsoft.com/office/drawing/2014/main" id="{8B75EB12-AC70-40A5-88C9-D50EB9019AB6}"/>
+                <a16:creationId xmlns:a16="http://schemas.microsoft.com/office/drawing/2014/main" id="{8B75EB12-AC70-40A5-88C9-D50EB9019AB6}"/>
               </a:ext>
             </a:extLst>
           </p:cNvPr>
@@ -7523,7 +7589,7 @@
         </p:nvCxnSpPr>
         <p:spPr>
           <a:xfrm>
-            <a:off x="10159013" y="3198180"/>
+            <a:off x="10045081" y="3121386"/>
             <a:ext cx="0" cy="461639"/>
           </a:xfrm>
           <a:prstGeom prst="straightConnector1">
@@ -7553,7 +7619,7 @@
           <p:cNvPr id="22" name="Rettangolo 21">
             <a:extLst>
               <a:ext uri="{FF2B5EF4-FFF2-40B4-BE49-F238E27FC236}">
-                <a16:creationId xmlns="" xmlns:a16="http://schemas.microsoft.com/office/drawing/2014/main" id="{9F0F17B7-11AA-4CC4-9D3A-3A5C370AECF8}"/>
+                <a16:creationId xmlns:a16="http://schemas.microsoft.com/office/drawing/2014/main" id="{9F0F17B7-11AA-4CC4-9D3A-3A5C370AECF8}"/>
               </a:ext>
             </a:extLst>
           </p:cNvPr>
@@ -7562,8 +7628,8 @@
         </p:nvSpPr>
         <p:spPr>
           <a:xfrm>
-            <a:off x="6570953" y="5820578"/>
-            <a:ext cx="3453414" cy="790112"/>
+            <a:off x="6600771" y="5710916"/>
+            <a:ext cx="3474128" cy="882618"/>
           </a:xfrm>
           <a:prstGeom prst="rect">
             <a:avLst/>
@@ -7592,21 +7658,8 @@
             <a:pPr algn="ctr"/>
             <a:r>
               <a:rPr lang="en-US" dirty="0"/>
-              <a:t>Motor power supply controller that </a:t>
-            </a:r>
-            <a:r>
-              <a:rPr lang="en-US" dirty="0" smtClean="0"/>
-              <a:t>turns </a:t>
-            </a:r>
-            <a:r>
-              <a:rPr lang="en-US" dirty="0"/>
-              <a:t>off a motor in case of </a:t>
-            </a:r>
-            <a:r>
-              <a:rPr lang="en-US" dirty="0" smtClean="0"/>
-              <a:t>faults</a:t>
-            </a:r>
-            <a:endParaRPr lang="en-US" dirty="0"/>
+              <a:t>Motor power supply controller that turns off a motor in case of faults</a:t>
+            </a:r>
           </a:p>
         </p:txBody>
       </p:sp>
@@ -7615,7 +7668,7 @@
           <p:cNvPr id="23" name="Rettangolo 22">
             <a:extLst>
               <a:ext uri="{FF2B5EF4-FFF2-40B4-BE49-F238E27FC236}">
-                <a16:creationId xmlns="" xmlns:a16="http://schemas.microsoft.com/office/drawing/2014/main" id="{B3B925E8-3744-490D-89D7-4D9EC7439BC3}"/>
+                <a16:creationId xmlns:a16="http://schemas.microsoft.com/office/drawing/2014/main" id="{B3B925E8-3744-490D-89D7-4D9EC7439BC3}"/>
               </a:ext>
             </a:extLst>
           </p:cNvPr>
@@ -7664,7 +7717,7 @@
           <p:cNvPr id="25" name="Connettore 2 24">
             <a:extLst>
               <a:ext uri="{FF2B5EF4-FFF2-40B4-BE49-F238E27FC236}">
-                <a16:creationId xmlns="" xmlns:a16="http://schemas.microsoft.com/office/drawing/2014/main" id="{C339E8FC-A4F8-47EF-8AFE-A3176D2E6038}"/>
+                <a16:creationId xmlns:a16="http://schemas.microsoft.com/office/drawing/2014/main" id="{C339E8FC-A4F8-47EF-8AFE-A3176D2E6038}"/>
               </a:ext>
             </a:extLst>
           </p:cNvPr>
@@ -7705,7 +7758,7 @@
           <p:cNvPr id="29" name="Connettore 2 28">
             <a:extLst>
               <a:ext uri="{FF2B5EF4-FFF2-40B4-BE49-F238E27FC236}">
-                <a16:creationId xmlns="" xmlns:a16="http://schemas.microsoft.com/office/drawing/2014/main" id="{90F0795E-36D3-43A1-B13B-63E5B1D47E95}"/>
+                <a16:creationId xmlns:a16="http://schemas.microsoft.com/office/drawing/2014/main" id="{90F0795E-36D3-43A1-B13B-63E5B1D47E95}"/>
               </a:ext>
             </a:extLst>
           </p:cNvPr>
@@ -7716,8 +7769,8 @@
         </p:nvCxnSpPr>
         <p:spPr>
           <a:xfrm flipV="1">
-            <a:off x="2524217" y="4661257"/>
-            <a:ext cx="400695" cy="856453"/>
+            <a:off x="2524217" y="4643012"/>
+            <a:ext cx="262869" cy="874699"/>
           </a:xfrm>
           <a:prstGeom prst="straightConnector1">
             <a:avLst/>
@@ -7746,17 +7799,19 @@
           <p:cNvPr id="31" name="Connettore 2 30">
             <a:extLst>
               <a:ext uri="{FF2B5EF4-FFF2-40B4-BE49-F238E27FC236}">
-                <a16:creationId xmlns="" xmlns:a16="http://schemas.microsoft.com/office/drawing/2014/main" id="{6DA1AE05-AF90-4507-9254-3B71915560ED}"/>
+                <a16:creationId xmlns:a16="http://schemas.microsoft.com/office/drawing/2014/main" id="{6DA1AE05-AF90-4507-9254-3B71915560ED}"/>
               </a:ext>
             </a:extLst>
           </p:cNvPr>
-          <p:cNvCxnSpPr/>
+          <p:cNvCxnSpPr>
+            <a:cxnSpLocks/>
+          </p:cNvCxnSpPr>
           <p:nvPr/>
         </p:nvCxnSpPr>
         <p:spPr>
           <a:xfrm flipH="1" flipV="1">
-            <a:off x="2877187" y="5969111"/>
-            <a:ext cx="3651465" cy="289768"/>
+            <a:off x="2853287" y="6152225"/>
+            <a:ext cx="3675366" cy="106654"/>
           </a:xfrm>
           <a:prstGeom prst="straightConnector1">
             <a:avLst/>
@@ -7785,7 +7840,7 @@
           <p:cNvPr id="33" name="Connettore 2 32">
             <a:extLst>
               <a:ext uri="{FF2B5EF4-FFF2-40B4-BE49-F238E27FC236}">
-                <a16:creationId xmlns="" xmlns:a16="http://schemas.microsoft.com/office/drawing/2014/main" id="{D0B88EAD-3C42-4A64-AC72-2E97760FEB40}"/>
+                <a16:creationId xmlns:a16="http://schemas.microsoft.com/office/drawing/2014/main" id="{D0B88EAD-3C42-4A64-AC72-2E97760FEB40}"/>
               </a:ext>
             </a:extLst>
           </p:cNvPr>
@@ -7796,8 +7851,8 @@
         </p:nvCxnSpPr>
         <p:spPr>
           <a:xfrm>
-            <a:off x="7013360" y="4279037"/>
-            <a:ext cx="666932" cy="1377809"/>
+            <a:off x="7430610" y="4259000"/>
+            <a:ext cx="249682" cy="1397846"/>
           </a:xfrm>
           <a:prstGeom prst="straightConnector1">
             <a:avLst/>
@@ -7826,7 +7881,7 @@
           <p:cNvPr id="37" name="Rettangolo 36">
             <a:extLst>
               <a:ext uri="{FF2B5EF4-FFF2-40B4-BE49-F238E27FC236}">
-                <a16:creationId xmlns="" xmlns:a16="http://schemas.microsoft.com/office/drawing/2014/main" id="{83D45CFB-09D1-4F83-BCAE-403F9273047D}"/>
+                <a16:creationId xmlns:a16="http://schemas.microsoft.com/office/drawing/2014/main" id="{83D45CFB-09D1-4F83-BCAE-403F9273047D}"/>
               </a:ext>
             </a:extLst>
           </p:cNvPr>
@@ -7873,7 +7928,7 @@
           <p:cNvPr id="38" name="Rettangolo 37">
             <a:extLst>
               <a:ext uri="{FF2B5EF4-FFF2-40B4-BE49-F238E27FC236}">
-                <a16:creationId xmlns="" xmlns:a16="http://schemas.microsoft.com/office/drawing/2014/main" id="{6EC113B4-8151-47BB-AC1F-02204162E0B8}"/>
+                <a16:creationId xmlns:a16="http://schemas.microsoft.com/office/drawing/2014/main" id="{6EC113B4-8151-47BB-AC1F-02204162E0B8}"/>
               </a:ext>
             </a:extLst>
           </p:cNvPr>
@@ -7920,7 +7975,7 @@
           <p:cNvPr id="40" name="CasellaDiTesto 39">
             <a:extLst>
               <a:ext uri="{FF2B5EF4-FFF2-40B4-BE49-F238E27FC236}">
-                <a16:creationId xmlns="" xmlns:a16="http://schemas.microsoft.com/office/drawing/2014/main" id="{FAF980E9-EC9A-4239-AFE3-9E18CAB8598E}"/>
+                <a16:creationId xmlns:a16="http://schemas.microsoft.com/office/drawing/2014/main" id="{FAF980E9-EC9A-4239-AFE3-9E18CAB8598E}"/>
               </a:ext>
             </a:extLst>
           </p:cNvPr>
@@ -7955,7 +8010,7 @@
           <p:cNvPr id="41" name="CasellaDiTesto 40">
             <a:extLst>
               <a:ext uri="{FF2B5EF4-FFF2-40B4-BE49-F238E27FC236}">
-                <a16:creationId xmlns="" xmlns:a16="http://schemas.microsoft.com/office/drawing/2014/main" id="{92880B6D-254B-4532-9AD2-C73C1872D687}"/>
+                <a16:creationId xmlns:a16="http://schemas.microsoft.com/office/drawing/2014/main" id="{92880B6D-254B-4532-9AD2-C73C1872D687}"/>
               </a:ext>
             </a:extLst>
           </p:cNvPr>
@@ -7964,7 +8019,7 @@
         </p:nvSpPr>
         <p:spPr>
           <a:xfrm>
-            <a:off x="4950803" y="5017400"/>
+            <a:off x="4378769" y="5044619"/>
             <a:ext cx="2968057" cy="369332"/>
           </a:xfrm>
           <a:prstGeom prst="rect">
@@ -8020,7 +8075,7 @@
           <p:cNvPr id="2" name="Titolo 1">
             <a:extLst>
               <a:ext uri="{FF2B5EF4-FFF2-40B4-BE49-F238E27FC236}">
-                <a16:creationId xmlns="" xmlns:a16="http://schemas.microsoft.com/office/drawing/2014/main" id="{D61C8094-B88B-4C50-ACE7-27284EDD555F}"/>
+                <a16:creationId xmlns:a16="http://schemas.microsoft.com/office/drawing/2014/main" id="{D61C8094-B88B-4C50-ACE7-27284EDD555F}"/>
               </a:ext>
             </a:extLst>
           </p:cNvPr>
@@ -8031,12 +8086,7 @@
             <p:ph type="title"/>
           </p:nvPr>
         </p:nvSpPr>
-        <p:spPr>
-          <a:xfrm>
-            <a:off x="838200" y="365125"/>
-            <a:ext cx="10515600" cy="1325563"/>
-          </a:xfrm>
-        </p:spPr>
+        <p:spPr/>
         <p:txBody>
           <a:bodyPr/>
           <a:lstStyle/>
@@ -8054,7 +8104,7 @@
           <p:cNvPr id="3" name="Segnaposto contenuto 2">
             <a:extLst>
               <a:ext uri="{FF2B5EF4-FFF2-40B4-BE49-F238E27FC236}">
-                <a16:creationId xmlns="" xmlns:a16="http://schemas.microsoft.com/office/drawing/2014/main" id="{AC0233A3-0F40-471F-B7AF-7E65F1732F84}"/>
+                <a16:creationId xmlns:a16="http://schemas.microsoft.com/office/drawing/2014/main" id="{AC0233A3-0F40-471F-B7AF-7E65F1732F84}"/>
               </a:ext>
             </a:extLst>
           </p:cNvPr>
@@ -8065,12 +8115,7 @@
             <p:ph idx="1"/>
           </p:nvPr>
         </p:nvSpPr>
-        <p:spPr>
-          <a:xfrm>
-            <a:off x="838200" y="1825625"/>
-            <a:ext cx="10515600" cy="4351338"/>
-          </a:xfrm>
-        </p:spPr>
+        <p:spPr/>
         <p:txBody>
           <a:bodyPr/>
           <a:lstStyle/>
@@ -8079,26 +8124,17 @@
               <a:buNone/>
             </a:pPr>
             <a:r>
-              <a:rPr lang="en-US" dirty="0" smtClean="0"/>
-              <a:t>We want to obtain a system able to detect </a:t>
-            </a:r>
-            <a:r>
-              <a:rPr lang="en-US" dirty="0" smtClean="0"/>
-              <a:t>faults on an industrial motor </a:t>
-            </a:r>
-            <a:r>
-              <a:rPr lang="en-US" dirty="0" smtClean="0"/>
-              <a:t>using the </a:t>
-            </a:r>
-            <a:r>
-              <a:rPr lang="en-US" dirty="0" err="1" smtClean="0"/>
+              <a:rPr lang="en-US" dirty="0"/>
+              <a:t>We want to obtain a system able to detect faults on an industrial motor using the </a:t>
+            </a:r>
+            <a:r>
+              <a:rPr lang="en-US" dirty="0" err="1"/>
               <a:t>BlueCoin</a:t>
             </a:r>
             <a:r>
-              <a:rPr lang="en-US" dirty="0" smtClean="0"/>
+              <a:rPr lang="en-US" dirty="0"/>
               <a:t> hearing and motion sensing platform by ST Microelectronics</a:t>
             </a:r>
-            <a:endParaRPr lang="en-US" dirty="0"/>
           </a:p>
         </p:txBody>
       </p:sp>
@@ -8107,7 +8143,7 @@
           <p:cNvPr id="5" name="Immagine 4">
             <a:extLst>
               <a:ext uri="{FF2B5EF4-FFF2-40B4-BE49-F238E27FC236}">
-                <a16:creationId xmlns="" xmlns:a16="http://schemas.microsoft.com/office/drawing/2014/main" id="{1AB6DA0F-96AE-425A-98C4-52BF326112D1}"/>
+                <a16:creationId xmlns:a16="http://schemas.microsoft.com/office/drawing/2014/main" id="{1AB6DA0F-96AE-425A-98C4-52BF326112D1}"/>
               </a:ext>
             </a:extLst>
           </p:cNvPr>
@@ -8130,12 +8166,17 @@
         </p:blipFill>
         <p:spPr>
           <a:xfrm>
-            <a:off x="2277493" y="3032449"/>
-            <a:ext cx="2725485" cy="2725485"/>
+            <a:off x="2277493" y="3032450"/>
+            <a:ext cx="2725485" cy="2568436"/>
           </a:xfrm>
           <a:prstGeom prst="rect">
             <a:avLst/>
           </a:prstGeom>
+          <a:ln w="38100">
+            <a:solidFill>
+              <a:schemeClr val="tx1"/>
+            </a:solidFill>
+          </a:ln>
         </p:spPr>
       </p:pic>
       <p:pic>
@@ -8143,7 +8184,7 @@
           <p:cNvPr id="7" name="Immagine 6">
             <a:extLst>
               <a:ext uri="{FF2B5EF4-FFF2-40B4-BE49-F238E27FC236}">
-                <a16:creationId xmlns="" xmlns:a16="http://schemas.microsoft.com/office/drawing/2014/main" id="{18C5300A-E1F4-4788-8E5E-52907A11B2A7}"/>
+                <a16:creationId xmlns:a16="http://schemas.microsoft.com/office/drawing/2014/main" id="{18C5300A-E1F4-4788-8E5E-52907A11B2A7}"/>
               </a:ext>
             </a:extLst>
           </p:cNvPr>
@@ -8171,6 +8212,11 @@
           <a:prstGeom prst="rect">
             <a:avLst/>
           </a:prstGeom>
+          <a:ln w="38100">
+            <a:solidFill>
+              <a:schemeClr val="tx1"/>
+            </a:solidFill>
+          </a:ln>
         </p:spPr>
       </p:pic>
       <p:sp>
@@ -8197,11 +8243,11 @@
           <a:p>
             <a:pPr algn="ctr"/>
             <a:r>
-              <a:rPr lang="it-IT" dirty="0" smtClean="0"/>
+              <a:rPr lang="it-IT" dirty="0"/>
               <a:t>Industrial </a:t>
             </a:r>
             <a:r>
-              <a:rPr lang="it-IT" dirty="0" err="1" smtClean="0"/>
+              <a:rPr lang="it-IT" dirty="0" err="1"/>
               <a:t>motor</a:t>
             </a:r>
             <a:endParaRPr lang="it-IT" dirty="0"/>
@@ -8232,11 +8278,11 @@
           <a:p>
             <a:pPr algn="ctr"/>
             <a:r>
-              <a:rPr lang="it-IT" dirty="0" err="1" smtClean="0"/>
+              <a:rPr lang="it-IT" dirty="0" err="1"/>
               <a:t>BlueCoin</a:t>
             </a:r>
             <a:r>
-              <a:rPr lang="it-IT" dirty="0" smtClean="0"/>
+              <a:rPr lang="it-IT" dirty="0"/>
               <a:t> from ST</a:t>
             </a:r>
           </a:p>
@@ -8289,15 +8335,15 @@
           <a:p>
             <a:pPr algn="ctr"/>
             <a:r>
-              <a:rPr lang="it-IT" dirty="0" err="1" smtClean="0"/>
+              <a:rPr lang="it-IT" dirty="0" err="1"/>
               <a:t>Why</a:t>
             </a:r>
             <a:r>
-              <a:rPr lang="it-IT" dirty="0" smtClean="0"/>
+              <a:rPr lang="it-IT" dirty="0"/>
               <a:t> </a:t>
             </a:r>
             <a:r>
-              <a:rPr lang="it-IT" dirty="0" err="1" smtClean="0"/>
+              <a:rPr lang="it-IT" dirty="0" err="1"/>
               <a:t>BlueCoin</a:t>
             </a:r>
             <a:endParaRPr lang="it-IT" dirty="0"/>
@@ -8321,35 +8367,35 @@
           <a:p>
             <a:pPr algn="just"/>
             <a:r>
-              <a:rPr lang="en-US" dirty="0" smtClean="0"/>
+              <a:rPr lang="en-US" dirty="0"/>
               <a:t>Little platform with the advantage to be easily located directly on the motor</a:t>
             </a:r>
           </a:p>
           <a:p>
             <a:pPr algn="just"/>
             <a:r>
-              <a:rPr lang="en-US" dirty="0" smtClean="0"/>
+              <a:rPr lang="en-US" dirty="0"/>
               <a:t>It includes some useful sensors (magnetometer, mems microphones array, pressure sensor, gyroscope) and Bluetooth communication</a:t>
             </a:r>
           </a:p>
           <a:p>
             <a:pPr algn="just"/>
             <a:r>
-              <a:rPr lang="en-US" dirty="0" smtClean="0"/>
-              <a:t>Powerful enough to execute the tasks to identify  a faulty motor</a:t>
+              <a:rPr lang="en-US" dirty="0"/>
+              <a:t>Powerful enough to execute the needed tasks</a:t>
             </a:r>
           </a:p>
           <a:p>
             <a:pPr algn="just"/>
             <a:r>
-              <a:rPr lang="en-US" dirty="0" smtClean="0"/>
+              <a:rPr lang="en-US" dirty="0"/>
               <a:t>Completely programmable to use only the needed sensors in order to increase energy efficiency</a:t>
             </a:r>
           </a:p>
           <a:p>
             <a:pPr algn="just"/>
             <a:r>
-              <a:rPr lang="en-US" dirty="0" smtClean="0"/>
+              <a:rPr lang="en-US" dirty="0"/>
               <a:t>Lots of compatibility with other ST Microelectronics boards and expansion devices</a:t>
             </a:r>
           </a:p>
@@ -8390,7 +8436,7 @@
           <p:cNvPr id="2" name="Titolo 1">
             <a:extLst>
               <a:ext uri="{FF2B5EF4-FFF2-40B4-BE49-F238E27FC236}">
-                <a16:creationId xmlns="" xmlns:a16="http://schemas.microsoft.com/office/drawing/2014/main" id="{B99125FD-4CDD-4D2C-805E-13F02D9A18D8}"/>
+                <a16:creationId xmlns:a16="http://schemas.microsoft.com/office/drawing/2014/main" id="{B99125FD-4CDD-4D2C-805E-13F02D9A18D8}"/>
               </a:ext>
             </a:extLst>
           </p:cNvPr>
@@ -8419,7 +8465,7 @@
           <p:cNvPr id="3" name="Segnaposto contenuto 2">
             <a:extLst>
               <a:ext uri="{FF2B5EF4-FFF2-40B4-BE49-F238E27FC236}">
-                <a16:creationId xmlns="" xmlns:a16="http://schemas.microsoft.com/office/drawing/2014/main" id="{48A612DB-47B0-487B-BDA4-B7E23C6AAA8B}"/>
+                <a16:creationId xmlns:a16="http://schemas.microsoft.com/office/drawing/2014/main" id="{48A612DB-47B0-487B-BDA4-B7E23C6AAA8B}"/>
               </a:ext>
             </a:extLst>
           </p:cNvPr>
@@ -8440,12 +8486,8 @@
               <a:buAutoNum type="arabicPeriod"/>
             </a:pPr>
             <a:r>
-              <a:rPr lang="en-US" dirty="0" smtClean="0"/>
-              <a:t>capture </a:t>
-            </a:r>
-            <a:r>
               <a:rPr lang="en-US" dirty="0"/>
-              <a:t>the properties of a correctly working motor</a:t>
+              <a:t>capture the properties of a correctly working motor</a:t>
             </a:r>
           </a:p>
           <a:p>
@@ -8454,26 +8496,9 @@
               <a:buAutoNum type="arabicPeriod"/>
             </a:pPr>
             <a:r>
-              <a:rPr lang="en-US" dirty="0" smtClean="0"/>
-              <a:t>monitor </a:t>
-            </a:r>
-            <a:r>
               <a:rPr lang="en-US" dirty="0"/>
-              <a:t>the motor in order to figure out if one or more of </a:t>
-            </a:r>
-            <a:r>
-              <a:rPr lang="en-US" dirty="0" smtClean="0"/>
-              <a:t>these properties are faulty, </a:t>
-            </a:r>
-            <a:r>
-              <a:rPr lang="en-US" dirty="0"/>
-              <a:t>producing an </a:t>
-            </a:r>
-            <a:r>
-              <a:rPr lang="en-US" dirty="0" smtClean="0"/>
-              <a:t>alarm when something is detected</a:t>
-            </a:r>
-            <a:endParaRPr lang="en-US" dirty="0"/>
+              <a:t>monitor the motor in order to figure out if one or more of these properties are faulty, producing an alarm when something is detected</a:t>
+            </a:r>
           </a:p>
         </p:txBody>
       </p:sp>
@@ -8512,7 +8537,7 @@
           <p:cNvPr id="2" name="Titolo 1">
             <a:extLst>
               <a:ext uri="{FF2B5EF4-FFF2-40B4-BE49-F238E27FC236}">
-                <a16:creationId xmlns="" xmlns:a16="http://schemas.microsoft.com/office/drawing/2014/main" id="{2C288C2F-F582-4AA0-BB9A-D52FBA984678}"/>
+                <a16:creationId xmlns:a16="http://schemas.microsoft.com/office/drawing/2014/main" id="{2C288C2F-F582-4AA0-BB9A-D52FBA984678}"/>
               </a:ext>
             </a:extLst>
           </p:cNvPr>
@@ -8541,7 +8566,7 @@
           <p:cNvPr id="3" name="Segnaposto contenuto 2">
             <a:extLst>
               <a:ext uri="{FF2B5EF4-FFF2-40B4-BE49-F238E27FC236}">
-                <a16:creationId xmlns="" xmlns:a16="http://schemas.microsoft.com/office/drawing/2014/main" id="{2B56AFB8-070C-4FB2-B4E6-E3A982A5D42C}"/>
+                <a16:creationId xmlns:a16="http://schemas.microsoft.com/office/drawing/2014/main" id="{2B56AFB8-070C-4FB2-B4E6-E3A982A5D42C}"/>
               </a:ext>
             </a:extLst>
           </p:cNvPr>
@@ -8563,15 +8588,7 @@
             </a:pPr>
             <a:r>
               <a:rPr lang="en-US" dirty="0"/>
-              <a:t>r</a:t>
-            </a:r>
-            <a:r>
-              <a:rPr lang="en-US" dirty="0" smtClean="0"/>
-              <a:t>educe </a:t>
-            </a:r>
-            <a:r>
-              <a:rPr lang="en-US" dirty="0"/>
-              <a:t>as much as possible the amount of work on the </a:t>
+              <a:t>reduce as much as possible the amount of work on the </a:t>
             </a:r>
             <a:r>
               <a:rPr lang="en-US" dirty="0" err="1"/>
@@ -8579,19 +8596,7 @@
             </a:r>
             <a:r>
               <a:rPr lang="en-US" dirty="0"/>
-              <a:t>, in order </a:t>
-            </a:r>
-            <a:r>
-              <a:rPr lang="en-US" dirty="0" smtClean="0"/>
-              <a:t>to increase its </a:t>
-            </a:r>
-            <a:r>
-              <a:rPr lang="en-US" dirty="0"/>
-              <a:t>battery </a:t>
-            </a:r>
-            <a:r>
-              <a:rPr lang="en-US" dirty="0" smtClean="0"/>
-              <a:t>duration</a:t>
+              <a:t>, in order to increase its battery duration</a:t>
             </a:r>
           </a:p>
           <a:p>
@@ -8601,15 +8606,7 @@
             </a:pPr>
             <a:r>
               <a:rPr lang="en-US" dirty="0"/>
-              <a:t>b</a:t>
-            </a:r>
-            <a:r>
-              <a:rPr lang="en-US" dirty="0" smtClean="0"/>
-              <a:t>e </a:t>
-            </a:r>
-            <a:r>
-              <a:rPr lang="en-US" dirty="0"/>
-              <a:t>adaptable to different motors autonomously</a:t>
+              <a:t>be adaptable to different motors autonomously</a:t>
             </a:r>
           </a:p>
         </p:txBody>
@@ -8649,7 +8646,7 @@
           <p:cNvPr id="2" name="Titolo 1">
             <a:extLst>
               <a:ext uri="{FF2B5EF4-FFF2-40B4-BE49-F238E27FC236}">
-                <a16:creationId xmlns="" xmlns:a16="http://schemas.microsoft.com/office/drawing/2014/main" id="{2676B041-2A6A-4F74-A4D6-BC4E3AFAA838}"/>
+                <a16:creationId xmlns:a16="http://schemas.microsoft.com/office/drawing/2014/main" id="{2676B041-2A6A-4F74-A4D6-BC4E3AFAA838}"/>
               </a:ext>
             </a:extLst>
           </p:cNvPr>
@@ -8667,12 +8664,8 @@
           <a:p>
             <a:pPr algn="ctr"/>
             <a:r>
-              <a:rPr lang="en-US" dirty="0" smtClean="0"/>
-              <a:t>Capturing the </a:t>
-            </a:r>
-            <a:r>
               <a:rPr lang="en-US" dirty="0"/>
-              <a:t>motor properties</a:t>
+              <a:t>Capturing the motor properties</a:t>
             </a:r>
           </a:p>
         </p:txBody>
@@ -8682,7 +8675,7 @@
           <p:cNvPr id="3" name="Segnaposto contenuto 2">
             <a:extLst>
               <a:ext uri="{FF2B5EF4-FFF2-40B4-BE49-F238E27FC236}">
-                <a16:creationId xmlns="" xmlns:a16="http://schemas.microsoft.com/office/drawing/2014/main" id="{F695A7F4-0B3B-4849-8BFB-3B238FC36196}"/>
+                <a16:creationId xmlns:a16="http://schemas.microsoft.com/office/drawing/2014/main" id="{F695A7F4-0B3B-4849-8BFB-3B238FC36196}"/>
               </a:ext>
             </a:extLst>
           </p:cNvPr>
@@ -8703,21 +8696,8 @@
             </a:pPr>
             <a:r>
               <a:rPr lang="en-US" dirty="0"/>
-              <a:t>In order to accomplish </a:t>
-            </a:r>
-            <a:r>
-              <a:rPr lang="en-US" dirty="0" smtClean="0"/>
-              <a:t>this, the task </a:t>
-            </a:r>
-            <a:r>
-              <a:rPr lang="en-US" dirty="0"/>
-              <a:t>will be split into two </a:t>
-            </a:r>
-            <a:r>
-              <a:rPr lang="en-US" dirty="0" smtClean="0"/>
-              <a:t>subtasks:</a:t>
-            </a:r>
-            <a:endParaRPr lang="en-US" dirty="0"/>
+              <a:t>In order to accomplish this, the task will be split into two subtasks:</a:t>
+            </a:r>
           </a:p>
           <a:p>
             <a:pPr marL="514350" indent="-514350" algn="just">
@@ -8725,28 +8705,16 @@
               <a:buAutoNum type="arabicPeriod"/>
             </a:pPr>
             <a:r>
-              <a:rPr lang="en-US" dirty="0" smtClean="0"/>
+              <a:rPr lang="en-US" dirty="0"/>
               <a:t>Data acquisition: the </a:t>
             </a:r>
             <a:r>
-              <a:rPr lang="en-US" dirty="0" err="1" smtClean="0"/>
+              <a:rPr lang="en-US" dirty="0" err="1"/>
               <a:t>BlueCoin</a:t>
             </a:r>
             <a:r>
-              <a:rPr lang="en-US" dirty="0" smtClean="0"/>
-              <a:t> will be used to sense data from the motor in order to catch as </a:t>
-            </a:r>
-            <a:r>
               <a:rPr lang="en-US" dirty="0"/>
-              <a:t>much of its </a:t>
-            </a:r>
-            <a:r>
-              <a:rPr lang="en-US" dirty="0" smtClean="0"/>
-              <a:t>dynamics </a:t>
-            </a:r>
-            <a:r>
-              <a:rPr lang="en-US" dirty="0" smtClean="0"/>
-              <a:t>as possible </a:t>
+              <a:t> will be used to sense data from the motor in order to catch as much of its dynamics as possible </a:t>
             </a:r>
           </a:p>
           <a:p>
@@ -8755,10 +8723,9 @@
               <a:buAutoNum type="arabicPeriod"/>
             </a:pPr>
             <a:r>
-              <a:rPr lang="en-US" dirty="0" smtClean="0"/>
+              <a:rPr lang="en-US" dirty="0"/>
               <a:t>Model identification: the data collected will be fed to a model identification algorithm that will try to detect the model describing the motor</a:t>
             </a:r>
-            <a:endParaRPr lang="en-US" dirty="0"/>
           </a:p>
         </p:txBody>
       </p:sp>
@@ -8797,7 +8764,7 @@
           <p:cNvPr id="2" name="Titolo 1">
             <a:extLst>
               <a:ext uri="{FF2B5EF4-FFF2-40B4-BE49-F238E27FC236}">
-                <a16:creationId xmlns="" xmlns:a16="http://schemas.microsoft.com/office/drawing/2014/main" id="{4C596BDE-71A7-4227-91DB-D3FB52EF10BC}"/>
+                <a16:creationId xmlns:a16="http://schemas.microsoft.com/office/drawing/2014/main" id="{4C596BDE-71A7-4227-91DB-D3FB52EF10BC}"/>
               </a:ext>
             </a:extLst>
           </p:cNvPr>
@@ -8815,12 +8782,8 @@
           <a:p>
             <a:pPr algn="ctr"/>
             <a:r>
-              <a:rPr lang="en-US" dirty="0" smtClean="0"/>
-              <a:t>Detecting the </a:t>
-            </a:r>
-            <a:r>
               <a:rPr lang="en-US" dirty="0"/>
-              <a:t>motor faults </a:t>
+              <a:t>Detecting the motor faults </a:t>
             </a:r>
           </a:p>
         </p:txBody>
@@ -8830,7 +8793,7 @@
           <p:cNvPr id="3" name="Segnaposto contenuto 2">
             <a:extLst>
               <a:ext uri="{FF2B5EF4-FFF2-40B4-BE49-F238E27FC236}">
-                <a16:creationId xmlns="" xmlns:a16="http://schemas.microsoft.com/office/drawing/2014/main" id="{492A153C-DAEA-47F4-ABFB-2695F16B44D0}"/>
+                <a16:creationId xmlns:a16="http://schemas.microsoft.com/office/drawing/2014/main" id="{492A153C-DAEA-47F4-ABFB-2695F16B44D0}"/>
               </a:ext>
             </a:extLst>
           </p:cNvPr>
@@ -8851,15 +8814,7 @@
             </a:pPr>
             <a:r>
               <a:rPr lang="en-US" dirty="0"/>
-              <a:t>Once the motor model has </a:t>
-            </a:r>
-            <a:r>
-              <a:rPr lang="en-US" dirty="0" smtClean="0"/>
-              <a:t>been </a:t>
-            </a:r>
-            <a:r>
-              <a:rPr lang="en-US" dirty="0"/>
-              <a:t>detected, the </a:t>
+              <a:t>Once the motor model has been detected, the </a:t>
             </a:r>
             <a:r>
               <a:rPr lang="en-US" dirty="0" err="1"/>
@@ -8867,15 +8822,7 @@
             </a:r>
             <a:r>
               <a:rPr lang="en-US" dirty="0"/>
-              <a:t> will keep sensing data from the motor and </a:t>
-            </a:r>
-            <a:r>
-              <a:rPr lang="en-US" dirty="0" smtClean="0"/>
-              <a:t>deliver them </a:t>
-            </a:r>
-            <a:r>
-              <a:rPr lang="en-US" dirty="0"/>
-              <a:t>to an external data processing unit that will:</a:t>
+              <a:t> will keep sensing data from the motor and deliver them to an external data processing unit that will:</a:t>
             </a:r>
           </a:p>
           <a:p>
@@ -8889,13 +8836,8 @@
             <a:pPr algn="just"/>
             <a:r>
               <a:rPr lang="en-US" dirty="0"/>
-              <a:t>Launch an alarm if they </a:t>
-            </a:r>
-            <a:r>
-              <a:rPr lang="en-US" dirty="0" smtClean="0"/>
-              <a:t>don’t</a:t>
-            </a:r>
-            <a:endParaRPr lang="en-US" dirty="0"/>
+              <a:t>Launch an alarm if they don’t</a:t>
+            </a:r>
           </a:p>
         </p:txBody>
       </p:sp>
@@ -8934,7 +8876,7 @@
           <p:cNvPr id="2" name="Titolo 1">
             <a:extLst>
               <a:ext uri="{FF2B5EF4-FFF2-40B4-BE49-F238E27FC236}">
-                <a16:creationId xmlns="" xmlns:a16="http://schemas.microsoft.com/office/drawing/2014/main" id="{C23C66B3-735B-4F6B-A2FB-B7092A30F937}"/>
+                <a16:creationId xmlns:a16="http://schemas.microsoft.com/office/drawing/2014/main" id="{C23C66B3-735B-4F6B-A2FB-B7092A30F937}"/>
               </a:ext>
             </a:extLst>
           </p:cNvPr>
@@ -8945,19 +8887,20 @@
             <p:ph type="title"/>
           </p:nvPr>
         </p:nvSpPr>
-        <p:spPr/>
+        <p:spPr>
+          <a:xfrm>
+            <a:off x="1371600" y="685800"/>
+            <a:ext cx="9601200" cy="725750"/>
+          </a:xfrm>
+        </p:spPr>
         <p:txBody>
           <a:bodyPr/>
           <a:lstStyle/>
           <a:p>
             <a:pPr algn="ctr"/>
             <a:r>
-              <a:rPr lang="en-US" dirty="0" smtClean="0"/>
-              <a:t>Being </a:t>
-            </a:r>
-            <a:r>
               <a:rPr lang="en-US" dirty="0"/>
-              <a:t>energy efficient</a:t>
+              <a:t>Being energy efficient</a:t>
             </a:r>
           </a:p>
         </p:txBody>
@@ -8967,7 +8910,7 @@
           <p:cNvPr id="3" name="Segnaposto contenuto 2">
             <a:extLst>
               <a:ext uri="{FF2B5EF4-FFF2-40B4-BE49-F238E27FC236}">
-                <a16:creationId xmlns="" xmlns:a16="http://schemas.microsoft.com/office/drawing/2014/main" id="{00D9C055-F674-46CB-9AE1-6439BB0BB0CD}"/>
+                <a16:creationId xmlns:a16="http://schemas.microsoft.com/office/drawing/2014/main" id="{00D9C055-F674-46CB-9AE1-6439BB0BB0CD}"/>
               </a:ext>
             </a:extLst>
           </p:cNvPr>
@@ -9033,6 +8976,11 @@
           <a:prstGeom prst="rect">
             <a:avLst/>
           </a:prstGeom>
+          <a:ln w="38100">
+            <a:solidFill>
+              <a:schemeClr val="tx1"/>
+            </a:solidFill>
+          </a:ln>
         </p:spPr>
       </p:pic>
     </p:spTree>
@@ -9070,7 +9018,7 @@
           <p:cNvPr id="2" name="Titolo 1">
             <a:extLst>
               <a:ext uri="{FF2B5EF4-FFF2-40B4-BE49-F238E27FC236}">
-                <a16:creationId xmlns="" xmlns:a16="http://schemas.microsoft.com/office/drawing/2014/main" id="{0B22BC0E-73AF-4669-8BBD-9EC67D2695EE}"/>
+                <a16:creationId xmlns:a16="http://schemas.microsoft.com/office/drawing/2014/main" id="{0B22BC0E-73AF-4669-8BBD-9EC67D2695EE}"/>
               </a:ext>
             </a:extLst>
           </p:cNvPr>
@@ -9088,10 +9036,9 @@
           <a:p>
             <a:pPr algn="ctr"/>
             <a:r>
-              <a:rPr lang="en-US" dirty="0" smtClean="0"/>
+              <a:rPr lang="en-US" dirty="0"/>
               <a:t>Being autonomous</a:t>
             </a:r>
-            <a:endParaRPr lang="en-US" dirty="0"/>
           </a:p>
         </p:txBody>
       </p:sp>
@@ -9100,7 +9047,7 @@
           <p:cNvPr id="3" name="Segnaposto contenuto 2">
             <a:extLst>
               <a:ext uri="{FF2B5EF4-FFF2-40B4-BE49-F238E27FC236}">
-                <a16:creationId xmlns="" xmlns:a16="http://schemas.microsoft.com/office/drawing/2014/main" id="{EE9629A9-6146-4F44-9EDF-5D86C3A2C39D}"/>
+                <a16:creationId xmlns:a16="http://schemas.microsoft.com/office/drawing/2014/main" id="{EE9629A9-6146-4F44-9EDF-5D86C3A2C39D}"/>
               </a:ext>
             </a:extLst>
           </p:cNvPr>
@@ -9121,31 +9068,7 @@
             </a:pPr>
             <a:r>
               <a:rPr lang="en-US" dirty="0"/>
-              <a:t>The system should </a:t>
-            </a:r>
-            <a:r>
-              <a:rPr lang="en-US" dirty="0" smtClean="0"/>
-              <a:t>not work only </a:t>
-            </a:r>
-            <a:r>
-              <a:rPr lang="en-US" dirty="0" smtClean="0"/>
-              <a:t>with </a:t>
-            </a:r>
-            <a:r>
-              <a:rPr lang="en-US" dirty="0"/>
-              <a:t>a single motor since </a:t>
-            </a:r>
-            <a:r>
-              <a:rPr lang="en-US" dirty="0" smtClean="0"/>
-              <a:t>each one </a:t>
-            </a:r>
-            <a:r>
-              <a:rPr lang="en-US" dirty="0"/>
-              <a:t>has a different dynamic based on it’s </a:t>
-            </a:r>
-            <a:r>
-              <a:rPr lang="en-US" dirty="0" smtClean="0"/>
-              <a:t>usage.</a:t>
+              <a:t>The system should not work only with a single motor since each one has a different dynamic based on it’s usage.</a:t>
             </a:r>
           </a:p>
           <a:p>
@@ -9153,12 +9076,17 @@
               <a:buNone/>
             </a:pPr>
             <a:r>
-              <a:rPr lang="en-US" dirty="0" smtClean="0"/>
-              <a:t>That’s </a:t>
-            </a:r>
-            <a:r>
               <a:rPr lang="en-US" dirty="0"/>
-              <a:t>why the system should, on it’s first usage on a new motor, perform a preliminary calibration phase in order to adapt the model to the singular characteristics of the current motor.</a:t>
+              <a:t>That’s why the system should, on it’s first usage on a new motor, perform a preliminary calibration phase in order to adapt the model to the singular characteristics of the current motor.</a:t>
+            </a:r>
+          </a:p>
+          <a:p>
+            <a:pPr marL="0" indent="0" algn="just">
+              <a:buNone/>
+            </a:pPr>
+            <a:r>
+              <a:rPr lang="en-US" dirty="0"/>
+              <a:t>The system should adapt himself to the environmental conditions and filter inputs not produced by the motor.</a:t>
             </a:r>
           </a:p>
         </p:txBody>
@@ -9177,9 +9105,9 @@
 </file>
 
 <file path=ppt/theme/theme1.xml><?xml version="1.0" encoding="utf-8"?>
-<a:theme xmlns:a="http://schemas.openxmlformats.org/drawingml/2006/main" name="Tema di Office">
+<a:theme xmlns:a="http://schemas.openxmlformats.org/drawingml/2006/main" name="Crop">
   <a:themeElements>
-    <a:clrScheme name="Office">
+    <a:clrScheme name="Crop">
       <a:dk1>
         <a:sysClr val="windowText" lastClr="000000"/>
       </a:dk1>
@@ -9187,100 +9115,48 @@
         <a:sysClr val="window" lastClr="FFFFFF"/>
       </a:lt1>
       <a:dk2>
-        <a:srgbClr val="44546A"/>
+        <a:srgbClr val="191B0E"/>
       </a:dk2>
       <a:lt2>
-        <a:srgbClr val="E7E6E6"/>
+        <a:srgbClr val="EFEDE3"/>
       </a:lt2>
       <a:accent1>
-        <a:srgbClr val="4472C4"/>
+        <a:srgbClr val="8C8D86"/>
       </a:accent1>
       <a:accent2>
-        <a:srgbClr val="ED7D31"/>
+        <a:srgbClr val="E6C069"/>
       </a:accent2>
       <a:accent3>
-        <a:srgbClr val="A5A5A5"/>
+        <a:srgbClr val="897B61"/>
       </a:accent3>
       <a:accent4>
-        <a:srgbClr val="FFC000"/>
+        <a:srgbClr val="8DAB8E"/>
       </a:accent4>
       <a:accent5>
-        <a:srgbClr val="5B9BD5"/>
+        <a:srgbClr val="77A2BB"/>
       </a:accent5>
       <a:accent6>
-        <a:srgbClr val="70AD47"/>
+        <a:srgbClr val="E28394"/>
       </a:accent6>
       <a:hlink>
-        <a:srgbClr val="0563C1"/>
+        <a:srgbClr val="77A2BB"/>
       </a:hlink>
       <a:folHlink>
-        <a:srgbClr val="954F72"/>
+        <a:srgbClr val="957A99"/>
       </a:folHlink>
     </a:clrScheme>
-    <a:fontScheme name="Office">
+    <a:fontScheme name="Crop">
       <a:majorFont>
-        <a:latin typeface="Calibri Light" panose="020F0302020204030204"/>
+        <a:latin typeface="Franklin Gothic Book" panose="020B0503020102020204"/>
         <a:ea typeface=""/>
         <a:cs typeface=""/>
-        <a:font script="Jpan" typeface="游ゴシック Light"/>
-        <a:font script="Hang" typeface="맑은 고딕"/>
-        <a:font script="Hans" typeface="等线 Light"/>
-        <a:font script="Hant" typeface="新細明體"/>
-        <a:font script="Arab" typeface="Times New Roman"/>
-        <a:font script="Hebr" typeface="Times New Roman"/>
-        <a:font script="Thai" typeface="Angsana New"/>
-        <a:font script="Ethi" typeface="Nyala"/>
-        <a:font script="Beng" typeface="Vrinda"/>
-        <a:font script="Gujr" typeface="Shruti"/>
-        <a:font script="Khmr" typeface="MoolBoran"/>
-        <a:font script="Knda" typeface="Tunga"/>
-        <a:font script="Guru" typeface="Raavi"/>
-        <a:font script="Cans" typeface="Euphemia"/>
-        <a:font script="Cher" typeface="Plantagenet Cherokee"/>
-        <a:font script="Yiii" typeface="Microsoft Yi Baiti"/>
-        <a:font script="Tibt" typeface="Microsoft Himalaya"/>
-        <a:font script="Thaa" typeface="MV Boli"/>
-        <a:font script="Deva" typeface="Mangal"/>
-        <a:font script="Telu" typeface="Gautami"/>
-        <a:font script="Taml" typeface="Latha"/>
-        <a:font script="Syrc" typeface="Estrangelo Edessa"/>
-        <a:font script="Orya" typeface="Kalinga"/>
-        <a:font script="Mlym" typeface="Kartika"/>
-        <a:font script="Laoo" typeface="DokChampa"/>
-        <a:font script="Sinh" typeface="Iskoola Pota"/>
-        <a:font script="Mong" typeface="Mongolian Baiti"/>
-        <a:font script="Viet" typeface="Times New Roman"/>
-        <a:font script="Uigh" typeface="Microsoft Uighur"/>
-        <a:font script="Geor" typeface="Sylfaen"/>
-        <a:font script="Armn" typeface="Arial"/>
-        <a:font script="Bugi" typeface="Leelawadee UI"/>
-        <a:font script="Bopo" typeface="Microsoft JhengHei"/>
-        <a:font script="Java" typeface="Javanese Text"/>
-        <a:font script="Lisu" typeface="Segoe UI"/>
-        <a:font script="Mymr" typeface="Myanmar Text"/>
-        <a:font script="Nkoo" typeface="Ebrima"/>
-        <a:font script="Olck" typeface="Nirmala UI"/>
-        <a:font script="Osma" typeface="Ebrima"/>
-        <a:font script="Phag" typeface="Phagspa"/>
-        <a:font script="Syrn" typeface="Estrangelo Edessa"/>
-        <a:font script="Syrj" typeface="Estrangelo Edessa"/>
-        <a:font script="Syre" typeface="Estrangelo Edessa"/>
-        <a:font script="Sora" typeface="Nirmala UI"/>
-        <a:font script="Tale" typeface="Microsoft Tai Le"/>
-        <a:font script="Talu" typeface="Microsoft New Tai Lue"/>
-        <a:font script="Tfng" typeface="Ebrima"/>
-      </a:majorFont>
-      <a:minorFont>
-        <a:latin typeface="Calibri" panose="020F0502020204030204"/>
-        <a:ea typeface=""/>
-        <a:cs typeface=""/>
-        <a:font script="Jpan" typeface="游ゴシック"/>
-        <a:font script="Hang" typeface="맑은 고딕"/>
-        <a:font script="Hans" typeface="等线"/>
-        <a:font script="Hant" typeface="新細明體"/>
-        <a:font script="Arab" typeface="Arial"/>
-        <a:font script="Hebr" typeface="Arial"/>
-        <a:font script="Thai" typeface="Cordia New"/>
+        <a:font script="Jpan" typeface="メイリオ"/>
+        <a:font script="Hang" typeface="돋움"/>
+        <a:font script="Hans" typeface="华文楷体"/>
+        <a:font script="Hant" typeface="微軟正黑體"/>
+        <a:font script="Arab" typeface="Tahoma"/>
+        <a:font script="Hebr" typeface="Aharoni"/>
+        <a:font script="Thai" typeface="LilyUPC"/>
         <a:font script="Ethi" typeface="Nyala"/>
         <a:font script="Beng" typeface="Vrinda"/>
         <a:font script="Gujr" typeface="Shruti"/>
@@ -9301,29 +9177,47 @@
         <a:font script="Laoo" typeface="DokChampa"/>
         <a:font script="Sinh" typeface="Iskoola Pota"/>
         <a:font script="Mong" typeface="Mongolian Baiti"/>
-        <a:font script="Viet" typeface="Arial"/>
+        <a:font script="Viet" typeface="Tahoma"/>
         <a:font script="Uigh" typeface="Microsoft Uighur"/>
         <a:font script="Geor" typeface="Sylfaen"/>
-        <a:font script="Armn" typeface="Arial"/>
-        <a:font script="Bugi" typeface="Leelawadee UI"/>
-        <a:font script="Bopo" typeface="Microsoft JhengHei"/>
-        <a:font script="Java" typeface="Javanese Text"/>
-        <a:font script="Lisu" typeface="Segoe UI"/>
-        <a:font script="Mymr" typeface="Myanmar Text"/>
-        <a:font script="Nkoo" typeface="Ebrima"/>
-        <a:font script="Olck" typeface="Nirmala UI"/>
-        <a:font script="Osma" typeface="Ebrima"/>
-        <a:font script="Phag" typeface="Phagspa"/>
-        <a:font script="Syrn" typeface="Estrangelo Edessa"/>
-        <a:font script="Syrj" typeface="Estrangelo Edessa"/>
-        <a:font script="Syre" typeface="Estrangelo Edessa"/>
-        <a:font script="Sora" typeface="Nirmala UI"/>
-        <a:font script="Tale" typeface="Microsoft Tai Le"/>
-        <a:font script="Talu" typeface="Microsoft New Tai Lue"/>
-        <a:font script="Tfng" typeface="Ebrima"/>
+      </a:majorFont>
+      <a:minorFont>
+        <a:latin typeface="Franklin Gothic Book" panose="020B0503020102020204"/>
+        <a:ea typeface=""/>
+        <a:cs typeface=""/>
+        <a:font script="Jpan" typeface="メイリオ"/>
+        <a:font script="Hang" typeface="돋움"/>
+        <a:font script="Hans" typeface="华文楷体"/>
+        <a:font script="Hant" typeface="微軟正黑體"/>
+        <a:font script="Arab" typeface="Tahoma"/>
+        <a:font script="Hebr" typeface="Aharoni"/>
+        <a:font script="Thai" typeface="LilyUPC"/>
+        <a:font script="Ethi" typeface="Nyala"/>
+        <a:font script="Beng" typeface="Vrinda"/>
+        <a:font script="Gujr" typeface="Shruti"/>
+        <a:font script="Khmr" typeface="DaunPenh"/>
+        <a:font script="Knda" typeface="Tunga"/>
+        <a:font script="Guru" typeface="Raavi"/>
+        <a:font script="Cans" typeface="Euphemia"/>
+        <a:font script="Cher" typeface="Plantagenet Cherokee"/>
+        <a:font script="Yiii" typeface="Microsoft Yi Baiti"/>
+        <a:font script="Tibt" typeface="Microsoft Himalaya"/>
+        <a:font script="Thaa" typeface="MV Boli"/>
+        <a:font script="Deva" typeface="Mangal"/>
+        <a:font script="Telu" typeface="Gautami"/>
+        <a:font script="Taml" typeface="Latha"/>
+        <a:font script="Syrc" typeface="Estrangelo Edessa"/>
+        <a:font script="Orya" typeface="Kalinga"/>
+        <a:font script="Mlym" typeface="Kartika"/>
+        <a:font script="Laoo" typeface="DokChampa"/>
+        <a:font script="Sinh" typeface="Iskoola Pota"/>
+        <a:font script="Mong" typeface="Mongolian Baiti"/>
+        <a:font script="Viet" typeface="Tahoma"/>
+        <a:font script="Uigh" typeface="Microsoft Uighur"/>
+        <a:font script="Geor" typeface="Sylfaen"/>
       </a:minorFont>
     </a:fontScheme>
-    <a:fmtScheme name="Office">
+    <a:fmtScheme name="Crop">
       <a:fillStyleLst>
         <a:solidFill>
           <a:schemeClr val="phClr"/>
@@ -9332,23 +9226,23 @@
           <a:gsLst>
             <a:gs pos="0">
               <a:schemeClr val="phClr">
+                <a:tint val="67000"/>
+                <a:satMod val="105000"/>
                 <a:lumMod val="110000"/>
-                <a:satMod val="105000"/>
-                <a:tint val="67000"/>
               </a:schemeClr>
             </a:gs>
             <a:gs pos="50000">
               <a:schemeClr val="phClr">
+                <a:tint val="73000"/>
+                <a:satMod val="103000"/>
                 <a:lumMod val="105000"/>
-                <a:satMod val="103000"/>
-                <a:tint val="73000"/>
               </a:schemeClr>
             </a:gs>
             <a:gs pos="100000">
               <a:schemeClr val="phClr">
+                <a:tint val="81000"/>
+                <a:satMod val="109000"/>
                 <a:lumMod val="105000"/>
-                <a:satMod val="109000"/>
-                <a:tint val="81000"/>
               </a:schemeClr>
             </a:gs>
           </a:gsLst>
@@ -9358,23 +9252,23 @@
           <a:gsLst>
             <a:gs pos="0">
               <a:schemeClr val="phClr">
+                <a:tint val="94000"/>
                 <a:satMod val="103000"/>
                 <a:lumMod val="102000"/>
-                <a:tint val="94000"/>
               </a:schemeClr>
             </a:gs>
             <a:gs pos="50000">
               <a:schemeClr val="phClr">
+                <a:shade val="100000"/>
                 <a:satMod val="110000"/>
                 <a:lumMod val="100000"/>
-                <a:shade val="100000"/>
               </a:schemeClr>
             </a:gs>
             <a:gs pos="100000">
               <a:schemeClr val="phClr">
+                <a:shade val="78000"/>
+                <a:satMod val="120000"/>
                 <a:lumMod val="99000"/>
-                <a:satMod val="120000"/>
-                <a:shade val="78000"/>
               </a:schemeClr>
             </a:gs>
           </a:gsLst>
@@ -9382,26 +9276,23 @@
         </a:gradFill>
       </a:fillStyleLst>
       <a:lnStyleLst>
-        <a:ln w="6350" cap="flat" cmpd="sng" algn="ctr">
+        <a:ln w="6350" cap="flat" cmpd="sng" algn="in">
           <a:solidFill>
             <a:schemeClr val="phClr"/>
           </a:solidFill>
           <a:prstDash val="solid"/>
-          <a:miter lim="800000"/>
         </a:ln>
-        <a:ln w="12700" cap="flat" cmpd="sng" algn="ctr">
+        <a:ln w="34925" cap="flat" cmpd="sng" algn="in">
           <a:solidFill>
             <a:schemeClr val="phClr"/>
           </a:solidFill>
           <a:prstDash val="solid"/>
-          <a:miter lim="800000"/>
         </a:ln>
-        <a:ln w="19050" cap="flat" cmpd="sng" algn="ctr">
+        <a:ln w="19050" cap="flat" cmpd="sng" algn="in">
           <a:solidFill>
             <a:schemeClr val="phClr"/>
           </a:solidFill>
           <a:prstDash val="solid"/>
-          <a:miter lim="800000"/>
         </a:ln>
       </a:lnStyleLst>
       <a:effectStyleLst>
@@ -9415,7 +9306,7 @@
           <a:effectLst>
             <a:outerShdw blurRad="57150" dist="19050" dir="5400000" algn="ctr" rotWithShape="0">
               <a:srgbClr val="000000">
-                <a:alpha val="63000"/>
+                <a:alpha val="35000"/>
               </a:srgbClr>
             </a:outerShdw>
           </a:effectLst>
@@ -9436,16 +9327,16 @@
             <a:gs pos="0">
               <a:schemeClr val="phClr">
                 <a:tint val="93000"/>
+                <a:shade val="98000"/>
                 <a:satMod val="150000"/>
-                <a:shade val="98000"/>
                 <a:lumMod val="102000"/>
               </a:schemeClr>
             </a:gs>
             <a:gs pos="50000">
               <a:schemeClr val="phClr">
                 <a:tint val="98000"/>
+                <a:shade val="90000"/>
                 <a:satMod val="130000"/>
-                <a:shade val="90000"/>
                 <a:lumMod val="103000"/>
               </a:schemeClr>
             </a:gs>
@@ -9465,7 +9356,7 @@
   <a:extraClrSchemeLst/>
   <a:extLst>
     <a:ext uri="{05A4C25C-085E-4340-85A3-A5531E510DB2}">
-      <thm15:themeFamily xmlns:thm15="http://schemas.microsoft.com/office/thememl/2012/main" name="Office Theme" id="{62F939B6-93AF-4DB8-9C6B-D6C7DFDC589F}" vid="{4A3C46E8-61CC-4603-A589-7422A47A8E4A}"/>
+      <thm15:themeFamily xmlns:thm15="http://schemas.microsoft.com/office/thememl/2012/main" name="Crop" id="{EC9488ED-E761-4D60-9AC4-764D1FE2C171}" vid="{CE19780C-D67D-4C13-9DE9-A52BC3BA51B4}"/>
     </a:ext>
   </a:extLst>
 </a:theme>

--- a/Pervasive_presentation_Milestone1_group8.pptx
+++ b/Pervasive_presentation_Milestone1_group8.pptx
@@ -895,6 +895,13 @@
         </dgm:presLayoutVars>
       </dgm:prSet>
       <dgm:spPr/>
+      <dgm:t>
+        <a:bodyPr/>
+        <a:lstStyle/>
+        <a:p>
+          <a:endParaRPr lang="it-IT"/>
+        </a:p>
+      </dgm:t>
     </dgm:pt>
   </dgm:ptLst>
   <dgm:cxnLst>
@@ -2413,7 +2420,7 @@
           <a:p>
             <a:fld id="{BB13FF18-858D-4A6C-8E7A-419597778596}" type="datetimeFigureOut">
               <a:rPr lang="it-IT" smtClean="0"/>
-              <a:t>21/11/2017</a:t>
+              <a:t>21/11/17</a:t>
             </a:fld>
             <a:endParaRPr lang="it-IT"/>
           </a:p>
@@ -2481,7 +2488,7 @@
           <a:p>
             <a:fld id="{7E1D34C2-AF2B-4EFB-A9DD-5508AE5A310B}" type="slidenum">
               <a:rPr lang="it-IT" smtClean="0"/>
-              <a:t>‹N›</a:t>
+              <a:t>‹n.›</a:t>
             </a:fld>
             <a:endParaRPr lang="it-IT"/>
           </a:p>
@@ -2743,7 +2750,7 @@
           <a:p>
             <a:fld id="{BB13FF18-858D-4A6C-8E7A-419597778596}" type="datetimeFigureOut">
               <a:rPr lang="it-IT" smtClean="0"/>
-              <a:t>21/11/2017</a:t>
+              <a:t>21/11/17</a:t>
             </a:fld>
             <a:endParaRPr lang="it-IT"/>
           </a:p>
@@ -2785,7 +2792,7 @@
           <a:p>
             <a:fld id="{7E1D34C2-AF2B-4EFB-A9DD-5508AE5A310B}" type="slidenum">
               <a:rPr lang="it-IT" smtClean="0"/>
-              <a:t>‹N›</a:t>
+              <a:t>‹n.›</a:t>
             </a:fld>
             <a:endParaRPr lang="it-IT"/>
           </a:p>
@@ -2923,7 +2930,7 @@
           <a:p>
             <a:fld id="{BB13FF18-858D-4A6C-8E7A-419597778596}" type="datetimeFigureOut">
               <a:rPr lang="it-IT" smtClean="0"/>
-              <a:t>21/11/2017</a:t>
+              <a:t>21/11/17</a:t>
             </a:fld>
             <a:endParaRPr lang="it-IT"/>
           </a:p>
@@ -2965,7 +2972,7 @@
           <a:p>
             <a:fld id="{7E1D34C2-AF2B-4EFB-A9DD-5508AE5A310B}" type="slidenum">
               <a:rPr lang="it-IT" smtClean="0"/>
-              <a:t>‹N›</a:t>
+              <a:t>‹n.›</a:t>
             </a:fld>
             <a:endParaRPr lang="it-IT"/>
           </a:p>
@@ -3093,7 +3100,7 @@
           <a:p>
             <a:fld id="{BB13FF18-858D-4A6C-8E7A-419597778596}" type="datetimeFigureOut">
               <a:rPr lang="it-IT" smtClean="0"/>
-              <a:t>21/11/2017</a:t>
+              <a:t>21/11/17</a:t>
             </a:fld>
             <a:endParaRPr lang="it-IT"/>
           </a:p>
@@ -3135,7 +3142,7 @@
           <a:p>
             <a:fld id="{7E1D34C2-AF2B-4EFB-A9DD-5508AE5A310B}" type="slidenum">
               <a:rPr lang="it-IT" smtClean="0"/>
-              <a:t>‹N›</a:t>
+              <a:t>‹n.›</a:t>
             </a:fld>
             <a:endParaRPr lang="it-IT"/>
           </a:p>
@@ -3370,7 +3377,7 @@
           <a:p>
             <a:fld id="{BB13FF18-858D-4A6C-8E7A-419597778596}" type="datetimeFigureOut">
               <a:rPr lang="it-IT" smtClean="0"/>
-              <a:t>21/11/2017</a:t>
+              <a:t>21/11/17</a:t>
             </a:fld>
             <a:endParaRPr lang="it-IT"/>
           </a:p>
@@ -3438,7 +3445,7 @@
           <a:p>
             <a:fld id="{7E1D34C2-AF2B-4EFB-A9DD-5508AE5A310B}" type="slidenum">
               <a:rPr lang="it-IT" smtClean="0"/>
-              <a:t>‹N›</a:t>
+              <a:t>‹n.›</a:t>
             </a:fld>
             <a:endParaRPr lang="it-IT"/>
           </a:p>
@@ -3764,7 +3771,7 @@
           <a:p>
             <a:fld id="{BB13FF18-858D-4A6C-8E7A-419597778596}" type="datetimeFigureOut">
               <a:rPr lang="it-IT" smtClean="0"/>
-              <a:t>21/11/2017</a:t>
+              <a:t>21/11/17</a:t>
             </a:fld>
             <a:endParaRPr lang="it-IT"/>
           </a:p>
@@ -3806,7 +3813,7 @@
           <a:p>
             <a:fld id="{7E1D34C2-AF2B-4EFB-A9DD-5508AE5A310B}" type="slidenum">
               <a:rPr lang="it-IT" smtClean="0"/>
-              <a:t>‹N›</a:t>
+              <a:t>‹n.›</a:t>
             </a:fld>
             <a:endParaRPr lang="it-IT"/>
           </a:p>
@@ -4241,7 +4248,7 @@
           <a:p>
             <a:fld id="{BB13FF18-858D-4A6C-8E7A-419597778596}" type="datetimeFigureOut">
               <a:rPr lang="it-IT" smtClean="0"/>
-              <a:t>21/11/2017</a:t>
+              <a:t>21/11/17</a:t>
             </a:fld>
             <a:endParaRPr lang="it-IT"/>
           </a:p>
@@ -4283,7 +4290,7 @@
           <a:p>
             <a:fld id="{7E1D34C2-AF2B-4EFB-A9DD-5508AE5A310B}" type="slidenum">
               <a:rPr lang="it-IT" smtClean="0"/>
-              <a:t>‹N›</a:t>
+              <a:t>‹n.›</a:t>
             </a:fld>
             <a:endParaRPr lang="it-IT"/>
           </a:p>
@@ -4359,7 +4366,7 @@
           <a:p>
             <a:fld id="{BB13FF18-858D-4A6C-8E7A-419597778596}" type="datetimeFigureOut">
               <a:rPr lang="it-IT" smtClean="0"/>
-              <a:t>21/11/2017</a:t>
+              <a:t>21/11/17</a:t>
             </a:fld>
             <a:endParaRPr lang="it-IT"/>
           </a:p>
@@ -4401,7 +4408,7 @@
           <a:p>
             <a:fld id="{7E1D34C2-AF2B-4EFB-A9DD-5508AE5A310B}" type="slidenum">
               <a:rPr lang="it-IT" smtClean="0"/>
-              <a:t>‹N›</a:t>
+              <a:t>‹n.›</a:t>
             </a:fld>
             <a:endParaRPr lang="it-IT"/>
           </a:p>
@@ -4454,7 +4461,7 @@
           <a:p>
             <a:fld id="{BB13FF18-858D-4A6C-8E7A-419597778596}" type="datetimeFigureOut">
               <a:rPr lang="it-IT" smtClean="0"/>
-              <a:t>21/11/2017</a:t>
+              <a:t>21/11/17</a:t>
             </a:fld>
             <a:endParaRPr lang="it-IT"/>
           </a:p>
@@ -4496,7 +4503,7 @@
           <a:p>
             <a:fld id="{7E1D34C2-AF2B-4EFB-A9DD-5508AE5A310B}" type="slidenum">
               <a:rPr lang="it-IT" smtClean="0"/>
-              <a:t>‹N›</a:t>
+              <a:t>‹n.›</a:t>
             </a:fld>
             <a:endParaRPr lang="it-IT"/>
           </a:p>
@@ -4800,7 +4807,7 @@
           <a:p>
             <a:fld id="{BB13FF18-858D-4A6C-8E7A-419597778596}" type="datetimeFigureOut">
               <a:rPr lang="it-IT" smtClean="0"/>
-              <a:t>21/11/2017</a:t>
+              <a:t>21/11/17</a:t>
             </a:fld>
             <a:endParaRPr lang="it-IT"/>
           </a:p>
@@ -4868,7 +4875,7 @@
           <a:p>
             <a:fld id="{7E1D34C2-AF2B-4EFB-A9DD-5508AE5A310B}" type="slidenum">
               <a:rPr lang="it-IT" smtClean="0"/>
-              <a:t>‹N›</a:t>
+              <a:t>‹n.›</a:t>
             </a:fld>
             <a:endParaRPr lang="it-IT"/>
           </a:p>
@@ -5188,7 +5195,7 @@
           <a:p>
             <a:fld id="{BB13FF18-858D-4A6C-8E7A-419597778596}" type="datetimeFigureOut">
               <a:rPr lang="it-IT" smtClean="0"/>
-              <a:t>21/11/2017</a:t>
+              <a:t>21/11/17</a:t>
             </a:fld>
             <a:endParaRPr lang="it-IT"/>
           </a:p>
@@ -5256,7 +5263,7 @@
           <a:p>
             <a:fld id="{7E1D34C2-AF2B-4EFB-A9DD-5508AE5A310B}" type="slidenum">
               <a:rPr lang="it-IT" smtClean="0"/>
-              <a:t>‹N›</a:t>
+              <a:t>‹n.›</a:t>
             </a:fld>
             <a:endParaRPr lang="it-IT"/>
           </a:p>
@@ -5466,7 +5473,7 @@
           <a:p>
             <a:fld id="{BB13FF18-858D-4A6C-8E7A-419597778596}" type="datetimeFigureOut">
               <a:rPr lang="it-IT" smtClean="0"/>
-              <a:t>21/11/2017</a:t>
+              <a:t>21/11/17</a:t>
             </a:fld>
             <a:endParaRPr lang="it-IT"/>
           </a:p>
@@ -5540,7 +5547,7 @@
           <a:p>
             <a:fld id="{7E1D34C2-AF2B-4EFB-A9DD-5508AE5A310B}" type="slidenum">
               <a:rPr lang="it-IT" smtClean="0"/>
-              <a:t>‹N›</a:t>
+              <a:t>‹n.›</a:t>
             </a:fld>
             <a:endParaRPr lang="it-IT"/>
           </a:p>
@@ -5983,7 +5990,7 @@
           <p:cNvPr id="2" name="Titolo 1">
             <a:extLst>
               <a:ext uri="{FF2B5EF4-FFF2-40B4-BE49-F238E27FC236}">
-                <a16:creationId xmlns:a16="http://schemas.microsoft.com/office/drawing/2014/main" id="{8B6438EF-7F5F-471D-B664-125D402C66D6}"/>
+                <a16:creationId xmlns:a16="http://schemas.microsoft.com/office/drawing/2014/main" xmlns="" id="{8B6438EF-7F5F-471D-B664-125D402C66D6}"/>
               </a:ext>
             </a:extLst>
           </p:cNvPr>
@@ -6019,7 +6026,7 @@
           <p:cNvPr id="3" name="Sottotitolo 2">
             <a:extLst>
               <a:ext uri="{FF2B5EF4-FFF2-40B4-BE49-F238E27FC236}">
-                <a16:creationId xmlns:a16="http://schemas.microsoft.com/office/drawing/2014/main" id="{301DCC95-D016-4D44-9E9E-E237D32D586B}"/>
+                <a16:creationId xmlns:a16="http://schemas.microsoft.com/office/drawing/2014/main" xmlns="" id="{301DCC95-D016-4D44-9E9E-E237D32D586B}"/>
               </a:ext>
             </a:extLst>
           </p:cNvPr>
@@ -6070,7 +6077,7 @@
           <p:cNvPr id="4" name="Sottotitolo 2">
             <a:extLst>
               <a:ext uri="{FF2B5EF4-FFF2-40B4-BE49-F238E27FC236}">
-                <a16:creationId xmlns:a16="http://schemas.microsoft.com/office/drawing/2014/main" id="{301DCC95-D016-4D44-9E9E-E237D32D586B}"/>
+                <a16:creationId xmlns:a16="http://schemas.microsoft.com/office/drawing/2014/main" xmlns="" id="{301DCC95-D016-4D44-9E9E-E237D32D586B}"/>
               </a:ext>
             </a:extLst>
           </p:cNvPr>
@@ -6299,7 +6306,7 @@
           <p:cNvPr id="2" name="Titolo 1">
             <a:extLst>
               <a:ext uri="{FF2B5EF4-FFF2-40B4-BE49-F238E27FC236}">
-                <a16:creationId xmlns:a16="http://schemas.microsoft.com/office/drawing/2014/main" id="{F909ECA4-8B8D-418A-9CFD-34617E8328BE}"/>
+                <a16:creationId xmlns:a16="http://schemas.microsoft.com/office/drawing/2014/main" xmlns="" id="{F909ECA4-8B8D-418A-9CFD-34617E8328BE}"/>
               </a:ext>
             </a:extLst>
           </p:cNvPr>
@@ -6333,7 +6340,7 @@
           <p:cNvPr id="4" name="Segnaposto contenuto 3">
             <a:extLst>
               <a:ext uri="{FF2B5EF4-FFF2-40B4-BE49-F238E27FC236}">
-                <a16:creationId xmlns:a16="http://schemas.microsoft.com/office/drawing/2014/main" id="{910F84E3-0115-4241-A6D0-BEA5F24E14DA}"/>
+                <a16:creationId xmlns:a16="http://schemas.microsoft.com/office/drawing/2014/main" xmlns="" id="{910F84E3-0115-4241-A6D0-BEA5F24E14DA}"/>
               </a:ext>
             </a:extLst>
           </p:cNvPr>
@@ -6364,7 +6371,7 @@
           <p:cNvPr id="6" name="Ovale 5">
             <a:extLst>
               <a:ext uri="{FF2B5EF4-FFF2-40B4-BE49-F238E27FC236}">
-                <a16:creationId xmlns:a16="http://schemas.microsoft.com/office/drawing/2014/main" id="{171F6307-4D37-429B-A1E1-FA6F8631803C}"/>
+                <a16:creationId xmlns:a16="http://schemas.microsoft.com/office/drawing/2014/main" xmlns="" id="{171F6307-4D37-429B-A1E1-FA6F8631803C}"/>
               </a:ext>
             </a:extLst>
           </p:cNvPr>
@@ -6413,7 +6420,7 @@
           <p:cNvPr id="7" name="Ovale 6">
             <a:extLst>
               <a:ext uri="{FF2B5EF4-FFF2-40B4-BE49-F238E27FC236}">
-                <a16:creationId xmlns:a16="http://schemas.microsoft.com/office/drawing/2014/main" id="{7D2481BC-556D-4A5B-8ACC-76105A174A3F}"/>
+                <a16:creationId xmlns:a16="http://schemas.microsoft.com/office/drawing/2014/main" xmlns="" id="{7D2481BC-556D-4A5B-8ACC-76105A174A3F}"/>
               </a:ext>
             </a:extLst>
           </p:cNvPr>
@@ -6462,7 +6469,7 @@
           <p:cNvPr id="8" name="Freccia a destra 7">
             <a:extLst>
               <a:ext uri="{FF2B5EF4-FFF2-40B4-BE49-F238E27FC236}">
-                <a16:creationId xmlns:a16="http://schemas.microsoft.com/office/drawing/2014/main" id="{D19DE539-9226-4A1E-8C13-A31CD290B866}"/>
+                <a16:creationId xmlns:a16="http://schemas.microsoft.com/office/drawing/2014/main" xmlns="" id="{D19DE539-9226-4A1E-8C13-A31CD290B866}"/>
               </a:ext>
             </a:extLst>
           </p:cNvPr>
@@ -6508,7 +6515,7 @@
           <p:cNvPr id="9" name="Freccia a destra 8">
             <a:extLst>
               <a:ext uri="{FF2B5EF4-FFF2-40B4-BE49-F238E27FC236}">
-                <a16:creationId xmlns:a16="http://schemas.microsoft.com/office/drawing/2014/main" id="{5F8B9189-57DA-4A67-B0C6-FC9673114617}"/>
+                <a16:creationId xmlns:a16="http://schemas.microsoft.com/office/drawing/2014/main" xmlns="" id="{5F8B9189-57DA-4A67-B0C6-FC9673114617}"/>
               </a:ext>
             </a:extLst>
           </p:cNvPr>
@@ -6554,7 +6561,7 @@
           <p:cNvPr id="10" name="Ovale 9">
             <a:extLst>
               <a:ext uri="{FF2B5EF4-FFF2-40B4-BE49-F238E27FC236}">
-                <a16:creationId xmlns:a16="http://schemas.microsoft.com/office/drawing/2014/main" id="{7D2481BC-556D-4A5B-8ACC-76105A174A3F}"/>
+                <a16:creationId xmlns:a16="http://schemas.microsoft.com/office/drawing/2014/main" xmlns="" id="{7D2481BC-556D-4A5B-8ACC-76105A174A3F}"/>
               </a:ext>
             </a:extLst>
           </p:cNvPr>
@@ -6603,7 +6610,7 @@
           <p:cNvPr id="11" name="Freccia a destra 8">
             <a:extLst>
               <a:ext uri="{FF2B5EF4-FFF2-40B4-BE49-F238E27FC236}">
-                <a16:creationId xmlns:a16="http://schemas.microsoft.com/office/drawing/2014/main" id="{5F8B9189-57DA-4A67-B0C6-FC9673114617}"/>
+                <a16:creationId xmlns:a16="http://schemas.microsoft.com/office/drawing/2014/main" xmlns="" id="{5F8B9189-57DA-4A67-B0C6-FC9673114617}"/>
               </a:ext>
             </a:extLst>
           </p:cNvPr>
@@ -6649,7 +6656,7 @@
           <p:cNvPr id="12" name="Ovale 11">
             <a:extLst>
               <a:ext uri="{FF2B5EF4-FFF2-40B4-BE49-F238E27FC236}">
-                <a16:creationId xmlns:a16="http://schemas.microsoft.com/office/drawing/2014/main" id="{97F98DAA-EA42-4761-A9AF-A45201F7F4B0}"/>
+                <a16:creationId xmlns:a16="http://schemas.microsoft.com/office/drawing/2014/main" xmlns="" id="{97F98DAA-EA42-4761-A9AF-A45201F7F4B0}"/>
               </a:ext>
             </a:extLst>
           </p:cNvPr>
@@ -6698,7 +6705,7 @@
           <p:cNvPr id="13" name="Ovale 12">
             <a:extLst>
               <a:ext uri="{FF2B5EF4-FFF2-40B4-BE49-F238E27FC236}">
-                <a16:creationId xmlns:a16="http://schemas.microsoft.com/office/drawing/2014/main" id="{8DF7BDAB-26EF-415F-9DF6-96C1D46D94FE}"/>
+                <a16:creationId xmlns:a16="http://schemas.microsoft.com/office/drawing/2014/main" xmlns="" id="{8DF7BDAB-26EF-415F-9DF6-96C1D46D94FE}"/>
               </a:ext>
             </a:extLst>
           </p:cNvPr>
@@ -6747,7 +6754,7 @@
           <p:cNvPr id="14" name="Ovale 13">
             <a:extLst>
               <a:ext uri="{FF2B5EF4-FFF2-40B4-BE49-F238E27FC236}">
-                <a16:creationId xmlns:a16="http://schemas.microsoft.com/office/drawing/2014/main" id="{2A1199B0-C766-4FBD-90BD-F288E4A34CA2}"/>
+                <a16:creationId xmlns:a16="http://schemas.microsoft.com/office/drawing/2014/main" xmlns="" id="{2A1199B0-C766-4FBD-90BD-F288E4A34CA2}"/>
               </a:ext>
             </a:extLst>
           </p:cNvPr>
@@ -6796,7 +6803,7 @@
           <p:cNvPr id="15" name="Freccia a destra 14">
             <a:extLst>
               <a:ext uri="{FF2B5EF4-FFF2-40B4-BE49-F238E27FC236}">
-                <a16:creationId xmlns:a16="http://schemas.microsoft.com/office/drawing/2014/main" id="{7BE2A9EA-56FF-41CA-AE39-456EE8441BB2}"/>
+                <a16:creationId xmlns:a16="http://schemas.microsoft.com/office/drawing/2014/main" xmlns="" id="{7BE2A9EA-56FF-41CA-AE39-456EE8441BB2}"/>
               </a:ext>
             </a:extLst>
           </p:cNvPr>
@@ -6842,7 +6849,7 @@
           <p:cNvPr id="16" name="Freccia a destra 15">
             <a:extLst>
               <a:ext uri="{FF2B5EF4-FFF2-40B4-BE49-F238E27FC236}">
-                <a16:creationId xmlns:a16="http://schemas.microsoft.com/office/drawing/2014/main" id="{ECAB3A44-0FC5-4B16-A0E4-0A3A42450DC4}"/>
+                <a16:creationId xmlns:a16="http://schemas.microsoft.com/office/drawing/2014/main" xmlns="" id="{ECAB3A44-0FC5-4B16-A0E4-0A3A42450DC4}"/>
               </a:ext>
             </a:extLst>
           </p:cNvPr>
@@ -6888,7 +6895,7 @@
           <p:cNvPr id="17" name="Freccia a destra 16">
             <a:extLst>
               <a:ext uri="{FF2B5EF4-FFF2-40B4-BE49-F238E27FC236}">
-                <a16:creationId xmlns:a16="http://schemas.microsoft.com/office/drawing/2014/main" id="{96A675D2-8B42-40A2-B78A-F098FCF6136D}"/>
+                <a16:creationId xmlns:a16="http://schemas.microsoft.com/office/drawing/2014/main" xmlns="" id="{96A675D2-8B42-40A2-B78A-F098FCF6136D}"/>
               </a:ext>
             </a:extLst>
           </p:cNvPr>
@@ -6964,7 +6971,7 @@
           <p:cNvPr id="2" name="Titolo 1">
             <a:extLst>
               <a:ext uri="{FF2B5EF4-FFF2-40B4-BE49-F238E27FC236}">
-                <a16:creationId xmlns:a16="http://schemas.microsoft.com/office/drawing/2014/main" id="{45712661-CEEF-4141-B375-C208E5A3AE38}"/>
+                <a16:creationId xmlns:a16="http://schemas.microsoft.com/office/drawing/2014/main" xmlns="" id="{45712661-CEEF-4141-B375-C208E5A3AE38}"/>
               </a:ext>
             </a:extLst>
           </p:cNvPr>
@@ -6998,7 +7005,7 @@
           <p:cNvPr id="4" name="Ovale 3">
             <a:extLst>
               <a:ext uri="{FF2B5EF4-FFF2-40B4-BE49-F238E27FC236}">
-                <a16:creationId xmlns:a16="http://schemas.microsoft.com/office/drawing/2014/main" id="{13C276B8-43E8-4340-8744-F95FE45FF93D}"/>
+                <a16:creationId xmlns:a16="http://schemas.microsoft.com/office/drawing/2014/main" xmlns="" id="{13C276B8-43E8-4340-8744-F95FE45FF93D}"/>
               </a:ext>
             </a:extLst>
           </p:cNvPr>
@@ -7047,7 +7054,7 @@
           <p:cNvPr id="6" name="Ovale 5">
             <a:extLst>
               <a:ext uri="{FF2B5EF4-FFF2-40B4-BE49-F238E27FC236}">
-                <a16:creationId xmlns:a16="http://schemas.microsoft.com/office/drawing/2014/main" id="{E4807840-D773-4EF0-81F6-035CAAF531A6}"/>
+                <a16:creationId xmlns:a16="http://schemas.microsoft.com/office/drawing/2014/main" xmlns="" id="{E4807840-D773-4EF0-81F6-035CAAF531A6}"/>
               </a:ext>
             </a:extLst>
           </p:cNvPr>
@@ -7096,7 +7103,7 @@
           <p:cNvPr id="7" name="Rettangolo 6">
             <a:extLst>
               <a:ext uri="{FF2B5EF4-FFF2-40B4-BE49-F238E27FC236}">
-                <a16:creationId xmlns:a16="http://schemas.microsoft.com/office/drawing/2014/main" id="{6D35485D-A7D8-446F-9516-34B0F2153AAD}"/>
+                <a16:creationId xmlns:a16="http://schemas.microsoft.com/office/drawing/2014/main" xmlns="" id="{6D35485D-A7D8-446F-9516-34B0F2153AAD}"/>
               </a:ext>
             </a:extLst>
           </p:cNvPr>
@@ -7153,7 +7160,7 @@
           <p:cNvPr id="8" name="Rettangolo 7">
             <a:extLst>
               <a:ext uri="{FF2B5EF4-FFF2-40B4-BE49-F238E27FC236}">
-                <a16:creationId xmlns:a16="http://schemas.microsoft.com/office/drawing/2014/main" id="{94D24397-A14D-4CE5-AA12-5DCF9FD69775}"/>
+                <a16:creationId xmlns:a16="http://schemas.microsoft.com/office/drawing/2014/main" xmlns="" id="{94D24397-A14D-4CE5-AA12-5DCF9FD69775}"/>
               </a:ext>
             </a:extLst>
           </p:cNvPr>
@@ -7206,7 +7213,7 @@
           <p:cNvPr id="9" name="Ovale 8">
             <a:extLst>
               <a:ext uri="{FF2B5EF4-FFF2-40B4-BE49-F238E27FC236}">
-                <a16:creationId xmlns:a16="http://schemas.microsoft.com/office/drawing/2014/main" id="{12ACE63D-A386-4EFC-9D85-AA066F3FBDDB}"/>
+                <a16:creationId xmlns:a16="http://schemas.microsoft.com/office/drawing/2014/main" xmlns="" id="{12ACE63D-A386-4EFC-9D85-AA066F3FBDDB}"/>
               </a:ext>
             </a:extLst>
           </p:cNvPr>
@@ -7255,7 +7262,7 @@
           <p:cNvPr id="11" name="Connettore 2 10">
             <a:extLst>
               <a:ext uri="{FF2B5EF4-FFF2-40B4-BE49-F238E27FC236}">
-                <a16:creationId xmlns:a16="http://schemas.microsoft.com/office/drawing/2014/main" id="{440C4455-4284-4D52-8BE3-BC4D1B1848CC}"/>
+                <a16:creationId xmlns:a16="http://schemas.microsoft.com/office/drawing/2014/main" xmlns="" id="{440C4455-4284-4D52-8BE3-BC4D1B1848CC}"/>
               </a:ext>
             </a:extLst>
           </p:cNvPr>
@@ -7294,7 +7301,7 @@
           <p:cNvPr id="13" name="Connettore 2 12">
             <a:extLst>
               <a:ext uri="{FF2B5EF4-FFF2-40B4-BE49-F238E27FC236}">
-                <a16:creationId xmlns:a16="http://schemas.microsoft.com/office/drawing/2014/main" id="{68074315-0C0E-4469-8B8D-6B7666EF1AC6}"/>
+                <a16:creationId xmlns:a16="http://schemas.microsoft.com/office/drawing/2014/main" xmlns="" id="{68074315-0C0E-4469-8B8D-6B7666EF1AC6}"/>
               </a:ext>
             </a:extLst>
           </p:cNvPr>
@@ -7335,7 +7342,7 @@
           <p:cNvPr id="14" name="Rettangolo 13">
             <a:extLst>
               <a:ext uri="{FF2B5EF4-FFF2-40B4-BE49-F238E27FC236}">
-                <a16:creationId xmlns:a16="http://schemas.microsoft.com/office/drawing/2014/main" id="{1379C35D-B17B-4EE6-9023-ABF63EC2EC44}"/>
+                <a16:creationId xmlns:a16="http://schemas.microsoft.com/office/drawing/2014/main" xmlns="" id="{1379C35D-B17B-4EE6-9023-ABF63EC2EC44}"/>
               </a:ext>
             </a:extLst>
           </p:cNvPr>
@@ -7384,7 +7391,7 @@
           <p:cNvPr id="15" name="Rettangolo 14">
             <a:extLst>
               <a:ext uri="{FF2B5EF4-FFF2-40B4-BE49-F238E27FC236}">
-                <a16:creationId xmlns:a16="http://schemas.microsoft.com/office/drawing/2014/main" id="{8A16D978-EDCD-49E5-8288-3D3EEFE768F9}"/>
+                <a16:creationId xmlns:a16="http://schemas.microsoft.com/office/drawing/2014/main" xmlns="" id="{8A16D978-EDCD-49E5-8288-3D3EEFE768F9}"/>
               </a:ext>
             </a:extLst>
           </p:cNvPr>
@@ -7433,7 +7440,7 @@
           <p:cNvPr id="16" name="Rettangolo 15">
             <a:extLst>
               <a:ext uri="{FF2B5EF4-FFF2-40B4-BE49-F238E27FC236}">
-                <a16:creationId xmlns:a16="http://schemas.microsoft.com/office/drawing/2014/main" id="{B13F8C6A-714D-4C39-945A-7EDD7171A29F}"/>
+                <a16:creationId xmlns:a16="http://schemas.microsoft.com/office/drawing/2014/main" xmlns="" id="{B13F8C6A-714D-4C39-945A-7EDD7171A29F}"/>
               </a:ext>
             </a:extLst>
           </p:cNvPr>
@@ -7482,7 +7489,7 @@
           <p:cNvPr id="18" name="Connettore 2 17">
             <a:extLst>
               <a:ext uri="{FF2B5EF4-FFF2-40B4-BE49-F238E27FC236}">
-                <a16:creationId xmlns:a16="http://schemas.microsoft.com/office/drawing/2014/main" id="{D5F8DBB7-E458-4AAC-84CC-31D0AECFF54B}"/>
+                <a16:creationId xmlns:a16="http://schemas.microsoft.com/office/drawing/2014/main" xmlns="" id="{D5F8DBB7-E458-4AAC-84CC-31D0AECFF54B}"/>
               </a:ext>
             </a:extLst>
           </p:cNvPr>
@@ -7523,7 +7530,7 @@
           <p:cNvPr id="19" name="Rettangolo 18">
             <a:extLst>
               <a:ext uri="{FF2B5EF4-FFF2-40B4-BE49-F238E27FC236}">
-                <a16:creationId xmlns:a16="http://schemas.microsoft.com/office/drawing/2014/main" id="{334FE174-982F-4ED4-9D92-C71CA1E4B8B1}"/>
+                <a16:creationId xmlns:a16="http://schemas.microsoft.com/office/drawing/2014/main" xmlns="" id="{334FE174-982F-4ED4-9D92-C71CA1E4B8B1}"/>
               </a:ext>
             </a:extLst>
           </p:cNvPr>
@@ -7580,7 +7587,7 @@
           <p:cNvPr id="21" name="Connettore 2 20">
             <a:extLst>
               <a:ext uri="{FF2B5EF4-FFF2-40B4-BE49-F238E27FC236}">
-                <a16:creationId xmlns:a16="http://schemas.microsoft.com/office/drawing/2014/main" id="{8B75EB12-AC70-40A5-88C9-D50EB9019AB6}"/>
+                <a16:creationId xmlns:a16="http://schemas.microsoft.com/office/drawing/2014/main" xmlns="" id="{8B75EB12-AC70-40A5-88C9-D50EB9019AB6}"/>
               </a:ext>
             </a:extLst>
           </p:cNvPr>
@@ -7619,7 +7626,7 @@
           <p:cNvPr id="22" name="Rettangolo 21">
             <a:extLst>
               <a:ext uri="{FF2B5EF4-FFF2-40B4-BE49-F238E27FC236}">
-                <a16:creationId xmlns:a16="http://schemas.microsoft.com/office/drawing/2014/main" id="{9F0F17B7-11AA-4CC4-9D3A-3A5C370AECF8}"/>
+                <a16:creationId xmlns:a16="http://schemas.microsoft.com/office/drawing/2014/main" xmlns="" id="{9F0F17B7-11AA-4CC4-9D3A-3A5C370AECF8}"/>
               </a:ext>
             </a:extLst>
           </p:cNvPr>
@@ -7668,7 +7675,7 @@
           <p:cNvPr id="23" name="Rettangolo 22">
             <a:extLst>
               <a:ext uri="{FF2B5EF4-FFF2-40B4-BE49-F238E27FC236}">
-                <a16:creationId xmlns:a16="http://schemas.microsoft.com/office/drawing/2014/main" id="{B3B925E8-3744-490D-89D7-4D9EC7439BC3}"/>
+                <a16:creationId xmlns:a16="http://schemas.microsoft.com/office/drawing/2014/main" xmlns="" id="{B3B925E8-3744-490D-89D7-4D9EC7439BC3}"/>
               </a:ext>
             </a:extLst>
           </p:cNvPr>
@@ -7717,7 +7724,7 @@
           <p:cNvPr id="25" name="Connettore 2 24">
             <a:extLst>
               <a:ext uri="{FF2B5EF4-FFF2-40B4-BE49-F238E27FC236}">
-                <a16:creationId xmlns:a16="http://schemas.microsoft.com/office/drawing/2014/main" id="{C339E8FC-A4F8-47EF-8AFE-A3176D2E6038}"/>
+                <a16:creationId xmlns:a16="http://schemas.microsoft.com/office/drawing/2014/main" xmlns="" id="{C339E8FC-A4F8-47EF-8AFE-A3176D2E6038}"/>
               </a:ext>
             </a:extLst>
           </p:cNvPr>
@@ -7758,7 +7765,7 @@
           <p:cNvPr id="29" name="Connettore 2 28">
             <a:extLst>
               <a:ext uri="{FF2B5EF4-FFF2-40B4-BE49-F238E27FC236}">
-                <a16:creationId xmlns:a16="http://schemas.microsoft.com/office/drawing/2014/main" id="{90F0795E-36D3-43A1-B13B-63E5B1D47E95}"/>
+                <a16:creationId xmlns:a16="http://schemas.microsoft.com/office/drawing/2014/main" xmlns="" id="{90F0795E-36D3-43A1-B13B-63E5B1D47E95}"/>
               </a:ext>
             </a:extLst>
           </p:cNvPr>
@@ -7799,7 +7806,7 @@
           <p:cNvPr id="31" name="Connettore 2 30">
             <a:extLst>
               <a:ext uri="{FF2B5EF4-FFF2-40B4-BE49-F238E27FC236}">
-                <a16:creationId xmlns:a16="http://schemas.microsoft.com/office/drawing/2014/main" id="{6DA1AE05-AF90-4507-9254-3B71915560ED}"/>
+                <a16:creationId xmlns:a16="http://schemas.microsoft.com/office/drawing/2014/main" xmlns="" id="{6DA1AE05-AF90-4507-9254-3B71915560ED}"/>
               </a:ext>
             </a:extLst>
           </p:cNvPr>
@@ -7840,7 +7847,7 @@
           <p:cNvPr id="33" name="Connettore 2 32">
             <a:extLst>
               <a:ext uri="{FF2B5EF4-FFF2-40B4-BE49-F238E27FC236}">
-                <a16:creationId xmlns:a16="http://schemas.microsoft.com/office/drawing/2014/main" id="{D0B88EAD-3C42-4A64-AC72-2E97760FEB40}"/>
+                <a16:creationId xmlns:a16="http://schemas.microsoft.com/office/drawing/2014/main" xmlns="" id="{D0B88EAD-3C42-4A64-AC72-2E97760FEB40}"/>
               </a:ext>
             </a:extLst>
           </p:cNvPr>
@@ -7881,7 +7888,7 @@
           <p:cNvPr id="37" name="Rettangolo 36">
             <a:extLst>
               <a:ext uri="{FF2B5EF4-FFF2-40B4-BE49-F238E27FC236}">
-                <a16:creationId xmlns:a16="http://schemas.microsoft.com/office/drawing/2014/main" id="{83D45CFB-09D1-4F83-BCAE-403F9273047D}"/>
+                <a16:creationId xmlns:a16="http://schemas.microsoft.com/office/drawing/2014/main" xmlns="" id="{83D45CFB-09D1-4F83-BCAE-403F9273047D}"/>
               </a:ext>
             </a:extLst>
           </p:cNvPr>
@@ -7928,7 +7935,7 @@
           <p:cNvPr id="38" name="Rettangolo 37">
             <a:extLst>
               <a:ext uri="{FF2B5EF4-FFF2-40B4-BE49-F238E27FC236}">
-                <a16:creationId xmlns:a16="http://schemas.microsoft.com/office/drawing/2014/main" id="{6EC113B4-8151-47BB-AC1F-02204162E0B8}"/>
+                <a16:creationId xmlns:a16="http://schemas.microsoft.com/office/drawing/2014/main" xmlns="" id="{6EC113B4-8151-47BB-AC1F-02204162E0B8}"/>
               </a:ext>
             </a:extLst>
           </p:cNvPr>
@@ -7975,7 +7982,7 @@
           <p:cNvPr id="40" name="CasellaDiTesto 39">
             <a:extLst>
               <a:ext uri="{FF2B5EF4-FFF2-40B4-BE49-F238E27FC236}">
-                <a16:creationId xmlns:a16="http://schemas.microsoft.com/office/drawing/2014/main" id="{FAF980E9-EC9A-4239-AFE3-9E18CAB8598E}"/>
+                <a16:creationId xmlns:a16="http://schemas.microsoft.com/office/drawing/2014/main" xmlns="" id="{FAF980E9-EC9A-4239-AFE3-9E18CAB8598E}"/>
               </a:ext>
             </a:extLst>
           </p:cNvPr>
@@ -8010,7 +8017,7 @@
           <p:cNvPr id="41" name="CasellaDiTesto 40">
             <a:extLst>
               <a:ext uri="{FF2B5EF4-FFF2-40B4-BE49-F238E27FC236}">
-                <a16:creationId xmlns:a16="http://schemas.microsoft.com/office/drawing/2014/main" id="{92880B6D-254B-4532-9AD2-C73C1872D687}"/>
+                <a16:creationId xmlns:a16="http://schemas.microsoft.com/office/drawing/2014/main" xmlns="" id="{92880B6D-254B-4532-9AD2-C73C1872D687}"/>
               </a:ext>
             </a:extLst>
           </p:cNvPr>
@@ -8075,7 +8082,7 @@
           <p:cNvPr id="2" name="Titolo 1">
             <a:extLst>
               <a:ext uri="{FF2B5EF4-FFF2-40B4-BE49-F238E27FC236}">
-                <a16:creationId xmlns:a16="http://schemas.microsoft.com/office/drawing/2014/main" id="{D61C8094-B88B-4C50-ACE7-27284EDD555F}"/>
+                <a16:creationId xmlns:a16="http://schemas.microsoft.com/office/drawing/2014/main" xmlns="" id="{D61C8094-B88B-4C50-ACE7-27284EDD555F}"/>
               </a:ext>
             </a:extLst>
           </p:cNvPr>
@@ -8104,7 +8111,7 @@
           <p:cNvPr id="3" name="Segnaposto contenuto 2">
             <a:extLst>
               <a:ext uri="{FF2B5EF4-FFF2-40B4-BE49-F238E27FC236}">
-                <a16:creationId xmlns:a16="http://schemas.microsoft.com/office/drawing/2014/main" id="{AC0233A3-0F40-471F-B7AF-7E65F1732F84}"/>
+                <a16:creationId xmlns:a16="http://schemas.microsoft.com/office/drawing/2014/main" xmlns="" id="{AC0233A3-0F40-471F-B7AF-7E65F1732F84}"/>
               </a:ext>
             </a:extLst>
           </p:cNvPr>
@@ -8143,7 +8150,7 @@
           <p:cNvPr id="5" name="Immagine 4">
             <a:extLst>
               <a:ext uri="{FF2B5EF4-FFF2-40B4-BE49-F238E27FC236}">
-                <a16:creationId xmlns:a16="http://schemas.microsoft.com/office/drawing/2014/main" id="{1AB6DA0F-96AE-425A-98C4-52BF326112D1}"/>
+                <a16:creationId xmlns:a16="http://schemas.microsoft.com/office/drawing/2014/main" xmlns="" id="{1AB6DA0F-96AE-425A-98C4-52BF326112D1}"/>
               </a:ext>
             </a:extLst>
           </p:cNvPr>
@@ -8184,7 +8191,7 @@
           <p:cNvPr id="7" name="Immagine 6">
             <a:extLst>
               <a:ext uri="{FF2B5EF4-FFF2-40B4-BE49-F238E27FC236}">
-                <a16:creationId xmlns:a16="http://schemas.microsoft.com/office/drawing/2014/main" id="{18C5300A-E1F4-4788-8E5E-52907A11B2A7}"/>
+                <a16:creationId xmlns:a16="http://schemas.microsoft.com/office/drawing/2014/main" xmlns="" id="{18C5300A-E1F4-4788-8E5E-52907A11B2A7}"/>
               </a:ext>
             </a:extLst>
           </p:cNvPr>
@@ -8436,7 +8443,7 @@
           <p:cNvPr id="2" name="Titolo 1">
             <a:extLst>
               <a:ext uri="{FF2B5EF4-FFF2-40B4-BE49-F238E27FC236}">
-                <a16:creationId xmlns:a16="http://schemas.microsoft.com/office/drawing/2014/main" id="{B99125FD-4CDD-4D2C-805E-13F02D9A18D8}"/>
+                <a16:creationId xmlns:a16="http://schemas.microsoft.com/office/drawing/2014/main" xmlns="" id="{B99125FD-4CDD-4D2C-805E-13F02D9A18D8}"/>
               </a:ext>
             </a:extLst>
           </p:cNvPr>
@@ -8465,7 +8472,7 @@
           <p:cNvPr id="3" name="Segnaposto contenuto 2">
             <a:extLst>
               <a:ext uri="{FF2B5EF4-FFF2-40B4-BE49-F238E27FC236}">
-                <a16:creationId xmlns:a16="http://schemas.microsoft.com/office/drawing/2014/main" id="{48A612DB-47B0-487B-BDA4-B7E23C6AAA8B}"/>
+                <a16:creationId xmlns:a16="http://schemas.microsoft.com/office/drawing/2014/main" xmlns="" id="{48A612DB-47B0-487B-BDA4-B7E23C6AAA8B}"/>
               </a:ext>
             </a:extLst>
           </p:cNvPr>
@@ -8537,7 +8544,7 @@
           <p:cNvPr id="2" name="Titolo 1">
             <a:extLst>
               <a:ext uri="{FF2B5EF4-FFF2-40B4-BE49-F238E27FC236}">
-                <a16:creationId xmlns:a16="http://schemas.microsoft.com/office/drawing/2014/main" id="{2C288C2F-F582-4AA0-BB9A-D52FBA984678}"/>
+                <a16:creationId xmlns:a16="http://schemas.microsoft.com/office/drawing/2014/main" xmlns="" id="{2C288C2F-F582-4AA0-BB9A-D52FBA984678}"/>
               </a:ext>
             </a:extLst>
           </p:cNvPr>
@@ -8566,7 +8573,7 @@
           <p:cNvPr id="3" name="Segnaposto contenuto 2">
             <a:extLst>
               <a:ext uri="{FF2B5EF4-FFF2-40B4-BE49-F238E27FC236}">
-                <a16:creationId xmlns:a16="http://schemas.microsoft.com/office/drawing/2014/main" id="{2B56AFB8-070C-4FB2-B4E6-E3A982A5D42C}"/>
+                <a16:creationId xmlns:a16="http://schemas.microsoft.com/office/drawing/2014/main" xmlns="" id="{2B56AFB8-070C-4FB2-B4E6-E3A982A5D42C}"/>
               </a:ext>
             </a:extLst>
           </p:cNvPr>
@@ -8646,7 +8653,7 @@
           <p:cNvPr id="2" name="Titolo 1">
             <a:extLst>
               <a:ext uri="{FF2B5EF4-FFF2-40B4-BE49-F238E27FC236}">
-                <a16:creationId xmlns:a16="http://schemas.microsoft.com/office/drawing/2014/main" id="{2676B041-2A6A-4F74-A4D6-BC4E3AFAA838}"/>
+                <a16:creationId xmlns:a16="http://schemas.microsoft.com/office/drawing/2014/main" xmlns="" id="{2676B041-2A6A-4F74-A4D6-BC4E3AFAA838}"/>
               </a:ext>
             </a:extLst>
           </p:cNvPr>
@@ -8664,8 +8671,12 @@
           <a:p>
             <a:pPr algn="ctr"/>
             <a:r>
+              <a:rPr lang="en-US" dirty="0" smtClean="0"/>
+              <a:t>1) Capturing </a:t>
+            </a:r>
+            <a:r>
               <a:rPr lang="en-US" dirty="0"/>
-              <a:t>Capturing the motor properties</a:t>
+              <a:t>the motor properties</a:t>
             </a:r>
           </a:p>
         </p:txBody>
@@ -8675,7 +8686,7 @@
           <p:cNvPr id="3" name="Segnaposto contenuto 2">
             <a:extLst>
               <a:ext uri="{FF2B5EF4-FFF2-40B4-BE49-F238E27FC236}">
-                <a16:creationId xmlns:a16="http://schemas.microsoft.com/office/drawing/2014/main" id="{F695A7F4-0B3B-4849-8BFB-3B238FC36196}"/>
+                <a16:creationId xmlns:a16="http://schemas.microsoft.com/office/drawing/2014/main" xmlns="" id="{F695A7F4-0B3B-4849-8BFB-3B238FC36196}"/>
               </a:ext>
             </a:extLst>
           </p:cNvPr>
@@ -8764,7 +8775,7 @@
           <p:cNvPr id="2" name="Titolo 1">
             <a:extLst>
               <a:ext uri="{FF2B5EF4-FFF2-40B4-BE49-F238E27FC236}">
-                <a16:creationId xmlns:a16="http://schemas.microsoft.com/office/drawing/2014/main" id="{4C596BDE-71A7-4227-91DB-D3FB52EF10BC}"/>
+                <a16:creationId xmlns:a16="http://schemas.microsoft.com/office/drawing/2014/main" xmlns="" id="{4C596BDE-71A7-4227-91DB-D3FB52EF10BC}"/>
               </a:ext>
             </a:extLst>
           </p:cNvPr>
@@ -8782,8 +8793,12 @@
           <a:p>
             <a:pPr algn="ctr"/>
             <a:r>
+              <a:rPr lang="en-US" dirty="0" smtClean="0"/>
+              <a:t>2) Detecting </a:t>
+            </a:r>
+            <a:r>
               <a:rPr lang="en-US" dirty="0"/>
-              <a:t>Detecting the motor faults </a:t>
+              <a:t>the motor faults </a:t>
             </a:r>
           </a:p>
         </p:txBody>
@@ -8793,7 +8808,7 @@
           <p:cNvPr id="3" name="Segnaposto contenuto 2">
             <a:extLst>
               <a:ext uri="{FF2B5EF4-FFF2-40B4-BE49-F238E27FC236}">
-                <a16:creationId xmlns:a16="http://schemas.microsoft.com/office/drawing/2014/main" id="{492A153C-DAEA-47F4-ABFB-2695F16B44D0}"/>
+                <a16:creationId xmlns:a16="http://schemas.microsoft.com/office/drawing/2014/main" xmlns="" id="{492A153C-DAEA-47F4-ABFB-2695F16B44D0}"/>
               </a:ext>
             </a:extLst>
           </p:cNvPr>
@@ -8876,7 +8891,7 @@
           <p:cNvPr id="2" name="Titolo 1">
             <a:extLst>
               <a:ext uri="{FF2B5EF4-FFF2-40B4-BE49-F238E27FC236}">
-                <a16:creationId xmlns:a16="http://schemas.microsoft.com/office/drawing/2014/main" id="{C23C66B3-735B-4F6B-A2FB-B7092A30F937}"/>
+                <a16:creationId xmlns:a16="http://schemas.microsoft.com/office/drawing/2014/main" xmlns="" id="{C23C66B3-735B-4F6B-A2FB-B7092A30F937}"/>
               </a:ext>
             </a:extLst>
           </p:cNvPr>
@@ -8899,8 +8914,12 @@
           <a:p>
             <a:pPr algn="ctr"/>
             <a:r>
+              <a:rPr lang="en-US" dirty="0" smtClean="0"/>
+              <a:t>3) Being </a:t>
+            </a:r>
+            <a:r>
               <a:rPr lang="en-US" dirty="0"/>
-              <a:t>Being energy efficient</a:t>
+              <a:t>energy efficient</a:t>
             </a:r>
           </a:p>
         </p:txBody>
@@ -8910,7 +8929,7 @@
           <p:cNvPr id="3" name="Segnaposto contenuto 2">
             <a:extLst>
               <a:ext uri="{FF2B5EF4-FFF2-40B4-BE49-F238E27FC236}">
-                <a16:creationId xmlns:a16="http://schemas.microsoft.com/office/drawing/2014/main" id="{00D9C055-F674-46CB-9AE1-6439BB0BB0CD}"/>
+                <a16:creationId xmlns:a16="http://schemas.microsoft.com/office/drawing/2014/main" xmlns="" id="{00D9C055-F674-46CB-9AE1-6439BB0BB0CD}"/>
               </a:ext>
             </a:extLst>
           </p:cNvPr>
@@ -9018,7 +9037,7 @@
           <p:cNvPr id="2" name="Titolo 1">
             <a:extLst>
               <a:ext uri="{FF2B5EF4-FFF2-40B4-BE49-F238E27FC236}">
-                <a16:creationId xmlns:a16="http://schemas.microsoft.com/office/drawing/2014/main" id="{0B22BC0E-73AF-4669-8BBD-9EC67D2695EE}"/>
+                <a16:creationId xmlns:a16="http://schemas.microsoft.com/office/drawing/2014/main" xmlns="" id="{0B22BC0E-73AF-4669-8BBD-9EC67D2695EE}"/>
               </a:ext>
             </a:extLst>
           </p:cNvPr>
@@ -9036,8 +9055,12 @@
           <a:p>
             <a:pPr algn="ctr"/>
             <a:r>
+              <a:rPr lang="en-US" dirty="0" smtClean="0"/>
+              <a:t>4) Being </a:t>
+            </a:r>
+            <a:r>
               <a:rPr lang="en-US" dirty="0"/>
-              <a:t>Being autonomous</a:t>
+              <a:t>autonomous</a:t>
             </a:r>
           </a:p>
         </p:txBody>
@@ -9047,7 +9070,7 @@
           <p:cNvPr id="3" name="Segnaposto contenuto 2">
             <a:extLst>
               <a:ext uri="{FF2B5EF4-FFF2-40B4-BE49-F238E27FC236}">
-                <a16:creationId xmlns:a16="http://schemas.microsoft.com/office/drawing/2014/main" id="{EE9629A9-6146-4F44-9EDF-5D86C3A2C39D}"/>
+                <a16:creationId xmlns:a16="http://schemas.microsoft.com/office/drawing/2014/main" xmlns="" id="{EE9629A9-6146-4F44-9EDF-5D86C3A2C39D}"/>
               </a:ext>
             </a:extLst>
           </p:cNvPr>

--- a/Pervasive_presentation_Milestone1_group8.pptx
+++ b/Pervasive_presentation_Milestone1_group8.pptx
@@ -6715,7 +6715,7 @@
         <p:spPr>
           <a:xfrm>
             <a:off x="9222790" y="4570339"/>
-            <a:ext cx="2348883" cy="1968053"/>
+            <a:ext cx="2656585" cy="1968053"/>
           </a:xfrm>
           <a:prstGeom prst="ellipse">
             <a:avLst/>

--- a/Pervasive_presentation_Milestone1_group8.pptx
+++ b/Pervasive_presentation_Milestone1_group8.pptx
@@ -895,13 +895,6 @@
         </dgm:presLayoutVars>
       </dgm:prSet>
       <dgm:spPr/>
-      <dgm:t>
-        <a:bodyPr/>
-        <a:lstStyle/>
-        <a:p>
-          <a:endParaRPr lang="it-IT"/>
-        </a:p>
-      </dgm:t>
     </dgm:pt>
   </dgm:ptLst>
   <dgm:cxnLst>
@@ -2420,7 +2413,7 @@
           <a:p>
             <a:fld id="{BB13FF18-858D-4A6C-8E7A-419597778596}" type="datetimeFigureOut">
               <a:rPr lang="it-IT" smtClean="0"/>
-              <a:t>21/11/17</a:t>
+              <a:t>21/11/2017</a:t>
             </a:fld>
             <a:endParaRPr lang="it-IT"/>
           </a:p>
@@ -2488,7 +2481,7 @@
           <a:p>
             <a:fld id="{7E1D34C2-AF2B-4EFB-A9DD-5508AE5A310B}" type="slidenum">
               <a:rPr lang="it-IT" smtClean="0"/>
-              <a:t>‹n.›</a:t>
+              <a:t>‹N›</a:t>
             </a:fld>
             <a:endParaRPr lang="it-IT"/>
           </a:p>
@@ -2750,7 +2743,7 @@
           <a:p>
             <a:fld id="{BB13FF18-858D-4A6C-8E7A-419597778596}" type="datetimeFigureOut">
               <a:rPr lang="it-IT" smtClean="0"/>
-              <a:t>21/11/17</a:t>
+              <a:t>21/11/2017</a:t>
             </a:fld>
             <a:endParaRPr lang="it-IT"/>
           </a:p>
@@ -2792,7 +2785,7 @@
           <a:p>
             <a:fld id="{7E1D34C2-AF2B-4EFB-A9DD-5508AE5A310B}" type="slidenum">
               <a:rPr lang="it-IT" smtClean="0"/>
-              <a:t>‹n.›</a:t>
+              <a:t>‹N›</a:t>
             </a:fld>
             <a:endParaRPr lang="it-IT"/>
           </a:p>
@@ -2930,7 +2923,7 @@
           <a:p>
             <a:fld id="{BB13FF18-858D-4A6C-8E7A-419597778596}" type="datetimeFigureOut">
               <a:rPr lang="it-IT" smtClean="0"/>
-              <a:t>21/11/17</a:t>
+              <a:t>21/11/2017</a:t>
             </a:fld>
             <a:endParaRPr lang="it-IT"/>
           </a:p>
@@ -2972,7 +2965,7 @@
           <a:p>
             <a:fld id="{7E1D34C2-AF2B-4EFB-A9DD-5508AE5A310B}" type="slidenum">
               <a:rPr lang="it-IT" smtClean="0"/>
-              <a:t>‹n.›</a:t>
+              <a:t>‹N›</a:t>
             </a:fld>
             <a:endParaRPr lang="it-IT"/>
           </a:p>
@@ -3100,7 +3093,7 @@
           <a:p>
             <a:fld id="{BB13FF18-858D-4A6C-8E7A-419597778596}" type="datetimeFigureOut">
               <a:rPr lang="it-IT" smtClean="0"/>
-              <a:t>21/11/17</a:t>
+              <a:t>21/11/2017</a:t>
             </a:fld>
             <a:endParaRPr lang="it-IT"/>
           </a:p>
@@ -3142,7 +3135,7 @@
           <a:p>
             <a:fld id="{7E1D34C2-AF2B-4EFB-A9DD-5508AE5A310B}" type="slidenum">
               <a:rPr lang="it-IT" smtClean="0"/>
-              <a:t>‹n.›</a:t>
+              <a:t>‹N›</a:t>
             </a:fld>
             <a:endParaRPr lang="it-IT"/>
           </a:p>
@@ -3377,7 +3370,7 @@
           <a:p>
             <a:fld id="{BB13FF18-858D-4A6C-8E7A-419597778596}" type="datetimeFigureOut">
               <a:rPr lang="it-IT" smtClean="0"/>
-              <a:t>21/11/17</a:t>
+              <a:t>21/11/2017</a:t>
             </a:fld>
             <a:endParaRPr lang="it-IT"/>
           </a:p>
@@ -3445,7 +3438,7 @@
           <a:p>
             <a:fld id="{7E1D34C2-AF2B-4EFB-A9DD-5508AE5A310B}" type="slidenum">
               <a:rPr lang="it-IT" smtClean="0"/>
-              <a:t>‹n.›</a:t>
+              <a:t>‹N›</a:t>
             </a:fld>
             <a:endParaRPr lang="it-IT"/>
           </a:p>
@@ -3771,7 +3764,7 @@
           <a:p>
             <a:fld id="{BB13FF18-858D-4A6C-8E7A-419597778596}" type="datetimeFigureOut">
               <a:rPr lang="it-IT" smtClean="0"/>
-              <a:t>21/11/17</a:t>
+              <a:t>21/11/2017</a:t>
             </a:fld>
             <a:endParaRPr lang="it-IT"/>
           </a:p>
@@ -3813,7 +3806,7 @@
           <a:p>
             <a:fld id="{7E1D34C2-AF2B-4EFB-A9DD-5508AE5A310B}" type="slidenum">
               <a:rPr lang="it-IT" smtClean="0"/>
-              <a:t>‹n.›</a:t>
+              <a:t>‹N›</a:t>
             </a:fld>
             <a:endParaRPr lang="it-IT"/>
           </a:p>
@@ -4248,7 +4241,7 @@
           <a:p>
             <a:fld id="{BB13FF18-858D-4A6C-8E7A-419597778596}" type="datetimeFigureOut">
               <a:rPr lang="it-IT" smtClean="0"/>
-              <a:t>21/11/17</a:t>
+              <a:t>21/11/2017</a:t>
             </a:fld>
             <a:endParaRPr lang="it-IT"/>
           </a:p>
@@ -4290,7 +4283,7 @@
           <a:p>
             <a:fld id="{7E1D34C2-AF2B-4EFB-A9DD-5508AE5A310B}" type="slidenum">
               <a:rPr lang="it-IT" smtClean="0"/>
-              <a:t>‹n.›</a:t>
+              <a:t>‹N›</a:t>
             </a:fld>
             <a:endParaRPr lang="it-IT"/>
           </a:p>
@@ -4366,7 +4359,7 @@
           <a:p>
             <a:fld id="{BB13FF18-858D-4A6C-8E7A-419597778596}" type="datetimeFigureOut">
               <a:rPr lang="it-IT" smtClean="0"/>
-              <a:t>21/11/17</a:t>
+              <a:t>21/11/2017</a:t>
             </a:fld>
             <a:endParaRPr lang="it-IT"/>
           </a:p>
@@ -4408,7 +4401,7 @@
           <a:p>
             <a:fld id="{7E1D34C2-AF2B-4EFB-A9DD-5508AE5A310B}" type="slidenum">
               <a:rPr lang="it-IT" smtClean="0"/>
-              <a:t>‹n.›</a:t>
+              <a:t>‹N›</a:t>
             </a:fld>
             <a:endParaRPr lang="it-IT"/>
           </a:p>
@@ -4461,7 +4454,7 @@
           <a:p>
             <a:fld id="{BB13FF18-858D-4A6C-8E7A-419597778596}" type="datetimeFigureOut">
               <a:rPr lang="it-IT" smtClean="0"/>
-              <a:t>21/11/17</a:t>
+              <a:t>21/11/2017</a:t>
             </a:fld>
             <a:endParaRPr lang="it-IT"/>
           </a:p>
@@ -4503,7 +4496,7 @@
           <a:p>
             <a:fld id="{7E1D34C2-AF2B-4EFB-A9DD-5508AE5A310B}" type="slidenum">
               <a:rPr lang="it-IT" smtClean="0"/>
-              <a:t>‹n.›</a:t>
+              <a:t>‹N›</a:t>
             </a:fld>
             <a:endParaRPr lang="it-IT"/>
           </a:p>
@@ -4807,7 +4800,7 @@
           <a:p>
             <a:fld id="{BB13FF18-858D-4A6C-8E7A-419597778596}" type="datetimeFigureOut">
               <a:rPr lang="it-IT" smtClean="0"/>
-              <a:t>21/11/17</a:t>
+              <a:t>21/11/2017</a:t>
             </a:fld>
             <a:endParaRPr lang="it-IT"/>
           </a:p>
@@ -4875,7 +4868,7 @@
           <a:p>
             <a:fld id="{7E1D34C2-AF2B-4EFB-A9DD-5508AE5A310B}" type="slidenum">
               <a:rPr lang="it-IT" smtClean="0"/>
-              <a:t>‹n.›</a:t>
+              <a:t>‹N›</a:t>
             </a:fld>
             <a:endParaRPr lang="it-IT"/>
           </a:p>
@@ -5195,7 +5188,7 @@
           <a:p>
             <a:fld id="{BB13FF18-858D-4A6C-8E7A-419597778596}" type="datetimeFigureOut">
               <a:rPr lang="it-IT" smtClean="0"/>
-              <a:t>21/11/17</a:t>
+              <a:t>21/11/2017</a:t>
             </a:fld>
             <a:endParaRPr lang="it-IT"/>
           </a:p>
@@ -5263,7 +5256,7 @@
           <a:p>
             <a:fld id="{7E1D34C2-AF2B-4EFB-A9DD-5508AE5A310B}" type="slidenum">
               <a:rPr lang="it-IT" smtClean="0"/>
-              <a:t>‹n.›</a:t>
+              <a:t>‹N›</a:t>
             </a:fld>
             <a:endParaRPr lang="it-IT"/>
           </a:p>
@@ -5473,7 +5466,7 @@
           <a:p>
             <a:fld id="{BB13FF18-858D-4A6C-8E7A-419597778596}" type="datetimeFigureOut">
               <a:rPr lang="it-IT" smtClean="0"/>
-              <a:t>21/11/17</a:t>
+              <a:t>21/11/2017</a:t>
             </a:fld>
             <a:endParaRPr lang="it-IT"/>
           </a:p>
@@ -5547,7 +5540,7 @@
           <a:p>
             <a:fld id="{7E1D34C2-AF2B-4EFB-A9DD-5508AE5A310B}" type="slidenum">
               <a:rPr lang="it-IT" smtClean="0"/>
-              <a:t>‹n.›</a:t>
+              <a:t>‹N›</a:t>
             </a:fld>
             <a:endParaRPr lang="it-IT"/>
           </a:p>
@@ -5990,7 +5983,7 @@
           <p:cNvPr id="2" name="Titolo 1">
             <a:extLst>
               <a:ext uri="{FF2B5EF4-FFF2-40B4-BE49-F238E27FC236}">
-                <a16:creationId xmlns:a16="http://schemas.microsoft.com/office/drawing/2014/main" xmlns="" id="{8B6438EF-7F5F-471D-B664-125D402C66D6}"/>
+                <a16:creationId xmlns:a16="http://schemas.microsoft.com/office/drawing/2014/main" id="{8B6438EF-7F5F-471D-B664-125D402C66D6}"/>
               </a:ext>
             </a:extLst>
           </p:cNvPr>
@@ -6026,7 +6019,7 @@
           <p:cNvPr id="3" name="Sottotitolo 2">
             <a:extLst>
               <a:ext uri="{FF2B5EF4-FFF2-40B4-BE49-F238E27FC236}">
-                <a16:creationId xmlns:a16="http://schemas.microsoft.com/office/drawing/2014/main" xmlns="" id="{301DCC95-D016-4D44-9E9E-E237D32D586B}"/>
+                <a16:creationId xmlns:a16="http://schemas.microsoft.com/office/drawing/2014/main" id="{301DCC95-D016-4D44-9E9E-E237D32D586B}"/>
               </a:ext>
             </a:extLst>
           </p:cNvPr>
@@ -6077,7 +6070,7 @@
           <p:cNvPr id="4" name="Sottotitolo 2">
             <a:extLst>
               <a:ext uri="{FF2B5EF4-FFF2-40B4-BE49-F238E27FC236}">
-                <a16:creationId xmlns:a16="http://schemas.microsoft.com/office/drawing/2014/main" xmlns="" id="{301DCC95-D016-4D44-9E9E-E237D32D586B}"/>
+                <a16:creationId xmlns:a16="http://schemas.microsoft.com/office/drawing/2014/main" id="{301DCC95-D016-4D44-9E9E-E237D32D586B}"/>
               </a:ext>
             </a:extLst>
           </p:cNvPr>
@@ -6306,7 +6299,7 @@
           <p:cNvPr id="2" name="Titolo 1">
             <a:extLst>
               <a:ext uri="{FF2B5EF4-FFF2-40B4-BE49-F238E27FC236}">
-                <a16:creationId xmlns:a16="http://schemas.microsoft.com/office/drawing/2014/main" xmlns="" id="{F909ECA4-8B8D-418A-9CFD-34617E8328BE}"/>
+                <a16:creationId xmlns:a16="http://schemas.microsoft.com/office/drawing/2014/main" id="{F909ECA4-8B8D-418A-9CFD-34617E8328BE}"/>
               </a:ext>
             </a:extLst>
           </p:cNvPr>
@@ -6340,7 +6333,7 @@
           <p:cNvPr id="4" name="Segnaposto contenuto 3">
             <a:extLst>
               <a:ext uri="{FF2B5EF4-FFF2-40B4-BE49-F238E27FC236}">
-                <a16:creationId xmlns:a16="http://schemas.microsoft.com/office/drawing/2014/main" xmlns="" id="{910F84E3-0115-4241-A6D0-BEA5F24E14DA}"/>
+                <a16:creationId xmlns:a16="http://schemas.microsoft.com/office/drawing/2014/main" id="{910F84E3-0115-4241-A6D0-BEA5F24E14DA}"/>
               </a:ext>
             </a:extLst>
           </p:cNvPr>
@@ -6371,7 +6364,7 @@
           <p:cNvPr id="6" name="Ovale 5">
             <a:extLst>
               <a:ext uri="{FF2B5EF4-FFF2-40B4-BE49-F238E27FC236}">
-                <a16:creationId xmlns:a16="http://schemas.microsoft.com/office/drawing/2014/main" xmlns="" id="{171F6307-4D37-429B-A1E1-FA6F8631803C}"/>
+                <a16:creationId xmlns:a16="http://schemas.microsoft.com/office/drawing/2014/main" id="{171F6307-4D37-429B-A1E1-FA6F8631803C}"/>
               </a:ext>
             </a:extLst>
           </p:cNvPr>
@@ -6420,7 +6413,7 @@
           <p:cNvPr id="7" name="Ovale 6">
             <a:extLst>
               <a:ext uri="{FF2B5EF4-FFF2-40B4-BE49-F238E27FC236}">
-                <a16:creationId xmlns:a16="http://schemas.microsoft.com/office/drawing/2014/main" xmlns="" id="{7D2481BC-556D-4A5B-8ACC-76105A174A3F}"/>
+                <a16:creationId xmlns:a16="http://schemas.microsoft.com/office/drawing/2014/main" id="{7D2481BC-556D-4A5B-8ACC-76105A174A3F}"/>
               </a:ext>
             </a:extLst>
           </p:cNvPr>
@@ -6469,7 +6462,7 @@
           <p:cNvPr id="8" name="Freccia a destra 7">
             <a:extLst>
               <a:ext uri="{FF2B5EF4-FFF2-40B4-BE49-F238E27FC236}">
-                <a16:creationId xmlns:a16="http://schemas.microsoft.com/office/drawing/2014/main" xmlns="" id="{D19DE539-9226-4A1E-8C13-A31CD290B866}"/>
+                <a16:creationId xmlns:a16="http://schemas.microsoft.com/office/drawing/2014/main" id="{D19DE539-9226-4A1E-8C13-A31CD290B866}"/>
               </a:ext>
             </a:extLst>
           </p:cNvPr>
@@ -6515,7 +6508,7 @@
           <p:cNvPr id="9" name="Freccia a destra 8">
             <a:extLst>
               <a:ext uri="{FF2B5EF4-FFF2-40B4-BE49-F238E27FC236}">
-                <a16:creationId xmlns:a16="http://schemas.microsoft.com/office/drawing/2014/main" xmlns="" id="{5F8B9189-57DA-4A67-B0C6-FC9673114617}"/>
+                <a16:creationId xmlns:a16="http://schemas.microsoft.com/office/drawing/2014/main" id="{5F8B9189-57DA-4A67-B0C6-FC9673114617}"/>
               </a:ext>
             </a:extLst>
           </p:cNvPr>
@@ -6561,7 +6554,7 @@
           <p:cNvPr id="10" name="Ovale 9">
             <a:extLst>
               <a:ext uri="{FF2B5EF4-FFF2-40B4-BE49-F238E27FC236}">
-                <a16:creationId xmlns:a16="http://schemas.microsoft.com/office/drawing/2014/main" xmlns="" id="{7D2481BC-556D-4A5B-8ACC-76105A174A3F}"/>
+                <a16:creationId xmlns:a16="http://schemas.microsoft.com/office/drawing/2014/main" id="{7D2481BC-556D-4A5B-8ACC-76105A174A3F}"/>
               </a:ext>
             </a:extLst>
           </p:cNvPr>
@@ -6610,7 +6603,7 @@
           <p:cNvPr id="11" name="Freccia a destra 8">
             <a:extLst>
               <a:ext uri="{FF2B5EF4-FFF2-40B4-BE49-F238E27FC236}">
-                <a16:creationId xmlns:a16="http://schemas.microsoft.com/office/drawing/2014/main" xmlns="" id="{5F8B9189-57DA-4A67-B0C6-FC9673114617}"/>
+                <a16:creationId xmlns:a16="http://schemas.microsoft.com/office/drawing/2014/main" id="{5F8B9189-57DA-4A67-B0C6-FC9673114617}"/>
               </a:ext>
             </a:extLst>
           </p:cNvPr>
@@ -6656,7 +6649,7 @@
           <p:cNvPr id="12" name="Ovale 11">
             <a:extLst>
               <a:ext uri="{FF2B5EF4-FFF2-40B4-BE49-F238E27FC236}">
-                <a16:creationId xmlns:a16="http://schemas.microsoft.com/office/drawing/2014/main" xmlns="" id="{97F98DAA-EA42-4761-A9AF-A45201F7F4B0}"/>
+                <a16:creationId xmlns:a16="http://schemas.microsoft.com/office/drawing/2014/main" id="{97F98DAA-EA42-4761-A9AF-A45201F7F4B0}"/>
               </a:ext>
             </a:extLst>
           </p:cNvPr>
@@ -6705,7 +6698,7 @@
           <p:cNvPr id="13" name="Ovale 12">
             <a:extLst>
               <a:ext uri="{FF2B5EF4-FFF2-40B4-BE49-F238E27FC236}">
-                <a16:creationId xmlns:a16="http://schemas.microsoft.com/office/drawing/2014/main" xmlns="" id="{8DF7BDAB-26EF-415F-9DF6-96C1D46D94FE}"/>
+                <a16:creationId xmlns:a16="http://schemas.microsoft.com/office/drawing/2014/main" id="{8DF7BDAB-26EF-415F-9DF6-96C1D46D94FE}"/>
               </a:ext>
             </a:extLst>
           </p:cNvPr>
@@ -6754,7 +6747,7 @@
           <p:cNvPr id="14" name="Ovale 13">
             <a:extLst>
               <a:ext uri="{FF2B5EF4-FFF2-40B4-BE49-F238E27FC236}">
-                <a16:creationId xmlns:a16="http://schemas.microsoft.com/office/drawing/2014/main" xmlns="" id="{2A1199B0-C766-4FBD-90BD-F288E4A34CA2}"/>
+                <a16:creationId xmlns:a16="http://schemas.microsoft.com/office/drawing/2014/main" id="{2A1199B0-C766-4FBD-90BD-F288E4A34CA2}"/>
               </a:ext>
             </a:extLst>
           </p:cNvPr>
@@ -6803,7 +6796,7 @@
           <p:cNvPr id="15" name="Freccia a destra 14">
             <a:extLst>
               <a:ext uri="{FF2B5EF4-FFF2-40B4-BE49-F238E27FC236}">
-                <a16:creationId xmlns:a16="http://schemas.microsoft.com/office/drawing/2014/main" xmlns="" id="{7BE2A9EA-56FF-41CA-AE39-456EE8441BB2}"/>
+                <a16:creationId xmlns:a16="http://schemas.microsoft.com/office/drawing/2014/main" id="{7BE2A9EA-56FF-41CA-AE39-456EE8441BB2}"/>
               </a:ext>
             </a:extLst>
           </p:cNvPr>
@@ -6849,7 +6842,7 @@
           <p:cNvPr id="16" name="Freccia a destra 15">
             <a:extLst>
               <a:ext uri="{FF2B5EF4-FFF2-40B4-BE49-F238E27FC236}">
-                <a16:creationId xmlns:a16="http://schemas.microsoft.com/office/drawing/2014/main" xmlns="" id="{ECAB3A44-0FC5-4B16-A0E4-0A3A42450DC4}"/>
+                <a16:creationId xmlns:a16="http://schemas.microsoft.com/office/drawing/2014/main" id="{ECAB3A44-0FC5-4B16-A0E4-0A3A42450DC4}"/>
               </a:ext>
             </a:extLst>
           </p:cNvPr>
@@ -6895,7 +6888,7 @@
           <p:cNvPr id="17" name="Freccia a destra 16">
             <a:extLst>
               <a:ext uri="{FF2B5EF4-FFF2-40B4-BE49-F238E27FC236}">
-                <a16:creationId xmlns:a16="http://schemas.microsoft.com/office/drawing/2014/main" xmlns="" id="{96A675D2-8B42-40A2-B78A-F098FCF6136D}"/>
+                <a16:creationId xmlns:a16="http://schemas.microsoft.com/office/drawing/2014/main" id="{96A675D2-8B42-40A2-B78A-F098FCF6136D}"/>
               </a:ext>
             </a:extLst>
           </p:cNvPr>
@@ -6971,7 +6964,7 @@
           <p:cNvPr id="2" name="Titolo 1">
             <a:extLst>
               <a:ext uri="{FF2B5EF4-FFF2-40B4-BE49-F238E27FC236}">
-                <a16:creationId xmlns:a16="http://schemas.microsoft.com/office/drawing/2014/main" xmlns="" id="{45712661-CEEF-4141-B375-C208E5A3AE38}"/>
+                <a16:creationId xmlns:a16="http://schemas.microsoft.com/office/drawing/2014/main" id="{45712661-CEEF-4141-B375-C208E5A3AE38}"/>
               </a:ext>
             </a:extLst>
           </p:cNvPr>
@@ -7005,7 +6998,7 @@
           <p:cNvPr id="4" name="Ovale 3">
             <a:extLst>
               <a:ext uri="{FF2B5EF4-FFF2-40B4-BE49-F238E27FC236}">
-                <a16:creationId xmlns:a16="http://schemas.microsoft.com/office/drawing/2014/main" xmlns="" id="{13C276B8-43E8-4340-8744-F95FE45FF93D}"/>
+                <a16:creationId xmlns:a16="http://schemas.microsoft.com/office/drawing/2014/main" id="{13C276B8-43E8-4340-8744-F95FE45FF93D}"/>
               </a:ext>
             </a:extLst>
           </p:cNvPr>
@@ -7054,7 +7047,7 @@
           <p:cNvPr id="6" name="Ovale 5">
             <a:extLst>
               <a:ext uri="{FF2B5EF4-FFF2-40B4-BE49-F238E27FC236}">
-                <a16:creationId xmlns:a16="http://schemas.microsoft.com/office/drawing/2014/main" xmlns="" id="{E4807840-D773-4EF0-81F6-035CAAF531A6}"/>
+                <a16:creationId xmlns:a16="http://schemas.microsoft.com/office/drawing/2014/main" id="{E4807840-D773-4EF0-81F6-035CAAF531A6}"/>
               </a:ext>
             </a:extLst>
           </p:cNvPr>
@@ -7103,7 +7096,7 @@
           <p:cNvPr id="7" name="Rettangolo 6">
             <a:extLst>
               <a:ext uri="{FF2B5EF4-FFF2-40B4-BE49-F238E27FC236}">
-                <a16:creationId xmlns:a16="http://schemas.microsoft.com/office/drawing/2014/main" xmlns="" id="{6D35485D-A7D8-446F-9516-34B0F2153AAD}"/>
+                <a16:creationId xmlns:a16="http://schemas.microsoft.com/office/drawing/2014/main" id="{6D35485D-A7D8-446F-9516-34B0F2153AAD}"/>
               </a:ext>
             </a:extLst>
           </p:cNvPr>
@@ -7160,7 +7153,7 @@
           <p:cNvPr id="8" name="Rettangolo 7">
             <a:extLst>
               <a:ext uri="{FF2B5EF4-FFF2-40B4-BE49-F238E27FC236}">
-                <a16:creationId xmlns:a16="http://schemas.microsoft.com/office/drawing/2014/main" xmlns="" id="{94D24397-A14D-4CE5-AA12-5DCF9FD69775}"/>
+                <a16:creationId xmlns:a16="http://schemas.microsoft.com/office/drawing/2014/main" id="{94D24397-A14D-4CE5-AA12-5DCF9FD69775}"/>
               </a:ext>
             </a:extLst>
           </p:cNvPr>
@@ -7213,7 +7206,7 @@
           <p:cNvPr id="9" name="Ovale 8">
             <a:extLst>
               <a:ext uri="{FF2B5EF4-FFF2-40B4-BE49-F238E27FC236}">
-                <a16:creationId xmlns:a16="http://schemas.microsoft.com/office/drawing/2014/main" xmlns="" id="{12ACE63D-A386-4EFC-9D85-AA066F3FBDDB}"/>
+                <a16:creationId xmlns:a16="http://schemas.microsoft.com/office/drawing/2014/main" id="{12ACE63D-A386-4EFC-9D85-AA066F3FBDDB}"/>
               </a:ext>
             </a:extLst>
           </p:cNvPr>
@@ -7262,7 +7255,7 @@
           <p:cNvPr id="11" name="Connettore 2 10">
             <a:extLst>
               <a:ext uri="{FF2B5EF4-FFF2-40B4-BE49-F238E27FC236}">
-                <a16:creationId xmlns:a16="http://schemas.microsoft.com/office/drawing/2014/main" xmlns="" id="{440C4455-4284-4D52-8BE3-BC4D1B1848CC}"/>
+                <a16:creationId xmlns:a16="http://schemas.microsoft.com/office/drawing/2014/main" id="{440C4455-4284-4D52-8BE3-BC4D1B1848CC}"/>
               </a:ext>
             </a:extLst>
           </p:cNvPr>
@@ -7301,7 +7294,7 @@
           <p:cNvPr id="13" name="Connettore 2 12">
             <a:extLst>
               <a:ext uri="{FF2B5EF4-FFF2-40B4-BE49-F238E27FC236}">
-                <a16:creationId xmlns:a16="http://schemas.microsoft.com/office/drawing/2014/main" xmlns="" id="{68074315-0C0E-4469-8B8D-6B7666EF1AC6}"/>
+                <a16:creationId xmlns:a16="http://schemas.microsoft.com/office/drawing/2014/main" id="{68074315-0C0E-4469-8B8D-6B7666EF1AC6}"/>
               </a:ext>
             </a:extLst>
           </p:cNvPr>
@@ -7342,7 +7335,7 @@
           <p:cNvPr id="14" name="Rettangolo 13">
             <a:extLst>
               <a:ext uri="{FF2B5EF4-FFF2-40B4-BE49-F238E27FC236}">
-                <a16:creationId xmlns:a16="http://schemas.microsoft.com/office/drawing/2014/main" xmlns="" id="{1379C35D-B17B-4EE6-9023-ABF63EC2EC44}"/>
+                <a16:creationId xmlns:a16="http://schemas.microsoft.com/office/drawing/2014/main" id="{1379C35D-B17B-4EE6-9023-ABF63EC2EC44}"/>
               </a:ext>
             </a:extLst>
           </p:cNvPr>
@@ -7391,7 +7384,7 @@
           <p:cNvPr id="15" name="Rettangolo 14">
             <a:extLst>
               <a:ext uri="{FF2B5EF4-FFF2-40B4-BE49-F238E27FC236}">
-                <a16:creationId xmlns:a16="http://schemas.microsoft.com/office/drawing/2014/main" xmlns="" id="{8A16D978-EDCD-49E5-8288-3D3EEFE768F9}"/>
+                <a16:creationId xmlns:a16="http://schemas.microsoft.com/office/drawing/2014/main" id="{8A16D978-EDCD-49E5-8288-3D3EEFE768F9}"/>
               </a:ext>
             </a:extLst>
           </p:cNvPr>
@@ -7440,7 +7433,7 @@
           <p:cNvPr id="16" name="Rettangolo 15">
             <a:extLst>
               <a:ext uri="{FF2B5EF4-FFF2-40B4-BE49-F238E27FC236}">
-                <a16:creationId xmlns:a16="http://schemas.microsoft.com/office/drawing/2014/main" xmlns="" id="{B13F8C6A-714D-4C39-945A-7EDD7171A29F}"/>
+                <a16:creationId xmlns:a16="http://schemas.microsoft.com/office/drawing/2014/main" id="{B13F8C6A-714D-4C39-945A-7EDD7171A29F}"/>
               </a:ext>
             </a:extLst>
           </p:cNvPr>
@@ -7489,7 +7482,7 @@
           <p:cNvPr id="18" name="Connettore 2 17">
             <a:extLst>
               <a:ext uri="{FF2B5EF4-FFF2-40B4-BE49-F238E27FC236}">
-                <a16:creationId xmlns:a16="http://schemas.microsoft.com/office/drawing/2014/main" xmlns="" id="{D5F8DBB7-E458-4AAC-84CC-31D0AECFF54B}"/>
+                <a16:creationId xmlns:a16="http://schemas.microsoft.com/office/drawing/2014/main" id="{D5F8DBB7-E458-4AAC-84CC-31D0AECFF54B}"/>
               </a:ext>
             </a:extLst>
           </p:cNvPr>
@@ -7530,7 +7523,7 @@
           <p:cNvPr id="19" name="Rettangolo 18">
             <a:extLst>
               <a:ext uri="{FF2B5EF4-FFF2-40B4-BE49-F238E27FC236}">
-                <a16:creationId xmlns:a16="http://schemas.microsoft.com/office/drawing/2014/main" xmlns="" id="{334FE174-982F-4ED4-9D92-C71CA1E4B8B1}"/>
+                <a16:creationId xmlns:a16="http://schemas.microsoft.com/office/drawing/2014/main" id="{334FE174-982F-4ED4-9D92-C71CA1E4B8B1}"/>
               </a:ext>
             </a:extLst>
           </p:cNvPr>
@@ -7587,7 +7580,7 @@
           <p:cNvPr id="21" name="Connettore 2 20">
             <a:extLst>
               <a:ext uri="{FF2B5EF4-FFF2-40B4-BE49-F238E27FC236}">
-                <a16:creationId xmlns:a16="http://schemas.microsoft.com/office/drawing/2014/main" xmlns="" id="{8B75EB12-AC70-40A5-88C9-D50EB9019AB6}"/>
+                <a16:creationId xmlns:a16="http://schemas.microsoft.com/office/drawing/2014/main" id="{8B75EB12-AC70-40A5-88C9-D50EB9019AB6}"/>
               </a:ext>
             </a:extLst>
           </p:cNvPr>
@@ -7626,7 +7619,7 @@
           <p:cNvPr id="22" name="Rettangolo 21">
             <a:extLst>
               <a:ext uri="{FF2B5EF4-FFF2-40B4-BE49-F238E27FC236}">
-                <a16:creationId xmlns:a16="http://schemas.microsoft.com/office/drawing/2014/main" xmlns="" id="{9F0F17B7-11AA-4CC4-9D3A-3A5C370AECF8}"/>
+                <a16:creationId xmlns:a16="http://schemas.microsoft.com/office/drawing/2014/main" id="{9F0F17B7-11AA-4CC4-9D3A-3A5C370AECF8}"/>
               </a:ext>
             </a:extLst>
           </p:cNvPr>
@@ -7675,7 +7668,7 @@
           <p:cNvPr id="23" name="Rettangolo 22">
             <a:extLst>
               <a:ext uri="{FF2B5EF4-FFF2-40B4-BE49-F238E27FC236}">
-                <a16:creationId xmlns:a16="http://schemas.microsoft.com/office/drawing/2014/main" xmlns="" id="{B3B925E8-3744-490D-89D7-4D9EC7439BC3}"/>
+                <a16:creationId xmlns:a16="http://schemas.microsoft.com/office/drawing/2014/main" id="{B3B925E8-3744-490D-89D7-4D9EC7439BC3}"/>
               </a:ext>
             </a:extLst>
           </p:cNvPr>
@@ -7724,7 +7717,7 @@
           <p:cNvPr id="25" name="Connettore 2 24">
             <a:extLst>
               <a:ext uri="{FF2B5EF4-FFF2-40B4-BE49-F238E27FC236}">
-                <a16:creationId xmlns:a16="http://schemas.microsoft.com/office/drawing/2014/main" xmlns="" id="{C339E8FC-A4F8-47EF-8AFE-A3176D2E6038}"/>
+                <a16:creationId xmlns:a16="http://schemas.microsoft.com/office/drawing/2014/main" id="{C339E8FC-A4F8-47EF-8AFE-A3176D2E6038}"/>
               </a:ext>
             </a:extLst>
           </p:cNvPr>
@@ -7765,7 +7758,7 @@
           <p:cNvPr id="29" name="Connettore 2 28">
             <a:extLst>
               <a:ext uri="{FF2B5EF4-FFF2-40B4-BE49-F238E27FC236}">
-                <a16:creationId xmlns:a16="http://schemas.microsoft.com/office/drawing/2014/main" xmlns="" id="{90F0795E-36D3-43A1-B13B-63E5B1D47E95}"/>
+                <a16:creationId xmlns:a16="http://schemas.microsoft.com/office/drawing/2014/main" id="{90F0795E-36D3-43A1-B13B-63E5B1D47E95}"/>
               </a:ext>
             </a:extLst>
           </p:cNvPr>
@@ -7806,7 +7799,7 @@
           <p:cNvPr id="31" name="Connettore 2 30">
             <a:extLst>
               <a:ext uri="{FF2B5EF4-FFF2-40B4-BE49-F238E27FC236}">
-                <a16:creationId xmlns:a16="http://schemas.microsoft.com/office/drawing/2014/main" xmlns="" id="{6DA1AE05-AF90-4507-9254-3B71915560ED}"/>
+                <a16:creationId xmlns:a16="http://schemas.microsoft.com/office/drawing/2014/main" id="{6DA1AE05-AF90-4507-9254-3B71915560ED}"/>
               </a:ext>
             </a:extLst>
           </p:cNvPr>
@@ -7847,7 +7840,7 @@
           <p:cNvPr id="33" name="Connettore 2 32">
             <a:extLst>
               <a:ext uri="{FF2B5EF4-FFF2-40B4-BE49-F238E27FC236}">
-                <a16:creationId xmlns:a16="http://schemas.microsoft.com/office/drawing/2014/main" xmlns="" id="{D0B88EAD-3C42-4A64-AC72-2E97760FEB40}"/>
+                <a16:creationId xmlns:a16="http://schemas.microsoft.com/office/drawing/2014/main" id="{D0B88EAD-3C42-4A64-AC72-2E97760FEB40}"/>
               </a:ext>
             </a:extLst>
           </p:cNvPr>
@@ -7888,7 +7881,7 @@
           <p:cNvPr id="37" name="Rettangolo 36">
             <a:extLst>
               <a:ext uri="{FF2B5EF4-FFF2-40B4-BE49-F238E27FC236}">
-                <a16:creationId xmlns:a16="http://schemas.microsoft.com/office/drawing/2014/main" xmlns="" id="{83D45CFB-09D1-4F83-BCAE-403F9273047D}"/>
+                <a16:creationId xmlns:a16="http://schemas.microsoft.com/office/drawing/2014/main" id="{83D45CFB-09D1-4F83-BCAE-403F9273047D}"/>
               </a:ext>
             </a:extLst>
           </p:cNvPr>
@@ -7935,7 +7928,7 @@
           <p:cNvPr id="38" name="Rettangolo 37">
             <a:extLst>
               <a:ext uri="{FF2B5EF4-FFF2-40B4-BE49-F238E27FC236}">
-                <a16:creationId xmlns:a16="http://schemas.microsoft.com/office/drawing/2014/main" xmlns="" id="{6EC113B4-8151-47BB-AC1F-02204162E0B8}"/>
+                <a16:creationId xmlns:a16="http://schemas.microsoft.com/office/drawing/2014/main" id="{6EC113B4-8151-47BB-AC1F-02204162E0B8}"/>
               </a:ext>
             </a:extLst>
           </p:cNvPr>
@@ -7982,7 +7975,7 @@
           <p:cNvPr id="40" name="CasellaDiTesto 39">
             <a:extLst>
               <a:ext uri="{FF2B5EF4-FFF2-40B4-BE49-F238E27FC236}">
-                <a16:creationId xmlns:a16="http://schemas.microsoft.com/office/drawing/2014/main" xmlns="" id="{FAF980E9-EC9A-4239-AFE3-9E18CAB8598E}"/>
+                <a16:creationId xmlns:a16="http://schemas.microsoft.com/office/drawing/2014/main" id="{FAF980E9-EC9A-4239-AFE3-9E18CAB8598E}"/>
               </a:ext>
             </a:extLst>
           </p:cNvPr>
@@ -8017,7 +8010,7 @@
           <p:cNvPr id="41" name="CasellaDiTesto 40">
             <a:extLst>
               <a:ext uri="{FF2B5EF4-FFF2-40B4-BE49-F238E27FC236}">
-                <a16:creationId xmlns:a16="http://schemas.microsoft.com/office/drawing/2014/main" xmlns="" id="{92880B6D-254B-4532-9AD2-C73C1872D687}"/>
+                <a16:creationId xmlns:a16="http://schemas.microsoft.com/office/drawing/2014/main" id="{92880B6D-254B-4532-9AD2-C73C1872D687}"/>
               </a:ext>
             </a:extLst>
           </p:cNvPr>
@@ -8082,7 +8075,7 @@
           <p:cNvPr id="2" name="Titolo 1">
             <a:extLst>
               <a:ext uri="{FF2B5EF4-FFF2-40B4-BE49-F238E27FC236}">
-                <a16:creationId xmlns:a16="http://schemas.microsoft.com/office/drawing/2014/main" xmlns="" id="{D61C8094-B88B-4C50-ACE7-27284EDD555F}"/>
+                <a16:creationId xmlns:a16="http://schemas.microsoft.com/office/drawing/2014/main" id="{D61C8094-B88B-4C50-ACE7-27284EDD555F}"/>
               </a:ext>
             </a:extLst>
           </p:cNvPr>
@@ -8111,7 +8104,7 @@
           <p:cNvPr id="3" name="Segnaposto contenuto 2">
             <a:extLst>
               <a:ext uri="{FF2B5EF4-FFF2-40B4-BE49-F238E27FC236}">
-                <a16:creationId xmlns:a16="http://schemas.microsoft.com/office/drawing/2014/main" xmlns="" id="{AC0233A3-0F40-471F-B7AF-7E65F1732F84}"/>
+                <a16:creationId xmlns:a16="http://schemas.microsoft.com/office/drawing/2014/main" id="{AC0233A3-0F40-471F-B7AF-7E65F1732F84}"/>
               </a:ext>
             </a:extLst>
           </p:cNvPr>
@@ -8150,7 +8143,7 @@
           <p:cNvPr id="5" name="Immagine 4">
             <a:extLst>
               <a:ext uri="{FF2B5EF4-FFF2-40B4-BE49-F238E27FC236}">
-                <a16:creationId xmlns:a16="http://schemas.microsoft.com/office/drawing/2014/main" xmlns="" id="{1AB6DA0F-96AE-425A-98C4-52BF326112D1}"/>
+                <a16:creationId xmlns:a16="http://schemas.microsoft.com/office/drawing/2014/main" id="{1AB6DA0F-96AE-425A-98C4-52BF326112D1}"/>
               </a:ext>
             </a:extLst>
           </p:cNvPr>
@@ -8191,7 +8184,7 @@
           <p:cNvPr id="7" name="Immagine 6">
             <a:extLst>
               <a:ext uri="{FF2B5EF4-FFF2-40B4-BE49-F238E27FC236}">
-                <a16:creationId xmlns:a16="http://schemas.microsoft.com/office/drawing/2014/main" xmlns="" id="{18C5300A-E1F4-4788-8E5E-52907A11B2A7}"/>
+                <a16:creationId xmlns:a16="http://schemas.microsoft.com/office/drawing/2014/main" id="{18C5300A-E1F4-4788-8E5E-52907A11B2A7}"/>
               </a:ext>
             </a:extLst>
           </p:cNvPr>
@@ -8443,7 +8436,7 @@
           <p:cNvPr id="2" name="Titolo 1">
             <a:extLst>
               <a:ext uri="{FF2B5EF4-FFF2-40B4-BE49-F238E27FC236}">
-                <a16:creationId xmlns:a16="http://schemas.microsoft.com/office/drawing/2014/main" xmlns="" id="{B99125FD-4CDD-4D2C-805E-13F02D9A18D8}"/>
+                <a16:creationId xmlns:a16="http://schemas.microsoft.com/office/drawing/2014/main" id="{B99125FD-4CDD-4D2C-805E-13F02D9A18D8}"/>
               </a:ext>
             </a:extLst>
           </p:cNvPr>
@@ -8472,7 +8465,7 @@
           <p:cNvPr id="3" name="Segnaposto contenuto 2">
             <a:extLst>
               <a:ext uri="{FF2B5EF4-FFF2-40B4-BE49-F238E27FC236}">
-                <a16:creationId xmlns:a16="http://schemas.microsoft.com/office/drawing/2014/main" xmlns="" id="{48A612DB-47B0-487B-BDA4-B7E23C6AAA8B}"/>
+                <a16:creationId xmlns:a16="http://schemas.microsoft.com/office/drawing/2014/main" id="{48A612DB-47B0-487B-BDA4-B7E23C6AAA8B}"/>
               </a:ext>
             </a:extLst>
           </p:cNvPr>
@@ -8544,7 +8537,7 @@
           <p:cNvPr id="2" name="Titolo 1">
             <a:extLst>
               <a:ext uri="{FF2B5EF4-FFF2-40B4-BE49-F238E27FC236}">
-                <a16:creationId xmlns:a16="http://schemas.microsoft.com/office/drawing/2014/main" xmlns="" id="{2C288C2F-F582-4AA0-BB9A-D52FBA984678}"/>
+                <a16:creationId xmlns:a16="http://schemas.microsoft.com/office/drawing/2014/main" id="{2C288C2F-F582-4AA0-BB9A-D52FBA984678}"/>
               </a:ext>
             </a:extLst>
           </p:cNvPr>
@@ -8573,7 +8566,7 @@
           <p:cNvPr id="3" name="Segnaposto contenuto 2">
             <a:extLst>
               <a:ext uri="{FF2B5EF4-FFF2-40B4-BE49-F238E27FC236}">
-                <a16:creationId xmlns:a16="http://schemas.microsoft.com/office/drawing/2014/main" xmlns="" id="{2B56AFB8-070C-4FB2-B4E6-E3A982A5D42C}"/>
+                <a16:creationId xmlns:a16="http://schemas.microsoft.com/office/drawing/2014/main" id="{2B56AFB8-070C-4FB2-B4E6-E3A982A5D42C}"/>
               </a:ext>
             </a:extLst>
           </p:cNvPr>
@@ -8613,7 +8606,7 @@
             </a:pPr>
             <a:r>
               <a:rPr lang="en-US" dirty="0"/>
-              <a:t>be adaptable to different motors autonomously</a:t>
+              <a:t>be adaptable to different motors and environments autonomously</a:t>
             </a:r>
           </a:p>
         </p:txBody>
@@ -8653,7 +8646,7 @@
           <p:cNvPr id="2" name="Titolo 1">
             <a:extLst>
               <a:ext uri="{FF2B5EF4-FFF2-40B4-BE49-F238E27FC236}">
-                <a16:creationId xmlns:a16="http://schemas.microsoft.com/office/drawing/2014/main" xmlns="" id="{2676B041-2A6A-4F74-A4D6-BC4E3AFAA838}"/>
+                <a16:creationId xmlns:a16="http://schemas.microsoft.com/office/drawing/2014/main" id="{2676B041-2A6A-4F74-A4D6-BC4E3AFAA838}"/>
               </a:ext>
             </a:extLst>
           </p:cNvPr>
@@ -8671,12 +8664,8 @@
           <a:p>
             <a:pPr algn="ctr"/>
             <a:r>
-              <a:rPr lang="en-US" dirty="0" smtClean="0"/>
-              <a:t>1) Capturing </a:t>
-            </a:r>
-            <a:r>
               <a:rPr lang="en-US" dirty="0"/>
-              <a:t>the motor properties</a:t>
+              <a:t>1) Capturing the motor properties</a:t>
             </a:r>
           </a:p>
         </p:txBody>
@@ -8686,7 +8675,7 @@
           <p:cNvPr id="3" name="Segnaposto contenuto 2">
             <a:extLst>
               <a:ext uri="{FF2B5EF4-FFF2-40B4-BE49-F238E27FC236}">
-                <a16:creationId xmlns:a16="http://schemas.microsoft.com/office/drawing/2014/main" xmlns="" id="{F695A7F4-0B3B-4849-8BFB-3B238FC36196}"/>
+                <a16:creationId xmlns:a16="http://schemas.microsoft.com/office/drawing/2014/main" id="{F695A7F4-0B3B-4849-8BFB-3B238FC36196}"/>
               </a:ext>
             </a:extLst>
           </p:cNvPr>
@@ -8775,7 +8764,7 @@
           <p:cNvPr id="2" name="Titolo 1">
             <a:extLst>
               <a:ext uri="{FF2B5EF4-FFF2-40B4-BE49-F238E27FC236}">
-                <a16:creationId xmlns:a16="http://schemas.microsoft.com/office/drawing/2014/main" xmlns="" id="{4C596BDE-71A7-4227-91DB-D3FB52EF10BC}"/>
+                <a16:creationId xmlns:a16="http://schemas.microsoft.com/office/drawing/2014/main" id="{4C596BDE-71A7-4227-91DB-D3FB52EF10BC}"/>
               </a:ext>
             </a:extLst>
           </p:cNvPr>
@@ -8793,12 +8782,8 @@
           <a:p>
             <a:pPr algn="ctr"/>
             <a:r>
-              <a:rPr lang="en-US" dirty="0" smtClean="0"/>
-              <a:t>2) Detecting </a:t>
-            </a:r>
-            <a:r>
               <a:rPr lang="en-US" dirty="0"/>
-              <a:t>the motor faults </a:t>
+              <a:t>2) Detecting the motor faults </a:t>
             </a:r>
           </a:p>
         </p:txBody>
@@ -8808,7 +8793,7 @@
           <p:cNvPr id="3" name="Segnaposto contenuto 2">
             <a:extLst>
               <a:ext uri="{FF2B5EF4-FFF2-40B4-BE49-F238E27FC236}">
-                <a16:creationId xmlns:a16="http://schemas.microsoft.com/office/drawing/2014/main" xmlns="" id="{492A153C-DAEA-47F4-ABFB-2695F16B44D0}"/>
+                <a16:creationId xmlns:a16="http://schemas.microsoft.com/office/drawing/2014/main" id="{492A153C-DAEA-47F4-ABFB-2695F16B44D0}"/>
               </a:ext>
             </a:extLst>
           </p:cNvPr>
@@ -8891,7 +8876,7 @@
           <p:cNvPr id="2" name="Titolo 1">
             <a:extLst>
               <a:ext uri="{FF2B5EF4-FFF2-40B4-BE49-F238E27FC236}">
-                <a16:creationId xmlns:a16="http://schemas.microsoft.com/office/drawing/2014/main" xmlns="" id="{C23C66B3-735B-4F6B-A2FB-B7092A30F937}"/>
+                <a16:creationId xmlns:a16="http://schemas.microsoft.com/office/drawing/2014/main" id="{C23C66B3-735B-4F6B-A2FB-B7092A30F937}"/>
               </a:ext>
             </a:extLst>
           </p:cNvPr>
@@ -8914,12 +8899,8 @@
           <a:p>
             <a:pPr algn="ctr"/>
             <a:r>
-              <a:rPr lang="en-US" dirty="0" smtClean="0"/>
-              <a:t>3) Being </a:t>
-            </a:r>
-            <a:r>
               <a:rPr lang="en-US" dirty="0"/>
-              <a:t>energy efficient</a:t>
+              <a:t>3) Being energy efficient</a:t>
             </a:r>
           </a:p>
         </p:txBody>
@@ -8929,7 +8910,7 @@
           <p:cNvPr id="3" name="Segnaposto contenuto 2">
             <a:extLst>
               <a:ext uri="{FF2B5EF4-FFF2-40B4-BE49-F238E27FC236}">
-                <a16:creationId xmlns:a16="http://schemas.microsoft.com/office/drawing/2014/main" xmlns="" id="{00D9C055-F674-46CB-9AE1-6439BB0BB0CD}"/>
+                <a16:creationId xmlns:a16="http://schemas.microsoft.com/office/drawing/2014/main" id="{00D9C055-F674-46CB-9AE1-6439BB0BB0CD}"/>
               </a:ext>
             </a:extLst>
           </p:cNvPr>
@@ -9037,7 +9018,7 @@
           <p:cNvPr id="2" name="Titolo 1">
             <a:extLst>
               <a:ext uri="{FF2B5EF4-FFF2-40B4-BE49-F238E27FC236}">
-                <a16:creationId xmlns:a16="http://schemas.microsoft.com/office/drawing/2014/main" xmlns="" id="{0B22BC0E-73AF-4669-8BBD-9EC67D2695EE}"/>
+                <a16:creationId xmlns:a16="http://schemas.microsoft.com/office/drawing/2014/main" id="{0B22BC0E-73AF-4669-8BBD-9EC67D2695EE}"/>
               </a:ext>
             </a:extLst>
           </p:cNvPr>
@@ -9055,12 +9036,8 @@
           <a:p>
             <a:pPr algn="ctr"/>
             <a:r>
-              <a:rPr lang="en-US" dirty="0" smtClean="0"/>
-              <a:t>4) Being </a:t>
-            </a:r>
-            <a:r>
               <a:rPr lang="en-US" dirty="0"/>
-              <a:t>autonomous</a:t>
+              <a:t>4) Being autonomous</a:t>
             </a:r>
           </a:p>
         </p:txBody>
@@ -9070,7 +9047,7 @@
           <p:cNvPr id="3" name="Segnaposto contenuto 2">
             <a:extLst>
               <a:ext uri="{FF2B5EF4-FFF2-40B4-BE49-F238E27FC236}">
-                <a16:creationId xmlns:a16="http://schemas.microsoft.com/office/drawing/2014/main" xmlns="" id="{EE9629A9-6146-4F44-9EDF-5D86C3A2C39D}"/>
+                <a16:creationId xmlns:a16="http://schemas.microsoft.com/office/drawing/2014/main" id="{EE9629A9-6146-4F44-9EDF-5D86C3A2C39D}"/>
               </a:ext>
             </a:extLst>
           </p:cNvPr>

--- a/Pervasive_presentation_Milestone1_group8.pptx
+++ b/Pervasive_presentation_Milestone1_group8.pptx
@@ -16,6 +16,13 @@
     <p:sldId id="263" r:id="rId10"/>
     <p:sldId id="264" r:id="rId11"/>
     <p:sldId id="267" r:id="rId12"/>
+    <p:sldId id="268" r:id="rId13"/>
+    <p:sldId id="269" r:id="rId14"/>
+    <p:sldId id="270" r:id="rId15"/>
+    <p:sldId id="271" r:id="rId16"/>
+    <p:sldId id="272" r:id="rId17"/>
+    <p:sldId id="273" r:id="rId18"/>
+    <p:sldId id="274" r:id="rId19"/>
   </p:sldIdLst>
   <p:sldSz cx="12192000" cy="6858000"/>
   <p:notesSz cx="6858000" cy="9144000"/>
@@ -873,6 +880,753 @@
 </dgm:colorsDef>
 </file>
 
+<file path=ppt/diagrams/colors2.xml><?xml version="1.0" encoding="utf-8"?>
+<dgm:colorsDef xmlns:dgm="http://schemas.openxmlformats.org/drawingml/2006/diagram" xmlns:a="http://schemas.openxmlformats.org/drawingml/2006/main" uniqueId="urn:microsoft.com/office/officeart/2005/8/colors/accent1_2">
+  <dgm:title val=""/>
+  <dgm:desc val=""/>
+  <dgm:catLst>
+    <dgm:cat type="accent1" pri="11200"/>
+  </dgm:catLst>
+  <dgm:styleLbl name="node0">
+    <dgm:fillClrLst meth="repeat">
+      <a:schemeClr val="accent1"/>
+    </dgm:fillClrLst>
+    <dgm:linClrLst meth="repeat">
+      <a:schemeClr val="lt1"/>
+    </dgm:linClrLst>
+    <dgm:effectClrLst/>
+    <dgm:txLinClrLst/>
+    <dgm:txFillClrLst/>
+    <dgm:txEffectClrLst/>
+  </dgm:styleLbl>
+  <dgm:styleLbl name="alignNode1">
+    <dgm:fillClrLst meth="repeat">
+      <a:schemeClr val="accent1"/>
+    </dgm:fillClrLst>
+    <dgm:linClrLst meth="repeat">
+      <a:schemeClr val="accent1"/>
+    </dgm:linClrLst>
+    <dgm:effectClrLst/>
+    <dgm:txLinClrLst/>
+    <dgm:txFillClrLst/>
+    <dgm:txEffectClrLst/>
+  </dgm:styleLbl>
+  <dgm:styleLbl name="node1">
+    <dgm:fillClrLst meth="repeat">
+      <a:schemeClr val="accent1"/>
+    </dgm:fillClrLst>
+    <dgm:linClrLst meth="repeat">
+      <a:schemeClr val="lt1"/>
+    </dgm:linClrLst>
+    <dgm:effectClrLst/>
+    <dgm:txLinClrLst/>
+    <dgm:txFillClrLst/>
+    <dgm:txEffectClrLst/>
+  </dgm:styleLbl>
+  <dgm:styleLbl name="lnNode1">
+    <dgm:fillClrLst meth="repeat">
+      <a:schemeClr val="accent1"/>
+    </dgm:fillClrLst>
+    <dgm:linClrLst meth="repeat">
+      <a:schemeClr val="lt1"/>
+    </dgm:linClrLst>
+    <dgm:effectClrLst/>
+    <dgm:txLinClrLst/>
+    <dgm:txFillClrLst/>
+    <dgm:txEffectClrLst/>
+  </dgm:styleLbl>
+  <dgm:styleLbl name="vennNode1">
+    <dgm:fillClrLst meth="repeat">
+      <a:schemeClr val="accent1">
+        <a:alpha val="50000"/>
+      </a:schemeClr>
+    </dgm:fillClrLst>
+    <dgm:linClrLst meth="repeat">
+      <a:schemeClr val="lt1"/>
+    </dgm:linClrLst>
+    <dgm:effectClrLst/>
+    <dgm:txLinClrLst/>
+    <dgm:txFillClrLst/>
+    <dgm:txEffectClrLst/>
+  </dgm:styleLbl>
+  <dgm:styleLbl name="node2">
+    <dgm:fillClrLst meth="repeat">
+      <a:schemeClr val="accent1"/>
+    </dgm:fillClrLst>
+    <dgm:linClrLst meth="repeat">
+      <a:schemeClr val="lt1"/>
+    </dgm:linClrLst>
+    <dgm:effectClrLst/>
+    <dgm:txLinClrLst/>
+    <dgm:txFillClrLst/>
+    <dgm:txEffectClrLst/>
+  </dgm:styleLbl>
+  <dgm:styleLbl name="node3">
+    <dgm:fillClrLst meth="repeat">
+      <a:schemeClr val="accent1"/>
+    </dgm:fillClrLst>
+    <dgm:linClrLst meth="repeat">
+      <a:schemeClr val="lt1"/>
+    </dgm:linClrLst>
+    <dgm:effectClrLst/>
+    <dgm:txLinClrLst/>
+    <dgm:txFillClrLst/>
+    <dgm:txEffectClrLst/>
+  </dgm:styleLbl>
+  <dgm:styleLbl name="node4">
+    <dgm:fillClrLst meth="repeat">
+      <a:schemeClr val="accent1"/>
+    </dgm:fillClrLst>
+    <dgm:linClrLst meth="repeat">
+      <a:schemeClr val="lt1"/>
+    </dgm:linClrLst>
+    <dgm:effectClrLst/>
+    <dgm:txLinClrLst/>
+    <dgm:txFillClrLst/>
+    <dgm:txEffectClrLst/>
+  </dgm:styleLbl>
+  <dgm:styleLbl name="fgImgPlace1">
+    <dgm:fillClrLst meth="repeat">
+      <a:schemeClr val="accent1">
+        <a:tint val="50000"/>
+      </a:schemeClr>
+    </dgm:fillClrLst>
+    <dgm:linClrLst meth="repeat">
+      <a:schemeClr val="lt1"/>
+    </dgm:linClrLst>
+    <dgm:effectClrLst/>
+    <dgm:txLinClrLst/>
+    <dgm:txFillClrLst meth="repeat">
+      <a:schemeClr val="lt1"/>
+    </dgm:txFillClrLst>
+    <dgm:txEffectClrLst/>
+  </dgm:styleLbl>
+  <dgm:styleLbl name="alignImgPlace1">
+    <dgm:fillClrLst meth="repeat">
+      <a:schemeClr val="accent1">
+        <a:tint val="50000"/>
+      </a:schemeClr>
+    </dgm:fillClrLst>
+    <dgm:linClrLst meth="repeat">
+      <a:schemeClr val="lt1"/>
+    </dgm:linClrLst>
+    <dgm:effectClrLst/>
+    <dgm:txLinClrLst/>
+    <dgm:txFillClrLst meth="repeat">
+      <a:schemeClr val="lt1"/>
+    </dgm:txFillClrLst>
+    <dgm:txEffectClrLst/>
+  </dgm:styleLbl>
+  <dgm:styleLbl name="bgImgPlace1">
+    <dgm:fillClrLst meth="repeat">
+      <a:schemeClr val="accent1">
+        <a:tint val="50000"/>
+      </a:schemeClr>
+    </dgm:fillClrLst>
+    <dgm:linClrLst meth="repeat">
+      <a:schemeClr val="lt1"/>
+    </dgm:linClrLst>
+    <dgm:effectClrLst/>
+    <dgm:txLinClrLst/>
+    <dgm:txFillClrLst meth="repeat">
+      <a:schemeClr val="lt1"/>
+    </dgm:txFillClrLst>
+    <dgm:txEffectClrLst/>
+  </dgm:styleLbl>
+  <dgm:styleLbl name="sibTrans2D1">
+    <dgm:fillClrLst meth="repeat">
+      <a:schemeClr val="accent1">
+        <a:tint val="60000"/>
+      </a:schemeClr>
+    </dgm:fillClrLst>
+    <dgm:linClrLst meth="repeat">
+      <a:schemeClr val="accent1">
+        <a:tint val="60000"/>
+      </a:schemeClr>
+    </dgm:linClrLst>
+    <dgm:effectClrLst/>
+    <dgm:txLinClrLst/>
+    <dgm:txFillClrLst/>
+    <dgm:txEffectClrLst/>
+  </dgm:styleLbl>
+  <dgm:styleLbl name="fgSibTrans2D1">
+    <dgm:fillClrLst meth="repeat">
+      <a:schemeClr val="accent1">
+        <a:tint val="60000"/>
+      </a:schemeClr>
+    </dgm:fillClrLst>
+    <dgm:linClrLst meth="repeat">
+      <a:schemeClr val="accent1">
+        <a:tint val="60000"/>
+      </a:schemeClr>
+    </dgm:linClrLst>
+    <dgm:effectClrLst/>
+    <dgm:txLinClrLst/>
+    <dgm:txFillClrLst/>
+    <dgm:txEffectClrLst/>
+  </dgm:styleLbl>
+  <dgm:styleLbl name="bgSibTrans2D1">
+    <dgm:fillClrLst meth="repeat">
+      <a:schemeClr val="accent1">
+        <a:tint val="60000"/>
+      </a:schemeClr>
+    </dgm:fillClrLst>
+    <dgm:linClrLst meth="repeat">
+      <a:schemeClr val="accent1">
+        <a:tint val="60000"/>
+      </a:schemeClr>
+    </dgm:linClrLst>
+    <dgm:effectClrLst/>
+    <dgm:txLinClrLst/>
+    <dgm:txFillClrLst/>
+    <dgm:txEffectClrLst/>
+  </dgm:styleLbl>
+  <dgm:styleLbl name="sibTrans1D1">
+    <dgm:fillClrLst meth="repeat">
+      <a:schemeClr val="accent1"/>
+    </dgm:fillClrLst>
+    <dgm:linClrLst meth="repeat">
+      <a:schemeClr val="accent1"/>
+    </dgm:linClrLst>
+    <dgm:effectClrLst/>
+    <dgm:txLinClrLst/>
+    <dgm:txFillClrLst meth="repeat">
+      <a:schemeClr val="tx1"/>
+    </dgm:txFillClrLst>
+    <dgm:txEffectClrLst/>
+  </dgm:styleLbl>
+  <dgm:styleLbl name="callout">
+    <dgm:fillClrLst meth="repeat">
+      <a:schemeClr val="accent1"/>
+    </dgm:fillClrLst>
+    <dgm:linClrLst meth="repeat">
+      <a:schemeClr val="accent1">
+        <a:tint val="50000"/>
+      </a:schemeClr>
+    </dgm:linClrLst>
+    <dgm:effectClrLst/>
+    <dgm:txLinClrLst/>
+    <dgm:txFillClrLst meth="repeat">
+      <a:schemeClr val="tx1"/>
+    </dgm:txFillClrLst>
+    <dgm:txEffectClrLst/>
+  </dgm:styleLbl>
+  <dgm:styleLbl name="asst0">
+    <dgm:fillClrLst meth="repeat">
+      <a:schemeClr val="accent1"/>
+    </dgm:fillClrLst>
+    <dgm:linClrLst meth="repeat">
+      <a:schemeClr val="lt1"/>
+    </dgm:linClrLst>
+    <dgm:effectClrLst/>
+    <dgm:txLinClrLst/>
+    <dgm:txFillClrLst/>
+    <dgm:txEffectClrLst/>
+  </dgm:styleLbl>
+  <dgm:styleLbl name="asst1">
+    <dgm:fillClrLst meth="repeat">
+      <a:schemeClr val="accent1"/>
+    </dgm:fillClrLst>
+    <dgm:linClrLst meth="repeat">
+      <a:schemeClr val="lt1"/>
+    </dgm:linClrLst>
+    <dgm:effectClrLst/>
+    <dgm:txLinClrLst/>
+    <dgm:txFillClrLst/>
+    <dgm:txEffectClrLst/>
+  </dgm:styleLbl>
+  <dgm:styleLbl name="asst2">
+    <dgm:fillClrLst meth="repeat">
+      <a:schemeClr val="accent1"/>
+    </dgm:fillClrLst>
+    <dgm:linClrLst meth="repeat">
+      <a:schemeClr val="lt1"/>
+    </dgm:linClrLst>
+    <dgm:effectClrLst/>
+    <dgm:txLinClrLst/>
+    <dgm:txFillClrLst/>
+    <dgm:txEffectClrLst/>
+  </dgm:styleLbl>
+  <dgm:styleLbl name="asst3">
+    <dgm:fillClrLst meth="repeat">
+      <a:schemeClr val="accent1"/>
+    </dgm:fillClrLst>
+    <dgm:linClrLst meth="repeat">
+      <a:schemeClr val="lt1"/>
+    </dgm:linClrLst>
+    <dgm:effectClrLst/>
+    <dgm:txLinClrLst/>
+    <dgm:txFillClrLst/>
+    <dgm:txEffectClrLst/>
+  </dgm:styleLbl>
+  <dgm:styleLbl name="asst4">
+    <dgm:fillClrLst meth="repeat">
+      <a:schemeClr val="accent1"/>
+    </dgm:fillClrLst>
+    <dgm:linClrLst meth="repeat">
+      <a:schemeClr val="lt1"/>
+    </dgm:linClrLst>
+    <dgm:effectClrLst/>
+    <dgm:txLinClrLst/>
+    <dgm:txFillClrLst/>
+    <dgm:txEffectClrLst/>
+  </dgm:styleLbl>
+  <dgm:styleLbl name="parChTrans2D1">
+    <dgm:fillClrLst meth="repeat">
+      <a:schemeClr val="accent1">
+        <a:tint val="60000"/>
+      </a:schemeClr>
+    </dgm:fillClrLst>
+    <dgm:linClrLst meth="repeat">
+      <a:schemeClr val="accent1">
+        <a:tint val="60000"/>
+      </a:schemeClr>
+    </dgm:linClrLst>
+    <dgm:effectClrLst/>
+    <dgm:txLinClrLst/>
+    <dgm:txFillClrLst meth="repeat">
+      <a:schemeClr val="lt1"/>
+    </dgm:txFillClrLst>
+    <dgm:txEffectClrLst/>
+  </dgm:styleLbl>
+  <dgm:styleLbl name="parChTrans2D2">
+    <dgm:fillClrLst meth="repeat">
+      <a:schemeClr val="accent1"/>
+    </dgm:fillClrLst>
+    <dgm:linClrLst meth="repeat">
+      <a:schemeClr val="accent1"/>
+    </dgm:linClrLst>
+    <dgm:effectClrLst/>
+    <dgm:txLinClrLst/>
+    <dgm:txFillClrLst meth="repeat">
+      <a:schemeClr val="lt1"/>
+    </dgm:txFillClrLst>
+    <dgm:txEffectClrLst/>
+  </dgm:styleLbl>
+  <dgm:styleLbl name="parChTrans2D3">
+    <dgm:fillClrLst meth="repeat">
+      <a:schemeClr val="accent1"/>
+    </dgm:fillClrLst>
+    <dgm:linClrLst meth="repeat">
+      <a:schemeClr val="accent1"/>
+    </dgm:linClrLst>
+    <dgm:effectClrLst/>
+    <dgm:txLinClrLst/>
+    <dgm:txFillClrLst meth="repeat">
+      <a:schemeClr val="lt1"/>
+    </dgm:txFillClrLst>
+    <dgm:txEffectClrLst/>
+  </dgm:styleLbl>
+  <dgm:styleLbl name="parChTrans2D4">
+    <dgm:fillClrLst meth="repeat">
+      <a:schemeClr val="accent1"/>
+    </dgm:fillClrLst>
+    <dgm:linClrLst meth="repeat">
+      <a:schemeClr val="accent1"/>
+    </dgm:linClrLst>
+    <dgm:effectClrLst/>
+    <dgm:txLinClrLst/>
+    <dgm:txFillClrLst meth="repeat">
+      <a:schemeClr val="lt1"/>
+    </dgm:txFillClrLst>
+    <dgm:txEffectClrLst/>
+  </dgm:styleLbl>
+  <dgm:styleLbl name="parChTrans1D1">
+    <dgm:fillClrLst meth="repeat">
+      <a:schemeClr val="accent1"/>
+    </dgm:fillClrLst>
+    <dgm:linClrLst meth="repeat">
+      <a:schemeClr val="accent1">
+        <a:shade val="60000"/>
+      </a:schemeClr>
+    </dgm:linClrLst>
+    <dgm:effectClrLst/>
+    <dgm:txLinClrLst/>
+    <dgm:txFillClrLst meth="repeat">
+      <a:schemeClr val="tx1"/>
+    </dgm:txFillClrLst>
+    <dgm:txEffectClrLst/>
+  </dgm:styleLbl>
+  <dgm:styleLbl name="parChTrans1D2">
+    <dgm:fillClrLst meth="repeat">
+      <a:schemeClr val="accent1"/>
+    </dgm:fillClrLst>
+    <dgm:linClrLst meth="repeat">
+      <a:schemeClr val="accent1">
+        <a:shade val="60000"/>
+      </a:schemeClr>
+    </dgm:linClrLst>
+    <dgm:effectClrLst/>
+    <dgm:txLinClrLst/>
+    <dgm:txFillClrLst meth="repeat">
+      <a:schemeClr val="tx1"/>
+    </dgm:txFillClrLst>
+    <dgm:txEffectClrLst/>
+  </dgm:styleLbl>
+  <dgm:styleLbl name="parChTrans1D3">
+    <dgm:fillClrLst meth="repeat">
+      <a:schemeClr val="accent1"/>
+    </dgm:fillClrLst>
+    <dgm:linClrLst meth="repeat">
+      <a:schemeClr val="accent1">
+        <a:shade val="80000"/>
+      </a:schemeClr>
+    </dgm:linClrLst>
+    <dgm:effectClrLst/>
+    <dgm:txLinClrLst/>
+    <dgm:txFillClrLst meth="repeat">
+      <a:schemeClr val="tx1"/>
+    </dgm:txFillClrLst>
+    <dgm:txEffectClrLst/>
+  </dgm:styleLbl>
+  <dgm:styleLbl name="parChTrans1D4">
+    <dgm:fillClrLst meth="repeat">
+      <a:schemeClr val="accent1"/>
+    </dgm:fillClrLst>
+    <dgm:linClrLst meth="repeat">
+      <a:schemeClr val="accent1">
+        <a:shade val="80000"/>
+      </a:schemeClr>
+    </dgm:linClrLst>
+    <dgm:effectClrLst/>
+    <dgm:txLinClrLst/>
+    <dgm:txFillClrLst meth="repeat">
+      <a:schemeClr val="tx1"/>
+    </dgm:txFillClrLst>
+    <dgm:txEffectClrLst/>
+  </dgm:styleLbl>
+  <dgm:styleLbl name="fgAcc1">
+    <dgm:fillClrLst meth="repeat">
+      <a:schemeClr val="lt1">
+        <a:alpha val="90000"/>
+      </a:schemeClr>
+    </dgm:fillClrLst>
+    <dgm:linClrLst meth="repeat">
+      <a:schemeClr val="accent1"/>
+    </dgm:linClrLst>
+    <dgm:effectClrLst/>
+    <dgm:txLinClrLst/>
+    <dgm:txFillClrLst meth="repeat">
+      <a:schemeClr val="dk1"/>
+    </dgm:txFillClrLst>
+    <dgm:txEffectClrLst/>
+  </dgm:styleLbl>
+  <dgm:styleLbl name="conFgAcc1">
+    <dgm:fillClrLst meth="repeat">
+      <a:schemeClr val="lt1">
+        <a:alpha val="90000"/>
+      </a:schemeClr>
+    </dgm:fillClrLst>
+    <dgm:linClrLst meth="repeat">
+      <a:schemeClr val="accent1"/>
+    </dgm:linClrLst>
+    <dgm:effectClrLst/>
+    <dgm:txLinClrLst/>
+    <dgm:txFillClrLst meth="repeat">
+      <a:schemeClr val="dk1"/>
+    </dgm:txFillClrLst>
+    <dgm:txEffectClrLst/>
+  </dgm:styleLbl>
+  <dgm:styleLbl name="alignAcc1">
+    <dgm:fillClrLst meth="repeat">
+      <a:schemeClr val="lt1">
+        <a:alpha val="90000"/>
+      </a:schemeClr>
+    </dgm:fillClrLst>
+    <dgm:linClrLst meth="repeat">
+      <a:schemeClr val="accent1"/>
+    </dgm:linClrLst>
+    <dgm:effectClrLst/>
+    <dgm:txLinClrLst/>
+    <dgm:txFillClrLst meth="repeat">
+      <a:schemeClr val="dk1"/>
+    </dgm:txFillClrLst>
+    <dgm:txEffectClrLst/>
+  </dgm:styleLbl>
+  <dgm:styleLbl name="trAlignAcc1">
+    <dgm:fillClrLst meth="repeat">
+      <a:schemeClr val="lt1">
+        <a:alpha val="40000"/>
+      </a:schemeClr>
+    </dgm:fillClrLst>
+    <dgm:linClrLst meth="repeat">
+      <a:schemeClr val="accent1"/>
+    </dgm:linClrLst>
+    <dgm:effectClrLst/>
+    <dgm:txLinClrLst/>
+    <dgm:txFillClrLst meth="repeat">
+      <a:schemeClr val="dk1"/>
+    </dgm:txFillClrLst>
+    <dgm:txEffectClrLst/>
+  </dgm:styleLbl>
+  <dgm:styleLbl name="bgAcc1">
+    <dgm:fillClrLst meth="repeat">
+      <a:schemeClr val="lt1">
+        <a:alpha val="90000"/>
+      </a:schemeClr>
+    </dgm:fillClrLst>
+    <dgm:linClrLst meth="repeat">
+      <a:schemeClr val="accent1"/>
+    </dgm:linClrLst>
+    <dgm:effectClrLst/>
+    <dgm:txLinClrLst/>
+    <dgm:txFillClrLst meth="repeat">
+      <a:schemeClr val="dk1"/>
+    </dgm:txFillClrLst>
+    <dgm:txEffectClrLst/>
+  </dgm:styleLbl>
+  <dgm:styleLbl name="solidFgAcc1">
+    <dgm:fillClrLst meth="repeat">
+      <a:schemeClr val="lt1"/>
+    </dgm:fillClrLst>
+    <dgm:linClrLst meth="repeat">
+      <a:schemeClr val="accent1"/>
+    </dgm:linClrLst>
+    <dgm:effectClrLst/>
+    <dgm:txLinClrLst/>
+    <dgm:txFillClrLst meth="repeat">
+      <a:schemeClr val="dk1"/>
+    </dgm:txFillClrLst>
+    <dgm:txEffectClrLst/>
+  </dgm:styleLbl>
+  <dgm:styleLbl name="solidAlignAcc1">
+    <dgm:fillClrLst meth="repeat">
+      <a:schemeClr val="lt1"/>
+    </dgm:fillClrLst>
+    <dgm:linClrLst meth="repeat">
+      <a:schemeClr val="accent1"/>
+    </dgm:linClrLst>
+    <dgm:effectClrLst/>
+    <dgm:txLinClrLst/>
+    <dgm:txFillClrLst meth="repeat">
+      <a:schemeClr val="dk1"/>
+    </dgm:txFillClrLst>
+    <dgm:txEffectClrLst/>
+  </dgm:styleLbl>
+  <dgm:styleLbl name="solidBgAcc1">
+    <dgm:fillClrLst meth="repeat">
+      <a:schemeClr val="lt1"/>
+    </dgm:fillClrLst>
+    <dgm:linClrLst meth="repeat">
+      <a:schemeClr val="accent1"/>
+    </dgm:linClrLst>
+    <dgm:effectClrLst/>
+    <dgm:txLinClrLst/>
+    <dgm:txFillClrLst meth="repeat">
+      <a:schemeClr val="dk1"/>
+    </dgm:txFillClrLst>
+    <dgm:txEffectClrLst/>
+  </dgm:styleLbl>
+  <dgm:styleLbl name="fgAccFollowNode1">
+    <dgm:fillClrLst meth="repeat">
+      <a:schemeClr val="accent1">
+        <a:alpha val="90000"/>
+        <a:tint val="40000"/>
+      </a:schemeClr>
+    </dgm:fillClrLst>
+    <dgm:linClrLst meth="repeat">
+      <a:schemeClr val="accent1">
+        <a:alpha val="90000"/>
+        <a:tint val="40000"/>
+      </a:schemeClr>
+    </dgm:linClrLst>
+    <dgm:effectClrLst/>
+    <dgm:txLinClrLst/>
+    <dgm:txFillClrLst meth="repeat">
+      <a:schemeClr val="dk1"/>
+    </dgm:txFillClrLst>
+    <dgm:txEffectClrLst/>
+  </dgm:styleLbl>
+  <dgm:styleLbl name="alignAccFollowNode1">
+    <dgm:fillClrLst meth="repeat">
+      <a:schemeClr val="accent1">
+        <a:alpha val="90000"/>
+        <a:tint val="40000"/>
+      </a:schemeClr>
+    </dgm:fillClrLst>
+    <dgm:linClrLst meth="repeat">
+      <a:schemeClr val="accent1">
+        <a:alpha val="90000"/>
+        <a:tint val="40000"/>
+      </a:schemeClr>
+    </dgm:linClrLst>
+    <dgm:effectClrLst/>
+    <dgm:txLinClrLst/>
+    <dgm:txFillClrLst meth="repeat">
+      <a:schemeClr val="dk1"/>
+    </dgm:txFillClrLst>
+    <dgm:txEffectClrLst/>
+  </dgm:styleLbl>
+  <dgm:styleLbl name="bgAccFollowNode1">
+    <dgm:fillClrLst meth="repeat">
+      <a:schemeClr val="accent1">
+        <a:alpha val="90000"/>
+        <a:tint val="40000"/>
+      </a:schemeClr>
+    </dgm:fillClrLst>
+    <dgm:linClrLst meth="repeat">
+      <a:schemeClr val="accent1">
+        <a:alpha val="90000"/>
+        <a:tint val="40000"/>
+      </a:schemeClr>
+    </dgm:linClrLst>
+    <dgm:effectClrLst/>
+    <dgm:txLinClrLst/>
+    <dgm:txFillClrLst meth="repeat">
+      <a:schemeClr val="dk1"/>
+    </dgm:txFillClrLst>
+    <dgm:txEffectClrLst/>
+  </dgm:styleLbl>
+  <dgm:styleLbl name="fgAcc0">
+    <dgm:fillClrLst meth="repeat">
+      <a:schemeClr val="lt1">
+        <a:alpha val="90000"/>
+      </a:schemeClr>
+    </dgm:fillClrLst>
+    <dgm:linClrLst meth="repeat">
+      <a:schemeClr val="accent1"/>
+    </dgm:linClrLst>
+    <dgm:effectClrLst/>
+    <dgm:txLinClrLst/>
+    <dgm:txFillClrLst meth="repeat">
+      <a:schemeClr val="dk1"/>
+    </dgm:txFillClrLst>
+    <dgm:txEffectClrLst/>
+  </dgm:styleLbl>
+  <dgm:styleLbl name="fgAcc2">
+    <dgm:fillClrLst meth="repeat">
+      <a:schemeClr val="lt1">
+        <a:alpha val="90000"/>
+      </a:schemeClr>
+    </dgm:fillClrLst>
+    <dgm:linClrLst meth="repeat">
+      <a:schemeClr val="accent1"/>
+    </dgm:linClrLst>
+    <dgm:effectClrLst/>
+    <dgm:txLinClrLst/>
+    <dgm:txFillClrLst meth="repeat">
+      <a:schemeClr val="dk1"/>
+    </dgm:txFillClrLst>
+    <dgm:txEffectClrLst/>
+  </dgm:styleLbl>
+  <dgm:styleLbl name="fgAcc3">
+    <dgm:fillClrLst meth="repeat">
+      <a:schemeClr val="lt1">
+        <a:alpha val="90000"/>
+      </a:schemeClr>
+    </dgm:fillClrLst>
+    <dgm:linClrLst meth="repeat">
+      <a:schemeClr val="accent1"/>
+    </dgm:linClrLst>
+    <dgm:effectClrLst/>
+    <dgm:txLinClrLst/>
+    <dgm:txFillClrLst meth="repeat">
+      <a:schemeClr val="dk1"/>
+    </dgm:txFillClrLst>
+    <dgm:txEffectClrLst/>
+  </dgm:styleLbl>
+  <dgm:styleLbl name="fgAcc4">
+    <dgm:fillClrLst meth="repeat">
+      <a:schemeClr val="lt1">
+        <a:alpha val="90000"/>
+      </a:schemeClr>
+    </dgm:fillClrLst>
+    <dgm:linClrLst meth="repeat">
+      <a:schemeClr val="accent1"/>
+    </dgm:linClrLst>
+    <dgm:effectClrLst/>
+    <dgm:txLinClrLst/>
+    <dgm:txFillClrLst meth="repeat">
+      <a:schemeClr val="dk1"/>
+    </dgm:txFillClrLst>
+    <dgm:txEffectClrLst/>
+  </dgm:styleLbl>
+  <dgm:styleLbl name="bgShp">
+    <dgm:fillClrLst meth="repeat">
+      <a:schemeClr val="accent1">
+        <a:tint val="40000"/>
+      </a:schemeClr>
+    </dgm:fillClrLst>
+    <dgm:linClrLst meth="repeat">
+      <a:schemeClr val="accent1"/>
+    </dgm:linClrLst>
+    <dgm:effectClrLst/>
+    <dgm:txLinClrLst/>
+    <dgm:txFillClrLst meth="repeat">
+      <a:schemeClr val="dk1"/>
+    </dgm:txFillClrLst>
+    <dgm:txEffectClrLst/>
+  </dgm:styleLbl>
+  <dgm:styleLbl name="dkBgShp">
+    <dgm:fillClrLst meth="repeat">
+      <a:schemeClr val="accent1">
+        <a:shade val="80000"/>
+      </a:schemeClr>
+    </dgm:fillClrLst>
+    <dgm:linClrLst meth="repeat">
+      <a:schemeClr val="accent1"/>
+    </dgm:linClrLst>
+    <dgm:effectClrLst/>
+    <dgm:txLinClrLst/>
+    <dgm:txFillClrLst meth="repeat">
+      <a:schemeClr val="lt1"/>
+    </dgm:txFillClrLst>
+    <dgm:txEffectClrLst/>
+  </dgm:styleLbl>
+  <dgm:styleLbl name="trBgShp">
+    <dgm:fillClrLst meth="repeat">
+      <a:schemeClr val="accent1">
+        <a:tint val="50000"/>
+        <a:alpha val="40000"/>
+      </a:schemeClr>
+    </dgm:fillClrLst>
+    <dgm:linClrLst meth="repeat">
+      <a:schemeClr val="accent1"/>
+    </dgm:linClrLst>
+    <dgm:effectClrLst/>
+    <dgm:txLinClrLst/>
+    <dgm:txFillClrLst meth="repeat">
+      <a:schemeClr val="lt1"/>
+    </dgm:txFillClrLst>
+    <dgm:txEffectClrLst/>
+  </dgm:styleLbl>
+  <dgm:styleLbl name="fgShp">
+    <dgm:fillClrLst meth="repeat">
+      <a:schemeClr val="accent1">
+        <a:tint val="60000"/>
+      </a:schemeClr>
+    </dgm:fillClrLst>
+    <dgm:linClrLst meth="repeat">
+      <a:schemeClr val="lt1"/>
+    </dgm:linClrLst>
+    <dgm:effectClrLst/>
+    <dgm:txLinClrLst/>
+    <dgm:txFillClrLst meth="repeat">
+      <a:schemeClr val="dk1"/>
+    </dgm:txFillClrLst>
+    <dgm:txEffectClrLst/>
+  </dgm:styleLbl>
+  <dgm:styleLbl name="revTx">
+    <dgm:fillClrLst meth="repeat">
+      <a:schemeClr val="lt1">
+        <a:alpha val="0"/>
+      </a:schemeClr>
+    </dgm:fillClrLst>
+    <dgm:linClrLst meth="repeat">
+      <a:schemeClr val="dk1">
+        <a:alpha val="0"/>
+      </a:schemeClr>
+    </dgm:linClrLst>
+    <dgm:effectClrLst/>
+    <dgm:txLinClrLst/>
+    <dgm:txFillClrLst meth="repeat">
+      <a:schemeClr val="tx1"/>
+    </dgm:txFillClrLst>
+    <dgm:txEffectClrLst/>
+  </dgm:styleLbl>
+</dgm:colorsDef>
+</file>
+
 <file path=ppt/diagrams/data1.xml><?xml version="1.0" encoding="utf-8"?>
 <dgm:dataModel xmlns:dgm="http://schemas.openxmlformats.org/drawingml/2006/diagram" xmlns:a="http://schemas.openxmlformats.org/drawingml/2006/main">
   <dgm:ptLst>
@@ -900,11 +1654,62 @@
   <dgm:cxnLst>
     <dgm:cxn modelId="{3C149E88-BE56-4100-AEF1-4865A7342034}" type="presOf" srcId="{BDDFC680-9E75-42F1-BFEC-3BD783C9265B}" destId="{3444288F-6AEF-4080-BA2B-B3DDB499F93A}" srcOrd="0" destOrd="0" presId="urn:microsoft.com/office/officeart/2005/8/layout/cycle2"/>
   </dgm:cxnLst>
-  <dgm:bg/>
-  <dgm:whole/>
+  <dgm:bg>
+    <a:noFill/>
+  </dgm:bg>
+  <dgm:whole>
+    <a:ln w="28575">
+      <a:solidFill>
+        <a:schemeClr val="tx1"/>
+      </a:solidFill>
+    </a:ln>
+  </dgm:whole>
   <dgm:extLst>
     <a:ext uri="http://schemas.microsoft.com/office/drawing/2008/diagram">
       <dsp:dataModelExt xmlns:dsp="http://schemas.microsoft.com/office/drawing/2008/diagram" relId="rId6" minVer="http://schemas.openxmlformats.org/drawingml/2006/diagram"/>
+    </a:ext>
+  </dgm:extLst>
+</dgm:dataModel>
+</file>
+
+<file path=ppt/diagrams/data2.xml><?xml version="1.0" encoding="utf-8"?>
+<dgm:dataModel xmlns:dgm="http://schemas.openxmlformats.org/drawingml/2006/diagram" xmlns:a="http://schemas.openxmlformats.org/drawingml/2006/main">
+  <dgm:ptLst>
+    <dgm:pt modelId="{BDDFC680-9E75-42F1-BFEC-3BD783C9265B}" type="doc">
+      <dgm:prSet loTypeId="urn:microsoft.com/office/officeart/2005/8/layout/cycle2" loCatId="cycle" qsTypeId="urn:microsoft.com/office/officeart/2005/8/quickstyle/3d4" qsCatId="3D" csTypeId="urn:microsoft.com/office/officeart/2005/8/colors/accent1_2" csCatId="accent1" phldr="1"/>
+      <dgm:spPr/>
+      <dgm:t>
+        <a:bodyPr/>
+        <a:lstStyle/>
+        <a:p>
+          <a:endParaRPr lang="it-IT"/>
+        </a:p>
+      </dgm:t>
+    </dgm:pt>
+    <dgm:pt modelId="{3444288F-6AEF-4080-BA2B-B3DDB499F93A}" type="pres">
+      <dgm:prSet presAssocID="{BDDFC680-9E75-42F1-BFEC-3BD783C9265B}" presName="cycle" presStyleCnt="0">
+        <dgm:presLayoutVars>
+          <dgm:dir/>
+          <dgm:resizeHandles val="exact"/>
+        </dgm:presLayoutVars>
+      </dgm:prSet>
+      <dgm:spPr/>
+    </dgm:pt>
+  </dgm:ptLst>
+  <dgm:cxnLst>
+    <dgm:cxn modelId="{3C149E88-BE56-4100-AEF1-4865A7342034}" type="presOf" srcId="{BDDFC680-9E75-42F1-BFEC-3BD783C9265B}" destId="{3444288F-6AEF-4080-BA2B-B3DDB499F93A}" srcOrd="0" destOrd="0" presId="urn:microsoft.com/office/officeart/2005/8/layout/cycle2"/>
+  </dgm:cxnLst>
+  <dgm:bg/>
+  <dgm:whole>
+    <a:ln w="28575">
+      <a:solidFill>
+        <a:schemeClr val="tx1"/>
+      </a:solidFill>
+    </a:ln>
+  </dgm:whole>
+  <dgm:extLst>
+    <a:ext uri="http://schemas.microsoft.com/office/drawing/2008/diagram">
+      <dsp:dataModelExt xmlns:dsp="http://schemas.microsoft.com/office/drawing/2008/diagram" relId="rId11" minVer="http://schemas.openxmlformats.org/drawingml/2006/diagram"/>
     </a:ext>
   </dgm:extLst>
 </dgm:dataModel>
@@ -922,7 +1727,230 @@
 </dsp:drawing>
 </file>
 
+<file path=ppt/diagrams/drawing2.xml><?xml version="1.0" encoding="utf-8"?>
+<dsp:drawing xmlns:dgm="http://schemas.openxmlformats.org/drawingml/2006/diagram" xmlns:dsp="http://schemas.microsoft.com/office/drawing/2008/diagram" xmlns:a="http://schemas.openxmlformats.org/drawingml/2006/main">
+  <dsp:spTree>
+    <dsp:nvGrpSpPr>
+      <dsp:cNvPr id="0" name=""/>
+      <dsp:cNvGrpSpPr/>
+    </dsp:nvGrpSpPr>
+    <dsp:grpSpPr/>
+  </dsp:spTree>
+</dsp:drawing>
+</file>
+
 <file path=ppt/diagrams/layout1.xml><?xml version="1.0" encoding="utf-8"?>
+<dgm:layoutDef xmlns:dgm="http://schemas.openxmlformats.org/drawingml/2006/diagram" xmlns:a="http://schemas.openxmlformats.org/drawingml/2006/main" uniqueId="urn:microsoft.com/office/officeart/2005/8/layout/cycle2">
+  <dgm:title val=""/>
+  <dgm:desc val=""/>
+  <dgm:catLst>
+    <dgm:cat type="cycle" pri="1000"/>
+    <dgm:cat type="convert" pri="10000"/>
+  </dgm:catLst>
+  <dgm:sampData>
+    <dgm:dataModel>
+      <dgm:ptLst>
+        <dgm:pt modelId="0" type="doc"/>
+        <dgm:pt modelId="1">
+          <dgm:prSet phldr="1"/>
+        </dgm:pt>
+        <dgm:pt modelId="2">
+          <dgm:prSet phldr="1"/>
+        </dgm:pt>
+        <dgm:pt modelId="3">
+          <dgm:prSet phldr="1"/>
+        </dgm:pt>
+        <dgm:pt modelId="4">
+          <dgm:prSet phldr="1"/>
+        </dgm:pt>
+        <dgm:pt modelId="5">
+          <dgm:prSet phldr="1"/>
+        </dgm:pt>
+      </dgm:ptLst>
+      <dgm:cxnLst>
+        <dgm:cxn modelId="6" srcId="0" destId="1" srcOrd="0" destOrd="0"/>
+        <dgm:cxn modelId="7" srcId="0" destId="2" srcOrd="1" destOrd="0"/>
+        <dgm:cxn modelId="8" srcId="0" destId="3" srcOrd="2" destOrd="0"/>
+        <dgm:cxn modelId="9" srcId="0" destId="4" srcOrd="3" destOrd="0"/>
+        <dgm:cxn modelId="10" srcId="0" destId="5" srcOrd="4" destOrd="0"/>
+      </dgm:cxnLst>
+      <dgm:bg/>
+      <dgm:whole/>
+    </dgm:dataModel>
+  </dgm:sampData>
+  <dgm:styleData>
+    <dgm:dataModel>
+      <dgm:ptLst>
+        <dgm:pt modelId="0" type="doc"/>
+        <dgm:pt modelId="1"/>
+        <dgm:pt modelId="2"/>
+        <dgm:pt modelId="3"/>
+      </dgm:ptLst>
+      <dgm:cxnLst>
+        <dgm:cxn modelId="4" srcId="0" destId="1" srcOrd="0" destOrd="0"/>
+        <dgm:cxn modelId="5" srcId="0" destId="2" srcOrd="1" destOrd="0"/>
+        <dgm:cxn modelId="6" srcId="0" destId="3" srcOrd="2" destOrd="0"/>
+      </dgm:cxnLst>
+      <dgm:bg/>
+      <dgm:whole/>
+    </dgm:dataModel>
+  </dgm:styleData>
+  <dgm:clrData>
+    <dgm:dataModel>
+      <dgm:ptLst>
+        <dgm:pt modelId="0" type="doc"/>
+        <dgm:pt modelId="1"/>
+        <dgm:pt modelId="2"/>
+        <dgm:pt modelId="3"/>
+        <dgm:pt modelId="4"/>
+        <dgm:pt modelId="5"/>
+        <dgm:pt modelId="6"/>
+      </dgm:ptLst>
+      <dgm:cxnLst>
+        <dgm:cxn modelId="7" srcId="0" destId="1" srcOrd="0" destOrd="0"/>
+        <dgm:cxn modelId="8" srcId="0" destId="2" srcOrd="1" destOrd="0"/>
+        <dgm:cxn modelId="9" srcId="0" destId="3" srcOrd="2" destOrd="0"/>
+        <dgm:cxn modelId="10" srcId="0" destId="4" srcOrd="3" destOrd="0"/>
+        <dgm:cxn modelId="11" srcId="0" destId="5" srcOrd="4" destOrd="0"/>
+        <dgm:cxn modelId="12" srcId="0" destId="6" srcOrd="5" destOrd="0"/>
+      </dgm:cxnLst>
+      <dgm:bg/>
+      <dgm:whole/>
+    </dgm:dataModel>
+  </dgm:clrData>
+  <dgm:layoutNode name="cycle">
+    <dgm:varLst>
+      <dgm:dir/>
+      <dgm:resizeHandles val="exact"/>
+    </dgm:varLst>
+    <dgm:choose name="Name0">
+      <dgm:if name="Name1" func="var" arg="dir" op="equ" val="norm">
+        <dgm:choose name="Name2">
+          <dgm:if name="Name3" axis="ch" ptType="node" func="cnt" op="gt" val="2">
+            <dgm:alg type="cycle">
+              <dgm:param type="stAng" val="0"/>
+              <dgm:param type="spanAng" val="360"/>
+            </dgm:alg>
+          </dgm:if>
+          <dgm:else name="Name4">
+            <dgm:alg type="cycle">
+              <dgm:param type="stAng" val="-90"/>
+              <dgm:param type="spanAng" val="360"/>
+            </dgm:alg>
+          </dgm:else>
+        </dgm:choose>
+      </dgm:if>
+      <dgm:else name="Name5">
+        <dgm:choose name="Name6">
+          <dgm:if name="Name7" axis="ch" ptType="node" func="cnt" op="gt" val="2">
+            <dgm:alg type="cycle">
+              <dgm:param type="stAng" val="0"/>
+              <dgm:param type="spanAng" val="-360"/>
+            </dgm:alg>
+          </dgm:if>
+          <dgm:else name="Name8">
+            <dgm:alg type="cycle">
+              <dgm:param type="stAng" val="90"/>
+              <dgm:param type="spanAng" val="-360"/>
+            </dgm:alg>
+          </dgm:else>
+        </dgm:choose>
+      </dgm:else>
+    </dgm:choose>
+    <dgm:shape xmlns:r="http://schemas.openxmlformats.org/officeDocument/2006/relationships" r:blip="">
+      <dgm:adjLst/>
+    </dgm:shape>
+    <dgm:presOf/>
+    <dgm:constrLst>
+      <dgm:constr type="w" for="ch" ptType="node" refType="w"/>
+      <dgm:constr type="w" for="ch" ptType="sibTrans" refType="w" refFor="ch" refPtType="node" op="equ" fact="0.25"/>
+      <dgm:constr type="sibSp" refType="w" refFor="ch" refPtType="node" fact="0.5"/>
+      <dgm:constr type="primFontSz" for="ch" ptType="node" op="equ" val="65"/>
+      <dgm:constr type="primFontSz" for="des" forName="connectorText" op="equ" val="55"/>
+      <dgm:constr type="primFontSz" for="des" forName="connectorText" refType="primFontSz" refFor="ch" refPtType="node" op="lte" fact="0.8"/>
+    </dgm:constrLst>
+    <dgm:ruleLst/>
+    <dgm:forEach name="nodesForEach" axis="ch" ptType="node">
+      <dgm:layoutNode name="node">
+        <dgm:varLst>
+          <dgm:bulletEnabled val="1"/>
+        </dgm:varLst>
+        <dgm:alg type="tx">
+          <dgm:param type="txAnchorVertCh" val="mid"/>
+        </dgm:alg>
+        <dgm:shape xmlns:r="http://schemas.openxmlformats.org/officeDocument/2006/relationships" type="ellipse" r:blip="">
+          <dgm:adjLst/>
+        </dgm:shape>
+        <dgm:presOf axis="desOrSelf" ptType="node"/>
+        <dgm:constrLst>
+          <dgm:constr type="h" refType="w"/>
+          <dgm:constr type="lMarg" refType="primFontSz" fact="0.1"/>
+          <dgm:constr type="rMarg" refType="primFontSz" fact="0.1"/>
+          <dgm:constr type="tMarg" refType="primFontSz" fact="0.1"/>
+          <dgm:constr type="bMarg" refType="primFontSz" fact="0.1"/>
+        </dgm:constrLst>
+        <dgm:ruleLst>
+          <dgm:rule type="primFontSz" val="5" fact="NaN" max="NaN"/>
+        </dgm:ruleLst>
+      </dgm:layoutNode>
+      <dgm:choose name="Name9">
+        <dgm:if name="Name10" axis="par ch" ptType="doc node" func="cnt" op="gt" val="1">
+          <dgm:forEach name="sibTransForEach" axis="followSib" ptType="sibTrans" hideLastTrans="0" cnt="1">
+            <dgm:layoutNode name="sibTrans">
+              <dgm:choose name="Name11">
+                <dgm:if name="Name12" axis="par ch" ptType="doc node" func="cnt" op="lt" val="3">
+                  <dgm:alg type="conn">
+                    <dgm:param type="begPts" val="radial"/>
+                    <dgm:param type="endPts" val="radial"/>
+                  </dgm:alg>
+                </dgm:if>
+                <dgm:else name="Name13">
+                  <dgm:alg type="conn">
+                    <dgm:param type="begPts" val="auto"/>
+                    <dgm:param type="endPts" val="auto"/>
+                  </dgm:alg>
+                </dgm:else>
+              </dgm:choose>
+              <dgm:shape xmlns:r="http://schemas.openxmlformats.org/officeDocument/2006/relationships" type="conn" r:blip="">
+                <dgm:adjLst/>
+              </dgm:shape>
+              <dgm:presOf axis="self"/>
+              <dgm:constrLst>
+                <dgm:constr type="h" refType="w" fact="1.35"/>
+                <dgm:constr type="connDist"/>
+                <dgm:constr type="w" for="ch" refType="connDist" fact="0.45"/>
+                <dgm:constr type="h" for="ch" refType="h"/>
+              </dgm:constrLst>
+              <dgm:ruleLst/>
+              <dgm:layoutNode name="connectorText">
+                <dgm:alg type="tx">
+                  <dgm:param type="autoTxRot" val="grav"/>
+                </dgm:alg>
+                <dgm:shape xmlns:r="http://schemas.openxmlformats.org/officeDocument/2006/relationships" type="conn" r:blip="" hideGeom="1">
+                  <dgm:adjLst/>
+                </dgm:shape>
+                <dgm:presOf axis="self"/>
+                <dgm:constrLst>
+                  <dgm:constr type="lMarg"/>
+                  <dgm:constr type="rMarg"/>
+                  <dgm:constr type="tMarg"/>
+                  <dgm:constr type="bMarg"/>
+                </dgm:constrLst>
+                <dgm:ruleLst>
+                  <dgm:rule type="primFontSz" val="5" fact="NaN" max="NaN"/>
+                </dgm:ruleLst>
+              </dgm:layoutNode>
+            </dgm:layoutNode>
+          </dgm:forEach>
+        </dgm:if>
+        <dgm:else name="Name14"/>
+      </dgm:choose>
+    </dgm:forEach>
+  </dgm:layoutNode>
+</dgm:layoutDef>
+</file>
+
+<file path=ppt/diagrams/layout2.xml><?xml version="1.0" encoding="utf-8"?>
 <dgm:layoutDef xmlns:dgm="http://schemas.openxmlformats.org/drawingml/2006/diagram" xmlns:a="http://schemas.openxmlformats.org/drawingml/2006/main" uniqueId="urn:microsoft.com/office/officeart/2005/8/layout/cycle2">
   <dgm:title val=""/>
   <dgm:desc val=""/>
@@ -2244,6 +3272,1117 @@
 </dgm:styleDef>
 </file>
 
+<file path=ppt/diagrams/quickStyle2.xml><?xml version="1.0" encoding="utf-8"?>
+<dgm:styleDef xmlns:dgm="http://schemas.openxmlformats.org/drawingml/2006/diagram" xmlns:a="http://schemas.openxmlformats.org/drawingml/2006/main" uniqueId="urn:microsoft.com/office/officeart/2005/8/quickstyle/3d4">
+  <dgm:title val=""/>
+  <dgm:desc val=""/>
+  <dgm:catLst>
+    <dgm:cat type="3D" pri="11400"/>
+  </dgm:catLst>
+  <dgm:scene3d>
+    <a:camera prst="orthographicFront"/>
+    <a:lightRig rig="threePt" dir="t"/>
+  </dgm:scene3d>
+  <dgm:styleLbl name="node0">
+    <dgm:scene3d>
+      <a:camera prst="orthographicFront"/>
+      <a:lightRig rig="chilly" dir="t"/>
+    </dgm:scene3d>
+    <dgm:sp3d prstMaterial="translucentPowder">
+      <a:bevelT w="127000" h="25400" prst="softRound"/>
+    </dgm:sp3d>
+    <dgm:txPr/>
+    <dgm:style>
+      <a:lnRef idx="0">
+        <a:scrgbClr r="0" g="0" b="0"/>
+      </a:lnRef>
+      <a:fillRef idx="1">
+        <a:scrgbClr r="0" g="0" b="0"/>
+      </a:fillRef>
+      <a:effectRef idx="0">
+        <a:scrgbClr r="0" g="0" b="0"/>
+      </a:effectRef>
+      <a:fontRef idx="minor">
+        <a:schemeClr val="lt1"/>
+      </a:fontRef>
+    </dgm:style>
+  </dgm:styleLbl>
+  <dgm:styleLbl name="lnNode1">
+    <dgm:scene3d>
+      <a:camera prst="orthographicFront"/>
+      <a:lightRig rig="chilly" dir="t"/>
+    </dgm:scene3d>
+    <dgm:sp3d prstMaterial="translucentPowder">
+      <a:bevelT w="127000" h="25400" prst="softRound"/>
+    </dgm:sp3d>
+    <dgm:txPr/>
+    <dgm:style>
+      <a:lnRef idx="0">
+        <a:scrgbClr r="0" g="0" b="0"/>
+      </a:lnRef>
+      <a:fillRef idx="1">
+        <a:scrgbClr r="0" g="0" b="0"/>
+      </a:fillRef>
+      <a:effectRef idx="0">
+        <a:scrgbClr r="0" g="0" b="0"/>
+      </a:effectRef>
+      <a:fontRef idx="minor">
+        <a:schemeClr val="lt1"/>
+      </a:fontRef>
+    </dgm:style>
+  </dgm:styleLbl>
+  <dgm:styleLbl name="vennNode1">
+    <dgm:scene3d>
+      <a:camera prst="orthographicFront"/>
+      <a:lightRig rig="chilly" dir="t"/>
+    </dgm:scene3d>
+    <dgm:sp3d prstMaterial="translucentPowder">
+      <a:bevelT w="127000" h="25400" prst="softRound"/>
+    </dgm:sp3d>
+    <dgm:txPr/>
+    <dgm:style>
+      <a:lnRef idx="0">
+        <a:scrgbClr r="0" g="0" b="0"/>
+      </a:lnRef>
+      <a:fillRef idx="1">
+        <a:scrgbClr r="0" g="0" b="0"/>
+      </a:fillRef>
+      <a:effectRef idx="0">
+        <a:scrgbClr r="0" g="0" b="0"/>
+      </a:effectRef>
+      <a:fontRef idx="minor">
+        <a:schemeClr val="tx1"/>
+      </a:fontRef>
+    </dgm:style>
+  </dgm:styleLbl>
+  <dgm:styleLbl name="alignNode1">
+    <dgm:scene3d>
+      <a:camera prst="orthographicFront"/>
+      <a:lightRig rig="chilly" dir="t"/>
+    </dgm:scene3d>
+    <dgm:sp3d prstMaterial="translucentPowder">
+      <a:bevelT w="127000" h="25400" prst="softRound"/>
+    </dgm:sp3d>
+    <dgm:txPr/>
+    <dgm:style>
+      <a:lnRef idx="1">
+        <a:scrgbClr r="0" g="0" b="0"/>
+      </a:lnRef>
+      <a:fillRef idx="1">
+        <a:scrgbClr r="0" g="0" b="0"/>
+      </a:fillRef>
+      <a:effectRef idx="0">
+        <a:scrgbClr r="0" g="0" b="0"/>
+      </a:effectRef>
+      <a:fontRef idx="minor">
+        <a:schemeClr val="lt1"/>
+      </a:fontRef>
+    </dgm:style>
+  </dgm:styleLbl>
+  <dgm:styleLbl name="node1">
+    <dgm:scene3d>
+      <a:camera prst="orthographicFront"/>
+      <a:lightRig rig="chilly" dir="t"/>
+    </dgm:scene3d>
+    <dgm:sp3d prstMaterial="translucentPowder">
+      <a:bevelT w="127000" h="25400" prst="softRound"/>
+    </dgm:sp3d>
+    <dgm:txPr/>
+    <dgm:style>
+      <a:lnRef idx="0">
+        <a:scrgbClr r="0" g="0" b="0"/>
+      </a:lnRef>
+      <a:fillRef idx="1">
+        <a:scrgbClr r="0" g="0" b="0"/>
+      </a:fillRef>
+      <a:effectRef idx="0">
+        <a:scrgbClr r="0" g="0" b="0"/>
+      </a:effectRef>
+      <a:fontRef idx="minor">
+        <a:schemeClr val="lt1"/>
+      </a:fontRef>
+    </dgm:style>
+  </dgm:styleLbl>
+  <dgm:styleLbl name="node2">
+    <dgm:scene3d>
+      <a:camera prst="orthographicFront"/>
+      <a:lightRig rig="chilly" dir="t"/>
+    </dgm:scene3d>
+    <dgm:sp3d prstMaterial="translucentPowder">
+      <a:bevelT w="127000" h="25400" prst="softRound"/>
+    </dgm:sp3d>
+    <dgm:txPr/>
+    <dgm:style>
+      <a:lnRef idx="0">
+        <a:scrgbClr r="0" g="0" b="0"/>
+      </a:lnRef>
+      <a:fillRef idx="1">
+        <a:scrgbClr r="0" g="0" b="0"/>
+      </a:fillRef>
+      <a:effectRef idx="0">
+        <a:scrgbClr r="0" g="0" b="0"/>
+      </a:effectRef>
+      <a:fontRef idx="minor">
+        <a:schemeClr val="lt1"/>
+      </a:fontRef>
+    </dgm:style>
+  </dgm:styleLbl>
+  <dgm:styleLbl name="node3">
+    <dgm:scene3d>
+      <a:camera prst="orthographicFront"/>
+      <a:lightRig rig="chilly" dir="t"/>
+    </dgm:scene3d>
+    <dgm:sp3d prstMaterial="translucentPowder">
+      <a:bevelT w="127000" h="25400" prst="softRound"/>
+    </dgm:sp3d>
+    <dgm:txPr/>
+    <dgm:style>
+      <a:lnRef idx="0">
+        <a:scrgbClr r="0" g="0" b="0"/>
+      </a:lnRef>
+      <a:fillRef idx="1">
+        <a:scrgbClr r="0" g="0" b="0"/>
+      </a:fillRef>
+      <a:effectRef idx="0">
+        <a:scrgbClr r="0" g="0" b="0"/>
+      </a:effectRef>
+      <a:fontRef idx="minor">
+        <a:schemeClr val="lt1"/>
+      </a:fontRef>
+    </dgm:style>
+  </dgm:styleLbl>
+  <dgm:styleLbl name="node4">
+    <dgm:scene3d>
+      <a:camera prst="orthographicFront"/>
+      <a:lightRig rig="chilly" dir="t"/>
+    </dgm:scene3d>
+    <dgm:sp3d prstMaterial="translucentPowder">
+      <a:bevelT w="127000" h="25400" prst="softRound"/>
+    </dgm:sp3d>
+    <dgm:txPr/>
+    <dgm:style>
+      <a:lnRef idx="0">
+        <a:scrgbClr r="0" g="0" b="0"/>
+      </a:lnRef>
+      <a:fillRef idx="1">
+        <a:scrgbClr r="0" g="0" b="0"/>
+      </a:fillRef>
+      <a:effectRef idx="0">
+        <a:scrgbClr r="0" g="0" b="0"/>
+      </a:effectRef>
+      <a:fontRef idx="minor">
+        <a:schemeClr val="lt1"/>
+      </a:fontRef>
+    </dgm:style>
+  </dgm:styleLbl>
+  <dgm:styleLbl name="fgImgPlace1">
+    <dgm:scene3d>
+      <a:camera prst="orthographicFront"/>
+      <a:lightRig rig="chilly" dir="t"/>
+    </dgm:scene3d>
+    <dgm:sp3d z="12700" extrusionH="12700" prstMaterial="translucentPowder">
+      <a:bevelT w="25400" h="6350" prst="softRound"/>
+      <a:bevelB w="0" h="0" prst="convex"/>
+    </dgm:sp3d>
+    <dgm:txPr/>
+    <dgm:style>
+      <a:lnRef idx="0">
+        <a:scrgbClr r="0" g="0" b="0"/>
+      </a:lnRef>
+      <a:fillRef idx="1">
+        <a:scrgbClr r="0" g="0" b="0"/>
+      </a:fillRef>
+      <a:effectRef idx="0">
+        <a:scrgbClr r="0" g="0" b="0"/>
+      </a:effectRef>
+      <a:fontRef idx="minor"/>
+    </dgm:style>
+  </dgm:styleLbl>
+  <dgm:styleLbl name="alignImgPlace1">
+    <dgm:scene3d>
+      <a:camera prst="orthographicFront"/>
+      <a:lightRig rig="chilly" dir="t"/>
+    </dgm:scene3d>
+    <dgm:sp3d prstMaterial="translucentPowder">
+      <a:bevelT w="127000" h="25400" prst="softRound"/>
+    </dgm:sp3d>
+    <dgm:txPr/>
+    <dgm:style>
+      <a:lnRef idx="0">
+        <a:scrgbClr r="0" g="0" b="0"/>
+      </a:lnRef>
+      <a:fillRef idx="1">
+        <a:scrgbClr r="0" g="0" b="0"/>
+      </a:fillRef>
+      <a:effectRef idx="0">
+        <a:scrgbClr r="0" g="0" b="0"/>
+      </a:effectRef>
+      <a:fontRef idx="minor">
+        <a:schemeClr val="lt1"/>
+      </a:fontRef>
+    </dgm:style>
+  </dgm:styleLbl>
+  <dgm:styleLbl name="bgImgPlace1">
+    <dgm:scene3d>
+      <a:camera prst="orthographicFront"/>
+      <a:lightRig rig="chilly" dir="t"/>
+    </dgm:scene3d>
+    <dgm:sp3d z="-25700" extrusionH="63500" contourW="12700" prstMaterial="matte">
+      <a:contourClr>
+        <a:schemeClr val="lt1"/>
+      </a:contourClr>
+    </dgm:sp3d>
+    <dgm:txPr/>
+    <dgm:style>
+      <a:lnRef idx="0">
+        <a:scrgbClr r="0" g="0" b="0"/>
+      </a:lnRef>
+      <a:fillRef idx="1">
+        <a:scrgbClr r="0" g="0" b="0"/>
+      </a:fillRef>
+      <a:effectRef idx="0">
+        <a:scrgbClr r="0" g="0" b="0"/>
+      </a:effectRef>
+      <a:fontRef idx="minor"/>
+    </dgm:style>
+  </dgm:styleLbl>
+  <dgm:styleLbl name="sibTrans2D1">
+    <dgm:scene3d>
+      <a:camera prst="orthographicFront"/>
+      <a:lightRig rig="chilly" dir="t"/>
+    </dgm:scene3d>
+    <dgm:sp3d z="-70000" extrusionH="1700" prstMaterial="translucentPowder">
+      <a:bevelT w="25400" h="6350" prst="softRound"/>
+      <a:bevelB w="0" h="0" prst="convex"/>
+    </dgm:sp3d>
+    <dgm:txPr/>
+    <dgm:style>
+      <a:lnRef idx="0">
+        <a:scrgbClr r="0" g="0" b="0"/>
+      </a:lnRef>
+      <a:fillRef idx="1">
+        <a:scrgbClr r="0" g="0" b="0"/>
+      </a:fillRef>
+      <a:effectRef idx="0">
+        <a:scrgbClr r="0" g="0" b="0"/>
+      </a:effectRef>
+      <a:fontRef idx="minor">
+        <a:schemeClr val="lt1"/>
+      </a:fontRef>
+    </dgm:style>
+  </dgm:styleLbl>
+  <dgm:styleLbl name="fgSibTrans2D1">
+    <dgm:scene3d>
+      <a:camera prst="orthographicFront"/>
+      <a:lightRig rig="chilly" dir="t"/>
+    </dgm:scene3d>
+    <dgm:sp3d z="12700" extrusionH="1700" prstMaterial="translucentPowder">
+      <a:bevelT w="25400" h="6350" prst="softRound"/>
+      <a:bevelB w="0" h="0" prst="convex"/>
+    </dgm:sp3d>
+    <dgm:txPr/>
+    <dgm:style>
+      <a:lnRef idx="0">
+        <a:scrgbClr r="0" g="0" b="0"/>
+      </a:lnRef>
+      <a:fillRef idx="1">
+        <a:scrgbClr r="0" g="0" b="0"/>
+      </a:fillRef>
+      <a:effectRef idx="0">
+        <a:scrgbClr r="0" g="0" b="0"/>
+      </a:effectRef>
+      <a:fontRef idx="minor"/>
+    </dgm:style>
+  </dgm:styleLbl>
+  <dgm:styleLbl name="bgSibTrans2D1">
+    <dgm:scene3d>
+      <a:camera prst="orthographicFront"/>
+      <a:lightRig rig="chilly" dir="t"/>
+    </dgm:scene3d>
+    <dgm:sp3d z="-25700" extrusionH="1700" prstMaterial="translucentPowder">
+      <a:bevelT w="25400" h="6350" prst="softRound"/>
+      <a:bevelB w="0" h="0" prst="convex"/>
+    </dgm:sp3d>
+    <dgm:txPr/>
+    <dgm:style>
+      <a:lnRef idx="0">
+        <a:scrgbClr r="0" g="0" b="0"/>
+      </a:lnRef>
+      <a:fillRef idx="1">
+        <a:scrgbClr r="0" g="0" b="0"/>
+      </a:fillRef>
+      <a:effectRef idx="0">
+        <a:scrgbClr r="0" g="0" b="0"/>
+      </a:effectRef>
+      <a:fontRef idx="minor"/>
+    </dgm:style>
+  </dgm:styleLbl>
+  <dgm:styleLbl name="sibTrans1D1">
+    <dgm:scene3d>
+      <a:camera prst="orthographicFront"/>
+      <a:lightRig rig="chilly" dir="t"/>
+    </dgm:scene3d>
+    <dgm:sp3d z="-40000" prstMaterial="matte"/>
+    <dgm:txPr/>
+    <dgm:style>
+      <a:lnRef idx="1">
+        <a:scrgbClr r="0" g="0" b="0"/>
+      </a:lnRef>
+      <a:fillRef idx="0">
+        <a:scrgbClr r="0" g="0" b="0"/>
+      </a:fillRef>
+      <a:effectRef idx="0">
+        <a:scrgbClr r="0" g="0" b="0"/>
+      </a:effectRef>
+      <a:fontRef idx="minor"/>
+    </dgm:style>
+  </dgm:styleLbl>
+  <dgm:styleLbl name="callout">
+    <dgm:scene3d>
+      <a:camera prst="orthographicFront"/>
+      <a:lightRig rig="chilly" dir="t"/>
+    </dgm:scene3d>
+    <dgm:sp3d z="127000" prstMaterial="matte"/>
+    <dgm:txPr/>
+    <dgm:style>
+      <a:lnRef idx="2">
+        <a:scrgbClr r="0" g="0" b="0"/>
+      </a:lnRef>
+      <a:fillRef idx="1">
+        <a:scrgbClr r="0" g="0" b="0"/>
+      </a:fillRef>
+      <a:effectRef idx="0">
+        <a:scrgbClr r="0" g="0" b="0"/>
+      </a:effectRef>
+      <a:fontRef idx="minor"/>
+    </dgm:style>
+  </dgm:styleLbl>
+  <dgm:styleLbl name="asst0">
+    <dgm:scene3d>
+      <a:camera prst="orthographicFront"/>
+      <a:lightRig rig="chilly" dir="t"/>
+    </dgm:scene3d>
+    <dgm:sp3d prstMaterial="translucentPowder">
+      <a:bevelT w="127000" h="25400" prst="softRound"/>
+    </dgm:sp3d>
+    <dgm:txPr/>
+    <dgm:style>
+      <a:lnRef idx="0">
+        <a:scrgbClr r="0" g="0" b="0"/>
+      </a:lnRef>
+      <a:fillRef idx="1">
+        <a:scrgbClr r="0" g="0" b="0"/>
+      </a:fillRef>
+      <a:effectRef idx="0">
+        <a:scrgbClr r="0" g="0" b="0"/>
+      </a:effectRef>
+      <a:fontRef idx="minor">
+        <a:schemeClr val="lt1"/>
+      </a:fontRef>
+    </dgm:style>
+  </dgm:styleLbl>
+  <dgm:styleLbl name="asst1">
+    <dgm:scene3d>
+      <a:camera prst="orthographicFront"/>
+      <a:lightRig rig="chilly" dir="t"/>
+    </dgm:scene3d>
+    <dgm:sp3d prstMaterial="translucentPowder">
+      <a:bevelT w="127000" h="25400" prst="softRound"/>
+    </dgm:sp3d>
+    <dgm:txPr/>
+    <dgm:style>
+      <a:lnRef idx="0">
+        <a:scrgbClr r="0" g="0" b="0"/>
+      </a:lnRef>
+      <a:fillRef idx="1">
+        <a:scrgbClr r="0" g="0" b="0"/>
+      </a:fillRef>
+      <a:effectRef idx="0">
+        <a:scrgbClr r="0" g="0" b="0"/>
+      </a:effectRef>
+      <a:fontRef idx="minor">
+        <a:schemeClr val="lt1"/>
+      </a:fontRef>
+    </dgm:style>
+  </dgm:styleLbl>
+  <dgm:styleLbl name="asst2">
+    <dgm:scene3d>
+      <a:camera prst="orthographicFront"/>
+      <a:lightRig rig="chilly" dir="t"/>
+    </dgm:scene3d>
+    <dgm:sp3d prstMaterial="translucentPowder">
+      <a:bevelT w="127000" h="25400" prst="softRound"/>
+    </dgm:sp3d>
+    <dgm:txPr/>
+    <dgm:style>
+      <a:lnRef idx="0">
+        <a:scrgbClr r="0" g="0" b="0"/>
+      </a:lnRef>
+      <a:fillRef idx="1">
+        <a:scrgbClr r="0" g="0" b="0"/>
+      </a:fillRef>
+      <a:effectRef idx="0">
+        <a:scrgbClr r="0" g="0" b="0"/>
+      </a:effectRef>
+      <a:fontRef idx="minor">
+        <a:schemeClr val="lt1"/>
+      </a:fontRef>
+    </dgm:style>
+  </dgm:styleLbl>
+  <dgm:styleLbl name="asst3">
+    <dgm:scene3d>
+      <a:camera prst="orthographicFront"/>
+      <a:lightRig rig="chilly" dir="t"/>
+    </dgm:scene3d>
+    <dgm:sp3d prstMaterial="translucentPowder">
+      <a:bevelT w="127000" h="25400" prst="softRound"/>
+    </dgm:sp3d>
+    <dgm:txPr/>
+    <dgm:style>
+      <a:lnRef idx="0">
+        <a:scrgbClr r="0" g="0" b="0"/>
+      </a:lnRef>
+      <a:fillRef idx="1">
+        <a:scrgbClr r="0" g="0" b="0"/>
+      </a:fillRef>
+      <a:effectRef idx="0">
+        <a:scrgbClr r="0" g="0" b="0"/>
+      </a:effectRef>
+      <a:fontRef idx="minor">
+        <a:schemeClr val="lt1"/>
+      </a:fontRef>
+    </dgm:style>
+  </dgm:styleLbl>
+  <dgm:styleLbl name="parChTrans2D1">
+    <dgm:scene3d>
+      <a:camera prst="orthographicFront"/>
+      <a:lightRig rig="chilly" dir="t"/>
+    </dgm:scene3d>
+    <dgm:sp3d z="1700" extrusionH="1700" prstMaterial="translucentPowder">
+      <a:bevelT w="25400" h="6350" prst="softRound"/>
+      <a:bevelB w="0" h="0" prst="convex"/>
+    </dgm:sp3d>
+    <dgm:txPr/>
+    <dgm:style>
+      <a:lnRef idx="0">
+        <a:scrgbClr r="0" g="0" b="0"/>
+      </a:lnRef>
+      <a:fillRef idx="1">
+        <a:scrgbClr r="0" g="0" b="0"/>
+      </a:fillRef>
+      <a:effectRef idx="0">
+        <a:scrgbClr r="0" g="0" b="0"/>
+      </a:effectRef>
+      <a:fontRef idx="minor"/>
+    </dgm:style>
+  </dgm:styleLbl>
+  <dgm:styleLbl name="parChTrans2D2">
+    <dgm:scene3d>
+      <a:camera prst="orthographicFront"/>
+      <a:lightRig rig="chilly" dir="t"/>
+    </dgm:scene3d>
+    <dgm:sp3d z="1700" extrusionH="1700" prstMaterial="translucentPowder">
+      <a:bevelT w="25400" h="6350" prst="softRound"/>
+      <a:bevelB w="0" h="0" prst="convex"/>
+    </dgm:sp3d>
+    <dgm:txPr/>
+    <dgm:style>
+      <a:lnRef idx="0">
+        <a:scrgbClr r="0" g="0" b="0"/>
+      </a:lnRef>
+      <a:fillRef idx="1">
+        <a:scrgbClr r="0" g="0" b="0"/>
+      </a:fillRef>
+      <a:effectRef idx="0">
+        <a:scrgbClr r="0" g="0" b="0"/>
+      </a:effectRef>
+      <a:fontRef idx="minor"/>
+    </dgm:style>
+  </dgm:styleLbl>
+  <dgm:styleLbl name="parChTrans2D3">
+    <dgm:scene3d>
+      <a:camera prst="orthographicFront"/>
+      <a:lightRig rig="chilly" dir="t"/>
+    </dgm:scene3d>
+    <dgm:sp3d extrusionH="1700" prstMaterial="translucentPowder">
+      <a:bevelT w="25400" h="6350" prst="softRound"/>
+      <a:bevelB w="0" h="0" prst="convex"/>
+    </dgm:sp3d>
+    <dgm:txPr/>
+    <dgm:style>
+      <a:lnRef idx="0">
+        <a:scrgbClr r="0" g="0" b="0"/>
+      </a:lnRef>
+      <a:fillRef idx="1">
+        <a:scrgbClr r="0" g="0" b="0"/>
+      </a:fillRef>
+      <a:effectRef idx="0">
+        <a:scrgbClr r="0" g="0" b="0"/>
+      </a:effectRef>
+      <a:fontRef idx="minor"/>
+    </dgm:style>
+  </dgm:styleLbl>
+  <dgm:styleLbl name="parChTrans2D4">
+    <dgm:scene3d>
+      <a:camera prst="orthographicFront"/>
+      <a:lightRig rig="chilly" dir="t"/>
+    </dgm:scene3d>
+    <dgm:sp3d extrusionH="1700" prstMaterial="translucentPowder">
+      <a:bevelT w="25400" h="6350" prst="softRound"/>
+      <a:bevelB w="0" h="0" prst="convex"/>
+    </dgm:sp3d>
+    <dgm:txPr/>
+    <dgm:style>
+      <a:lnRef idx="0">
+        <a:scrgbClr r="0" g="0" b="0"/>
+      </a:lnRef>
+      <a:fillRef idx="1">
+        <a:scrgbClr r="0" g="0" b="0"/>
+      </a:fillRef>
+      <a:effectRef idx="0">
+        <a:scrgbClr r="0" g="0" b="0"/>
+      </a:effectRef>
+      <a:fontRef idx="minor"/>
+    </dgm:style>
+  </dgm:styleLbl>
+  <dgm:styleLbl name="parChTrans1D1">
+    <dgm:scene3d>
+      <a:camera prst="orthographicFront"/>
+      <a:lightRig rig="chilly" dir="t"/>
+    </dgm:scene3d>
+    <dgm:sp3d z="-40000" prstMaterial="matte"/>
+    <dgm:txPr/>
+    <dgm:style>
+      <a:lnRef idx="2">
+        <a:scrgbClr r="0" g="0" b="0"/>
+      </a:lnRef>
+      <a:fillRef idx="0">
+        <a:scrgbClr r="0" g="0" b="0"/>
+      </a:fillRef>
+      <a:effectRef idx="0">
+        <a:scrgbClr r="0" g="0" b="0"/>
+      </a:effectRef>
+      <a:fontRef idx="minor"/>
+    </dgm:style>
+  </dgm:styleLbl>
+  <dgm:styleLbl name="parChTrans1D2">
+    <dgm:scene3d>
+      <a:camera prst="orthographicFront"/>
+      <a:lightRig rig="threePt" dir="t"/>
+    </dgm:scene3d>
+    <dgm:sp3d z="-40000" prstMaterial="matte"/>
+    <dgm:txPr/>
+    <dgm:style>
+      <a:lnRef idx="2">
+        <a:scrgbClr r="0" g="0" b="0"/>
+      </a:lnRef>
+      <a:fillRef idx="0">
+        <a:scrgbClr r="0" g="0" b="0"/>
+      </a:fillRef>
+      <a:effectRef idx="0">
+        <a:scrgbClr r="0" g="0" b="0"/>
+      </a:effectRef>
+      <a:fontRef idx="minor"/>
+    </dgm:style>
+  </dgm:styleLbl>
+  <dgm:styleLbl name="parChTrans1D3">
+    <dgm:scene3d>
+      <a:camera prst="orthographicFront"/>
+      <a:lightRig rig="chilly" dir="t"/>
+    </dgm:scene3d>
+    <dgm:sp3d z="-40000" prstMaterial="matte"/>
+    <dgm:txPr/>
+    <dgm:style>
+      <a:lnRef idx="2">
+        <a:scrgbClr r="0" g="0" b="0"/>
+      </a:lnRef>
+      <a:fillRef idx="0">
+        <a:scrgbClr r="0" g="0" b="0"/>
+      </a:fillRef>
+      <a:effectRef idx="0">
+        <a:scrgbClr r="0" g="0" b="0"/>
+      </a:effectRef>
+      <a:fontRef idx="minor"/>
+    </dgm:style>
+  </dgm:styleLbl>
+  <dgm:styleLbl name="parChTrans1D4">
+    <dgm:scene3d>
+      <a:camera prst="orthographicFront"/>
+      <a:lightRig rig="chilly" dir="t"/>
+    </dgm:scene3d>
+    <dgm:sp3d z="-40000" prstMaterial="matte"/>
+    <dgm:txPr/>
+    <dgm:style>
+      <a:lnRef idx="2">
+        <a:scrgbClr r="0" g="0" b="0"/>
+      </a:lnRef>
+      <a:fillRef idx="0">
+        <a:scrgbClr r="0" g="0" b="0"/>
+      </a:fillRef>
+      <a:effectRef idx="0">
+        <a:scrgbClr r="0" g="0" b="0"/>
+      </a:effectRef>
+      <a:fontRef idx="minor"/>
+    </dgm:style>
+  </dgm:styleLbl>
+  <dgm:styleLbl name="fgAcc1">
+    <dgm:scene3d>
+      <a:camera prst="orthographicFront"/>
+      <a:lightRig rig="chilly" dir="t"/>
+    </dgm:scene3d>
+    <dgm:sp3d z="12700" extrusionH="1700" prstMaterial="dkEdge">
+      <a:bevelT w="25400" h="6350" prst="softRound"/>
+      <a:bevelB w="0" h="0" prst="convex"/>
+    </dgm:sp3d>
+    <dgm:txPr/>
+    <dgm:style>
+      <a:lnRef idx="1">
+        <a:scrgbClr r="0" g="0" b="0"/>
+      </a:lnRef>
+      <a:fillRef idx="1">
+        <a:scrgbClr r="0" g="0" b="0"/>
+      </a:fillRef>
+      <a:effectRef idx="0">
+        <a:scrgbClr r="0" g="0" b="0"/>
+      </a:effectRef>
+      <a:fontRef idx="minor"/>
+    </dgm:style>
+  </dgm:styleLbl>
+  <dgm:styleLbl name="conFgAcc1">
+    <dgm:scene3d>
+      <a:camera prst="orthographicFront"/>
+      <a:lightRig rig="chilly" dir="t"/>
+    </dgm:scene3d>
+    <dgm:sp3d z="12700" extrusionH="1700" prstMaterial="dkEdge">
+      <a:bevelT w="25400" h="6350" prst="softRound"/>
+      <a:bevelB w="0" h="0" prst="convex"/>
+    </dgm:sp3d>
+    <dgm:txPr/>
+    <dgm:style>
+      <a:lnRef idx="1">
+        <a:scrgbClr r="0" g="0" b="0"/>
+      </a:lnRef>
+      <a:fillRef idx="1">
+        <a:scrgbClr r="0" g="0" b="0"/>
+      </a:fillRef>
+      <a:effectRef idx="0">
+        <a:scrgbClr r="0" g="0" b="0"/>
+      </a:effectRef>
+      <a:fontRef idx="minor"/>
+    </dgm:style>
+  </dgm:styleLbl>
+  <dgm:styleLbl name="alignAcc1">
+    <dgm:scene3d>
+      <a:camera prst="orthographicFront"/>
+      <a:lightRig rig="chilly" dir="t"/>
+    </dgm:scene3d>
+    <dgm:sp3d prstMaterial="dkEdge">
+      <a:bevelT w="25400" h="6350" prst="softRound"/>
+      <a:bevelB w="0" h="0" prst="convex"/>
+    </dgm:sp3d>
+    <dgm:txPr/>
+    <dgm:style>
+      <a:lnRef idx="1">
+        <a:scrgbClr r="0" g="0" b="0"/>
+      </a:lnRef>
+      <a:fillRef idx="1">
+        <a:scrgbClr r="0" g="0" b="0"/>
+      </a:fillRef>
+      <a:effectRef idx="0">
+        <a:scrgbClr r="0" g="0" b="0"/>
+      </a:effectRef>
+      <a:fontRef idx="minor"/>
+    </dgm:style>
+  </dgm:styleLbl>
+  <dgm:styleLbl name="trAlignAcc1">
+    <dgm:scene3d>
+      <a:camera prst="orthographicFront"/>
+      <a:lightRig rig="chilly" dir="t"/>
+    </dgm:scene3d>
+    <dgm:sp3d prstMaterial="dkEdge">
+      <a:bevelT w="127000" h="25400"/>
+    </dgm:sp3d>
+    <dgm:txPr/>
+    <dgm:style>
+      <a:lnRef idx="1">
+        <a:scrgbClr r="0" g="0" b="0"/>
+      </a:lnRef>
+      <a:fillRef idx="1">
+        <a:scrgbClr r="0" g="0" b="0"/>
+      </a:fillRef>
+      <a:effectRef idx="0">
+        <a:scrgbClr r="0" g="0" b="0"/>
+      </a:effectRef>
+      <a:fontRef idx="minor">
+        <a:schemeClr val="lt1"/>
+      </a:fontRef>
+    </dgm:style>
+  </dgm:styleLbl>
+  <dgm:styleLbl name="bgAcc1">
+    <dgm:scene3d>
+      <a:camera prst="orthographicFront"/>
+      <a:lightRig rig="chilly" dir="t"/>
+    </dgm:scene3d>
+    <dgm:sp3d z="-12700" extrusionH="1700" prstMaterial="dkEdge">
+      <a:bevelT w="25400" h="6350" prst="softRound"/>
+      <a:bevelB w="0" h="0" prst="convex"/>
+    </dgm:sp3d>
+    <dgm:txPr/>
+    <dgm:style>
+      <a:lnRef idx="1">
+        <a:scrgbClr r="0" g="0" b="0"/>
+      </a:lnRef>
+      <a:fillRef idx="1">
+        <a:scrgbClr r="0" g="0" b="0"/>
+      </a:fillRef>
+      <a:effectRef idx="0">
+        <a:scrgbClr r="0" g="0" b="0"/>
+      </a:effectRef>
+      <a:fontRef idx="minor"/>
+    </dgm:style>
+  </dgm:styleLbl>
+  <dgm:styleLbl name="solidFgAcc1">
+    <dgm:scene3d>
+      <a:camera prst="orthographicFront"/>
+      <a:lightRig rig="chilly" dir="t"/>
+    </dgm:scene3d>
+    <dgm:sp3d z="12700" extrusionH="1700" prstMaterial="dkEdge">
+      <a:bevelT w="25400" h="6350" prst="softRound"/>
+      <a:bevelB w="0" h="0" prst="convex"/>
+    </dgm:sp3d>
+    <dgm:txPr/>
+    <dgm:style>
+      <a:lnRef idx="1">
+        <a:scrgbClr r="0" g="0" b="0"/>
+      </a:lnRef>
+      <a:fillRef idx="1">
+        <a:scrgbClr r="0" g="0" b="0"/>
+      </a:fillRef>
+      <a:effectRef idx="0">
+        <a:scrgbClr r="0" g="0" b="0"/>
+      </a:effectRef>
+      <a:fontRef idx="minor"/>
+    </dgm:style>
+  </dgm:styleLbl>
+  <dgm:styleLbl name="solidAlignAcc1">
+    <dgm:scene3d>
+      <a:camera prst="orthographicFront"/>
+      <a:lightRig rig="chilly" dir="t"/>
+    </dgm:scene3d>
+    <dgm:sp3d extrusionH="1700" prstMaterial="dkEdge">
+      <a:bevelT w="25400" h="6350" prst="softRound"/>
+      <a:bevelB w="0" h="0" prst="convex"/>
+    </dgm:sp3d>
+    <dgm:txPr/>
+    <dgm:style>
+      <a:lnRef idx="1">
+        <a:scrgbClr r="0" g="0" b="0"/>
+      </a:lnRef>
+      <a:fillRef idx="1">
+        <a:scrgbClr r="0" g="0" b="0"/>
+      </a:fillRef>
+      <a:effectRef idx="0">
+        <a:scrgbClr r="0" g="0" b="0"/>
+      </a:effectRef>
+      <a:fontRef idx="minor"/>
+    </dgm:style>
+  </dgm:styleLbl>
+  <dgm:styleLbl name="solidBgAcc1">
+    <dgm:scene3d>
+      <a:camera prst="orthographicFront"/>
+      <a:lightRig rig="chilly" dir="t"/>
+    </dgm:scene3d>
+    <dgm:sp3d z="-12700" extrusionH="1700" prstMaterial="dkEdge">
+      <a:bevelT w="25400" h="6350" prst="softRound"/>
+      <a:bevelB w="0" h="0" prst="convex"/>
+    </dgm:sp3d>
+    <dgm:txPr/>
+    <dgm:style>
+      <a:lnRef idx="1">
+        <a:scrgbClr r="0" g="0" b="0"/>
+      </a:lnRef>
+      <a:fillRef idx="1">
+        <a:scrgbClr r="0" g="0" b="0"/>
+      </a:fillRef>
+      <a:effectRef idx="0">
+        <a:scrgbClr r="0" g="0" b="0"/>
+      </a:effectRef>
+      <a:fontRef idx="minor"/>
+    </dgm:style>
+  </dgm:styleLbl>
+  <dgm:styleLbl name="fgAccFollowNode1">
+    <dgm:scene3d>
+      <a:camera prst="orthographicFront"/>
+      <a:lightRig rig="chilly" dir="t"/>
+    </dgm:scene3d>
+    <dgm:sp3d z="12700" extrusionH="1700" prstMaterial="dkEdge">
+      <a:bevelT w="25400" h="6350" prst="softRound"/>
+      <a:bevelB w="0" h="0" prst="convex"/>
+    </dgm:sp3d>
+    <dgm:txPr/>
+    <dgm:style>
+      <a:lnRef idx="1">
+        <a:scrgbClr r="0" g="0" b="0"/>
+      </a:lnRef>
+      <a:fillRef idx="1">
+        <a:scrgbClr r="0" g="0" b="0"/>
+      </a:fillRef>
+      <a:effectRef idx="0">
+        <a:scrgbClr r="0" g="0" b="0"/>
+      </a:effectRef>
+      <a:fontRef idx="minor"/>
+    </dgm:style>
+  </dgm:styleLbl>
+  <dgm:styleLbl name="alignAccFollowNode1">
+    <dgm:scene3d>
+      <a:camera prst="orthographicFront"/>
+      <a:lightRig rig="chilly" dir="t"/>
+    </dgm:scene3d>
+    <dgm:sp3d extrusionH="1700" prstMaterial="dkEdge">
+      <a:bevelT w="25400" h="6350" prst="softRound"/>
+      <a:bevelB w="0" h="0" prst="convex"/>
+    </dgm:sp3d>
+    <dgm:txPr/>
+    <dgm:style>
+      <a:lnRef idx="1">
+        <a:scrgbClr r="0" g="0" b="0"/>
+      </a:lnRef>
+      <a:fillRef idx="1">
+        <a:scrgbClr r="0" g="0" b="0"/>
+      </a:fillRef>
+      <a:effectRef idx="0">
+        <a:scrgbClr r="0" g="0" b="0"/>
+      </a:effectRef>
+      <a:fontRef idx="minor"/>
+    </dgm:style>
+  </dgm:styleLbl>
+  <dgm:styleLbl name="bgAccFollowNode1">
+    <dgm:scene3d>
+      <a:camera prst="orthographicFront"/>
+      <a:lightRig rig="chilly" dir="t"/>
+    </dgm:scene3d>
+    <dgm:sp3d z="-12700" extrusionH="1700" prstMaterial="dkEdge">
+      <a:bevelT w="25400" h="6350" prst="softRound"/>
+      <a:bevelB w="0" h="0" prst="convex"/>
+    </dgm:sp3d>
+    <dgm:txPr/>
+    <dgm:style>
+      <a:lnRef idx="1">
+        <a:scrgbClr r="0" g="0" b="0"/>
+      </a:lnRef>
+      <a:fillRef idx="1">
+        <a:scrgbClr r="0" g="0" b="0"/>
+      </a:fillRef>
+      <a:effectRef idx="0">
+        <a:scrgbClr r="0" g="0" b="0"/>
+      </a:effectRef>
+      <a:fontRef idx="minor"/>
+    </dgm:style>
+  </dgm:styleLbl>
+  <dgm:styleLbl name="fgAcc0">
+    <dgm:scene3d>
+      <a:camera prst="orthographicFront"/>
+      <a:lightRig rig="chilly" dir="t"/>
+    </dgm:scene3d>
+    <dgm:sp3d z="12700" extrusionH="1700" prstMaterial="dkEdge">
+      <a:bevelT w="25400" h="6350" prst="softRound"/>
+      <a:bevelB w="0" h="0" prst="convex"/>
+    </dgm:sp3d>
+    <dgm:txPr/>
+    <dgm:style>
+      <a:lnRef idx="1">
+        <a:scrgbClr r="0" g="0" b="0"/>
+      </a:lnRef>
+      <a:fillRef idx="1">
+        <a:scrgbClr r="0" g="0" b="0"/>
+      </a:fillRef>
+      <a:effectRef idx="0">
+        <a:scrgbClr r="0" g="0" b="0"/>
+      </a:effectRef>
+      <a:fontRef idx="minor"/>
+    </dgm:style>
+  </dgm:styleLbl>
+  <dgm:styleLbl name="fgAcc2">
+    <dgm:scene3d>
+      <a:camera prst="orthographicFront"/>
+      <a:lightRig rig="chilly" dir="t"/>
+    </dgm:scene3d>
+    <dgm:sp3d z="12700" extrusionH="1700" prstMaterial="dkEdge">
+      <a:bevelT w="25400" h="6350" prst="softRound"/>
+      <a:bevelB w="0" h="0" prst="convex"/>
+    </dgm:sp3d>
+    <dgm:txPr/>
+    <dgm:style>
+      <a:lnRef idx="1">
+        <a:scrgbClr r="0" g="0" b="0"/>
+      </a:lnRef>
+      <a:fillRef idx="1">
+        <a:scrgbClr r="0" g="0" b="0"/>
+      </a:fillRef>
+      <a:effectRef idx="0">
+        <a:scrgbClr r="0" g="0" b="0"/>
+      </a:effectRef>
+      <a:fontRef idx="minor"/>
+    </dgm:style>
+  </dgm:styleLbl>
+  <dgm:styleLbl name="fgAcc3">
+    <dgm:scene3d>
+      <a:camera prst="orthographicFront"/>
+      <a:lightRig rig="chilly" dir="t"/>
+    </dgm:scene3d>
+    <dgm:sp3d z="12700" extrusionH="1700" prstMaterial="dkEdge">
+      <a:bevelT w="25400" h="6350" prst="softRound"/>
+      <a:bevelB w="0" h="0" prst="convex"/>
+    </dgm:sp3d>
+    <dgm:txPr/>
+    <dgm:style>
+      <a:lnRef idx="1">
+        <a:scrgbClr r="0" g="0" b="0"/>
+      </a:lnRef>
+      <a:fillRef idx="1">
+        <a:scrgbClr r="0" g="0" b="0"/>
+      </a:fillRef>
+      <a:effectRef idx="0">
+        <a:scrgbClr r="0" g="0" b="0"/>
+      </a:effectRef>
+      <a:fontRef idx="minor"/>
+    </dgm:style>
+  </dgm:styleLbl>
+  <dgm:styleLbl name="fgAcc4">
+    <dgm:scene3d>
+      <a:camera prst="orthographicFront"/>
+      <a:lightRig rig="chilly" dir="t"/>
+    </dgm:scene3d>
+    <dgm:sp3d z="12700" extrusionH="1700" prstMaterial="dkEdge">
+      <a:bevelT w="25400" h="6350" prst="softRound"/>
+      <a:bevelB w="0" h="0" prst="convex"/>
+    </dgm:sp3d>
+    <dgm:txPr/>
+    <dgm:style>
+      <a:lnRef idx="1">
+        <a:scrgbClr r="0" g="0" b="0"/>
+      </a:lnRef>
+      <a:fillRef idx="1">
+        <a:scrgbClr r="0" g="0" b="0"/>
+      </a:fillRef>
+      <a:effectRef idx="0">
+        <a:scrgbClr r="0" g="0" b="0"/>
+      </a:effectRef>
+      <a:fontRef idx="minor"/>
+    </dgm:style>
+  </dgm:styleLbl>
+  <dgm:styleLbl name="bgShp">
+    <dgm:scene3d>
+      <a:camera prst="orthographicFront"/>
+      <a:lightRig rig="chilly" dir="t"/>
+    </dgm:scene3d>
+    <dgm:sp3d z="-12700" extrusionH="1700" prstMaterial="translucentPowder">
+      <a:bevelT w="25400" h="6350" prst="softRound"/>
+      <a:bevelB w="0" h="0" prst="convex"/>
+    </dgm:sp3d>
+    <dgm:txPr/>
+    <dgm:style>
+      <a:lnRef idx="0">
+        <a:scrgbClr r="0" g="0" b="0"/>
+      </a:lnRef>
+      <a:fillRef idx="1">
+        <a:scrgbClr r="0" g="0" b="0"/>
+      </a:fillRef>
+      <a:effectRef idx="0">
+        <a:scrgbClr r="0" g="0" b="0"/>
+      </a:effectRef>
+      <a:fontRef idx="minor"/>
+    </dgm:style>
+  </dgm:styleLbl>
+  <dgm:styleLbl name="dkBgShp">
+    <dgm:scene3d>
+      <a:camera prst="orthographicFront"/>
+      <a:lightRig rig="chilly" dir="t"/>
+    </dgm:scene3d>
+    <dgm:sp3d extrusionH="1700" prstMaterial="translucentPowder">
+      <a:bevelT w="25400" h="6350" prst="softRound"/>
+      <a:bevelB w="0" h="0" prst="convex"/>
+    </dgm:sp3d>
+    <dgm:txPr/>
+    <dgm:style>
+      <a:lnRef idx="0">
+        <a:scrgbClr r="0" g="0" b="0"/>
+      </a:lnRef>
+      <a:fillRef idx="1">
+        <a:scrgbClr r="0" g="0" b="0"/>
+      </a:fillRef>
+      <a:effectRef idx="0">
+        <a:scrgbClr r="0" g="0" b="0"/>
+      </a:effectRef>
+      <a:fontRef idx="minor"/>
+    </dgm:style>
+  </dgm:styleLbl>
+  <dgm:styleLbl name="trBgShp">
+    <dgm:scene3d>
+      <a:camera prst="orthographicFront"/>
+      <a:lightRig rig="chilly" dir="t"/>
+    </dgm:scene3d>
+    <dgm:sp3d z="-152400" prstMaterial="matte"/>
+    <dgm:txPr/>
+    <dgm:style>
+      <a:lnRef idx="0">
+        <a:scrgbClr r="0" g="0" b="0"/>
+      </a:lnRef>
+      <a:fillRef idx="1">
+        <a:scrgbClr r="0" g="0" b="0"/>
+      </a:fillRef>
+      <a:effectRef idx="0">
+        <a:scrgbClr r="0" g="0" b="0"/>
+      </a:effectRef>
+      <a:fontRef idx="minor"/>
+    </dgm:style>
+  </dgm:styleLbl>
+  <dgm:styleLbl name="fgShp">
+    <dgm:scene3d>
+      <a:camera prst="orthographicFront"/>
+      <a:lightRig rig="chilly" dir="t"/>
+    </dgm:scene3d>
+    <dgm:sp3d z="12700" extrusionH="1700" prstMaterial="translucentPowder">
+      <a:bevelT w="25400" h="6350" prst="softRound"/>
+      <a:bevelB w="0" h="0" prst="convex"/>
+    </dgm:sp3d>
+    <dgm:txPr/>
+    <dgm:style>
+      <a:lnRef idx="0">
+        <a:scrgbClr r="0" g="0" b="0"/>
+      </a:lnRef>
+      <a:fillRef idx="1">
+        <a:scrgbClr r="0" g="0" b="0"/>
+      </a:fillRef>
+      <a:effectRef idx="0">
+        <a:scrgbClr r="0" g="0" b="0"/>
+      </a:effectRef>
+      <a:fontRef idx="minor"/>
+    </dgm:style>
+  </dgm:styleLbl>
+  <dgm:styleLbl name="revTx">
+    <dgm:scene3d>
+      <a:camera prst="orthographicFront"/>
+      <a:lightRig rig="threePt" dir="t"/>
+    </dgm:scene3d>
+    <dgm:sp3d/>
+    <dgm:txPr/>
+    <dgm:style>
+      <a:lnRef idx="0">
+        <a:scrgbClr r="0" g="0" b="0"/>
+      </a:lnRef>
+      <a:fillRef idx="0">
+        <a:scrgbClr r="0" g="0" b="0"/>
+      </a:fillRef>
+      <a:effectRef idx="0">
+        <a:scrgbClr r="0" g="0" b="0"/>
+      </a:effectRef>
+      <a:fontRef idx="minor"/>
+    </dgm:style>
+  </dgm:styleLbl>
+</dgm:styleDef>
+</file>
+
 <file path=ppt/slideLayouts/slideLayout1.xml><?xml version="1.0" encoding="utf-8"?>
 <p:sldLayout xmlns:a="http://schemas.openxmlformats.org/drawingml/2006/main" xmlns:r="http://schemas.openxmlformats.org/officeDocument/2006/relationships" xmlns:p="http://schemas.openxmlformats.org/presentationml/2006/main" showMasterSp="0" type="title" preserve="1">
   <p:cSld name="Diapositiva titolo">
@@ -2413,7 +4552,7 @@
           <a:p>
             <a:fld id="{BB13FF18-858D-4A6C-8E7A-419597778596}" type="datetimeFigureOut">
               <a:rPr lang="it-IT" smtClean="0"/>
-              <a:t>21/11/2017</a:t>
+              <a:t>07/12/2017</a:t>
             </a:fld>
             <a:endParaRPr lang="it-IT"/>
           </a:p>
@@ -2743,7 +4882,7 @@
           <a:p>
             <a:fld id="{BB13FF18-858D-4A6C-8E7A-419597778596}" type="datetimeFigureOut">
               <a:rPr lang="it-IT" smtClean="0"/>
-              <a:t>21/11/2017</a:t>
+              <a:t>07/12/2017</a:t>
             </a:fld>
             <a:endParaRPr lang="it-IT"/>
           </a:p>
@@ -2923,7 +5062,7 @@
           <a:p>
             <a:fld id="{BB13FF18-858D-4A6C-8E7A-419597778596}" type="datetimeFigureOut">
               <a:rPr lang="it-IT" smtClean="0"/>
-              <a:t>21/11/2017</a:t>
+              <a:t>07/12/2017</a:t>
             </a:fld>
             <a:endParaRPr lang="it-IT"/>
           </a:p>
@@ -3093,7 +5232,7 @@
           <a:p>
             <a:fld id="{BB13FF18-858D-4A6C-8E7A-419597778596}" type="datetimeFigureOut">
               <a:rPr lang="it-IT" smtClean="0"/>
-              <a:t>21/11/2017</a:t>
+              <a:t>07/12/2017</a:t>
             </a:fld>
             <a:endParaRPr lang="it-IT"/>
           </a:p>
@@ -3370,7 +5509,7 @@
           <a:p>
             <a:fld id="{BB13FF18-858D-4A6C-8E7A-419597778596}" type="datetimeFigureOut">
               <a:rPr lang="it-IT" smtClean="0"/>
-              <a:t>21/11/2017</a:t>
+              <a:t>07/12/2017</a:t>
             </a:fld>
             <a:endParaRPr lang="it-IT"/>
           </a:p>
@@ -3764,7 +5903,7 @@
           <a:p>
             <a:fld id="{BB13FF18-858D-4A6C-8E7A-419597778596}" type="datetimeFigureOut">
               <a:rPr lang="it-IT" smtClean="0"/>
-              <a:t>21/11/2017</a:t>
+              <a:t>07/12/2017</a:t>
             </a:fld>
             <a:endParaRPr lang="it-IT"/>
           </a:p>
@@ -4241,7 +6380,7 @@
           <a:p>
             <a:fld id="{BB13FF18-858D-4A6C-8E7A-419597778596}" type="datetimeFigureOut">
               <a:rPr lang="it-IT" smtClean="0"/>
-              <a:t>21/11/2017</a:t>
+              <a:t>07/12/2017</a:t>
             </a:fld>
             <a:endParaRPr lang="it-IT"/>
           </a:p>
@@ -4359,7 +6498,7 @@
           <a:p>
             <a:fld id="{BB13FF18-858D-4A6C-8E7A-419597778596}" type="datetimeFigureOut">
               <a:rPr lang="it-IT" smtClean="0"/>
-              <a:t>21/11/2017</a:t>
+              <a:t>07/12/2017</a:t>
             </a:fld>
             <a:endParaRPr lang="it-IT"/>
           </a:p>
@@ -4454,7 +6593,7 @@
           <a:p>
             <a:fld id="{BB13FF18-858D-4A6C-8E7A-419597778596}" type="datetimeFigureOut">
               <a:rPr lang="it-IT" smtClean="0"/>
-              <a:t>21/11/2017</a:t>
+              <a:t>07/12/2017</a:t>
             </a:fld>
             <a:endParaRPr lang="it-IT"/>
           </a:p>
@@ -4800,7 +6939,7 @@
           <a:p>
             <a:fld id="{BB13FF18-858D-4A6C-8E7A-419597778596}" type="datetimeFigureOut">
               <a:rPr lang="it-IT" smtClean="0"/>
-              <a:t>21/11/2017</a:t>
+              <a:t>07/12/2017</a:t>
             </a:fld>
             <a:endParaRPr lang="it-IT"/>
           </a:p>
@@ -5188,7 +7327,7 @@
           <a:p>
             <a:fld id="{BB13FF18-858D-4A6C-8E7A-419597778596}" type="datetimeFigureOut">
               <a:rPr lang="it-IT" smtClean="0"/>
-              <a:t>21/11/2017</a:t>
+              <a:t>07/12/2017</a:t>
             </a:fld>
             <a:endParaRPr lang="it-IT"/>
           </a:p>
@@ -5466,7 +7605,7 @@
           <a:p>
             <a:fld id="{BB13FF18-858D-4A6C-8E7A-419597778596}" type="datetimeFigureOut">
               <a:rPr lang="it-IT" smtClean="0"/>
-              <a:t>21/11/2017</a:t>
+              <a:t>07/12/2017</a:t>
             </a:fld>
             <a:endParaRPr lang="it-IT"/>
           </a:p>
@@ -6344,14 +8483,14 @@
             <p:ph idx="1"/>
             <p:extLst>
               <p:ext uri="{D42A27DB-BD31-4B8C-83A1-F6EECF244321}">
-                <p14:modId xmlns:p14="http://schemas.microsoft.com/office/powerpoint/2010/main" val="445740152"/>
+                <p14:modId xmlns:p14="http://schemas.microsoft.com/office/powerpoint/2010/main" val="620471143"/>
               </p:ext>
             </p:extLst>
           </p:nvPr>
         </p:nvGraphicFramePr>
         <p:xfrm>
           <a:off x="838200" y="1447060"/>
-          <a:ext cx="10951346" cy="5220070"/>
+          <a:ext cx="5076000" cy="5220070"/>
         </p:xfrm>
         <a:graphic>
           <a:graphicData uri="http://schemas.openxmlformats.org/drawingml/2006/diagram">
@@ -6373,8 +8512,8 @@
         </p:nvSpPr>
         <p:spPr>
           <a:xfrm>
-            <a:off x="877027" y="1460947"/>
-            <a:ext cx="2427543" cy="2075861"/>
+            <a:off x="1011165" y="2231385"/>
+            <a:ext cx="1915257" cy="1597980"/>
           </a:xfrm>
           <a:prstGeom prst="ellipse">
             <a:avLst/>
@@ -6403,7 +8542,7 @@
             <a:pPr algn="ctr"/>
             <a:r>
               <a:rPr lang="en-US" dirty="0"/>
-              <a:t>Blue coin installation and connection with the data processing unit</a:t>
+              <a:t>Blue coin installation on motor </a:t>
             </a:r>
           </a:p>
         </p:txBody>
@@ -6422,7 +8561,7 @@
         </p:nvSpPr>
         <p:spPr>
           <a:xfrm>
-            <a:off x="1970395" y="4451302"/>
+            <a:off x="3033098" y="2772623"/>
             <a:ext cx="2139518" cy="1849854"/>
           </a:xfrm>
           <a:prstGeom prst="ellipse">
@@ -6470,8 +8609,8 @@
           <p:nvPr/>
         </p:nvSpPr>
         <p:spPr>
-          <a:xfrm>
-            <a:off x="3399184" y="2286611"/>
+          <a:xfrm rot="5400000">
+            <a:off x="1539026" y="4190811"/>
             <a:ext cx="667748" cy="496528"/>
           </a:xfrm>
           <a:prstGeom prst="rightArrow">
@@ -6505,7 +8644,56 @@
       </p:sp>
       <p:sp>
         <p:nvSpPr>
-          <p:cNvPr id="9" name="Freccia a destra 8">
+          <p:cNvPr id="10" name="Ovale 9">
+            <a:extLst>
+              <a:ext uri="{FF2B5EF4-FFF2-40B4-BE49-F238E27FC236}">
+                <a16:creationId xmlns:a16="http://schemas.microsoft.com/office/drawing/2014/main" id="{7D2481BC-556D-4A5B-8ACC-76105A174A3F}"/>
+              </a:ext>
+            </a:extLst>
+          </p:cNvPr>
+          <p:cNvSpPr/>
+          <p:nvPr/>
+        </p:nvSpPr>
+        <p:spPr>
+          <a:xfrm>
+            <a:off x="1033418" y="4850926"/>
+            <a:ext cx="1915257" cy="1791409"/>
+          </a:xfrm>
+          <a:prstGeom prst="ellipse">
+            <a:avLst/>
+          </a:prstGeom>
+        </p:spPr>
+        <p:style>
+          <a:lnRef idx="2">
+            <a:schemeClr val="accent1">
+              <a:shade val="50000"/>
+            </a:schemeClr>
+          </a:lnRef>
+          <a:fillRef idx="1">
+            <a:schemeClr val="accent1"/>
+          </a:fillRef>
+          <a:effectRef idx="0">
+            <a:schemeClr val="accent1"/>
+          </a:effectRef>
+          <a:fontRef idx="minor">
+            <a:schemeClr val="lt1"/>
+          </a:fontRef>
+        </p:style>
+        <p:txBody>
+          <a:bodyPr rtlCol="0" anchor="ctr"/>
+          <a:lstStyle/>
+          <a:p>
+            <a:pPr algn="ctr"/>
+            <a:r>
+              <a:rPr lang="en-US" dirty="0"/>
+              <a:t>Data sensing</a:t>
+            </a:r>
+          </a:p>
+        </p:txBody>
+      </p:sp>
+      <p:sp>
+        <p:nvSpPr>
+          <p:cNvPr id="11" name="Freccia a destra 8">
             <a:extLst>
               <a:ext uri="{FF2B5EF4-FFF2-40B4-BE49-F238E27FC236}">
                 <a16:creationId xmlns:a16="http://schemas.microsoft.com/office/drawing/2014/main" id="{5F8B9189-57DA-4A67-B0C6-FC9673114617}"/>
@@ -6516,9 +8704,9 @@
           <p:nvPr/>
         </p:nvSpPr>
         <p:spPr>
-          <a:xfrm rot="20244994">
-            <a:off x="4374412" y="4595095"/>
-            <a:ext cx="1599004" cy="541792"/>
+          <a:xfrm rot="18863771">
+            <a:off x="2863460" y="4691954"/>
+            <a:ext cx="723751" cy="541792"/>
           </a:xfrm>
           <a:prstGeom prst="rightArrow">
             <a:avLst/>
@@ -6551,10 +8739,10 @@
       </p:sp>
       <p:sp>
         <p:nvSpPr>
-          <p:cNvPr id="10" name="Ovale 9">
+          <p:cNvPr id="20" name="Ovale 19">
             <a:extLst>
               <a:ext uri="{FF2B5EF4-FFF2-40B4-BE49-F238E27FC236}">
-                <a16:creationId xmlns:a16="http://schemas.microsoft.com/office/drawing/2014/main" id="{7D2481BC-556D-4A5B-8ACC-76105A174A3F}"/>
+                <a16:creationId xmlns:a16="http://schemas.microsoft.com/office/drawing/2014/main" id="{DD2BE7E4-5294-4DBF-9CEF-0C11C6575449}"/>
               </a:ext>
             </a:extLst>
           </p:cNvPr>
@@ -6563,7 +8751,56 @@
         </p:nvSpPr>
         <p:spPr>
           <a:xfrm>
-            <a:off x="4201198" y="1609948"/>
+            <a:off x="6478235" y="2187413"/>
+            <a:ext cx="1915257" cy="1597980"/>
+          </a:xfrm>
+          <a:prstGeom prst="ellipse">
+            <a:avLst/>
+          </a:prstGeom>
+        </p:spPr>
+        <p:style>
+          <a:lnRef idx="2">
+            <a:schemeClr val="accent1">
+              <a:shade val="50000"/>
+            </a:schemeClr>
+          </a:lnRef>
+          <a:fillRef idx="1">
+            <a:schemeClr val="accent1"/>
+          </a:fillRef>
+          <a:effectRef idx="0">
+            <a:schemeClr val="accent1"/>
+          </a:effectRef>
+          <a:fontRef idx="minor">
+            <a:schemeClr val="lt1"/>
+          </a:fontRef>
+        </p:style>
+        <p:txBody>
+          <a:bodyPr rtlCol="0" anchor="ctr"/>
+          <a:lstStyle/>
+          <a:p>
+            <a:pPr algn="ctr"/>
+            <a:r>
+              <a:rPr lang="en-US" dirty="0"/>
+              <a:t>Blue coin installation on motor </a:t>
+            </a:r>
+          </a:p>
+        </p:txBody>
+      </p:sp>
+      <p:sp>
+        <p:nvSpPr>
+          <p:cNvPr id="21" name="Ovale 20">
+            <a:extLst>
+              <a:ext uri="{FF2B5EF4-FFF2-40B4-BE49-F238E27FC236}">
+                <a16:creationId xmlns:a16="http://schemas.microsoft.com/office/drawing/2014/main" id="{E8F4C0BF-D9EA-4C78-8D02-267257F3AA31}"/>
+              </a:ext>
+            </a:extLst>
+          </p:cNvPr>
+          <p:cNvSpPr/>
+          <p:nvPr/>
+        </p:nvSpPr>
+        <p:spPr>
+          <a:xfrm>
+            <a:off x="9610076" y="2035690"/>
             <a:ext cx="2139518" cy="1849854"/>
           </a:xfrm>
           <a:prstGeom prst="ellipse">
@@ -6593,17 +8830,17 @@
             <a:pPr algn="ctr"/>
             <a:r>
               <a:rPr lang="en-US" dirty="0"/>
-              <a:t>Data sensing</a:t>
+              <a:t>Data checking</a:t>
             </a:r>
           </a:p>
         </p:txBody>
       </p:sp>
       <p:sp>
         <p:nvSpPr>
-          <p:cNvPr id="11" name="Freccia a destra 8">
+          <p:cNvPr id="22" name="Freccia a destra 21">
             <a:extLst>
               <a:ext uri="{FF2B5EF4-FFF2-40B4-BE49-F238E27FC236}">
-                <a16:creationId xmlns:a16="http://schemas.microsoft.com/office/drawing/2014/main" id="{5F8B9189-57DA-4A67-B0C6-FC9673114617}"/>
+                <a16:creationId xmlns:a16="http://schemas.microsoft.com/office/drawing/2014/main" id="{BC9C254F-16F8-4314-8A13-36A3AA5E01BA}"/>
               </a:ext>
             </a:extLst>
           </p:cNvPr>
@@ -6611,247 +8848,8 @@
           <p:nvPr/>
         </p:nvSpPr>
         <p:spPr>
-          <a:xfrm rot="7761103">
-            <a:off x="3556702" y="3620424"/>
-            <a:ext cx="978991" cy="541792"/>
-          </a:xfrm>
-          <a:prstGeom prst="rightArrow">
-            <a:avLst/>
-          </a:prstGeom>
-        </p:spPr>
-        <p:style>
-          <a:lnRef idx="2">
-            <a:schemeClr val="accent1">
-              <a:shade val="50000"/>
-            </a:schemeClr>
-          </a:lnRef>
-          <a:fillRef idx="1">
-            <a:schemeClr val="accent1"/>
-          </a:fillRef>
-          <a:effectRef idx="0">
-            <a:schemeClr val="accent1"/>
-          </a:effectRef>
-          <a:fontRef idx="minor">
-            <a:schemeClr val="lt1"/>
-          </a:fontRef>
-        </p:style>
-        <p:txBody>
-          <a:bodyPr rtlCol="0" anchor="ctr"/>
-          <a:lstStyle/>
-          <a:p>
-            <a:pPr algn="ctr"/>
-            <a:endParaRPr lang="en-US"/>
-          </a:p>
-        </p:txBody>
-      </p:sp>
-      <p:sp>
-        <p:nvSpPr>
-          <p:cNvPr id="12" name="Ovale 11">
-            <a:extLst>
-              <a:ext uri="{FF2B5EF4-FFF2-40B4-BE49-F238E27FC236}">
-                <a16:creationId xmlns:a16="http://schemas.microsoft.com/office/drawing/2014/main" id="{97F98DAA-EA42-4761-A9AF-A45201F7F4B0}"/>
-              </a:ext>
-            </a:extLst>
-          </p:cNvPr>
-          <p:cNvSpPr/>
-          <p:nvPr/>
-        </p:nvSpPr>
-        <p:spPr>
-          <a:xfrm>
-            <a:off x="9222790" y="1573730"/>
-            <a:ext cx="2348883" cy="1968053"/>
-          </a:xfrm>
-          <a:prstGeom prst="ellipse">
-            <a:avLst/>
-          </a:prstGeom>
-        </p:spPr>
-        <p:style>
-          <a:lnRef idx="2">
-            <a:schemeClr val="accent1">
-              <a:shade val="50000"/>
-            </a:schemeClr>
-          </a:lnRef>
-          <a:fillRef idx="1">
-            <a:schemeClr val="accent1"/>
-          </a:fillRef>
-          <a:effectRef idx="0">
-            <a:schemeClr val="accent1"/>
-          </a:effectRef>
-          <a:fontRef idx="minor">
-            <a:schemeClr val="lt1"/>
-          </a:fontRef>
-        </p:style>
-        <p:txBody>
-          <a:bodyPr rtlCol="0" anchor="ctr"/>
-          <a:lstStyle/>
-          <a:p>
-            <a:pPr algn="ctr"/>
-            <a:r>
-              <a:rPr lang="en-US" dirty="0"/>
-              <a:t>Data checking</a:t>
-            </a:r>
-          </a:p>
-        </p:txBody>
-      </p:sp>
-      <p:sp>
-        <p:nvSpPr>
-          <p:cNvPr id="13" name="Ovale 12">
-            <a:extLst>
-              <a:ext uri="{FF2B5EF4-FFF2-40B4-BE49-F238E27FC236}">
-                <a16:creationId xmlns:a16="http://schemas.microsoft.com/office/drawing/2014/main" id="{8DF7BDAB-26EF-415F-9DF6-96C1D46D94FE}"/>
-              </a:ext>
-            </a:extLst>
-          </p:cNvPr>
-          <p:cNvSpPr/>
-          <p:nvPr/>
-        </p:nvSpPr>
-        <p:spPr>
-          <a:xfrm>
-            <a:off x="9222790" y="4570339"/>
-            <a:ext cx="2656585" cy="1968053"/>
-          </a:xfrm>
-          <a:prstGeom prst="ellipse">
-            <a:avLst/>
-          </a:prstGeom>
-        </p:spPr>
-        <p:style>
-          <a:lnRef idx="2">
-            <a:schemeClr val="accent1">
-              <a:shade val="50000"/>
-            </a:schemeClr>
-          </a:lnRef>
-          <a:fillRef idx="1">
-            <a:schemeClr val="accent1"/>
-          </a:fillRef>
-          <a:effectRef idx="0">
-            <a:schemeClr val="accent1"/>
-          </a:effectRef>
-          <a:fontRef idx="minor">
-            <a:schemeClr val="lt1"/>
-          </a:fontRef>
-        </p:style>
-        <p:txBody>
-          <a:bodyPr rtlCol="0" anchor="ctr"/>
-          <a:lstStyle/>
-          <a:p>
-            <a:pPr algn="ctr"/>
-            <a:r>
-              <a:rPr lang="en-US" dirty="0"/>
-              <a:t>Positive/Negative Output</a:t>
-            </a:r>
-          </a:p>
-        </p:txBody>
-      </p:sp>
-      <p:sp>
-        <p:nvSpPr>
-          <p:cNvPr id="14" name="Ovale 13">
-            <a:extLst>
-              <a:ext uri="{FF2B5EF4-FFF2-40B4-BE49-F238E27FC236}">
-                <a16:creationId xmlns:a16="http://schemas.microsoft.com/office/drawing/2014/main" id="{2A1199B0-C766-4FBD-90BD-F288E4A34CA2}"/>
-              </a:ext>
-            </a:extLst>
-          </p:cNvPr>
-          <p:cNvSpPr/>
-          <p:nvPr/>
-        </p:nvSpPr>
-        <p:spPr>
-          <a:xfrm>
-            <a:off x="6105972" y="3251439"/>
-            <a:ext cx="2348883" cy="1968053"/>
-          </a:xfrm>
-          <a:prstGeom prst="ellipse">
-            <a:avLst/>
-          </a:prstGeom>
-        </p:spPr>
-        <p:style>
-          <a:lnRef idx="2">
-            <a:schemeClr val="accent1">
-              <a:shade val="50000"/>
-            </a:schemeClr>
-          </a:lnRef>
-          <a:fillRef idx="1">
-            <a:schemeClr val="accent1"/>
-          </a:fillRef>
-          <a:effectRef idx="0">
-            <a:schemeClr val="accent1"/>
-          </a:effectRef>
-          <a:fontRef idx="minor">
-            <a:schemeClr val="lt1"/>
-          </a:fontRef>
-        </p:style>
-        <p:txBody>
-          <a:bodyPr rtlCol="0" anchor="ctr"/>
-          <a:lstStyle/>
-          <a:p>
-            <a:pPr algn="ctr"/>
-            <a:r>
-              <a:rPr lang="en-US" dirty="0"/>
-              <a:t>Data Sensing</a:t>
-            </a:r>
-          </a:p>
-        </p:txBody>
-      </p:sp>
-      <p:sp>
-        <p:nvSpPr>
-          <p:cNvPr id="15" name="Freccia a destra 14">
-            <a:extLst>
-              <a:ext uri="{FF2B5EF4-FFF2-40B4-BE49-F238E27FC236}">
-                <a16:creationId xmlns:a16="http://schemas.microsoft.com/office/drawing/2014/main" id="{7BE2A9EA-56FF-41CA-AE39-456EE8441BB2}"/>
-              </a:ext>
-            </a:extLst>
-          </p:cNvPr>
-          <p:cNvSpPr/>
-          <p:nvPr/>
-        </p:nvSpPr>
-        <p:spPr>
-          <a:xfrm rot="12732757">
-            <a:off x="8286473" y="4811172"/>
-            <a:ext cx="748575" cy="496528"/>
-          </a:xfrm>
-          <a:prstGeom prst="rightArrow">
-            <a:avLst/>
-          </a:prstGeom>
-        </p:spPr>
-        <p:style>
-          <a:lnRef idx="2">
-            <a:schemeClr val="accent1">
-              <a:shade val="50000"/>
-            </a:schemeClr>
-          </a:lnRef>
-          <a:fillRef idx="1">
-            <a:schemeClr val="accent1"/>
-          </a:fillRef>
-          <a:effectRef idx="0">
-            <a:schemeClr val="accent1"/>
-          </a:effectRef>
-          <a:fontRef idx="minor">
-            <a:schemeClr val="lt1"/>
-          </a:fontRef>
-        </p:style>
-        <p:txBody>
-          <a:bodyPr rtlCol="0" anchor="ctr"/>
-          <a:lstStyle/>
-          <a:p>
-            <a:pPr algn="ctr"/>
-            <a:endParaRPr lang="en-US"/>
-          </a:p>
-        </p:txBody>
-      </p:sp>
-      <p:sp>
-        <p:nvSpPr>
-          <p:cNvPr id="16" name="Freccia a destra 15">
-            <a:extLst>
-              <a:ext uri="{FF2B5EF4-FFF2-40B4-BE49-F238E27FC236}">
-                <a16:creationId xmlns:a16="http://schemas.microsoft.com/office/drawing/2014/main" id="{ECAB3A44-0FC5-4B16-A0E4-0A3A42450DC4}"/>
-              </a:ext>
-            </a:extLst>
-          </p:cNvPr>
-          <p:cNvSpPr/>
-          <p:nvPr/>
-        </p:nvSpPr>
-        <p:spPr>
           <a:xfrm rot="5400000">
-            <a:off x="10063357" y="3859463"/>
+            <a:off x="6991196" y="3971154"/>
             <a:ext cx="667748" cy="496528"/>
           </a:xfrm>
           <a:prstGeom prst="rightArrow">
@@ -6885,10 +8883,10 @@
       </p:sp>
       <p:sp>
         <p:nvSpPr>
-          <p:cNvPr id="17" name="Freccia a destra 16">
+          <p:cNvPr id="23" name="Ovale 22">
             <a:extLst>
               <a:ext uri="{FF2B5EF4-FFF2-40B4-BE49-F238E27FC236}">
-                <a16:creationId xmlns:a16="http://schemas.microsoft.com/office/drawing/2014/main" id="{96A675D2-8B42-40A2-B78A-F098FCF6136D}"/>
+                <a16:creationId xmlns:a16="http://schemas.microsoft.com/office/drawing/2014/main" id="{00E72210-1478-467D-AACB-C3A9E9D978D8}"/>
               </a:ext>
             </a:extLst>
           </p:cNvPr>
@@ -6896,9 +8894,58 @@
           <p:nvPr/>
         </p:nvSpPr>
         <p:spPr>
-          <a:xfrm rot="19713660">
-            <a:off x="8335137" y="2917757"/>
-            <a:ext cx="696254" cy="496528"/>
+          <a:xfrm>
+            <a:off x="6367441" y="4842976"/>
+            <a:ext cx="1915257" cy="1791409"/>
+          </a:xfrm>
+          <a:prstGeom prst="ellipse">
+            <a:avLst/>
+          </a:prstGeom>
+        </p:spPr>
+        <p:style>
+          <a:lnRef idx="2">
+            <a:schemeClr val="accent1">
+              <a:shade val="50000"/>
+            </a:schemeClr>
+          </a:lnRef>
+          <a:fillRef idx="1">
+            <a:schemeClr val="accent1"/>
+          </a:fillRef>
+          <a:effectRef idx="0">
+            <a:schemeClr val="accent1"/>
+          </a:effectRef>
+          <a:fontRef idx="minor">
+            <a:schemeClr val="lt1"/>
+          </a:fontRef>
+        </p:style>
+        <p:txBody>
+          <a:bodyPr rtlCol="0" anchor="ctr"/>
+          <a:lstStyle/>
+          <a:p>
+            <a:pPr algn="ctr"/>
+            <a:r>
+              <a:rPr lang="en-US" dirty="0"/>
+              <a:t>Data sensing</a:t>
+            </a:r>
+          </a:p>
+        </p:txBody>
+      </p:sp>
+      <p:sp>
+        <p:nvSpPr>
+          <p:cNvPr id="24" name="Freccia a destra 8">
+            <a:extLst>
+              <a:ext uri="{FF2B5EF4-FFF2-40B4-BE49-F238E27FC236}">
+                <a16:creationId xmlns:a16="http://schemas.microsoft.com/office/drawing/2014/main" id="{122F26E2-8A6E-4DDA-B34B-41D049ABFE78}"/>
+              </a:ext>
+            </a:extLst>
+          </p:cNvPr>
+          <p:cNvSpPr/>
+          <p:nvPr/>
+        </p:nvSpPr>
+        <p:spPr>
+          <a:xfrm rot="18863771">
+            <a:off x="8114481" y="4010997"/>
+            <a:ext cx="1774137" cy="541792"/>
           </a:xfrm>
           <a:prstGeom prst="rightArrow">
             <a:avLst/>
@@ -6929,6 +8976,201 @@
           </a:p>
         </p:txBody>
       </p:sp>
+      <p:sp>
+        <p:nvSpPr>
+          <p:cNvPr id="27" name="Ovale 26">
+            <a:extLst>
+              <a:ext uri="{FF2B5EF4-FFF2-40B4-BE49-F238E27FC236}">
+                <a16:creationId xmlns:a16="http://schemas.microsoft.com/office/drawing/2014/main" id="{43379903-DE70-4FC1-8139-CA31764C3C3B}"/>
+              </a:ext>
+            </a:extLst>
+          </p:cNvPr>
+          <p:cNvSpPr/>
+          <p:nvPr/>
+        </p:nvSpPr>
+        <p:spPr>
+          <a:xfrm>
+            <a:off x="9650027" y="4755777"/>
+            <a:ext cx="2139518" cy="1849854"/>
+          </a:xfrm>
+          <a:prstGeom prst="ellipse">
+            <a:avLst/>
+          </a:prstGeom>
+        </p:spPr>
+        <p:style>
+          <a:lnRef idx="2">
+            <a:schemeClr val="accent1">
+              <a:shade val="50000"/>
+            </a:schemeClr>
+          </a:lnRef>
+          <a:fillRef idx="1">
+            <a:schemeClr val="accent1"/>
+          </a:fillRef>
+          <a:effectRef idx="0">
+            <a:schemeClr val="accent1"/>
+          </a:effectRef>
+          <a:fontRef idx="minor">
+            <a:schemeClr val="lt1"/>
+          </a:fontRef>
+        </p:style>
+        <p:txBody>
+          <a:bodyPr rtlCol="0" anchor="ctr"/>
+          <a:lstStyle/>
+          <a:p>
+            <a:pPr algn="ctr"/>
+            <a:r>
+              <a:rPr lang="en-US" dirty="0"/>
+              <a:t>Positive/Negative Output</a:t>
+            </a:r>
+          </a:p>
+        </p:txBody>
+      </p:sp>
+      <p:sp>
+        <p:nvSpPr>
+          <p:cNvPr id="28" name="Freccia a destra 8">
+            <a:extLst>
+              <a:ext uri="{FF2B5EF4-FFF2-40B4-BE49-F238E27FC236}">
+                <a16:creationId xmlns:a16="http://schemas.microsoft.com/office/drawing/2014/main" id="{D941EC21-7617-40ED-9ACF-6311CCCCCEF4}"/>
+              </a:ext>
+            </a:extLst>
+          </p:cNvPr>
+          <p:cNvSpPr/>
+          <p:nvPr/>
+        </p:nvSpPr>
+        <p:spPr>
+          <a:xfrm rot="5400000">
+            <a:off x="10357910" y="4017451"/>
+            <a:ext cx="723751" cy="541792"/>
+          </a:xfrm>
+          <a:prstGeom prst="rightArrow">
+            <a:avLst/>
+          </a:prstGeom>
+        </p:spPr>
+        <p:style>
+          <a:lnRef idx="2">
+            <a:schemeClr val="accent1">
+              <a:shade val="50000"/>
+            </a:schemeClr>
+          </a:lnRef>
+          <a:fillRef idx="1">
+            <a:schemeClr val="accent1"/>
+          </a:fillRef>
+          <a:effectRef idx="0">
+            <a:schemeClr val="accent1"/>
+          </a:effectRef>
+          <a:fontRef idx="minor">
+            <a:schemeClr val="lt1"/>
+          </a:fontRef>
+        </p:style>
+        <p:txBody>
+          <a:bodyPr rtlCol="0" anchor="ctr"/>
+          <a:lstStyle/>
+          <a:p>
+            <a:pPr algn="ctr"/>
+            <a:endParaRPr lang="en-US"/>
+          </a:p>
+        </p:txBody>
+      </p:sp>
+      <p:sp>
+        <p:nvSpPr>
+          <p:cNvPr id="3" name="CasellaDiTesto 2">
+            <a:extLst>
+              <a:ext uri="{FF2B5EF4-FFF2-40B4-BE49-F238E27FC236}">
+                <a16:creationId xmlns:a16="http://schemas.microsoft.com/office/drawing/2014/main" id="{3DA9E7D0-AEA8-4FB9-A758-157F1B9882FA}"/>
+              </a:ext>
+            </a:extLst>
+          </p:cNvPr>
+          <p:cNvSpPr txBox="1"/>
+          <p:nvPr/>
+        </p:nvSpPr>
+        <p:spPr>
+          <a:xfrm>
+            <a:off x="1463642" y="1558959"/>
+            <a:ext cx="2364045" cy="369332"/>
+          </a:xfrm>
+          <a:prstGeom prst="rect">
+            <a:avLst/>
+          </a:prstGeom>
+          <a:noFill/>
+        </p:spPr>
+        <p:txBody>
+          <a:bodyPr wrap="none" rtlCol="0">
+            <a:spAutoFit/>
+          </a:bodyPr>
+          <a:lstStyle/>
+          <a:p>
+            <a:r>
+              <a:rPr lang="en-US" dirty="0"/>
+              <a:t>First usage on a motor</a:t>
+            </a:r>
+          </a:p>
+        </p:txBody>
+      </p:sp>
+      <p:sp>
+        <p:nvSpPr>
+          <p:cNvPr id="29" name="CasellaDiTesto 28">
+            <a:extLst>
+              <a:ext uri="{FF2B5EF4-FFF2-40B4-BE49-F238E27FC236}">
+                <a16:creationId xmlns:a16="http://schemas.microsoft.com/office/drawing/2014/main" id="{E5346183-C42B-4942-9110-F3F7AEC39FA0}"/>
+              </a:ext>
+            </a:extLst>
+          </p:cNvPr>
+          <p:cNvSpPr txBox="1"/>
+          <p:nvPr/>
+        </p:nvSpPr>
+        <p:spPr>
+          <a:xfrm>
+            <a:off x="7819526" y="1460162"/>
+            <a:ext cx="3272434" cy="369332"/>
+          </a:xfrm>
+          <a:prstGeom prst="rect">
+            <a:avLst/>
+          </a:prstGeom>
+          <a:noFill/>
+        </p:spPr>
+        <p:txBody>
+          <a:bodyPr wrap="none" rtlCol="0">
+            <a:spAutoFit/>
+          </a:bodyPr>
+          <a:lstStyle/>
+          <a:p>
+            <a:r>
+              <a:rPr lang="en-US" dirty="0"/>
+              <a:t>Next usages on the same motor</a:t>
+            </a:r>
+          </a:p>
+        </p:txBody>
+      </p:sp>
+      <p:graphicFrame>
+        <p:nvGraphicFramePr>
+          <p:cNvPr id="30" name="Segnaposto contenuto 3">
+            <a:extLst>
+              <a:ext uri="{FF2B5EF4-FFF2-40B4-BE49-F238E27FC236}">
+                <a16:creationId xmlns:a16="http://schemas.microsoft.com/office/drawing/2014/main" id="{2CA57FE3-CBF0-41EE-93A3-7550B068E041}"/>
+              </a:ext>
+            </a:extLst>
+          </p:cNvPr>
+          <p:cNvGraphicFramePr>
+            <a:graphicFrameLocks/>
+          </p:cNvGraphicFramePr>
+          <p:nvPr>
+            <p:extLst>
+              <p:ext uri="{D42A27DB-BD31-4B8C-83A1-F6EECF244321}">
+                <p14:modId xmlns:p14="http://schemas.microsoft.com/office/powerpoint/2010/main" val="1902049478"/>
+              </p:ext>
+            </p:extLst>
+          </p:nvPr>
+        </p:nvGraphicFramePr>
+        <p:xfrm>
+          <a:off x="6298023" y="1447060"/>
+          <a:ext cx="5511744" cy="5220070"/>
+        </p:xfrm>
+        <a:graphic>
+          <a:graphicData uri="http://schemas.openxmlformats.org/drawingml/2006/diagram">
+            <dgm:relIds xmlns:dgm="http://schemas.openxmlformats.org/drawingml/2006/diagram" xmlns:r="http://schemas.openxmlformats.org/officeDocument/2006/relationships" r:dm="rId7" r:lo="rId8" r:qs="rId9" r:cs="rId10"/>
+          </a:graphicData>
+        </a:graphic>
+      </p:graphicFrame>
     </p:spTree>
     <p:extLst>
       <p:ext uri="{BB962C8B-B14F-4D97-AF65-F5344CB8AC3E}">
@@ -6961,44 +9203,10 @@
       </p:grpSpPr>
       <p:sp>
         <p:nvSpPr>
-          <p:cNvPr id="2" name="Titolo 1">
+          <p:cNvPr id="28" name="Ovale 27">
             <a:extLst>
               <a:ext uri="{FF2B5EF4-FFF2-40B4-BE49-F238E27FC236}">
-                <a16:creationId xmlns:a16="http://schemas.microsoft.com/office/drawing/2014/main" id="{45712661-CEEF-4141-B375-C208E5A3AE38}"/>
-              </a:ext>
-            </a:extLst>
-          </p:cNvPr>
-          <p:cNvSpPr>
-            <a:spLocks noGrp="1"/>
-          </p:cNvSpPr>
-          <p:nvPr>
-            <p:ph type="title"/>
-          </p:nvPr>
-        </p:nvSpPr>
-        <p:spPr>
-          <a:xfrm>
-            <a:off x="1162235" y="43829"/>
-            <a:ext cx="10515600" cy="1325563"/>
-          </a:xfrm>
-        </p:spPr>
-        <p:txBody>
-          <a:bodyPr/>
-          <a:lstStyle/>
-          <a:p>
-            <a:pPr algn="ctr"/>
-            <a:r>
-              <a:rPr lang="en-US" dirty="0"/>
-              <a:t>System topology</a:t>
-            </a:r>
-          </a:p>
-        </p:txBody>
-      </p:sp>
-      <p:sp>
-        <p:nvSpPr>
-          <p:cNvPr id="4" name="Ovale 3">
-            <a:extLst>
-              <a:ext uri="{FF2B5EF4-FFF2-40B4-BE49-F238E27FC236}">
-                <a16:creationId xmlns:a16="http://schemas.microsoft.com/office/drawing/2014/main" id="{13C276B8-43E8-4340-8744-F95FE45FF93D}"/>
+                <a16:creationId xmlns:a16="http://schemas.microsoft.com/office/drawing/2014/main" id="{DFEDA14A-E38A-4F57-9CC5-BF106BBAB423}"/>
               </a:ext>
             </a:extLst>
           </p:cNvPr>
@@ -7007,7 +9215,7 @@
         </p:nvSpPr>
         <p:spPr>
           <a:xfrm>
-            <a:off x="1663083" y="1577943"/>
+            <a:off x="1162235" y="4220792"/>
             <a:ext cx="1722268" cy="1402672"/>
           </a:xfrm>
           <a:prstGeom prst="ellipse">
@@ -7037,17 +9245,51 @@
             <a:pPr algn="ctr"/>
             <a:r>
               <a:rPr lang="en-US" dirty="0"/>
-              <a:t>Motor 1</a:t>
+              <a:t>Motor N</a:t>
             </a:r>
           </a:p>
         </p:txBody>
       </p:sp>
       <p:sp>
         <p:nvSpPr>
-          <p:cNvPr id="6" name="Ovale 5">
+          <p:cNvPr id="2" name="Titolo 1">
             <a:extLst>
               <a:ext uri="{FF2B5EF4-FFF2-40B4-BE49-F238E27FC236}">
-                <a16:creationId xmlns:a16="http://schemas.microsoft.com/office/drawing/2014/main" id="{E4807840-D773-4EF0-81F6-035CAAF531A6}"/>
+                <a16:creationId xmlns:a16="http://schemas.microsoft.com/office/drawing/2014/main" id="{45712661-CEEF-4141-B375-C208E5A3AE38}"/>
+              </a:ext>
+            </a:extLst>
+          </p:cNvPr>
+          <p:cNvSpPr>
+            <a:spLocks noGrp="1"/>
+          </p:cNvSpPr>
+          <p:nvPr>
+            <p:ph type="title"/>
+          </p:nvPr>
+        </p:nvSpPr>
+        <p:spPr>
+          <a:xfrm>
+            <a:off x="1162235" y="43829"/>
+            <a:ext cx="10515600" cy="1325563"/>
+          </a:xfrm>
+        </p:spPr>
+        <p:txBody>
+          <a:bodyPr/>
+          <a:lstStyle/>
+          <a:p>
+            <a:pPr algn="ctr"/>
+            <a:r>
+              <a:rPr lang="en-US" dirty="0"/>
+              <a:t>System topology</a:t>
+            </a:r>
+          </a:p>
+        </p:txBody>
+      </p:sp>
+      <p:sp>
+        <p:nvSpPr>
+          <p:cNvPr id="4" name="Ovale 3">
+            <a:extLst>
+              <a:ext uri="{FF2B5EF4-FFF2-40B4-BE49-F238E27FC236}">
+                <a16:creationId xmlns:a16="http://schemas.microsoft.com/office/drawing/2014/main" id="{13C276B8-43E8-4340-8744-F95FE45FF93D}"/>
               </a:ext>
             </a:extLst>
           </p:cNvPr>
@@ -7056,7 +9298,7 @@
         </p:nvSpPr>
         <p:spPr>
           <a:xfrm>
-            <a:off x="2170547" y="3144633"/>
+            <a:off x="1162235" y="1791899"/>
             <a:ext cx="1722268" cy="1402672"/>
           </a:xfrm>
           <a:prstGeom prst="ellipse">
@@ -7086,7 +9328,7 @@
             <a:pPr algn="ctr"/>
             <a:r>
               <a:rPr lang="en-US" dirty="0"/>
-              <a:t>Motor N</a:t>
+              <a:t>Motor 1</a:t>
             </a:r>
           </a:p>
         </p:txBody>
@@ -7105,7 +9347,7 @@
         </p:nvSpPr>
         <p:spPr>
           <a:xfrm>
-            <a:off x="2990849" y="1893471"/>
+            <a:off x="2515508" y="2178337"/>
             <a:ext cx="1327652" cy="767897"/>
           </a:xfrm>
           <a:prstGeom prst="rect">
@@ -7139,66 +9381,6 @@
             </a:r>
             <a:endParaRPr lang="en-US" dirty="0"/>
           </a:p>
-          <a:p>
-            <a:pPr algn="ctr"/>
-            <a:r>
-              <a:rPr lang="en-US" dirty="0"/>
-              <a:t>1</a:t>
-            </a:r>
-          </a:p>
-        </p:txBody>
-      </p:sp>
-      <p:sp>
-        <p:nvSpPr>
-          <p:cNvPr id="8" name="Rettangolo 7">
-            <a:extLst>
-              <a:ext uri="{FF2B5EF4-FFF2-40B4-BE49-F238E27FC236}">
-                <a16:creationId xmlns:a16="http://schemas.microsoft.com/office/drawing/2014/main" id="{94D24397-A14D-4CE5-AA12-5DCF9FD69775}"/>
-              </a:ext>
-            </a:extLst>
-          </p:cNvPr>
-          <p:cNvSpPr/>
-          <p:nvPr/>
-        </p:nvSpPr>
-        <p:spPr>
-          <a:xfrm>
-            <a:off x="3455092" y="3468970"/>
-            <a:ext cx="1211737" cy="753998"/>
-          </a:xfrm>
-          <a:prstGeom prst="rect">
-            <a:avLst/>
-          </a:prstGeom>
-        </p:spPr>
-        <p:style>
-          <a:lnRef idx="2">
-            <a:schemeClr val="accent1">
-              <a:shade val="50000"/>
-            </a:schemeClr>
-          </a:lnRef>
-          <a:fillRef idx="1">
-            <a:schemeClr val="accent1"/>
-          </a:fillRef>
-          <a:effectRef idx="0">
-            <a:schemeClr val="accent1"/>
-          </a:effectRef>
-          <a:fontRef idx="minor">
-            <a:schemeClr val="lt1"/>
-          </a:fontRef>
-        </p:style>
-        <p:txBody>
-          <a:bodyPr rtlCol="0" anchor="ctr"/>
-          <a:lstStyle/>
-          <a:p>
-            <a:pPr algn="ctr"/>
-            <a:r>
-              <a:rPr lang="en-US" dirty="0" err="1"/>
-              <a:t>BlueCoin</a:t>
-            </a:r>
-            <a:r>
-              <a:rPr lang="en-US" dirty="0"/>
-              <a:t> N</a:t>
-            </a:r>
-          </a:p>
         </p:txBody>
       </p:sp>
       <p:sp>
@@ -7215,7 +9397,7 @@
         </p:nvSpPr>
         <p:spPr>
           <a:xfrm>
-            <a:off x="6086705" y="2551454"/>
+            <a:off x="6096000" y="2584472"/>
             <a:ext cx="2084776" cy="1636320"/>
           </a:xfrm>
           <a:prstGeom prst="ellipse">
@@ -7250,22 +9432,73 @@
           </a:p>
         </p:txBody>
       </p:sp>
-      <p:cxnSp>
-        <p:nvCxnSpPr>
-          <p:cNvPr id="11" name="Connettore 2 10">
+      <p:sp>
+        <p:nvSpPr>
+          <p:cNvPr id="16" name="Rettangolo 15">
             <a:extLst>
               <a:ext uri="{FF2B5EF4-FFF2-40B4-BE49-F238E27FC236}">
-                <a16:creationId xmlns:a16="http://schemas.microsoft.com/office/drawing/2014/main" id="{440C4455-4284-4D52-8BE3-BC4D1B1848CC}"/>
+                <a16:creationId xmlns:a16="http://schemas.microsoft.com/office/drawing/2014/main" id="{B13F8C6A-714D-4C39-945A-7EDD7171A29F}"/>
               </a:ext>
             </a:extLst>
           </p:cNvPr>
-          <p:cNvCxnSpPr/>
+          <p:cNvSpPr/>
+          <p:nvPr/>
+        </p:nvSpPr>
+        <p:spPr>
+          <a:xfrm>
+            <a:off x="9346274" y="2815556"/>
+            <a:ext cx="2139519" cy="1226888"/>
+          </a:xfrm>
+          <a:prstGeom prst="rect">
+            <a:avLst/>
+          </a:prstGeom>
+        </p:spPr>
+        <p:style>
+          <a:lnRef idx="2">
+            <a:schemeClr val="accent1">
+              <a:shade val="50000"/>
+            </a:schemeClr>
+          </a:lnRef>
+          <a:fillRef idx="1">
+            <a:schemeClr val="accent1"/>
+          </a:fillRef>
+          <a:effectRef idx="0">
+            <a:schemeClr val="accent1"/>
+          </a:effectRef>
+          <a:fontRef idx="minor">
+            <a:schemeClr val="lt1"/>
+          </a:fontRef>
+        </p:style>
+        <p:txBody>
+          <a:bodyPr rtlCol="0" anchor="ctr"/>
+          <a:lstStyle/>
+          <a:p>
+            <a:pPr algn="ctr"/>
+            <a:r>
+              <a:rPr lang="en-US" dirty="0"/>
+              <a:t>Display for result monitoring</a:t>
+            </a:r>
+          </a:p>
+        </p:txBody>
+      </p:sp>
+      <p:cxnSp>
+        <p:nvCxnSpPr>
+          <p:cNvPr id="18" name="Connettore 2 17">
+            <a:extLst>
+              <a:ext uri="{FF2B5EF4-FFF2-40B4-BE49-F238E27FC236}">
+                <a16:creationId xmlns:a16="http://schemas.microsoft.com/office/drawing/2014/main" id="{D5F8DBB7-E458-4AAC-84CC-31D0AECFF54B}"/>
+              </a:ext>
+            </a:extLst>
+          </p:cNvPr>
+          <p:cNvCxnSpPr>
+            <a:cxnSpLocks/>
+          </p:cNvCxnSpPr>
           <p:nvPr/>
         </p:nvCxnSpPr>
         <p:spPr>
-          <a:xfrm>
-            <a:off x="4570929" y="2325909"/>
-            <a:ext cx="1354501" cy="428219"/>
+          <a:xfrm flipV="1">
+            <a:off x="8311009" y="3402631"/>
+            <a:ext cx="905031" cy="1"/>
           </a:xfrm>
           <a:prstGeom prst="straightConnector1">
             <a:avLst/>
@@ -7289,53 +9522,94 @@
           </a:fontRef>
         </p:style>
       </p:cxnSp>
-      <p:cxnSp>
-        <p:nvCxnSpPr>
-          <p:cNvPr id="13" name="Connettore 2 12">
+      <p:sp>
+        <p:nvSpPr>
+          <p:cNvPr id="38" name="Rettangolo 37">
             <a:extLst>
               <a:ext uri="{FF2B5EF4-FFF2-40B4-BE49-F238E27FC236}">
-                <a16:creationId xmlns:a16="http://schemas.microsoft.com/office/drawing/2014/main" id="{68074315-0C0E-4469-8B8D-6B7666EF1AC6}"/>
+                <a16:creationId xmlns:a16="http://schemas.microsoft.com/office/drawing/2014/main" id="{6EC113B4-8151-47BB-AC1F-02204162E0B8}"/>
               </a:ext>
             </a:extLst>
           </p:cNvPr>
-          <p:cNvCxnSpPr>
-            <a:cxnSpLocks/>
-          </p:cNvCxnSpPr>
+          <p:cNvSpPr/>
           <p:nvPr/>
-        </p:nvCxnSpPr>
+        </p:nvSpPr>
         <p:spPr>
-          <a:xfrm flipV="1">
-            <a:off x="4711541" y="3468319"/>
-            <a:ext cx="1186190" cy="294733"/>
+          <a:xfrm>
+            <a:off x="1038688" y="1429306"/>
+            <a:ext cx="10762695" cy="5113537"/>
           </a:xfrm>
-          <a:prstGeom prst="straightConnector1">
+          <a:prstGeom prst="rect">
             <a:avLst/>
           </a:prstGeom>
-          <a:ln>
-            <a:tailEnd type="triangle"/>
-          </a:ln>
+          <a:noFill/>
         </p:spPr>
         <p:style>
-          <a:lnRef idx="1">
-            <a:schemeClr val="accent1"/>
+          <a:lnRef idx="2">
+            <a:schemeClr val="accent1">
+              <a:shade val="50000"/>
+            </a:schemeClr>
           </a:lnRef>
-          <a:fillRef idx="0">
+          <a:fillRef idx="1">
             <a:schemeClr val="accent1"/>
           </a:fillRef>
           <a:effectRef idx="0">
             <a:schemeClr val="accent1"/>
           </a:effectRef>
           <a:fontRef idx="minor">
-            <a:schemeClr val="tx1"/>
+            <a:schemeClr val="lt1"/>
           </a:fontRef>
         </p:style>
-      </p:cxnSp>
-      <p:sp>
-        <p:nvSpPr>
-          <p:cNvPr id="14" name="Rettangolo 13">
+        <p:txBody>
+          <a:bodyPr rtlCol="0" anchor="ctr"/>
+          <a:lstStyle/>
+          <a:p>
+            <a:pPr algn="ctr"/>
+            <a:endParaRPr lang="en-US"/>
+          </a:p>
+        </p:txBody>
+      </p:sp>
+      <p:sp>
+        <p:nvSpPr>
+          <p:cNvPr id="40" name="CasellaDiTesto 39">
             <a:extLst>
               <a:ext uri="{FF2B5EF4-FFF2-40B4-BE49-F238E27FC236}">
-                <a16:creationId xmlns:a16="http://schemas.microsoft.com/office/drawing/2014/main" id="{1379C35D-B17B-4EE6-9023-ABF63EC2EC44}"/>
+                <a16:creationId xmlns:a16="http://schemas.microsoft.com/office/drawing/2014/main" id="{FAF980E9-EC9A-4239-AFE3-9E18CAB8598E}"/>
+              </a:ext>
+            </a:extLst>
+          </p:cNvPr>
+          <p:cNvSpPr txBox="1"/>
+          <p:nvPr/>
+        </p:nvSpPr>
+        <p:spPr>
+          <a:xfrm>
+            <a:off x="5444968" y="1485482"/>
+            <a:ext cx="764697" cy="369332"/>
+          </a:xfrm>
+          <a:prstGeom prst="rect">
+            <a:avLst/>
+          </a:prstGeom>
+          <a:noFill/>
+        </p:spPr>
+        <p:txBody>
+          <a:bodyPr wrap="none" rtlCol="0">
+            <a:spAutoFit/>
+          </a:bodyPr>
+          <a:lstStyle/>
+          <a:p>
+            <a:r>
+              <a:rPr lang="en-US" dirty="0"/>
+              <a:t>Target</a:t>
+            </a:r>
+          </a:p>
+        </p:txBody>
+      </p:sp>
+      <p:sp>
+        <p:nvSpPr>
+          <p:cNvPr id="26" name="Rettangolo 25">
+            <a:extLst>
+              <a:ext uri="{FF2B5EF4-FFF2-40B4-BE49-F238E27FC236}">
+                <a16:creationId xmlns:a16="http://schemas.microsoft.com/office/drawing/2014/main" id="{ACEA35EE-70CD-4B8C-9EB7-45F97A56E892}"/>
               </a:ext>
             </a:extLst>
           </p:cNvPr>
@@ -7344,7 +9618,7 @@
         </p:nvSpPr>
         <p:spPr>
           <a:xfrm>
-            <a:off x="5013118" y="2095089"/>
+            <a:off x="3381521" y="2732503"/>
             <a:ext cx="923278" cy="286284"/>
           </a:xfrm>
           <a:prstGeom prst="rect">
@@ -7374,608 +9648,839 @@
             <a:pPr algn="ctr"/>
             <a:r>
               <a:rPr lang="en-US" dirty="0"/>
-              <a:t>Data1</a:t>
+              <a:t>SD</a:t>
             </a:r>
           </a:p>
         </p:txBody>
       </p:sp>
-      <p:sp>
-        <p:nvSpPr>
-          <p:cNvPr id="15" name="Rettangolo 14">
+    </p:spTree>
+    <p:extLst>
+      <p:ext uri="{BB962C8B-B14F-4D97-AF65-F5344CB8AC3E}">
+        <p14:creationId xmlns:p14="http://schemas.microsoft.com/office/powerpoint/2010/main" val="1323182798"/>
+      </p:ext>
+    </p:extLst>
+  </p:cSld>
+  <p:clrMapOvr>
+    <a:masterClrMapping/>
+  </p:clrMapOvr>
+  <p:timing>
+    <p:tnLst>
+      <p:par>
+        <p:cTn id="1" dur="indefinite" restart="never" nodeType="tmRoot">
+          <p:childTnLst>
+            <p:seq concurrent="1" nextAc="seek">
+              <p:cTn id="2" dur="indefinite" nodeType="mainSeq">
+                <p:childTnLst>
+                  <p:par>
+                    <p:cTn id="3" fill="hold">
+                      <p:stCondLst>
+                        <p:cond delay="indefinite"/>
+                      </p:stCondLst>
+                      <p:childTnLst>
+                        <p:par>
+                          <p:cTn id="4" fill="hold">
+                            <p:stCondLst>
+                              <p:cond delay="0"/>
+                            </p:stCondLst>
+                            <p:childTnLst>
+                              <p:par>
+                                <p:cTn id="5" presetID="42" presetClass="path" presetSubtype="0" accel="50000" decel="50000" fill="hold" grpId="0" nodeType="clickEffect">
+                                  <p:stCondLst>
+                                    <p:cond delay="0"/>
+                                  </p:stCondLst>
+                                  <p:childTnLst>
+                                    <p:animMotion origin="layout" path="M 0.00208 0.00324 L 0.00338 0.34236 " pathEditMode="relative" rAng="0" ptsTypes="AA">
+                                      <p:cBhvr>
+                                        <p:cTn id="6" dur="2000" fill="hold"/>
+                                        <p:tgtEl>
+                                          <p:spTgt spid="7"/>
+                                        </p:tgtEl>
+                                        <p:attrNameLst>
+                                          <p:attrName>ppt_x</p:attrName>
+                                          <p:attrName>ppt_y</p:attrName>
+                                        </p:attrNameLst>
+                                      </p:cBhvr>
+                                      <p:rCtr x="65" y="16944"/>
+                                    </p:animMotion>
+                                  </p:childTnLst>
+                                </p:cTn>
+                              </p:par>
+                              <p:par>
+                                <p:cTn id="7" presetID="42" presetClass="path" presetSubtype="0" accel="50000" decel="50000" fill="hold" grpId="0" nodeType="withEffect">
+                                  <p:stCondLst>
+                                    <p:cond delay="0"/>
+                                  </p:stCondLst>
+                                  <p:childTnLst>
+                                    <p:animMotion origin="layout" path="M -4.375E-6 -2.96296E-6 L -4.375E-6 0.33935 " pathEditMode="relative" rAng="0" ptsTypes="AA">
+                                      <p:cBhvr>
+                                        <p:cTn id="8" dur="2000" fill="hold"/>
+                                        <p:tgtEl>
+                                          <p:spTgt spid="26"/>
+                                        </p:tgtEl>
+                                        <p:attrNameLst>
+                                          <p:attrName>ppt_x</p:attrName>
+                                          <p:attrName>ppt_y</p:attrName>
+                                        </p:attrNameLst>
+                                      </p:cBhvr>
+                                      <p:rCtr x="0" y="16968"/>
+                                    </p:animMotion>
+                                  </p:childTnLst>
+                                </p:cTn>
+                              </p:par>
+                            </p:childTnLst>
+                          </p:cTn>
+                        </p:par>
+                      </p:childTnLst>
+                    </p:cTn>
+                  </p:par>
+                  <p:par>
+                    <p:cTn id="9" fill="hold">
+                      <p:stCondLst>
+                        <p:cond delay="indefinite"/>
+                      </p:stCondLst>
+                      <p:childTnLst>
+                        <p:par>
+                          <p:cTn id="10" fill="hold">
+                            <p:stCondLst>
+                              <p:cond delay="0"/>
+                            </p:stCondLst>
+                            <p:childTnLst>
+                              <p:par>
+                                <p:cTn id="11" presetID="42" presetClass="path" presetSubtype="0" accel="50000" decel="50000" fill="hold" grpId="1" nodeType="clickEffect">
+                                  <p:stCondLst>
+                                    <p:cond delay="0"/>
+                                  </p:stCondLst>
+                                  <p:childTnLst>
+                                    <p:animMotion origin="layout" path="M -4.375E-6 0.33935 L 0.2142 0.15695 " pathEditMode="relative" rAng="0" ptsTypes="AA">
+                                      <p:cBhvr>
+                                        <p:cTn id="12" dur="2000" fill="hold"/>
+                                        <p:tgtEl>
+                                          <p:spTgt spid="26"/>
+                                        </p:tgtEl>
+                                        <p:attrNameLst>
+                                          <p:attrName>ppt_x</p:attrName>
+                                          <p:attrName>ppt_y</p:attrName>
+                                        </p:attrNameLst>
+                                      </p:cBhvr>
+                                      <p:rCtr x="10703" y="-8935"/>
+                                    </p:animMotion>
+                                  </p:childTnLst>
+                                </p:cTn>
+                              </p:par>
+                            </p:childTnLst>
+                          </p:cTn>
+                        </p:par>
+                      </p:childTnLst>
+                    </p:cTn>
+                  </p:par>
+                </p:childTnLst>
+              </p:cTn>
+              <p:prevCondLst>
+                <p:cond evt="onPrev" delay="0">
+                  <p:tgtEl>
+                    <p:sldTgt/>
+                  </p:tgtEl>
+                </p:cond>
+              </p:prevCondLst>
+              <p:nextCondLst>
+                <p:cond evt="onNext" delay="0">
+                  <p:tgtEl>
+                    <p:sldTgt/>
+                  </p:tgtEl>
+                </p:cond>
+              </p:nextCondLst>
+            </p:seq>
+          </p:childTnLst>
+        </p:cTn>
+      </p:par>
+    </p:tnLst>
+    <p:bldLst>
+      <p:bldP spid="7" grpId="0" animBg="1"/>
+      <p:bldP spid="26" grpId="0" animBg="1"/>
+      <p:bldP spid="26" grpId="1" animBg="1"/>
+    </p:bldLst>
+  </p:timing>
+</p:sld>
+</file>
+
+<file path=ppt/slides/slide12.xml><?xml version="1.0" encoding="utf-8"?>
+<p:sld xmlns:a="http://schemas.openxmlformats.org/drawingml/2006/main" xmlns:r="http://schemas.openxmlformats.org/officeDocument/2006/relationships" xmlns:p="http://schemas.openxmlformats.org/presentationml/2006/main">
+  <p:cSld>
+    <p:spTree>
+      <p:nvGrpSpPr>
+        <p:cNvPr id="1" name=""/>
+        <p:cNvGrpSpPr/>
+        <p:nvPr/>
+      </p:nvGrpSpPr>
+      <p:grpSpPr>
+        <a:xfrm>
+          <a:off x="0" y="0"/>
+          <a:ext cx="0" cy="0"/>
+          <a:chOff x="0" y="0"/>
+          <a:chExt cx="0" cy="0"/>
+        </a:xfrm>
+      </p:grpSpPr>
+      <p:sp>
+        <p:nvSpPr>
+          <p:cNvPr id="2" name="Titolo 1">
             <a:extLst>
               <a:ext uri="{FF2B5EF4-FFF2-40B4-BE49-F238E27FC236}">
-                <a16:creationId xmlns:a16="http://schemas.microsoft.com/office/drawing/2014/main" id="{8A16D978-EDCD-49E5-8288-3D3EEFE768F9}"/>
+                <a16:creationId xmlns:a16="http://schemas.microsoft.com/office/drawing/2014/main" id="{DF9DC90D-A7B3-4C6E-B404-A0DC2F2748B9}"/>
               </a:ext>
             </a:extLst>
           </p:cNvPr>
-          <p:cNvSpPr/>
-          <p:nvPr/>
+          <p:cNvSpPr>
+            <a:spLocks noGrp="1"/>
+          </p:cNvSpPr>
+          <p:nvPr>
+            <p:ph type="title"/>
+          </p:nvPr>
         </p:nvSpPr>
         <p:spPr>
           <a:xfrm>
-            <a:off x="5009178" y="3799777"/>
-            <a:ext cx="888553" cy="294733"/>
+            <a:off x="1371600" y="685800"/>
+            <a:ext cx="9601200" cy="1485900"/>
+          </a:xfrm>
+        </p:spPr>
+        <p:txBody>
+          <a:bodyPr/>
+          <a:lstStyle/>
+          <a:p>
+            <a:pPr algn="ctr"/>
+            <a:r>
+              <a:rPr lang="en-US" dirty="0"/>
+              <a:t>What has been achieved</a:t>
+            </a:r>
+          </a:p>
+        </p:txBody>
+      </p:sp>
+      <p:sp>
+        <p:nvSpPr>
+          <p:cNvPr id="3" name="Segnaposto contenuto 2">
+            <a:extLst>
+              <a:ext uri="{FF2B5EF4-FFF2-40B4-BE49-F238E27FC236}">
+                <a16:creationId xmlns:a16="http://schemas.microsoft.com/office/drawing/2014/main" id="{CC5576B3-9471-4530-ABD9-A2FAAEFDEB37}"/>
+              </a:ext>
+            </a:extLst>
+          </p:cNvPr>
+          <p:cNvSpPr>
+            <a:spLocks noGrp="1"/>
+          </p:cNvSpPr>
+          <p:nvPr>
+            <p:ph idx="1"/>
+          </p:nvPr>
+        </p:nvSpPr>
+        <p:spPr>
+          <a:xfrm>
+            <a:off x="1371600" y="2286000"/>
+            <a:ext cx="9601200" cy="3581400"/>
+          </a:xfrm>
+        </p:spPr>
+        <p:txBody>
+          <a:bodyPr/>
+          <a:lstStyle/>
+          <a:p>
+            <a:r>
+              <a:rPr lang="en-US" dirty="0"/>
+              <a:t>A simpler board has been used as a prototype to test the sensors</a:t>
+            </a:r>
+          </a:p>
+          <a:p>
+            <a:pPr marL="0" indent="0">
+              <a:buNone/>
+            </a:pPr>
+            <a:endParaRPr lang="en-US" dirty="0"/>
+          </a:p>
+        </p:txBody>
+      </p:sp>
+      <p:pic>
+        <p:nvPicPr>
+          <p:cNvPr id="7" name="Immagine 6" descr="Immagine che contiene circuito, elettronico, blu&#10;&#10;Descrizione generata con affidabilità molto elevata">
+            <a:extLst>
+              <a:ext uri="{FF2B5EF4-FFF2-40B4-BE49-F238E27FC236}">
+                <a16:creationId xmlns:a16="http://schemas.microsoft.com/office/drawing/2014/main" id="{F2DC6EC1-8EED-4E46-A1EF-FECC1482D442}"/>
+              </a:ext>
+            </a:extLst>
+          </p:cNvPr>
+          <p:cNvPicPr>
+            <a:picLocks noChangeAspect="1"/>
+          </p:cNvPicPr>
+          <p:nvPr/>
+        </p:nvPicPr>
+        <p:blipFill>
+          <a:blip r:embed="rId2">
+            <a:extLst>
+              <a:ext uri="{28A0092B-C50C-407E-A947-70E740481C1C}">
+                <a14:useLocalDpi xmlns:a14="http://schemas.microsoft.com/office/drawing/2010/main" val="0"/>
+              </a:ext>
+            </a:extLst>
+          </a:blip>
+          <a:stretch>
+            <a:fillRect/>
+          </a:stretch>
+        </p:blipFill>
+        <p:spPr>
+          <a:xfrm>
+            <a:off x="4516284" y="2987920"/>
+            <a:ext cx="2864954" cy="2878925"/>
+          </a:xfrm>
+          <a:prstGeom prst="rect">
+            <a:avLst/>
+          </a:prstGeom>
+          <a:ln w="28575">
+            <a:solidFill>
+              <a:schemeClr val="tx1"/>
+            </a:solidFill>
+          </a:ln>
+        </p:spPr>
+      </p:pic>
+    </p:spTree>
+    <p:extLst>
+      <p:ext uri="{BB962C8B-B14F-4D97-AF65-F5344CB8AC3E}">
+        <p14:creationId xmlns:p14="http://schemas.microsoft.com/office/powerpoint/2010/main" val="4185083960"/>
+      </p:ext>
+    </p:extLst>
+  </p:cSld>
+  <p:clrMapOvr>
+    <a:masterClrMapping/>
+  </p:clrMapOvr>
+</p:sld>
+</file>
+
+<file path=ppt/slides/slide13.xml><?xml version="1.0" encoding="utf-8"?>
+<p:sld xmlns:a="http://schemas.openxmlformats.org/drawingml/2006/main" xmlns:r="http://schemas.openxmlformats.org/officeDocument/2006/relationships" xmlns:p="http://schemas.openxmlformats.org/presentationml/2006/main">
+  <p:cSld>
+    <p:spTree>
+      <p:nvGrpSpPr>
+        <p:cNvPr id="1" name=""/>
+        <p:cNvGrpSpPr/>
+        <p:nvPr/>
+      </p:nvGrpSpPr>
+      <p:grpSpPr>
+        <a:xfrm>
+          <a:off x="0" y="0"/>
+          <a:ext cx="0" cy="0"/>
+          <a:chOff x="0" y="0"/>
+          <a:chExt cx="0" cy="0"/>
+        </a:xfrm>
+      </p:grpSpPr>
+      <p:sp>
+        <p:nvSpPr>
+          <p:cNvPr id="3" name="Segnaposto contenuto 2">
+            <a:extLst>
+              <a:ext uri="{FF2B5EF4-FFF2-40B4-BE49-F238E27FC236}">
+                <a16:creationId xmlns:a16="http://schemas.microsoft.com/office/drawing/2014/main" id="{A33D4BAD-6BD0-4ABF-B259-B2AF68ED0EBC}"/>
+              </a:ext>
+            </a:extLst>
+          </p:cNvPr>
+          <p:cNvSpPr>
+            <a:spLocks noGrp="1"/>
+          </p:cNvSpPr>
+          <p:nvPr>
+            <p:ph idx="1"/>
+          </p:nvPr>
+        </p:nvSpPr>
+        <p:spPr>
+          <a:xfrm>
+            <a:off x="1602420" y="3100526"/>
+            <a:ext cx="9601200" cy="656947"/>
+          </a:xfrm>
+        </p:spPr>
+        <p:txBody>
+          <a:bodyPr>
+            <a:normAutofit lnSpcReduction="10000"/>
+          </a:bodyPr>
+          <a:lstStyle/>
+          <a:p>
+            <a:r>
+              <a:rPr lang="en-US" dirty="0"/>
+              <a:t>The code for sensing developed on the prototype has been migrated on the </a:t>
+            </a:r>
+            <a:r>
+              <a:rPr lang="en-US" dirty="0" err="1"/>
+              <a:t>BlueCoin</a:t>
+            </a:r>
+            <a:r>
+              <a:rPr lang="en-US" dirty="0"/>
+              <a:t> with the addition of the SD-card logging</a:t>
+            </a:r>
+          </a:p>
+        </p:txBody>
+      </p:sp>
+    </p:spTree>
+    <p:extLst>
+      <p:ext uri="{BB962C8B-B14F-4D97-AF65-F5344CB8AC3E}">
+        <p14:creationId xmlns:p14="http://schemas.microsoft.com/office/powerpoint/2010/main" val="3293770120"/>
+      </p:ext>
+    </p:extLst>
+  </p:cSld>
+  <p:clrMapOvr>
+    <a:masterClrMapping/>
+  </p:clrMapOvr>
+</p:sld>
+</file>
+
+<file path=ppt/slides/slide14.xml><?xml version="1.0" encoding="utf-8"?>
+<p:sld xmlns:a="http://schemas.openxmlformats.org/drawingml/2006/main" xmlns:r="http://schemas.openxmlformats.org/officeDocument/2006/relationships" xmlns:p="http://schemas.openxmlformats.org/presentationml/2006/main">
+  <p:cSld>
+    <p:spTree>
+      <p:nvGrpSpPr>
+        <p:cNvPr id="1" name=""/>
+        <p:cNvGrpSpPr/>
+        <p:nvPr/>
+      </p:nvGrpSpPr>
+      <p:grpSpPr>
+        <a:xfrm>
+          <a:off x="0" y="0"/>
+          <a:ext cx="0" cy="0"/>
+          <a:chOff x="0" y="0"/>
+          <a:chExt cx="0" cy="0"/>
+        </a:xfrm>
+      </p:grpSpPr>
+      <p:sp>
+        <p:nvSpPr>
+          <p:cNvPr id="3" name="Segnaposto contenuto 2">
+            <a:extLst>
+              <a:ext uri="{FF2B5EF4-FFF2-40B4-BE49-F238E27FC236}">
+                <a16:creationId xmlns:a16="http://schemas.microsoft.com/office/drawing/2014/main" id="{F985ED7B-07D9-446B-9DF8-3813DF8D3EC4}"/>
+              </a:ext>
+            </a:extLst>
+          </p:cNvPr>
+          <p:cNvSpPr>
+            <a:spLocks noGrp="1"/>
+          </p:cNvSpPr>
+          <p:nvPr>
+            <p:ph idx="1"/>
+          </p:nvPr>
+        </p:nvSpPr>
+        <p:spPr>
+          <a:xfrm>
+            <a:off x="1442622" y="2514600"/>
+            <a:ext cx="9601200" cy="1828800"/>
+          </a:xfrm>
+        </p:spPr>
+        <p:txBody>
+          <a:bodyPr/>
+          <a:lstStyle/>
+          <a:p>
+            <a:r>
+              <a:rPr lang="en-US" dirty="0"/>
+              <a:t>An experiment has been performed:</a:t>
+            </a:r>
+          </a:p>
+          <a:p>
+            <a:pPr lvl="1"/>
+            <a:r>
+              <a:rPr lang="en-US" dirty="0"/>
+              <a:t>Data sensing on a stable plain</a:t>
+            </a:r>
+          </a:p>
+          <a:p>
+            <a:pPr lvl="1"/>
+            <a:r>
+              <a:rPr lang="en-US" dirty="0"/>
+              <a:t>Data sensing including disturbances on the plain</a:t>
+            </a:r>
+          </a:p>
+          <a:p>
+            <a:pPr lvl="1"/>
+            <a:r>
+              <a:rPr lang="en-US" dirty="0"/>
+              <a:t>Model identification on the stable plain data and comparison with disturbed data</a:t>
+            </a:r>
+          </a:p>
+        </p:txBody>
+      </p:sp>
+    </p:spTree>
+    <p:extLst>
+      <p:ext uri="{BB962C8B-B14F-4D97-AF65-F5344CB8AC3E}">
+        <p14:creationId xmlns:p14="http://schemas.microsoft.com/office/powerpoint/2010/main" val="2723663115"/>
+      </p:ext>
+    </p:extLst>
+  </p:cSld>
+  <p:clrMapOvr>
+    <a:masterClrMapping/>
+  </p:clrMapOvr>
+</p:sld>
+</file>
+
+<file path=ppt/slides/slide15.xml><?xml version="1.0" encoding="utf-8"?>
+<p:sld xmlns:a="http://schemas.openxmlformats.org/drawingml/2006/main" xmlns:r="http://schemas.openxmlformats.org/officeDocument/2006/relationships" xmlns:p="http://schemas.openxmlformats.org/presentationml/2006/main">
+  <p:cSld>
+    <p:spTree>
+      <p:nvGrpSpPr>
+        <p:cNvPr id="1" name=""/>
+        <p:cNvGrpSpPr/>
+        <p:nvPr/>
+      </p:nvGrpSpPr>
+      <p:grpSpPr>
+        <a:xfrm>
+          <a:off x="0" y="0"/>
+          <a:ext cx="0" cy="0"/>
+          <a:chOff x="0" y="0"/>
+          <a:chExt cx="0" cy="0"/>
+        </a:xfrm>
+      </p:grpSpPr>
+      <p:sp>
+        <p:nvSpPr>
+          <p:cNvPr id="2" name="Titolo 1">
+            <a:extLst>
+              <a:ext uri="{FF2B5EF4-FFF2-40B4-BE49-F238E27FC236}">
+                <a16:creationId xmlns:a16="http://schemas.microsoft.com/office/drawing/2014/main" id="{38982C36-A2B1-41F3-9C14-7C506D1AE1BD}"/>
+              </a:ext>
+            </a:extLst>
+          </p:cNvPr>
+          <p:cNvSpPr>
+            <a:spLocks noGrp="1"/>
+          </p:cNvSpPr>
+          <p:nvPr>
+            <p:ph type="title"/>
+          </p:nvPr>
+        </p:nvSpPr>
+        <p:spPr>
+          <a:xfrm>
+            <a:off x="1371600" y="685800"/>
+            <a:ext cx="9601200" cy="527180"/>
+          </a:xfrm>
+        </p:spPr>
+        <p:txBody>
+          <a:bodyPr>
+            <a:normAutofit fontScale="90000"/>
+          </a:bodyPr>
+          <a:lstStyle/>
+          <a:p>
+            <a:r>
+              <a:rPr lang="en-US" dirty="0"/>
+              <a:t>Stable plain data 1</a:t>
+            </a:r>
+          </a:p>
+        </p:txBody>
+      </p:sp>
+      <p:pic>
+        <p:nvPicPr>
+          <p:cNvPr id="4" name="Segnaposto contenuto 3">
+            <a:extLst>
+              <a:ext uri="{FF2B5EF4-FFF2-40B4-BE49-F238E27FC236}">
+                <a16:creationId xmlns:a16="http://schemas.microsoft.com/office/drawing/2014/main" id="{CB01CDFE-2C26-4466-870F-D3554525DDD8}"/>
+              </a:ext>
+            </a:extLst>
+          </p:cNvPr>
+          <p:cNvPicPr>
+            <a:picLocks noGrp="1" noChangeAspect="1"/>
+          </p:cNvPicPr>
+          <p:nvPr>
+            <p:ph idx="1"/>
+          </p:nvPr>
+        </p:nvPicPr>
+        <p:blipFill rotWithShape="1">
+          <a:blip r:embed="rId2"/>
+          <a:srcRect l="3596" t="8910" r="52770" b="7125"/>
+          <a:stretch/>
+        </p:blipFill>
+        <p:spPr>
+          <a:xfrm>
+            <a:off x="1371600" y="1363436"/>
+            <a:ext cx="9861570" cy="5337108"/>
           </a:xfrm>
           <a:prstGeom prst="rect">
             <a:avLst/>
           </a:prstGeom>
         </p:spPr>
-        <p:style>
-          <a:lnRef idx="2">
-            <a:schemeClr val="accent1">
-              <a:shade val="50000"/>
-            </a:schemeClr>
-          </a:lnRef>
-          <a:fillRef idx="1">
-            <a:schemeClr val="accent1"/>
-          </a:fillRef>
-          <a:effectRef idx="0">
-            <a:schemeClr val="accent1"/>
-          </a:effectRef>
-          <a:fontRef idx="minor">
-            <a:schemeClr val="lt1"/>
-          </a:fontRef>
-        </p:style>
-        <p:txBody>
-          <a:bodyPr rtlCol="0" anchor="ctr"/>
-          <a:lstStyle/>
-          <a:p>
-            <a:pPr algn="ctr"/>
-            <a:r>
-              <a:rPr lang="en-US" dirty="0"/>
-              <a:t>Data N</a:t>
-            </a:r>
-          </a:p>
-        </p:txBody>
-      </p:sp>
-      <p:sp>
-        <p:nvSpPr>
-          <p:cNvPr id="16" name="Rettangolo 15">
+      </p:pic>
+    </p:spTree>
+    <p:extLst>
+      <p:ext uri="{BB962C8B-B14F-4D97-AF65-F5344CB8AC3E}">
+        <p14:creationId xmlns:p14="http://schemas.microsoft.com/office/powerpoint/2010/main" val="3687730757"/>
+      </p:ext>
+    </p:extLst>
+  </p:cSld>
+  <p:clrMapOvr>
+    <a:masterClrMapping/>
+  </p:clrMapOvr>
+</p:sld>
+</file>
+
+<file path=ppt/slides/slide16.xml><?xml version="1.0" encoding="utf-8"?>
+<p:sld xmlns:a="http://schemas.openxmlformats.org/drawingml/2006/main" xmlns:r="http://schemas.openxmlformats.org/officeDocument/2006/relationships" xmlns:p="http://schemas.openxmlformats.org/presentationml/2006/main">
+  <p:cSld>
+    <p:spTree>
+      <p:nvGrpSpPr>
+        <p:cNvPr id="1" name=""/>
+        <p:cNvGrpSpPr/>
+        <p:nvPr/>
+      </p:nvGrpSpPr>
+      <p:grpSpPr>
+        <a:xfrm>
+          <a:off x="0" y="0"/>
+          <a:ext cx="0" cy="0"/>
+          <a:chOff x="0" y="0"/>
+          <a:chExt cx="0" cy="0"/>
+        </a:xfrm>
+      </p:grpSpPr>
+      <p:sp>
+        <p:nvSpPr>
+          <p:cNvPr id="2" name="Titolo 1">
             <a:extLst>
               <a:ext uri="{FF2B5EF4-FFF2-40B4-BE49-F238E27FC236}">
-                <a16:creationId xmlns:a16="http://schemas.microsoft.com/office/drawing/2014/main" id="{B13F8C6A-714D-4C39-945A-7EDD7171A29F}"/>
+                <a16:creationId xmlns:a16="http://schemas.microsoft.com/office/drawing/2014/main" id="{D18858E8-12E6-4CA4-8408-CA4D07938B28}"/>
               </a:ext>
             </a:extLst>
           </p:cNvPr>
-          <p:cNvSpPr/>
-          <p:nvPr/>
+          <p:cNvSpPr>
+            <a:spLocks noGrp="1"/>
+          </p:cNvSpPr>
+          <p:nvPr>
+            <p:ph type="title"/>
+          </p:nvPr>
         </p:nvSpPr>
         <p:spPr>
           <a:xfrm>
-            <a:off x="8954608" y="1791899"/>
-            <a:ext cx="2139519" cy="1226888"/>
+            <a:off x="1371600" y="685800"/>
+            <a:ext cx="9601200" cy="741784"/>
+          </a:xfrm>
+        </p:spPr>
+        <p:txBody>
+          <a:bodyPr/>
+          <a:lstStyle/>
+          <a:p>
+            <a:r>
+              <a:rPr lang="en-US" dirty="0"/>
+              <a:t>Stable plain data 2</a:t>
+            </a:r>
+          </a:p>
+        </p:txBody>
+      </p:sp>
+      <p:pic>
+        <p:nvPicPr>
+          <p:cNvPr id="4" name="Segnaposto contenuto 3">
+            <a:extLst>
+              <a:ext uri="{FF2B5EF4-FFF2-40B4-BE49-F238E27FC236}">
+                <a16:creationId xmlns:a16="http://schemas.microsoft.com/office/drawing/2014/main" id="{1E5D2548-CB7A-4438-847E-9445309D6748}"/>
+              </a:ext>
+            </a:extLst>
+          </p:cNvPr>
+          <p:cNvPicPr>
+            <a:picLocks noGrp="1" noChangeAspect="1"/>
+          </p:cNvPicPr>
+          <p:nvPr>
+            <p:ph idx="1"/>
+          </p:nvPr>
+        </p:nvPicPr>
+        <p:blipFill rotWithShape="1">
+          <a:blip r:embed="rId2"/>
+          <a:srcRect l="3207" t="10614" r="53547" b="8877"/>
+          <a:stretch/>
+        </p:blipFill>
+        <p:spPr>
+          <a:xfrm>
+            <a:off x="1604864" y="1311844"/>
+            <a:ext cx="9986559" cy="5228916"/>
           </a:xfrm>
           <a:prstGeom prst="rect">
             <a:avLst/>
           </a:prstGeom>
         </p:spPr>
-        <p:style>
-          <a:lnRef idx="2">
-            <a:schemeClr val="accent1">
-              <a:shade val="50000"/>
-            </a:schemeClr>
-          </a:lnRef>
-          <a:fillRef idx="1">
-            <a:schemeClr val="accent1"/>
-          </a:fillRef>
-          <a:effectRef idx="0">
-            <a:schemeClr val="accent1"/>
-          </a:effectRef>
-          <a:fontRef idx="minor">
-            <a:schemeClr val="lt1"/>
-          </a:fontRef>
-        </p:style>
-        <p:txBody>
-          <a:bodyPr rtlCol="0" anchor="ctr"/>
-          <a:lstStyle/>
-          <a:p>
-            <a:pPr algn="ctr"/>
-            <a:r>
-              <a:rPr lang="en-US" dirty="0"/>
-              <a:t>Web Server</a:t>
-            </a:r>
-          </a:p>
-        </p:txBody>
-      </p:sp>
-      <p:cxnSp>
-        <p:nvCxnSpPr>
-          <p:cNvPr id="18" name="Connettore 2 17">
+      </p:pic>
+    </p:spTree>
+    <p:extLst>
+      <p:ext uri="{BB962C8B-B14F-4D97-AF65-F5344CB8AC3E}">
+        <p14:creationId xmlns:p14="http://schemas.microsoft.com/office/powerpoint/2010/main" val="1515923275"/>
+      </p:ext>
+    </p:extLst>
+  </p:cSld>
+  <p:clrMapOvr>
+    <a:masterClrMapping/>
+  </p:clrMapOvr>
+</p:sld>
+</file>
+
+<file path=ppt/slides/slide17.xml><?xml version="1.0" encoding="utf-8"?>
+<p:sld xmlns:a="http://schemas.openxmlformats.org/drawingml/2006/main" xmlns:r="http://schemas.openxmlformats.org/officeDocument/2006/relationships" xmlns:p="http://schemas.openxmlformats.org/presentationml/2006/main">
+  <p:cSld>
+    <p:spTree>
+      <p:nvGrpSpPr>
+        <p:cNvPr id="1" name=""/>
+        <p:cNvGrpSpPr/>
+        <p:nvPr/>
+      </p:nvGrpSpPr>
+      <p:grpSpPr>
+        <a:xfrm>
+          <a:off x="0" y="0"/>
+          <a:ext cx="0" cy="0"/>
+          <a:chOff x="0" y="0"/>
+          <a:chExt cx="0" cy="0"/>
+        </a:xfrm>
+      </p:grpSpPr>
+      <p:sp>
+        <p:nvSpPr>
+          <p:cNvPr id="2" name="Titolo 1">
             <a:extLst>
               <a:ext uri="{FF2B5EF4-FFF2-40B4-BE49-F238E27FC236}">
-                <a16:creationId xmlns:a16="http://schemas.microsoft.com/office/drawing/2014/main" id="{D5F8DBB7-E458-4AAC-84CC-31D0AECFF54B}"/>
+                <a16:creationId xmlns:a16="http://schemas.microsoft.com/office/drawing/2014/main" id="{48F6573A-7508-44BE-99F1-3CCEBDC5E25A}"/>
               </a:ext>
             </a:extLst>
           </p:cNvPr>
-          <p:cNvCxnSpPr>
-            <a:cxnSpLocks/>
-          </p:cNvCxnSpPr>
-          <p:nvPr/>
-        </p:nvCxnSpPr>
+          <p:cNvSpPr>
+            <a:spLocks noGrp="1"/>
+          </p:cNvSpPr>
+          <p:nvPr>
+            <p:ph type="title"/>
+          </p:nvPr>
+        </p:nvSpPr>
         <p:spPr>
-          <a:xfrm flipV="1">
-            <a:off x="8063762" y="2381373"/>
-            <a:ext cx="729571" cy="361827"/>
+          <a:xfrm>
+            <a:off x="1371600" y="685800"/>
+            <a:ext cx="9601200" cy="760445"/>
           </a:xfrm>
-          <a:prstGeom prst="straightConnector1">
-            <a:avLst/>
-          </a:prstGeom>
-          <a:ln>
-            <a:tailEnd type="triangle"/>
-          </a:ln>
         </p:spPr>
-        <p:style>
-          <a:lnRef idx="1">
-            <a:schemeClr val="accent1"/>
-          </a:lnRef>
-          <a:fillRef idx="0">
-            <a:schemeClr val="accent1"/>
-          </a:fillRef>
-          <a:effectRef idx="0">
-            <a:schemeClr val="accent1"/>
-          </a:effectRef>
-          <a:fontRef idx="minor">
-            <a:schemeClr val="tx1"/>
-          </a:fontRef>
-        </p:style>
-      </p:cxnSp>
-      <p:sp>
-        <p:nvSpPr>
-          <p:cNvPr id="19" name="Rettangolo 18">
+        <p:txBody>
+          <a:bodyPr/>
+          <a:lstStyle/>
+          <a:p>
+            <a:r>
+              <a:rPr lang="en-US" dirty="0"/>
+              <a:t>Disturbed plain data</a:t>
+            </a:r>
+          </a:p>
+        </p:txBody>
+      </p:sp>
+      <p:pic>
+        <p:nvPicPr>
+          <p:cNvPr id="4" name="Segnaposto contenuto 3">
             <a:extLst>
               <a:ext uri="{FF2B5EF4-FFF2-40B4-BE49-F238E27FC236}">
-                <a16:creationId xmlns:a16="http://schemas.microsoft.com/office/drawing/2014/main" id="{334FE174-982F-4ED4-9D92-C71CA1E4B8B1}"/>
+                <a16:creationId xmlns:a16="http://schemas.microsoft.com/office/drawing/2014/main" id="{1C3D3C47-319E-406F-B9B2-4B4CEF380B97}"/>
               </a:ext>
             </a:extLst>
           </p:cNvPr>
-          <p:cNvSpPr/>
-          <p:nvPr/>
-        </p:nvSpPr>
+          <p:cNvPicPr>
+            <a:picLocks noGrp="1" noChangeAspect="1"/>
+          </p:cNvPicPr>
+          <p:nvPr>
+            <p:ph idx="1"/>
+          </p:nvPr>
+        </p:nvPicPr>
+        <p:blipFill rotWithShape="1">
+          <a:blip r:embed="rId2"/>
+          <a:srcRect l="2720" t="9255" r="53646" b="9198"/>
+          <a:stretch/>
+        </p:blipFill>
         <p:spPr>
           <a:xfrm>
-            <a:off x="8565971" y="3719733"/>
-            <a:ext cx="2787588" cy="862917"/>
+            <a:off x="2062066" y="1446245"/>
+            <a:ext cx="9293290" cy="4884669"/>
           </a:xfrm>
           <a:prstGeom prst="rect">
             <a:avLst/>
           </a:prstGeom>
         </p:spPr>
-        <p:style>
-          <a:lnRef idx="2">
-            <a:schemeClr val="accent1">
-              <a:shade val="50000"/>
-            </a:schemeClr>
-          </a:lnRef>
-          <a:fillRef idx="1">
-            <a:schemeClr val="accent1"/>
-          </a:fillRef>
-          <a:effectRef idx="0">
-            <a:schemeClr val="accent1"/>
-          </a:effectRef>
-          <a:fontRef idx="minor">
-            <a:schemeClr val="lt1"/>
-          </a:fontRef>
-        </p:style>
-        <p:txBody>
-          <a:bodyPr rtlCol="0" anchor="ctr"/>
-          <a:lstStyle/>
-          <a:p>
-            <a:pPr algn="ctr"/>
-            <a:r>
-              <a:rPr lang="en-US" dirty="0"/>
-              <a:t>Web Page with monitoring results (ok/</a:t>
-            </a:r>
-            <a:r>
-              <a:rPr lang="en-US" dirty="0" err="1"/>
-              <a:t>ko</a:t>
-            </a:r>
-            <a:r>
-              <a:rPr lang="en-US" dirty="0"/>
-              <a:t>)</a:t>
-            </a:r>
-          </a:p>
-        </p:txBody>
-      </p:sp>
-      <p:cxnSp>
-        <p:nvCxnSpPr>
-          <p:cNvPr id="21" name="Connettore 2 20">
+      </p:pic>
+    </p:spTree>
+    <p:extLst>
+      <p:ext uri="{BB962C8B-B14F-4D97-AF65-F5344CB8AC3E}">
+        <p14:creationId xmlns:p14="http://schemas.microsoft.com/office/powerpoint/2010/main" val="1378876498"/>
+      </p:ext>
+    </p:extLst>
+  </p:cSld>
+  <p:clrMapOvr>
+    <a:masterClrMapping/>
+  </p:clrMapOvr>
+</p:sld>
+</file>
+
+<file path=ppt/slides/slide18.xml><?xml version="1.0" encoding="utf-8"?>
+<p:sld xmlns:a="http://schemas.openxmlformats.org/drawingml/2006/main" xmlns:r="http://schemas.openxmlformats.org/officeDocument/2006/relationships" xmlns:p="http://schemas.openxmlformats.org/presentationml/2006/main">
+  <p:cSld>
+    <p:spTree>
+      <p:nvGrpSpPr>
+        <p:cNvPr id="1" name=""/>
+        <p:cNvGrpSpPr/>
+        <p:nvPr/>
+      </p:nvGrpSpPr>
+      <p:grpSpPr>
+        <a:xfrm>
+          <a:off x="0" y="0"/>
+          <a:ext cx="0" cy="0"/>
+          <a:chOff x="0" y="0"/>
+          <a:chExt cx="0" cy="0"/>
+        </a:xfrm>
+      </p:grpSpPr>
+      <p:sp>
+        <p:nvSpPr>
+          <p:cNvPr id="2" name="Titolo 1">
             <a:extLst>
               <a:ext uri="{FF2B5EF4-FFF2-40B4-BE49-F238E27FC236}">
-                <a16:creationId xmlns:a16="http://schemas.microsoft.com/office/drawing/2014/main" id="{8B75EB12-AC70-40A5-88C9-D50EB9019AB6}"/>
+                <a16:creationId xmlns:a16="http://schemas.microsoft.com/office/drawing/2014/main" id="{71B83AFD-44CF-4B99-82FE-6DE35DD40FE8}"/>
               </a:ext>
             </a:extLst>
           </p:cNvPr>
-          <p:cNvCxnSpPr/>
-          <p:nvPr/>
-        </p:nvCxnSpPr>
+          <p:cNvSpPr>
+            <a:spLocks noGrp="1"/>
+          </p:cNvSpPr>
+          <p:nvPr>
+            <p:ph type="title"/>
+          </p:nvPr>
+        </p:nvSpPr>
         <p:spPr>
           <a:xfrm>
-            <a:off x="10045081" y="3121386"/>
-            <a:ext cx="0" cy="461639"/>
+            <a:off x="1278292" y="240264"/>
+            <a:ext cx="10562253" cy="767442"/>
           </a:xfrm>
-          <a:prstGeom prst="straightConnector1">
-            <a:avLst/>
-          </a:prstGeom>
-          <a:ln>
-            <a:tailEnd type="triangle"/>
-          </a:ln>
         </p:spPr>
-        <p:style>
-          <a:lnRef idx="1">
-            <a:schemeClr val="accent1"/>
-          </a:lnRef>
-          <a:fillRef idx="0">
-            <a:schemeClr val="accent1"/>
-          </a:fillRef>
-          <a:effectRef idx="0">
-            <a:schemeClr val="accent1"/>
-          </a:effectRef>
-          <a:fontRef idx="minor">
-            <a:schemeClr val="tx1"/>
-          </a:fontRef>
-        </p:style>
-      </p:cxnSp>
-      <p:sp>
-        <p:nvSpPr>
-          <p:cNvPr id="22" name="Rettangolo 21">
+        <p:txBody>
+          <a:bodyPr>
+            <a:normAutofit fontScale="90000"/>
+          </a:bodyPr>
+          <a:lstStyle/>
+          <a:p>
+            <a:r>
+              <a:rPr lang="en-US" dirty="0"/>
+              <a:t>Model identification and data checking results</a:t>
+            </a:r>
+            <a:br>
+              <a:rPr lang="en-US" dirty="0"/>
+            </a:br>
+            <a:endParaRPr lang="en-US" dirty="0"/>
+          </a:p>
+        </p:txBody>
+      </p:sp>
+      <p:pic>
+        <p:nvPicPr>
+          <p:cNvPr id="4" name="Segnaposto contenuto 3">
             <a:extLst>
               <a:ext uri="{FF2B5EF4-FFF2-40B4-BE49-F238E27FC236}">
-                <a16:creationId xmlns:a16="http://schemas.microsoft.com/office/drawing/2014/main" id="{9F0F17B7-11AA-4CC4-9D3A-3A5C370AECF8}"/>
+                <a16:creationId xmlns:a16="http://schemas.microsoft.com/office/drawing/2014/main" id="{601DFCB2-2BC5-46CE-8ACE-CE386EEBB51F}"/>
               </a:ext>
             </a:extLst>
           </p:cNvPr>
-          <p:cNvSpPr/>
-          <p:nvPr/>
-        </p:nvSpPr>
+          <p:cNvPicPr>
+            <a:picLocks noGrp="1" noChangeAspect="1"/>
+          </p:cNvPicPr>
+          <p:nvPr>
+            <p:ph idx="1"/>
+          </p:nvPr>
+        </p:nvPicPr>
+        <p:blipFill rotWithShape="1">
+          <a:blip r:embed="rId2"/>
+          <a:srcRect l="2915" t="10983" r="52575" b="8161"/>
+          <a:stretch/>
+        </p:blipFill>
         <p:spPr>
           <a:xfrm>
-            <a:off x="6600771" y="5710916"/>
-            <a:ext cx="3474128" cy="882618"/>
+            <a:off x="1092249" y="1007706"/>
+            <a:ext cx="10841604" cy="5539162"/>
           </a:xfrm>
           <a:prstGeom prst="rect">
             <a:avLst/>
           </a:prstGeom>
         </p:spPr>
-        <p:style>
-          <a:lnRef idx="2">
-            <a:schemeClr val="accent1">
-              <a:shade val="50000"/>
-            </a:schemeClr>
-          </a:lnRef>
-          <a:fillRef idx="1">
-            <a:schemeClr val="accent1"/>
-          </a:fillRef>
-          <a:effectRef idx="0">
-            <a:schemeClr val="accent1"/>
-          </a:effectRef>
-          <a:fontRef idx="minor">
-            <a:schemeClr val="lt1"/>
-          </a:fontRef>
-        </p:style>
-        <p:txBody>
-          <a:bodyPr rtlCol="0" anchor="ctr"/>
-          <a:lstStyle/>
-          <a:p>
-            <a:pPr algn="ctr"/>
-            <a:r>
-              <a:rPr lang="en-US" dirty="0"/>
-              <a:t>Motor power supply controller that turns off a motor in case of faults</a:t>
-            </a:r>
-          </a:p>
-        </p:txBody>
-      </p:sp>
-      <p:sp>
-        <p:nvSpPr>
-          <p:cNvPr id="23" name="Rettangolo 22">
+      </p:pic>
+      <p:sp>
+        <p:nvSpPr>
+          <p:cNvPr id="5" name="CasellaDiTesto 4">
             <a:extLst>
               <a:ext uri="{FF2B5EF4-FFF2-40B4-BE49-F238E27FC236}">
-                <a16:creationId xmlns:a16="http://schemas.microsoft.com/office/drawing/2014/main" id="{B3B925E8-3744-490D-89D7-4D9EC7439BC3}"/>
-              </a:ext>
-            </a:extLst>
-          </p:cNvPr>
-          <p:cNvSpPr/>
-          <p:nvPr/>
-        </p:nvSpPr>
-        <p:spPr>
-          <a:xfrm>
-            <a:off x="1905237" y="5665246"/>
-            <a:ext cx="881849" cy="765251"/>
-          </a:xfrm>
-          <a:prstGeom prst="rect">
-            <a:avLst/>
-          </a:prstGeom>
-        </p:spPr>
-        <p:style>
-          <a:lnRef idx="2">
-            <a:schemeClr val="accent1">
-              <a:shade val="50000"/>
-            </a:schemeClr>
-          </a:lnRef>
-          <a:fillRef idx="1">
-            <a:schemeClr val="accent1"/>
-          </a:fillRef>
-          <a:effectRef idx="0">
-            <a:schemeClr val="accent1"/>
-          </a:effectRef>
-          <a:fontRef idx="minor">
-            <a:schemeClr val="lt1"/>
-          </a:fontRef>
-        </p:style>
-        <p:txBody>
-          <a:bodyPr rtlCol="0" anchor="ctr"/>
-          <a:lstStyle/>
-          <a:p>
-            <a:pPr algn="ctr"/>
-            <a:r>
-              <a:rPr lang="en-US" dirty="0"/>
-              <a:t>Power supply</a:t>
-            </a:r>
-          </a:p>
-        </p:txBody>
-      </p:sp>
-      <p:cxnSp>
-        <p:nvCxnSpPr>
-          <p:cNvPr id="25" name="Connettore 2 24">
-            <a:extLst>
-              <a:ext uri="{FF2B5EF4-FFF2-40B4-BE49-F238E27FC236}">
-                <a16:creationId xmlns:a16="http://schemas.microsoft.com/office/drawing/2014/main" id="{C339E8FC-A4F8-47EF-8AFE-A3176D2E6038}"/>
-              </a:ext>
-            </a:extLst>
-          </p:cNvPr>
-          <p:cNvCxnSpPr>
-            <a:cxnSpLocks/>
-          </p:cNvCxnSpPr>
-          <p:nvPr/>
-        </p:nvCxnSpPr>
-        <p:spPr>
-          <a:xfrm flipH="1" flipV="1">
-            <a:off x="1928345" y="2928226"/>
-            <a:ext cx="70244" cy="2589484"/>
-          </a:xfrm>
-          <a:prstGeom prst="straightConnector1">
-            <a:avLst/>
-          </a:prstGeom>
-          <a:ln>
-            <a:tailEnd type="triangle"/>
-          </a:ln>
-        </p:spPr>
-        <p:style>
-          <a:lnRef idx="1">
-            <a:schemeClr val="accent1"/>
-          </a:lnRef>
-          <a:fillRef idx="0">
-            <a:schemeClr val="accent1"/>
-          </a:fillRef>
-          <a:effectRef idx="0">
-            <a:schemeClr val="accent1"/>
-          </a:effectRef>
-          <a:fontRef idx="minor">
-            <a:schemeClr val="tx1"/>
-          </a:fontRef>
-        </p:style>
-      </p:cxnSp>
-      <p:cxnSp>
-        <p:nvCxnSpPr>
-          <p:cNvPr id="29" name="Connettore 2 28">
-            <a:extLst>
-              <a:ext uri="{FF2B5EF4-FFF2-40B4-BE49-F238E27FC236}">
-                <a16:creationId xmlns:a16="http://schemas.microsoft.com/office/drawing/2014/main" id="{90F0795E-36D3-43A1-B13B-63E5B1D47E95}"/>
-              </a:ext>
-            </a:extLst>
-          </p:cNvPr>
-          <p:cNvCxnSpPr>
-            <a:cxnSpLocks/>
-          </p:cNvCxnSpPr>
-          <p:nvPr/>
-        </p:nvCxnSpPr>
-        <p:spPr>
-          <a:xfrm flipV="1">
-            <a:off x="2524217" y="4643012"/>
-            <a:ext cx="262869" cy="874699"/>
-          </a:xfrm>
-          <a:prstGeom prst="straightConnector1">
-            <a:avLst/>
-          </a:prstGeom>
-          <a:ln>
-            <a:tailEnd type="triangle"/>
-          </a:ln>
-        </p:spPr>
-        <p:style>
-          <a:lnRef idx="1">
-            <a:schemeClr val="accent1"/>
-          </a:lnRef>
-          <a:fillRef idx="0">
-            <a:schemeClr val="accent1"/>
-          </a:fillRef>
-          <a:effectRef idx="0">
-            <a:schemeClr val="accent1"/>
-          </a:effectRef>
-          <a:fontRef idx="minor">
-            <a:schemeClr val="tx1"/>
-          </a:fontRef>
-        </p:style>
-      </p:cxnSp>
-      <p:cxnSp>
-        <p:nvCxnSpPr>
-          <p:cNvPr id="31" name="Connettore 2 30">
-            <a:extLst>
-              <a:ext uri="{FF2B5EF4-FFF2-40B4-BE49-F238E27FC236}">
-                <a16:creationId xmlns:a16="http://schemas.microsoft.com/office/drawing/2014/main" id="{6DA1AE05-AF90-4507-9254-3B71915560ED}"/>
-              </a:ext>
-            </a:extLst>
-          </p:cNvPr>
-          <p:cNvCxnSpPr>
-            <a:cxnSpLocks/>
-          </p:cNvCxnSpPr>
-          <p:nvPr/>
-        </p:nvCxnSpPr>
-        <p:spPr>
-          <a:xfrm flipH="1" flipV="1">
-            <a:off x="2853287" y="6152225"/>
-            <a:ext cx="3675366" cy="106654"/>
-          </a:xfrm>
-          <a:prstGeom prst="straightConnector1">
-            <a:avLst/>
-          </a:prstGeom>
-          <a:ln>
-            <a:tailEnd type="triangle"/>
-          </a:ln>
-        </p:spPr>
-        <p:style>
-          <a:lnRef idx="1">
-            <a:schemeClr val="accent1"/>
-          </a:lnRef>
-          <a:fillRef idx="0">
-            <a:schemeClr val="accent1"/>
-          </a:fillRef>
-          <a:effectRef idx="0">
-            <a:schemeClr val="accent1"/>
-          </a:effectRef>
-          <a:fontRef idx="minor">
-            <a:schemeClr val="tx1"/>
-          </a:fontRef>
-        </p:style>
-      </p:cxnSp>
-      <p:cxnSp>
-        <p:nvCxnSpPr>
-          <p:cNvPr id="33" name="Connettore 2 32">
-            <a:extLst>
-              <a:ext uri="{FF2B5EF4-FFF2-40B4-BE49-F238E27FC236}">
-                <a16:creationId xmlns:a16="http://schemas.microsoft.com/office/drawing/2014/main" id="{D0B88EAD-3C42-4A64-AC72-2E97760FEB40}"/>
-              </a:ext>
-            </a:extLst>
-          </p:cNvPr>
-          <p:cNvCxnSpPr>
-            <a:cxnSpLocks/>
-          </p:cNvCxnSpPr>
-          <p:nvPr/>
-        </p:nvCxnSpPr>
-        <p:spPr>
-          <a:xfrm>
-            <a:off x="7430610" y="4259000"/>
-            <a:ext cx="249682" cy="1397846"/>
-          </a:xfrm>
-          <a:prstGeom prst="straightConnector1">
-            <a:avLst/>
-          </a:prstGeom>
-          <a:ln>
-            <a:tailEnd type="triangle"/>
-          </a:ln>
-        </p:spPr>
-        <p:style>
-          <a:lnRef idx="1">
-            <a:schemeClr val="accent1"/>
-          </a:lnRef>
-          <a:fillRef idx="0">
-            <a:schemeClr val="accent1"/>
-          </a:fillRef>
-          <a:effectRef idx="0">
-            <a:schemeClr val="accent1"/>
-          </a:effectRef>
-          <a:fontRef idx="minor">
-            <a:schemeClr val="tx1"/>
-          </a:fontRef>
-        </p:style>
-      </p:cxnSp>
-      <p:sp>
-        <p:nvSpPr>
-          <p:cNvPr id="37" name="Rettangolo 36">
-            <a:extLst>
-              <a:ext uri="{FF2B5EF4-FFF2-40B4-BE49-F238E27FC236}">
-                <a16:creationId xmlns:a16="http://schemas.microsoft.com/office/drawing/2014/main" id="{83D45CFB-09D1-4F83-BCAE-403F9273047D}"/>
-              </a:ext>
-            </a:extLst>
-          </p:cNvPr>
-          <p:cNvSpPr/>
-          <p:nvPr/>
-        </p:nvSpPr>
-        <p:spPr>
-          <a:xfrm>
-            <a:off x="1038688" y="4927418"/>
-            <a:ext cx="10762695" cy="1847004"/>
-          </a:xfrm>
-          <a:prstGeom prst="rect">
-            <a:avLst/>
-          </a:prstGeom>
-          <a:noFill/>
-        </p:spPr>
-        <p:style>
-          <a:lnRef idx="2">
-            <a:schemeClr val="accent1">
-              <a:shade val="50000"/>
-            </a:schemeClr>
-          </a:lnRef>
-          <a:fillRef idx="1">
-            <a:schemeClr val="accent1"/>
-          </a:fillRef>
-          <a:effectRef idx="0">
-            <a:schemeClr val="accent1"/>
-          </a:effectRef>
-          <a:fontRef idx="minor">
-            <a:schemeClr val="lt1"/>
-          </a:fontRef>
-        </p:style>
-        <p:txBody>
-          <a:bodyPr rtlCol="0" anchor="ctr"/>
-          <a:lstStyle/>
-          <a:p>
-            <a:pPr algn="ctr"/>
-            <a:endParaRPr lang="en-US"/>
-          </a:p>
-        </p:txBody>
-      </p:sp>
-      <p:sp>
-        <p:nvSpPr>
-          <p:cNvPr id="38" name="Rettangolo 37">
-            <a:extLst>
-              <a:ext uri="{FF2B5EF4-FFF2-40B4-BE49-F238E27FC236}">
-                <a16:creationId xmlns:a16="http://schemas.microsoft.com/office/drawing/2014/main" id="{6EC113B4-8151-47BB-AC1F-02204162E0B8}"/>
-              </a:ext>
-            </a:extLst>
-          </p:cNvPr>
-          <p:cNvSpPr/>
-          <p:nvPr/>
-        </p:nvSpPr>
-        <p:spPr>
-          <a:xfrm>
-            <a:off x="1038688" y="1429306"/>
-            <a:ext cx="10762695" cy="3384161"/>
-          </a:xfrm>
-          <a:prstGeom prst="rect">
-            <a:avLst/>
-          </a:prstGeom>
-          <a:noFill/>
-        </p:spPr>
-        <p:style>
-          <a:lnRef idx="2">
-            <a:schemeClr val="accent1">
-              <a:shade val="50000"/>
-            </a:schemeClr>
-          </a:lnRef>
-          <a:fillRef idx="1">
-            <a:schemeClr val="accent1"/>
-          </a:fillRef>
-          <a:effectRef idx="0">
-            <a:schemeClr val="accent1"/>
-          </a:effectRef>
-          <a:fontRef idx="minor">
-            <a:schemeClr val="lt1"/>
-          </a:fontRef>
-        </p:style>
-        <p:txBody>
-          <a:bodyPr rtlCol="0" anchor="ctr"/>
-          <a:lstStyle/>
-          <a:p>
-            <a:pPr algn="ctr"/>
-            <a:endParaRPr lang="en-US"/>
-          </a:p>
-        </p:txBody>
-      </p:sp>
-      <p:sp>
-        <p:nvSpPr>
-          <p:cNvPr id="40" name="CasellaDiTesto 39">
-            <a:extLst>
-              <a:ext uri="{FF2B5EF4-FFF2-40B4-BE49-F238E27FC236}">
-                <a16:creationId xmlns:a16="http://schemas.microsoft.com/office/drawing/2014/main" id="{FAF980E9-EC9A-4239-AFE3-9E18CAB8598E}"/>
+                <a16:creationId xmlns:a16="http://schemas.microsoft.com/office/drawing/2014/main" id="{64418ABF-295A-4EA8-A2B2-A5A6F9DFBC0F}"/>
               </a:ext>
             </a:extLst>
           </p:cNvPr>
@@ -7984,8 +10489,8 @@
         </p:nvSpPr>
         <p:spPr>
           <a:xfrm>
-            <a:off x="6146304" y="1443848"/>
-            <a:ext cx="764697" cy="369332"/>
+            <a:off x="9671387" y="1521702"/>
+            <a:ext cx="1531188" cy="369332"/>
           </a:xfrm>
           <a:prstGeom prst="rect">
             <a:avLst/>
@@ -8000,17 +10505,17 @@
           <a:p>
             <a:r>
               <a:rPr lang="en-US" dirty="0"/>
-              <a:t>Target</a:t>
+              <a:t>Stable plain 1</a:t>
             </a:r>
           </a:p>
         </p:txBody>
       </p:sp>
       <p:sp>
         <p:nvSpPr>
-          <p:cNvPr id="41" name="CasellaDiTesto 40">
+          <p:cNvPr id="6" name="CasellaDiTesto 5">
             <a:extLst>
               <a:ext uri="{FF2B5EF4-FFF2-40B4-BE49-F238E27FC236}">
-                <a16:creationId xmlns:a16="http://schemas.microsoft.com/office/drawing/2014/main" id="{92880B6D-254B-4532-9AD2-C73C1872D687}"/>
+                <a16:creationId xmlns:a16="http://schemas.microsoft.com/office/drawing/2014/main" id="{309E8A29-63EB-445E-8717-C8A105BD0DE9}"/>
               </a:ext>
             </a:extLst>
           </p:cNvPr>
@@ -8019,8 +10524,8 @@
         </p:nvSpPr>
         <p:spPr>
           <a:xfrm>
-            <a:off x="4378769" y="5044619"/>
-            <a:ext cx="2968057" cy="369332"/>
+            <a:off x="9777919" y="3244334"/>
+            <a:ext cx="1531188" cy="369332"/>
           </a:xfrm>
           <a:prstGeom prst="rect">
             <a:avLst/>
@@ -8035,7 +10540,42 @@
           <a:p>
             <a:r>
               <a:rPr lang="en-US" dirty="0"/>
-              <a:t>Possible system improvement</a:t>
+              <a:t>Stable plain 2</a:t>
+            </a:r>
+          </a:p>
+        </p:txBody>
+      </p:sp>
+      <p:sp>
+        <p:nvSpPr>
+          <p:cNvPr id="7" name="CasellaDiTesto 6">
+            <a:extLst>
+              <a:ext uri="{FF2B5EF4-FFF2-40B4-BE49-F238E27FC236}">
+                <a16:creationId xmlns:a16="http://schemas.microsoft.com/office/drawing/2014/main" id="{C1BCB9A3-276A-4FE9-899F-5B1CB1BD1F97}"/>
+              </a:ext>
+            </a:extLst>
+          </p:cNvPr>
+          <p:cNvSpPr txBox="1"/>
+          <p:nvPr/>
+        </p:nvSpPr>
+        <p:spPr>
+          <a:xfrm>
+            <a:off x="9671387" y="4966966"/>
+            <a:ext cx="1667444" cy="369332"/>
+          </a:xfrm>
+          <a:prstGeom prst="rect">
+            <a:avLst/>
+          </a:prstGeom>
+          <a:noFill/>
+        </p:spPr>
+        <p:txBody>
+          <a:bodyPr wrap="none" rtlCol="0">
+            <a:spAutoFit/>
+          </a:bodyPr>
+          <a:lstStyle/>
+          <a:p>
+            <a:r>
+              <a:rPr lang="en-US" dirty="0"/>
+              <a:t>Disturbed plain</a:t>
             </a:r>
           </a:p>
         </p:txBody>
@@ -8043,7 +10583,7 @@
     </p:spTree>
     <p:extLst>
       <p:ext uri="{BB962C8B-B14F-4D97-AF65-F5344CB8AC3E}">
-        <p14:creationId xmlns:p14="http://schemas.microsoft.com/office/powerpoint/2010/main" val="1323182798"/>
+        <p14:creationId xmlns:p14="http://schemas.microsoft.com/office/powerpoint/2010/main" val="3699517766"/>
       </p:ext>
     </p:extLst>
   </p:cSld>
@@ -8375,7 +10915,7 @@
             <a:pPr algn="just"/>
             <a:r>
               <a:rPr lang="en-US" dirty="0"/>
-              <a:t>It includes some useful sensors (magnetometer, mems microphones array, pressure sensor, gyroscope) and Bluetooth communication</a:t>
+              <a:t>It includes some useful sensors (magnetometer, gyroscope, accelerometer) and the possibility to log data on an SD card</a:t>
             </a:r>
           </a:p>
           <a:p>
@@ -8390,13 +10930,6 @@
             <a:r>
               <a:rPr lang="en-US" dirty="0"/>
               <a:t>Completely programmable to use only the needed sensors in order to increase energy efficiency</a:t>
-            </a:r>
-          </a:p>
-          <a:p>
-            <a:pPr algn="just"/>
-            <a:r>
-              <a:rPr lang="en-US" dirty="0"/>
-              <a:t>Lots of compatibility with other ST Microelectronics boards and expansion devices</a:t>
             </a:r>
           </a:p>
         </p:txBody>
@@ -8476,7 +11009,12 @@
             <p:ph idx="1"/>
           </p:nvPr>
         </p:nvSpPr>
-        <p:spPr/>
+        <p:spPr>
+          <a:xfrm>
+            <a:off x="1371600" y="2286000"/>
+            <a:ext cx="9601200" cy="1143000"/>
+          </a:xfrm>
+        </p:spPr>
         <p:txBody>
           <a:bodyPr/>
           <a:lstStyle/>
@@ -8497,7 +11035,7 @@
             </a:pPr>
             <a:r>
               <a:rPr lang="en-US" dirty="0"/>
-              <a:t>monitor the motor in order to figure out if one or more of these properties are faulty, producing an alarm when something is detected</a:t>
+              <a:t>check the motor data in order to figure out if one or more of its properties are faulty, showing that something is wrong</a:t>
             </a:r>
           </a:p>
         </p:txBody>
@@ -8577,7 +11115,12 @@
             <p:ph idx="1"/>
           </p:nvPr>
         </p:nvSpPr>
-        <p:spPr/>
+        <p:spPr>
+          <a:xfrm>
+            <a:off x="1371600" y="2285999"/>
+            <a:ext cx="9601200" cy="1229557"/>
+          </a:xfrm>
+        </p:spPr>
         <p:txBody>
           <a:bodyPr/>
           <a:lstStyle/>
@@ -8596,7 +11139,7 @@
             </a:r>
             <a:r>
               <a:rPr lang="en-US" dirty="0"/>
-              <a:t>, in order to increase its battery duration</a:t>
+              <a:t>, in order to avoid energy efficiency issues</a:t>
             </a:r>
           </a:p>
           <a:p>
@@ -8606,7 +11149,7 @@
             </a:pPr>
             <a:r>
               <a:rPr lang="en-US" dirty="0"/>
-              <a:t>be adaptable to different motors and environments autonomously</a:t>
+              <a:t>be adaptable to different motors and environments</a:t>
             </a:r>
           </a:p>
         </p:txBody>
@@ -8686,7 +11229,12 @@
             <p:ph idx="1"/>
           </p:nvPr>
         </p:nvSpPr>
-        <p:spPr/>
+        <p:spPr>
+          <a:xfrm>
+            <a:off x="1371600" y="2286000"/>
+            <a:ext cx="9601200" cy="2064058"/>
+          </a:xfrm>
+        </p:spPr>
         <p:txBody>
           <a:bodyPr/>
           <a:lstStyle/>
@@ -8714,7 +11262,7 @@
             </a:r>
             <a:r>
               <a:rPr lang="en-US" dirty="0"/>
-              <a:t> will be used to sense data from the motor in order to catch as much of its dynamics as possible </a:t>
+              <a:t> will be used to sense and save data the to an SD card from the motor in order to catch as much of its dynamics as possible </a:t>
             </a:r>
           </a:p>
           <a:p>
@@ -8822,14 +11370,14 @@
             </a:r>
             <a:r>
               <a:rPr lang="en-US" dirty="0"/>
-              <a:t> will keep sensing data from the motor and deliver them to an external data processing unit that will:</a:t>
+              <a:t> will be used to read and save data from the motor  with a frequency depending on its usage and they will be used by an external data processing unit that will:</a:t>
             </a:r>
           </a:p>
           <a:p>
             <a:pPr algn="just"/>
             <a:r>
               <a:rPr lang="en-US" dirty="0"/>
-              <a:t>Check if the received data fits the model</a:t>
+              <a:t>Check if the data fits the model</a:t>
             </a:r>
           </a:p>
           <a:p>
@@ -8900,7 +11448,7 @@
             <a:pPr algn="ctr"/>
             <a:r>
               <a:rPr lang="en-US" dirty="0"/>
-              <a:t>3) Being energy efficient</a:t>
+              <a:t>3) Avoid energy issues</a:t>
             </a:r>
           </a:p>
         </p:txBody>
@@ -8923,12 +11471,14 @@
         </p:nvSpPr>
         <p:spPr>
           <a:xfrm>
-            <a:off x="838200" y="1825625"/>
+            <a:off x="914400" y="3149117"/>
             <a:ext cx="10515600" cy="559766"/>
           </a:xfrm>
         </p:spPr>
         <p:txBody>
-          <a:bodyPr/>
+          <a:bodyPr>
+            <a:normAutofit fontScale="92500" lnSpcReduction="20000"/>
+          </a:bodyPr>
           <a:lstStyle/>
           <a:p>
             <a:pPr marL="0" indent="0" algn="just">
@@ -8944,45 +11494,11 @@
             </a:r>
             <a:r>
               <a:rPr lang="en-US" dirty="0"/>
-              <a:t> activity will follow a duty cycle like this </a:t>
+              <a:t> will be used only to gather data and an external tool will be used to perform the data analysis task.</a:t>
             </a:r>
           </a:p>
         </p:txBody>
       </p:sp>
-      <p:pic>
-        <p:nvPicPr>
-          <p:cNvPr id="4" name="Immagine 3"/>
-          <p:cNvPicPr>
-            <a:picLocks noChangeAspect="1"/>
-          </p:cNvPicPr>
-          <p:nvPr/>
-        </p:nvPicPr>
-        <p:blipFill rotWithShape="1">
-          <a:blip r:embed="rId2">
-            <a:extLst>
-              <a:ext uri="{28A0092B-C50C-407E-A947-70E740481C1C}">
-                <a14:useLocalDpi xmlns:a14="http://schemas.microsoft.com/office/drawing/2010/main" val="0"/>
-              </a:ext>
-            </a:extLst>
-          </a:blip>
-          <a:srcRect l="1868" t="14206" r="3638" b="5068"/>
-          <a:stretch/>
-        </p:blipFill>
-        <p:spPr>
-          <a:xfrm>
-            <a:off x="838200" y="2520328"/>
-            <a:ext cx="10718919" cy="3615467"/>
-          </a:xfrm>
-          <a:prstGeom prst="rect">
-            <a:avLst/>
-          </a:prstGeom>
-          <a:ln w="38100">
-            <a:solidFill>
-              <a:schemeClr val="tx1"/>
-            </a:solidFill>
-          </a:ln>
-        </p:spPr>
-      </p:pic>
     </p:spTree>
     <p:extLst>
       <p:ext uri="{BB962C8B-B14F-4D97-AF65-F5344CB8AC3E}">
@@ -9077,7 +11593,7 @@
             </a:pPr>
             <a:r>
               <a:rPr lang="en-US" dirty="0"/>
-              <a:t>That’s why the system should, on it’s first usage on a new motor, perform a preliminary calibration phase in order to adapt the model to the singular characteristics of the current motor.</a:t>
+              <a:t>On the first usage on a new motor, the motor is considered in good conditions and some data must be collected to perform a preliminary calibration phase in order to adapt the model to the singular characteristics of the current motor.</a:t>
             </a:r>
           </a:p>
           <a:p>
@@ -9086,7 +11602,15 @@
             </a:pPr>
             <a:r>
               <a:rPr lang="en-US" dirty="0"/>
-              <a:t>The system should adapt himself to the environmental conditions and filter inputs not produced by the motor.</a:t>
+              <a:t>This procedure allows to have a “</a:t>
+            </a:r>
+            <a:r>
+              <a:rPr lang="en-US" u="sng" dirty="0"/>
+              <a:t>personalized</a:t>
+            </a:r>
+            <a:r>
+              <a:rPr lang="en-US" dirty="0"/>
+              <a:t>” model for each motor.</a:t>
             </a:r>
           </a:p>
         </p:txBody>

--- a/Pervasive_presentation_Milestone1_group8.pptx
+++ b/Pervasive_presentation_Milestone1_group8.pptx
@@ -4552,7 +4552,7 @@
           <a:p>
             <a:fld id="{BB13FF18-858D-4A6C-8E7A-419597778596}" type="datetimeFigureOut">
               <a:rPr lang="it-IT" smtClean="0"/>
-              <a:t>07/12/2017</a:t>
+              <a:t>11/12/2017</a:t>
             </a:fld>
             <a:endParaRPr lang="it-IT"/>
           </a:p>
@@ -4882,7 +4882,7 @@
           <a:p>
             <a:fld id="{BB13FF18-858D-4A6C-8E7A-419597778596}" type="datetimeFigureOut">
               <a:rPr lang="it-IT" smtClean="0"/>
-              <a:t>07/12/2017</a:t>
+              <a:t>11/12/2017</a:t>
             </a:fld>
             <a:endParaRPr lang="it-IT"/>
           </a:p>
@@ -5062,7 +5062,7 @@
           <a:p>
             <a:fld id="{BB13FF18-858D-4A6C-8E7A-419597778596}" type="datetimeFigureOut">
               <a:rPr lang="it-IT" smtClean="0"/>
-              <a:t>07/12/2017</a:t>
+              <a:t>11/12/2017</a:t>
             </a:fld>
             <a:endParaRPr lang="it-IT"/>
           </a:p>
@@ -5232,7 +5232,7 @@
           <a:p>
             <a:fld id="{BB13FF18-858D-4A6C-8E7A-419597778596}" type="datetimeFigureOut">
               <a:rPr lang="it-IT" smtClean="0"/>
-              <a:t>07/12/2017</a:t>
+              <a:t>11/12/2017</a:t>
             </a:fld>
             <a:endParaRPr lang="it-IT"/>
           </a:p>
@@ -5509,7 +5509,7 @@
           <a:p>
             <a:fld id="{BB13FF18-858D-4A6C-8E7A-419597778596}" type="datetimeFigureOut">
               <a:rPr lang="it-IT" smtClean="0"/>
-              <a:t>07/12/2017</a:t>
+              <a:t>11/12/2017</a:t>
             </a:fld>
             <a:endParaRPr lang="it-IT"/>
           </a:p>
@@ -5903,7 +5903,7 @@
           <a:p>
             <a:fld id="{BB13FF18-858D-4A6C-8E7A-419597778596}" type="datetimeFigureOut">
               <a:rPr lang="it-IT" smtClean="0"/>
-              <a:t>07/12/2017</a:t>
+              <a:t>11/12/2017</a:t>
             </a:fld>
             <a:endParaRPr lang="it-IT"/>
           </a:p>
@@ -6380,7 +6380,7 @@
           <a:p>
             <a:fld id="{BB13FF18-858D-4A6C-8E7A-419597778596}" type="datetimeFigureOut">
               <a:rPr lang="it-IT" smtClean="0"/>
-              <a:t>07/12/2017</a:t>
+              <a:t>11/12/2017</a:t>
             </a:fld>
             <a:endParaRPr lang="it-IT"/>
           </a:p>
@@ -6498,7 +6498,7 @@
           <a:p>
             <a:fld id="{BB13FF18-858D-4A6C-8E7A-419597778596}" type="datetimeFigureOut">
               <a:rPr lang="it-IT" smtClean="0"/>
-              <a:t>07/12/2017</a:t>
+              <a:t>11/12/2017</a:t>
             </a:fld>
             <a:endParaRPr lang="it-IT"/>
           </a:p>
@@ -6593,7 +6593,7 @@
           <a:p>
             <a:fld id="{BB13FF18-858D-4A6C-8E7A-419597778596}" type="datetimeFigureOut">
               <a:rPr lang="it-IT" smtClean="0"/>
-              <a:t>07/12/2017</a:t>
+              <a:t>11/12/2017</a:t>
             </a:fld>
             <a:endParaRPr lang="it-IT"/>
           </a:p>
@@ -6939,7 +6939,7 @@
           <a:p>
             <a:fld id="{BB13FF18-858D-4A6C-8E7A-419597778596}" type="datetimeFigureOut">
               <a:rPr lang="it-IT" smtClean="0"/>
-              <a:t>07/12/2017</a:t>
+              <a:t>11/12/2017</a:t>
             </a:fld>
             <a:endParaRPr lang="it-IT"/>
           </a:p>
@@ -7327,7 +7327,7 @@
           <a:p>
             <a:fld id="{BB13FF18-858D-4A6C-8E7A-419597778596}" type="datetimeFigureOut">
               <a:rPr lang="it-IT" smtClean="0"/>
-              <a:t>07/12/2017</a:t>
+              <a:t>11/12/2017</a:t>
             </a:fld>
             <a:endParaRPr lang="it-IT"/>
           </a:p>
@@ -7605,7 +7605,7 @@
           <a:p>
             <a:fld id="{BB13FF18-858D-4A6C-8E7A-419597778596}" type="datetimeFigureOut">
               <a:rPr lang="it-IT" smtClean="0"/>
-              <a:t>07/12/2017</a:t>
+              <a:t>11/12/2017</a:t>
             </a:fld>
             <a:endParaRPr lang="it-IT"/>
           </a:p>
@@ -10746,7 +10746,7 @@
         </p:blipFill>
         <p:spPr>
           <a:xfrm>
-            <a:off x="6596829" y="3333509"/>
+            <a:off x="6420366" y="3333510"/>
             <a:ext cx="3667873" cy="2267376"/>
           </a:xfrm>
           <a:prstGeom prst="rect">
